--- a/2015_DOE_Review/SuperBigBite DAQ update-Oct-20-2015.pptx
+++ b/2015_DOE_Review/SuperBigBite DAQ update-Oct-20-2015.pptx
@@ -5311,22 +5311,22 @@
         </p:spPr>
         <p:txBody>
           <a:bodyPr>
-            <a:normAutofit fontScale="90000"/>
+            <a:noAutofit/>
           </a:bodyPr>
           <a:lstStyle/>
           <a:p>
             <a:r>
-              <a:rPr lang="en-US" dirty="0" smtClean="0"/>
+              <a:rPr lang="en-US" sz="3600" dirty="0" smtClean="0"/>
               <a:t>Readout trigger rate ~ 5kHz, Buffer Level = 4,</a:t>
             </a:r>
             <a:br>
-              <a:rPr lang="en-US" dirty="0" smtClean="0"/>
+              <a:rPr lang="en-US" sz="3600" dirty="0" smtClean="0"/>
             </a:br>
             <a:r>
-              <a:rPr lang="en-US" dirty="0" smtClean="0"/>
+              <a:rPr lang="en-US" sz="3600" dirty="0" smtClean="0"/>
               <a:t>No pedestal suppression (8ADC)</a:t>
             </a:r>
-            <a:endParaRPr lang="en-US" dirty="0"/>
+            <a:endParaRPr lang="en-US" sz="3600" dirty="0"/>
           </a:p>
         </p:txBody>
       </p:sp>
@@ -6131,13 +6131,8 @@
             </a:pPr>
             <a:r>
               <a:rPr lang="en-US" dirty="0" smtClean="0"/>
-              <a:t>Sends time frame </a:t>
-            </a:r>
-            <a:r>
-              <a:rPr lang="en-US" dirty="0" smtClean="0"/>
-              <a:t>info</a:t>
-            </a:r>
-            <a:endParaRPr lang="en-US" dirty="0" smtClean="0"/>
+              <a:t>Sends time frame info</a:t>
+            </a:r>
           </a:p>
         </p:txBody>
       </p:sp>
@@ -6431,8 +6426,56 @@
           <a:p>
             <a:r>
               <a:rPr lang="en-US" dirty="0" smtClean="0"/>
-              <a:t>HPS firmware  installed on  FADC and GTP</a:t>
-            </a:r>
+              <a:t>HPS firmware  installed on  FADC and </a:t>
+            </a:r>
+            <a:r>
+              <a:rPr lang="en-US" dirty="0" smtClean="0"/>
+              <a:t>GTP</a:t>
+            </a:r>
+          </a:p>
+          <a:p>
+            <a:r>
+              <a:rPr lang="en-US" dirty="0" smtClean="0"/>
+              <a:t>FADC readout tested with </a:t>
+            </a:r>
+            <a:r>
+              <a:rPr lang="en-US" dirty="0" err="1" smtClean="0"/>
+              <a:t>cosmics</a:t>
+            </a:r>
+            <a:endParaRPr lang="en-US" dirty="0" smtClean="0"/>
+          </a:p>
+          <a:p>
+            <a:r>
+              <a:rPr lang="en-US" dirty="0" smtClean="0"/>
+              <a:t>Testing triggering capability</a:t>
+            </a:r>
+          </a:p>
+          <a:p>
+            <a:endParaRPr lang="en-US" dirty="0"/>
+          </a:p>
+          <a:p>
+            <a:r>
+              <a:rPr lang="en-US" dirty="0" smtClean="0"/>
+              <a:t>Need</a:t>
+            </a:r>
+          </a:p>
+          <a:p>
+            <a:pPr lvl="1"/>
+            <a:r>
+              <a:rPr lang="en-US" dirty="0" smtClean="0"/>
+              <a:t>implement decoder for analysis</a:t>
+            </a:r>
+          </a:p>
+          <a:p>
+            <a:pPr lvl="1"/>
+            <a:r>
+              <a:rPr lang="en-US" dirty="0" smtClean="0"/>
+              <a:t>Test using 2 crates and new VTP</a:t>
+            </a:r>
+            <a:endParaRPr lang="en-US" dirty="0" smtClean="0"/>
+          </a:p>
+          <a:p>
+            <a:endParaRPr lang="en-US" dirty="0" smtClean="0"/>
           </a:p>
           <a:p>
             <a:endParaRPr lang="en-US" dirty="0"/>
@@ -6651,9 +6694,16 @@
             <p:ph idx="1"/>
           </p:nvPr>
         </p:nvSpPr>
-        <p:spPr/>
-        <p:txBody>
-          <a:bodyPr/>
+        <p:spPr>
+          <a:xfrm>
+            <a:off x="457200" y="1600200"/>
+            <a:ext cx="3276600" cy="5029200"/>
+          </a:xfrm>
+        </p:spPr>
+        <p:txBody>
+          <a:bodyPr>
+            <a:normAutofit fontScale="92500"/>
+          </a:bodyPr>
           <a:lstStyle/>
           <a:p>
             <a:r>
@@ -6664,12 +6714,45 @@
           <a:p>
             <a:r>
               <a:rPr lang="en-US" dirty="0" smtClean="0"/>
-              <a:t>Maybe issue with communication with APV being investigated </a:t>
-            </a:r>
-            <a:endParaRPr lang="en-US" dirty="0"/>
-          </a:p>
-        </p:txBody>
-      </p:sp>
+              <a:t>Data structure looks fine but no data from APV</a:t>
+            </a:r>
+            <a:r>
+              <a:rPr lang="en-US" dirty="0" smtClean="0"/>
+              <a:t>  </a:t>
+            </a:r>
+          </a:p>
+          <a:p>
+            <a:r>
+              <a:rPr lang="en-US" dirty="0" smtClean="0"/>
+              <a:t>Maybe issue with communication with APV (I2C timing ) being investigated</a:t>
+            </a:r>
+          </a:p>
+        </p:txBody>
+      </p:sp>
+      <p:pic>
+        <p:nvPicPr>
+          <p:cNvPr id="4" name="Picture 3"/>
+          <p:cNvPicPr>
+            <a:picLocks noChangeAspect="1"/>
+          </p:cNvPicPr>
+          <p:nvPr/>
+        </p:nvPicPr>
+        <p:blipFill>
+          <a:blip r:embed="rId2"/>
+          <a:stretch>
+            <a:fillRect/>
+          </a:stretch>
+        </p:blipFill>
+        <p:spPr>
+          <a:xfrm>
+            <a:off x="3657600" y="1752600"/>
+            <a:ext cx="5486400" cy="3395828"/>
+          </a:xfrm>
+          <a:prstGeom prst="rect">
+            <a:avLst/>
+          </a:prstGeom>
+        </p:spPr>
+      </p:pic>
     </p:spTree>
     <p:extLst>
       <p:ext uri="{BB962C8B-B14F-4D97-AF65-F5344CB8AC3E}">
@@ -6735,13 +6818,44 @@
         </p:nvSpPr>
         <p:spPr/>
         <p:txBody>
-          <a:bodyPr/>
+          <a:bodyPr>
+            <a:normAutofit fontScale="92500" lnSpcReduction="10000"/>
+          </a:bodyPr>
           <a:lstStyle/>
           <a:p>
             <a:r>
               <a:rPr lang="en-US" dirty="0" smtClean="0"/>
-              <a:t>Aurora protocol based</a:t>
-            </a:r>
+              <a:t>Aurora protocol </a:t>
+            </a:r>
+            <a:r>
+              <a:rPr lang="en-US" dirty="0" smtClean="0"/>
+              <a:t>based</a:t>
+            </a:r>
+          </a:p>
+          <a:p>
+            <a:r>
+              <a:rPr lang="en-US" dirty="0"/>
+              <a:t>2</a:t>
+            </a:r>
+            <a:r>
+              <a:rPr lang="en-US" dirty="0" smtClean="0"/>
+              <a:t> </a:t>
+            </a:r>
+            <a:r>
+              <a:rPr lang="en-US" dirty="0" err="1" smtClean="0"/>
+              <a:t>Gbit</a:t>
+            </a:r>
+            <a:r>
+              <a:rPr lang="en-US" dirty="0" smtClean="0"/>
+              <a:t> optical link : 250 MB/s per link</a:t>
+            </a:r>
+          </a:p>
+          <a:p>
+            <a:r>
+              <a:rPr lang="en-US" dirty="0" smtClean="0"/>
+              <a:t>Readout up to 32 MPD in parallel : 8 GB/s bandwidth compared to 100 MB/s using VME</a:t>
+            </a:r>
+            <a:endParaRPr lang="en-US" dirty="0" smtClean="0"/>
           </a:p>
           <a:p>
             <a:r>
@@ -6752,11 +6866,7 @@
           <a:p>
             <a:r>
               <a:rPr lang="en-US" dirty="0" smtClean="0"/>
-              <a:t>Link from MPD to </a:t>
-            </a:r>
-            <a:r>
-              <a:rPr lang="en-US" dirty="0" smtClean="0"/>
-              <a:t>SSP module working from Ben </a:t>
+              <a:t>Link from MPD to SSP module working from Ben </a:t>
             </a:r>
             <a:r>
               <a:rPr lang="en-US" dirty="0" err="1" smtClean="0"/>
@@ -6787,6 +6897,13 @@
   <p:clrMapOvr>
     <a:masterClrMapping/>
   </p:clrMapOvr>
+  <p:timing>
+    <p:tnLst>
+      <p:par>
+        <p:cTn id="1" dur="indefinite" restart="never" nodeType="tmRoot"/>
+      </p:par>
+    </p:tnLst>
+  </p:timing>
 </p:sld>
 </file>
 
@@ -6817,7 +6934,12 @@
             <p:ph type="title"/>
           </p:nvPr>
         </p:nvSpPr>
-        <p:spPr/>
+        <p:spPr>
+          <a:xfrm>
+            <a:off x="495300" y="-26042"/>
+            <a:ext cx="8229600" cy="1143000"/>
+          </a:xfrm>
+        </p:spPr>
         <p:txBody>
           <a:bodyPr/>
           <a:lstStyle/>
@@ -6830,25 +6952,592 @@
           </a:p>
         </p:txBody>
       </p:sp>
-      <p:sp>
-        <p:nvSpPr>
-          <p:cNvPr id="3" name="Content Placeholder 2"/>
-          <p:cNvSpPr>
-            <a:spLocks noGrp="1"/>
-          </p:cNvSpPr>
+      <p:graphicFrame>
+        <p:nvGraphicFramePr>
+          <p:cNvPr id="4" name="Content Placeholder 3"/>
+          <p:cNvGraphicFramePr>
+            <a:graphicFrameLocks noGrp="1"/>
+          </p:cNvGraphicFramePr>
           <p:nvPr>
             <p:ph idx="1"/>
+            <p:extLst>
+              <p:ext uri="{D42A27DB-BD31-4B8C-83A1-F6EECF244321}">
+                <p14:modId xmlns:p14="http://schemas.microsoft.com/office/powerpoint/2010/main" val="383598450"/>
+              </p:ext>
+            </p:extLst>
           </p:nvPr>
-        </p:nvSpPr>
-        <p:spPr/>
-        <p:txBody>
-          <a:bodyPr/>
-          <a:lstStyle/>
-          <a:p>
-            <a:endParaRPr lang="en-US" dirty="0"/>
-          </a:p>
-        </p:txBody>
-      </p:sp>
+        </p:nvGraphicFramePr>
+        <p:xfrm>
+          <a:off x="304800" y="868681"/>
+          <a:ext cx="8763000" cy="5989319"/>
+        </p:xfrm>
+        <a:graphic>
+          <a:graphicData uri="http://schemas.openxmlformats.org/drawingml/2006/table">
+            <a:tbl>
+              <a:tblPr firstRow="1" bandRow="1">
+                <a:tableStyleId>{5C22544A-7EE6-4342-B048-85BDC9FD1C3A}</a:tableStyleId>
+              </a:tblPr>
+              <a:tblGrid>
+                <a:gridCol w="2190750">
+                  <a:extLst>
+                    <a:ext uri="{9D8B030D-6E8A-4147-A177-3AD203B41FA5}">
+                      <a16:colId xmlns:a16="http://schemas.microsoft.com/office/drawing/2014/main" val="2383147881"/>
+                    </a:ext>
+                  </a:extLst>
+                </a:gridCol>
+                <a:gridCol w="2190750">
+                  <a:extLst>
+                    <a:ext uri="{9D8B030D-6E8A-4147-A177-3AD203B41FA5}">
+                      <a16:colId xmlns:a16="http://schemas.microsoft.com/office/drawing/2014/main" val="3539225061"/>
+                    </a:ext>
+                  </a:extLst>
+                </a:gridCol>
+                <a:gridCol w="2190750">
+                  <a:extLst>
+                    <a:ext uri="{9D8B030D-6E8A-4147-A177-3AD203B41FA5}">
+                      <a16:colId xmlns:a16="http://schemas.microsoft.com/office/drawing/2014/main" val="449586720"/>
+                    </a:ext>
+                  </a:extLst>
+                </a:gridCol>
+                <a:gridCol w="2190750">
+                  <a:extLst>
+                    <a:ext uri="{9D8B030D-6E8A-4147-A177-3AD203B41FA5}">
+                      <a16:colId xmlns:a16="http://schemas.microsoft.com/office/drawing/2014/main" val="3861353694"/>
+                    </a:ext>
+                  </a:extLst>
+                </a:gridCol>
+              </a:tblGrid>
+              <a:tr h="685799">
+                <a:tc>
+                  <a:txBody>
+                    <a:bodyPr/>
+                    <a:lstStyle/>
+                    <a:p>
+                      <a:pPr algn="ctr"/>
+                      <a:r>
+                        <a:rPr lang="en-US" dirty="0" smtClean="0"/>
+                        <a:t>4</a:t>
+                      </a:r>
+                      <a:r>
+                        <a:rPr lang="en-US" baseline="30000" dirty="0" smtClean="0"/>
+                        <a:t>th</a:t>
+                      </a:r>
+                      <a:r>
+                        <a:rPr lang="en-US" baseline="0" dirty="0" smtClean="0"/>
+                        <a:t> quarter 2015</a:t>
+                      </a:r>
+                      <a:endParaRPr lang="en-US" dirty="0"/>
+                    </a:p>
+                  </a:txBody>
+                  <a:tcPr/>
+                </a:tc>
+                <a:tc>
+                  <a:txBody>
+                    <a:bodyPr/>
+                    <a:lstStyle/>
+                    <a:p>
+                      <a:pPr algn="ctr"/>
+                      <a:r>
+                        <a:rPr lang="en-US" dirty="0" smtClean="0"/>
+                        <a:t>1</a:t>
+                      </a:r>
+                      <a:r>
+                        <a:rPr lang="en-US" baseline="30000" dirty="0" smtClean="0"/>
+                        <a:t>st</a:t>
+                      </a:r>
+                      <a:r>
+                        <a:rPr lang="en-US" baseline="0" dirty="0" smtClean="0"/>
+                        <a:t> quarter 2016</a:t>
+                      </a:r>
+                      <a:endParaRPr lang="en-US" dirty="0"/>
+                    </a:p>
+                  </a:txBody>
+                  <a:tcPr/>
+                </a:tc>
+                <a:tc>
+                  <a:txBody>
+                    <a:bodyPr/>
+                    <a:lstStyle/>
+                    <a:p>
+                      <a:pPr marL="0" marR="0" indent="0" algn="ctr" defTabSz="914400" rtl="0" eaLnBrk="1" fontAlgn="auto" latinLnBrk="0" hangingPunct="1">
+                        <a:lnSpc>
+                          <a:spcPct val="100000"/>
+                        </a:lnSpc>
+                        <a:spcBef>
+                          <a:spcPts val="0"/>
+                        </a:spcBef>
+                        <a:spcAft>
+                          <a:spcPts val="0"/>
+                        </a:spcAft>
+                        <a:buClrTx/>
+                        <a:buSzTx/>
+                        <a:buFontTx/>
+                        <a:buNone/>
+                        <a:tabLst/>
+                        <a:defRPr/>
+                      </a:pPr>
+                      <a:r>
+                        <a:rPr lang="en-US" baseline="0" dirty="0" smtClean="0"/>
+                        <a:t>2</a:t>
+                      </a:r>
+                      <a:r>
+                        <a:rPr lang="en-US" baseline="30000" dirty="0" smtClean="0"/>
+                        <a:t>st</a:t>
+                      </a:r>
+                      <a:r>
+                        <a:rPr lang="en-US" baseline="0" dirty="0" smtClean="0"/>
+                        <a:t> quarter 2016</a:t>
+                      </a:r>
+                      <a:endParaRPr lang="en-US" dirty="0" smtClean="0"/>
+                    </a:p>
+                    <a:p>
+                      <a:pPr algn="ctr"/>
+                      <a:endParaRPr lang="en-US" dirty="0"/>
+                    </a:p>
+                  </a:txBody>
+                  <a:tcPr/>
+                </a:tc>
+                <a:tc>
+                  <a:txBody>
+                    <a:bodyPr/>
+                    <a:lstStyle/>
+                    <a:p>
+                      <a:pPr marL="0" marR="0" indent="0" algn="ctr" defTabSz="914400" rtl="0" eaLnBrk="1" fontAlgn="auto" latinLnBrk="0" hangingPunct="1">
+                        <a:lnSpc>
+                          <a:spcPct val="100000"/>
+                        </a:lnSpc>
+                        <a:spcBef>
+                          <a:spcPts val="0"/>
+                        </a:spcBef>
+                        <a:spcAft>
+                          <a:spcPts val="0"/>
+                        </a:spcAft>
+                        <a:buClrTx/>
+                        <a:buSzTx/>
+                        <a:buFontTx/>
+                        <a:buNone/>
+                        <a:tabLst/>
+                        <a:defRPr/>
+                      </a:pPr>
+                      <a:r>
+                        <a:rPr lang="en-US" baseline="0" dirty="0" smtClean="0"/>
+                        <a:t>3</a:t>
+                      </a:r>
+                      <a:r>
+                        <a:rPr lang="en-US" baseline="30000" dirty="0" smtClean="0"/>
+                        <a:t>rd</a:t>
+                      </a:r>
+                      <a:r>
+                        <a:rPr lang="en-US" baseline="0" dirty="0" smtClean="0"/>
+                        <a:t> quarter 2016</a:t>
+                      </a:r>
+                      <a:endParaRPr lang="en-US" dirty="0" smtClean="0"/>
+                    </a:p>
+                    <a:p>
+                      <a:pPr algn="ctr"/>
+                      <a:endParaRPr lang="en-US" dirty="0"/>
+                    </a:p>
+                  </a:txBody>
+                  <a:tcPr/>
+                </a:tc>
+                <a:extLst>
+                  <a:ext uri="{0D108BD9-81ED-4DB2-BD59-A6C34878D82A}">
+                    <a16:rowId xmlns:a16="http://schemas.microsoft.com/office/drawing/2014/main" val="660863743"/>
+                  </a:ext>
+                </a:extLst>
+              </a:tr>
+              <a:tr h="4325836">
+                <a:tc>
+                  <a:txBody>
+                    <a:bodyPr/>
+                    <a:lstStyle/>
+                    <a:p>
+                      <a:pPr marL="285750" indent="-285750" algn="ctr">
+                        <a:buFont typeface="Arial" panose="020B0604020202020204" pitchFamily="34" charset="0"/>
+                        <a:buChar char="•"/>
+                      </a:pPr>
+                      <a:r>
+                        <a:rPr lang="en-US" dirty="0" smtClean="0"/>
+                        <a:t>Finish MPD CODA readout debugging</a:t>
+                      </a:r>
+                    </a:p>
+                    <a:p>
+                      <a:pPr marL="285750" indent="-285750" algn="ctr">
+                        <a:buFont typeface="Arial" panose="020B0604020202020204" pitchFamily="34" charset="0"/>
+                        <a:buChar char="•"/>
+                      </a:pPr>
+                      <a:r>
+                        <a:rPr lang="en-US" dirty="0" smtClean="0"/>
+                        <a:t>Finish </a:t>
+                      </a:r>
+                      <a:r>
+                        <a:rPr lang="en-US" dirty="0" err="1" smtClean="0"/>
+                        <a:t>Fastbus</a:t>
+                      </a:r>
+                      <a:r>
+                        <a:rPr lang="en-US" dirty="0" smtClean="0"/>
+                        <a:t> Readout debugging</a:t>
+                      </a:r>
+                    </a:p>
+                    <a:p>
+                      <a:pPr marL="285750" indent="-285750" algn="ctr">
+                        <a:buFont typeface="Arial" panose="020B0604020202020204" pitchFamily="34" charset="0"/>
+                        <a:buChar char="•"/>
+                      </a:pPr>
+                      <a:r>
+                        <a:rPr lang="en-US" dirty="0" smtClean="0"/>
+                        <a:t>Small scale setup</a:t>
+                      </a:r>
+                    </a:p>
+                    <a:p>
+                      <a:pPr algn="ctr"/>
+                      <a:r>
+                        <a:rPr lang="en-US" dirty="0" smtClean="0"/>
+                        <a:t>Test 200 KHz L1 and 5 KHz coincidence with </a:t>
+                      </a:r>
+                      <a:r>
+                        <a:rPr lang="en-US" dirty="0" err="1" smtClean="0"/>
+                        <a:t>Fastbus</a:t>
+                      </a:r>
+                      <a:r>
+                        <a:rPr lang="en-US" dirty="0" smtClean="0"/>
+                        <a:t>, MPD and HCAL FADC</a:t>
+                      </a:r>
+                    </a:p>
+                    <a:p>
+                      <a:pPr marL="285750" indent="-285750" algn="ctr">
+                        <a:buFont typeface="Arial" panose="020B0604020202020204" pitchFamily="34" charset="0"/>
+                        <a:buChar char="•"/>
+                      </a:pPr>
+                      <a:r>
+                        <a:rPr lang="en-US" dirty="0" err="1" smtClean="0"/>
+                        <a:t>Cdet</a:t>
+                      </a:r>
+                      <a:r>
+                        <a:rPr lang="en-US" dirty="0" smtClean="0"/>
+                        <a:t> </a:t>
+                      </a:r>
+                      <a:r>
+                        <a:rPr lang="en-US" dirty="0" err="1" smtClean="0"/>
+                        <a:t>Fastbus</a:t>
+                      </a:r>
+                      <a:endParaRPr lang="en-US" dirty="0" smtClean="0"/>
+                    </a:p>
+                    <a:p>
+                      <a:pPr marL="285750" indent="-285750" algn="ctr">
+                        <a:buFont typeface="Arial" panose="020B0604020202020204" pitchFamily="34" charset="0"/>
+                        <a:buChar char="•"/>
+                      </a:pPr>
+                      <a:r>
+                        <a:rPr lang="en-US" dirty="0" smtClean="0"/>
+                        <a:t>Analysis software : check</a:t>
+                      </a:r>
+                      <a:r>
+                        <a:rPr lang="en-US" baseline="0" dirty="0" smtClean="0"/>
+                        <a:t> </a:t>
+                      </a:r>
+                      <a:r>
+                        <a:rPr lang="en-US" dirty="0" smtClean="0"/>
+                        <a:t>synchronization</a:t>
+                      </a:r>
+                    </a:p>
+                    <a:p>
+                      <a:pPr marL="285750" indent="-285750" algn="ctr">
+                        <a:buFont typeface="Arial" panose="020B0604020202020204" pitchFamily="34" charset="0"/>
+                        <a:buChar char="•"/>
+                      </a:pPr>
+                      <a:r>
+                        <a:rPr lang="en-US" dirty="0" smtClean="0"/>
+                        <a:t>Test MPD optical readout</a:t>
+                      </a:r>
+                    </a:p>
+                    <a:p>
+                      <a:pPr marL="285750" indent="-285750" algn="ctr">
+                        <a:buFont typeface="Arial" panose="020B0604020202020204" pitchFamily="34" charset="0"/>
+                        <a:buChar char="•"/>
+                      </a:pPr>
+                      <a:r>
+                        <a:rPr lang="en-US" dirty="0" smtClean="0"/>
+                        <a:t>HCAL</a:t>
+                      </a:r>
+                      <a:r>
+                        <a:rPr lang="en-US" baseline="0" dirty="0" smtClean="0"/>
+                        <a:t> trigger ordered</a:t>
+                      </a:r>
+                      <a:endParaRPr lang="en-US" dirty="0"/>
+                    </a:p>
+                  </a:txBody>
+                  <a:tcPr/>
+                </a:tc>
+                <a:tc>
+                  <a:txBody>
+                    <a:bodyPr/>
+                    <a:lstStyle/>
+                    <a:p>
+                      <a:pPr marL="285750" indent="-285750" algn="ctr">
+                        <a:buFont typeface="Arial" panose="020B0604020202020204" pitchFamily="34" charset="0"/>
+                        <a:buChar char="•"/>
+                      </a:pPr>
+                      <a:r>
+                        <a:rPr lang="en-US" dirty="0" smtClean="0"/>
+                        <a:t>Implement new HCAL Trigger module</a:t>
+                      </a:r>
+                    </a:p>
+                    <a:p>
+                      <a:pPr marL="285750" indent="-285750" algn="ctr">
+                        <a:buFont typeface="Arial" panose="020B0604020202020204" pitchFamily="34" charset="0"/>
+                        <a:buChar char="•"/>
+                      </a:pPr>
+                      <a:r>
+                        <a:rPr lang="en-US" dirty="0" smtClean="0"/>
+                        <a:t>HCAL </a:t>
+                      </a:r>
+                      <a:r>
+                        <a:rPr lang="en-US" dirty="0" err="1" smtClean="0"/>
+                        <a:t>cosmics</a:t>
+                      </a:r>
+                      <a:endParaRPr lang="en-US" dirty="0" smtClean="0"/>
+                    </a:p>
+                    <a:p>
+                      <a:pPr marL="285750" indent="-285750" algn="ctr">
+                        <a:buFont typeface="Arial" panose="020B0604020202020204" pitchFamily="34" charset="0"/>
+                        <a:buChar char="•"/>
+                      </a:pPr>
+                      <a:r>
+                        <a:rPr lang="en-US" dirty="0" smtClean="0"/>
+                        <a:t>GEM</a:t>
+                      </a:r>
+                      <a:r>
+                        <a:rPr lang="en-US" baseline="0" dirty="0" smtClean="0"/>
+                        <a:t> </a:t>
+                      </a:r>
+                      <a:r>
+                        <a:rPr lang="en-US" baseline="0" dirty="0" err="1" smtClean="0"/>
+                        <a:t>cosmics</a:t>
+                      </a:r>
+                      <a:r>
+                        <a:rPr lang="en-US" baseline="0" dirty="0" smtClean="0"/>
+                        <a:t> with MPD</a:t>
+                      </a:r>
+                    </a:p>
+                    <a:p>
+                      <a:pPr marL="285750" indent="-285750" algn="ctr">
+                        <a:buFont typeface="Arial" panose="020B0604020202020204" pitchFamily="34" charset="0"/>
+                        <a:buChar char="•"/>
+                      </a:pPr>
+                      <a:endParaRPr lang="en-US" baseline="0" dirty="0" smtClean="0"/>
+                    </a:p>
+                    <a:p>
+                      <a:pPr marL="285750" indent="-285750" algn="ctr">
+                        <a:buFont typeface="Arial" panose="020B0604020202020204" pitchFamily="34" charset="0"/>
+                        <a:buChar char="•"/>
+                      </a:pPr>
+                      <a:r>
+                        <a:rPr lang="en-US" baseline="0" dirty="0" smtClean="0"/>
+                        <a:t>Test GEM readout with optical link in high background at UVA</a:t>
+                      </a:r>
+                    </a:p>
+                    <a:p>
+                      <a:pPr marL="285750" indent="-285750" algn="ctr">
+                        <a:buFont typeface="Arial" panose="020B0604020202020204" pitchFamily="34" charset="0"/>
+                        <a:buChar char="•"/>
+                      </a:pPr>
+                      <a:r>
+                        <a:rPr lang="en-US" baseline="0" dirty="0" smtClean="0"/>
+                        <a:t>Develop GEM analysis software</a:t>
+                      </a:r>
+                    </a:p>
+                    <a:p>
+                      <a:pPr algn="ctr"/>
+                      <a:endParaRPr lang="en-US" baseline="0" dirty="0" smtClean="0"/>
+                    </a:p>
+                    <a:p>
+                      <a:pPr algn="ctr"/>
+                      <a:endParaRPr lang="en-US" baseline="0" dirty="0" smtClean="0"/>
+                    </a:p>
+                    <a:p>
+                      <a:pPr algn="ctr"/>
+                      <a:endParaRPr lang="en-US" baseline="0" dirty="0" smtClean="0"/>
+                    </a:p>
+                    <a:p>
+                      <a:pPr algn="ctr"/>
+                      <a:endParaRPr lang="en-US" dirty="0"/>
+                    </a:p>
+                  </a:txBody>
+                  <a:tcPr/>
+                </a:tc>
+                <a:tc>
+                  <a:txBody>
+                    <a:bodyPr/>
+                    <a:lstStyle/>
+                    <a:p>
+                      <a:pPr marL="285750" marR="0" indent="-285750" algn="ctr" defTabSz="914400" rtl="0" eaLnBrk="1" fontAlgn="auto" latinLnBrk="0" hangingPunct="1">
+                        <a:lnSpc>
+                          <a:spcPct val="100000"/>
+                        </a:lnSpc>
+                        <a:spcBef>
+                          <a:spcPts val="0"/>
+                        </a:spcBef>
+                        <a:spcAft>
+                          <a:spcPts val="0"/>
+                        </a:spcAft>
+                        <a:buClrTx/>
+                        <a:buSzTx/>
+                        <a:buFont typeface="Arial" panose="020B0604020202020204" pitchFamily="34" charset="0"/>
+                        <a:buChar char="•"/>
+                        <a:tabLst/>
+                        <a:defRPr/>
+                      </a:pPr>
+                      <a:r>
+                        <a:rPr lang="en-US" dirty="0" smtClean="0"/>
+                        <a:t>GEM installed on </a:t>
+                      </a:r>
+                      <a:r>
+                        <a:rPr lang="en-US" dirty="0" err="1" smtClean="0"/>
+                        <a:t>BigBite</a:t>
+                      </a:r>
+                      <a:r>
+                        <a:rPr lang="en-US" baseline="0" dirty="0" smtClean="0"/>
+                        <a:t> for tritium experiment</a:t>
+                      </a:r>
+                      <a:endParaRPr lang="en-US" dirty="0" smtClean="0"/>
+                    </a:p>
+                    <a:p>
+                      <a:pPr algn="ctr"/>
+                      <a:endParaRPr lang="en-US" dirty="0" smtClean="0"/>
+                    </a:p>
+                    <a:p>
+                      <a:pPr marL="285750" indent="-285750" algn="ctr">
+                        <a:buFont typeface="Arial" panose="020B0604020202020204" pitchFamily="34" charset="0"/>
+                        <a:buChar char="•"/>
+                      </a:pPr>
+                      <a:r>
+                        <a:rPr lang="en-US" dirty="0" err="1" smtClean="0"/>
+                        <a:t>ECal</a:t>
+                      </a:r>
+                      <a:r>
+                        <a:rPr lang="en-US" dirty="0" smtClean="0"/>
+                        <a:t> </a:t>
+                      </a:r>
+                      <a:r>
+                        <a:rPr lang="en-US" dirty="0" err="1" smtClean="0"/>
+                        <a:t>cosmics</a:t>
+                      </a:r>
+                      <a:endParaRPr lang="en-US" dirty="0" smtClean="0"/>
+                    </a:p>
+                    <a:p>
+                      <a:pPr marL="285750" indent="-285750" algn="ctr">
+                        <a:buFont typeface="Arial" panose="020B0604020202020204" pitchFamily="34" charset="0"/>
+                        <a:buChar char="•"/>
+                      </a:pPr>
+                      <a:endParaRPr lang="en-US" dirty="0" smtClean="0"/>
+                    </a:p>
+                    <a:p>
+                      <a:pPr marL="285750" marR="0" indent="-285750" algn="ctr" defTabSz="914400" rtl="0" eaLnBrk="1" fontAlgn="auto" latinLnBrk="0" hangingPunct="1">
+                        <a:lnSpc>
+                          <a:spcPct val="100000"/>
+                        </a:lnSpc>
+                        <a:spcBef>
+                          <a:spcPts val="0"/>
+                        </a:spcBef>
+                        <a:spcAft>
+                          <a:spcPts val="0"/>
+                        </a:spcAft>
+                        <a:buClrTx/>
+                        <a:buSzTx/>
+                        <a:buFont typeface="Arial" panose="020B0604020202020204" pitchFamily="34" charset="0"/>
+                        <a:buChar char="•"/>
+                        <a:tabLst/>
+                        <a:defRPr/>
+                      </a:pPr>
+                      <a:r>
+                        <a:rPr lang="en-US" dirty="0" smtClean="0"/>
+                        <a:t>Parasitic test during DVCS : </a:t>
+                      </a:r>
+                      <a:r>
+                        <a:rPr lang="en-US" dirty="0" err="1" smtClean="0"/>
+                        <a:t>Fastbus</a:t>
+                      </a:r>
+                      <a:r>
+                        <a:rPr lang="en-US" dirty="0" smtClean="0"/>
+                        <a:t> and FADC setup</a:t>
+                      </a:r>
+                    </a:p>
+                    <a:p>
+                      <a:pPr marL="0" indent="0" algn="ctr">
+                        <a:buFont typeface="Arial" panose="020B0604020202020204" pitchFamily="34" charset="0"/>
+                        <a:buNone/>
+                      </a:pPr>
+                      <a:endParaRPr lang="en-US" dirty="0"/>
+                    </a:p>
+                  </a:txBody>
+                  <a:tcPr/>
+                </a:tc>
+                <a:tc>
+                  <a:txBody>
+                    <a:bodyPr/>
+                    <a:lstStyle/>
+                    <a:p>
+                      <a:pPr marL="285750" indent="-285750" algn="ctr">
+                        <a:buFont typeface="Arial" panose="020B0604020202020204" pitchFamily="34" charset="0"/>
+                        <a:buChar char="•"/>
+                      </a:pPr>
+                      <a:r>
+                        <a:rPr lang="en-US" dirty="0" smtClean="0"/>
+                        <a:t>Tritium experiment</a:t>
+                      </a:r>
+                    </a:p>
+                    <a:p>
+                      <a:pPr marL="285750" marR="0" indent="-285750" algn="ctr" defTabSz="914400" rtl="0" eaLnBrk="1" fontAlgn="auto" latinLnBrk="0" hangingPunct="1">
+                        <a:lnSpc>
+                          <a:spcPct val="100000"/>
+                        </a:lnSpc>
+                        <a:spcBef>
+                          <a:spcPts val="0"/>
+                        </a:spcBef>
+                        <a:spcAft>
+                          <a:spcPts val="0"/>
+                        </a:spcAft>
+                        <a:buClrTx/>
+                        <a:buSzTx/>
+                        <a:buFont typeface="Arial" panose="020B0604020202020204" pitchFamily="34" charset="0"/>
+                        <a:buChar char="•"/>
+                        <a:tabLst/>
+                        <a:defRPr/>
+                      </a:pPr>
+                      <a:r>
+                        <a:rPr lang="en-US" dirty="0" smtClean="0"/>
+                        <a:t>Parasitic test during Tritium : </a:t>
+                      </a:r>
+                      <a:r>
+                        <a:rPr lang="en-US" dirty="0" err="1" smtClean="0"/>
+                        <a:t>Fastbus</a:t>
+                      </a:r>
+                      <a:r>
+                        <a:rPr lang="en-US" dirty="0" smtClean="0"/>
+                        <a:t> and FADC setup</a:t>
+                      </a:r>
+                    </a:p>
+                    <a:p>
+                      <a:pPr marL="0" indent="0" algn="ctr">
+                        <a:buFont typeface="Arial" panose="020B0604020202020204" pitchFamily="34" charset="0"/>
+                        <a:buNone/>
+                      </a:pPr>
+                      <a:endParaRPr lang="en-US" dirty="0" smtClean="0"/>
+                    </a:p>
+                  </a:txBody>
+                  <a:tcPr/>
+                </a:tc>
+                <a:extLst>
+                  <a:ext uri="{0D108BD9-81ED-4DB2-BD59-A6C34878D82A}">
+                    <a16:rowId xmlns:a16="http://schemas.microsoft.com/office/drawing/2014/main" val="85563496"/>
+                  </a:ext>
+                </a:extLst>
+              </a:tr>
+            </a:tbl>
+          </a:graphicData>
+        </a:graphic>
+      </p:graphicFrame>
     </p:spTree>
     <p:extLst>
       <p:ext uri="{BB962C8B-B14F-4D97-AF65-F5344CB8AC3E}">
@@ -6859,6 +7548,13 @@
   <p:clrMapOvr>
     <a:masterClrMapping/>
   </p:clrMapOvr>
+  <p:timing>
+    <p:tnLst>
+      <p:par>
+        <p:cTn id="1" dur="indefinite" restart="never" nodeType="tmRoot"/>
+      </p:par>
+    </p:tnLst>
+  </p:timing>
 </p:sld>
 </file>
 
@@ -6894,7 +7590,11 @@
           <a:bodyPr/>
           <a:lstStyle/>
           <a:p>
-            <a:endParaRPr lang="en-US"/>
+            <a:r>
+              <a:rPr lang="en-US" dirty="0" smtClean="0"/>
+              <a:t>Man power</a:t>
+            </a:r>
+            <a:endParaRPr lang="en-US" dirty="0"/>
           </a:p>
         </p:txBody>
       </p:sp>
@@ -6910,23 +7610,195 @@
         </p:nvSpPr>
         <p:spPr/>
         <p:txBody>
-          <a:bodyPr/>
+          <a:bodyPr>
+            <a:normAutofit fontScale="92500" lnSpcReduction="10000"/>
+          </a:bodyPr>
           <a:lstStyle/>
           <a:p>
-            <a:endParaRPr lang="en-US"/>
+            <a:r>
+              <a:rPr lang="en-US" dirty="0" err="1" smtClean="0"/>
+              <a:t>Fastbus</a:t>
+            </a:r>
+            <a:endParaRPr lang="en-US" dirty="0" smtClean="0"/>
+          </a:p>
+          <a:p>
+            <a:pPr lvl="1"/>
+            <a:r>
+              <a:rPr lang="en-US" dirty="0" smtClean="0"/>
+              <a:t>JLAB : </a:t>
+            </a:r>
+            <a:r>
+              <a:rPr lang="en-US" dirty="0" err="1" smtClean="0"/>
+              <a:t>Dasuni</a:t>
+            </a:r>
+            <a:r>
+              <a:rPr lang="en-US" dirty="0" smtClean="0"/>
+              <a:t> </a:t>
+            </a:r>
+            <a:r>
+              <a:rPr lang="en-US" dirty="0" err="1" smtClean="0"/>
+              <a:t>Adikaram</a:t>
+            </a:r>
+            <a:r>
+              <a:rPr lang="en-US" dirty="0" smtClean="0"/>
+              <a:t>, Mark Jones, Robert Michaels, Bryan </a:t>
+            </a:r>
+            <a:r>
+              <a:rPr lang="en-US" dirty="0" err="1" smtClean="0"/>
+              <a:t>Moffit</a:t>
+            </a:r>
+            <a:r>
+              <a:rPr lang="en-US" dirty="0" smtClean="0"/>
+              <a:t>, William </a:t>
+            </a:r>
+            <a:r>
+              <a:rPr lang="en-US" dirty="0" err="1" smtClean="0"/>
+              <a:t>Gu</a:t>
+            </a:r>
+            <a:endParaRPr lang="en-US" dirty="0" smtClean="0"/>
+          </a:p>
+          <a:p>
+            <a:r>
+              <a:rPr lang="en-US" dirty="0" smtClean="0"/>
+              <a:t>MPD</a:t>
+            </a:r>
+          </a:p>
+          <a:p>
+            <a:pPr lvl="1"/>
+            <a:r>
+              <a:rPr lang="en-US" dirty="0" smtClean="0"/>
+              <a:t>INFN : </a:t>
+            </a:r>
+            <a:r>
+              <a:rPr lang="en-US" dirty="0" err="1" smtClean="0"/>
+              <a:t>Evaristo</a:t>
+            </a:r>
+            <a:r>
+              <a:rPr lang="en-US" dirty="0" smtClean="0"/>
+              <a:t> </a:t>
+            </a:r>
+            <a:r>
+              <a:rPr lang="en-US" dirty="0" err="1" smtClean="0"/>
+              <a:t>Cisbani</a:t>
+            </a:r>
+            <a:r>
+              <a:rPr lang="en-US" dirty="0" smtClean="0"/>
+              <a:t>, Paolo </a:t>
+            </a:r>
+            <a:r>
+              <a:rPr lang="en-US" dirty="0" err="1" smtClean="0"/>
+              <a:t>Musico</a:t>
+            </a:r>
+            <a:endParaRPr lang="en-US" dirty="0" smtClean="0"/>
+          </a:p>
+          <a:p>
+            <a:pPr lvl="1"/>
+            <a:r>
+              <a:rPr lang="en-US" dirty="0" smtClean="0"/>
+              <a:t>UVA : </a:t>
+            </a:r>
+            <a:r>
+              <a:rPr lang="en-US" dirty="0" err="1" smtClean="0"/>
+              <a:t>Danning</a:t>
+            </a:r>
+            <a:r>
+              <a:rPr lang="en-US" dirty="0" smtClean="0"/>
+              <a:t> Di, Kondo </a:t>
+            </a:r>
+            <a:r>
+              <a:rPr lang="en-US" dirty="0" err="1" smtClean="0"/>
+              <a:t>Gnanvo</a:t>
+            </a:r>
+            <a:r>
+              <a:rPr lang="en-US" dirty="0" smtClean="0"/>
+              <a:t>, </a:t>
+            </a:r>
+            <a:r>
+              <a:rPr lang="en-US" dirty="0" err="1" smtClean="0"/>
+              <a:t>Nilanga</a:t>
+            </a:r>
+            <a:r>
+              <a:rPr lang="en-US" dirty="0" smtClean="0"/>
+              <a:t> </a:t>
+            </a:r>
+            <a:r>
+              <a:rPr lang="en-US" dirty="0" err="1" smtClean="0"/>
+              <a:t>Linayage</a:t>
+            </a:r>
+            <a:endParaRPr lang="en-US" dirty="0" smtClean="0"/>
+          </a:p>
+          <a:p>
+            <a:pPr lvl="1"/>
+            <a:r>
+              <a:rPr lang="en-US" dirty="0" smtClean="0"/>
+              <a:t>JLAB : Ben </a:t>
+            </a:r>
+            <a:r>
+              <a:rPr lang="en-US" dirty="0" err="1" smtClean="0"/>
+              <a:t>Raydo</a:t>
+            </a:r>
+            <a:r>
+              <a:rPr lang="en-US" dirty="0" smtClean="0"/>
+              <a:t>, Bryan </a:t>
+            </a:r>
+            <a:r>
+              <a:rPr lang="en-US" dirty="0" err="1" smtClean="0"/>
+              <a:t>Moffit</a:t>
+            </a:r>
+            <a:endParaRPr lang="en-US" dirty="0" smtClean="0"/>
+          </a:p>
+          <a:p>
+            <a:pPr lvl="1"/>
+            <a:r>
+              <a:rPr lang="en-US" dirty="0" smtClean="0"/>
+              <a:t>Stony Brook : Seamus Riordan</a:t>
+            </a:r>
+          </a:p>
+          <a:p>
+            <a:r>
+              <a:rPr lang="en-US" dirty="0" smtClean="0"/>
+              <a:t>HCAL</a:t>
+            </a:r>
+          </a:p>
+          <a:p>
+            <a:pPr lvl="1"/>
+            <a:r>
+              <a:rPr lang="en-US" dirty="0" smtClean="0"/>
+              <a:t>JLAB : Alexandre Camsonne, Ben </a:t>
+            </a:r>
+            <a:r>
+              <a:rPr lang="en-US" dirty="0" err="1" smtClean="0"/>
+              <a:t>Raydo</a:t>
+            </a:r>
+            <a:r>
+              <a:rPr lang="en-US" dirty="0" smtClean="0"/>
+              <a:t>, Bryan </a:t>
+            </a:r>
+            <a:r>
+              <a:rPr lang="en-US" dirty="0" err="1" smtClean="0"/>
+              <a:t>Moffit</a:t>
+            </a:r>
+            <a:endParaRPr lang="en-US" dirty="0"/>
           </a:p>
         </p:txBody>
       </p:sp>
     </p:spTree>
     <p:extLst>
       <p:ext uri="{BB962C8B-B14F-4D97-AF65-F5344CB8AC3E}">
-        <p14:creationId xmlns:p14="http://schemas.microsoft.com/office/powerpoint/2010/main" val="1464373256"/>
+        <p14:creationId xmlns:p14="http://schemas.microsoft.com/office/powerpoint/2010/main" val="3351079420"/>
       </p:ext>
     </p:extLst>
   </p:cSld>
   <p:clrMapOvr>
     <a:masterClrMapping/>
   </p:clrMapOvr>
+  <p:timing>
+    <p:tnLst>
+      <p:par>
+        <p:cTn id="1" dur="indefinite" restart="never" nodeType="tmRoot"/>
+      </p:par>
+    </p:tnLst>
+  </p:timing>
 </p:sld>
 </file>
 
@@ -6980,7 +7852,12 @@
             <p:ph idx="1"/>
           </p:nvPr>
         </p:nvSpPr>
-        <p:spPr/>
+        <p:spPr>
+          <a:xfrm>
+            <a:off x="1752600" y="2057400"/>
+            <a:ext cx="8229600" cy="4525963"/>
+          </a:xfrm>
+        </p:spPr>
         <p:txBody>
           <a:bodyPr/>
           <a:lstStyle/>
@@ -6999,21 +7876,30 @@
           <a:p>
             <a:r>
               <a:rPr lang="en-US" dirty="0" smtClean="0"/>
+              <a:t>FADC HCAL readout</a:t>
+            </a:r>
+          </a:p>
+          <a:p>
+            <a:r>
+              <a:rPr lang="en-US" dirty="0" smtClean="0"/>
               <a:t>GEM readout</a:t>
             </a:r>
           </a:p>
           <a:p>
             <a:r>
               <a:rPr lang="en-US" dirty="0" smtClean="0"/>
-              <a:t>FADC </a:t>
-            </a:r>
-            <a:r>
-              <a:rPr lang="en-US" smtClean="0"/>
-              <a:t>HCAL readout</a:t>
-            </a:r>
-          </a:p>
-          <a:p>
-            <a:endParaRPr lang="en-US"/>
+              <a:t>Timeline</a:t>
+            </a:r>
+          </a:p>
+          <a:p>
+            <a:r>
+              <a:rPr lang="en-US" dirty="0" smtClean="0"/>
+              <a:t>Manpower</a:t>
+            </a:r>
+            <a:endParaRPr lang="en-US" dirty="0" smtClean="0"/>
+          </a:p>
+          <a:p>
+            <a:endParaRPr lang="en-US" dirty="0"/>
           </a:p>
         </p:txBody>
       </p:sp>
@@ -7193,7 +8079,7 @@
         <p:spPr/>
         <p:txBody>
           <a:bodyPr>
-            <a:normAutofit lnSpcReduction="10000"/>
+            <a:normAutofit fontScale="92500" lnSpcReduction="10000"/>
           </a:bodyPr>
           <a:lstStyle/>
           <a:p>
@@ -7206,15 +8092,32 @@
             <a:pPr lvl="1"/>
             <a:r>
               <a:rPr lang="en-US" dirty="0" smtClean="0"/>
-              <a:t>200 KHz L1 Electromagnetic Calorimeter Fastbus</a:t>
+              <a:t>200 KHz </a:t>
+            </a:r>
+            <a:r>
+              <a:rPr lang="en-US" dirty="0" smtClean="0"/>
+              <a:t>L1, 3KHz of L2 </a:t>
+            </a:r>
+            <a:r>
+              <a:rPr lang="en-US" dirty="0" smtClean="0"/>
+              <a:t>Electromagnetic Calorimeter Fastbus</a:t>
             </a:r>
           </a:p>
           <a:p>
             <a:pPr lvl="1"/>
             <a:r>
               <a:rPr lang="en-US" dirty="0" smtClean="0"/>
-              <a:t>Coordinate detector readout</a:t>
-            </a:r>
+              <a:t>Coordinate detector </a:t>
+            </a:r>
+            <a:r>
+              <a:rPr lang="en-US" dirty="0" err="1" smtClean="0"/>
+              <a:t>Fastbus</a:t>
+            </a:r>
+            <a:r>
+              <a:rPr lang="en-US" dirty="0" smtClean="0"/>
+              <a:t> readout 1877S</a:t>
+            </a:r>
+            <a:endParaRPr lang="en-US" dirty="0" smtClean="0"/>
           </a:p>
           <a:p>
             <a:pPr lvl="1"/>
@@ -7260,8 +8163,16 @@
             <a:pPr lvl="1"/>
             <a:r>
               <a:rPr lang="en-US" dirty="0" smtClean="0"/>
-              <a:t>HCAL as neutron detector using FADC and high resolution TDC</a:t>
-            </a:r>
+              <a:t>HCAL as neutron detector using FADC and high resolution </a:t>
+            </a:r>
+            <a:r>
+              <a:rPr lang="en-US" dirty="0" smtClean="0"/>
+              <a:t>TDC</a:t>
+            </a:r>
+          </a:p>
+          <a:p>
+            <a:pPr lvl="1"/>
+            <a:endParaRPr lang="en-US" dirty="0" smtClean="0"/>
           </a:p>
           <a:p>
             <a:endParaRPr lang="en-US" dirty="0"/>

--- a/2015_DOE_Review/SuperBigBite DAQ update-Oct-20-2015.pptx
+++ b/2015_DOE_Review/SuperBigBite DAQ update-Oct-20-2015.pptx
@@ -2,29 +2,30 @@
 <file path=ppt/presentation.xml><?xml version="1.0" encoding="utf-8"?>
 <p:presentation xmlns:a="http://schemas.openxmlformats.org/drawingml/2006/main" xmlns:r="http://schemas.openxmlformats.org/officeDocument/2006/relationships" xmlns:p="http://schemas.openxmlformats.org/presentationml/2006/main" saveSubsetFonts="1">
   <p:sldMasterIdLst>
-    <p:sldMasterId id="2147483648" r:id="rId1"/>
+    <p:sldMasterId id="2147483660" r:id="rId1"/>
+    <p:sldMasterId id="2147483672" r:id="rId2"/>
   </p:sldMasterIdLst>
   <p:sldIdLst>
-    <p:sldId id="256" r:id="rId2"/>
-    <p:sldId id="257" r:id="rId3"/>
-    <p:sldId id="258" r:id="rId4"/>
-    <p:sldId id="259" r:id="rId5"/>
-    <p:sldId id="268" r:id="rId6"/>
-    <p:sldId id="260" r:id="rId7"/>
-    <p:sldId id="261" r:id="rId8"/>
-    <p:sldId id="263" r:id="rId9"/>
-    <p:sldId id="264" r:id="rId10"/>
-    <p:sldId id="267" r:id="rId11"/>
-    <p:sldId id="265" r:id="rId12"/>
-    <p:sldId id="272" r:id="rId13"/>
-    <p:sldId id="274" r:id="rId14"/>
-    <p:sldId id="273" r:id="rId15"/>
-    <p:sldId id="266" r:id="rId16"/>
-    <p:sldId id="275" r:id="rId17"/>
-    <p:sldId id="270" r:id="rId18"/>
-    <p:sldId id="271" r:id="rId19"/>
-    <p:sldId id="276" r:id="rId20"/>
-    <p:sldId id="269" r:id="rId21"/>
+    <p:sldId id="277" r:id="rId3"/>
+    <p:sldId id="257" r:id="rId4"/>
+    <p:sldId id="258" r:id="rId5"/>
+    <p:sldId id="259" r:id="rId6"/>
+    <p:sldId id="268" r:id="rId7"/>
+    <p:sldId id="260" r:id="rId8"/>
+    <p:sldId id="261" r:id="rId9"/>
+    <p:sldId id="263" r:id="rId10"/>
+    <p:sldId id="264" r:id="rId11"/>
+    <p:sldId id="267" r:id="rId12"/>
+    <p:sldId id="265" r:id="rId13"/>
+    <p:sldId id="272" r:id="rId14"/>
+    <p:sldId id="274" r:id="rId15"/>
+    <p:sldId id="273" r:id="rId16"/>
+    <p:sldId id="266" r:id="rId17"/>
+    <p:sldId id="275" r:id="rId18"/>
+    <p:sldId id="270" r:id="rId19"/>
+    <p:sldId id="271" r:id="rId20"/>
+    <p:sldId id="276" r:id="rId21"/>
+    <p:sldId id="269" r:id="rId22"/>
   </p:sldIdLst>
   <p:sldSz cx="9144000" cy="6858000" type="screen4x3"/>
   <p:notesSz cx="6858000" cy="9144000"/>
@@ -125,7 +126,7 @@
   </p:defaultTextStyle>
   <p:extLst>
     <p:ext uri="{EFAFB233-063F-42B5-8137-9DF3F51BA10A}">
-      <p15:sldGuideLst xmlns:p15="http://schemas.microsoft.com/office/powerpoint/2012/main">
+      <p15:sldGuideLst xmlns:p15="http://schemas.microsoft.com/office/powerpoint/2012/main" xmlns="">
         <p15:guide id="1" orient="horz" pos="2160">
           <p15:clr>
             <a:srgbClr val="A4A3A4"/>
@@ -143,7 +144,7 @@
 </file>
 
 <file path=ppt/charts/chart1.xml><?xml version="1.0" encoding="utf-8"?>
-<c:chartSpace xmlns:c="http://schemas.openxmlformats.org/drawingml/2006/chart" xmlns:a="http://schemas.openxmlformats.org/drawingml/2006/main" xmlns:r="http://schemas.openxmlformats.org/officeDocument/2006/relationships" xmlns:c16r2="http://schemas.microsoft.com/office/drawing/2015/06/chart">
+<c:chartSpace xmlns:c="http://schemas.openxmlformats.org/drawingml/2006/chart" xmlns:a="http://schemas.openxmlformats.org/drawingml/2006/main" xmlns:r="http://schemas.openxmlformats.org/officeDocument/2006/relationships">
   <c:date1904 val="0"/>
   <c:lang val="en-US"/>
   <c:roundedCorners val="0"/>
@@ -260,7 +261,7 @@
             </c:numRef>
           </c:yVal>
           <c:smooth val="0"/>
-          <c:extLst>
+          <c:extLst xmlns:c16r2="http://schemas.microsoft.com/office/drawing/2015/06/chart">
             <c:ext xmlns:c16="http://schemas.microsoft.com/office/drawing/2014/chart" uri="{C3380CC4-5D6E-409C-BE32-E72D297353CC}">
               <c16:uniqueId val="{00000000-9CEB-4785-90F1-18F40A6B124B}"/>
             </c:ext>
@@ -354,7 +355,7 @@
             </c:numRef>
           </c:yVal>
           <c:smooth val="0"/>
-          <c:extLst>
+          <c:extLst xmlns:c16r2="http://schemas.microsoft.com/office/drawing/2015/06/chart">
             <c:ext xmlns:c16="http://schemas.microsoft.com/office/drawing/2014/chart" uri="{C3380CC4-5D6E-409C-BE32-E72D297353CC}">
               <c16:uniqueId val="{00000001-9CEB-4785-90F1-18F40A6B124B}"/>
             </c:ext>
@@ -448,7 +449,7 @@
             </c:numRef>
           </c:yVal>
           <c:smooth val="0"/>
-          <c:extLst>
+          <c:extLst xmlns:c16r2="http://schemas.microsoft.com/office/drawing/2015/06/chart">
             <c:ext xmlns:c16="http://schemas.microsoft.com/office/drawing/2014/chart" uri="{C3380CC4-5D6E-409C-BE32-E72D297353CC}">
               <c16:uniqueId val="{00000002-9CEB-4785-90F1-18F40A6B124B}"/>
             </c:ext>
@@ -558,7 +559,7 @@
             </c:numRef>
           </c:yVal>
           <c:smooth val="0"/>
-          <c:extLst>
+          <c:extLst xmlns:c16r2="http://schemas.microsoft.com/office/drawing/2015/06/chart">
             <c:ext xmlns:c16="http://schemas.microsoft.com/office/drawing/2014/chart" uri="{C3380CC4-5D6E-409C-BE32-E72D297353CC}">
               <c16:uniqueId val="{00000003-9CEB-4785-90F1-18F40A6B124B}"/>
             </c:ext>
@@ -656,7 +657,7 @@
             </c:numRef>
           </c:yVal>
           <c:smooth val="0"/>
-          <c:extLst>
+          <c:extLst xmlns:c16r2="http://schemas.microsoft.com/office/drawing/2015/06/chart">
             <c:ext xmlns:c16="http://schemas.microsoft.com/office/drawing/2014/chart" uri="{C3380CC4-5D6E-409C-BE32-E72D297353CC}">
               <c16:uniqueId val="{00000004-9CEB-4785-90F1-18F40A6B124B}"/>
             </c:ext>
@@ -754,7 +755,7 @@
             </c:numRef>
           </c:yVal>
           <c:smooth val="0"/>
-          <c:extLst>
+          <c:extLst xmlns:c16r2="http://schemas.microsoft.com/office/drawing/2015/06/chart">
             <c:ext xmlns:c16="http://schemas.microsoft.com/office/drawing/2014/chart" uri="{C3380CC4-5D6E-409C-BE32-E72D297353CC}">
               <c16:uniqueId val="{00000005-9CEB-4785-90F1-18F40A6B124B}"/>
             </c:ext>
@@ -768,11 +769,11 @@
           <c:showPercent val="0"/>
           <c:showBubbleSize val="0"/>
         </c:dLbls>
-        <c:axId val="137321856"/>
-        <c:axId val="137340800"/>
+        <c:axId val="90291200"/>
+        <c:axId val="90301952"/>
       </c:scatterChart>
       <c:valAx>
-        <c:axId val="137321856"/>
+        <c:axId val="90291200"/>
         <c:scaling>
           <c:orientation val="minMax"/>
         </c:scaling>
@@ -818,12 +819,12 @@
         <c:majorTickMark val="out"/>
         <c:minorTickMark val="none"/>
         <c:tickLblPos val="nextTo"/>
-        <c:crossAx val="137340800"/>
+        <c:crossAx val="90301952"/>
         <c:crosses val="autoZero"/>
         <c:crossBetween val="midCat"/>
       </c:valAx>
       <c:valAx>
-        <c:axId val="137340800"/>
+        <c:axId val="90301952"/>
         <c:scaling>
           <c:orientation val="minMax"/>
         </c:scaling>
@@ -864,7 +865,7 @@
         <c:majorTickMark val="out"/>
         <c:minorTickMark val="none"/>
         <c:tickLblPos val="nextTo"/>
-        <c:crossAx val="137321856"/>
+        <c:crossAx val="90291200"/>
         <c:crosses val="autoZero"/>
         <c:crossBetween val="midCat"/>
       </c:valAx>
@@ -890,7 +891,7 @@
 </file>
 
 <file path=ppt/charts/chart2.xml><?xml version="1.0" encoding="utf-8"?>
-<c:chartSpace xmlns:c="http://schemas.openxmlformats.org/drawingml/2006/chart" xmlns:a="http://schemas.openxmlformats.org/drawingml/2006/main" xmlns:r="http://schemas.openxmlformats.org/officeDocument/2006/relationships" xmlns:c16r2="http://schemas.microsoft.com/office/drawing/2015/06/chart">
+<c:chartSpace xmlns:c="http://schemas.openxmlformats.org/drawingml/2006/chart" xmlns:a="http://schemas.openxmlformats.org/drawingml/2006/main" xmlns:r="http://schemas.openxmlformats.org/officeDocument/2006/relationships">
   <c:date1904 val="0"/>
   <c:lang val="en-US"/>
   <c:roundedCorners val="0"/>
@@ -1003,7 +1004,7 @@
             </c:numRef>
           </c:yVal>
           <c:smooth val="0"/>
-          <c:extLst>
+          <c:extLst xmlns:c16r2="http://schemas.microsoft.com/office/drawing/2015/06/chart">
             <c:ext xmlns:c16="http://schemas.microsoft.com/office/drawing/2014/chart" uri="{C3380CC4-5D6E-409C-BE32-E72D297353CC}">
               <c16:uniqueId val="{00000000-4A1B-46C8-9317-A6CD2A376A8C}"/>
             </c:ext>
@@ -1109,7 +1110,7 @@
             </c:numRef>
           </c:yVal>
           <c:smooth val="0"/>
-          <c:extLst>
+          <c:extLst xmlns:c16r2="http://schemas.microsoft.com/office/drawing/2015/06/chart">
             <c:ext xmlns:c16="http://schemas.microsoft.com/office/drawing/2014/chart" uri="{C3380CC4-5D6E-409C-BE32-E72D297353CC}">
               <c16:uniqueId val="{00000001-4A1B-46C8-9317-A6CD2A376A8C}"/>
             </c:ext>
@@ -1197,7 +1198,7 @@
             </c:numRef>
           </c:yVal>
           <c:smooth val="0"/>
-          <c:extLst>
+          <c:extLst xmlns:c16r2="http://schemas.microsoft.com/office/drawing/2015/06/chart">
             <c:ext xmlns:c16="http://schemas.microsoft.com/office/drawing/2014/chart" uri="{C3380CC4-5D6E-409C-BE32-E72D297353CC}">
               <c16:uniqueId val="{00000002-4A1B-46C8-9317-A6CD2A376A8C}"/>
             </c:ext>
@@ -1335,7 +1336,7 @@
             </c:numRef>
           </c:yVal>
           <c:smooth val="0"/>
-          <c:extLst>
+          <c:extLst xmlns:c16r2="http://schemas.microsoft.com/office/drawing/2015/06/chart">
             <c:ext xmlns:c16="http://schemas.microsoft.com/office/drawing/2014/chart" uri="{C3380CC4-5D6E-409C-BE32-E72D297353CC}">
               <c16:uniqueId val="{00000003-4A1B-46C8-9317-A6CD2A376A8C}"/>
             </c:ext>
@@ -1463,7 +1464,7 @@
             </c:numRef>
           </c:yVal>
           <c:smooth val="0"/>
-          <c:extLst>
+          <c:extLst xmlns:c16r2="http://schemas.microsoft.com/office/drawing/2015/06/chart">
             <c:ext xmlns:c16="http://schemas.microsoft.com/office/drawing/2014/chart" uri="{C3380CC4-5D6E-409C-BE32-E72D297353CC}">
               <c16:uniqueId val="{00000004-4A1B-46C8-9317-A6CD2A376A8C}"/>
             </c:ext>
@@ -1583,7 +1584,7 @@
             </c:numRef>
           </c:yVal>
           <c:smooth val="0"/>
-          <c:extLst>
+          <c:extLst xmlns:c16r2="http://schemas.microsoft.com/office/drawing/2015/06/chart">
             <c:ext xmlns:c16="http://schemas.microsoft.com/office/drawing/2014/chart" uri="{C3380CC4-5D6E-409C-BE32-E72D297353CC}">
               <c16:uniqueId val="{00000005-4A1B-46C8-9317-A6CD2A376A8C}"/>
             </c:ext>
@@ -1597,11 +1598,11 @@
           <c:showPercent val="0"/>
           <c:showBubbleSize val="0"/>
         </c:dLbls>
-        <c:axId val="122070144"/>
-        <c:axId val="122072448"/>
+        <c:axId val="90345472"/>
+        <c:axId val="90347776"/>
       </c:scatterChart>
       <c:valAx>
-        <c:axId val="122070144"/>
+        <c:axId val="90345472"/>
         <c:scaling>
           <c:orientation val="minMax"/>
         </c:scaling>
@@ -1642,12 +1643,12 @@
         <c:majorTickMark val="out"/>
         <c:minorTickMark val="none"/>
         <c:tickLblPos val="nextTo"/>
-        <c:crossAx val="122072448"/>
+        <c:crossAx val="90347776"/>
         <c:crosses val="autoZero"/>
         <c:crossBetween val="midCat"/>
       </c:valAx>
       <c:valAx>
-        <c:axId val="122072448"/>
+        <c:axId val="90347776"/>
         <c:scaling>
           <c:orientation val="minMax"/>
         </c:scaling>
@@ -1688,7 +1689,7 @@
         <c:majorTickMark val="out"/>
         <c:minorTickMark val="none"/>
         <c:tickLblPos val="nextTo"/>
-        <c:crossAx val="122070144"/>
+        <c:crossAx val="90345472"/>
         <c:crosses val="autoZero"/>
         <c:crossBetween val="midCat"/>
       </c:valAx>
@@ -1714,7 +1715,7 @@
 </file>
 
 <file path=ppt/charts/chart3.xml><?xml version="1.0" encoding="utf-8"?>
-<c:chartSpace xmlns:c="http://schemas.openxmlformats.org/drawingml/2006/chart" xmlns:a="http://schemas.openxmlformats.org/drawingml/2006/main" xmlns:r="http://schemas.openxmlformats.org/officeDocument/2006/relationships" xmlns:c16r2="http://schemas.microsoft.com/office/drawing/2015/06/chart">
+<c:chartSpace xmlns:c="http://schemas.openxmlformats.org/drawingml/2006/chart" xmlns:a="http://schemas.openxmlformats.org/drawingml/2006/main" xmlns:r="http://schemas.openxmlformats.org/officeDocument/2006/relationships">
   <c:date1904 val="0"/>
   <c:lang val="en-US"/>
   <c:roundedCorners val="1"/>
@@ -1853,7 +1854,7 @@
             </c:numRef>
           </c:yVal>
           <c:smooth val="1"/>
-          <c:extLst>
+          <c:extLst xmlns:c16r2="http://schemas.microsoft.com/office/drawing/2015/06/chart">
             <c:ext xmlns:c16="http://schemas.microsoft.com/office/drawing/2014/chart" uri="{C3380CC4-5D6E-409C-BE32-E72D297353CC}">
               <c16:uniqueId val="{00000000-7037-4256-A393-D4E9A60DE223}"/>
             </c:ext>
@@ -1950,7 +1951,7 @@
             </c:numRef>
           </c:yVal>
           <c:smooth val="0"/>
-          <c:extLst>
+          <c:extLst xmlns:c16r2="http://schemas.microsoft.com/office/drawing/2015/06/chart">
             <c:ext xmlns:c16="http://schemas.microsoft.com/office/drawing/2014/chart" uri="{C3380CC4-5D6E-409C-BE32-E72D297353CC}">
               <c16:uniqueId val="{00000001-7037-4256-A393-D4E9A60DE223}"/>
             </c:ext>
@@ -2039,7 +2040,7 @@
             </c:numRef>
           </c:yVal>
           <c:smooth val="0"/>
-          <c:extLst>
+          <c:extLst xmlns:c16r2="http://schemas.microsoft.com/office/drawing/2015/06/chart">
             <c:ext xmlns:c16="http://schemas.microsoft.com/office/drawing/2014/chart" uri="{C3380CC4-5D6E-409C-BE32-E72D297353CC}">
               <c16:uniqueId val="{00000002-7037-4256-A393-D4E9A60DE223}"/>
             </c:ext>
@@ -2053,11 +2054,11 @@
           <c:showPercent val="0"/>
           <c:showBubbleSize val="0"/>
         </c:dLbls>
-        <c:axId val="123611392"/>
-        <c:axId val="123622144"/>
+        <c:axId val="90912640"/>
+        <c:axId val="90923392"/>
       </c:scatterChart>
       <c:valAx>
-        <c:axId val="123611392"/>
+        <c:axId val="90912640"/>
         <c:scaling>
           <c:orientation val="minMax"/>
           <c:max val="200000"/>
@@ -2111,12 +2112,12 @@
             </a:solidFill>
           </a:ln>
         </c:spPr>
-        <c:crossAx val="123622144"/>
+        <c:crossAx val="90923392"/>
         <c:crossesAt val="0"/>
         <c:crossBetween val="midCat"/>
       </c:valAx>
       <c:valAx>
-        <c:axId val="123622144"/>
+        <c:axId val="90923392"/>
         <c:scaling>
           <c:orientation val="minMax"/>
         </c:scaling>
@@ -2164,7 +2165,7 @@
             </a:solidFill>
           </a:ln>
         </c:spPr>
-        <c:crossAx val="123611392"/>
+        <c:crossAx val="90912640"/>
         <c:crossesAt val="0"/>
         <c:crossBetween val="midCat"/>
       </c:valAx>
@@ -2386,7 +2387,7 @@
           <a:p>
             <a:fld id="{B41FAE2C-98F2-4AEB-9028-7681F5825C1E}" type="datetimeFigureOut">
               <a:rPr lang="en-US" smtClean="0"/>
-              <a:t>10/20/2015</a:t>
+              <a:t>11/2/2015</a:t>
             </a:fld>
             <a:endParaRPr lang="en-US"/>
           </a:p>
@@ -2402,7 +2403,15 @@
             <p:ph type="ftr" sz="quarter" idx="11"/>
           </p:nvPr>
         </p:nvSpPr>
-        <p:spPr/>
+        <p:spPr>
+          <a:xfrm>
+            <a:off x="3124200" y="6356350"/>
+            <a:ext cx="2895600" cy="365125"/>
+          </a:xfrm>
+          <a:prstGeom prst="rect">
+            <a:avLst/>
+          </a:prstGeom>
+        </p:spPr>
         <p:txBody>
           <a:bodyPr/>
           <a:lstStyle/>
@@ -2435,11 +2444,6 @@
         </p:txBody>
       </p:sp>
     </p:spTree>
-    <p:extLst>
-      <p:ext uri="{BB962C8B-B14F-4D97-AF65-F5344CB8AC3E}">
-        <p14:creationId xmlns:p14="http://schemas.microsoft.com/office/powerpoint/2010/main" val="128032320"/>
-      </p:ext>
-    </p:extLst>
   </p:cSld>
   <p:clrMapOvr>
     <a:masterClrMapping/>
@@ -2556,7 +2560,7 @@
           <a:p>
             <a:fld id="{B41FAE2C-98F2-4AEB-9028-7681F5825C1E}" type="datetimeFigureOut">
               <a:rPr lang="en-US" smtClean="0"/>
-              <a:t>10/20/2015</a:t>
+              <a:t>11/2/2015</a:t>
             </a:fld>
             <a:endParaRPr lang="en-US"/>
           </a:p>
@@ -2572,7 +2576,15 @@
             <p:ph type="ftr" sz="quarter" idx="11"/>
           </p:nvPr>
         </p:nvSpPr>
-        <p:spPr/>
+        <p:spPr>
+          <a:xfrm>
+            <a:off x="3124200" y="6356350"/>
+            <a:ext cx="2895600" cy="365125"/>
+          </a:xfrm>
+          <a:prstGeom prst="rect">
+            <a:avLst/>
+          </a:prstGeom>
+        </p:spPr>
         <p:txBody>
           <a:bodyPr/>
           <a:lstStyle/>
@@ -2605,11 +2617,6 @@
         </p:txBody>
       </p:sp>
     </p:spTree>
-    <p:extLst>
-      <p:ext uri="{BB962C8B-B14F-4D97-AF65-F5344CB8AC3E}">
-        <p14:creationId xmlns:p14="http://schemas.microsoft.com/office/powerpoint/2010/main" val="1206696763"/>
-      </p:ext>
-    </p:extLst>
   </p:cSld>
   <p:clrMapOvr>
     <a:masterClrMapping/>
@@ -2736,7 +2743,7 @@
           <a:p>
             <a:fld id="{B41FAE2C-98F2-4AEB-9028-7681F5825C1E}" type="datetimeFigureOut">
               <a:rPr lang="en-US" smtClean="0"/>
-              <a:t>10/20/2015</a:t>
+              <a:t>11/2/2015</a:t>
             </a:fld>
             <a:endParaRPr lang="en-US"/>
           </a:p>
@@ -2752,7 +2759,15 @@
             <p:ph type="ftr" sz="quarter" idx="11"/>
           </p:nvPr>
         </p:nvSpPr>
-        <p:spPr/>
+        <p:spPr>
+          <a:xfrm>
+            <a:off x="3124200" y="6356350"/>
+            <a:ext cx="2895600" cy="365125"/>
+          </a:xfrm>
+          <a:prstGeom prst="rect">
+            <a:avLst/>
+          </a:prstGeom>
+        </p:spPr>
         <p:txBody>
           <a:bodyPr/>
           <a:lstStyle/>
@@ -2785,9 +2800,277 @@
         </p:txBody>
       </p:sp>
     </p:spTree>
+  </p:cSld>
+  <p:clrMapOvr>
+    <a:masterClrMapping/>
+  </p:clrMapOvr>
+</p:sldLayout>
+</file>
+
+<file path=ppt/slideLayouts/slideLayout12.xml><?xml version="1.0" encoding="utf-8"?>
+<p:sldLayout xmlns:a="http://schemas.openxmlformats.org/drawingml/2006/main" xmlns:r="http://schemas.openxmlformats.org/officeDocument/2006/relationships" xmlns:p="http://schemas.openxmlformats.org/presentationml/2006/main" type="title" preserve="1">
+  <p:cSld name="Title Slide">
+    <p:spTree>
+      <p:nvGrpSpPr>
+        <p:cNvPr id="1" name=""/>
+        <p:cNvGrpSpPr/>
+        <p:nvPr/>
+      </p:nvGrpSpPr>
+      <p:grpSpPr>
+        <a:xfrm>
+          <a:off x="0" y="0"/>
+          <a:ext cx="0" cy="0"/>
+          <a:chOff x="0" y="0"/>
+          <a:chExt cx="0" cy="0"/>
+        </a:xfrm>
+      </p:grpSpPr>
+      <p:sp>
+        <p:nvSpPr>
+          <p:cNvPr id="2" name="Title 1"/>
+          <p:cNvSpPr>
+            <a:spLocks noGrp="1"/>
+          </p:cNvSpPr>
+          <p:nvPr>
+            <p:ph type="ctrTitle"/>
+          </p:nvPr>
+        </p:nvSpPr>
+        <p:spPr>
+          <a:xfrm>
+            <a:off x="685800" y="2130425"/>
+            <a:ext cx="7772400" cy="1470025"/>
+          </a:xfrm>
+        </p:spPr>
+        <p:txBody>
+          <a:bodyPr/>
+          <a:lstStyle/>
+          <a:p>
+            <a:r>
+              <a:rPr lang="en-US" smtClean="0"/>
+              <a:t>Click to edit Master title style</a:t>
+            </a:r>
+            <a:endParaRPr lang="en-US"/>
+          </a:p>
+        </p:txBody>
+      </p:sp>
+      <p:sp>
+        <p:nvSpPr>
+          <p:cNvPr id="3" name="Subtitle 2"/>
+          <p:cNvSpPr>
+            <a:spLocks noGrp="1"/>
+          </p:cNvSpPr>
+          <p:nvPr>
+            <p:ph type="subTitle" idx="1"/>
+          </p:nvPr>
+        </p:nvSpPr>
+        <p:spPr>
+          <a:xfrm>
+            <a:off x="1371600" y="3886200"/>
+            <a:ext cx="6400800" cy="1752600"/>
+          </a:xfrm>
+        </p:spPr>
+        <p:txBody>
+          <a:bodyPr/>
+          <a:lstStyle>
+            <a:lvl1pPr marL="0" indent="0" algn="ctr">
+              <a:buNone/>
+              <a:defRPr>
+                <a:solidFill>
+                  <a:schemeClr val="tx1">
+                    <a:tint val="75000"/>
+                  </a:schemeClr>
+                </a:solidFill>
+              </a:defRPr>
+            </a:lvl1pPr>
+            <a:lvl2pPr marL="457200" indent="0" algn="ctr">
+              <a:buNone/>
+              <a:defRPr>
+                <a:solidFill>
+                  <a:schemeClr val="tx1">
+                    <a:tint val="75000"/>
+                  </a:schemeClr>
+                </a:solidFill>
+              </a:defRPr>
+            </a:lvl2pPr>
+            <a:lvl3pPr marL="914400" indent="0" algn="ctr">
+              <a:buNone/>
+              <a:defRPr>
+                <a:solidFill>
+                  <a:schemeClr val="tx1">
+                    <a:tint val="75000"/>
+                  </a:schemeClr>
+                </a:solidFill>
+              </a:defRPr>
+            </a:lvl3pPr>
+            <a:lvl4pPr marL="1371600" indent="0" algn="ctr">
+              <a:buNone/>
+              <a:defRPr>
+                <a:solidFill>
+                  <a:schemeClr val="tx1">
+                    <a:tint val="75000"/>
+                  </a:schemeClr>
+                </a:solidFill>
+              </a:defRPr>
+            </a:lvl4pPr>
+            <a:lvl5pPr marL="1828800" indent="0" algn="ctr">
+              <a:buNone/>
+              <a:defRPr>
+                <a:solidFill>
+                  <a:schemeClr val="tx1">
+                    <a:tint val="75000"/>
+                  </a:schemeClr>
+                </a:solidFill>
+              </a:defRPr>
+            </a:lvl5pPr>
+            <a:lvl6pPr marL="2286000" indent="0" algn="ctr">
+              <a:buNone/>
+              <a:defRPr>
+                <a:solidFill>
+                  <a:schemeClr val="tx1">
+                    <a:tint val="75000"/>
+                  </a:schemeClr>
+                </a:solidFill>
+              </a:defRPr>
+            </a:lvl6pPr>
+            <a:lvl7pPr marL="2743200" indent="0" algn="ctr">
+              <a:buNone/>
+              <a:defRPr>
+                <a:solidFill>
+                  <a:schemeClr val="tx1">
+                    <a:tint val="75000"/>
+                  </a:schemeClr>
+                </a:solidFill>
+              </a:defRPr>
+            </a:lvl7pPr>
+            <a:lvl8pPr marL="3200400" indent="0" algn="ctr">
+              <a:buNone/>
+              <a:defRPr>
+                <a:solidFill>
+                  <a:schemeClr val="tx1">
+                    <a:tint val="75000"/>
+                  </a:schemeClr>
+                </a:solidFill>
+              </a:defRPr>
+            </a:lvl8pPr>
+            <a:lvl9pPr marL="3657600" indent="0" algn="ctr">
+              <a:buNone/>
+              <a:defRPr>
+                <a:solidFill>
+                  <a:schemeClr val="tx1">
+                    <a:tint val="75000"/>
+                  </a:schemeClr>
+                </a:solidFill>
+              </a:defRPr>
+            </a:lvl9pPr>
+          </a:lstStyle>
+          <a:p>
+            <a:r>
+              <a:rPr lang="en-US" smtClean="0"/>
+              <a:t>Click to edit Master subtitle style</a:t>
+            </a:r>
+            <a:endParaRPr lang="en-US"/>
+          </a:p>
+        </p:txBody>
+      </p:sp>
+      <p:sp>
+        <p:nvSpPr>
+          <p:cNvPr id="4" name="Date Placeholder 3"/>
+          <p:cNvSpPr>
+            <a:spLocks noGrp="1"/>
+          </p:cNvSpPr>
+          <p:nvPr>
+            <p:ph type="dt" sz="half" idx="10"/>
+          </p:nvPr>
+        </p:nvSpPr>
+        <p:spPr/>
+        <p:txBody>
+          <a:bodyPr/>
+          <a:lstStyle/>
+          <a:p>
+            <a:fld id="{65109F8C-9F4D-5945-807D-33CC9F4EE4DF}" type="datetimeFigureOut">
+              <a:rPr lang="en-US" smtClean="0">
+                <a:solidFill>
+                  <a:prstClr val="white"/>
+                </a:solidFill>
+              </a:rPr>
+              <a:pPr/>
+              <a:t>11/2/2015</a:t>
+            </a:fld>
+            <a:endParaRPr lang="en-US">
+              <a:solidFill>
+                <a:prstClr val="white"/>
+              </a:solidFill>
+            </a:endParaRPr>
+          </a:p>
+        </p:txBody>
+      </p:sp>
+      <p:sp>
+        <p:nvSpPr>
+          <p:cNvPr id="5" name="Footer Placeholder 4"/>
+          <p:cNvSpPr>
+            <a:spLocks noGrp="1"/>
+          </p:cNvSpPr>
+          <p:nvPr>
+            <p:ph type="ftr" sz="quarter" idx="11"/>
+          </p:nvPr>
+        </p:nvSpPr>
+        <p:spPr>
+          <a:xfrm>
+            <a:off x="3124200" y="6356350"/>
+            <a:ext cx="2895600" cy="365125"/>
+          </a:xfrm>
+          <a:prstGeom prst="rect">
+            <a:avLst/>
+          </a:prstGeom>
+        </p:spPr>
+        <p:txBody>
+          <a:bodyPr/>
+          <a:lstStyle/>
+          <a:p>
+            <a:pPr defTabSz="457200"/>
+            <a:endParaRPr lang="en-US">
+              <a:solidFill>
+                <a:prstClr val="black"/>
+              </a:solidFill>
+            </a:endParaRPr>
+          </a:p>
+        </p:txBody>
+      </p:sp>
+      <p:sp>
+        <p:nvSpPr>
+          <p:cNvPr id="6" name="Slide Number Placeholder 5"/>
+          <p:cNvSpPr>
+            <a:spLocks noGrp="1"/>
+          </p:cNvSpPr>
+          <p:nvPr>
+            <p:ph type="sldNum" sz="quarter" idx="12"/>
+          </p:nvPr>
+        </p:nvSpPr>
+        <p:spPr/>
+        <p:txBody>
+          <a:bodyPr/>
+          <a:lstStyle/>
+          <a:p>
+            <a:fld id="{B58F48A6-A3E1-4848-9AC3-B43F560BE4FE}" type="slidenum">
+              <a:rPr lang="en-US" smtClean="0">
+                <a:solidFill>
+                  <a:prstClr val="white"/>
+                </a:solidFill>
+              </a:rPr>
+              <a:pPr/>
+              <a:t>‹#›</a:t>
+            </a:fld>
+            <a:endParaRPr lang="en-US">
+              <a:solidFill>
+                <a:prstClr val="white"/>
+              </a:solidFill>
+            </a:endParaRPr>
+          </a:p>
+        </p:txBody>
+      </p:sp>
+    </p:spTree>
     <p:extLst>
       <p:ext uri="{BB962C8B-B14F-4D97-AF65-F5344CB8AC3E}">
-        <p14:creationId xmlns:p14="http://schemas.microsoft.com/office/powerpoint/2010/main" val="2082792928"/>
+        <p14:creationId xmlns:p14="http://schemas.microsoft.com/office/powerpoint/2010/main" val="1388481156"/>
       </p:ext>
     </p:extLst>
   </p:cSld>
@@ -2797,7 +3080,7 @@
 </p:sldLayout>
 </file>
 
-<file path=ppt/slideLayouts/slideLayout2.xml><?xml version="1.0" encoding="utf-8"?>
+<file path=ppt/slideLayouts/slideLayout13.xml><?xml version="1.0" encoding="utf-8"?>
 <p:sldLayout xmlns:a="http://schemas.openxmlformats.org/drawingml/2006/main" xmlns:r="http://schemas.openxmlformats.org/officeDocument/2006/relationships" xmlns:p="http://schemas.openxmlformats.org/presentationml/2006/main" type="obj" preserve="1">
   <p:cSld name="Title and Content">
     <p:spTree>
@@ -2904,11 +3187,20 @@
           <a:bodyPr/>
           <a:lstStyle/>
           <a:p>
-            <a:fld id="{B41FAE2C-98F2-4AEB-9028-7681F5825C1E}" type="datetimeFigureOut">
-              <a:rPr lang="en-US" smtClean="0"/>
-              <a:t>10/20/2015</a:t>
+            <a:fld id="{65109F8C-9F4D-5945-807D-33CC9F4EE4DF}" type="datetimeFigureOut">
+              <a:rPr lang="en-US" smtClean="0">
+                <a:solidFill>
+                  <a:prstClr val="white"/>
+                </a:solidFill>
+              </a:rPr>
+              <a:pPr/>
+              <a:t>11/2/2015</a:t>
             </a:fld>
-            <a:endParaRPr lang="en-US"/>
+            <a:endParaRPr lang="en-US">
+              <a:solidFill>
+                <a:prstClr val="white"/>
+              </a:solidFill>
+            </a:endParaRPr>
           </a:p>
         </p:txBody>
       </p:sp>
@@ -2922,12 +3214,25 @@
             <p:ph type="ftr" sz="quarter" idx="11"/>
           </p:nvPr>
         </p:nvSpPr>
-        <p:spPr/>
+        <p:spPr>
+          <a:xfrm>
+            <a:off x="3124200" y="6356350"/>
+            <a:ext cx="2895600" cy="365125"/>
+          </a:xfrm>
+          <a:prstGeom prst="rect">
+            <a:avLst/>
+          </a:prstGeom>
+        </p:spPr>
         <p:txBody>
           <a:bodyPr/>
           <a:lstStyle/>
           <a:p>
-            <a:endParaRPr lang="en-US"/>
+            <a:pPr defTabSz="457200"/>
+            <a:endParaRPr lang="en-US">
+              <a:solidFill>
+                <a:prstClr val="black"/>
+              </a:solidFill>
+            </a:endParaRPr>
           </a:p>
         </p:txBody>
       </p:sp>
@@ -2946,18 +3251,27 @@
           <a:bodyPr/>
           <a:lstStyle/>
           <a:p>
-            <a:fld id="{123908D8-EB8A-4839-B5DA-E27DEBBAC624}" type="slidenum">
-              <a:rPr lang="en-US" smtClean="0"/>
+            <a:fld id="{B58F48A6-A3E1-4848-9AC3-B43F560BE4FE}" type="slidenum">
+              <a:rPr lang="en-US" smtClean="0">
+                <a:solidFill>
+                  <a:prstClr val="white"/>
+                </a:solidFill>
+              </a:rPr>
+              <a:pPr/>
               <a:t>‹#›</a:t>
             </a:fld>
-            <a:endParaRPr lang="en-US"/>
+            <a:endParaRPr lang="en-US">
+              <a:solidFill>
+                <a:prstClr val="white"/>
+              </a:solidFill>
+            </a:endParaRPr>
           </a:p>
         </p:txBody>
       </p:sp>
     </p:spTree>
     <p:extLst>
       <p:ext uri="{BB962C8B-B14F-4D97-AF65-F5344CB8AC3E}">
-        <p14:creationId xmlns:p14="http://schemas.microsoft.com/office/powerpoint/2010/main" val="3035988071"/>
+        <p14:creationId xmlns:p14="http://schemas.microsoft.com/office/powerpoint/2010/main" val="3624552240"/>
       </p:ext>
     </p:extLst>
   </p:cSld>
@@ -2967,7 +3281,7 @@
 </p:sldLayout>
 </file>
 
-<file path=ppt/slideLayouts/slideLayout3.xml><?xml version="1.0" encoding="utf-8"?>
+<file path=ppt/slideLayouts/slideLayout14.xml><?xml version="1.0" encoding="utf-8"?>
 <p:sldLayout xmlns:a="http://schemas.openxmlformats.org/drawingml/2006/main" xmlns:r="http://schemas.openxmlformats.org/officeDocument/2006/relationships" xmlns:p="http://schemas.openxmlformats.org/presentationml/2006/main" type="secHead" preserve="1">
   <p:cSld name="Section Header">
     <p:spTree>
@@ -3150,11 +3464,20 @@
           <a:bodyPr/>
           <a:lstStyle/>
           <a:p>
-            <a:fld id="{B41FAE2C-98F2-4AEB-9028-7681F5825C1E}" type="datetimeFigureOut">
-              <a:rPr lang="en-US" smtClean="0"/>
-              <a:t>10/20/2015</a:t>
+            <a:fld id="{65109F8C-9F4D-5945-807D-33CC9F4EE4DF}" type="datetimeFigureOut">
+              <a:rPr lang="en-US" smtClean="0">
+                <a:solidFill>
+                  <a:prstClr val="white"/>
+                </a:solidFill>
+              </a:rPr>
+              <a:pPr/>
+              <a:t>11/2/2015</a:t>
             </a:fld>
-            <a:endParaRPr lang="en-US"/>
+            <a:endParaRPr lang="en-US">
+              <a:solidFill>
+                <a:prstClr val="white"/>
+              </a:solidFill>
+            </a:endParaRPr>
           </a:p>
         </p:txBody>
       </p:sp>
@@ -3168,12 +3491,25 @@
             <p:ph type="ftr" sz="quarter" idx="11"/>
           </p:nvPr>
         </p:nvSpPr>
-        <p:spPr/>
+        <p:spPr>
+          <a:xfrm>
+            <a:off x="3124200" y="6356350"/>
+            <a:ext cx="2895600" cy="365125"/>
+          </a:xfrm>
+          <a:prstGeom prst="rect">
+            <a:avLst/>
+          </a:prstGeom>
+        </p:spPr>
         <p:txBody>
           <a:bodyPr/>
           <a:lstStyle/>
           <a:p>
-            <a:endParaRPr lang="en-US"/>
+            <a:pPr defTabSz="457200"/>
+            <a:endParaRPr lang="en-US">
+              <a:solidFill>
+                <a:prstClr val="black"/>
+              </a:solidFill>
+            </a:endParaRPr>
           </a:p>
         </p:txBody>
       </p:sp>
@@ -3192,18 +3528,27 @@
           <a:bodyPr/>
           <a:lstStyle/>
           <a:p>
-            <a:fld id="{123908D8-EB8A-4839-B5DA-E27DEBBAC624}" type="slidenum">
-              <a:rPr lang="en-US" smtClean="0"/>
+            <a:fld id="{B58F48A6-A3E1-4848-9AC3-B43F560BE4FE}" type="slidenum">
+              <a:rPr lang="en-US" smtClean="0">
+                <a:solidFill>
+                  <a:prstClr val="white"/>
+                </a:solidFill>
+              </a:rPr>
+              <a:pPr/>
               <a:t>‹#›</a:t>
             </a:fld>
-            <a:endParaRPr lang="en-US"/>
+            <a:endParaRPr lang="en-US">
+              <a:solidFill>
+                <a:prstClr val="white"/>
+              </a:solidFill>
+            </a:endParaRPr>
           </a:p>
         </p:txBody>
       </p:sp>
     </p:spTree>
     <p:extLst>
       <p:ext uri="{BB962C8B-B14F-4D97-AF65-F5344CB8AC3E}">
-        <p14:creationId xmlns:p14="http://schemas.microsoft.com/office/powerpoint/2010/main" val="2075628562"/>
+        <p14:creationId xmlns:p14="http://schemas.microsoft.com/office/powerpoint/2010/main" val="2149028481"/>
       </p:ext>
     </p:extLst>
   </p:cSld>
@@ -3213,7 +3558,7 @@
 </p:sldLayout>
 </file>
 
-<file path=ppt/slideLayouts/slideLayout4.xml><?xml version="1.0" encoding="utf-8"?>
+<file path=ppt/slideLayouts/slideLayout15.xml><?xml version="1.0" encoding="utf-8"?>
 <p:sldLayout xmlns:a="http://schemas.openxmlformats.org/drawingml/2006/main" xmlns:r="http://schemas.openxmlformats.org/officeDocument/2006/relationships" xmlns:p="http://schemas.openxmlformats.org/presentationml/2006/main" type="twoObj" preserve="1">
   <p:cSld name="Two Content">
     <p:spTree>
@@ -3438,11 +3783,20 @@
           <a:bodyPr/>
           <a:lstStyle/>
           <a:p>
-            <a:fld id="{B41FAE2C-98F2-4AEB-9028-7681F5825C1E}" type="datetimeFigureOut">
-              <a:rPr lang="en-US" smtClean="0"/>
-              <a:t>10/20/2015</a:t>
+            <a:fld id="{65109F8C-9F4D-5945-807D-33CC9F4EE4DF}" type="datetimeFigureOut">
+              <a:rPr lang="en-US" smtClean="0">
+                <a:solidFill>
+                  <a:prstClr val="white"/>
+                </a:solidFill>
+              </a:rPr>
+              <a:pPr/>
+              <a:t>11/2/2015</a:t>
             </a:fld>
-            <a:endParaRPr lang="en-US"/>
+            <a:endParaRPr lang="en-US">
+              <a:solidFill>
+                <a:prstClr val="white"/>
+              </a:solidFill>
+            </a:endParaRPr>
           </a:p>
         </p:txBody>
       </p:sp>
@@ -3456,12 +3810,25 @@
             <p:ph type="ftr" sz="quarter" idx="11"/>
           </p:nvPr>
         </p:nvSpPr>
-        <p:spPr/>
+        <p:spPr>
+          <a:xfrm>
+            <a:off x="3124200" y="6356350"/>
+            <a:ext cx="2895600" cy="365125"/>
+          </a:xfrm>
+          <a:prstGeom prst="rect">
+            <a:avLst/>
+          </a:prstGeom>
+        </p:spPr>
         <p:txBody>
           <a:bodyPr/>
           <a:lstStyle/>
           <a:p>
-            <a:endParaRPr lang="en-US"/>
+            <a:pPr defTabSz="457200"/>
+            <a:endParaRPr lang="en-US">
+              <a:solidFill>
+                <a:prstClr val="black"/>
+              </a:solidFill>
+            </a:endParaRPr>
           </a:p>
         </p:txBody>
       </p:sp>
@@ -3480,18 +3847,27 @@
           <a:bodyPr/>
           <a:lstStyle/>
           <a:p>
-            <a:fld id="{123908D8-EB8A-4839-B5DA-E27DEBBAC624}" type="slidenum">
-              <a:rPr lang="en-US" smtClean="0"/>
+            <a:fld id="{B58F48A6-A3E1-4848-9AC3-B43F560BE4FE}" type="slidenum">
+              <a:rPr lang="en-US" smtClean="0">
+                <a:solidFill>
+                  <a:prstClr val="white"/>
+                </a:solidFill>
+              </a:rPr>
+              <a:pPr/>
               <a:t>‹#›</a:t>
             </a:fld>
-            <a:endParaRPr lang="en-US"/>
+            <a:endParaRPr lang="en-US">
+              <a:solidFill>
+                <a:prstClr val="white"/>
+              </a:solidFill>
+            </a:endParaRPr>
           </a:p>
         </p:txBody>
       </p:sp>
     </p:spTree>
     <p:extLst>
       <p:ext uri="{BB962C8B-B14F-4D97-AF65-F5344CB8AC3E}">
-        <p14:creationId xmlns:p14="http://schemas.microsoft.com/office/powerpoint/2010/main" val="3342672365"/>
+        <p14:creationId xmlns:p14="http://schemas.microsoft.com/office/powerpoint/2010/main" val="3115499810"/>
       </p:ext>
     </p:extLst>
   </p:cSld>
@@ -3501,7 +3877,7 @@
 </p:sldLayout>
 </file>
 
-<file path=ppt/slideLayouts/slideLayout5.xml><?xml version="1.0" encoding="utf-8"?>
+<file path=ppt/slideLayouts/slideLayout16.xml><?xml version="1.0" encoding="utf-8"?>
 <p:sldLayout xmlns:a="http://schemas.openxmlformats.org/drawingml/2006/main" xmlns:r="http://schemas.openxmlformats.org/officeDocument/2006/relationships" xmlns:p="http://schemas.openxmlformats.org/presentationml/2006/main" type="twoTxTwoObj" preserve="1">
   <p:cSld name="Comparison">
     <p:spTree>
@@ -3860,11 +4236,20 @@
           <a:bodyPr/>
           <a:lstStyle/>
           <a:p>
-            <a:fld id="{B41FAE2C-98F2-4AEB-9028-7681F5825C1E}" type="datetimeFigureOut">
-              <a:rPr lang="en-US" smtClean="0"/>
-              <a:t>10/20/2015</a:t>
+            <a:fld id="{65109F8C-9F4D-5945-807D-33CC9F4EE4DF}" type="datetimeFigureOut">
+              <a:rPr lang="en-US" smtClean="0">
+                <a:solidFill>
+                  <a:prstClr val="white"/>
+                </a:solidFill>
+              </a:rPr>
+              <a:pPr/>
+              <a:t>11/2/2015</a:t>
             </a:fld>
-            <a:endParaRPr lang="en-US"/>
+            <a:endParaRPr lang="en-US">
+              <a:solidFill>
+                <a:prstClr val="white"/>
+              </a:solidFill>
+            </a:endParaRPr>
           </a:p>
         </p:txBody>
       </p:sp>
@@ -3878,12 +4263,25 @@
             <p:ph type="ftr" sz="quarter" idx="11"/>
           </p:nvPr>
         </p:nvSpPr>
-        <p:spPr/>
+        <p:spPr>
+          <a:xfrm>
+            <a:off x="3124200" y="6356350"/>
+            <a:ext cx="2895600" cy="365125"/>
+          </a:xfrm>
+          <a:prstGeom prst="rect">
+            <a:avLst/>
+          </a:prstGeom>
+        </p:spPr>
         <p:txBody>
           <a:bodyPr/>
           <a:lstStyle/>
           <a:p>
-            <a:endParaRPr lang="en-US"/>
+            <a:pPr defTabSz="457200"/>
+            <a:endParaRPr lang="en-US">
+              <a:solidFill>
+                <a:prstClr val="black"/>
+              </a:solidFill>
+            </a:endParaRPr>
           </a:p>
         </p:txBody>
       </p:sp>
@@ -3902,18 +4300,27 @@
           <a:bodyPr/>
           <a:lstStyle/>
           <a:p>
-            <a:fld id="{123908D8-EB8A-4839-B5DA-E27DEBBAC624}" type="slidenum">
-              <a:rPr lang="en-US" smtClean="0"/>
+            <a:fld id="{B58F48A6-A3E1-4848-9AC3-B43F560BE4FE}" type="slidenum">
+              <a:rPr lang="en-US" smtClean="0">
+                <a:solidFill>
+                  <a:prstClr val="white"/>
+                </a:solidFill>
+              </a:rPr>
+              <a:pPr/>
               <a:t>‹#›</a:t>
             </a:fld>
-            <a:endParaRPr lang="en-US"/>
+            <a:endParaRPr lang="en-US">
+              <a:solidFill>
+                <a:prstClr val="white"/>
+              </a:solidFill>
+            </a:endParaRPr>
           </a:p>
         </p:txBody>
       </p:sp>
     </p:spTree>
     <p:extLst>
       <p:ext uri="{BB962C8B-B14F-4D97-AF65-F5344CB8AC3E}">
-        <p14:creationId xmlns:p14="http://schemas.microsoft.com/office/powerpoint/2010/main" val="782213991"/>
+        <p14:creationId xmlns:p14="http://schemas.microsoft.com/office/powerpoint/2010/main" val="2011068862"/>
       </p:ext>
     </p:extLst>
   </p:cSld>
@@ -3923,7 +4330,7 @@
 </p:sldLayout>
 </file>
 
-<file path=ppt/slideLayouts/slideLayout6.xml><?xml version="1.0" encoding="utf-8"?>
+<file path=ppt/slideLayouts/slideLayout17.xml><?xml version="1.0" encoding="utf-8"?>
 <p:sldLayout xmlns:a="http://schemas.openxmlformats.org/drawingml/2006/main" xmlns:r="http://schemas.openxmlformats.org/officeDocument/2006/relationships" xmlns:p="http://schemas.openxmlformats.org/presentationml/2006/main" type="titleOnly" preserve="1">
   <p:cSld name="Title Only">
     <p:spTree>
@@ -3978,11 +4385,20 @@
           <a:bodyPr/>
           <a:lstStyle/>
           <a:p>
-            <a:fld id="{B41FAE2C-98F2-4AEB-9028-7681F5825C1E}" type="datetimeFigureOut">
-              <a:rPr lang="en-US" smtClean="0"/>
-              <a:t>10/20/2015</a:t>
+            <a:fld id="{65109F8C-9F4D-5945-807D-33CC9F4EE4DF}" type="datetimeFigureOut">
+              <a:rPr lang="en-US" smtClean="0">
+                <a:solidFill>
+                  <a:prstClr val="white"/>
+                </a:solidFill>
+              </a:rPr>
+              <a:pPr/>
+              <a:t>11/2/2015</a:t>
             </a:fld>
-            <a:endParaRPr lang="en-US"/>
+            <a:endParaRPr lang="en-US">
+              <a:solidFill>
+                <a:prstClr val="white"/>
+              </a:solidFill>
+            </a:endParaRPr>
           </a:p>
         </p:txBody>
       </p:sp>
@@ -3996,12 +4412,25 @@
             <p:ph type="ftr" sz="quarter" idx="11"/>
           </p:nvPr>
         </p:nvSpPr>
-        <p:spPr/>
+        <p:spPr>
+          <a:xfrm>
+            <a:off x="3124200" y="6356350"/>
+            <a:ext cx="2895600" cy="365125"/>
+          </a:xfrm>
+          <a:prstGeom prst="rect">
+            <a:avLst/>
+          </a:prstGeom>
+        </p:spPr>
         <p:txBody>
           <a:bodyPr/>
           <a:lstStyle/>
           <a:p>
-            <a:endParaRPr lang="en-US"/>
+            <a:pPr defTabSz="457200"/>
+            <a:endParaRPr lang="en-US">
+              <a:solidFill>
+                <a:prstClr val="black"/>
+              </a:solidFill>
+            </a:endParaRPr>
           </a:p>
         </p:txBody>
       </p:sp>
@@ -4020,18 +4449,27 @@
           <a:bodyPr/>
           <a:lstStyle/>
           <a:p>
-            <a:fld id="{123908D8-EB8A-4839-B5DA-E27DEBBAC624}" type="slidenum">
-              <a:rPr lang="en-US" smtClean="0"/>
+            <a:fld id="{B58F48A6-A3E1-4848-9AC3-B43F560BE4FE}" type="slidenum">
+              <a:rPr lang="en-US" smtClean="0">
+                <a:solidFill>
+                  <a:prstClr val="white"/>
+                </a:solidFill>
+              </a:rPr>
+              <a:pPr/>
               <a:t>‹#›</a:t>
             </a:fld>
-            <a:endParaRPr lang="en-US"/>
+            <a:endParaRPr lang="en-US">
+              <a:solidFill>
+                <a:prstClr val="white"/>
+              </a:solidFill>
+            </a:endParaRPr>
           </a:p>
         </p:txBody>
       </p:sp>
     </p:spTree>
     <p:extLst>
       <p:ext uri="{BB962C8B-B14F-4D97-AF65-F5344CB8AC3E}">
-        <p14:creationId xmlns:p14="http://schemas.microsoft.com/office/powerpoint/2010/main" val="3987518789"/>
+        <p14:creationId xmlns:p14="http://schemas.microsoft.com/office/powerpoint/2010/main" val="2477382024"/>
       </p:ext>
     </p:extLst>
   </p:cSld>
@@ -4041,7 +4479,7 @@
 </p:sldLayout>
 </file>
 
-<file path=ppt/slideLayouts/slideLayout7.xml><?xml version="1.0" encoding="utf-8"?>
+<file path=ppt/slideLayouts/slideLayout18.xml><?xml version="1.0" encoding="utf-8"?>
 <p:sldLayout xmlns:a="http://schemas.openxmlformats.org/drawingml/2006/main" xmlns:r="http://schemas.openxmlformats.org/officeDocument/2006/relationships" xmlns:p="http://schemas.openxmlformats.org/presentationml/2006/main" type="blank" preserve="1">
   <p:cSld name="Blank">
     <p:spTree>
@@ -4073,11 +4511,20 @@
           <a:bodyPr/>
           <a:lstStyle/>
           <a:p>
-            <a:fld id="{B41FAE2C-98F2-4AEB-9028-7681F5825C1E}" type="datetimeFigureOut">
-              <a:rPr lang="en-US" smtClean="0"/>
-              <a:t>10/20/2015</a:t>
+            <a:fld id="{65109F8C-9F4D-5945-807D-33CC9F4EE4DF}" type="datetimeFigureOut">
+              <a:rPr lang="en-US" smtClean="0">
+                <a:solidFill>
+                  <a:prstClr val="white"/>
+                </a:solidFill>
+              </a:rPr>
+              <a:pPr/>
+              <a:t>11/2/2015</a:t>
             </a:fld>
-            <a:endParaRPr lang="en-US"/>
+            <a:endParaRPr lang="en-US">
+              <a:solidFill>
+                <a:prstClr val="white"/>
+              </a:solidFill>
+            </a:endParaRPr>
           </a:p>
         </p:txBody>
       </p:sp>
@@ -4091,12 +4538,25 @@
             <p:ph type="ftr" sz="quarter" idx="11"/>
           </p:nvPr>
         </p:nvSpPr>
-        <p:spPr/>
+        <p:spPr>
+          <a:xfrm>
+            <a:off x="3124200" y="6356350"/>
+            <a:ext cx="2895600" cy="365125"/>
+          </a:xfrm>
+          <a:prstGeom prst="rect">
+            <a:avLst/>
+          </a:prstGeom>
+        </p:spPr>
         <p:txBody>
           <a:bodyPr/>
           <a:lstStyle/>
           <a:p>
-            <a:endParaRPr lang="en-US"/>
+            <a:pPr defTabSz="457200"/>
+            <a:endParaRPr lang="en-US">
+              <a:solidFill>
+                <a:prstClr val="black"/>
+              </a:solidFill>
+            </a:endParaRPr>
           </a:p>
         </p:txBody>
       </p:sp>
@@ -4115,18 +4575,27 @@
           <a:bodyPr/>
           <a:lstStyle/>
           <a:p>
-            <a:fld id="{123908D8-EB8A-4839-B5DA-E27DEBBAC624}" type="slidenum">
-              <a:rPr lang="en-US" smtClean="0"/>
+            <a:fld id="{B58F48A6-A3E1-4848-9AC3-B43F560BE4FE}" type="slidenum">
+              <a:rPr lang="en-US" smtClean="0">
+                <a:solidFill>
+                  <a:prstClr val="white"/>
+                </a:solidFill>
+              </a:rPr>
+              <a:pPr/>
               <a:t>‹#›</a:t>
             </a:fld>
-            <a:endParaRPr lang="en-US"/>
+            <a:endParaRPr lang="en-US">
+              <a:solidFill>
+                <a:prstClr val="white"/>
+              </a:solidFill>
+            </a:endParaRPr>
           </a:p>
         </p:txBody>
       </p:sp>
     </p:spTree>
     <p:extLst>
       <p:ext uri="{BB962C8B-B14F-4D97-AF65-F5344CB8AC3E}">
-        <p14:creationId xmlns:p14="http://schemas.microsoft.com/office/powerpoint/2010/main" val="680598821"/>
+        <p14:creationId xmlns:p14="http://schemas.microsoft.com/office/powerpoint/2010/main" val="3643892687"/>
       </p:ext>
     </p:extLst>
   </p:cSld>
@@ -4136,7 +4605,7 @@
 </p:sldLayout>
 </file>
 
-<file path=ppt/slideLayouts/slideLayout8.xml><?xml version="1.0" encoding="utf-8"?>
+<file path=ppt/slideLayouts/slideLayout19.xml><?xml version="1.0" encoding="utf-8"?>
 <p:sldLayout xmlns:a="http://schemas.openxmlformats.org/drawingml/2006/main" xmlns:r="http://schemas.openxmlformats.org/officeDocument/2006/relationships" xmlns:p="http://schemas.openxmlformats.org/presentationml/2006/main" type="objTx" preserve="1">
   <p:cSld name="Content with Caption">
     <p:spTree>
@@ -4350,11 +4819,20 @@
           <a:bodyPr/>
           <a:lstStyle/>
           <a:p>
-            <a:fld id="{B41FAE2C-98F2-4AEB-9028-7681F5825C1E}" type="datetimeFigureOut">
-              <a:rPr lang="en-US" smtClean="0"/>
-              <a:t>10/20/2015</a:t>
+            <a:fld id="{65109F8C-9F4D-5945-807D-33CC9F4EE4DF}" type="datetimeFigureOut">
+              <a:rPr lang="en-US" smtClean="0">
+                <a:solidFill>
+                  <a:prstClr val="white"/>
+                </a:solidFill>
+              </a:rPr>
+              <a:pPr/>
+              <a:t>11/2/2015</a:t>
             </a:fld>
-            <a:endParaRPr lang="en-US"/>
+            <a:endParaRPr lang="en-US">
+              <a:solidFill>
+                <a:prstClr val="white"/>
+              </a:solidFill>
+            </a:endParaRPr>
           </a:p>
         </p:txBody>
       </p:sp>
@@ -4368,12 +4846,25 @@
             <p:ph type="ftr" sz="quarter" idx="11"/>
           </p:nvPr>
         </p:nvSpPr>
-        <p:spPr/>
+        <p:spPr>
+          <a:xfrm>
+            <a:off x="3124200" y="6356350"/>
+            <a:ext cx="2895600" cy="365125"/>
+          </a:xfrm>
+          <a:prstGeom prst="rect">
+            <a:avLst/>
+          </a:prstGeom>
+        </p:spPr>
         <p:txBody>
           <a:bodyPr/>
           <a:lstStyle/>
           <a:p>
-            <a:endParaRPr lang="en-US"/>
+            <a:pPr defTabSz="457200"/>
+            <a:endParaRPr lang="en-US">
+              <a:solidFill>
+                <a:prstClr val="black"/>
+              </a:solidFill>
+            </a:endParaRPr>
           </a:p>
         </p:txBody>
       </p:sp>
@@ -4392,18 +4883,27 @@
           <a:bodyPr/>
           <a:lstStyle/>
           <a:p>
-            <a:fld id="{123908D8-EB8A-4839-B5DA-E27DEBBAC624}" type="slidenum">
-              <a:rPr lang="en-US" smtClean="0"/>
+            <a:fld id="{B58F48A6-A3E1-4848-9AC3-B43F560BE4FE}" type="slidenum">
+              <a:rPr lang="en-US" smtClean="0">
+                <a:solidFill>
+                  <a:prstClr val="white"/>
+                </a:solidFill>
+              </a:rPr>
+              <a:pPr/>
               <a:t>‹#›</a:t>
             </a:fld>
-            <a:endParaRPr lang="en-US"/>
+            <a:endParaRPr lang="en-US">
+              <a:solidFill>
+                <a:prstClr val="white"/>
+              </a:solidFill>
+            </a:endParaRPr>
           </a:p>
         </p:txBody>
       </p:sp>
     </p:spTree>
     <p:extLst>
       <p:ext uri="{BB962C8B-B14F-4D97-AF65-F5344CB8AC3E}">
-        <p14:creationId xmlns:p14="http://schemas.microsoft.com/office/powerpoint/2010/main" val="3567884856"/>
+        <p14:creationId xmlns:p14="http://schemas.microsoft.com/office/powerpoint/2010/main" val="4289551798"/>
       </p:ext>
     </p:extLst>
   </p:cSld>
@@ -4413,7 +4913,180 @@
 </p:sldLayout>
 </file>
 
-<file path=ppt/slideLayouts/slideLayout9.xml><?xml version="1.0" encoding="utf-8"?>
+<file path=ppt/slideLayouts/slideLayout2.xml><?xml version="1.0" encoding="utf-8"?>
+<p:sldLayout xmlns:a="http://schemas.openxmlformats.org/drawingml/2006/main" xmlns:r="http://schemas.openxmlformats.org/officeDocument/2006/relationships" xmlns:p="http://schemas.openxmlformats.org/presentationml/2006/main" type="obj" preserve="1">
+  <p:cSld name="Title and Content">
+    <p:spTree>
+      <p:nvGrpSpPr>
+        <p:cNvPr id="1" name=""/>
+        <p:cNvGrpSpPr/>
+        <p:nvPr/>
+      </p:nvGrpSpPr>
+      <p:grpSpPr>
+        <a:xfrm>
+          <a:off x="0" y="0"/>
+          <a:ext cx="0" cy="0"/>
+          <a:chOff x="0" y="0"/>
+          <a:chExt cx="0" cy="0"/>
+        </a:xfrm>
+      </p:grpSpPr>
+      <p:sp>
+        <p:nvSpPr>
+          <p:cNvPr id="2" name="Title 1"/>
+          <p:cNvSpPr>
+            <a:spLocks noGrp="1"/>
+          </p:cNvSpPr>
+          <p:nvPr>
+            <p:ph type="title"/>
+          </p:nvPr>
+        </p:nvSpPr>
+        <p:spPr/>
+        <p:txBody>
+          <a:bodyPr/>
+          <a:lstStyle/>
+          <a:p>
+            <a:r>
+              <a:rPr lang="en-US" smtClean="0"/>
+              <a:t>Click to edit Master title style</a:t>
+            </a:r>
+            <a:endParaRPr lang="en-US"/>
+          </a:p>
+        </p:txBody>
+      </p:sp>
+      <p:sp>
+        <p:nvSpPr>
+          <p:cNvPr id="3" name="Content Placeholder 2"/>
+          <p:cNvSpPr>
+            <a:spLocks noGrp="1"/>
+          </p:cNvSpPr>
+          <p:nvPr>
+            <p:ph idx="1"/>
+          </p:nvPr>
+        </p:nvSpPr>
+        <p:spPr/>
+        <p:txBody>
+          <a:bodyPr/>
+          <a:lstStyle/>
+          <a:p>
+            <a:pPr lvl="0"/>
+            <a:r>
+              <a:rPr lang="en-US" smtClean="0"/>
+              <a:t>Click to edit Master text styles</a:t>
+            </a:r>
+          </a:p>
+          <a:p>
+            <a:pPr lvl="1"/>
+            <a:r>
+              <a:rPr lang="en-US" smtClean="0"/>
+              <a:t>Second level</a:t>
+            </a:r>
+          </a:p>
+          <a:p>
+            <a:pPr lvl="2"/>
+            <a:r>
+              <a:rPr lang="en-US" smtClean="0"/>
+              <a:t>Third level</a:t>
+            </a:r>
+          </a:p>
+          <a:p>
+            <a:pPr lvl="3"/>
+            <a:r>
+              <a:rPr lang="en-US" smtClean="0"/>
+              <a:t>Fourth level</a:t>
+            </a:r>
+          </a:p>
+          <a:p>
+            <a:pPr lvl="4"/>
+            <a:r>
+              <a:rPr lang="en-US" smtClean="0"/>
+              <a:t>Fifth level</a:t>
+            </a:r>
+            <a:endParaRPr lang="en-US"/>
+          </a:p>
+        </p:txBody>
+      </p:sp>
+      <p:sp>
+        <p:nvSpPr>
+          <p:cNvPr id="4" name="Date Placeholder 3"/>
+          <p:cNvSpPr>
+            <a:spLocks noGrp="1"/>
+          </p:cNvSpPr>
+          <p:nvPr>
+            <p:ph type="dt" sz="half" idx="10"/>
+          </p:nvPr>
+        </p:nvSpPr>
+        <p:spPr/>
+        <p:txBody>
+          <a:bodyPr/>
+          <a:lstStyle/>
+          <a:p>
+            <a:fld id="{B41FAE2C-98F2-4AEB-9028-7681F5825C1E}" type="datetimeFigureOut">
+              <a:rPr lang="en-US" smtClean="0"/>
+              <a:t>11/2/2015</a:t>
+            </a:fld>
+            <a:endParaRPr lang="en-US"/>
+          </a:p>
+        </p:txBody>
+      </p:sp>
+      <p:sp>
+        <p:nvSpPr>
+          <p:cNvPr id="5" name="Footer Placeholder 4"/>
+          <p:cNvSpPr>
+            <a:spLocks noGrp="1"/>
+          </p:cNvSpPr>
+          <p:nvPr>
+            <p:ph type="ftr" sz="quarter" idx="11"/>
+          </p:nvPr>
+        </p:nvSpPr>
+        <p:spPr>
+          <a:xfrm>
+            <a:off x="3124200" y="6356350"/>
+            <a:ext cx="2895600" cy="365125"/>
+          </a:xfrm>
+          <a:prstGeom prst="rect">
+            <a:avLst/>
+          </a:prstGeom>
+        </p:spPr>
+        <p:txBody>
+          <a:bodyPr/>
+          <a:lstStyle/>
+          <a:p>
+            <a:endParaRPr lang="en-US"/>
+          </a:p>
+        </p:txBody>
+      </p:sp>
+      <p:sp>
+        <p:nvSpPr>
+          <p:cNvPr id="6" name="Slide Number Placeholder 5"/>
+          <p:cNvSpPr>
+            <a:spLocks noGrp="1"/>
+          </p:cNvSpPr>
+          <p:nvPr>
+            <p:ph type="sldNum" sz="quarter" idx="12"/>
+          </p:nvPr>
+        </p:nvSpPr>
+        <p:spPr/>
+        <p:txBody>
+          <a:bodyPr/>
+          <a:lstStyle/>
+          <a:p>
+            <a:fld id="{123908D8-EB8A-4839-B5DA-E27DEBBAC624}" type="slidenum">
+              <a:rPr lang="en-US" smtClean="0"/>
+              <a:t>‹#›</a:t>
+            </a:fld>
+            <a:endParaRPr lang="en-US"/>
+          </a:p>
+        </p:txBody>
+      </p:sp>
+    </p:spTree>
+  </p:cSld>
+  <p:clrMapOvr>
+    <a:masterClrMapping/>
+  </p:clrMapOvr>
+</p:sldLayout>
+</file>
+
+<file path=ppt/slideLayouts/slideLayout20.xml><?xml version="1.0" encoding="utf-8"?>
 <p:sldLayout xmlns:a="http://schemas.openxmlformats.org/drawingml/2006/main" xmlns:r="http://schemas.openxmlformats.org/officeDocument/2006/relationships" xmlns:p="http://schemas.openxmlformats.org/presentationml/2006/main" type="picTx" preserve="1">
   <p:cSld name="Picture with Caption">
     <p:spTree>
@@ -4519,6 +5192,10 @@
             </a:lvl9pPr>
           </a:lstStyle>
           <a:p>
+            <a:r>
+              <a:rPr lang="en-US" smtClean="0"/>
+              <a:t>Click icon to add picture</a:t>
+            </a:r>
             <a:endParaRPr lang="en-US"/>
           </a:p>
         </p:txBody>
@@ -4603,9 +5280,698 @@
           <a:bodyPr/>
           <a:lstStyle/>
           <a:p>
+            <a:fld id="{65109F8C-9F4D-5945-807D-33CC9F4EE4DF}" type="datetimeFigureOut">
+              <a:rPr lang="en-US" smtClean="0">
+                <a:solidFill>
+                  <a:prstClr val="white"/>
+                </a:solidFill>
+              </a:rPr>
+              <a:pPr/>
+              <a:t>11/2/2015</a:t>
+            </a:fld>
+            <a:endParaRPr lang="en-US">
+              <a:solidFill>
+                <a:prstClr val="white"/>
+              </a:solidFill>
+            </a:endParaRPr>
+          </a:p>
+        </p:txBody>
+      </p:sp>
+      <p:sp>
+        <p:nvSpPr>
+          <p:cNvPr id="6" name="Footer Placeholder 5"/>
+          <p:cNvSpPr>
+            <a:spLocks noGrp="1"/>
+          </p:cNvSpPr>
+          <p:nvPr>
+            <p:ph type="ftr" sz="quarter" idx="11"/>
+          </p:nvPr>
+        </p:nvSpPr>
+        <p:spPr>
+          <a:xfrm>
+            <a:off x="3124200" y="6356350"/>
+            <a:ext cx="2895600" cy="365125"/>
+          </a:xfrm>
+          <a:prstGeom prst="rect">
+            <a:avLst/>
+          </a:prstGeom>
+        </p:spPr>
+        <p:txBody>
+          <a:bodyPr/>
+          <a:lstStyle/>
+          <a:p>
+            <a:pPr defTabSz="457200"/>
+            <a:endParaRPr lang="en-US">
+              <a:solidFill>
+                <a:prstClr val="black"/>
+              </a:solidFill>
+            </a:endParaRPr>
+          </a:p>
+        </p:txBody>
+      </p:sp>
+      <p:sp>
+        <p:nvSpPr>
+          <p:cNvPr id="7" name="Slide Number Placeholder 6"/>
+          <p:cNvSpPr>
+            <a:spLocks noGrp="1"/>
+          </p:cNvSpPr>
+          <p:nvPr>
+            <p:ph type="sldNum" sz="quarter" idx="12"/>
+          </p:nvPr>
+        </p:nvSpPr>
+        <p:spPr/>
+        <p:txBody>
+          <a:bodyPr/>
+          <a:lstStyle/>
+          <a:p>
+            <a:fld id="{B58F48A6-A3E1-4848-9AC3-B43F560BE4FE}" type="slidenum">
+              <a:rPr lang="en-US" smtClean="0">
+                <a:solidFill>
+                  <a:prstClr val="white"/>
+                </a:solidFill>
+              </a:rPr>
+              <a:pPr/>
+              <a:t>‹#›</a:t>
+            </a:fld>
+            <a:endParaRPr lang="en-US">
+              <a:solidFill>
+                <a:prstClr val="white"/>
+              </a:solidFill>
+            </a:endParaRPr>
+          </a:p>
+        </p:txBody>
+      </p:sp>
+    </p:spTree>
+    <p:extLst>
+      <p:ext uri="{BB962C8B-B14F-4D97-AF65-F5344CB8AC3E}">
+        <p14:creationId xmlns:p14="http://schemas.microsoft.com/office/powerpoint/2010/main" val="700074792"/>
+      </p:ext>
+    </p:extLst>
+  </p:cSld>
+  <p:clrMapOvr>
+    <a:masterClrMapping/>
+  </p:clrMapOvr>
+</p:sldLayout>
+</file>
+
+<file path=ppt/slideLayouts/slideLayout21.xml><?xml version="1.0" encoding="utf-8"?>
+<p:sldLayout xmlns:a="http://schemas.openxmlformats.org/drawingml/2006/main" xmlns:r="http://schemas.openxmlformats.org/officeDocument/2006/relationships" xmlns:p="http://schemas.openxmlformats.org/presentationml/2006/main" type="vertTx" preserve="1">
+  <p:cSld name="Title and Vertical Text">
+    <p:spTree>
+      <p:nvGrpSpPr>
+        <p:cNvPr id="1" name=""/>
+        <p:cNvGrpSpPr/>
+        <p:nvPr/>
+      </p:nvGrpSpPr>
+      <p:grpSpPr>
+        <a:xfrm>
+          <a:off x="0" y="0"/>
+          <a:ext cx="0" cy="0"/>
+          <a:chOff x="0" y="0"/>
+          <a:chExt cx="0" cy="0"/>
+        </a:xfrm>
+      </p:grpSpPr>
+      <p:sp>
+        <p:nvSpPr>
+          <p:cNvPr id="2" name="Title 1"/>
+          <p:cNvSpPr>
+            <a:spLocks noGrp="1"/>
+          </p:cNvSpPr>
+          <p:nvPr>
+            <p:ph type="title"/>
+          </p:nvPr>
+        </p:nvSpPr>
+        <p:spPr/>
+        <p:txBody>
+          <a:bodyPr/>
+          <a:lstStyle/>
+          <a:p>
+            <a:r>
+              <a:rPr lang="en-US" smtClean="0"/>
+              <a:t>Click to edit Master title style</a:t>
+            </a:r>
+            <a:endParaRPr lang="en-US"/>
+          </a:p>
+        </p:txBody>
+      </p:sp>
+      <p:sp>
+        <p:nvSpPr>
+          <p:cNvPr id="3" name="Vertical Text Placeholder 2"/>
+          <p:cNvSpPr>
+            <a:spLocks noGrp="1"/>
+          </p:cNvSpPr>
+          <p:nvPr>
+            <p:ph type="body" orient="vert" idx="1"/>
+          </p:nvPr>
+        </p:nvSpPr>
+        <p:spPr/>
+        <p:txBody>
+          <a:bodyPr vert="eaVert"/>
+          <a:lstStyle/>
+          <a:p>
+            <a:pPr lvl="0"/>
+            <a:r>
+              <a:rPr lang="en-US" smtClean="0"/>
+              <a:t>Click to edit Master text styles</a:t>
+            </a:r>
+          </a:p>
+          <a:p>
+            <a:pPr lvl="1"/>
+            <a:r>
+              <a:rPr lang="en-US" smtClean="0"/>
+              <a:t>Second level</a:t>
+            </a:r>
+          </a:p>
+          <a:p>
+            <a:pPr lvl="2"/>
+            <a:r>
+              <a:rPr lang="en-US" smtClean="0"/>
+              <a:t>Third level</a:t>
+            </a:r>
+          </a:p>
+          <a:p>
+            <a:pPr lvl="3"/>
+            <a:r>
+              <a:rPr lang="en-US" smtClean="0"/>
+              <a:t>Fourth level</a:t>
+            </a:r>
+          </a:p>
+          <a:p>
+            <a:pPr lvl="4"/>
+            <a:r>
+              <a:rPr lang="en-US" smtClean="0"/>
+              <a:t>Fifth level</a:t>
+            </a:r>
+            <a:endParaRPr lang="en-US"/>
+          </a:p>
+        </p:txBody>
+      </p:sp>
+      <p:sp>
+        <p:nvSpPr>
+          <p:cNvPr id="4" name="Date Placeholder 3"/>
+          <p:cNvSpPr>
+            <a:spLocks noGrp="1"/>
+          </p:cNvSpPr>
+          <p:nvPr>
+            <p:ph type="dt" sz="half" idx="10"/>
+          </p:nvPr>
+        </p:nvSpPr>
+        <p:spPr/>
+        <p:txBody>
+          <a:bodyPr/>
+          <a:lstStyle/>
+          <a:p>
+            <a:fld id="{65109F8C-9F4D-5945-807D-33CC9F4EE4DF}" type="datetimeFigureOut">
+              <a:rPr lang="en-US" smtClean="0">
+                <a:solidFill>
+                  <a:prstClr val="white"/>
+                </a:solidFill>
+              </a:rPr>
+              <a:pPr/>
+              <a:t>11/2/2015</a:t>
+            </a:fld>
+            <a:endParaRPr lang="en-US">
+              <a:solidFill>
+                <a:prstClr val="white"/>
+              </a:solidFill>
+            </a:endParaRPr>
+          </a:p>
+        </p:txBody>
+      </p:sp>
+      <p:sp>
+        <p:nvSpPr>
+          <p:cNvPr id="5" name="Footer Placeholder 4"/>
+          <p:cNvSpPr>
+            <a:spLocks noGrp="1"/>
+          </p:cNvSpPr>
+          <p:nvPr>
+            <p:ph type="ftr" sz="quarter" idx="11"/>
+          </p:nvPr>
+        </p:nvSpPr>
+        <p:spPr>
+          <a:xfrm>
+            <a:off x="3124200" y="6356350"/>
+            <a:ext cx="2895600" cy="365125"/>
+          </a:xfrm>
+          <a:prstGeom prst="rect">
+            <a:avLst/>
+          </a:prstGeom>
+        </p:spPr>
+        <p:txBody>
+          <a:bodyPr/>
+          <a:lstStyle/>
+          <a:p>
+            <a:pPr defTabSz="457200"/>
+            <a:endParaRPr lang="en-US">
+              <a:solidFill>
+                <a:prstClr val="black"/>
+              </a:solidFill>
+            </a:endParaRPr>
+          </a:p>
+        </p:txBody>
+      </p:sp>
+      <p:sp>
+        <p:nvSpPr>
+          <p:cNvPr id="6" name="Slide Number Placeholder 5"/>
+          <p:cNvSpPr>
+            <a:spLocks noGrp="1"/>
+          </p:cNvSpPr>
+          <p:nvPr>
+            <p:ph type="sldNum" sz="quarter" idx="12"/>
+          </p:nvPr>
+        </p:nvSpPr>
+        <p:spPr/>
+        <p:txBody>
+          <a:bodyPr/>
+          <a:lstStyle/>
+          <a:p>
+            <a:fld id="{B58F48A6-A3E1-4848-9AC3-B43F560BE4FE}" type="slidenum">
+              <a:rPr lang="en-US" smtClean="0">
+                <a:solidFill>
+                  <a:prstClr val="white"/>
+                </a:solidFill>
+              </a:rPr>
+              <a:pPr/>
+              <a:t>‹#›</a:t>
+            </a:fld>
+            <a:endParaRPr lang="en-US">
+              <a:solidFill>
+                <a:prstClr val="white"/>
+              </a:solidFill>
+            </a:endParaRPr>
+          </a:p>
+        </p:txBody>
+      </p:sp>
+    </p:spTree>
+    <p:extLst>
+      <p:ext uri="{BB962C8B-B14F-4D97-AF65-F5344CB8AC3E}">
+        <p14:creationId xmlns:p14="http://schemas.microsoft.com/office/powerpoint/2010/main" val="1696726648"/>
+      </p:ext>
+    </p:extLst>
+  </p:cSld>
+  <p:clrMapOvr>
+    <a:masterClrMapping/>
+  </p:clrMapOvr>
+</p:sldLayout>
+</file>
+
+<file path=ppt/slideLayouts/slideLayout22.xml><?xml version="1.0" encoding="utf-8"?>
+<p:sldLayout xmlns:a="http://schemas.openxmlformats.org/drawingml/2006/main" xmlns:r="http://schemas.openxmlformats.org/officeDocument/2006/relationships" xmlns:p="http://schemas.openxmlformats.org/presentationml/2006/main" type="vertTitleAndTx" preserve="1">
+  <p:cSld name="Vertical Title and Text">
+    <p:spTree>
+      <p:nvGrpSpPr>
+        <p:cNvPr id="1" name=""/>
+        <p:cNvGrpSpPr/>
+        <p:nvPr/>
+      </p:nvGrpSpPr>
+      <p:grpSpPr>
+        <a:xfrm>
+          <a:off x="0" y="0"/>
+          <a:ext cx="0" cy="0"/>
+          <a:chOff x="0" y="0"/>
+          <a:chExt cx="0" cy="0"/>
+        </a:xfrm>
+      </p:grpSpPr>
+      <p:sp>
+        <p:nvSpPr>
+          <p:cNvPr id="2" name="Vertical Title 1"/>
+          <p:cNvSpPr>
+            <a:spLocks noGrp="1"/>
+          </p:cNvSpPr>
+          <p:nvPr>
+            <p:ph type="title" orient="vert"/>
+          </p:nvPr>
+        </p:nvSpPr>
+        <p:spPr>
+          <a:xfrm>
+            <a:off x="6629400" y="274638"/>
+            <a:ext cx="2057400" cy="5851525"/>
+          </a:xfrm>
+        </p:spPr>
+        <p:txBody>
+          <a:bodyPr vert="eaVert"/>
+          <a:lstStyle/>
+          <a:p>
+            <a:r>
+              <a:rPr lang="en-US" smtClean="0"/>
+              <a:t>Click to edit Master title style</a:t>
+            </a:r>
+            <a:endParaRPr lang="en-US"/>
+          </a:p>
+        </p:txBody>
+      </p:sp>
+      <p:sp>
+        <p:nvSpPr>
+          <p:cNvPr id="3" name="Vertical Text Placeholder 2"/>
+          <p:cNvSpPr>
+            <a:spLocks noGrp="1"/>
+          </p:cNvSpPr>
+          <p:nvPr>
+            <p:ph type="body" orient="vert" idx="1"/>
+          </p:nvPr>
+        </p:nvSpPr>
+        <p:spPr>
+          <a:xfrm>
+            <a:off x="457200" y="274638"/>
+            <a:ext cx="6019800" cy="5851525"/>
+          </a:xfrm>
+        </p:spPr>
+        <p:txBody>
+          <a:bodyPr vert="eaVert"/>
+          <a:lstStyle/>
+          <a:p>
+            <a:pPr lvl="0"/>
+            <a:r>
+              <a:rPr lang="en-US" smtClean="0"/>
+              <a:t>Click to edit Master text styles</a:t>
+            </a:r>
+          </a:p>
+          <a:p>
+            <a:pPr lvl="1"/>
+            <a:r>
+              <a:rPr lang="en-US" smtClean="0"/>
+              <a:t>Second level</a:t>
+            </a:r>
+          </a:p>
+          <a:p>
+            <a:pPr lvl="2"/>
+            <a:r>
+              <a:rPr lang="en-US" smtClean="0"/>
+              <a:t>Third level</a:t>
+            </a:r>
+          </a:p>
+          <a:p>
+            <a:pPr lvl="3"/>
+            <a:r>
+              <a:rPr lang="en-US" smtClean="0"/>
+              <a:t>Fourth level</a:t>
+            </a:r>
+          </a:p>
+          <a:p>
+            <a:pPr lvl="4"/>
+            <a:r>
+              <a:rPr lang="en-US" smtClean="0"/>
+              <a:t>Fifth level</a:t>
+            </a:r>
+            <a:endParaRPr lang="en-US"/>
+          </a:p>
+        </p:txBody>
+      </p:sp>
+      <p:sp>
+        <p:nvSpPr>
+          <p:cNvPr id="4" name="Date Placeholder 3"/>
+          <p:cNvSpPr>
+            <a:spLocks noGrp="1"/>
+          </p:cNvSpPr>
+          <p:nvPr>
+            <p:ph type="dt" sz="half" idx="10"/>
+          </p:nvPr>
+        </p:nvSpPr>
+        <p:spPr/>
+        <p:txBody>
+          <a:bodyPr/>
+          <a:lstStyle/>
+          <a:p>
+            <a:fld id="{65109F8C-9F4D-5945-807D-33CC9F4EE4DF}" type="datetimeFigureOut">
+              <a:rPr lang="en-US" smtClean="0">
+                <a:solidFill>
+                  <a:prstClr val="white"/>
+                </a:solidFill>
+              </a:rPr>
+              <a:pPr/>
+              <a:t>11/2/2015</a:t>
+            </a:fld>
+            <a:endParaRPr lang="en-US">
+              <a:solidFill>
+                <a:prstClr val="white"/>
+              </a:solidFill>
+            </a:endParaRPr>
+          </a:p>
+        </p:txBody>
+      </p:sp>
+      <p:sp>
+        <p:nvSpPr>
+          <p:cNvPr id="5" name="Footer Placeholder 4"/>
+          <p:cNvSpPr>
+            <a:spLocks noGrp="1"/>
+          </p:cNvSpPr>
+          <p:nvPr>
+            <p:ph type="ftr" sz="quarter" idx="11"/>
+          </p:nvPr>
+        </p:nvSpPr>
+        <p:spPr>
+          <a:xfrm>
+            <a:off x="3124200" y="6356350"/>
+            <a:ext cx="2895600" cy="365125"/>
+          </a:xfrm>
+          <a:prstGeom prst="rect">
+            <a:avLst/>
+          </a:prstGeom>
+        </p:spPr>
+        <p:txBody>
+          <a:bodyPr/>
+          <a:lstStyle/>
+          <a:p>
+            <a:pPr defTabSz="457200"/>
+            <a:endParaRPr lang="en-US">
+              <a:solidFill>
+                <a:prstClr val="black"/>
+              </a:solidFill>
+            </a:endParaRPr>
+          </a:p>
+        </p:txBody>
+      </p:sp>
+      <p:sp>
+        <p:nvSpPr>
+          <p:cNvPr id="6" name="Slide Number Placeholder 5"/>
+          <p:cNvSpPr>
+            <a:spLocks noGrp="1"/>
+          </p:cNvSpPr>
+          <p:nvPr>
+            <p:ph type="sldNum" sz="quarter" idx="12"/>
+          </p:nvPr>
+        </p:nvSpPr>
+        <p:spPr/>
+        <p:txBody>
+          <a:bodyPr/>
+          <a:lstStyle/>
+          <a:p>
+            <a:fld id="{B58F48A6-A3E1-4848-9AC3-B43F560BE4FE}" type="slidenum">
+              <a:rPr lang="en-US" smtClean="0">
+                <a:solidFill>
+                  <a:prstClr val="white"/>
+                </a:solidFill>
+              </a:rPr>
+              <a:pPr/>
+              <a:t>‹#›</a:t>
+            </a:fld>
+            <a:endParaRPr lang="en-US">
+              <a:solidFill>
+                <a:prstClr val="white"/>
+              </a:solidFill>
+            </a:endParaRPr>
+          </a:p>
+        </p:txBody>
+      </p:sp>
+    </p:spTree>
+    <p:extLst>
+      <p:ext uri="{BB962C8B-B14F-4D97-AF65-F5344CB8AC3E}">
+        <p14:creationId xmlns:p14="http://schemas.microsoft.com/office/powerpoint/2010/main" val="1644006848"/>
+      </p:ext>
+    </p:extLst>
+  </p:cSld>
+  <p:clrMapOvr>
+    <a:masterClrMapping/>
+  </p:clrMapOvr>
+</p:sldLayout>
+</file>
+
+<file path=ppt/slideLayouts/slideLayout3.xml><?xml version="1.0" encoding="utf-8"?>
+<p:sldLayout xmlns:a="http://schemas.openxmlformats.org/drawingml/2006/main" xmlns:r="http://schemas.openxmlformats.org/officeDocument/2006/relationships" xmlns:p="http://schemas.openxmlformats.org/presentationml/2006/main" type="secHead" preserve="1">
+  <p:cSld name="Section Header">
+    <p:spTree>
+      <p:nvGrpSpPr>
+        <p:cNvPr id="1" name=""/>
+        <p:cNvGrpSpPr/>
+        <p:nvPr/>
+      </p:nvGrpSpPr>
+      <p:grpSpPr>
+        <a:xfrm>
+          <a:off x="0" y="0"/>
+          <a:ext cx="0" cy="0"/>
+          <a:chOff x="0" y="0"/>
+          <a:chExt cx="0" cy="0"/>
+        </a:xfrm>
+      </p:grpSpPr>
+      <p:sp>
+        <p:nvSpPr>
+          <p:cNvPr id="2" name="Title 1"/>
+          <p:cNvSpPr>
+            <a:spLocks noGrp="1"/>
+          </p:cNvSpPr>
+          <p:nvPr>
+            <p:ph type="title"/>
+          </p:nvPr>
+        </p:nvSpPr>
+        <p:spPr>
+          <a:xfrm>
+            <a:off x="722313" y="4406900"/>
+            <a:ext cx="7772400" cy="1362075"/>
+          </a:xfrm>
+        </p:spPr>
+        <p:txBody>
+          <a:bodyPr anchor="t"/>
+          <a:lstStyle>
+            <a:lvl1pPr algn="l">
+              <a:defRPr sz="4000" b="1" cap="all"/>
+            </a:lvl1pPr>
+          </a:lstStyle>
+          <a:p>
+            <a:r>
+              <a:rPr lang="en-US" smtClean="0"/>
+              <a:t>Click to edit Master title style</a:t>
+            </a:r>
+            <a:endParaRPr lang="en-US"/>
+          </a:p>
+        </p:txBody>
+      </p:sp>
+      <p:sp>
+        <p:nvSpPr>
+          <p:cNvPr id="3" name="Text Placeholder 2"/>
+          <p:cNvSpPr>
+            <a:spLocks noGrp="1"/>
+          </p:cNvSpPr>
+          <p:nvPr>
+            <p:ph type="body" idx="1"/>
+          </p:nvPr>
+        </p:nvSpPr>
+        <p:spPr>
+          <a:xfrm>
+            <a:off x="722313" y="2906713"/>
+            <a:ext cx="7772400" cy="1500187"/>
+          </a:xfrm>
+        </p:spPr>
+        <p:txBody>
+          <a:bodyPr anchor="b"/>
+          <a:lstStyle>
+            <a:lvl1pPr marL="0" indent="0">
+              <a:buNone/>
+              <a:defRPr sz="2000">
+                <a:solidFill>
+                  <a:schemeClr val="tx1">
+                    <a:tint val="75000"/>
+                  </a:schemeClr>
+                </a:solidFill>
+              </a:defRPr>
+            </a:lvl1pPr>
+            <a:lvl2pPr marL="457200" indent="0">
+              <a:buNone/>
+              <a:defRPr sz="1800">
+                <a:solidFill>
+                  <a:schemeClr val="tx1">
+                    <a:tint val="75000"/>
+                  </a:schemeClr>
+                </a:solidFill>
+              </a:defRPr>
+            </a:lvl2pPr>
+            <a:lvl3pPr marL="914400" indent="0">
+              <a:buNone/>
+              <a:defRPr sz="1600">
+                <a:solidFill>
+                  <a:schemeClr val="tx1">
+                    <a:tint val="75000"/>
+                  </a:schemeClr>
+                </a:solidFill>
+              </a:defRPr>
+            </a:lvl3pPr>
+            <a:lvl4pPr marL="1371600" indent="0">
+              <a:buNone/>
+              <a:defRPr sz="1400">
+                <a:solidFill>
+                  <a:schemeClr val="tx1">
+                    <a:tint val="75000"/>
+                  </a:schemeClr>
+                </a:solidFill>
+              </a:defRPr>
+            </a:lvl4pPr>
+            <a:lvl5pPr marL="1828800" indent="0">
+              <a:buNone/>
+              <a:defRPr sz="1400">
+                <a:solidFill>
+                  <a:schemeClr val="tx1">
+                    <a:tint val="75000"/>
+                  </a:schemeClr>
+                </a:solidFill>
+              </a:defRPr>
+            </a:lvl5pPr>
+            <a:lvl6pPr marL="2286000" indent="0">
+              <a:buNone/>
+              <a:defRPr sz="1400">
+                <a:solidFill>
+                  <a:schemeClr val="tx1">
+                    <a:tint val="75000"/>
+                  </a:schemeClr>
+                </a:solidFill>
+              </a:defRPr>
+            </a:lvl6pPr>
+            <a:lvl7pPr marL="2743200" indent="0">
+              <a:buNone/>
+              <a:defRPr sz="1400">
+                <a:solidFill>
+                  <a:schemeClr val="tx1">
+                    <a:tint val="75000"/>
+                  </a:schemeClr>
+                </a:solidFill>
+              </a:defRPr>
+            </a:lvl7pPr>
+            <a:lvl8pPr marL="3200400" indent="0">
+              <a:buNone/>
+              <a:defRPr sz="1400">
+                <a:solidFill>
+                  <a:schemeClr val="tx1">
+                    <a:tint val="75000"/>
+                  </a:schemeClr>
+                </a:solidFill>
+              </a:defRPr>
+            </a:lvl8pPr>
+            <a:lvl9pPr marL="3657600" indent="0">
+              <a:buNone/>
+              <a:defRPr sz="1400">
+                <a:solidFill>
+                  <a:schemeClr val="tx1">
+                    <a:tint val="75000"/>
+                  </a:schemeClr>
+                </a:solidFill>
+              </a:defRPr>
+            </a:lvl9pPr>
+          </a:lstStyle>
+          <a:p>
+            <a:pPr lvl="0"/>
+            <a:r>
+              <a:rPr lang="en-US" smtClean="0"/>
+              <a:t>Click to edit Master text styles</a:t>
+            </a:r>
+          </a:p>
+        </p:txBody>
+      </p:sp>
+      <p:sp>
+        <p:nvSpPr>
+          <p:cNvPr id="4" name="Date Placeholder 3"/>
+          <p:cNvSpPr>
+            <a:spLocks noGrp="1"/>
+          </p:cNvSpPr>
+          <p:nvPr>
+            <p:ph type="dt" sz="half" idx="10"/>
+          </p:nvPr>
+        </p:nvSpPr>
+        <p:spPr/>
+        <p:txBody>
+          <a:bodyPr/>
+          <a:lstStyle/>
+          <a:p>
             <a:fld id="{B41FAE2C-98F2-4AEB-9028-7681F5825C1E}" type="datetimeFigureOut">
               <a:rPr lang="en-US" smtClean="0"/>
-              <a:t>10/20/2015</a:t>
+              <a:t>11/2/2015</a:t>
             </a:fld>
             <a:endParaRPr lang="en-US"/>
           </a:p>
@@ -4613,7 +5979,7 @@
       </p:sp>
       <p:sp>
         <p:nvSpPr>
-          <p:cNvPr id="6" name="Footer Placeholder 5"/>
+          <p:cNvPr id="5" name="Footer Placeholder 4"/>
           <p:cNvSpPr>
             <a:spLocks noGrp="1"/>
           </p:cNvSpPr>
@@ -4621,7 +5987,15 @@
             <p:ph type="ftr" sz="quarter" idx="11"/>
           </p:nvPr>
         </p:nvSpPr>
-        <p:spPr/>
+        <p:spPr>
+          <a:xfrm>
+            <a:off x="3124200" y="6356350"/>
+            <a:ext cx="2895600" cy="365125"/>
+          </a:xfrm>
+          <a:prstGeom prst="rect">
+            <a:avLst/>
+          </a:prstGeom>
+        </p:spPr>
         <p:txBody>
           <a:bodyPr/>
           <a:lstStyle/>
@@ -4632,7 +6006,7 @@
       </p:sp>
       <p:sp>
         <p:nvSpPr>
-          <p:cNvPr id="7" name="Slide Number Placeholder 6"/>
+          <p:cNvPr id="6" name="Slide Number Placeholder 5"/>
           <p:cNvSpPr>
             <a:spLocks noGrp="1"/>
           </p:cNvSpPr>
@@ -4654,11 +6028,1481 @@
         </p:txBody>
       </p:sp>
     </p:spTree>
-    <p:extLst>
-      <p:ext uri="{BB962C8B-B14F-4D97-AF65-F5344CB8AC3E}">
-        <p14:creationId xmlns:p14="http://schemas.microsoft.com/office/powerpoint/2010/main" val="4275651689"/>
-      </p:ext>
-    </p:extLst>
+  </p:cSld>
+  <p:clrMapOvr>
+    <a:masterClrMapping/>
+  </p:clrMapOvr>
+</p:sldLayout>
+</file>
+
+<file path=ppt/slideLayouts/slideLayout4.xml><?xml version="1.0" encoding="utf-8"?>
+<p:sldLayout xmlns:a="http://schemas.openxmlformats.org/drawingml/2006/main" xmlns:r="http://schemas.openxmlformats.org/officeDocument/2006/relationships" xmlns:p="http://schemas.openxmlformats.org/presentationml/2006/main" type="twoObj" preserve="1">
+  <p:cSld name="Two Content">
+    <p:spTree>
+      <p:nvGrpSpPr>
+        <p:cNvPr id="1" name=""/>
+        <p:cNvGrpSpPr/>
+        <p:nvPr/>
+      </p:nvGrpSpPr>
+      <p:grpSpPr>
+        <a:xfrm>
+          <a:off x="0" y="0"/>
+          <a:ext cx="0" cy="0"/>
+          <a:chOff x="0" y="0"/>
+          <a:chExt cx="0" cy="0"/>
+        </a:xfrm>
+      </p:grpSpPr>
+      <p:sp>
+        <p:nvSpPr>
+          <p:cNvPr id="2" name="Title 1"/>
+          <p:cNvSpPr>
+            <a:spLocks noGrp="1"/>
+          </p:cNvSpPr>
+          <p:nvPr>
+            <p:ph type="title"/>
+          </p:nvPr>
+        </p:nvSpPr>
+        <p:spPr/>
+        <p:txBody>
+          <a:bodyPr/>
+          <a:lstStyle/>
+          <a:p>
+            <a:r>
+              <a:rPr lang="en-US" smtClean="0"/>
+              <a:t>Click to edit Master title style</a:t>
+            </a:r>
+            <a:endParaRPr lang="en-US"/>
+          </a:p>
+        </p:txBody>
+      </p:sp>
+      <p:sp>
+        <p:nvSpPr>
+          <p:cNvPr id="3" name="Content Placeholder 2"/>
+          <p:cNvSpPr>
+            <a:spLocks noGrp="1"/>
+          </p:cNvSpPr>
+          <p:nvPr>
+            <p:ph sz="half" idx="1"/>
+          </p:nvPr>
+        </p:nvSpPr>
+        <p:spPr>
+          <a:xfrm>
+            <a:off x="457200" y="1600200"/>
+            <a:ext cx="4038600" cy="4525963"/>
+          </a:xfrm>
+        </p:spPr>
+        <p:txBody>
+          <a:bodyPr/>
+          <a:lstStyle>
+            <a:lvl1pPr>
+              <a:defRPr sz="2800"/>
+            </a:lvl1pPr>
+            <a:lvl2pPr>
+              <a:defRPr sz="2400"/>
+            </a:lvl2pPr>
+            <a:lvl3pPr>
+              <a:defRPr sz="2000"/>
+            </a:lvl3pPr>
+            <a:lvl4pPr>
+              <a:defRPr sz="1800"/>
+            </a:lvl4pPr>
+            <a:lvl5pPr>
+              <a:defRPr sz="1800"/>
+            </a:lvl5pPr>
+            <a:lvl6pPr>
+              <a:defRPr sz="1800"/>
+            </a:lvl6pPr>
+            <a:lvl7pPr>
+              <a:defRPr sz="1800"/>
+            </a:lvl7pPr>
+            <a:lvl8pPr>
+              <a:defRPr sz="1800"/>
+            </a:lvl8pPr>
+            <a:lvl9pPr>
+              <a:defRPr sz="1800"/>
+            </a:lvl9pPr>
+          </a:lstStyle>
+          <a:p>
+            <a:pPr lvl="0"/>
+            <a:r>
+              <a:rPr lang="en-US" smtClean="0"/>
+              <a:t>Click to edit Master text styles</a:t>
+            </a:r>
+          </a:p>
+          <a:p>
+            <a:pPr lvl="1"/>
+            <a:r>
+              <a:rPr lang="en-US" smtClean="0"/>
+              <a:t>Second level</a:t>
+            </a:r>
+          </a:p>
+          <a:p>
+            <a:pPr lvl="2"/>
+            <a:r>
+              <a:rPr lang="en-US" smtClean="0"/>
+              <a:t>Third level</a:t>
+            </a:r>
+          </a:p>
+          <a:p>
+            <a:pPr lvl="3"/>
+            <a:r>
+              <a:rPr lang="en-US" smtClean="0"/>
+              <a:t>Fourth level</a:t>
+            </a:r>
+          </a:p>
+          <a:p>
+            <a:pPr lvl="4"/>
+            <a:r>
+              <a:rPr lang="en-US" smtClean="0"/>
+              <a:t>Fifth level</a:t>
+            </a:r>
+            <a:endParaRPr lang="en-US"/>
+          </a:p>
+        </p:txBody>
+      </p:sp>
+      <p:sp>
+        <p:nvSpPr>
+          <p:cNvPr id="4" name="Content Placeholder 3"/>
+          <p:cNvSpPr>
+            <a:spLocks noGrp="1"/>
+          </p:cNvSpPr>
+          <p:nvPr>
+            <p:ph sz="half" idx="2"/>
+          </p:nvPr>
+        </p:nvSpPr>
+        <p:spPr>
+          <a:xfrm>
+            <a:off x="4648200" y="1600200"/>
+            <a:ext cx="4038600" cy="4525963"/>
+          </a:xfrm>
+        </p:spPr>
+        <p:txBody>
+          <a:bodyPr/>
+          <a:lstStyle>
+            <a:lvl1pPr>
+              <a:defRPr sz="2800"/>
+            </a:lvl1pPr>
+            <a:lvl2pPr>
+              <a:defRPr sz="2400"/>
+            </a:lvl2pPr>
+            <a:lvl3pPr>
+              <a:defRPr sz="2000"/>
+            </a:lvl3pPr>
+            <a:lvl4pPr>
+              <a:defRPr sz="1800"/>
+            </a:lvl4pPr>
+            <a:lvl5pPr>
+              <a:defRPr sz="1800"/>
+            </a:lvl5pPr>
+            <a:lvl6pPr>
+              <a:defRPr sz="1800"/>
+            </a:lvl6pPr>
+            <a:lvl7pPr>
+              <a:defRPr sz="1800"/>
+            </a:lvl7pPr>
+            <a:lvl8pPr>
+              <a:defRPr sz="1800"/>
+            </a:lvl8pPr>
+            <a:lvl9pPr>
+              <a:defRPr sz="1800"/>
+            </a:lvl9pPr>
+          </a:lstStyle>
+          <a:p>
+            <a:pPr lvl="0"/>
+            <a:r>
+              <a:rPr lang="en-US" smtClean="0"/>
+              <a:t>Click to edit Master text styles</a:t>
+            </a:r>
+          </a:p>
+          <a:p>
+            <a:pPr lvl="1"/>
+            <a:r>
+              <a:rPr lang="en-US" smtClean="0"/>
+              <a:t>Second level</a:t>
+            </a:r>
+          </a:p>
+          <a:p>
+            <a:pPr lvl="2"/>
+            <a:r>
+              <a:rPr lang="en-US" smtClean="0"/>
+              <a:t>Third level</a:t>
+            </a:r>
+          </a:p>
+          <a:p>
+            <a:pPr lvl="3"/>
+            <a:r>
+              <a:rPr lang="en-US" smtClean="0"/>
+              <a:t>Fourth level</a:t>
+            </a:r>
+          </a:p>
+          <a:p>
+            <a:pPr lvl="4"/>
+            <a:r>
+              <a:rPr lang="en-US" smtClean="0"/>
+              <a:t>Fifth level</a:t>
+            </a:r>
+            <a:endParaRPr lang="en-US"/>
+          </a:p>
+        </p:txBody>
+      </p:sp>
+      <p:sp>
+        <p:nvSpPr>
+          <p:cNvPr id="5" name="Date Placeholder 4"/>
+          <p:cNvSpPr>
+            <a:spLocks noGrp="1"/>
+          </p:cNvSpPr>
+          <p:nvPr>
+            <p:ph type="dt" sz="half" idx="10"/>
+          </p:nvPr>
+        </p:nvSpPr>
+        <p:spPr/>
+        <p:txBody>
+          <a:bodyPr/>
+          <a:lstStyle/>
+          <a:p>
+            <a:fld id="{B41FAE2C-98F2-4AEB-9028-7681F5825C1E}" type="datetimeFigureOut">
+              <a:rPr lang="en-US" smtClean="0"/>
+              <a:t>11/2/2015</a:t>
+            </a:fld>
+            <a:endParaRPr lang="en-US"/>
+          </a:p>
+        </p:txBody>
+      </p:sp>
+      <p:sp>
+        <p:nvSpPr>
+          <p:cNvPr id="6" name="Footer Placeholder 5"/>
+          <p:cNvSpPr>
+            <a:spLocks noGrp="1"/>
+          </p:cNvSpPr>
+          <p:nvPr>
+            <p:ph type="ftr" sz="quarter" idx="11"/>
+          </p:nvPr>
+        </p:nvSpPr>
+        <p:spPr>
+          <a:xfrm>
+            <a:off x="3124200" y="6356350"/>
+            <a:ext cx="2895600" cy="365125"/>
+          </a:xfrm>
+          <a:prstGeom prst="rect">
+            <a:avLst/>
+          </a:prstGeom>
+        </p:spPr>
+        <p:txBody>
+          <a:bodyPr/>
+          <a:lstStyle/>
+          <a:p>
+            <a:endParaRPr lang="en-US"/>
+          </a:p>
+        </p:txBody>
+      </p:sp>
+      <p:sp>
+        <p:nvSpPr>
+          <p:cNvPr id="7" name="Slide Number Placeholder 6"/>
+          <p:cNvSpPr>
+            <a:spLocks noGrp="1"/>
+          </p:cNvSpPr>
+          <p:nvPr>
+            <p:ph type="sldNum" sz="quarter" idx="12"/>
+          </p:nvPr>
+        </p:nvSpPr>
+        <p:spPr/>
+        <p:txBody>
+          <a:bodyPr/>
+          <a:lstStyle/>
+          <a:p>
+            <a:fld id="{123908D8-EB8A-4839-B5DA-E27DEBBAC624}" type="slidenum">
+              <a:rPr lang="en-US" smtClean="0"/>
+              <a:t>‹#›</a:t>
+            </a:fld>
+            <a:endParaRPr lang="en-US"/>
+          </a:p>
+        </p:txBody>
+      </p:sp>
+    </p:spTree>
+  </p:cSld>
+  <p:clrMapOvr>
+    <a:masterClrMapping/>
+  </p:clrMapOvr>
+</p:sldLayout>
+</file>
+
+<file path=ppt/slideLayouts/slideLayout5.xml><?xml version="1.0" encoding="utf-8"?>
+<p:sldLayout xmlns:a="http://schemas.openxmlformats.org/drawingml/2006/main" xmlns:r="http://schemas.openxmlformats.org/officeDocument/2006/relationships" xmlns:p="http://schemas.openxmlformats.org/presentationml/2006/main" type="twoTxTwoObj" preserve="1">
+  <p:cSld name="Comparison">
+    <p:spTree>
+      <p:nvGrpSpPr>
+        <p:cNvPr id="1" name=""/>
+        <p:cNvGrpSpPr/>
+        <p:nvPr/>
+      </p:nvGrpSpPr>
+      <p:grpSpPr>
+        <a:xfrm>
+          <a:off x="0" y="0"/>
+          <a:ext cx="0" cy="0"/>
+          <a:chOff x="0" y="0"/>
+          <a:chExt cx="0" cy="0"/>
+        </a:xfrm>
+      </p:grpSpPr>
+      <p:sp>
+        <p:nvSpPr>
+          <p:cNvPr id="2" name="Title 1"/>
+          <p:cNvSpPr>
+            <a:spLocks noGrp="1"/>
+          </p:cNvSpPr>
+          <p:nvPr>
+            <p:ph type="title"/>
+          </p:nvPr>
+        </p:nvSpPr>
+        <p:spPr/>
+        <p:txBody>
+          <a:bodyPr/>
+          <a:lstStyle>
+            <a:lvl1pPr>
+              <a:defRPr/>
+            </a:lvl1pPr>
+          </a:lstStyle>
+          <a:p>
+            <a:r>
+              <a:rPr lang="en-US" smtClean="0"/>
+              <a:t>Click to edit Master title style</a:t>
+            </a:r>
+            <a:endParaRPr lang="en-US"/>
+          </a:p>
+        </p:txBody>
+      </p:sp>
+      <p:sp>
+        <p:nvSpPr>
+          <p:cNvPr id="3" name="Text Placeholder 2"/>
+          <p:cNvSpPr>
+            <a:spLocks noGrp="1"/>
+          </p:cNvSpPr>
+          <p:nvPr>
+            <p:ph type="body" idx="1"/>
+          </p:nvPr>
+        </p:nvSpPr>
+        <p:spPr>
+          <a:xfrm>
+            <a:off x="457200" y="1535113"/>
+            <a:ext cx="4040188" cy="639762"/>
+          </a:xfrm>
+        </p:spPr>
+        <p:txBody>
+          <a:bodyPr anchor="b"/>
+          <a:lstStyle>
+            <a:lvl1pPr marL="0" indent="0">
+              <a:buNone/>
+              <a:defRPr sz="2400" b="1"/>
+            </a:lvl1pPr>
+            <a:lvl2pPr marL="457200" indent="0">
+              <a:buNone/>
+              <a:defRPr sz="2000" b="1"/>
+            </a:lvl2pPr>
+            <a:lvl3pPr marL="914400" indent="0">
+              <a:buNone/>
+              <a:defRPr sz="1800" b="1"/>
+            </a:lvl3pPr>
+            <a:lvl4pPr marL="1371600" indent="0">
+              <a:buNone/>
+              <a:defRPr sz="1600" b="1"/>
+            </a:lvl4pPr>
+            <a:lvl5pPr marL="1828800" indent="0">
+              <a:buNone/>
+              <a:defRPr sz="1600" b="1"/>
+            </a:lvl5pPr>
+            <a:lvl6pPr marL="2286000" indent="0">
+              <a:buNone/>
+              <a:defRPr sz="1600" b="1"/>
+            </a:lvl6pPr>
+            <a:lvl7pPr marL="2743200" indent="0">
+              <a:buNone/>
+              <a:defRPr sz="1600" b="1"/>
+            </a:lvl7pPr>
+            <a:lvl8pPr marL="3200400" indent="0">
+              <a:buNone/>
+              <a:defRPr sz="1600" b="1"/>
+            </a:lvl8pPr>
+            <a:lvl9pPr marL="3657600" indent="0">
+              <a:buNone/>
+              <a:defRPr sz="1600" b="1"/>
+            </a:lvl9pPr>
+          </a:lstStyle>
+          <a:p>
+            <a:pPr lvl="0"/>
+            <a:r>
+              <a:rPr lang="en-US" smtClean="0"/>
+              <a:t>Click to edit Master text styles</a:t>
+            </a:r>
+          </a:p>
+        </p:txBody>
+      </p:sp>
+      <p:sp>
+        <p:nvSpPr>
+          <p:cNvPr id="4" name="Content Placeholder 3"/>
+          <p:cNvSpPr>
+            <a:spLocks noGrp="1"/>
+          </p:cNvSpPr>
+          <p:nvPr>
+            <p:ph sz="half" idx="2"/>
+          </p:nvPr>
+        </p:nvSpPr>
+        <p:spPr>
+          <a:xfrm>
+            <a:off x="457200" y="2174875"/>
+            <a:ext cx="4040188" cy="3951288"/>
+          </a:xfrm>
+        </p:spPr>
+        <p:txBody>
+          <a:bodyPr/>
+          <a:lstStyle>
+            <a:lvl1pPr>
+              <a:defRPr sz="2400"/>
+            </a:lvl1pPr>
+            <a:lvl2pPr>
+              <a:defRPr sz="2000"/>
+            </a:lvl2pPr>
+            <a:lvl3pPr>
+              <a:defRPr sz="1800"/>
+            </a:lvl3pPr>
+            <a:lvl4pPr>
+              <a:defRPr sz="1600"/>
+            </a:lvl4pPr>
+            <a:lvl5pPr>
+              <a:defRPr sz="1600"/>
+            </a:lvl5pPr>
+            <a:lvl6pPr>
+              <a:defRPr sz="1600"/>
+            </a:lvl6pPr>
+            <a:lvl7pPr>
+              <a:defRPr sz="1600"/>
+            </a:lvl7pPr>
+            <a:lvl8pPr>
+              <a:defRPr sz="1600"/>
+            </a:lvl8pPr>
+            <a:lvl9pPr>
+              <a:defRPr sz="1600"/>
+            </a:lvl9pPr>
+          </a:lstStyle>
+          <a:p>
+            <a:pPr lvl="0"/>
+            <a:r>
+              <a:rPr lang="en-US" smtClean="0"/>
+              <a:t>Click to edit Master text styles</a:t>
+            </a:r>
+          </a:p>
+          <a:p>
+            <a:pPr lvl="1"/>
+            <a:r>
+              <a:rPr lang="en-US" smtClean="0"/>
+              <a:t>Second level</a:t>
+            </a:r>
+          </a:p>
+          <a:p>
+            <a:pPr lvl="2"/>
+            <a:r>
+              <a:rPr lang="en-US" smtClean="0"/>
+              <a:t>Third level</a:t>
+            </a:r>
+          </a:p>
+          <a:p>
+            <a:pPr lvl="3"/>
+            <a:r>
+              <a:rPr lang="en-US" smtClean="0"/>
+              <a:t>Fourth level</a:t>
+            </a:r>
+          </a:p>
+          <a:p>
+            <a:pPr lvl="4"/>
+            <a:r>
+              <a:rPr lang="en-US" smtClean="0"/>
+              <a:t>Fifth level</a:t>
+            </a:r>
+            <a:endParaRPr lang="en-US"/>
+          </a:p>
+        </p:txBody>
+      </p:sp>
+      <p:sp>
+        <p:nvSpPr>
+          <p:cNvPr id="5" name="Text Placeholder 4"/>
+          <p:cNvSpPr>
+            <a:spLocks noGrp="1"/>
+          </p:cNvSpPr>
+          <p:nvPr>
+            <p:ph type="body" sz="quarter" idx="3"/>
+          </p:nvPr>
+        </p:nvSpPr>
+        <p:spPr>
+          <a:xfrm>
+            <a:off x="4645025" y="1535113"/>
+            <a:ext cx="4041775" cy="639762"/>
+          </a:xfrm>
+        </p:spPr>
+        <p:txBody>
+          <a:bodyPr anchor="b"/>
+          <a:lstStyle>
+            <a:lvl1pPr marL="0" indent="0">
+              <a:buNone/>
+              <a:defRPr sz="2400" b="1"/>
+            </a:lvl1pPr>
+            <a:lvl2pPr marL="457200" indent="0">
+              <a:buNone/>
+              <a:defRPr sz="2000" b="1"/>
+            </a:lvl2pPr>
+            <a:lvl3pPr marL="914400" indent="0">
+              <a:buNone/>
+              <a:defRPr sz="1800" b="1"/>
+            </a:lvl3pPr>
+            <a:lvl4pPr marL="1371600" indent="0">
+              <a:buNone/>
+              <a:defRPr sz="1600" b="1"/>
+            </a:lvl4pPr>
+            <a:lvl5pPr marL="1828800" indent="0">
+              <a:buNone/>
+              <a:defRPr sz="1600" b="1"/>
+            </a:lvl5pPr>
+            <a:lvl6pPr marL="2286000" indent="0">
+              <a:buNone/>
+              <a:defRPr sz="1600" b="1"/>
+            </a:lvl6pPr>
+            <a:lvl7pPr marL="2743200" indent="0">
+              <a:buNone/>
+              <a:defRPr sz="1600" b="1"/>
+            </a:lvl7pPr>
+            <a:lvl8pPr marL="3200400" indent="0">
+              <a:buNone/>
+              <a:defRPr sz="1600" b="1"/>
+            </a:lvl8pPr>
+            <a:lvl9pPr marL="3657600" indent="0">
+              <a:buNone/>
+              <a:defRPr sz="1600" b="1"/>
+            </a:lvl9pPr>
+          </a:lstStyle>
+          <a:p>
+            <a:pPr lvl="0"/>
+            <a:r>
+              <a:rPr lang="en-US" smtClean="0"/>
+              <a:t>Click to edit Master text styles</a:t>
+            </a:r>
+          </a:p>
+        </p:txBody>
+      </p:sp>
+      <p:sp>
+        <p:nvSpPr>
+          <p:cNvPr id="6" name="Content Placeholder 5"/>
+          <p:cNvSpPr>
+            <a:spLocks noGrp="1"/>
+          </p:cNvSpPr>
+          <p:nvPr>
+            <p:ph sz="quarter" idx="4"/>
+          </p:nvPr>
+        </p:nvSpPr>
+        <p:spPr>
+          <a:xfrm>
+            <a:off x="4645025" y="2174875"/>
+            <a:ext cx="4041775" cy="3951288"/>
+          </a:xfrm>
+        </p:spPr>
+        <p:txBody>
+          <a:bodyPr/>
+          <a:lstStyle>
+            <a:lvl1pPr>
+              <a:defRPr sz="2400"/>
+            </a:lvl1pPr>
+            <a:lvl2pPr>
+              <a:defRPr sz="2000"/>
+            </a:lvl2pPr>
+            <a:lvl3pPr>
+              <a:defRPr sz="1800"/>
+            </a:lvl3pPr>
+            <a:lvl4pPr>
+              <a:defRPr sz="1600"/>
+            </a:lvl4pPr>
+            <a:lvl5pPr>
+              <a:defRPr sz="1600"/>
+            </a:lvl5pPr>
+            <a:lvl6pPr>
+              <a:defRPr sz="1600"/>
+            </a:lvl6pPr>
+            <a:lvl7pPr>
+              <a:defRPr sz="1600"/>
+            </a:lvl7pPr>
+            <a:lvl8pPr>
+              <a:defRPr sz="1600"/>
+            </a:lvl8pPr>
+            <a:lvl9pPr>
+              <a:defRPr sz="1600"/>
+            </a:lvl9pPr>
+          </a:lstStyle>
+          <a:p>
+            <a:pPr lvl="0"/>
+            <a:r>
+              <a:rPr lang="en-US" smtClean="0"/>
+              <a:t>Click to edit Master text styles</a:t>
+            </a:r>
+          </a:p>
+          <a:p>
+            <a:pPr lvl="1"/>
+            <a:r>
+              <a:rPr lang="en-US" smtClean="0"/>
+              <a:t>Second level</a:t>
+            </a:r>
+          </a:p>
+          <a:p>
+            <a:pPr lvl="2"/>
+            <a:r>
+              <a:rPr lang="en-US" smtClean="0"/>
+              <a:t>Third level</a:t>
+            </a:r>
+          </a:p>
+          <a:p>
+            <a:pPr lvl="3"/>
+            <a:r>
+              <a:rPr lang="en-US" smtClean="0"/>
+              <a:t>Fourth level</a:t>
+            </a:r>
+          </a:p>
+          <a:p>
+            <a:pPr lvl="4"/>
+            <a:r>
+              <a:rPr lang="en-US" smtClean="0"/>
+              <a:t>Fifth level</a:t>
+            </a:r>
+            <a:endParaRPr lang="en-US"/>
+          </a:p>
+        </p:txBody>
+      </p:sp>
+      <p:sp>
+        <p:nvSpPr>
+          <p:cNvPr id="7" name="Date Placeholder 6"/>
+          <p:cNvSpPr>
+            <a:spLocks noGrp="1"/>
+          </p:cNvSpPr>
+          <p:nvPr>
+            <p:ph type="dt" sz="half" idx="10"/>
+          </p:nvPr>
+        </p:nvSpPr>
+        <p:spPr/>
+        <p:txBody>
+          <a:bodyPr/>
+          <a:lstStyle/>
+          <a:p>
+            <a:fld id="{B41FAE2C-98F2-4AEB-9028-7681F5825C1E}" type="datetimeFigureOut">
+              <a:rPr lang="en-US" smtClean="0"/>
+              <a:t>11/2/2015</a:t>
+            </a:fld>
+            <a:endParaRPr lang="en-US"/>
+          </a:p>
+        </p:txBody>
+      </p:sp>
+      <p:sp>
+        <p:nvSpPr>
+          <p:cNvPr id="8" name="Footer Placeholder 7"/>
+          <p:cNvSpPr>
+            <a:spLocks noGrp="1"/>
+          </p:cNvSpPr>
+          <p:nvPr>
+            <p:ph type="ftr" sz="quarter" idx="11"/>
+          </p:nvPr>
+        </p:nvSpPr>
+        <p:spPr>
+          <a:xfrm>
+            <a:off x="3124200" y="6356350"/>
+            <a:ext cx="2895600" cy="365125"/>
+          </a:xfrm>
+          <a:prstGeom prst="rect">
+            <a:avLst/>
+          </a:prstGeom>
+        </p:spPr>
+        <p:txBody>
+          <a:bodyPr/>
+          <a:lstStyle/>
+          <a:p>
+            <a:endParaRPr lang="en-US"/>
+          </a:p>
+        </p:txBody>
+      </p:sp>
+      <p:sp>
+        <p:nvSpPr>
+          <p:cNvPr id="9" name="Slide Number Placeholder 8"/>
+          <p:cNvSpPr>
+            <a:spLocks noGrp="1"/>
+          </p:cNvSpPr>
+          <p:nvPr>
+            <p:ph type="sldNum" sz="quarter" idx="12"/>
+          </p:nvPr>
+        </p:nvSpPr>
+        <p:spPr/>
+        <p:txBody>
+          <a:bodyPr/>
+          <a:lstStyle/>
+          <a:p>
+            <a:fld id="{123908D8-EB8A-4839-B5DA-E27DEBBAC624}" type="slidenum">
+              <a:rPr lang="en-US" smtClean="0"/>
+              <a:t>‹#›</a:t>
+            </a:fld>
+            <a:endParaRPr lang="en-US"/>
+          </a:p>
+        </p:txBody>
+      </p:sp>
+    </p:spTree>
+  </p:cSld>
+  <p:clrMapOvr>
+    <a:masterClrMapping/>
+  </p:clrMapOvr>
+</p:sldLayout>
+</file>
+
+<file path=ppt/slideLayouts/slideLayout6.xml><?xml version="1.0" encoding="utf-8"?>
+<p:sldLayout xmlns:a="http://schemas.openxmlformats.org/drawingml/2006/main" xmlns:r="http://schemas.openxmlformats.org/officeDocument/2006/relationships" xmlns:p="http://schemas.openxmlformats.org/presentationml/2006/main" type="titleOnly" preserve="1">
+  <p:cSld name="Title Only">
+    <p:spTree>
+      <p:nvGrpSpPr>
+        <p:cNvPr id="1" name=""/>
+        <p:cNvGrpSpPr/>
+        <p:nvPr/>
+      </p:nvGrpSpPr>
+      <p:grpSpPr>
+        <a:xfrm>
+          <a:off x="0" y="0"/>
+          <a:ext cx="0" cy="0"/>
+          <a:chOff x="0" y="0"/>
+          <a:chExt cx="0" cy="0"/>
+        </a:xfrm>
+      </p:grpSpPr>
+      <p:sp>
+        <p:nvSpPr>
+          <p:cNvPr id="2" name="Title 1"/>
+          <p:cNvSpPr>
+            <a:spLocks noGrp="1"/>
+          </p:cNvSpPr>
+          <p:nvPr>
+            <p:ph type="title"/>
+          </p:nvPr>
+        </p:nvSpPr>
+        <p:spPr/>
+        <p:txBody>
+          <a:bodyPr/>
+          <a:lstStyle/>
+          <a:p>
+            <a:r>
+              <a:rPr lang="en-US" smtClean="0"/>
+              <a:t>Click to edit Master title style</a:t>
+            </a:r>
+            <a:endParaRPr lang="en-US"/>
+          </a:p>
+        </p:txBody>
+      </p:sp>
+      <p:sp>
+        <p:nvSpPr>
+          <p:cNvPr id="3" name="Date Placeholder 2"/>
+          <p:cNvSpPr>
+            <a:spLocks noGrp="1"/>
+          </p:cNvSpPr>
+          <p:nvPr>
+            <p:ph type="dt" sz="half" idx="10"/>
+          </p:nvPr>
+        </p:nvSpPr>
+        <p:spPr/>
+        <p:txBody>
+          <a:bodyPr/>
+          <a:lstStyle/>
+          <a:p>
+            <a:fld id="{B41FAE2C-98F2-4AEB-9028-7681F5825C1E}" type="datetimeFigureOut">
+              <a:rPr lang="en-US" smtClean="0"/>
+              <a:t>11/2/2015</a:t>
+            </a:fld>
+            <a:endParaRPr lang="en-US"/>
+          </a:p>
+        </p:txBody>
+      </p:sp>
+      <p:sp>
+        <p:nvSpPr>
+          <p:cNvPr id="4" name="Footer Placeholder 3"/>
+          <p:cNvSpPr>
+            <a:spLocks noGrp="1"/>
+          </p:cNvSpPr>
+          <p:nvPr>
+            <p:ph type="ftr" sz="quarter" idx="11"/>
+          </p:nvPr>
+        </p:nvSpPr>
+        <p:spPr>
+          <a:xfrm>
+            <a:off x="3124200" y="6356350"/>
+            <a:ext cx="2895600" cy="365125"/>
+          </a:xfrm>
+          <a:prstGeom prst="rect">
+            <a:avLst/>
+          </a:prstGeom>
+        </p:spPr>
+        <p:txBody>
+          <a:bodyPr/>
+          <a:lstStyle/>
+          <a:p>
+            <a:endParaRPr lang="en-US"/>
+          </a:p>
+        </p:txBody>
+      </p:sp>
+      <p:sp>
+        <p:nvSpPr>
+          <p:cNvPr id="5" name="Slide Number Placeholder 4"/>
+          <p:cNvSpPr>
+            <a:spLocks noGrp="1"/>
+          </p:cNvSpPr>
+          <p:nvPr>
+            <p:ph type="sldNum" sz="quarter" idx="12"/>
+          </p:nvPr>
+        </p:nvSpPr>
+        <p:spPr/>
+        <p:txBody>
+          <a:bodyPr/>
+          <a:lstStyle/>
+          <a:p>
+            <a:fld id="{123908D8-EB8A-4839-B5DA-E27DEBBAC624}" type="slidenum">
+              <a:rPr lang="en-US" smtClean="0"/>
+              <a:t>‹#›</a:t>
+            </a:fld>
+            <a:endParaRPr lang="en-US"/>
+          </a:p>
+        </p:txBody>
+      </p:sp>
+    </p:spTree>
+  </p:cSld>
+  <p:clrMapOvr>
+    <a:masterClrMapping/>
+  </p:clrMapOvr>
+</p:sldLayout>
+</file>
+
+<file path=ppt/slideLayouts/slideLayout7.xml><?xml version="1.0" encoding="utf-8"?>
+<p:sldLayout xmlns:a="http://schemas.openxmlformats.org/drawingml/2006/main" xmlns:r="http://schemas.openxmlformats.org/officeDocument/2006/relationships" xmlns:p="http://schemas.openxmlformats.org/presentationml/2006/main" type="blank" preserve="1">
+  <p:cSld name="Blank">
+    <p:spTree>
+      <p:nvGrpSpPr>
+        <p:cNvPr id="1" name=""/>
+        <p:cNvGrpSpPr/>
+        <p:nvPr/>
+      </p:nvGrpSpPr>
+      <p:grpSpPr>
+        <a:xfrm>
+          <a:off x="0" y="0"/>
+          <a:ext cx="0" cy="0"/>
+          <a:chOff x="0" y="0"/>
+          <a:chExt cx="0" cy="0"/>
+        </a:xfrm>
+      </p:grpSpPr>
+      <p:sp>
+        <p:nvSpPr>
+          <p:cNvPr id="2" name="Date Placeholder 1"/>
+          <p:cNvSpPr>
+            <a:spLocks noGrp="1"/>
+          </p:cNvSpPr>
+          <p:nvPr>
+            <p:ph type="dt" sz="half" idx="10"/>
+          </p:nvPr>
+        </p:nvSpPr>
+        <p:spPr/>
+        <p:txBody>
+          <a:bodyPr/>
+          <a:lstStyle/>
+          <a:p>
+            <a:fld id="{B41FAE2C-98F2-4AEB-9028-7681F5825C1E}" type="datetimeFigureOut">
+              <a:rPr lang="en-US" smtClean="0"/>
+              <a:t>11/2/2015</a:t>
+            </a:fld>
+            <a:endParaRPr lang="en-US"/>
+          </a:p>
+        </p:txBody>
+      </p:sp>
+      <p:sp>
+        <p:nvSpPr>
+          <p:cNvPr id="3" name="Footer Placeholder 2"/>
+          <p:cNvSpPr>
+            <a:spLocks noGrp="1"/>
+          </p:cNvSpPr>
+          <p:nvPr>
+            <p:ph type="ftr" sz="quarter" idx="11"/>
+          </p:nvPr>
+        </p:nvSpPr>
+        <p:spPr>
+          <a:xfrm>
+            <a:off x="3124200" y="6356350"/>
+            <a:ext cx="2895600" cy="365125"/>
+          </a:xfrm>
+          <a:prstGeom prst="rect">
+            <a:avLst/>
+          </a:prstGeom>
+        </p:spPr>
+        <p:txBody>
+          <a:bodyPr/>
+          <a:lstStyle/>
+          <a:p>
+            <a:endParaRPr lang="en-US"/>
+          </a:p>
+        </p:txBody>
+      </p:sp>
+      <p:sp>
+        <p:nvSpPr>
+          <p:cNvPr id="4" name="Slide Number Placeholder 3"/>
+          <p:cNvSpPr>
+            <a:spLocks noGrp="1"/>
+          </p:cNvSpPr>
+          <p:nvPr>
+            <p:ph type="sldNum" sz="quarter" idx="12"/>
+          </p:nvPr>
+        </p:nvSpPr>
+        <p:spPr/>
+        <p:txBody>
+          <a:bodyPr/>
+          <a:lstStyle/>
+          <a:p>
+            <a:fld id="{123908D8-EB8A-4839-B5DA-E27DEBBAC624}" type="slidenum">
+              <a:rPr lang="en-US" smtClean="0"/>
+              <a:t>‹#›</a:t>
+            </a:fld>
+            <a:endParaRPr lang="en-US"/>
+          </a:p>
+        </p:txBody>
+      </p:sp>
+    </p:spTree>
+  </p:cSld>
+  <p:clrMapOvr>
+    <a:masterClrMapping/>
+  </p:clrMapOvr>
+</p:sldLayout>
+</file>
+
+<file path=ppt/slideLayouts/slideLayout8.xml><?xml version="1.0" encoding="utf-8"?>
+<p:sldLayout xmlns:a="http://schemas.openxmlformats.org/drawingml/2006/main" xmlns:r="http://schemas.openxmlformats.org/officeDocument/2006/relationships" xmlns:p="http://schemas.openxmlformats.org/presentationml/2006/main" type="objTx" preserve="1">
+  <p:cSld name="Content with Caption">
+    <p:spTree>
+      <p:nvGrpSpPr>
+        <p:cNvPr id="1" name=""/>
+        <p:cNvGrpSpPr/>
+        <p:nvPr/>
+      </p:nvGrpSpPr>
+      <p:grpSpPr>
+        <a:xfrm>
+          <a:off x="0" y="0"/>
+          <a:ext cx="0" cy="0"/>
+          <a:chOff x="0" y="0"/>
+          <a:chExt cx="0" cy="0"/>
+        </a:xfrm>
+      </p:grpSpPr>
+      <p:sp>
+        <p:nvSpPr>
+          <p:cNvPr id="2" name="Title 1"/>
+          <p:cNvSpPr>
+            <a:spLocks noGrp="1"/>
+          </p:cNvSpPr>
+          <p:nvPr>
+            <p:ph type="title"/>
+          </p:nvPr>
+        </p:nvSpPr>
+        <p:spPr>
+          <a:xfrm>
+            <a:off x="457200" y="273050"/>
+            <a:ext cx="3008313" cy="1162050"/>
+          </a:xfrm>
+        </p:spPr>
+        <p:txBody>
+          <a:bodyPr anchor="b"/>
+          <a:lstStyle>
+            <a:lvl1pPr algn="l">
+              <a:defRPr sz="2000" b="1"/>
+            </a:lvl1pPr>
+          </a:lstStyle>
+          <a:p>
+            <a:r>
+              <a:rPr lang="en-US" smtClean="0"/>
+              <a:t>Click to edit Master title style</a:t>
+            </a:r>
+            <a:endParaRPr lang="en-US"/>
+          </a:p>
+        </p:txBody>
+      </p:sp>
+      <p:sp>
+        <p:nvSpPr>
+          <p:cNvPr id="3" name="Content Placeholder 2"/>
+          <p:cNvSpPr>
+            <a:spLocks noGrp="1"/>
+          </p:cNvSpPr>
+          <p:nvPr>
+            <p:ph idx="1"/>
+          </p:nvPr>
+        </p:nvSpPr>
+        <p:spPr>
+          <a:xfrm>
+            <a:off x="3575050" y="273050"/>
+            <a:ext cx="5111750" cy="5853113"/>
+          </a:xfrm>
+        </p:spPr>
+        <p:txBody>
+          <a:bodyPr/>
+          <a:lstStyle>
+            <a:lvl1pPr>
+              <a:defRPr sz="3200"/>
+            </a:lvl1pPr>
+            <a:lvl2pPr>
+              <a:defRPr sz="2800"/>
+            </a:lvl2pPr>
+            <a:lvl3pPr>
+              <a:defRPr sz="2400"/>
+            </a:lvl3pPr>
+            <a:lvl4pPr>
+              <a:defRPr sz="2000"/>
+            </a:lvl4pPr>
+            <a:lvl5pPr>
+              <a:defRPr sz="2000"/>
+            </a:lvl5pPr>
+            <a:lvl6pPr>
+              <a:defRPr sz="2000"/>
+            </a:lvl6pPr>
+            <a:lvl7pPr>
+              <a:defRPr sz="2000"/>
+            </a:lvl7pPr>
+            <a:lvl8pPr>
+              <a:defRPr sz="2000"/>
+            </a:lvl8pPr>
+            <a:lvl9pPr>
+              <a:defRPr sz="2000"/>
+            </a:lvl9pPr>
+          </a:lstStyle>
+          <a:p>
+            <a:pPr lvl="0"/>
+            <a:r>
+              <a:rPr lang="en-US" smtClean="0"/>
+              <a:t>Click to edit Master text styles</a:t>
+            </a:r>
+          </a:p>
+          <a:p>
+            <a:pPr lvl="1"/>
+            <a:r>
+              <a:rPr lang="en-US" smtClean="0"/>
+              <a:t>Second level</a:t>
+            </a:r>
+          </a:p>
+          <a:p>
+            <a:pPr lvl="2"/>
+            <a:r>
+              <a:rPr lang="en-US" smtClean="0"/>
+              <a:t>Third level</a:t>
+            </a:r>
+          </a:p>
+          <a:p>
+            <a:pPr lvl="3"/>
+            <a:r>
+              <a:rPr lang="en-US" smtClean="0"/>
+              <a:t>Fourth level</a:t>
+            </a:r>
+          </a:p>
+          <a:p>
+            <a:pPr lvl="4"/>
+            <a:r>
+              <a:rPr lang="en-US" smtClean="0"/>
+              <a:t>Fifth level</a:t>
+            </a:r>
+            <a:endParaRPr lang="en-US"/>
+          </a:p>
+        </p:txBody>
+      </p:sp>
+      <p:sp>
+        <p:nvSpPr>
+          <p:cNvPr id="4" name="Text Placeholder 3"/>
+          <p:cNvSpPr>
+            <a:spLocks noGrp="1"/>
+          </p:cNvSpPr>
+          <p:nvPr>
+            <p:ph type="body" sz="half" idx="2"/>
+          </p:nvPr>
+        </p:nvSpPr>
+        <p:spPr>
+          <a:xfrm>
+            <a:off x="457200" y="1435100"/>
+            <a:ext cx="3008313" cy="4691063"/>
+          </a:xfrm>
+        </p:spPr>
+        <p:txBody>
+          <a:bodyPr/>
+          <a:lstStyle>
+            <a:lvl1pPr marL="0" indent="0">
+              <a:buNone/>
+              <a:defRPr sz="1400"/>
+            </a:lvl1pPr>
+            <a:lvl2pPr marL="457200" indent="0">
+              <a:buNone/>
+              <a:defRPr sz="1200"/>
+            </a:lvl2pPr>
+            <a:lvl3pPr marL="914400" indent="0">
+              <a:buNone/>
+              <a:defRPr sz="1000"/>
+            </a:lvl3pPr>
+            <a:lvl4pPr marL="1371600" indent="0">
+              <a:buNone/>
+              <a:defRPr sz="900"/>
+            </a:lvl4pPr>
+            <a:lvl5pPr marL="1828800" indent="0">
+              <a:buNone/>
+              <a:defRPr sz="900"/>
+            </a:lvl5pPr>
+            <a:lvl6pPr marL="2286000" indent="0">
+              <a:buNone/>
+              <a:defRPr sz="900"/>
+            </a:lvl6pPr>
+            <a:lvl7pPr marL="2743200" indent="0">
+              <a:buNone/>
+              <a:defRPr sz="900"/>
+            </a:lvl7pPr>
+            <a:lvl8pPr marL="3200400" indent="0">
+              <a:buNone/>
+              <a:defRPr sz="900"/>
+            </a:lvl8pPr>
+            <a:lvl9pPr marL="3657600" indent="0">
+              <a:buNone/>
+              <a:defRPr sz="900"/>
+            </a:lvl9pPr>
+          </a:lstStyle>
+          <a:p>
+            <a:pPr lvl="0"/>
+            <a:r>
+              <a:rPr lang="en-US" smtClean="0"/>
+              <a:t>Click to edit Master text styles</a:t>
+            </a:r>
+          </a:p>
+        </p:txBody>
+      </p:sp>
+      <p:sp>
+        <p:nvSpPr>
+          <p:cNvPr id="5" name="Date Placeholder 4"/>
+          <p:cNvSpPr>
+            <a:spLocks noGrp="1"/>
+          </p:cNvSpPr>
+          <p:nvPr>
+            <p:ph type="dt" sz="half" idx="10"/>
+          </p:nvPr>
+        </p:nvSpPr>
+        <p:spPr/>
+        <p:txBody>
+          <a:bodyPr/>
+          <a:lstStyle/>
+          <a:p>
+            <a:fld id="{B41FAE2C-98F2-4AEB-9028-7681F5825C1E}" type="datetimeFigureOut">
+              <a:rPr lang="en-US" smtClean="0"/>
+              <a:t>11/2/2015</a:t>
+            </a:fld>
+            <a:endParaRPr lang="en-US"/>
+          </a:p>
+        </p:txBody>
+      </p:sp>
+      <p:sp>
+        <p:nvSpPr>
+          <p:cNvPr id="6" name="Footer Placeholder 5"/>
+          <p:cNvSpPr>
+            <a:spLocks noGrp="1"/>
+          </p:cNvSpPr>
+          <p:nvPr>
+            <p:ph type="ftr" sz="quarter" idx="11"/>
+          </p:nvPr>
+        </p:nvSpPr>
+        <p:spPr>
+          <a:xfrm>
+            <a:off x="3124200" y="6356350"/>
+            <a:ext cx="2895600" cy="365125"/>
+          </a:xfrm>
+          <a:prstGeom prst="rect">
+            <a:avLst/>
+          </a:prstGeom>
+        </p:spPr>
+        <p:txBody>
+          <a:bodyPr/>
+          <a:lstStyle/>
+          <a:p>
+            <a:endParaRPr lang="en-US"/>
+          </a:p>
+        </p:txBody>
+      </p:sp>
+      <p:sp>
+        <p:nvSpPr>
+          <p:cNvPr id="7" name="Slide Number Placeholder 6"/>
+          <p:cNvSpPr>
+            <a:spLocks noGrp="1"/>
+          </p:cNvSpPr>
+          <p:nvPr>
+            <p:ph type="sldNum" sz="quarter" idx="12"/>
+          </p:nvPr>
+        </p:nvSpPr>
+        <p:spPr/>
+        <p:txBody>
+          <a:bodyPr/>
+          <a:lstStyle/>
+          <a:p>
+            <a:fld id="{123908D8-EB8A-4839-B5DA-E27DEBBAC624}" type="slidenum">
+              <a:rPr lang="en-US" smtClean="0"/>
+              <a:t>‹#›</a:t>
+            </a:fld>
+            <a:endParaRPr lang="en-US"/>
+          </a:p>
+        </p:txBody>
+      </p:sp>
+    </p:spTree>
+  </p:cSld>
+  <p:clrMapOvr>
+    <a:masterClrMapping/>
+  </p:clrMapOvr>
+</p:sldLayout>
+</file>
+
+<file path=ppt/slideLayouts/slideLayout9.xml><?xml version="1.0" encoding="utf-8"?>
+<p:sldLayout xmlns:a="http://schemas.openxmlformats.org/drawingml/2006/main" xmlns:r="http://schemas.openxmlformats.org/officeDocument/2006/relationships" xmlns:p="http://schemas.openxmlformats.org/presentationml/2006/main" type="picTx" preserve="1">
+  <p:cSld name="Picture with Caption">
+    <p:spTree>
+      <p:nvGrpSpPr>
+        <p:cNvPr id="1" name=""/>
+        <p:cNvGrpSpPr/>
+        <p:nvPr/>
+      </p:nvGrpSpPr>
+      <p:grpSpPr>
+        <a:xfrm>
+          <a:off x="0" y="0"/>
+          <a:ext cx="0" cy="0"/>
+          <a:chOff x="0" y="0"/>
+          <a:chExt cx="0" cy="0"/>
+        </a:xfrm>
+      </p:grpSpPr>
+      <p:sp>
+        <p:nvSpPr>
+          <p:cNvPr id="2" name="Title 1"/>
+          <p:cNvSpPr>
+            <a:spLocks noGrp="1"/>
+          </p:cNvSpPr>
+          <p:nvPr>
+            <p:ph type="title"/>
+          </p:nvPr>
+        </p:nvSpPr>
+        <p:spPr>
+          <a:xfrm>
+            <a:off x="1792288" y="4800600"/>
+            <a:ext cx="5486400" cy="566738"/>
+          </a:xfrm>
+        </p:spPr>
+        <p:txBody>
+          <a:bodyPr anchor="b"/>
+          <a:lstStyle>
+            <a:lvl1pPr algn="l">
+              <a:defRPr sz="2000" b="1"/>
+            </a:lvl1pPr>
+          </a:lstStyle>
+          <a:p>
+            <a:r>
+              <a:rPr lang="en-US" smtClean="0"/>
+              <a:t>Click to edit Master title style</a:t>
+            </a:r>
+            <a:endParaRPr lang="en-US"/>
+          </a:p>
+        </p:txBody>
+      </p:sp>
+      <p:sp>
+        <p:nvSpPr>
+          <p:cNvPr id="3" name="Picture Placeholder 2"/>
+          <p:cNvSpPr>
+            <a:spLocks noGrp="1"/>
+          </p:cNvSpPr>
+          <p:nvPr>
+            <p:ph type="pic" idx="1"/>
+          </p:nvPr>
+        </p:nvSpPr>
+        <p:spPr>
+          <a:xfrm>
+            <a:off x="1792288" y="612775"/>
+            <a:ext cx="5486400" cy="4114800"/>
+          </a:xfrm>
+        </p:spPr>
+        <p:txBody>
+          <a:bodyPr/>
+          <a:lstStyle>
+            <a:lvl1pPr marL="0" indent="0">
+              <a:buNone/>
+              <a:defRPr sz="3200"/>
+            </a:lvl1pPr>
+            <a:lvl2pPr marL="457200" indent="0">
+              <a:buNone/>
+              <a:defRPr sz="2800"/>
+            </a:lvl2pPr>
+            <a:lvl3pPr marL="914400" indent="0">
+              <a:buNone/>
+              <a:defRPr sz="2400"/>
+            </a:lvl3pPr>
+            <a:lvl4pPr marL="1371600" indent="0">
+              <a:buNone/>
+              <a:defRPr sz="2000"/>
+            </a:lvl4pPr>
+            <a:lvl5pPr marL="1828800" indent="0">
+              <a:buNone/>
+              <a:defRPr sz="2000"/>
+            </a:lvl5pPr>
+            <a:lvl6pPr marL="2286000" indent="0">
+              <a:buNone/>
+              <a:defRPr sz="2000"/>
+            </a:lvl6pPr>
+            <a:lvl7pPr marL="2743200" indent="0">
+              <a:buNone/>
+              <a:defRPr sz="2000"/>
+            </a:lvl7pPr>
+            <a:lvl8pPr marL="3200400" indent="0">
+              <a:buNone/>
+              <a:defRPr sz="2000"/>
+            </a:lvl8pPr>
+            <a:lvl9pPr marL="3657600" indent="0">
+              <a:buNone/>
+              <a:defRPr sz="2000"/>
+            </a:lvl9pPr>
+          </a:lstStyle>
+          <a:p>
+            <a:r>
+              <a:rPr lang="en-US" smtClean="0"/>
+              <a:t>Click icon to add picture</a:t>
+            </a:r>
+            <a:endParaRPr lang="en-US"/>
+          </a:p>
+        </p:txBody>
+      </p:sp>
+      <p:sp>
+        <p:nvSpPr>
+          <p:cNvPr id="4" name="Text Placeholder 3"/>
+          <p:cNvSpPr>
+            <a:spLocks noGrp="1"/>
+          </p:cNvSpPr>
+          <p:nvPr>
+            <p:ph type="body" sz="half" idx="2"/>
+          </p:nvPr>
+        </p:nvSpPr>
+        <p:spPr>
+          <a:xfrm>
+            <a:off x="1792288" y="5367338"/>
+            <a:ext cx="5486400" cy="804862"/>
+          </a:xfrm>
+        </p:spPr>
+        <p:txBody>
+          <a:bodyPr/>
+          <a:lstStyle>
+            <a:lvl1pPr marL="0" indent="0">
+              <a:buNone/>
+              <a:defRPr sz="1400"/>
+            </a:lvl1pPr>
+            <a:lvl2pPr marL="457200" indent="0">
+              <a:buNone/>
+              <a:defRPr sz="1200"/>
+            </a:lvl2pPr>
+            <a:lvl3pPr marL="914400" indent="0">
+              <a:buNone/>
+              <a:defRPr sz="1000"/>
+            </a:lvl3pPr>
+            <a:lvl4pPr marL="1371600" indent="0">
+              <a:buNone/>
+              <a:defRPr sz="900"/>
+            </a:lvl4pPr>
+            <a:lvl5pPr marL="1828800" indent="0">
+              <a:buNone/>
+              <a:defRPr sz="900"/>
+            </a:lvl5pPr>
+            <a:lvl6pPr marL="2286000" indent="0">
+              <a:buNone/>
+              <a:defRPr sz="900"/>
+            </a:lvl6pPr>
+            <a:lvl7pPr marL="2743200" indent="0">
+              <a:buNone/>
+              <a:defRPr sz="900"/>
+            </a:lvl7pPr>
+            <a:lvl8pPr marL="3200400" indent="0">
+              <a:buNone/>
+              <a:defRPr sz="900"/>
+            </a:lvl8pPr>
+            <a:lvl9pPr marL="3657600" indent="0">
+              <a:buNone/>
+              <a:defRPr sz="900"/>
+            </a:lvl9pPr>
+          </a:lstStyle>
+          <a:p>
+            <a:pPr lvl="0"/>
+            <a:r>
+              <a:rPr lang="en-US" smtClean="0"/>
+              <a:t>Click to edit Master text styles</a:t>
+            </a:r>
+          </a:p>
+        </p:txBody>
+      </p:sp>
+      <p:sp>
+        <p:nvSpPr>
+          <p:cNvPr id="5" name="Date Placeholder 4"/>
+          <p:cNvSpPr>
+            <a:spLocks noGrp="1"/>
+          </p:cNvSpPr>
+          <p:nvPr>
+            <p:ph type="dt" sz="half" idx="10"/>
+          </p:nvPr>
+        </p:nvSpPr>
+        <p:spPr/>
+        <p:txBody>
+          <a:bodyPr/>
+          <a:lstStyle/>
+          <a:p>
+            <a:fld id="{B41FAE2C-98F2-4AEB-9028-7681F5825C1E}" type="datetimeFigureOut">
+              <a:rPr lang="en-US" smtClean="0"/>
+              <a:t>11/2/2015</a:t>
+            </a:fld>
+            <a:endParaRPr lang="en-US"/>
+          </a:p>
+        </p:txBody>
+      </p:sp>
+      <p:sp>
+        <p:nvSpPr>
+          <p:cNvPr id="6" name="Footer Placeholder 5"/>
+          <p:cNvSpPr>
+            <a:spLocks noGrp="1"/>
+          </p:cNvSpPr>
+          <p:nvPr>
+            <p:ph type="ftr" sz="quarter" idx="11"/>
+          </p:nvPr>
+        </p:nvSpPr>
+        <p:spPr>
+          <a:xfrm>
+            <a:off x="3124200" y="6356350"/>
+            <a:ext cx="2895600" cy="365125"/>
+          </a:xfrm>
+          <a:prstGeom prst="rect">
+            <a:avLst/>
+          </a:prstGeom>
+        </p:spPr>
+        <p:txBody>
+          <a:bodyPr/>
+          <a:lstStyle/>
+          <a:p>
+            <a:endParaRPr lang="en-US"/>
+          </a:p>
+        </p:txBody>
+      </p:sp>
+      <p:sp>
+        <p:nvSpPr>
+          <p:cNvPr id="7" name="Slide Number Placeholder 6"/>
+          <p:cNvSpPr>
+            <a:spLocks noGrp="1"/>
+          </p:cNvSpPr>
+          <p:nvPr>
+            <p:ph type="sldNum" sz="quarter" idx="12"/>
+          </p:nvPr>
+        </p:nvSpPr>
+        <p:spPr/>
+        <p:txBody>
+          <a:bodyPr/>
+          <a:lstStyle/>
+          <a:p>
+            <a:fld id="{123908D8-EB8A-4839-B5DA-E27DEBBAC624}" type="slidenum">
+              <a:rPr lang="en-US" smtClean="0"/>
+              <a:t>‹#›</a:t>
+            </a:fld>
+            <a:endParaRPr lang="en-US"/>
+          </a:p>
+        </p:txBody>
+      </p:sp>
+    </p:spTree>
   </p:cSld>
   <p:clrMapOvr>
     <a:masterClrMapping/>
@@ -4670,9 +7514,15 @@
 <p:sldMaster xmlns:a="http://schemas.openxmlformats.org/drawingml/2006/main" xmlns:r="http://schemas.openxmlformats.org/officeDocument/2006/relationships" xmlns:p="http://schemas.openxmlformats.org/presentationml/2006/main">
   <p:cSld>
     <p:bg>
-      <p:bgRef idx="1001">
-        <a:schemeClr val="bg1"/>
-      </p:bgRef>
+      <p:bgPr>
+        <a:blipFill rotWithShape="1">
+          <a:blip r:embed="rId13"/>
+          <a:stretch>
+            <a:fillRect/>
+          </a:stretch>
+        </a:blipFill>
+        <a:effectLst/>
+      </p:bgPr>
     </p:bg>
     <p:spTree>
       <p:nvGrpSpPr>
@@ -4700,8 +7550,8 @@
         </p:nvSpPr>
         <p:spPr>
           <a:xfrm>
-            <a:off x="457200" y="274638"/>
-            <a:ext cx="8229600" cy="1143000"/>
+            <a:off x="457200" y="194726"/>
+            <a:ext cx="8229600" cy="397933"/>
           </a:xfrm>
           <a:prstGeom prst="rect">
             <a:avLst/>
@@ -4709,7 +7559,7 @@
         </p:spPr>
         <p:txBody>
           <a:bodyPr vert="horz" lIns="91440" tIns="45720" rIns="91440" bIns="45720" rtlCol="0" anchor="ctr">
-            <a:normAutofit/>
+            <a:noAutofit/>
           </a:bodyPr>
           <a:lstStyle/>
           <a:p>
@@ -4717,7 +7567,7 @@
               <a:rPr lang="en-US" smtClean="0"/>
               <a:t>Click to edit Master title style</a:t>
             </a:r>
-            <a:endParaRPr lang="en-US"/>
+            <a:endParaRPr lang="en-US" dirty="0"/>
           </a:p>
         </p:txBody>
       </p:sp>
@@ -4779,7 +7629,7 @@
               <a:rPr lang="en-US" smtClean="0"/>
               <a:t>Fifth level</a:t>
             </a:r>
-            <a:endParaRPr lang="en-US"/>
+            <a:endParaRPr lang="en-US" dirty="0"/>
           </a:p>
         </p:txBody>
       </p:sp>
@@ -4795,7 +7645,7 @@
         </p:nvSpPr>
         <p:spPr>
           <a:xfrm>
-            <a:off x="457200" y="6356350"/>
+            <a:off x="3505200" y="6394375"/>
             <a:ext cx="2133600" cy="365125"/>
           </a:xfrm>
           <a:prstGeom prst="rect">
@@ -4805,20 +7655,19 @@
         <p:txBody>
           <a:bodyPr vert="horz" lIns="91440" tIns="45720" rIns="91440" bIns="45720" rtlCol="0" anchor="ctr"/>
           <a:lstStyle>
-            <a:lvl1pPr algn="l">
-              <a:defRPr sz="1200">
+            <a:lvl1pPr algn="ctr">
+              <a:defRPr sz="1000">
                 <a:solidFill>
-                  <a:schemeClr val="tx1">
-                    <a:tint val="75000"/>
-                  </a:schemeClr>
+                  <a:schemeClr val="bg1"/>
                 </a:solidFill>
+                <a:latin typeface="Minion Pro"/>
               </a:defRPr>
             </a:lvl1pPr>
           </a:lstStyle>
           <a:p>
             <a:fld id="{B41FAE2C-98F2-4AEB-9028-7681F5825C1E}" type="datetimeFigureOut">
               <a:rPr lang="en-US" smtClean="0"/>
-              <a:t>10/20/2015</a:t>
+              <a:t>11/2/2015</a:t>
             </a:fld>
             <a:endParaRPr lang="en-US"/>
           </a:p>
@@ -4826,18 +7675,18 @@
       </p:sp>
       <p:sp>
         <p:nvSpPr>
-          <p:cNvPr id="5" name="Footer Placeholder 4"/>
-          <p:cNvSpPr>
-            <a:spLocks noGrp="1"/>
-          </p:cNvSpPr>
-          <p:nvPr>
-            <p:ph type="ftr" sz="quarter" idx="3"/>
+          <p:cNvPr id="6" name="Slide Number Placeholder 5"/>
+          <p:cNvSpPr>
+            <a:spLocks noGrp="1"/>
+          </p:cNvSpPr>
+          <p:nvPr>
+            <p:ph type="sldNum" sz="quarter" idx="4"/>
           </p:nvPr>
         </p:nvSpPr>
         <p:spPr>
           <a:xfrm>
-            <a:off x="3124200" y="6356350"/>
-            <a:ext cx="2895600" cy="365125"/>
+            <a:off x="3505200" y="6645425"/>
+            <a:ext cx="2133600" cy="190125"/>
           </a:xfrm>
           <a:prstGeom prst="rect">
             <a:avLst/>
@@ -4847,53 +7696,15 @@
           <a:bodyPr vert="horz" lIns="91440" tIns="45720" rIns="91440" bIns="45720" rtlCol="0" anchor="ctr"/>
           <a:lstStyle>
             <a:lvl1pPr algn="ctr">
-              <a:defRPr sz="1200">
+              <a:defRPr sz="1000">
                 <a:solidFill>
-                  <a:schemeClr val="tx1">
-                    <a:tint val="75000"/>
-                  </a:schemeClr>
+                  <a:schemeClr val="bg1"/>
                 </a:solidFill>
+                <a:latin typeface="Minion Pro"/>
               </a:defRPr>
             </a:lvl1pPr>
           </a:lstStyle>
           <a:p>
-            <a:endParaRPr lang="en-US"/>
-          </a:p>
-        </p:txBody>
-      </p:sp>
-      <p:sp>
-        <p:nvSpPr>
-          <p:cNvPr id="6" name="Slide Number Placeholder 5"/>
-          <p:cNvSpPr>
-            <a:spLocks noGrp="1"/>
-          </p:cNvSpPr>
-          <p:nvPr>
-            <p:ph type="sldNum" sz="quarter" idx="4"/>
-          </p:nvPr>
-        </p:nvSpPr>
-        <p:spPr>
-          <a:xfrm>
-            <a:off x="6553200" y="6356350"/>
-            <a:ext cx="2133600" cy="365125"/>
-          </a:xfrm>
-          <a:prstGeom prst="rect">
-            <a:avLst/>
-          </a:prstGeom>
-        </p:spPr>
-        <p:txBody>
-          <a:bodyPr vert="horz" lIns="91440" tIns="45720" rIns="91440" bIns="45720" rtlCol="0" anchor="ctr"/>
-          <a:lstStyle>
-            <a:lvl1pPr algn="r">
-              <a:defRPr sz="1200">
-                <a:solidFill>
-                  <a:schemeClr val="tx1">
-                    <a:tint val="75000"/>
-                  </a:schemeClr>
-                </a:solidFill>
-              </a:defRPr>
-            </a:lvl1pPr>
-          </a:lstStyle>
-          <a:p>
             <a:fld id="{123908D8-EB8A-4839-B5DA-E27DEBBAC624}" type="slidenum">
               <a:rPr lang="en-US" smtClean="0"/>
               <a:t>‹#›</a:t>
@@ -4903,124 +7714,119 @@
         </p:txBody>
       </p:sp>
     </p:spTree>
-    <p:extLst>
-      <p:ext uri="{BB962C8B-B14F-4D97-AF65-F5344CB8AC3E}">
-        <p14:creationId xmlns:p14="http://schemas.microsoft.com/office/powerpoint/2010/main" val="1908218416"/>
-      </p:ext>
-    </p:extLst>
   </p:cSld>
   <p:clrMap bg1="lt1" tx1="dk1" bg2="lt2" tx2="dk2" accent1="accent1" accent2="accent2" accent3="accent3" accent4="accent4" accent5="accent5" accent6="accent6" hlink="hlink" folHlink="folHlink"/>
   <p:sldLayoutIdLst>
-    <p:sldLayoutId id="2147483649" r:id="rId1"/>
-    <p:sldLayoutId id="2147483650" r:id="rId2"/>
-    <p:sldLayoutId id="2147483651" r:id="rId3"/>
-    <p:sldLayoutId id="2147483652" r:id="rId4"/>
-    <p:sldLayoutId id="2147483653" r:id="rId5"/>
-    <p:sldLayoutId id="2147483654" r:id="rId6"/>
-    <p:sldLayoutId id="2147483655" r:id="rId7"/>
-    <p:sldLayoutId id="2147483656" r:id="rId8"/>
-    <p:sldLayoutId id="2147483657" r:id="rId9"/>
-    <p:sldLayoutId id="2147483658" r:id="rId10"/>
-    <p:sldLayoutId id="2147483659" r:id="rId11"/>
+    <p:sldLayoutId id="2147483661" r:id="rId1"/>
+    <p:sldLayoutId id="2147483662" r:id="rId2"/>
+    <p:sldLayoutId id="2147483663" r:id="rId3"/>
+    <p:sldLayoutId id="2147483664" r:id="rId4"/>
+    <p:sldLayoutId id="2147483665" r:id="rId5"/>
+    <p:sldLayoutId id="2147483666" r:id="rId6"/>
+    <p:sldLayoutId id="2147483667" r:id="rId7"/>
+    <p:sldLayoutId id="2147483668" r:id="rId8"/>
+    <p:sldLayoutId id="2147483669" r:id="rId9"/>
+    <p:sldLayoutId id="2147483670" r:id="rId10"/>
+    <p:sldLayoutId id="2147483671" r:id="rId11"/>
   </p:sldLayoutIdLst>
   <p:txStyles>
     <p:titleStyle>
-      <a:lvl1pPr algn="ctr" defTabSz="914400" rtl="0" eaLnBrk="1" latinLnBrk="0" hangingPunct="1">
+      <a:lvl1pPr algn="ctr" defTabSz="457200" rtl="0" eaLnBrk="1" latinLnBrk="0" hangingPunct="1">
         <a:spcBef>
           <a:spcPct val="0"/>
         </a:spcBef>
         <a:buNone/>
-        <a:defRPr sz="4400" kern="1200">
+        <a:defRPr sz="4200" kern="1200">
           <a:solidFill>
             <a:schemeClr val="tx1"/>
           </a:solidFill>
-          <a:latin typeface="+mj-lt"/>
+          <a:latin typeface="Minion Pro"/>
           <a:ea typeface="+mj-ea"/>
           <a:cs typeface="+mj-cs"/>
         </a:defRPr>
       </a:lvl1pPr>
     </p:titleStyle>
     <p:bodyStyle>
-      <a:lvl1pPr marL="342900" indent="-342900" algn="l" defTabSz="914400" rtl="0" eaLnBrk="1" latinLnBrk="0" hangingPunct="1">
+      <a:lvl1pPr marL="342900" indent="-342900" algn="l" defTabSz="457200" rtl="0" eaLnBrk="1" latinLnBrk="0" hangingPunct="1">
         <a:spcBef>
           <a:spcPct val="20000"/>
         </a:spcBef>
-        <a:buFont typeface="Arial" panose="020B0604020202020204" pitchFamily="34" charset="0"/>
+        <a:buFont typeface="Arial"/>
         <a:buChar char="•"/>
         <a:defRPr sz="3200" kern="1200">
           <a:solidFill>
             <a:schemeClr val="tx1"/>
           </a:solidFill>
-          <a:latin typeface="+mn-lt"/>
+          <a:latin typeface="Minion Pro"/>
           <a:ea typeface="+mn-ea"/>
           <a:cs typeface="+mn-cs"/>
         </a:defRPr>
       </a:lvl1pPr>
-      <a:lvl2pPr marL="742950" indent="-285750" algn="l" defTabSz="914400" rtl="0" eaLnBrk="1" latinLnBrk="0" hangingPunct="1">
+      <a:lvl2pPr marL="742950" indent="-285750" algn="l" defTabSz="457200" rtl="0" eaLnBrk="1" latinLnBrk="0" hangingPunct="1">
         <a:spcBef>
           <a:spcPct val="20000"/>
         </a:spcBef>
-        <a:buFont typeface="Arial" panose="020B0604020202020204" pitchFamily="34" charset="0"/>
+        <a:buFont typeface="Arial"/>
         <a:buChar char="–"/>
         <a:defRPr sz="2800" kern="1200">
           <a:solidFill>
             <a:schemeClr val="tx1"/>
           </a:solidFill>
-          <a:latin typeface="+mn-lt"/>
+          <a:latin typeface="Minion Pro"/>
           <a:ea typeface="+mn-ea"/>
           <a:cs typeface="+mn-cs"/>
         </a:defRPr>
       </a:lvl2pPr>
-      <a:lvl3pPr marL="1143000" indent="-228600" algn="l" defTabSz="914400" rtl="0" eaLnBrk="1" latinLnBrk="0" hangingPunct="1">
+      <a:lvl3pPr marL="1143000" indent="-228600" algn="l" defTabSz="457200" rtl="0" eaLnBrk="1" latinLnBrk="0" hangingPunct="1">
         <a:spcBef>
           <a:spcPct val="20000"/>
         </a:spcBef>
-        <a:buFont typeface="Arial" panose="020B0604020202020204" pitchFamily="34" charset="0"/>
+        <a:buFont typeface="Arial"/>
         <a:buChar char="•"/>
         <a:defRPr sz="2400" kern="1200">
           <a:solidFill>
             <a:schemeClr val="tx1"/>
           </a:solidFill>
-          <a:latin typeface="+mn-lt"/>
+          <a:latin typeface="Minion Pro"/>
           <a:ea typeface="+mn-ea"/>
           <a:cs typeface="+mn-cs"/>
         </a:defRPr>
       </a:lvl3pPr>
-      <a:lvl4pPr marL="1600200" indent="-228600" algn="l" defTabSz="914400" rtl="0" eaLnBrk="1" latinLnBrk="0" hangingPunct="1">
+      <a:lvl4pPr marL="1600200" indent="-228600" algn="l" defTabSz="457200" rtl="0" eaLnBrk="1" latinLnBrk="0" hangingPunct="1">
         <a:spcBef>
           <a:spcPct val="20000"/>
         </a:spcBef>
-        <a:buFont typeface="Arial" panose="020B0604020202020204" pitchFamily="34" charset="0"/>
+        <a:buFont typeface="Arial"/>
         <a:buChar char="–"/>
         <a:defRPr sz="2000" kern="1200">
           <a:solidFill>
             <a:schemeClr val="tx1"/>
           </a:solidFill>
-          <a:latin typeface="+mn-lt"/>
+          <a:latin typeface="Minion Pro"/>
           <a:ea typeface="+mn-ea"/>
           <a:cs typeface="+mn-cs"/>
         </a:defRPr>
       </a:lvl4pPr>
-      <a:lvl5pPr marL="2057400" indent="-228600" algn="l" defTabSz="914400" rtl="0" eaLnBrk="1" latinLnBrk="0" hangingPunct="1">
+      <a:lvl5pPr marL="2057400" indent="-228600" algn="l" defTabSz="457200" rtl="0" eaLnBrk="1" latinLnBrk="0" hangingPunct="1">
         <a:spcBef>
           <a:spcPct val="20000"/>
         </a:spcBef>
-        <a:buFont typeface="Arial" panose="020B0604020202020204" pitchFamily="34" charset="0"/>
+        <a:buFont typeface="Arial"/>
         <a:buChar char="»"/>
         <a:defRPr sz="2000" kern="1200">
           <a:solidFill>
             <a:schemeClr val="tx1"/>
           </a:solidFill>
-          <a:latin typeface="+mn-lt"/>
+          <a:latin typeface="Minion Pro"/>
           <a:ea typeface="+mn-ea"/>
           <a:cs typeface="+mn-cs"/>
         </a:defRPr>
       </a:lvl5pPr>
-      <a:lvl6pPr marL="2514600" indent="-228600" algn="l" defTabSz="914400" rtl="0" eaLnBrk="1" latinLnBrk="0" hangingPunct="1">
+      <a:lvl6pPr marL="2514600" indent="-228600" algn="l" defTabSz="457200" rtl="0" eaLnBrk="1" latinLnBrk="0" hangingPunct="1">
         <a:spcBef>
           <a:spcPct val="20000"/>
         </a:spcBef>
-        <a:buFont typeface="Arial" panose="020B0604020202020204" pitchFamily="34" charset="0"/>
+        <a:buFont typeface="Arial"/>
         <a:buChar char="•"/>
         <a:defRPr sz="2000" kern="1200">
           <a:solidFill>
@@ -5031,11 +7837,11 @@
           <a:cs typeface="+mn-cs"/>
         </a:defRPr>
       </a:lvl6pPr>
-      <a:lvl7pPr marL="2971800" indent="-228600" algn="l" defTabSz="914400" rtl="0" eaLnBrk="1" latinLnBrk="0" hangingPunct="1">
+      <a:lvl7pPr marL="2971800" indent="-228600" algn="l" defTabSz="457200" rtl="0" eaLnBrk="1" latinLnBrk="0" hangingPunct="1">
         <a:spcBef>
           <a:spcPct val="20000"/>
         </a:spcBef>
-        <a:buFont typeface="Arial" panose="020B0604020202020204" pitchFamily="34" charset="0"/>
+        <a:buFont typeface="Arial"/>
         <a:buChar char="•"/>
         <a:defRPr sz="2000" kern="1200">
           <a:solidFill>
@@ -5046,11 +7852,11 @@
           <a:cs typeface="+mn-cs"/>
         </a:defRPr>
       </a:lvl7pPr>
-      <a:lvl8pPr marL="3429000" indent="-228600" algn="l" defTabSz="914400" rtl="0" eaLnBrk="1" latinLnBrk="0" hangingPunct="1">
+      <a:lvl8pPr marL="3429000" indent="-228600" algn="l" defTabSz="457200" rtl="0" eaLnBrk="1" latinLnBrk="0" hangingPunct="1">
         <a:spcBef>
           <a:spcPct val="20000"/>
         </a:spcBef>
-        <a:buFont typeface="Arial" panose="020B0604020202020204" pitchFamily="34" charset="0"/>
+        <a:buFont typeface="Arial"/>
         <a:buChar char="•"/>
         <a:defRPr sz="2000" kern="1200">
           <a:solidFill>
@@ -5061,11 +7867,11 @@
           <a:cs typeface="+mn-cs"/>
         </a:defRPr>
       </a:lvl8pPr>
-      <a:lvl9pPr marL="3886200" indent="-228600" algn="l" defTabSz="914400" rtl="0" eaLnBrk="1" latinLnBrk="0" hangingPunct="1">
+      <a:lvl9pPr marL="3886200" indent="-228600" algn="l" defTabSz="457200" rtl="0" eaLnBrk="1" latinLnBrk="0" hangingPunct="1">
         <a:spcBef>
           <a:spcPct val="20000"/>
         </a:spcBef>
-        <a:buFont typeface="Arial" panose="020B0604020202020204" pitchFamily="34" charset="0"/>
+        <a:buFont typeface="Arial"/>
         <a:buChar char="•"/>
         <a:defRPr sz="2000" kern="1200">
           <a:solidFill>
@@ -5081,7 +7887,7 @@
       <a:defPPr>
         <a:defRPr lang="en-US"/>
       </a:defPPr>
-      <a:lvl1pPr marL="0" algn="l" defTabSz="914400" rtl="0" eaLnBrk="1" latinLnBrk="0" hangingPunct="1">
+      <a:lvl1pPr marL="0" algn="l" defTabSz="457200" rtl="0" eaLnBrk="1" latinLnBrk="0" hangingPunct="1">
         <a:defRPr sz="1800" kern="1200">
           <a:solidFill>
             <a:schemeClr val="tx1"/>
@@ -5091,7 +7897,7 @@
           <a:cs typeface="+mn-cs"/>
         </a:defRPr>
       </a:lvl1pPr>
-      <a:lvl2pPr marL="457200" algn="l" defTabSz="914400" rtl="0" eaLnBrk="1" latinLnBrk="0" hangingPunct="1">
+      <a:lvl2pPr marL="457200" algn="l" defTabSz="457200" rtl="0" eaLnBrk="1" latinLnBrk="0" hangingPunct="1">
         <a:defRPr sz="1800" kern="1200">
           <a:solidFill>
             <a:schemeClr val="tx1"/>
@@ -5101,7 +7907,7 @@
           <a:cs typeface="+mn-cs"/>
         </a:defRPr>
       </a:lvl2pPr>
-      <a:lvl3pPr marL="914400" algn="l" defTabSz="914400" rtl="0" eaLnBrk="1" latinLnBrk="0" hangingPunct="1">
+      <a:lvl3pPr marL="914400" algn="l" defTabSz="457200" rtl="0" eaLnBrk="1" latinLnBrk="0" hangingPunct="1">
         <a:defRPr sz="1800" kern="1200">
           <a:solidFill>
             <a:schemeClr val="tx1"/>
@@ -5111,7 +7917,7 @@
           <a:cs typeface="+mn-cs"/>
         </a:defRPr>
       </a:lvl3pPr>
-      <a:lvl4pPr marL="1371600" algn="l" defTabSz="914400" rtl="0" eaLnBrk="1" latinLnBrk="0" hangingPunct="1">
+      <a:lvl4pPr marL="1371600" algn="l" defTabSz="457200" rtl="0" eaLnBrk="1" latinLnBrk="0" hangingPunct="1">
         <a:defRPr sz="1800" kern="1200">
           <a:solidFill>
             <a:schemeClr val="tx1"/>
@@ -5121,7 +7927,7 @@
           <a:cs typeface="+mn-cs"/>
         </a:defRPr>
       </a:lvl4pPr>
-      <a:lvl5pPr marL="1828800" algn="l" defTabSz="914400" rtl="0" eaLnBrk="1" latinLnBrk="0" hangingPunct="1">
+      <a:lvl5pPr marL="1828800" algn="l" defTabSz="457200" rtl="0" eaLnBrk="1" latinLnBrk="0" hangingPunct="1">
         <a:defRPr sz="1800" kern="1200">
           <a:solidFill>
             <a:schemeClr val="tx1"/>
@@ -5131,7 +7937,7 @@
           <a:cs typeface="+mn-cs"/>
         </a:defRPr>
       </a:lvl5pPr>
-      <a:lvl6pPr marL="2286000" algn="l" defTabSz="914400" rtl="0" eaLnBrk="1" latinLnBrk="0" hangingPunct="1">
+      <a:lvl6pPr marL="2286000" algn="l" defTabSz="457200" rtl="0" eaLnBrk="1" latinLnBrk="0" hangingPunct="1">
         <a:defRPr sz="1800" kern="1200">
           <a:solidFill>
             <a:schemeClr val="tx1"/>
@@ -5141,7 +7947,7 @@
           <a:cs typeface="+mn-cs"/>
         </a:defRPr>
       </a:lvl6pPr>
-      <a:lvl7pPr marL="2743200" algn="l" defTabSz="914400" rtl="0" eaLnBrk="1" latinLnBrk="0" hangingPunct="1">
+      <a:lvl7pPr marL="2743200" algn="l" defTabSz="457200" rtl="0" eaLnBrk="1" latinLnBrk="0" hangingPunct="1">
         <a:defRPr sz="1800" kern="1200">
           <a:solidFill>
             <a:schemeClr val="tx1"/>
@@ -5151,7 +7957,7 @@
           <a:cs typeface="+mn-cs"/>
         </a:defRPr>
       </a:lvl7pPr>
-      <a:lvl8pPr marL="3200400" algn="l" defTabSz="914400" rtl="0" eaLnBrk="1" latinLnBrk="0" hangingPunct="1">
+      <a:lvl8pPr marL="3200400" algn="l" defTabSz="457200" rtl="0" eaLnBrk="1" latinLnBrk="0" hangingPunct="1">
         <a:defRPr sz="1800" kern="1200">
           <a:solidFill>
             <a:schemeClr val="tx1"/>
@@ -5161,7 +7967,504 @@
           <a:cs typeface="+mn-cs"/>
         </a:defRPr>
       </a:lvl8pPr>
-      <a:lvl9pPr marL="3657600" algn="l" defTabSz="914400" rtl="0" eaLnBrk="1" latinLnBrk="0" hangingPunct="1">
+      <a:lvl9pPr marL="3657600" algn="l" defTabSz="457200" rtl="0" eaLnBrk="1" latinLnBrk="0" hangingPunct="1">
+        <a:defRPr sz="1800" kern="1200">
+          <a:solidFill>
+            <a:schemeClr val="tx1"/>
+          </a:solidFill>
+          <a:latin typeface="+mn-lt"/>
+          <a:ea typeface="+mn-ea"/>
+          <a:cs typeface="+mn-cs"/>
+        </a:defRPr>
+      </a:lvl9pPr>
+    </p:otherStyle>
+  </p:txStyles>
+</p:sldMaster>
+</file>
+
+<file path=ppt/slideMasters/slideMaster2.xml><?xml version="1.0" encoding="utf-8"?>
+<p:sldMaster xmlns:a="http://schemas.openxmlformats.org/drawingml/2006/main" xmlns:r="http://schemas.openxmlformats.org/officeDocument/2006/relationships" xmlns:p="http://schemas.openxmlformats.org/presentationml/2006/main">
+  <p:cSld>
+    <p:bg>
+      <p:bgPr>
+        <a:blipFill rotWithShape="1">
+          <a:blip r:embed="rId13"/>
+          <a:stretch>
+            <a:fillRect/>
+          </a:stretch>
+        </a:blipFill>
+        <a:effectLst/>
+      </p:bgPr>
+    </p:bg>
+    <p:spTree>
+      <p:nvGrpSpPr>
+        <p:cNvPr id="1" name=""/>
+        <p:cNvGrpSpPr/>
+        <p:nvPr/>
+      </p:nvGrpSpPr>
+      <p:grpSpPr>
+        <a:xfrm>
+          <a:off x="0" y="0"/>
+          <a:ext cx="0" cy="0"/>
+          <a:chOff x="0" y="0"/>
+          <a:chExt cx="0" cy="0"/>
+        </a:xfrm>
+      </p:grpSpPr>
+      <p:sp>
+        <p:nvSpPr>
+          <p:cNvPr id="2" name="Title Placeholder 1"/>
+          <p:cNvSpPr>
+            <a:spLocks noGrp="1"/>
+          </p:cNvSpPr>
+          <p:nvPr>
+            <p:ph type="title"/>
+          </p:nvPr>
+        </p:nvSpPr>
+        <p:spPr>
+          <a:xfrm>
+            <a:off x="457200" y="194726"/>
+            <a:ext cx="8229600" cy="397933"/>
+          </a:xfrm>
+          <a:prstGeom prst="rect">
+            <a:avLst/>
+          </a:prstGeom>
+        </p:spPr>
+        <p:txBody>
+          <a:bodyPr vert="horz" lIns="91440" tIns="45720" rIns="91440" bIns="45720" rtlCol="0" anchor="ctr">
+            <a:noAutofit/>
+          </a:bodyPr>
+          <a:lstStyle/>
+          <a:p>
+            <a:r>
+              <a:rPr lang="en-US" smtClean="0"/>
+              <a:t>Click to edit Master title style</a:t>
+            </a:r>
+            <a:endParaRPr lang="en-US" dirty="0"/>
+          </a:p>
+        </p:txBody>
+      </p:sp>
+      <p:sp>
+        <p:nvSpPr>
+          <p:cNvPr id="3" name="Text Placeholder 2"/>
+          <p:cNvSpPr>
+            <a:spLocks noGrp="1"/>
+          </p:cNvSpPr>
+          <p:nvPr>
+            <p:ph type="body" idx="1"/>
+          </p:nvPr>
+        </p:nvSpPr>
+        <p:spPr>
+          <a:xfrm>
+            <a:off x="457200" y="1600200"/>
+            <a:ext cx="8229600" cy="4525963"/>
+          </a:xfrm>
+          <a:prstGeom prst="rect">
+            <a:avLst/>
+          </a:prstGeom>
+        </p:spPr>
+        <p:txBody>
+          <a:bodyPr vert="horz" lIns="91440" tIns="45720" rIns="91440" bIns="45720" rtlCol="0">
+            <a:normAutofit/>
+          </a:bodyPr>
+          <a:lstStyle/>
+          <a:p>
+            <a:pPr lvl="0"/>
+            <a:r>
+              <a:rPr lang="en-US" smtClean="0"/>
+              <a:t>Click to edit Master text styles</a:t>
+            </a:r>
+          </a:p>
+          <a:p>
+            <a:pPr lvl="1"/>
+            <a:r>
+              <a:rPr lang="en-US" smtClean="0"/>
+              <a:t>Second level</a:t>
+            </a:r>
+          </a:p>
+          <a:p>
+            <a:pPr lvl="2"/>
+            <a:r>
+              <a:rPr lang="en-US" smtClean="0"/>
+              <a:t>Third level</a:t>
+            </a:r>
+          </a:p>
+          <a:p>
+            <a:pPr lvl="3"/>
+            <a:r>
+              <a:rPr lang="en-US" smtClean="0"/>
+              <a:t>Fourth level</a:t>
+            </a:r>
+          </a:p>
+          <a:p>
+            <a:pPr lvl="4"/>
+            <a:r>
+              <a:rPr lang="en-US" smtClean="0"/>
+              <a:t>Fifth level</a:t>
+            </a:r>
+            <a:endParaRPr lang="en-US" dirty="0"/>
+          </a:p>
+        </p:txBody>
+      </p:sp>
+      <p:sp>
+        <p:nvSpPr>
+          <p:cNvPr id="4" name="Date Placeholder 3"/>
+          <p:cNvSpPr>
+            <a:spLocks noGrp="1"/>
+          </p:cNvSpPr>
+          <p:nvPr>
+            <p:ph type="dt" sz="half" idx="2"/>
+          </p:nvPr>
+        </p:nvSpPr>
+        <p:spPr>
+          <a:xfrm>
+            <a:off x="3505200" y="6394375"/>
+            <a:ext cx="2133600" cy="365125"/>
+          </a:xfrm>
+          <a:prstGeom prst="rect">
+            <a:avLst/>
+          </a:prstGeom>
+        </p:spPr>
+        <p:txBody>
+          <a:bodyPr vert="horz" lIns="91440" tIns="45720" rIns="91440" bIns="45720" rtlCol="0" anchor="ctr"/>
+          <a:lstStyle>
+            <a:lvl1pPr algn="ctr">
+              <a:defRPr sz="1000">
+                <a:solidFill>
+                  <a:schemeClr val="bg1"/>
+                </a:solidFill>
+                <a:latin typeface="Minion Pro"/>
+              </a:defRPr>
+            </a:lvl1pPr>
+          </a:lstStyle>
+          <a:p>
+            <a:pPr defTabSz="457200"/>
+            <a:fld id="{65109F8C-9F4D-5945-807D-33CC9F4EE4DF}" type="datetimeFigureOut">
+              <a:rPr lang="en-US" smtClean="0">
+                <a:solidFill>
+                  <a:prstClr val="white"/>
+                </a:solidFill>
+              </a:rPr>
+              <a:pPr defTabSz="457200"/>
+              <a:t>11/2/2015</a:t>
+            </a:fld>
+            <a:endParaRPr lang="en-US" dirty="0">
+              <a:solidFill>
+                <a:prstClr val="white"/>
+              </a:solidFill>
+            </a:endParaRPr>
+          </a:p>
+        </p:txBody>
+      </p:sp>
+      <p:sp>
+        <p:nvSpPr>
+          <p:cNvPr id="6" name="Slide Number Placeholder 5"/>
+          <p:cNvSpPr>
+            <a:spLocks noGrp="1"/>
+          </p:cNvSpPr>
+          <p:nvPr>
+            <p:ph type="sldNum" sz="quarter" idx="4"/>
+          </p:nvPr>
+        </p:nvSpPr>
+        <p:spPr>
+          <a:xfrm>
+            <a:off x="3505200" y="6645425"/>
+            <a:ext cx="2133600" cy="190125"/>
+          </a:xfrm>
+          <a:prstGeom prst="rect">
+            <a:avLst/>
+          </a:prstGeom>
+        </p:spPr>
+        <p:txBody>
+          <a:bodyPr vert="horz" lIns="91440" tIns="45720" rIns="91440" bIns="45720" rtlCol="0" anchor="ctr"/>
+          <a:lstStyle>
+            <a:lvl1pPr algn="ctr">
+              <a:defRPr sz="1000">
+                <a:solidFill>
+                  <a:schemeClr val="bg1"/>
+                </a:solidFill>
+                <a:latin typeface="Minion Pro"/>
+              </a:defRPr>
+            </a:lvl1pPr>
+          </a:lstStyle>
+          <a:p>
+            <a:pPr defTabSz="457200"/>
+            <a:fld id="{B58F48A6-A3E1-4848-9AC3-B43F560BE4FE}" type="slidenum">
+              <a:rPr lang="en-US" smtClean="0">
+                <a:solidFill>
+                  <a:prstClr val="white"/>
+                </a:solidFill>
+              </a:rPr>
+              <a:pPr defTabSz="457200"/>
+              <a:t>‹#›</a:t>
+            </a:fld>
+            <a:endParaRPr lang="en-US" dirty="0">
+              <a:solidFill>
+                <a:prstClr val="white"/>
+              </a:solidFill>
+            </a:endParaRPr>
+          </a:p>
+        </p:txBody>
+      </p:sp>
+    </p:spTree>
+    <p:extLst>
+      <p:ext uri="{BB962C8B-B14F-4D97-AF65-F5344CB8AC3E}">
+        <p14:creationId xmlns:p14="http://schemas.microsoft.com/office/powerpoint/2010/main" val="2900868595"/>
+      </p:ext>
+    </p:extLst>
+  </p:cSld>
+  <p:clrMap bg1="lt1" tx1="dk1" bg2="lt2" tx2="dk2" accent1="accent1" accent2="accent2" accent3="accent3" accent4="accent4" accent5="accent5" accent6="accent6" hlink="hlink" folHlink="folHlink"/>
+  <p:sldLayoutIdLst>
+    <p:sldLayoutId id="2147483673" r:id="rId1"/>
+    <p:sldLayoutId id="2147483674" r:id="rId2"/>
+    <p:sldLayoutId id="2147483675" r:id="rId3"/>
+    <p:sldLayoutId id="2147483676" r:id="rId4"/>
+    <p:sldLayoutId id="2147483677" r:id="rId5"/>
+    <p:sldLayoutId id="2147483678" r:id="rId6"/>
+    <p:sldLayoutId id="2147483679" r:id="rId7"/>
+    <p:sldLayoutId id="2147483680" r:id="rId8"/>
+    <p:sldLayoutId id="2147483681" r:id="rId9"/>
+    <p:sldLayoutId id="2147483682" r:id="rId10"/>
+    <p:sldLayoutId id="2147483683" r:id="rId11"/>
+  </p:sldLayoutIdLst>
+  <p:txStyles>
+    <p:titleStyle>
+      <a:lvl1pPr algn="ctr" defTabSz="457200" rtl="0" eaLnBrk="1" latinLnBrk="0" hangingPunct="1">
+        <a:spcBef>
+          <a:spcPct val="0"/>
+        </a:spcBef>
+        <a:buNone/>
+        <a:defRPr sz="4200" kern="1200">
+          <a:solidFill>
+            <a:schemeClr val="tx1"/>
+          </a:solidFill>
+          <a:latin typeface="Minion Pro"/>
+          <a:ea typeface="+mj-ea"/>
+          <a:cs typeface="+mj-cs"/>
+        </a:defRPr>
+      </a:lvl1pPr>
+    </p:titleStyle>
+    <p:bodyStyle>
+      <a:lvl1pPr marL="342900" indent="-342900" algn="l" defTabSz="457200" rtl="0" eaLnBrk="1" latinLnBrk="0" hangingPunct="1">
+        <a:spcBef>
+          <a:spcPct val="20000"/>
+        </a:spcBef>
+        <a:buFont typeface="Arial"/>
+        <a:buChar char="•"/>
+        <a:defRPr sz="3200" kern="1200">
+          <a:solidFill>
+            <a:schemeClr val="tx1"/>
+          </a:solidFill>
+          <a:latin typeface="Minion Pro"/>
+          <a:ea typeface="+mn-ea"/>
+          <a:cs typeface="+mn-cs"/>
+        </a:defRPr>
+      </a:lvl1pPr>
+      <a:lvl2pPr marL="742950" indent="-285750" algn="l" defTabSz="457200" rtl="0" eaLnBrk="1" latinLnBrk="0" hangingPunct="1">
+        <a:spcBef>
+          <a:spcPct val="20000"/>
+        </a:spcBef>
+        <a:buFont typeface="Arial"/>
+        <a:buChar char="–"/>
+        <a:defRPr sz="2800" kern="1200">
+          <a:solidFill>
+            <a:schemeClr val="tx1"/>
+          </a:solidFill>
+          <a:latin typeface="Minion Pro"/>
+          <a:ea typeface="+mn-ea"/>
+          <a:cs typeface="+mn-cs"/>
+        </a:defRPr>
+      </a:lvl2pPr>
+      <a:lvl3pPr marL="1143000" indent="-228600" algn="l" defTabSz="457200" rtl="0" eaLnBrk="1" latinLnBrk="0" hangingPunct="1">
+        <a:spcBef>
+          <a:spcPct val="20000"/>
+        </a:spcBef>
+        <a:buFont typeface="Arial"/>
+        <a:buChar char="•"/>
+        <a:defRPr sz="2400" kern="1200">
+          <a:solidFill>
+            <a:schemeClr val="tx1"/>
+          </a:solidFill>
+          <a:latin typeface="Minion Pro"/>
+          <a:ea typeface="+mn-ea"/>
+          <a:cs typeface="+mn-cs"/>
+        </a:defRPr>
+      </a:lvl3pPr>
+      <a:lvl4pPr marL="1600200" indent="-228600" algn="l" defTabSz="457200" rtl="0" eaLnBrk="1" latinLnBrk="0" hangingPunct="1">
+        <a:spcBef>
+          <a:spcPct val="20000"/>
+        </a:spcBef>
+        <a:buFont typeface="Arial"/>
+        <a:buChar char="–"/>
+        <a:defRPr sz="2000" kern="1200">
+          <a:solidFill>
+            <a:schemeClr val="tx1"/>
+          </a:solidFill>
+          <a:latin typeface="Minion Pro"/>
+          <a:ea typeface="+mn-ea"/>
+          <a:cs typeface="+mn-cs"/>
+        </a:defRPr>
+      </a:lvl4pPr>
+      <a:lvl5pPr marL="2057400" indent="-228600" algn="l" defTabSz="457200" rtl="0" eaLnBrk="1" latinLnBrk="0" hangingPunct="1">
+        <a:spcBef>
+          <a:spcPct val="20000"/>
+        </a:spcBef>
+        <a:buFont typeface="Arial"/>
+        <a:buChar char="»"/>
+        <a:defRPr sz="2000" kern="1200">
+          <a:solidFill>
+            <a:schemeClr val="tx1"/>
+          </a:solidFill>
+          <a:latin typeface="Minion Pro"/>
+          <a:ea typeface="+mn-ea"/>
+          <a:cs typeface="+mn-cs"/>
+        </a:defRPr>
+      </a:lvl5pPr>
+      <a:lvl6pPr marL="2514600" indent="-228600" algn="l" defTabSz="457200" rtl="0" eaLnBrk="1" latinLnBrk="0" hangingPunct="1">
+        <a:spcBef>
+          <a:spcPct val="20000"/>
+        </a:spcBef>
+        <a:buFont typeface="Arial"/>
+        <a:buChar char="•"/>
+        <a:defRPr sz="2000" kern="1200">
+          <a:solidFill>
+            <a:schemeClr val="tx1"/>
+          </a:solidFill>
+          <a:latin typeface="+mn-lt"/>
+          <a:ea typeface="+mn-ea"/>
+          <a:cs typeface="+mn-cs"/>
+        </a:defRPr>
+      </a:lvl6pPr>
+      <a:lvl7pPr marL="2971800" indent="-228600" algn="l" defTabSz="457200" rtl="0" eaLnBrk="1" latinLnBrk="0" hangingPunct="1">
+        <a:spcBef>
+          <a:spcPct val="20000"/>
+        </a:spcBef>
+        <a:buFont typeface="Arial"/>
+        <a:buChar char="•"/>
+        <a:defRPr sz="2000" kern="1200">
+          <a:solidFill>
+            <a:schemeClr val="tx1"/>
+          </a:solidFill>
+          <a:latin typeface="+mn-lt"/>
+          <a:ea typeface="+mn-ea"/>
+          <a:cs typeface="+mn-cs"/>
+        </a:defRPr>
+      </a:lvl7pPr>
+      <a:lvl8pPr marL="3429000" indent="-228600" algn="l" defTabSz="457200" rtl="0" eaLnBrk="1" latinLnBrk="0" hangingPunct="1">
+        <a:spcBef>
+          <a:spcPct val="20000"/>
+        </a:spcBef>
+        <a:buFont typeface="Arial"/>
+        <a:buChar char="•"/>
+        <a:defRPr sz="2000" kern="1200">
+          <a:solidFill>
+            <a:schemeClr val="tx1"/>
+          </a:solidFill>
+          <a:latin typeface="+mn-lt"/>
+          <a:ea typeface="+mn-ea"/>
+          <a:cs typeface="+mn-cs"/>
+        </a:defRPr>
+      </a:lvl8pPr>
+      <a:lvl9pPr marL="3886200" indent="-228600" algn="l" defTabSz="457200" rtl="0" eaLnBrk="1" latinLnBrk="0" hangingPunct="1">
+        <a:spcBef>
+          <a:spcPct val="20000"/>
+        </a:spcBef>
+        <a:buFont typeface="Arial"/>
+        <a:buChar char="•"/>
+        <a:defRPr sz="2000" kern="1200">
+          <a:solidFill>
+            <a:schemeClr val="tx1"/>
+          </a:solidFill>
+          <a:latin typeface="+mn-lt"/>
+          <a:ea typeface="+mn-ea"/>
+          <a:cs typeface="+mn-cs"/>
+        </a:defRPr>
+      </a:lvl9pPr>
+    </p:bodyStyle>
+    <p:otherStyle>
+      <a:defPPr>
+        <a:defRPr lang="en-US"/>
+      </a:defPPr>
+      <a:lvl1pPr marL="0" algn="l" defTabSz="457200" rtl="0" eaLnBrk="1" latinLnBrk="0" hangingPunct="1">
+        <a:defRPr sz="1800" kern="1200">
+          <a:solidFill>
+            <a:schemeClr val="tx1"/>
+          </a:solidFill>
+          <a:latin typeface="+mn-lt"/>
+          <a:ea typeface="+mn-ea"/>
+          <a:cs typeface="+mn-cs"/>
+        </a:defRPr>
+      </a:lvl1pPr>
+      <a:lvl2pPr marL="457200" algn="l" defTabSz="457200" rtl="0" eaLnBrk="1" latinLnBrk="0" hangingPunct="1">
+        <a:defRPr sz="1800" kern="1200">
+          <a:solidFill>
+            <a:schemeClr val="tx1"/>
+          </a:solidFill>
+          <a:latin typeface="+mn-lt"/>
+          <a:ea typeface="+mn-ea"/>
+          <a:cs typeface="+mn-cs"/>
+        </a:defRPr>
+      </a:lvl2pPr>
+      <a:lvl3pPr marL="914400" algn="l" defTabSz="457200" rtl="0" eaLnBrk="1" latinLnBrk="0" hangingPunct="1">
+        <a:defRPr sz="1800" kern="1200">
+          <a:solidFill>
+            <a:schemeClr val="tx1"/>
+          </a:solidFill>
+          <a:latin typeface="+mn-lt"/>
+          <a:ea typeface="+mn-ea"/>
+          <a:cs typeface="+mn-cs"/>
+        </a:defRPr>
+      </a:lvl3pPr>
+      <a:lvl4pPr marL="1371600" algn="l" defTabSz="457200" rtl="0" eaLnBrk="1" latinLnBrk="0" hangingPunct="1">
+        <a:defRPr sz="1800" kern="1200">
+          <a:solidFill>
+            <a:schemeClr val="tx1"/>
+          </a:solidFill>
+          <a:latin typeface="+mn-lt"/>
+          <a:ea typeface="+mn-ea"/>
+          <a:cs typeface="+mn-cs"/>
+        </a:defRPr>
+      </a:lvl4pPr>
+      <a:lvl5pPr marL="1828800" algn="l" defTabSz="457200" rtl="0" eaLnBrk="1" latinLnBrk="0" hangingPunct="1">
+        <a:defRPr sz="1800" kern="1200">
+          <a:solidFill>
+            <a:schemeClr val="tx1"/>
+          </a:solidFill>
+          <a:latin typeface="+mn-lt"/>
+          <a:ea typeface="+mn-ea"/>
+          <a:cs typeface="+mn-cs"/>
+        </a:defRPr>
+      </a:lvl5pPr>
+      <a:lvl6pPr marL="2286000" algn="l" defTabSz="457200" rtl="0" eaLnBrk="1" latinLnBrk="0" hangingPunct="1">
+        <a:defRPr sz="1800" kern="1200">
+          <a:solidFill>
+            <a:schemeClr val="tx1"/>
+          </a:solidFill>
+          <a:latin typeface="+mn-lt"/>
+          <a:ea typeface="+mn-ea"/>
+          <a:cs typeface="+mn-cs"/>
+        </a:defRPr>
+      </a:lvl6pPr>
+      <a:lvl7pPr marL="2743200" algn="l" defTabSz="457200" rtl="0" eaLnBrk="1" latinLnBrk="0" hangingPunct="1">
+        <a:defRPr sz="1800" kern="1200">
+          <a:solidFill>
+            <a:schemeClr val="tx1"/>
+          </a:solidFill>
+          <a:latin typeface="+mn-lt"/>
+          <a:ea typeface="+mn-ea"/>
+          <a:cs typeface="+mn-cs"/>
+        </a:defRPr>
+      </a:lvl7pPr>
+      <a:lvl8pPr marL="3200400" algn="l" defTabSz="457200" rtl="0" eaLnBrk="1" latinLnBrk="0" hangingPunct="1">
+        <a:defRPr sz="1800" kern="1200">
+          <a:solidFill>
+            <a:schemeClr val="tx1"/>
+          </a:solidFill>
+          <a:latin typeface="+mn-lt"/>
+          <a:ea typeface="+mn-ea"/>
+          <a:cs typeface="+mn-cs"/>
+        </a:defRPr>
+      </a:lvl8pPr>
+      <a:lvl9pPr marL="3657600" algn="l" defTabSz="457200" rtl="0" eaLnBrk="1" latinLnBrk="0" hangingPunct="1">
         <a:defRPr sz="1800" kern="1200">
           <a:solidFill>
             <a:schemeClr val="tx1"/>
@@ -5179,6 +8482,17 @@
 <file path=ppt/slides/slide1.xml><?xml version="1.0" encoding="utf-8"?>
 <p:sld xmlns:a="http://schemas.openxmlformats.org/drawingml/2006/main" xmlns:r="http://schemas.openxmlformats.org/officeDocument/2006/relationships" xmlns:p="http://schemas.openxmlformats.org/presentationml/2006/main">
   <p:cSld>
+    <p:bg>
+      <p:bgPr>
+        <a:blipFill rotWithShape="1">
+          <a:blip r:embed="rId2"/>
+          <a:stretch>
+            <a:fillRect/>
+          </a:stretch>
+        </a:blipFill>
+        <a:effectLst/>
+      </p:bgPr>
+    </p:bg>
     <p:spTree>
       <p:nvGrpSpPr>
         <p:cNvPr id="1" name=""/>
@@ -5209,14 +8523,16 @@
           <a:lstStyle/>
           <a:p>
             <a:r>
-              <a:rPr lang="en-US" dirty="0" err="1" smtClean="0"/>
+              <a:rPr lang="en-US" dirty="0" err="1"/>
               <a:t>SuperBigBite</a:t>
             </a:r>
             <a:r>
-              <a:rPr lang="en-US" dirty="0" smtClean="0"/>
+              <a:rPr lang="en-US" dirty="0"/>
               <a:t> DAQ update</a:t>
             </a:r>
-            <a:endParaRPr lang="en-US" dirty="0"/>
+            <a:endParaRPr lang="en-US" dirty="0">
+              <a:latin typeface="Minion Pro"/>
+            </a:endParaRPr>
           </a:p>
         </p:txBody>
       </p:sp>
@@ -5235,20 +8551,29 @@
           <a:bodyPr/>
           <a:lstStyle/>
           <a:p>
-            <a:endParaRPr lang="en-US"/>
+            <a:endParaRPr lang="en-US" dirty="0">
+              <a:latin typeface="Minion Pro"/>
+            </a:endParaRPr>
           </a:p>
         </p:txBody>
       </p:sp>
     </p:spTree>
     <p:extLst>
       <p:ext uri="{BB962C8B-B14F-4D97-AF65-F5344CB8AC3E}">
-        <p14:creationId xmlns:p14="http://schemas.microsoft.com/office/powerpoint/2010/main" val="988355968"/>
+        <p14:creationId xmlns:p14="http://schemas.microsoft.com/office/powerpoint/2010/main" val="845225159"/>
       </p:ext>
     </p:extLst>
   </p:cSld>
   <p:clrMapOvr>
     <a:masterClrMapping/>
   </p:clrMapOvr>
+  <p:timing>
+    <p:tnLst>
+      <p:par>
+        <p:cTn id="1" dur="indefinite" restart="never" nodeType="tmRoot"/>
+      </p:par>
+    </p:tnLst>
+  </p:timing>
 </p:sld>
 </file>
 
@@ -5454,6 +8779,13 @@
   <p:clrMapOvr>
     <a:masterClrMapping/>
   </p:clrMapOvr>
+  <p:timing>
+    <p:tnLst>
+      <p:par>
+        <p:cTn id="1" dur="indefinite" restart="never" nodeType="tmRoot"/>
+      </p:par>
+    </p:tnLst>
+  </p:timing>
 </p:sld>
 </file>
 
@@ -5565,6 +8897,13 @@
   <p:clrMapOvr>
     <a:masterClrMapping/>
   </p:clrMapOvr>
+  <p:timing>
+    <p:tnLst>
+      <p:par>
+        <p:cTn id="1" dur="indefinite" restart="never" nodeType="tmRoot"/>
+      </p:par>
+    </p:tnLst>
+  </p:timing>
 </p:sld>
 </file>
 
@@ -5748,6 +9087,13 @@
   <p:clrMapOvr>
     <a:masterClrMapping/>
   </p:clrMapOvr>
+  <p:timing>
+    <p:tnLst>
+      <p:par>
+        <p:cTn id="1" dur="indefinite" restart="never" nodeType="tmRoot"/>
+      </p:par>
+    </p:tnLst>
+  </p:timing>
 </p:sld>
 </file>
 
@@ -6366,6 +9712,13 @@
   <p:clrMapOvr>
     <a:masterClrMapping/>
   </p:clrMapOvr>
+  <p:timing>
+    <p:tnLst>
+      <p:par>
+        <p:cTn id="1" dur="indefinite" restart="never" nodeType="tmRoot"/>
+      </p:par>
+    </p:tnLst>
+  </p:timing>
 </p:sld>
 </file>
 
@@ -6426,11 +9779,7 @@
           <a:p>
             <a:r>
               <a:rPr lang="en-US" dirty="0" smtClean="0"/>
-              <a:t>HPS firmware  installed on  FADC and </a:t>
-            </a:r>
-            <a:r>
-              <a:rPr lang="en-US" dirty="0" smtClean="0"/>
-              <a:t>GTP</a:t>
+              <a:t>HPS firmware  installed on  FADC and GTP</a:t>
             </a:r>
           </a:p>
           <a:p>
@@ -6472,7 +9821,6 @@
               <a:rPr lang="en-US" dirty="0" smtClean="0"/>
               <a:t>Test using 2 crates and new VTP</a:t>
             </a:r>
-            <a:endParaRPr lang="en-US" dirty="0" smtClean="0"/>
           </a:p>
           <a:p>
             <a:endParaRPr lang="en-US" dirty="0" smtClean="0"/>
@@ -6492,6 +9840,13 @@
   <p:clrMapOvr>
     <a:masterClrMapping/>
   </p:clrMapOvr>
+  <p:timing>
+    <p:tnLst>
+      <p:par>
+        <p:cTn id="1" dur="indefinite" restart="never" nodeType="tmRoot"/>
+      </p:par>
+    </p:tnLst>
+  </p:timing>
 </p:sld>
 </file>
 
@@ -6547,7 +9902,9 @@
         </p:nvSpPr>
         <p:spPr/>
         <p:txBody>
-          <a:bodyPr/>
+          <a:bodyPr>
+            <a:normAutofit fontScale="92500"/>
+          </a:bodyPr>
           <a:lstStyle/>
           <a:p>
             <a:r>
@@ -6641,6 +9998,13 @@
   <p:clrMapOvr>
     <a:masterClrMapping/>
   </p:clrMapOvr>
+  <p:timing>
+    <p:tnLst>
+      <p:par>
+        <p:cTn id="1" dur="indefinite" restart="never" nodeType="tmRoot"/>
+      </p:par>
+    </p:tnLst>
+  </p:timing>
 </p:sld>
 </file>
 
@@ -6702,7 +10066,7 @@
         </p:spPr>
         <p:txBody>
           <a:bodyPr>
-            <a:normAutofit fontScale="92500"/>
+            <a:normAutofit fontScale="92500" lnSpcReduction="20000"/>
           </a:bodyPr>
           <a:lstStyle/>
           <a:p>
@@ -6714,11 +10078,7 @@
           <a:p>
             <a:r>
               <a:rPr lang="en-US" dirty="0" smtClean="0"/>
-              <a:t>Data structure looks fine but no data from APV</a:t>
-            </a:r>
-            <a:r>
-              <a:rPr lang="en-US" dirty="0" smtClean="0"/>
-              <a:t>  </a:t>
+              <a:t>Data structure looks fine but no data from APV  </a:t>
             </a:r>
           </a:p>
           <a:p>
@@ -6763,6 +10123,13 @@
   <p:clrMapOvr>
     <a:masterClrMapping/>
   </p:clrMapOvr>
+  <p:timing>
+    <p:tnLst>
+      <p:par>
+        <p:cTn id="1" dur="indefinite" restart="never" nodeType="tmRoot"/>
+      </p:par>
+    </p:tnLst>
+  </p:timing>
 </p:sld>
 </file>
 
@@ -6825,11 +10192,7 @@
           <a:p>
             <a:r>
               <a:rPr lang="en-US" dirty="0" smtClean="0"/>
-              <a:t>Aurora protocol </a:t>
-            </a:r>
-            <a:r>
-              <a:rPr lang="en-US" dirty="0" smtClean="0"/>
-              <a:t>based</a:t>
+              <a:t>Aurora protocol based</a:t>
             </a:r>
           </a:p>
           <a:p>
@@ -6855,7 +10218,6 @@
               <a:rPr lang="en-US" dirty="0" smtClean="0"/>
               <a:t>Readout up to 32 MPD in parallel : 8 GB/s bandwidth compared to 100 MB/s using VME</a:t>
             </a:r>
-            <a:endParaRPr lang="en-US" dirty="0" smtClean="0"/>
           </a:p>
           <a:p>
             <a:r>
@@ -6962,14 +10324,14 @@
             <p:ph idx="1"/>
             <p:extLst>
               <p:ext uri="{D42A27DB-BD31-4B8C-83A1-F6EECF244321}">
-                <p14:modId xmlns:p14="http://schemas.microsoft.com/office/powerpoint/2010/main" val="383598450"/>
+                <p14:modId xmlns:p14="http://schemas.microsoft.com/office/powerpoint/2010/main" val="1413580581"/>
               </p:ext>
             </p:extLst>
           </p:nvPr>
         </p:nvGraphicFramePr>
         <p:xfrm>
           <a:off x="304800" y="868681"/>
-          <a:ext cx="8763000" cy="5989319"/>
+          <a:ext cx="8763000" cy="5538751"/>
         </p:xfrm>
         <a:graphic>
           <a:graphicData uri="http://schemas.openxmlformats.org/drawingml/2006/table">
@@ -6981,33 +10343,33 @@
                 <a:gridCol w="2190750">
                   <a:extLst>
                     <a:ext uri="{9D8B030D-6E8A-4147-A177-3AD203B41FA5}">
-                      <a16:colId xmlns:a16="http://schemas.microsoft.com/office/drawing/2014/main" val="2383147881"/>
+                      <a16:colId xmlns:a16="http://schemas.microsoft.com/office/drawing/2014/main" xmlns="" val="2383147881"/>
                     </a:ext>
                   </a:extLst>
                 </a:gridCol>
                 <a:gridCol w="2190750">
                   <a:extLst>
                     <a:ext uri="{9D8B030D-6E8A-4147-A177-3AD203B41FA5}">
-                      <a16:colId xmlns:a16="http://schemas.microsoft.com/office/drawing/2014/main" val="3539225061"/>
+                      <a16:colId xmlns:a16="http://schemas.microsoft.com/office/drawing/2014/main" xmlns="" val="3539225061"/>
                     </a:ext>
                   </a:extLst>
                 </a:gridCol>
                 <a:gridCol w="2190750">
                   <a:extLst>
                     <a:ext uri="{9D8B030D-6E8A-4147-A177-3AD203B41FA5}">
-                      <a16:colId xmlns:a16="http://schemas.microsoft.com/office/drawing/2014/main" val="449586720"/>
+                      <a16:colId xmlns:a16="http://schemas.microsoft.com/office/drawing/2014/main" xmlns="" val="449586720"/>
                     </a:ext>
                   </a:extLst>
                 </a:gridCol>
                 <a:gridCol w="2190750">
                   <a:extLst>
                     <a:ext uri="{9D8B030D-6E8A-4147-A177-3AD203B41FA5}">
-                      <a16:colId xmlns:a16="http://schemas.microsoft.com/office/drawing/2014/main" val="3861353694"/>
+                      <a16:colId xmlns:a16="http://schemas.microsoft.com/office/drawing/2014/main" xmlns="" val="3861353694"/>
                     </a:ext>
                   </a:extLst>
                 </a:gridCol>
               </a:tblGrid>
-              <a:tr h="685799">
+              <a:tr h="633448">
                 <a:tc>
                   <a:txBody>
                     <a:bodyPr/>
@@ -7142,129 +10504,187 @@
                 </a:tc>
                 <a:extLst>
                   <a:ext uri="{0D108BD9-81ED-4DB2-BD59-A6C34878D82A}">
-                    <a16:rowId xmlns:a16="http://schemas.microsoft.com/office/drawing/2014/main" val="660863743"/>
+                    <a16:rowId xmlns:a16="http://schemas.microsoft.com/office/drawing/2014/main" xmlns="" val="660863743"/>
                   </a:ext>
                 </a:extLst>
               </a:tr>
-              <a:tr h="4325836">
+              <a:tr h="4898671">
                 <a:tc>
                   <a:txBody>
                     <a:bodyPr/>
                     <a:lstStyle/>
                     <a:p>
-                      <a:pPr marL="285750" indent="-285750" algn="ctr">
+                      <a:pPr marL="285750" indent="-285750" algn="l">
                         <a:buFont typeface="Arial" panose="020B0604020202020204" pitchFamily="34" charset="0"/>
                         <a:buChar char="•"/>
                       </a:pPr>
                       <a:r>
-                        <a:rPr lang="en-US" dirty="0" smtClean="0"/>
-                        <a:t>Finish MPD CODA readout debugging</a:t>
+                        <a:rPr lang="en-US" sz="1600" dirty="0" smtClean="0"/>
+                        <a:t>Finish MPD CODA </a:t>
                       </a:r>
+                      <a:r>
+                        <a:rPr lang="en-US" sz="1600" dirty="0" smtClean="0"/>
+                        <a:t>readout</a:t>
+                      </a:r>
+                      <a:r>
+                        <a:rPr lang="en-US" sz="1600" baseline="0" dirty="0" smtClean="0"/>
+                        <a:t> - </a:t>
+                      </a:r>
+                      <a:r>
+                        <a:rPr lang="en-US" sz="1600" dirty="0" smtClean="0"/>
+                        <a:t>debug</a:t>
+                      </a:r>
+                      <a:endParaRPr lang="en-US" sz="1600" dirty="0" smtClean="0"/>
                     </a:p>
                     <a:p>
-                      <a:pPr marL="285750" indent="-285750" algn="ctr">
+                      <a:pPr marL="285750" indent="-285750" algn="l">
                         <a:buFont typeface="Arial" panose="020B0604020202020204" pitchFamily="34" charset="0"/>
                         <a:buChar char="•"/>
                       </a:pPr>
                       <a:r>
-                        <a:rPr lang="en-US" dirty="0" smtClean="0"/>
+                        <a:rPr lang="en-US" sz="1600" dirty="0" smtClean="0"/>
                         <a:t>Finish </a:t>
                       </a:r>
                       <a:r>
-                        <a:rPr lang="en-US" dirty="0" err="1" smtClean="0"/>
+                        <a:rPr lang="en-US" sz="1600" dirty="0" err="1" smtClean="0"/>
                         <a:t>Fastbus</a:t>
                       </a:r>
                       <a:r>
-                        <a:rPr lang="en-US" dirty="0" smtClean="0"/>
-                        <a:t> Readout debugging</a:t>
+                        <a:rPr lang="en-US" sz="1600" dirty="0" smtClean="0"/>
+                        <a:t> Readout </a:t>
+                      </a:r>
+                      <a:r>
+                        <a:rPr lang="en-US" sz="1600" dirty="0" smtClean="0"/>
+                        <a:t>– debug</a:t>
                       </a:r>
                     </a:p>
                     <a:p>
-                      <a:pPr marL="285750" indent="-285750" algn="ctr">
+                      <a:pPr marL="285750" indent="-285750" algn="l">
                         <a:buFont typeface="Arial" panose="020B0604020202020204" pitchFamily="34" charset="0"/>
                         <a:buChar char="•"/>
                       </a:pPr>
                       <a:r>
-                        <a:rPr lang="en-US" dirty="0" smtClean="0"/>
-                        <a:t>Small scale setup</a:t>
+                        <a:rPr lang="en-US" sz="1600" dirty="0" smtClean="0"/>
+                        <a:t>Small </a:t>
+                      </a:r>
+                      <a:r>
+                        <a:rPr lang="en-US" sz="1600" dirty="0" smtClean="0"/>
+                        <a:t>scale setup</a:t>
                       </a:r>
                     </a:p>
                     <a:p>
-                      <a:pPr algn="ctr"/>
+                      <a:pPr algn="l"/>
                       <a:r>
-                        <a:rPr lang="en-US" dirty="0" smtClean="0"/>
-                        <a:t>Test 200 KHz L1 and 5 KHz coincidence with </a:t>
+                        <a:rPr lang="en-US" sz="1600" dirty="0" smtClean="0"/>
+                        <a:t>Test </a:t>
+                      </a:r>
+                      <a:endParaRPr lang="en-US" sz="1600" dirty="0" smtClean="0"/>
+                    </a:p>
+                    <a:p>
+                      <a:pPr lvl="1" algn="l"/>
+                      <a:r>
+                        <a:rPr lang="en-US" sz="1600" dirty="0" smtClean="0"/>
+                        <a:t>200 </a:t>
                       </a:r>
                       <a:r>
-                        <a:rPr lang="en-US" dirty="0" err="1" smtClean="0"/>
+                        <a:rPr lang="en-US" sz="1600" dirty="0" smtClean="0"/>
+                        <a:t>KHz L1 and 5 </a:t>
+                      </a:r>
+                      <a:r>
+                        <a:rPr lang="en-US" sz="1600" dirty="0" smtClean="0"/>
+                        <a:t>kHz </a:t>
+                      </a:r>
+                      <a:r>
+                        <a:rPr lang="en-US" sz="1600" dirty="0" err="1" smtClean="0"/>
+                        <a:t>coinc</a:t>
+                      </a:r>
+                      <a:r>
+                        <a:rPr lang="en-US" sz="1600" dirty="0" smtClean="0"/>
+                        <a:t> with </a:t>
+                      </a:r>
+                      <a:r>
+                        <a:rPr lang="en-US" sz="1600" dirty="0" err="1" smtClean="0"/>
                         <a:t>Fastbus</a:t>
                       </a:r>
                       <a:r>
-                        <a:rPr lang="en-US" dirty="0" smtClean="0"/>
-                        <a:t>, MPD and HCAL FADC</a:t>
+                        <a:rPr lang="en-US" sz="1600" dirty="0" smtClean="0"/>
+                        <a:t>, </a:t>
+                      </a:r>
+                      <a:r>
+                        <a:rPr lang="en-US" sz="1600" dirty="0" smtClean="0"/>
+                        <a:t>MPD, </a:t>
+                      </a:r>
+                      <a:r>
+                        <a:rPr lang="en-US" sz="1600" dirty="0" smtClean="0"/>
+                        <a:t>and HCAL FADC</a:t>
                       </a:r>
                     </a:p>
                     <a:p>
-                      <a:pPr marL="285750" indent="-285750" algn="ctr">
+                      <a:pPr marL="285750" indent="-285750" algn="l">
                         <a:buFont typeface="Arial" panose="020B0604020202020204" pitchFamily="34" charset="0"/>
                         <a:buChar char="•"/>
                       </a:pPr>
                       <a:r>
-                        <a:rPr lang="en-US" dirty="0" err="1" smtClean="0"/>
+                        <a:rPr lang="en-US" sz="1600" dirty="0" err="1" smtClean="0"/>
                         <a:t>Cdet</a:t>
                       </a:r>
                       <a:r>
-                        <a:rPr lang="en-US" dirty="0" smtClean="0"/>
+                        <a:rPr lang="en-US" sz="1600" dirty="0" smtClean="0"/>
                         <a:t> </a:t>
                       </a:r>
                       <a:r>
-                        <a:rPr lang="en-US" dirty="0" err="1" smtClean="0"/>
+                        <a:rPr lang="en-US" sz="1600" dirty="0" err="1" smtClean="0"/>
                         <a:t>Fastbus</a:t>
                       </a:r>
-                      <a:endParaRPr lang="en-US" dirty="0" smtClean="0"/>
+                      <a:endParaRPr lang="en-US" sz="1600" dirty="0" smtClean="0"/>
                     </a:p>
                     <a:p>
-                      <a:pPr marL="285750" indent="-285750" algn="ctr">
+                      <a:pPr marL="285750" indent="-285750" algn="l">
                         <a:buFont typeface="Arial" panose="020B0604020202020204" pitchFamily="34" charset="0"/>
                         <a:buChar char="•"/>
                       </a:pPr>
                       <a:r>
-                        <a:rPr lang="en-US" dirty="0" smtClean="0"/>
+                        <a:rPr lang="en-US" sz="1600" dirty="0" smtClean="0"/>
                         <a:t>Analysis software : check</a:t>
                       </a:r>
                       <a:r>
-                        <a:rPr lang="en-US" baseline="0" dirty="0" smtClean="0"/>
+                        <a:rPr lang="en-US" sz="1600" baseline="0" dirty="0" smtClean="0"/>
                         <a:t> </a:t>
                       </a:r>
                       <a:r>
-                        <a:rPr lang="en-US" dirty="0" smtClean="0"/>
-                        <a:t>synchronization</a:t>
+                        <a:rPr lang="en-US" sz="1600" baseline="0" dirty="0" smtClean="0"/>
+                        <a:t>s</a:t>
                       </a:r>
+                      <a:r>
+                        <a:rPr lang="en-US" sz="1600" dirty="0" smtClean="0"/>
+                        <a:t>ynchronization</a:t>
+                      </a:r>
+                      <a:endParaRPr lang="en-US" sz="1600" dirty="0" smtClean="0"/>
                     </a:p>
                     <a:p>
-                      <a:pPr marL="285750" indent="-285750" algn="ctr">
+                      <a:pPr marL="285750" indent="-285750" algn="l">
                         <a:buFont typeface="Arial" panose="020B0604020202020204" pitchFamily="34" charset="0"/>
                         <a:buChar char="•"/>
                       </a:pPr>
                       <a:r>
-                        <a:rPr lang="en-US" dirty="0" smtClean="0"/>
+                        <a:rPr lang="en-US" sz="1600" dirty="0" smtClean="0"/>
                         <a:t>Test MPD optical readout</a:t>
                       </a:r>
                     </a:p>
                     <a:p>
-                      <a:pPr marL="285750" indent="-285750" algn="ctr">
+                      <a:pPr marL="285750" indent="-285750" algn="l">
                         <a:buFont typeface="Arial" panose="020B0604020202020204" pitchFamily="34" charset="0"/>
                         <a:buChar char="•"/>
                       </a:pPr>
                       <a:r>
-                        <a:rPr lang="en-US" dirty="0" smtClean="0"/>
+                        <a:rPr lang="en-US" sz="1600" dirty="0" smtClean="0"/>
                         <a:t>HCAL</a:t>
                       </a:r>
                       <a:r>
-                        <a:rPr lang="en-US" baseline="0" dirty="0" smtClean="0"/>
+                        <a:rPr lang="en-US" sz="1600" baseline="0" dirty="0" smtClean="0"/>
                         <a:t> trigger ordered</a:t>
                       </a:r>
-                      <a:endParaRPr lang="en-US" dirty="0"/>
+                      <a:endParaRPr lang="en-US" sz="1600" dirty="0"/>
                     </a:p>
                   </a:txBody>
                   <a:tcPr/>
@@ -7274,7 +10694,7 @@
                     <a:bodyPr/>
                     <a:lstStyle/>
                     <a:p>
-                      <a:pPr marL="285750" indent="-285750" algn="ctr">
+                      <a:pPr marL="285750" indent="-285750" algn="l">
                         <a:buFont typeface="Arial" panose="020B0604020202020204" pitchFamily="34" charset="0"/>
                         <a:buChar char="•"/>
                       </a:pPr>
@@ -7284,7 +10704,7 @@
                       </a:r>
                     </a:p>
                     <a:p>
-                      <a:pPr marL="285750" indent="-285750" algn="ctr">
+                      <a:pPr marL="285750" indent="-285750" algn="l">
                         <a:buFont typeface="Arial" panose="020B0604020202020204" pitchFamily="34" charset="0"/>
                         <a:buChar char="•"/>
                       </a:pPr>
@@ -7299,7 +10719,7 @@
                       <a:endParaRPr lang="en-US" dirty="0" smtClean="0"/>
                     </a:p>
                     <a:p>
-                      <a:pPr marL="285750" indent="-285750" algn="ctr">
+                      <a:pPr marL="285750" indent="-285750" algn="l">
                         <a:buFont typeface="Arial" panose="020B0604020202020204" pitchFamily="34" charset="0"/>
                         <a:buChar char="•"/>
                       </a:pPr>
@@ -7321,14 +10741,14 @@
                       </a:r>
                     </a:p>
                     <a:p>
-                      <a:pPr marL="285750" indent="-285750" algn="ctr">
+                      <a:pPr marL="285750" indent="-285750" algn="l">
                         <a:buFont typeface="Arial" panose="020B0604020202020204" pitchFamily="34" charset="0"/>
                         <a:buChar char="•"/>
                       </a:pPr>
                       <a:endParaRPr lang="en-US" baseline="0" dirty="0" smtClean="0"/>
                     </a:p>
                     <a:p>
-                      <a:pPr marL="285750" indent="-285750" algn="ctr">
+                      <a:pPr marL="285750" indent="-285750" algn="l">
                         <a:buFont typeface="Arial" panose="020B0604020202020204" pitchFamily="34" charset="0"/>
                         <a:buChar char="•"/>
                       </a:pPr>
@@ -7338,7 +10758,7 @@
                       </a:r>
                     </a:p>
                     <a:p>
-                      <a:pPr marL="285750" indent="-285750" algn="ctr">
+                      <a:pPr marL="285750" indent="-285750" algn="l">
                         <a:buFont typeface="Arial" panose="020B0604020202020204" pitchFamily="34" charset="0"/>
                         <a:buChar char="•"/>
                       </a:pPr>
@@ -7348,19 +10768,19 @@
                       </a:r>
                     </a:p>
                     <a:p>
-                      <a:pPr algn="ctr"/>
+                      <a:pPr algn="l"/>
                       <a:endParaRPr lang="en-US" baseline="0" dirty="0" smtClean="0"/>
                     </a:p>
                     <a:p>
-                      <a:pPr algn="ctr"/>
+                      <a:pPr algn="l"/>
                       <a:endParaRPr lang="en-US" baseline="0" dirty="0" smtClean="0"/>
                     </a:p>
                     <a:p>
-                      <a:pPr algn="ctr"/>
+                      <a:pPr algn="l"/>
                       <a:endParaRPr lang="en-US" baseline="0" dirty="0" smtClean="0"/>
                     </a:p>
                     <a:p>
-                      <a:pPr algn="ctr"/>
+                      <a:pPr algn="l"/>
                       <a:endParaRPr lang="en-US" dirty="0"/>
                     </a:p>
                   </a:txBody>
@@ -7371,7 +10791,7 @@
                     <a:bodyPr/>
                     <a:lstStyle/>
                     <a:p>
-                      <a:pPr marL="285750" marR="0" indent="-285750" algn="ctr" defTabSz="914400" rtl="0" eaLnBrk="1" fontAlgn="auto" latinLnBrk="0" hangingPunct="1">
+                      <a:pPr marL="285750" marR="0" indent="-285750" algn="l" defTabSz="914400" rtl="0" eaLnBrk="1" fontAlgn="auto" latinLnBrk="0" hangingPunct="1">
                         <a:lnSpc>
                           <a:spcPct val="100000"/>
                         </a:lnSpc>
@@ -7403,11 +10823,11 @@
                       <a:endParaRPr lang="en-US" dirty="0" smtClean="0"/>
                     </a:p>
                     <a:p>
-                      <a:pPr algn="ctr"/>
+                      <a:pPr algn="l"/>
                       <a:endParaRPr lang="en-US" dirty="0" smtClean="0"/>
                     </a:p>
                     <a:p>
-                      <a:pPr marL="285750" indent="-285750" algn="ctr">
+                      <a:pPr marL="285750" indent="-285750" algn="l">
                         <a:buFont typeface="Arial" panose="020B0604020202020204" pitchFamily="34" charset="0"/>
                         <a:buChar char="•"/>
                       </a:pPr>
@@ -7426,14 +10846,14 @@
                       <a:endParaRPr lang="en-US" dirty="0" smtClean="0"/>
                     </a:p>
                     <a:p>
-                      <a:pPr marL="285750" indent="-285750" algn="ctr">
+                      <a:pPr marL="285750" indent="-285750" algn="l">
                         <a:buFont typeface="Arial" panose="020B0604020202020204" pitchFamily="34" charset="0"/>
                         <a:buChar char="•"/>
                       </a:pPr>
                       <a:endParaRPr lang="en-US" dirty="0" smtClean="0"/>
                     </a:p>
                     <a:p>
-                      <a:pPr marL="285750" marR="0" indent="-285750" algn="ctr" defTabSz="914400" rtl="0" eaLnBrk="1" fontAlgn="auto" latinLnBrk="0" hangingPunct="1">
+                      <a:pPr marL="285750" marR="0" indent="-285750" algn="l" defTabSz="914400" rtl="0" eaLnBrk="1" fontAlgn="auto" latinLnBrk="0" hangingPunct="1">
                         <a:lnSpc>
                           <a:spcPct val="100000"/>
                         </a:lnSpc>
@@ -7464,7 +10884,7 @@
                       </a:r>
                     </a:p>
                     <a:p>
-                      <a:pPr marL="0" indent="0" algn="ctr">
+                      <a:pPr marL="0" indent="0" algn="l">
                         <a:buFont typeface="Arial" panose="020B0604020202020204" pitchFamily="34" charset="0"/>
                         <a:buNone/>
                       </a:pPr>
@@ -7478,7 +10898,7 @@
                     <a:bodyPr/>
                     <a:lstStyle/>
                     <a:p>
-                      <a:pPr marL="285750" indent="-285750" algn="ctr">
+                      <a:pPr marL="285750" indent="-285750" algn="l">
                         <a:buFont typeface="Arial" panose="020B0604020202020204" pitchFamily="34" charset="0"/>
                         <a:buChar char="•"/>
                       </a:pPr>
@@ -7488,7 +10908,7 @@
                       </a:r>
                     </a:p>
                     <a:p>
-                      <a:pPr marL="285750" marR="0" indent="-285750" algn="ctr" defTabSz="914400" rtl="0" eaLnBrk="1" fontAlgn="auto" latinLnBrk="0" hangingPunct="1">
+                      <a:pPr marL="285750" marR="0" indent="-285750" algn="l" defTabSz="914400" rtl="0" eaLnBrk="1" fontAlgn="auto" latinLnBrk="0" hangingPunct="1">
                         <a:lnSpc>
                           <a:spcPct val="100000"/>
                         </a:lnSpc>
@@ -7519,7 +10939,7 @@
                       </a:r>
                     </a:p>
                     <a:p>
-                      <a:pPr marL="0" indent="0" algn="ctr">
+                      <a:pPr marL="0" indent="0" algn="l">
                         <a:buFont typeface="Arial" panose="020B0604020202020204" pitchFamily="34" charset="0"/>
                         <a:buNone/>
                       </a:pPr>
@@ -7530,7 +10950,7 @@
                 </a:tc>
                 <a:extLst>
                   <a:ext uri="{0D108BD9-81ED-4DB2-BD59-A6C34878D82A}">
-                    <a16:rowId xmlns:a16="http://schemas.microsoft.com/office/drawing/2014/main" val="85563496"/>
+                    <a16:rowId xmlns:a16="http://schemas.microsoft.com/office/drawing/2014/main" xmlns="" val="85563496"/>
                   </a:ext>
                 </a:extLst>
               </a:tr>
@@ -7592,7 +11012,7 @@
           <a:p>
             <a:r>
               <a:rPr lang="en-US" dirty="0" smtClean="0"/>
-              <a:t>Man power</a:t>
+              <a:t>Manpower</a:t>
             </a:r>
             <a:endParaRPr lang="en-US" dirty="0"/>
           </a:p>
@@ -7608,10 +11028,15 @@
             <p:ph idx="1"/>
           </p:nvPr>
         </p:nvSpPr>
-        <p:spPr/>
+        <p:spPr>
+          <a:xfrm>
+            <a:off x="457200" y="990600"/>
+            <a:ext cx="8229600" cy="4876800"/>
+          </a:xfrm>
+        </p:spPr>
         <p:txBody>
           <a:bodyPr>
-            <a:normAutofit fontScale="92500" lnSpcReduction="10000"/>
+            <a:normAutofit fontScale="85000" lnSpcReduction="20000"/>
           </a:bodyPr>
           <a:lstStyle/>
           <a:p>
@@ -7619,13 +11044,17 @@
               <a:rPr lang="en-US" dirty="0" err="1" smtClean="0"/>
               <a:t>Fastbus</a:t>
             </a:r>
-            <a:endParaRPr lang="en-US" dirty="0" smtClean="0"/>
+            <a:endParaRPr lang="en-US" dirty="0"/>
           </a:p>
           <a:p>
             <a:pPr lvl="1"/>
             <a:r>
               <a:rPr lang="en-US" dirty="0" smtClean="0"/>
-              <a:t>JLAB : </a:t>
+              <a:t>JLAB </a:t>
+            </a:r>
+            <a:r>
+              <a:rPr lang="en-US" dirty="0" smtClean="0"/>
+              <a:t>: </a:t>
             </a:r>
             <a:r>
               <a:rPr lang="en-US" dirty="0" err="1" smtClean="0"/>
@@ -7641,7 +11070,22 @@
             </a:r>
             <a:r>
               <a:rPr lang="en-US" dirty="0" smtClean="0"/>
-              <a:t>, Mark Jones, Robert Michaels, Bryan </a:t>
+              <a:t>, Mark Jones, </a:t>
+            </a:r>
+            <a:r>
+              <a:rPr lang="en-US" dirty="0" smtClean="0"/>
+              <a:t/>
+            </a:r>
+            <a:br>
+              <a:rPr lang="en-US" dirty="0" smtClean="0"/>
+            </a:br>
+            <a:r>
+              <a:rPr lang="en-US" dirty="0" smtClean="0"/>
+              <a:t>Robert Michaels</a:t>
+            </a:r>
+            <a:r>
+              <a:rPr lang="en-US" dirty="0" smtClean="0"/>
+              <a:t>, Bryan </a:t>
             </a:r>
             <a:r>
               <a:rPr lang="en-US" dirty="0" err="1" smtClean="0"/>
@@ -7655,6 +11099,13 @@
               <a:rPr lang="en-US" dirty="0" err="1" smtClean="0"/>
               <a:t>Gu</a:t>
             </a:r>
+            <a:r>
+              <a:rPr lang="en-US" dirty="0" smtClean="0"/>
+              <a:t/>
+            </a:r>
+            <a:br>
+              <a:rPr lang="en-US" dirty="0" smtClean="0"/>
+            </a:br>
             <a:endParaRPr lang="en-US" dirty="0" smtClean="0"/>
           </a:p>
           <a:p>
@@ -7723,15 +11174,19 @@
             </a:r>
             <a:r>
               <a:rPr lang="en-US" dirty="0" err="1" smtClean="0"/>
-              <a:t>Linayage</a:t>
-            </a:r>
-            <a:endParaRPr lang="en-US" dirty="0" smtClean="0"/>
+              <a:t>Liyanage</a:t>
+            </a:r>
+            <a:endParaRPr lang="en-US" dirty="0"/>
           </a:p>
           <a:p>
             <a:pPr lvl="1"/>
             <a:r>
               <a:rPr lang="en-US" dirty="0" smtClean="0"/>
-              <a:t>JLAB : Ben </a:t>
+              <a:t>JLAB </a:t>
+            </a:r>
+            <a:r>
+              <a:rPr lang="en-US" dirty="0" smtClean="0"/>
+              <a:t>: Ben </a:t>
             </a:r>
             <a:r>
               <a:rPr lang="en-US" dirty="0" err="1" smtClean="0"/>
@@ -7751,8 +11206,16 @@
             <a:pPr lvl="1"/>
             <a:r>
               <a:rPr lang="en-US" dirty="0" smtClean="0"/>
-              <a:t>Stony Brook : Seamus Riordan</a:t>
-            </a:r>
+              <a:t>Stony Brook : Seamus </a:t>
+            </a:r>
+            <a:r>
+              <a:rPr lang="en-US" dirty="0" smtClean="0"/>
+              <a:t>Riordan</a:t>
+            </a:r>
+            <a:br>
+              <a:rPr lang="en-US" dirty="0" smtClean="0"/>
+            </a:br>
+            <a:endParaRPr lang="en-US" dirty="0" smtClean="0"/>
           </a:p>
           <a:p>
             <a:r>
@@ -7772,7 +11235,18 @@
             </a:r>
             <a:r>
               <a:rPr lang="en-US" dirty="0" smtClean="0"/>
-              <a:t>, Bryan </a:t>
+              <a:t>, </a:t>
+            </a:r>
+            <a:r>
+              <a:rPr lang="en-US" dirty="0" smtClean="0"/>
+              <a:t/>
+            </a:r>
+            <a:br>
+              <a:rPr lang="en-US" dirty="0" smtClean="0"/>
+            </a:br>
+            <a:r>
+              <a:rPr lang="en-US" dirty="0" smtClean="0"/>
+              <a:t>Bryan </a:t>
             </a:r>
             <a:r>
               <a:rPr lang="en-US" dirty="0" err="1" smtClean="0"/>
@@ -7896,7 +11370,6 @@
               <a:rPr lang="en-US" dirty="0" smtClean="0"/>
               <a:t>Manpower</a:t>
             </a:r>
-            <a:endParaRPr lang="en-US" dirty="0" smtClean="0"/>
           </a:p>
           <a:p>
             <a:endParaRPr lang="en-US" dirty="0"/>
@@ -7913,6 +11386,13 @@
   <p:clrMapOvr>
     <a:masterClrMapping/>
   </p:clrMapOvr>
+  <p:timing>
+    <p:tnLst>
+      <p:par>
+        <p:cTn id="1" dur="indefinite" restart="never" nodeType="tmRoot"/>
+      </p:par>
+    </p:tnLst>
+  </p:timing>
 </p:sld>
 </file>
 
@@ -7969,7 +11449,7 @@
         <p:spPr/>
         <p:txBody>
           <a:bodyPr>
-            <a:normAutofit fontScale="92500"/>
+            <a:normAutofit fontScale="92500" lnSpcReduction="20000"/>
           </a:bodyPr>
           <a:lstStyle/>
           <a:p>
@@ -8023,6 +11503,13 @@
   <p:clrMapOvr>
     <a:masterClrMapping/>
   </p:clrMapOvr>
+  <p:timing>
+    <p:tnLst>
+      <p:par>
+        <p:cTn id="1" dur="indefinite" restart="never" nodeType="tmRoot"/>
+      </p:par>
+    </p:tnLst>
+  </p:timing>
 </p:sld>
 </file>
 
@@ -8066,119 +11553,294 @@
           </a:p>
         </p:txBody>
       </p:sp>
-      <p:sp>
-        <p:nvSpPr>
-          <p:cNvPr id="3" name="Content Placeholder 2"/>
-          <p:cNvSpPr>
-            <a:spLocks noGrp="1"/>
-          </p:cNvSpPr>
-          <p:nvPr>
-            <p:ph idx="1"/>
-          </p:nvPr>
-        </p:nvSpPr>
-        <p:spPr/>
-        <p:txBody>
-          <a:bodyPr>
-            <a:normAutofit fontScale="92500" lnSpcReduction="10000"/>
-          </a:bodyPr>
-          <a:lstStyle/>
-          <a:p>
-            <a:r>
-              <a:rPr lang="en-US" dirty="0" smtClean="0"/>
-              <a:t>Gep5</a:t>
-            </a:r>
-          </a:p>
-          <a:p>
-            <a:pPr lvl="1"/>
-            <a:r>
-              <a:rPr lang="en-US" dirty="0" smtClean="0"/>
-              <a:t>200 KHz </a:t>
-            </a:r>
-            <a:r>
-              <a:rPr lang="en-US" dirty="0" smtClean="0"/>
-              <a:t>L1, 3KHz of L2 </a:t>
-            </a:r>
-            <a:r>
-              <a:rPr lang="en-US" dirty="0" smtClean="0"/>
-              <a:t>Electromagnetic Calorimeter Fastbus</a:t>
-            </a:r>
-          </a:p>
-          <a:p>
-            <a:pPr lvl="1"/>
-            <a:r>
-              <a:rPr lang="en-US" dirty="0" smtClean="0"/>
-              <a:t>Coordinate detector </a:t>
-            </a:r>
-            <a:r>
-              <a:rPr lang="en-US" dirty="0" err="1" smtClean="0"/>
-              <a:t>Fastbus</a:t>
-            </a:r>
-            <a:r>
-              <a:rPr lang="en-US" dirty="0" smtClean="0"/>
-              <a:t> readout 1877S</a:t>
-            </a:r>
-            <a:endParaRPr lang="en-US" dirty="0" smtClean="0"/>
-          </a:p>
-          <a:p>
-            <a:pPr lvl="1"/>
-            <a:r>
-              <a:rPr lang="en-US" dirty="0" smtClean="0"/>
-              <a:t>GEM readout VME</a:t>
-            </a:r>
-          </a:p>
-          <a:p>
-            <a:pPr lvl="1"/>
-            <a:r>
-              <a:rPr lang="en-US" dirty="0" smtClean="0"/>
-              <a:t>HCAL trigger pipeline FADC and L2 trigger</a:t>
-            </a:r>
-          </a:p>
-          <a:p>
-            <a:r>
-              <a:rPr lang="en-US" dirty="0" err="1" smtClean="0"/>
-              <a:t>GEn</a:t>
-            </a:r>
-            <a:r>
-              <a:rPr lang="en-US" dirty="0" smtClean="0"/>
-              <a:t> / </a:t>
-            </a:r>
-            <a:r>
-              <a:rPr lang="en-US" dirty="0" err="1" smtClean="0"/>
-              <a:t>GMp</a:t>
-            </a:r>
-            <a:endParaRPr lang="en-US" dirty="0" smtClean="0"/>
-          </a:p>
-          <a:p>
-            <a:pPr lvl="1"/>
-            <a:r>
-              <a:rPr lang="en-US" dirty="0" err="1" smtClean="0"/>
-              <a:t>Bigbite</a:t>
-            </a:r>
-            <a:r>
-              <a:rPr lang="en-US" dirty="0" smtClean="0"/>
-              <a:t> readout Fastbus</a:t>
-            </a:r>
-          </a:p>
-          <a:p>
-            <a:pPr lvl="1"/>
-            <a:r>
-              <a:rPr lang="en-US" dirty="0" smtClean="0"/>
-              <a:t>HCAL as neutron detector using FADC and high resolution </a:t>
-            </a:r>
-            <a:r>
-              <a:rPr lang="en-US" dirty="0" smtClean="0"/>
-              <a:t>TDC</a:t>
-            </a:r>
-          </a:p>
-          <a:p>
-            <a:pPr lvl="1"/>
-            <a:endParaRPr lang="en-US" dirty="0" smtClean="0"/>
-          </a:p>
-          <a:p>
-            <a:endParaRPr lang="en-US" dirty="0"/>
-          </a:p>
-        </p:txBody>
-      </p:sp>
+      <mc:AlternateContent xmlns:mc="http://schemas.openxmlformats.org/markup-compatibility/2006">
+        <mc:Choice xmlns:a14="http://schemas.microsoft.com/office/drawing/2010/main" Requires="a14">
+          <p:sp>
+            <p:nvSpPr>
+              <p:cNvPr id="3" name="Content Placeholder 2"/>
+              <p:cNvSpPr>
+                <a:spLocks noGrp="1"/>
+              </p:cNvSpPr>
+              <p:nvPr>
+                <p:ph idx="1"/>
+              </p:nvPr>
+            </p:nvSpPr>
+            <p:spPr>
+              <a:xfrm>
+                <a:off x="457200" y="1066800"/>
+                <a:ext cx="8229600" cy="4525963"/>
+              </a:xfrm>
+            </p:spPr>
+            <p:txBody>
+              <a:bodyPr>
+                <a:normAutofit fontScale="92500" lnSpcReduction="20000"/>
+              </a:bodyPr>
+              <a:lstStyle/>
+              <a:p>
+                <a14:m>
+                  <m:oMath xmlns:m="http://schemas.openxmlformats.org/officeDocument/2006/math">
+                    <m:sSubSup>
+                      <m:sSubSupPr>
+                        <m:ctrlPr>
+                          <a:rPr lang="en-US" b="0" i="1" smtClean="0">
+                            <a:latin typeface="Cambria Math"/>
+                          </a:rPr>
+                        </m:ctrlPr>
+                      </m:sSubSupPr>
+                      <m:e>
+                        <m:r>
+                          <a:rPr lang="en-US" b="0" i="1" smtClean="0">
+                            <a:latin typeface="Cambria Math"/>
+                          </a:rPr>
+                          <m:t>𝐺</m:t>
+                        </m:r>
+                      </m:e>
+                      <m:sub>
+                        <m:r>
+                          <a:rPr lang="en-US" b="0" i="1" smtClean="0">
+                            <a:latin typeface="Cambria Math"/>
+                          </a:rPr>
+                          <m:t> </m:t>
+                        </m:r>
+                        <m:r>
+                          <a:rPr lang="en-US" b="0" i="1" smtClean="0">
+                            <a:latin typeface="Cambria Math"/>
+                          </a:rPr>
+                          <m:t>𝐸</m:t>
+                        </m:r>
+                      </m:sub>
+                      <m:sup>
+                        <m:r>
+                          <a:rPr lang="en-US" b="0" i="1" smtClean="0">
+                            <a:latin typeface="Cambria Math"/>
+                          </a:rPr>
+                          <m:t>𝑝</m:t>
+                        </m:r>
+                      </m:sup>
+                    </m:sSubSup>
+                  </m:oMath>
+                </a14:m>
+                <a:endParaRPr lang="en-US" dirty="0" smtClean="0"/>
+              </a:p>
+              <a:p>
+                <a:pPr lvl="1"/>
+                <a:r>
+                  <a:rPr lang="en-US" dirty="0" smtClean="0"/>
+                  <a:t>200 </a:t>
+                </a:r>
+                <a:r>
+                  <a:rPr lang="en-US" dirty="0" smtClean="0"/>
+                  <a:t>kHz </a:t>
+                </a:r>
+                <a:r>
+                  <a:rPr lang="en-US" dirty="0" smtClean="0"/>
+                  <a:t>L1, </a:t>
+                </a:r>
+                <a:r>
+                  <a:rPr lang="en-US" dirty="0" smtClean="0"/>
+                  <a:t>3 kHz </a:t>
+                </a:r>
+                <a:r>
+                  <a:rPr lang="en-US" dirty="0" smtClean="0"/>
+                  <a:t>of L2 Electromagnetic Calorimeter Fastbus</a:t>
+                </a:r>
+              </a:p>
+              <a:p>
+                <a:pPr lvl="1"/>
+                <a:r>
+                  <a:rPr lang="en-US" dirty="0" smtClean="0"/>
+                  <a:t>Coordinate detector </a:t>
+                </a:r>
+                <a:r>
+                  <a:rPr lang="en-US" dirty="0" err="1" smtClean="0"/>
+                  <a:t>Fastbus</a:t>
+                </a:r>
+                <a:r>
+                  <a:rPr lang="en-US" dirty="0" smtClean="0"/>
+                  <a:t> readout 1877S</a:t>
+                </a:r>
+              </a:p>
+              <a:p>
+                <a:pPr lvl="1"/>
+                <a:r>
+                  <a:rPr lang="en-US" dirty="0" smtClean="0"/>
+                  <a:t>GEM readout VME</a:t>
+                </a:r>
+              </a:p>
+              <a:p>
+                <a:pPr lvl="1"/>
+                <a:r>
+                  <a:rPr lang="en-US" dirty="0" smtClean="0"/>
+                  <a:t>HCAL trigger pipeline FADC and L2 </a:t>
+                </a:r>
+                <a:r>
+                  <a:rPr lang="en-US" dirty="0" smtClean="0"/>
+                  <a:t>trigger</a:t>
+                </a:r>
+                <a:br>
+                  <a:rPr lang="en-US" dirty="0" smtClean="0"/>
+                </a:br>
+                <a:endParaRPr lang="en-US" dirty="0" smtClean="0"/>
+              </a:p>
+              <a:p>
+                <a14:m>
+                  <m:oMath xmlns:m="http://schemas.openxmlformats.org/officeDocument/2006/math">
+                    <m:sSubSup>
+                      <m:sSubSupPr>
+                        <m:ctrlPr>
+                          <a:rPr lang="en-US" i="1" smtClean="0">
+                            <a:latin typeface="Cambria Math"/>
+                          </a:rPr>
+                        </m:ctrlPr>
+                      </m:sSubSupPr>
+                      <m:e>
+                        <m:r>
+                          <a:rPr lang="en-US" b="0" i="1" smtClean="0">
+                            <a:latin typeface="Cambria Math"/>
+                          </a:rPr>
+                          <m:t>𝐺</m:t>
+                        </m:r>
+                      </m:e>
+                      <m:sub>
+                        <m:r>
+                          <a:rPr lang="en-US" b="0" i="1" smtClean="0">
+                            <a:latin typeface="Cambria Math"/>
+                          </a:rPr>
+                          <m:t> </m:t>
+                        </m:r>
+                        <m:r>
+                          <a:rPr lang="en-US" b="0" i="1" smtClean="0">
+                            <a:latin typeface="Cambria Math"/>
+                          </a:rPr>
+                          <m:t>𝐸</m:t>
+                        </m:r>
+                      </m:sub>
+                      <m:sup>
+                        <m:r>
+                          <a:rPr lang="en-US" b="0" i="1" smtClean="0">
+                            <a:latin typeface="Cambria Math"/>
+                          </a:rPr>
+                          <m:t>𝑛</m:t>
+                        </m:r>
+                      </m:sup>
+                    </m:sSubSup>
+                  </m:oMath>
+                </a14:m>
+                <a:r>
+                  <a:rPr lang="en-US" dirty="0" smtClean="0"/>
+                  <a:t>/ </a:t>
+                </a:r>
+                <a14:m>
+                  <m:oMath xmlns:m="http://schemas.openxmlformats.org/officeDocument/2006/math">
+                    <m:sSubSup>
+                      <m:sSubSupPr>
+                        <m:ctrlPr>
+                          <a:rPr lang="en-US" i="1" dirty="0" smtClean="0">
+                            <a:latin typeface="Cambria Math"/>
+                          </a:rPr>
+                        </m:ctrlPr>
+                      </m:sSubSupPr>
+                      <m:e>
+                        <m:r>
+                          <a:rPr lang="en-US" b="0" i="1" dirty="0" smtClean="0">
+                            <a:latin typeface="Cambria Math"/>
+                          </a:rPr>
+                          <m:t>𝐺</m:t>
+                        </m:r>
+                      </m:e>
+                      <m:sub>
+                        <m:r>
+                          <a:rPr lang="en-US" b="0" i="1" dirty="0" smtClean="0">
+                            <a:latin typeface="Cambria Math"/>
+                          </a:rPr>
+                          <m:t> </m:t>
+                        </m:r>
+                        <m:r>
+                          <a:rPr lang="en-US" b="0" i="1" dirty="0" smtClean="0">
+                            <a:latin typeface="Cambria Math"/>
+                          </a:rPr>
+                          <m:t>𝑀</m:t>
+                        </m:r>
+                      </m:sub>
+                      <m:sup>
+                        <m:r>
+                          <a:rPr lang="en-US" b="0" i="1" dirty="0" smtClean="0">
+                            <a:latin typeface="Cambria Math"/>
+                          </a:rPr>
+                          <m:t>𝑛</m:t>
+                        </m:r>
+                      </m:sup>
+                    </m:sSubSup>
+                  </m:oMath>
+                </a14:m>
+                <a:endParaRPr lang="en-US" dirty="0" smtClean="0"/>
+              </a:p>
+              <a:p>
+                <a:pPr lvl="1"/>
+                <a:r>
+                  <a:rPr lang="en-US" dirty="0" err="1" smtClean="0"/>
+                  <a:t>Bigbite</a:t>
+                </a:r>
+                <a:r>
+                  <a:rPr lang="en-US" dirty="0" smtClean="0"/>
+                  <a:t> readout Fastbus</a:t>
+                </a:r>
+              </a:p>
+              <a:p>
+                <a:pPr lvl="1"/>
+                <a:r>
+                  <a:rPr lang="en-US" dirty="0" smtClean="0"/>
+                  <a:t>HCAL as neutron detector using FADC and high resolution TDC</a:t>
+                </a:r>
+              </a:p>
+              <a:p>
+                <a:pPr lvl="1"/>
+                <a:endParaRPr lang="en-US" dirty="0" smtClean="0"/>
+              </a:p>
+              <a:p>
+                <a:endParaRPr lang="en-US" dirty="0"/>
+              </a:p>
+            </p:txBody>
+          </p:sp>
+        </mc:Choice>
+        <mc:Fallback>
+          <p:sp>
+            <p:nvSpPr>
+              <p:cNvPr id="3" name="Content Placeholder 2"/>
+              <p:cNvSpPr>
+                <a:spLocks noGrp="1" noRot="1" noChangeAspect="1" noMove="1" noResize="1" noEditPoints="1" noAdjustHandles="1" noChangeArrowheads="1" noChangeShapeType="1" noTextEdit="1"/>
+              </p:cNvSpPr>
+              <p:nvPr>
+                <p:ph idx="1"/>
+              </p:nvPr>
+            </p:nvSpPr>
+            <p:spPr>
+              <a:xfrm>
+                <a:off x="457200" y="1066800"/>
+                <a:ext cx="8229600" cy="4525963"/>
+              </a:xfrm>
+              <a:blipFill rotWithShape="1">
+                <a:blip r:embed="rId2"/>
+                <a:stretch>
+                  <a:fillRect b="-135"/>
+                </a:stretch>
+              </a:blipFill>
+            </p:spPr>
+            <p:txBody>
+              <a:bodyPr/>
+              <a:lstStyle/>
+              <a:p>
+                <a:r>
+                  <a:rPr lang="en-US">
+                    <a:noFill/>
+                  </a:rPr>
+                  <a:t> </a:t>
+                </a:r>
+              </a:p>
+            </p:txBody>
+          </p:sp>
+        </mc:Fallback>
+      </mc:AlternateContent>
     </p:spTree>
     <p:extLst>
       <p:ext uri="{BB962C8B-B14F-4D97-AF65-F5344CB8AC3E}">
@@ -8189,6 +11851,13 @@
   <p:clrMapOvr>
     <a:masterClrMapping/>
   </p:clrMapOvr>
+  <p:timing>
+    <p:tnLst>
+      <p:par>
+        <p:cTn id="1" dur="indefinite" restart="never" nodeType="tmRoot"/>
+      </p:par>
+    </p:tnLst>
+  </p:timing>
 </p:sld>
 </file>
 
@@ -8244,13 +11913,13 @@
         </p:nvSpPr>
         <p:spPr>
           <a:xfrm>
-            <a:off x="457200" y="1371600"/>
+            <a:off x="457200" y="1143000"/>
             <a:ext cx="8229600" cy="4525963"/>
           </a:xfrm>
         </p:spPr>
         <p:txBody>
           <a:bodyPr>
-            <a:normAutofit lnSpcReduction="10000"/>
+            <a:normAutofit fontScale="92500" lnSpcReduction="20000"/>
           </a:bodyPr>
           <a:lstStyle/>
           <a:p>
@@ -8284,8 +11953,15 @@
             <a:pPr lvl="1"/>
             <a:r>
               <a:rPr lang="en-US" dirty="0" smtClean="0"/>
-              <a:t>Trigger partitioning capability only use a subset of modules</a:t>
-            </a:r>
+              <a:t>Trigger partitioning capability only use a subset of </a:t>
+            </a:r>
+            <a:r>
+              <a:rPr lang="en-US" dirty="0" smtClean="0"/>
+              <a:t>modules</a:t>
+            </a:r>
+            <a:br>
+              <a:rPr lang="en-US" dirty="0" smtClean="0"/>
+            </a:br>
             <a:endParaRPr lang="en-US" dirty="0"/>
           </a:p>
           <a:p>
@@ -8307,8 +11983,16 @@
             </a:r>
             <a:r>
               <a:rPr lang="en-US" dirty="0" smtClean="0"/>
-              <a:t> )</a:t>
-            </a:r>
+              <a:t> </a:t>
+            </a:r>
+            <a:r>
+              <a:rPr lang="en-US" dirty="0" smtClean="0"/>
+              <a:t>)</a:t>
+            </a:r>
+            <a:br>
+              <a:rPr lang="en-US" dirty="0" smtClean="0"/>
+            </a:br>
+            <a:endParaRPr lang="en-US" dirty="0" smtClean="0"/>
           </a:p>
           <a:p>
             <a:r>
@@ -8316,12 +12000,12 @@
               <a:t>Firmware being </a:t>
             </a:r>
             <a:r>
-              <a:rPr lang="en-US" dirty="0" err="1" smtClean="0"/>
-              <a:t>developped</a:t>
-            </a:r>
-            <a:r>
               <a:rPr lang="en-US" dirty="0" smtClean="0"/>
-              <a:t> and tested</a:t>
+              <a:t>developed </a:t>
+            </a:r>
+            <a:r>
+              <a:rPr lang="en-US" dirty="0" smtClean="0"/>
+              <a:t>and tested</a:t>
             </a:r>
           </a:p>
           <a:p>
@@ -8339,6 +12023,13 @@
   <p:clrMapOvr>
     <a:masterClrMapping/>
   </p:clrMapOvr>
+  <p:timing>
+    <p:tnLst>
+      <p:par>
+        <p:cTn id="1" dur="indefinite" restart="never" nodeType="tmRoot"/>
+      </p:par>
+    </p:tnLst>
+  </p:timing>
 </p:sld>
 </file>
 
@@ -8376,7 +12067,11 @@
           <a:p>
             <a:r>
               <a:rPr lang="it-IT" dirty="0" smtClean="0"/>
-              <a:t>Fastbus status @ JLab</a:t>
+              <a:t>Fastbus </a:t>
+            </a:r>
+            <a:r>
+              <a:rPr lang="it-IT" dirty="0" smtClean="0"/>
+              <a:t>update</a:t>
             </a:r>
             <a:endParaRPr lang="it-IT" dirty="0"/>
           </a:p>
@@ -8420,7 +12115,7 @@
         <p:spPr>
           <a:xfrm>
             <a:off x="536028" y="1371601"/>
-            <a:ext cx="6117020" cy="4924425"/>
+            <a:ext cx="6626772" cy="4401195"/>
           </a:xfrm>
           <a:prstGeom prst="rect">
             <a:avLst/>
@@ -8442,7 +12137,7 @@
                 <a:solidFill>
                   <a:srgbClr val="0070C0"/>
                 </a:solidFill>
-                <a:latin typeface="Times New Roman" pitchFamily="18" charset="0"/>
+                <a:latin typeface="Minion Pro"/>
                 <a:cs typeface="Times New Roman" pitchFamily="18" charset="0"/>
               </a:rPr>
               <a:t>  Have  sufficient   TDCs,    ADCs,   crates,    aux. cards</a:t>
@@ -8457,7 +12152,7 @@
               <a:solidFill>
                 <a:srgbClr val="0070C0"/>
               </a:solidFill>
-              <a:latin typeface="Times New Roman" pitchFamily="18" charset="0"/>
+              <a:latin typeface="Minion Pro"/>
               <a:cs typeface="Times New Roman" pitchFamily="18" charset="0"/>
             </a:endParaRPr>
           </a:p>
@@ -8470,7 +12165,7 @@
               <a:solidFill>
                 <a:srgbClr val="0070C0"/>
               </a:solidFill>
-              <a:latin typeface="Times New Roman" pitchFamily="18" charset="0"/>
+              <a:latin typeface="Minion Pro"/>
               <a:cs typeface="Times New Roman" pitchFamily="18" charset="0"/>
             </a:endParaRPr>
           </a:p>
@@ -8484,28 +12179,28 @@
                 <a:solidFill>
                   <a:srgbClr val="C00000"/>
                 </a:solidFill>
-                <a:latin typeface="Times New Roman" pitchFamily="18" charset="0"/>
+                <a:latin typeface="Minion Pro"/>
                 <a:cs typeface="Times New Roman" pitchFamily="18" charset="0"/>
               </a:rPr>
               <a:t>  Like  to  scrounge  ~3 more SFI </a:t>
             </a:r>
             <a:r>
               <a:rPr lang="en-US" sz="1200" dirty="0">
-                <a:latin typeface="Times New Roman" pitchFamily="18" charset="0"/>
+                <a:latin typeface="Minion Pro"/>
                 <a:cs typeface="Times New Roman" pitchFamily="18" charset="0"/>
               </a:rPr>
               <a:t>(Struck  </a:t>
             </a:r>
             <a:r>
               <a:rPr lang="en-US" sz="1200" dirty="0" err="1">
-                <a:latin typeface="Times New Roman" pitchFamily="18" charset="0"/>
+                <a:latin typeface="Minion Pro"/>
                 <a:cs typeface="Times New Roman" pitchFamily="18" charset="0"/>
               </a:rPr>
               <a:t>Fastbus</a:t>
             </a:r>
             <a:r>
               <a:rPr lang="en-US" sz="1200" dirty="0">
-                <a:latin typeface="Times New Roman" pitchFamily="18" charset="0"/>
+                <a:latin typeface="Minion Pro"/>
                 <a:cs typeface="Times New Roman" pitchFamily="18" charset="0"/>
               </a:rPr>
               <a:t> Interface)</a:t>
@@ -8520,7 +12215,7 @@
                     <a:lumMod val="50000"/>
                   </a:schemeClr>
                 </a:solidFill>
-                <a:latin typeface="Times New Roman" pitchFamily="18" charset="0"/>
+                <a:latin typeface="Minion Pro"/>
                 <a:cs typeface="Times New Roman" pitchFamily="18" charset="0"/>
               </a:rPr>
               <a:t>      </a:t>
@@ -8532,7 +12227,7 @@
                     <a:lumMod val="50000"/>
                   </a:schemeClr>
                 </a:solidFill>
-                <a:latin typeface="Times New Roman" pitchFamily="18" charset="0"/>
+                <a:latin typeface="Minion Pro"/>
                 <a:cs typeface="Times New Roman" pitchFamily="18" charset="0"/>
               </a:rPr>
               <a:t>(backup plan:  fewer crates, reduced performance)</a:t>
@@ -8547,7 +12242,7 @@
               <a:solidFill>
                 <a:srgbClr val="0070C0"/>
               </a:solidFill>
-              <a:latin typeface="Times New Roman" pitchFamily="18" charset="0"/>
+              <a:latin typeface="Minion Pro"/>
               <a:cs typeface="Times New Roman" pitchFamily="18" charset="0"/>
             </a:endParaRPr>
           </a:p>
@@ -8558,24 +12253,155 @@
             </a:pPr>
             <a:r>
               <a:rPr lang="en-US" sz="2000" dirty="0">
+                <a:solidFill>
+                  <a:srgbClr val="0070C0"/>
+                </a:solidFill>
+                <a:latin typeface="Minion Pro"/>
+                <a:cs typeface="Times New Roman" pitchFamily="18" charset="0"/>
+              </a:rPr>
+              <a:t>  </a:t>
+            </a:r>
+            <a:r>
+              <a:rPr lang="en-US" sz="2000" dirty="0">
+                <a:solidFill>
+                  <a:srgbClr val="00B050"/>
+                </a:solidFill>
+                <a:latin typeface="Minion Pro"/>
+                <a:cs typeface="Times New Roman" pitchFamily="18" charset="0"/>
+              </a:rPr>
+              <a:t>Making FB </a:t>
+            </a:r>
+            <a:r>
+              <a:rPr lang="en-US" sz="2000" dirty="0" smtClean="0">
+                <a:solidFill>
+                  <a:srgbClr val="00B050"/>
+                </a:solidFill>
+                <a:latin typeface="Minion Pro"/>
+                <a:cs typeface="Times New Roman" pitchFamily="18" charset="0"/>
+              </a:rPr>
+              <a:t>faster</a:t>
+            </a:r>
+          </a:p>
+          <a:p>
+            <a:pPr lvl="1">
+              <a:buFont typeface="Arial" charset="0"/>
+              <a:buChar char="•"/>
+            </a:pPr>
+            <a:r>
+              <a:rPr lang="en-US" dirty="0">
                 <a:solidFill>
                   <a:srgbClr val="0070C0"/>
                 </a:solidFill>
                 <a:latin typeface="Times New Roman" pitchFamily="18" charset="0"/>
                 <a:cs typeface="Times New Roman" pitchFamily="18" charset="0"/>
               </a:rPr>
-              <a:t>  </a:t>
-            </a:r>
-            <a:r>
-              <a:rPr lang="en-US" sz="2000" dirty="0">
+              <a:t> </a:t>
+            </a:r>
+            <a:r>
+              <a:rPr lang="en-US" dirty="0" err="1">
                 <a:solidFill>
-                  <a:srgbClr val="00B050"/>
+                  <a:srgbClr val="0070C0"/>
                 </a:solidFill>
-                <a:latin typeface="Times New Roman" pitchFamily="18" charset="0"/>
+                <a:latin typeface="Minion Pro"/>
                 <a:cs typeface="Times New Roman" pitchFamily="18" charset="0"/>
               </a:rPr>
-              <a:t>Making FB faster</a:t>
-            </a:r>
+              <a:t>sparsification</a:t>
+            </a:r>
+            <a:r>
+              <a:rPr lang="en-US" dirty="0">
+                <a:solidFill>
+                  <a:srgbClr val="0070C0"/>
+                </a:solidFill>
+                <a:latin typeface="Minion Pro"/>
+                <a:cs typeface="Times New Roman" pitchFamily="18" charset="0"/>
+              </a:rPr>
+              <a:t> – works</a:t>
+            </a:r>
+          </a:p>
+          <a:p>
+            <a:pPr lvl="1">
+              <a:buFont typeface="Arial" charset="0"/>
+              <a:buChar char="•"/>
+            </a:pPr>
+            <a:r>
+              <a:rPr lang="en-US" dirty="0" smtClean="0">
+                <a:solidFill>
+                  <a:srgbClr val="0070C0"/>
+                </a:solidFill>
+                <a:latin typeface="Minion Pro"/>
+                <a:cs typeface="Times New Roman" pitchFamily="18" charset="0"/>
+              </a:rPr>
+              <a:t> event </a:t>
+            </a:r>
+            <a:r>
+              <a:rPr lang="en-US" dirty="0">
+                <a:solidFill>
+                  <a:srgbClr val="0070C0"/>
+                </a:solidFill>
+                <a:latin typeface="Minion Pro"/>
+                <a:cs typeface="Times New Roman" pitchFamily="18" charset="0"/>
+              </a:rPr>
+              <a:t>blocking – works</a:t>
+            </a:r>
+          </a:p>
+          <a:p>
+            <a:pPr lvl="1">
+              <a:buFont typeface="Arial" charset="0"/>
+              <a:buChar char="•"/>
+            </a:pPr>
+            <a:r>
+              <a:rPr lang="en-US" dirty="0" smtClean="0">
+                <a:solidFill>
+                  <a:srgbClr val="0070C0"/>
+                </a:solidFill>
+                <a:latin typeface="Minion Pro"/>
+                <a:cs typeface="Times New Roman" pitchFamily="18" charset="0"/>
+              </a:rPr>
+              <a:t> </a:t>
+            </a:r>
+            <a:r>
+              <a:rPr lang="en-US" dirty="0">
+                <a:solidFill>
+                  <a:srgbClr val="0070C0"/>
+                </a:solidFill>
+                <a:latin typeface="Minion Pro"/>
+                <a:cs typeface="Times New Roman" pitchFamily="18" charset="0"/>
+              </a:rPr>
+              <a:t>event  switching – being tested</a:t>
+            </a:r>
+          </a:p>
+          <a:p>
+            <a:pPr lvl="1">
+              <a:buFont typeface="Arial" charset="0"/>
+              <a:buChar char="•"/>
+            </a:pPr>
+            <a:r>
+              <a:rPr lang="en-US" dirty="0" smtClean="0">
+                <a:solidFill>
+                  <a:srgbClr val="0070C0"/>
+                </a:solidFill>
+                <a:latin typeface="Minion Pro"/>
+                <a:cs typeface="Times New Roman" pitchFamily="18" charset="0"/>
+              </a:rPr>
+              <a:t> merging </a:t>
+            </a:r>
+            <a:r>
+              <a:rPr lang="en-US" dirty="0">
+                <a:solidFill>
+                  <a:srgbClr val="0070C0"/>
+                </a:solidFill>
+                <a:latin typeface="Minion Pro"/>
+                <a:cs typeface="Times New Roman" pitchFamily="18" charset="0"/>
+              </a:rPr>
+              <a:t>with  pipelining VME  --  to be tried</a:t>
+            </a:r>
+            <a:endParaRPr lang="en-US" sz="2000" dirty="0">
+              <a:solidFill>
+                <a:srgbClr val="00B050"/>
+              </a:solidFill>
+              <a:latin typeface="Minion Pro"/>
+              <a:cs typeface="Times New Roman" pitchFamily="18" charset="0"/>
+            </a:endParaRPr>
           </a:p>
           <a:p>
             <a:pPr eaLnBrk="1" hangingPunct="1">
@@ -8586,7 +12412,7 @@
               <a:solidFill>
                 <a:srgbClr val="00B050"/>
               </a:solidFill>
-              <a:latin typeface="Times New Roman" pitchFamily="18" charset="0"/>
+              <a:latin typeface="Minion Pro"/>
               <a:cs typeface="Times New Roman" pitchFamily="18" charset="0"/>
             </a:endParaRPr>
           </a:p>
@@ -8595,77 +12421,12 @@
               <a:buFont typeface="Arial" charset="0"/>
               <a:buChar char="•"/>
             </a:pPr>
-            <a:endParaRPr lang="en-US" sz="2000" dirty="0">
-              <a:solidFill>
-                <a:srgbClr val="00B050"/>
-              </a:solidFill>
-              <a:latin typeface="Times New Roman" pitchFamily="18" charset="0"/>
-              <a:cs typeface="Times New Roman" pitchFamily="18" charset="0"/>
-            </a:endParaRPr>
-          </a:p>
-          <a:p>
-            <a:pPr eaLnBrk="1" hangingPunct="1">
-              <a:buFont typeface="Arial" charset="0"/>
-              <a:buChar char="•"/>
-            </a:pPr>
-            <a:endParaRPr lang="en-US" sz="2000" dirty="0">
-              <a:solidFill>
-                <a:srgbClr val="00B050"/>
-              </a:solidFill>
-              <a:latin typeface="Times New Roman" pitchFamily="18" charset="0"/>
-              <a:cs typeface="Times New Roman" pitchFamily="18" charset="0"/>
-            </a:endParaRPr>
-          </a:p>
-          <a:p>
-            <a:pPr eaLnBrk="1" hangingPunct="1">
-              <a:buFont typeface="Arial" charset="0"/>
-              <a:buChar char="•"/>
-            </a:pPr>
-            <a:endParaRPr lang="en-US" sz="2000" dirty="0">
-              <a:solidFill>
-                <a:srgbClr val="00B050"/>
-              </a:solidFill>
-              <a:latin typeface="Times New Roman" pitchFamily="18" charset="0"/>
-              <a:cs typeface="Times New Roman" pitchFamily="18" charset="0"/>
-            </a:endParaRPr>
-          </a:p>
-          <a:p>
-            <a:pPr eaLnBrk="1" hangingPunct="1">
-              <a:buFont typeface="Arial" charset="0"/>
-              <a:buChar char="•"/>
-            </a:pPr>
-            <a:endParaRPr lang="en-US" sz="2000" dirty="0">
-              <a:solidFill>
-                <a:srgbClr val="00B050"/>
-              </a:solidFill>
-              <a:latin typeface="Times New Roman" pitchFamily="18" charset="0"/>
-              <a:cs typeface="Times New Roman" pitchFamily="18" charset="0"/>
-            </a:endParaRPr>
-          </a:p>
-          <a:p>
-            <a:pPr eaLnBrk="1" hangingPunct="1">
-              <a:buFont typeface="Arial" charset="0"/>
-              <a:buChar char="•"/>
-            </a:pPr>
-            <a:endParaRPr lang="en-US" sz="2000" dirty="0">
-              <a:solidFill>
-                <a:srgbClr val="00B050"/>
-              </a:solidFill>
-              <a:latin typeface="Times New Roman" pitchFamily="18" charset="0"/>
-              <a:cs typeface="Times New Roman" pitchFamily="18" charset="0"/>
-            </a:endParaRPr>
-          </a:p>
-          <a:p>
-            <a:pPr eaLnBrk="1" hangingPunct="1">
-              <a:buFont typeface="Arial" charset="0"/>
-              <a:buChar char="•"/>
-            </a:pPr>
             <a:r>
               <a:rPr lang="en-US" sz="2000" dirty="0">
                 <a:solidFill>
                   <a:srgbClr val="7030A0"/>
                 </a:solidFill>
-                <a:latin typeface="Times New Roman" pitchFamily="18" charset="0"/>
+                <a:latin typeface="Minion Pro"/>
                 <a:cs typeface="Times New Roman" pitchFamily="18" charset="0"/>
               </a:rPr>
               <a:t>  </a:t>
@@ -8675,7 +12436,7 @@
                 <a:solidFill>
                   <a:srgbClr val="7030A0"/>
                 </a:solidFill>
-                <a:latin typeface="Times New Roman" pitchFamily="18" charset="0"/>
+                <a:latin typeface="Minion Pro"/>
                 <a:cs typeface="Times New Roman" pitchFamily="18" charset="0"/>
               </a:rPr>
               <a:t>Three  </a:t>
@@ -8685,7 +12446,7 @@
                 <a:solidFill>
                   <a:srgbClr val="7030A0"/>
                 </a:solidFill>
-                <a:latin typeface="Times New Roman" pitchFamily="18" charset="0"/>
+                <a:latin typeface="Minion Pro"/>
                 <a:cs typeface="Times New Roman" pitchFamily="18" charset="0"/>
               </a:rPr>
               <a:t>large  Fastbus systems are being </a:t>
@@ -8698,7 +12459,7 @@
                 <a:solidFill>
                   <a:srgbClr val="7030A0"/>
                 </a:solidFill>
-                <a:latin typeface="Times New Roman" pitchFamily="18" charset="0"/>
+                <a:latin typeface="Minion Pro"/>
                 <a:cs typeface="Times New Roman" pitchFamily="18" charset="0"/>
               </a:rPr>
               <a:t>    assembled  for  test in the  test  lab.</a:t>
@@ -8707,7 +12468,7 @@
               <a:solidFill>
                 <a:srgbClr val="7030A0"/>
               </a:solidFill>
-              <a:latin typeface="Times New Roman" pitchFamily="18" charset="0"/>
+              <a:latin typeface="Minion Pro"/>
               <a:cs typeface="Times New Roman" pitchFamily="18" charset="0"/>
             </a:endParaRPr>
           </a:p>
@@ -8720,136 +12481,9 @@
               <a:solidFill>
                 <a:srgbClr val="0070C0"/>
               </a:solidFill>
-              <a:latin typeface="Times New Roman" pitchFamily="18" charset="0"/>
+              <a:latin typeface="Minion Pro"/>
               <a:cs typeface="Times New Roman" pitchFamily="18" charset="0"/>
             </a:endParaRPr>
-          </a:p>
-        </p:txBody>
-      </p:sp>
-      <p:sp>
-        <p:nvSpPr>
-          <p:cNvPr id="8" name="TextBox 7"/>
-          <p:cNvSpPr txBox="1"/>
-          <p:nvPr/>
-        </p:nvSpPr>
-        <p:spPr>
-          <a:xfrm>
-            <a:off x="718269" y="3505200"/>
-            <a:ext cx="4844332" cy="1200318"/>
-          </a:xfrm>
-          <a:prstGeom prst="rect">
-            <a:avLst/>
-          </a:prstGeom>
-          <a:noFill/>
-        </p:spPr>
-        <p:txBody>
-          <a:bodyPr wrap="square" lIns="91430" tIns="45715" rIns="91430" bIns="45715" rtlCol="0">
-            <a:spAutoFit/>
-          </a:bodyPr>
-          <a:lstStyle/>
-          <a:p>
-            <a:pPr eaLnBrk="1" hangingPunct="1">
-              <a:buFont typeface="Arial" charset="0"/>
-              <a:buChar char="•"/>
-            </a:pPr>
-            <a:r>
-              <a:rPr lang="en-US" dirty="0">
-                <a:solidFill>
-                  <a:srgbClr val="0070C0"/>
-                </a:solidFill>
-                <a:latin typeface="Times New Roman" pitchFamily="18" charset="0"/>
-                <a:cs typeface="Times New Roman" pitchFamily="18" charset="0"/>
-              </a:rPr>
-              <a:t>  </a:t>
-            </a:r>
-            <a:r>
-              <a:rPr lang="en-US" dirty="0" err="1">
-                <a:solidFill>
-                  <a:srgbClr val="0070C0"/>
-                </a:solidFill>
-                <a:latin typeface="Times New Roman" pitchFamily="18" charset="0"/>
-                <a:cs typeface="Times New Roman" pitchFamily="18" charset="0"/>
-              </a:rPr>
-              <a:t>sparsification</a:t>
-            </a:r>
-            <a:r>
-              <a:rPr lang="en-US" dirty="0">
-                <a:solidFill>
-                  <a:srgbClr val="0070C0"/>
-                </a:solidFill>
-                <a:latin typeface="Times New Roman" pitchFamily="18" charset="0"/>
-                <a:cs typeface="Times New Roman" pitchFamily="18" charset="0"/>
-              </a:rPr>
-              <a:t> – works</a:t>
-            </a:r>
-          </a:p>
-          <a:p>
-            <a:pPr eaLnBrk="1" hangingPunct="1">
-              <a:buFont typeface="Arial" charset="0"/>
-              <a:buChar char="•"/>
-            </a:pPr>
-            <a:r>
-              <a:rPr lang="en-US" dirty="0">
-                <a:solidFill>
-                  <a:srgbClr val="0070C0"/>
-                </a:solidFill>
-                <a:latin typeface="Times New Roman" pitchFamily="18" charset="0"/>
-                <a:cs typeface="Times New Roman" pitchFamily="18" charset="0"/>
-              </a:rPr>
-              <a:t>  event blocking – works</a:t>
-            </a:r>
-          </a:p>
-          <a:p>
-            <a:pPr eaLnBrk="1" hangingPunct="1">
-              <a:buFont typeface="Arial" charset="0"/>
-              <a:buChar char="•"/>
-            </a:pPr>
-            <a:r>
-              <a:rPr lang="en-US" dirty="0">
-                <a:solidFill>
-                  <a:srgbClr val="0070C0"/>
-                </a:solidFill>
-                <a:latin typeface="Times New Roman" pitchFamily="18" charset="0"/>
-                <a:cs typeface="Times New Roman" pitchFamily="18" charset="0"/>
-              </a:rPr>
-              <a:t>  event  switching </a:t>
-            </a:r>
-            <a:r>
-              <a:rPr lang="en-US" dirty="0" smtClean="0">
-                <a:solidFill>
-                  <a:srgbClr val="0070C0"/>
-                </a:solidFill>
-                <a:latin typeface="Times New Roman" pitchFamily="18" charset="0"/>
-                <a:cs typeface="Times New Roman" pitchFamily="18" charset="0"/>
-              </a:rPr>
-              <a:t>– being tested</a:t>
-            </a:r>
-          </a:p>
-          <a:p>
-            <a:pPr eaLnBrk="1" hangingPunct="1">
-              <a:buFont typeface="Arial" charset="0"/>
-              <a:buChar char="•"/>
-            </a:pPr>
-            <a:r>
-              <a:rPr lang="en-US" dirty="0" smtClean="0">
-                <a:solidFill>
-                  <a:srgbClr val="0070C0"/>
-                </a:solidFill>
-                <a:latin typeface="Times New Roman" pitchFamily="18" charset="0"/>
-                <a:cs typeface="Times New Roman" pitchFamily="18" charset="0"/>
-              </a:rPr>
-              <a:t>merging </a:t>
-            </a:r>
-            <a:r>
-              <a:rPr lang="en-US" dirty="0">
-                <a:solidFill>
-                  <a:srgbClr val="0070C0"/>
-                </a:solidFill>
-                <a:latin typeface="Times New Roman" pitchFamily="18" charset="0"/>
-                <a:cs typeface="Times New Roman" pitchFamily="18" charset="0"/>
-              </a:rPr>
-              <a:t>with  pipelining VME  --  to be tried</a:t>
-            </a:r>
           </a:p>
         </p:txBody>
       </p:sp>
@@ -9051,52 +12685,6 @@
           </a:p>
         </p:txBody>
       </p:sp>
-      <p:sp>
-        <p:nvSpPr>
-          <p:cNvPr id="6" name="Date Placeholder 5"/>
-          <p:cNvSpPr>
-            <a:spLocks noGrp="1"/>
-          </p:cNvSpPr>
-          <p:nvPr>
-            <p:ph type="dt" sz="half" idx="10"/>
-          </p:nvPr>
-        </p:nvSpPr>
-        <p:spPr/>
-        <p:txBody>
-          <a:bodyPr/>
-          <a:lstStyle/>
-          <a:p>
-            <a:r>
-              <a:rPr lang="it-IT" smtClean="0"/>
-              <a:t>4/Nov/2014</a:t>
-            </a:r>
-            <a:endParaRPr lang="en-US"/>
-          </a:p>
-        </p:txBody>
-      </p:sp>
-      <p:sp>
-        <p:nvSpPr>
-          <p:cNvPr id="13" name="Footer Placeholder 12"/>
-          <p:cNvSpPr>
-            <a:spLocks noGrp="1"/>
-          </p:cNvSpPr>
-          <p:nvPr>
-            <p:ph type="ftr" sz="quarter" idx="11"/>
-          </p:nvPr>
-        </p:nvSpPr>
-        <p:spPr/>
-        <p:txBody>
-          <a:bodyPr/>
-          <a:lstStyle/>
-          <a:p>
-            <a:r>
-              <a:rPr lang="en-US" smtClean="0"/>
-              <a:t>DOE SBS Review / SBS DAQ</a:t>
-            </a:r>
-            <a:endParaRPr lang="en-US" dirty="0"/>
-          </a:p>
-        </p:txBody>
-      </p:sp>
     </p:spTree>
     <p:extLst>
       <p:ext uri="{BB962C8B-B14F-4D97-AF65-F5344CB8AC3E}">
@@ -9134,31 +12722,115 @@
           <a:chExt cx="0" cy="0"/>
         </a:xfrm>
       </p:grpSpPr>
-      <p:sp>
-        <p:nvSpPr>
-          <p:cNvPr id="6" name="Title 5"/>
-          <p:cNvSpPr>
-            <a:spLocks noGrp="1"/>
-          </p:cNvSpPr>
-          <p:nvPr>
-            <p:ph type="title"/>
-          </p:nvPr>
-        </p:nvSpPr>
-        <p:spPr/>
-        <p:txBody>
-          <a:bodyPr>
-            <a:normAutofit fontScale="90000"/>
-          </a:bodyPr>
-          <a:lstStyle/>
-          <a:p>
-            <a:r>
-              <a:rPr lang="it-IT" dirty="0" smtClean="0"/>
-              <a:t>GEp DAQ Configuration / both arms</a:t>
-            </a:r>
-            <a:endParaRPr lang="it-IT" dirty="0"/>
-          </a:p>
-        </p:txBody>
-      </p:sp>
+      <mc:AlternateContent xmlns:mc="http://schemas.openxmlformats.org/markup-compatibility/2006">
+        <mc:Choice xmlns:a14="http://schemas.microsoft.com/office/drawing/2010/main" Requires="a14">
+          <p:sp>
+            <p:nvSpPr>
+              <p:cNvPr id="6" name="Title 5"/>
+              <p:cNvSpPr>
+                <a:spLocks noGrp="1"/>
+              </p:cNvSpPr>
+              <p:nvPr>
+                <p:ph type="title"/>
+              </p:nvPr>
+            </p:nvSpPr>
+            <p:spPr/>
+            <p:txBody>
+              <a:bodyPr>
+                <a:normAutofit fontScale="90000"/>
+              </a:bodyPr>
+              <a:lstStyle/>
+              <a:p>
+                <a14:m>
+                  <m:oMath xmlns:m="http://schemas.openxmlformats.org/officeDocument/2006/math">
+                    <m:sSubSup>
+                      <m:sSubSupPr>
+                        <m:ctrlPr>
+                          <a:rPr lang="en-US" i="1">
+                            <a:latin typeface="Cambria Math"/>
+                          </a:rPr>
+                        </m:ctrlPr>
+                      </m:sSubSupPr>
+                      <m:e>
+                        <m:r>
+                          <a:rPr lang="en-US" i="1">
+                            <a:latin typeface="Cambria Math"/>
+                          </a:rPr>
+                          <m:t>𝐺</m:t>
+                        </m:r>
+                      </m:e>
+                      <m:sub>
+                        <m:r>
+                          <a:rPr lang="en-US" i="1">
+                            <a:latin typeface="Cambria Math"/>
+                          </a:rPr>
+                          <m:t> </m:t>
+                        </m:r>
+                        <m:r>
+                          <a:rPr lang="en-US" i="1">
+                            <a:latin typeface="Cambria Math"/>
+                          </a:rPr>
+                          <m:t>𝐸</m:t>
+                        </m:r>
+                      </m:sub>
+                      <m:sup>
+                        <m:r>
+                          <a:rPr lang="en-US" i="1">
+                            <a:latin typeface="Cambria Math"/>
+                          </a:rPr>
+                          <m:t>𝑝</m:t>
+                        </m:r>
+                      </m:sup>
+                    </m:sSubSup>
+                  </m:oMath>
+                </a14:m>
+                <a:r>
+                  <a:rPr lang="it-IT" dirty="0" smtClean="0"/>
+                  <a:t> DAQ </a:t>
+                </a:r>
+                <a:r>
+                  <a:rPr lang="it-IT" dirty="0" smtClean="0"/>
+                  <a:t>Configuration / both arms</a:t>
+                </a:r>
+                <a:endParaRPr lang="it-IT" dirty="0"/>
+              </a:p>
+            </p:txBody>
+          </p:sp>
+        </mc:Choice>
+        <mc:Fallback>
+          <p:sp>
+            <p:nvSpPr>
+              <p:cNvPr id="6" name="Title 5"/>
+              <p:cNvSpPr>
+                <a:spLocks noGrp="1" noRot="1" noChangeAspect="1" noMove="1" noResize="1" noEditPoints="1" noAdjustHandles="1" noChangeArrowheads="1" noChangeShapeType="1" noTextEdit="1"/>
+              </p:cNvSpPr>
+              <p:nvPr>
+                <p:ph type="title"/>
+              </p:nvPr>
+            </p:nvSpPr>
+            <p:spPr>
+              <a:blipFill rotWithShape="1">
+                <a:blip r:embed="rId2"/>
+                <a:stretch>
+                  <a:fillRect t="-60000" b="-95385"/>
+                </a:stretch>
+              </a:blipFill>
+            </p:spPr>
+            <p:txBody>
+              <a:bodyPr/>
+              <a:lstStyle/>
+              <a:p>
+                <a:r>
+                  <a:rPr lang="en-US">
+                    <a:noFill/>
+                  </a:rPr>
+                  <a:t> </a:t>
+                </a:r>
+              </a:p>
+            </p:txBody>
+          </p:sp>
+        </mc:Fallback>
+      </mc:AlternateContent>
       <p:sp>
         <p:nvSpPr>
           <p:cNvPr id="2" name="Date Placeholder 1"/>
@@ -9179,7 +12851,7 @@
             </a:pPr>
             <a:fld id="{D71A591E-0AAE-49BD-BAFD-8583FDD55043}" type="datetime1">
               <a:rPr lang="en-US" smtClean="0"/>
-              <a:t>10/20/2015</a:t>
+              <a:t>11/2/2015</a:t>
             </a:fld>
             <a:endParaRPr lang="en-US"/>
           </a:p>
@@ -9551,7 +13223,7 @@
           <p:nvPr/>
         </p:nvPicPr>
         <p:blipFill>
-          <a:blip r:embed="rId2">
+          <a:blip r:embed="rId3">
             <a:extLst>
               <a:ext uri="{28A0092B-C50C-407E-A947-70E740481C1C}">
                 <a14:useLocalDpi xmlns:a14="http://schemas.microsoft.com/office/drawing/2010/main" val="0"/>
@@ -9718,6 +13390,13 @@
   <p:clrMapOvr>
     <a:masterClrMapping/>
   </p:clrMapOvr>
+  <p:timing>
+    <p:tnLst>
+      <p:par>
+        <p:cTn id="1" dur="indefinite" restart="never" nodeType="tmRoot"/>
+      </p:par>
+    </p:tnLst>
+  </p:timing>
 </p:sld>
 </file>
 
@@ -9758,6 +13437,29 @@
               <a:t>Single Crate, Buffer Level = 4</a:t>
             </a:r>
             <a:endParaRPr lang="en-US" dirty="0"/>
+          </a:p>
+        </p:txBody>
+      </p:sp>
+      <p:sp>
+        <p:nvSpPr>
+          <p:cNvPr id="3" name="Slide Number Placeholder 2"/>
+          <p:cNvSpPr>
+            <a:spLocks noGrp="1"/>
+          </p:cNvSpPr>
+          <p:nvPr>
+            <p:ph type="sldNum" sz="quarter" idx="12"/>
+          </p:nvPr>
+        </p:nvSpPr>
+        <p:spPr/>
+        <p:txBody>
+          <a:bodyPr/>
+          <a:lstStyle/>
+          <a:p>
+            <a:fld id="{49BD95FD-4C1D-B042-AB02-9F82D4A375A6}" type="slidenum">
+              <a:rPr lang="en-US" smtClean="0"/>
+              <a:t>8</a:t>
+            </a:fld>
+            <a:endParaRPr lang="en-US"/>
           </a:p>
         </p:txBody>
       </p:sp>
@@ -10299,29 +14001,6 @@
           </a:p>
         </p:txBody>
       </p:sp>
-      <p:sp>
-        <p:nvSpPr>
-          <p:cNvPr id="3" name="Slide Number Placeholder 2"/>
-          <p:cNvSpPr>
-            <a:spLocks noGrp="1"/>
-          </p:cNvSpPr>
-          <p:nvPr>
-            <p:ph type="sldNum" sz="quarter" idx="12"/>
-          </p:nvPr>
-        </p:nvSpPr>
-        <p:spPr/>
-        <p:txBody>
-          <a:bodyPr/>
-          <a:lstStyle/>
-          <a:p>
-            <a:fld id="{49BD95FD-4C1D-B042-AB02-9F82D4A375A6}" type="slidenum">
-              <a:rPr lang="en-US" smtClean="0"/>
-              <a:t>8</a:t>
-            </a:fld>
-            <a:endParaRPr lang="en-US"/>
-          </a:p>
-        </p:txBody>
-      </p:sp>
     </p:spTree>
     <p:extLst>
       <p:ext uri="{BB962C8B-B14F-4D97-AF65-F5344CB8AC3E}">
@@ -10459,7 +14138,7 @@
           <p:nvPr>
             <p:extLst>
               <p:ext uri="{D42A27DB-BD31-4B8C-83A1-F6EECF244321}">
-                <p14:modId xmlns:p14="http://schemas.microsoft.com/office/powerpoint/2010/main" val="2338455502"/>
+                <p14:modId xmlns:p14="http://schemas.microsoft.com/office/powerpoint/2010/main" val="2835160746"/>
               </p:ext>
             </p:extLst>
           </p:nvPr>
@@ -11071,7 +14750,7 @@
 </file>
 
 <file path=ppt/theme/theme1.xml><?xml version="1.0" encoding="utf-8"?>
-<a:theme xmlns:a="http://schemas.openxmlformats.org/drawingml/2006/main" name="Office Theme">
+<a:theme xmlns:a="http://schemas.openxmlformats.org/drawingml/2006/main" name="JLab_Theme">
   <a:themeElements>
     <a:clrScheme name="Office">
       <a:dk1>
@@ -11145,7 +14824,6 @@
         <a:font script="Mong" typeface="Mongolian Baiti"/>
         <a:font script="Viet" typeface="Times New Roman"/>
         <a:font script="Uigh" typeface="Microsoft Uighur"/>
-        <a:font script="Geor" typeface="Sylfaen"/>
       </a:majorFont>
       <a:minorFont>
         <a:latin typeface="Calibri"/>
@@ -11180,7 +14858,6 @@
         <a:font script="Mong" typeface="Mongolian Baiti"/>
         <a:font script="Viet" typeface="Arial"/>
         <a:font script="Uigh" typeface="Microsoft Uighur"/>
-        <a:font script="Geor" typeface="Sylfaen"/>
       </a:minorFont>
     </a:fontScheme>
     <a:fmtScheme name="Office">
@@ -11215,20 +14892,16 @@
           <a:gsLst>
             <a:gs pos="0">
               <a:schemeClr val="phClr">
-                <a:shade val="51000"/>
-                <a:satMod val="130000"/>
-              </a:schemeClr>
-            </a:gs>
-            <a:gs pos="80000">
-              <a:schemeClr val="phClr">
-                <a:shade val="93000"/>
+                <a:tint val="100000"/>
+                <a:shade val="100000"/>
                 <a:satMod val="130000"/>
               </a:schemeClr>
             </a:gs>
             <a:gs pos="100000">
               <a:schemeClr val="phClr">
-                <a:shade val="94000"/>
-                <a:satMod val="135000"/>
+                <a:tint val="50000"/>
+                <a:shade val="100000"/>
+                <a:satMod val="350000"/>
               </a:schemeClr>
             </a:gs>
           </a:gsLst>
@@ -11350,7 +15023,364 @@
       </a:bgFillStyleLst>
     </a:fmtScheme>
   </a:themeElements>
-  <a:objectDefaults/>
+  <a:objectDefaults>
+    <a:spDef>
+      <a:spPr/>
+      <a:bodyPr/>
+      <a:lstStyle/>
+      <a:style>
+        <a:lnRef idx="1">
+          <a:schemeClr val="accent1"/>
+        </a:lnRef>
+        <a:fillRef idx="3">
+          <a:schemeClr val="accent1"/>
+        </a:fillRef>
+        <a:effectRef idx="2">
+          <a:schemeClr val="accent1"/>
+        </a:effectRef>
+        <a:fontRef idx="minor">
+          <a:schemeClr val="lt1"/>
+        </a:fontRef>
+      </a:style>
+    </a:spDef>
+    <a:lnDef>
+      <a:spPr/>
+      <a:bodyPr/>
+      <a:lstStyle/>
+      <a:style>
+        <a:lnRef idx="2">
+          <a:schemeClr val="accent1"/>
+        </a:lnRef>
+        <a:fillRef idx="0">
+          <a:schemeClr val="accent1"/>
+        </a:fillRef>
+        <a:effectRef idx="1">
+          <a:schemeClr val="accent1"/>
+        </a:effectRef>
+        <a:fontRef idx="minor">
+          <a:schemeClr val="tx1"/>
+        </a:fontRef>
+      </a:style>
+    </a:lnDef>
+  </a:objectDefaults>
+  <a:extraClrSchemeLst/>
+</a:theme>
+</file>
+
+<file path=ppt/theme/theme2.xml><?xml version="1.0" encoding="utf-8"?>
+<a:theme xmlns:a="http://schemas.openxmlformats.org/drawingml/2006/main" name="JLabPowerPointMain">
+  <a:themeElements>
+    <a:clrScheme name="Office">
+      <a:dk1>
+        <a:sysClr val="windowText" lastClr="000000"/>
+      </a:dk1>
+      <a:lt1>
+        <a:sysClr val="window" lastClr="FFFFFF"/>
+      </a:lt1>
+      <a:dk2>
+        <a:srgbClr val="1F497D"/>
+      </a:dk2>
+      <a:lt2>
+        <a:srgbClr val="EEECE1"/>
+      </a:lt2>
+      <a:accent1>
+        <a:srgbClr val="4F81BD"/>
+      </a:accent1>
+      <a:accent2>
+        <a:srgbClr val="C0504D"/>
+      </a:accent2>
+      <a:accent3>
+        <a:srgbClr val="9BBB59"/>
+      </a:accent3>
+      <a:accent4>
+        <a:srgbClr val="8064A2"/>
+      </a:accent4>
+      <a:accent5>
+        <a:srgbClr val="4BACC6"/>
+      </a:accent5>
+      <a:accent6>
+        <a:srgbClr val="F79646"/>
+      </a:accent6>
+      <a:hlink>
+        <a:srgbClr val="0000FF"/>
+      </a:hlink>
+      <a:folHlink>
+        <a:srgbClr val="800080"/>
+      </a:folHlink>
+    </a:clrScheme>
+    <a:fontScheme name="Office">
+      <a:majorFont>
+        <a:latin typeface="Calibri"/>
+        <a:ea typeface=""/>
+        <a:cs typeface=""/>
+        <a:font script="Jpan" typeface="ＭＳ Ｐゴシック"/>
+        <a:font script="Hang" typeface="맑은 고딕"/>
+        <a:font script="Hans" typeface="宋体"/>
+        <a:font script="Hant" typeface="新細明體"/>
+        <a:font script="Arab" typeface="Times New Roman"/>
+        <a:font script="Hebr" typeface="Times New Roman"/>
+        <a:font script="Thai" typeface="Angsana New"/>
+        <a:font script="Ethi" typeface="Nyala"/>
+        <a:font script="Beng" typeface="Vrinda"/>
+        <a:font script="Gujr" typeface="Shruti"/>
+        <a:font script="Khmr" typeface="MoolBoran"/>
+        <a:font script="Knda" typeface="Tunga"/>
+        <a:font script="Guru" typeface="Raavi"/>
+        <a:font script="Cans" typeface="Euphemia"/>
+        <a:font script="Cher" typeface="Plantagenet Cherokee"/>
+        <a:font script="Yiii" typeface="Microsoft Yi Baiti"/>
+        <a:font script="Tibt" typeface="Microsoft Himalaya"/>
+        <a:font script="Thaa" typeface="MV Boli"/>
+        <a:font script="Deva" typeface="Mangal"/>
+        <a:font script="Telu" typeface="Gautami"/>
+        <a:font script="Taml" typeface="Latha"/>
+        <a:font script="Syrc" typeface="Estrangelo Edessa"/>
+        <a:font script="Orya" typeface="Kalinga"/>
+        <a:font script="Mlym" typeface="Kartika"/>
+        <a:font script="Laoo" typeface="DokChampa"/>
+        <a:font script="Sinh" typeface="Iskoola Pota"/>
+        <a:font script="Mong" typeface="Mongolian Baiti"/>
+        <a:font script="Viet" typeface="Times New Roman"/>
+        <a:font script="Uigh" typeface="Microsoft Uighur"/>
+      </a:majorFont>
+      <a:minorFont>
+        <a:latin typeface="Calibri"/>
+        <a:ea typeface=""/>
+        <a:cs typeface=""/>
+        <a:font script="Jpan" typeface="ＭＳ Ｐゴシック"/>
+        <a:font script="Hang" typeface="맑은 고딕"/>
+        <a:font script="Hans" typeface="宋体"/>
+        <a:font script="Hant" typeface="新細明體"/>
+        <a:font script="Arab" typeface="Arial"/>
+        <a:font script="Hebr" typeface="Arial"/>
+        <a:font script="Thai" typeface="Cordia New"/>
+        <a:font script="Ethi" typeface="Nyala"/>
+        <a:font script="Beng" typeface="Vrinda"/>
+        <a:font script="Gujr" typeface="Shruti"/>
+        <a:font script="Khmr" typeface="DaunPenh"/>
+        <a:font script="Knda" typeface="Tunga"/>
+        <a:font script="Guru" typeface="Raavi"/>
+        <a:font script="Cans" typeface="Euphemia"/>
+        <a:font script="Cher" typeface="Plantagenet Cherokee"/>
+        <a:font script="Yiii" typeface="Microsoft Yi Baiti"/>
+        <a:font script="Tibt" typeface="Microsoft Himalaya"/>
+        <a:font script="Thaa" typeface="MV Boli"/>
+        <a:font script="Deva" typeface="Mangal"/>
+        <a:font script="Telu" typeface="Gautami"/>
+        <a:font script="Taml" typeface="Latha"/>
+        <a:font script="Syrc" typeface="Estrangelo Edessa"/>
+        <a:font script="Orya" typeface="Kalinga"/>
+        <a:font script="Mlym" typeface="Kartika"/>
+        <a:font script="Laoo" typeface="DokChampa"/>
+        <a:font script="Sinh" typeface="Iskoola Pota"/>
+        <a:font script="Mong" typeface="Mongolian Baiti"/>
+        <a:font script="Viet" typeface="Arial"/>
+        <a:font script="Uigh" typeface="Microsoft Uighur"/>
+      </a:minorFont>
+    </a:fontScheme>
+    <a:fmtScheme name="Office">
+      <a:fillStyleLst>
+        <a:solidFill>
+          <a:schemeClr val="phClr"/>
+        </a:solidFill>
+        <a:gradFill rotWithShape="1">
+          <a:gsLst>
+            <a:gs pos="0">
+              <a:schemeClr val="phClr">
+                <a:tint val="50000"/>
+                <a:satMod val="300000"/>
+              </a:schemeClr>
+            </a:gs>
+            <a:gs pos="35000">
+              <a:schemeClr val="phClr">
+                <a:tint val="37000"/>
+                <a:satMod val="300000"/>
+              </a:schemeClr>
+            </a:gs>
+            <a:gs pos="100000">
+              <a:schemeClr val="phClr">
+                <a:tint val="15000"/>
+                <a:satMod val="350000"/>
+              </a:schemeClr>
+            </a:gs>
+          </a:gsLst>
+          <a:lin ang="16200000" scaled="1"/>
+        </a:gradFill>
+        <a:gradFill rotWithShape="1">
+          <a:gsLst>
+            <a:gs pos="0">
+              <a:schemeClr val="phClr">
+                <a:tint val="100000"/>
+                <a:shade val="100000"/>
+                <a:satMod val="130000"/>
+              </a:schemeClr>
+            </a:gs>
+            <a:gs pos="100000">
+              <a:schemeClr val="phClr">
+                <a:tint val="50000"/>
+                <a:shade val="100000"/>
+                <a:satMod val="350000"/>
+              </a:schemeClr>
+            </a:gs>
+          </a:gsLst>
+          <a:lin ang="16200000" scaled="0"/>
+        </a:gradFill>
+      </a:fillStyleLst>
+      <a:lnStyleLst>
+        <a:ln w="9525" cap="flat" cmpd="sng" algn="ctr">
+          <a:solidFill>
+            <a:schemeClr val="phClr">
+              <a:shade val="95000"/>
+              <a:satMod val="105000"/>
+            </a:schemeClr>
+          </a:solidFill>
+          <a:prstDash val="solid"/>
+        </a:ln>
+        <a:ln w="25400" cap="flat" cmpd="sng" algn="ctr">
+          <a:solidFill>
+            <a:schemeClr val="phClr"/>
+          </a:solidFill>
+          <a:prstDash val="solid"/>
+        </a:ln>
+        <a:ln w="38100" cap="flat" cmpd="sng" algn="ctr">
+          <a:solidFill>
+            <a:schemeClr val="phClr"/>
+          </a:solidFill>
+          <a:prstDash val="solid"/>
+        </a:ln>
+      </a:lnStyleLst>
+      <a:effectStyleLst>
+        <a:effectStyle>
+          <a:effectLst>
+            <a:outerShdw blurRad="40000" dist="20000" dir="5400000" rotWithShape="0">
+              <a:srgbClr val="000000">
+                <a:alpha val="38000"/>
+              </a:srgbClr>
+            </a:outerShdw>
+          </a:effectLst>
+        </a:effectStyle>
+        <a:effectStyle>
+          <a:effectLst>
+            <a:outerShdw blurRad="40000" dist="23000" dir="5400000" rotWithShape="0">
+              <a:srgbClr val="000000">
+                <a:alpha val="35000"/>
+              </a:srgbClr>
+            </a:outerShdw>
+          </a:effectLst>
+        </a:effectStyle>
+        <a:effectStyle>
+          <a:effectLst>
+            <a:outerShdw blurRad="40000" dist="23000" dir="5400000" rotWithShape="0">
+              <a:srgbClr val="000000">
+                <a:alpha val="35000"/>
+              </a:srgbClr>
+            </a:outerShdw>
+          </a:effectLst>
+          <a:scene3d>
+            <a:camera prst="orthographicFront">
+              <a:rot lat="0" lon="0" rev="0"/>
+            </a:camera>
+            <a:lightRig rig="threePt" dir="t">
+              <a:rot lat="0" lon="0" rev="1200000"/>
+            </a:lightRig>
+          </a:scene3d>
+          <a:sp3d>
+            <a:bevelT w="63500" h="25400"/>
+          </a:sp3d>
+        </a:effectStyle>
+      </a:effectStyleLst>
+      <a:bgFillStyleLst>
+        <a:solidFill>
+          <a:schemeClr val="phClr"/>
+        </a:solidFill>
+        <a:gradFill rotWithShape="1">
+          <a:gsLst>
+            <a:gs pos="0">
+              <a:schemeClr val="phClr">
+                <a:tint val="40000"/>
+                <a:satMod val="350000"/>
+              </a:schemeClr>
+            </a:gs>
+            <a:gs pos="40000">
+              <a:schemeClr val="phClr">
+                <a:tint val="45000"/>
+                <a:shade val="99000"/>
+                <a:satMod val="350000"/>
+              </a:schemeClr>
+            </a:gs>
+            <a:gs pos="100000">
+              <a:schemeClr val="phClr">
+                <a:shade val="20000"/>
+                <a:satMod val="255000"/>
+              </a:schemeClr>
+            </a:gs>
+          </a:gsLst>
+          <a:path path="circle">
+            <a:fillToRect l="50000" t="-80000" r="50000" b="180000"/>
+          </a:path>
+        </a:gradFill>
+        <a:gradFill rotWithShape="1">
+          <a:gsLst>
+            <a:gs pos="0">
+              <a:schemeClr val="phClr">
+                <a:tint val="80000"/>
+                <a:satMod val="300000"/>
+              </a:schemeClr>
+            </a:gs>
+            <a:gs pos="100000">
+              <a:schemeClr val="phClr">
+                <a:shade val="30000"/>
+                <a:satMod val="200000"/>
+              </a:schemeClr>
+            </a:gs>
+          </a:gsLst>
+          <a:path path="circle">
+            <a:fillToRect l="50000" t="50000" r="50000" b="50000"/>
+          </a:path>
+        </a:gradFill>
+      </a:bgFillStyleLst>
+    </a:fmtScheme>
+  </a:themeElements>
+  <a:objectDefaults>
+    <a:spDef>
+      <a:spPr/>
+      <a:bodyPr/>
+      <a:lstStyle/>
+      <a:style>
+        <a:lnRef idx="1">
+          <a:schemeClr val="accent1"/>
+        </a:lnRef>
+        <a:fillRef idx="3">
+          <a:schemeClr val="accent1"/>
+        </a:fillRef>
+        <a:effectRef idx="2">
+          <a:schemeClr val="accent1"/>
+        </a:effectRef>
+        <a:fontRef idx="minor">
+          <a:schemeClr val="lt1"/>
+        </a:fontRef>
+      </a:style>
+    </a:spDef>
+    <a:lnDef>
+      <a:spPr/>
+      <a:bodyPr/>
+      <a:lstStyle/>
+      <a:style>
+        <a:lnRef idx="2">
+          <a:schemeClr val="accent1"/>
+        </a:lnRef>
+        <a:fillRef idx="0">
+          <a:schemeClr val="accent1"/>
+        </a:fillRef>
+        <a:effectRef idx="1">
+          <a:schemeClr val="accent1"/>
+        </a:effectRef>
+        <a:fontRef idx="minor">
+          <a:schemeClr val="tx1"/>
+        </a:fontRef>
+      </a:style>
+    </a:lnDef>
+  </a:objectDefaults>
   <a:extraClrSchemeLst/>
 </a:theme>
 </file>
--- a/2015_DOE_Review/SuperBigBite DAQ update-Oct-20-2015.pptx
+++ b/2015_DOE_Review/SuperBigBite DAQ update-Oct-20-2015.pptx
@@ -14,7 +14,7 @@
     <p:sldId id="260" r:id="rId8"/>
     <p:sldId id="261" r:id="rId9"/>
     <p:sldId id="263" r:id="rId10"/>
-    <p:sldId id="264" r:id="rId11"/>
+    <p:sldId id="278" r:id="rId11"/>
     <p:sldId id="267" r:id="rId12"/>
     <p:sldId id="265" r:id="rId13"/>
     <p:sldId id="272" r:id="rId14"/>
@@ -126,7 +126,7 @@
   </p:defaultTextStyle>
   <p:extLst>
     <p:ext uri="{EFAFB233-063F-42B5-8137-9DF3F51BA10A}">
-      <p15:sldGuideLst xmlns:p15="http://schemas.microsoft.com/office/powerpoint/2012/main" xmlns="">
+      <p15:sldGuideLst xmlns="" xmlns:p15="http://schemas.microsoft.com/office/powerpoint/2012/main">
         <p15:guide id="1" orient="horz" pos="2160">
           <p15:clr>
             <a:srgbClr val="A4A3A4"/>
@@ -769,11 +769,11 @@
           <c:showPercent val="0"/>
           <c:showBubbleSize val="0"/>
         </c:dLbls>
-        <c:axId val="90291200"/>
-        <c:axId val="90301952"/>
+        <c:axId val="81698816"/>
+        <c:axId val="81701120"/>
       </c:scatterChart>
       <c:valAx>
-        <c:axId val="90291200"/>
+        <c:axId val="81698816"/>
         <c:scaling>
           <c:orientation val="minMax"/>
         </c:scaling>
@@ -819,12 +819,12 @@
         <c:majorTickMark val="out"/>
         <c:minorTickMark val="none"/>
         <c:tickLblPos val="nextTo"/>
-        <c:crossAx val="90301952"/>
+        <c:crossAx val="81701120"/>
         <c:crosses val="autoZero"/>
         <c:crossBetween val="midCat"/>
       </c:valAx>
       <c:valAx>
-        <c:axId val="90301952"/>
+        <c:axId val="81701120"/>
         <c:scaling>
           <c:orientation val="minMax"/>
         </c:scaling>
@@ -865,7 +865,7 @@
         <c:majorTickMark val="out"/>
         <c:minorTickMark val="none"/>
         <c:tickLblPos val="nextTo"/>
-        <c:crossAx val="90291200"/>
+        <c:crossAx val="81698816"/>
         <c:crosses val="autoZero"/>
         <c:crossBetween val="midCat"/>
       </c:valAx>
@@ -1598,11 +1598,11 @@
           <c:showPercent val="0"/>
           <c:showBubbleSize val="0"/>
         </c:dLbls>
-        <c:axId val="90345472"/>
-        <c:axId val="90347776"/>
+        <c:axId val="54724864"/>
+        <c:axId val="54789632"/>
       </c:scatterChart>
       <c:valAx>
-        <c:axId val="90345472"/>
+        <c:axId val="54724864"/>
         <c:scaling>
           <c:orientation val="minMax"/>
         </c:scaling>
@@ -1643,12 +1643,12 @@
         <c:majorTickMark val="out"/>
         <c:minorTickMark val="none"/>
         <c:tickLblPos val="nextTo"/>
-        <c:crossAx val="90347776"/>
+        <c:crossAx val="54789632"/>
         <c:crosses val="autoZero"/>
         <c:crossBetween val="midCat"/>
       </c:valAx>
       <c:valAx>
-        <c:axId val="90347776"/>
+        <c:axId val="54789632"/>
         <c:scaling>
           <c:orientation val="minMax"/>
         </c:scaling>
@@ -1689,7 +1689,7 @@
         <c:majorTickMark val="out"/>
         <c:minorTickMark val="none"/>
         <c:tickLblPos val="nextTo"/>
-        <c:crossAx val="90345472"/>
+        <c:crossAx val="54724864"/>
         <c:crosses val="autoZero"/>
         <c:crossBetween val="midCat"/>
       </c:valAx>
@@ -2054,11 +2054,11 @@
           <c:showPercent val="0"/>
           <c:showBubbleSize val="0"/>
         </c:dLbls>
-        <c:axId val="90912640"/>
-        <c:axId val="90923392"/>
+        <c:axId val="73779840"/>
+        <c:axId val="73790592"/>
       </c:scatterChart>
       <c:valAx>
-        <c:axId val="90912640"/>
+        <c:axId val="73779840"/>
         <c:scaling>
           <c:orientation val="minMax"/>
           <c:max val="200000"/>
@@ -2112,12 +2112,12 @@
             </a:solidFill>
           </a:ln>
         </c:spPr>
-        <c:crossAx val="90923392"/>
+        <c:crossAx val="73790592"/>
         <c:crossesAt val="0"/>
         <c:crossBetween val="midCat"/>
       </c:valAx>
       <c:valAx>
-        <c:axId val="90923392"/>
+        <c:axId val="73790592"/>
         <c:scaling>
           <c:orientation val="minMax"/>
         </c:scaling>
@@ -2165,7 +2165,7 @@
             </a:solidFill>
           </a:ln>
         </c:spPr>
-        <c:crossAx val="90912640"/>
+        <c:crossAx val="73779840"/>
         <c:crossesAt val="0"/>
         <c:crossBetween val="midCat"/>
       </c:valAx>
@@ -2387,7 +2387,7 @@
           <a:p>
             <a:fld id="{B41FAE2C-98F2-4AEB-9028-7681F5825C1E}" type="datetimeFigureOut">
               <a:rPr lang="en-US" smtClean="0"/>
-              <a:t>11/2/2015</a:t>
+              <a:t>11/3/2015</a:t>
             </a:fld>
             <a:endParaRPr lang="en-US"/>
           </a:p>
@@ -2560,7 +2560,7 @@
           <a:p>
             <a:fld id="{B41FAE2C-98F2-4AEB-9028-7681F5825C1E}" type="datetimeFigureOut">
               <a:rPr lang="en-US" smtClean="0"/>
-              <a:t>11/2/2015</a:t>
+              <a:t>11/3/2015</a:t>
             </a:fld>
             <a:endParaRPr lang="en-US"/>
           </a:p>
@@ -2743,7 +2743,7 @@
           <a:p>
             <a:fld id="{B41FAE2C-98F2-4AEB-9028-7681F5825C1E}" type="datetimeFigureOut">
               <a:rPr lang="en-US" smtClean="0"/>
-              <a:t>11/2/2015</a:t>
+              <a:t>11/3/2015</a:t>
             </a:fld>
             <a:endParaRPr lang="en-US"/>
           </a:p>
@@ -2993,7 +2993,7 @@
                 </a:solidFill>
               </a:rPr>
               <a:pPr/>
-              <a:t>11/2/2015</a:t>
+              <a:t>11/3/2015</a:t>
             </a:fld>
             <a:endParaRPr lang="en-US">
               <a:solidFill>
@@ -3194,7 +3194,7 @@
                 </a:solidFill>
               </a:rPr>
               <a:pPr/>
-              <a:t>11/2/2015</a:t>
+              <a:t>11/3/2015</a:t>
             </a:fld>
             <a:endParaRPr lang="en-US">
               <a:solidFill>
@@ -3471,7 +3471,7 @@
                 </a:solidFill>
               </a:rPr>
               <a:pPr/>
-              <a:t>11/2/2015</a:t>
+              <a:t>11/3/2015</a:t>
             </a:fld>
             <a:endParaRPr lang="en-US">
               <a:solidFill>
@@ -3790,7 +3790,7 @@
                 </a:solidFill>
               </a:rPr>
               <a:pPr/>
-              <a:t>11/2/2015</a:t>
+              <a:t>11/3/2015</a:t>
             </a:fld>
             <a:endParaRPr lang="en-US">
               <a:solidFill>
@@ -4243,7 +4243,7 @@
                 </a:solidFill>
               </a:rPr>
               <a:pPr/>
-              <a:t>11/2/2015</a:t>
+              <a:t>11/3/2015</a:t>
             </a:fld>
             <a:endParaRPr lang="en-US">
               <a:solidFill>
@@ -4392,7 +4392,7 @@
                 </a:solidFill>
               </a:rPr>
               <a:pPr/>
-              <a:t>11/2/2015</a:t>
+              <a:t>11/3/2015</a:t>
             </a:fld>
             <a:endParaRPr lang="en-US">
               <a:solidFill>
@@ -4518,7 +4518,7 @@
                 </a:solidFill>
               </a:rPr>
               <a:pPr/>
-              <a:t>11/2/2015</a:t>
+              <a:t>11/3/2015</a:t>
             </a:fld>
             <a:endParaRPr lang="en-US">
               <a:solidFill>
@@ -4826,7 +4826,7 @@
                 </a:solidFill>
               </a:rPr>
               <a:pPr/>
-              <a:t>11/2/2015</a:t>
+              <a:t>11/3/2015</a:t>
             </a:fld>
             <a:endParaRPr lang="en-US">
               <a:solidFill>
@@ -5022,7 +5022,7 @@
           <a:p>
             <a:fld id="{B41FAE2C-98F2-4AEB-9028-7681F5825C1E}" type="datetimeFigureOut">
               <a:rPr lang="en-US" smtClean="0"/>
-              <a:t>11/2/2015</a:t>
+              <a:t>11/3/2015</a:t>
             </a:fld>
             <a:endParaRPr lang="en-US"/>
           </a:p>
@@ -5287,7 +5287,7 @@
                 </a:solidFill>
               </a:rPr>
               <a:pPr/>
-              <a:t>11/2/2015</a:t>
+              <a:t>11/3/2015</a:t>
             </a:fld>
             <a:endParaRPr lang="en-US">
               <a:solidFill>
@@ -5488,7 +5488,7 @@
                 </a:solidFill>
               </a:rPr>
               <a:pPr/>
-              <a:t>11/2/2015</a:t>
+              <a:t>11/3/2015</a:t>
             </a:fld>
             <a:endParaRPr lang="en-US">
               <a:solidFill>
@@ -5699,7 +5699,7 @@
                 </a:solidFill>
               </a:rPr>
               <a:pPr/>
-              <a:t>11/2/2015</a:t>
+              <a:t>11/3/2015</a:t>
             </a:fld>
             <a:endParaRPr lang="en-US">
               <a:solidFill>
@@ -5971,7 +5971,7 @@
           <a:p>
             <a:fld id="{B41FAE2C-98F2-4AEB-9028-7681F5825C1E}" type="datetimeFigureOut">
               <a:rPr lang="en-US" smtClean="0"/>
-              <a:t>11/2/2015</a:t>
+              <a:t>11/3/2015</a:t>
             </a:fld>
             <a:endParaRPr lang="en-US"/>
           </a:p>
@@ -6262,7 +6262,7 @@
           <a:p>
             <a:fld id="{B41FAE2C-98F2-4AEB-9028-7681F5825C1E}" type="datetimeFigureOut">
               <a:rPr lang="en-US" smtClean="0"/>
-              <a:t>11/2/2015</a:t>
+              <a:t>11/3/2015</a:t>
             </a:fld>
             <a:endParaRPr lang="en-US"/>
           </a:p>
@@ -6687,7 +6687,7 @@
           <a:p>
             <a:fld id="{B41FAE2C-98F2-4AEB-9028-7681F5825C1E}" type="datetimeFigureOut">
               <a:rPr lang="en-US" smtClean="0"/>
-              <a:t>11/2/2015</a:t>
+              <a:t>11/3/2015</a:t>
             </a:fld>
             <a:endParaRPr lang="en-US"/>
           </a:p>
@@ -6808,7 +6808,7 @@
           <a:p>
             <a:fld id="{B41FAE2C-98F2-4AEB-9028-7681F5825C1E}" type="datetimeFigureOut">
               <a:rPr lang="en-US" smtClean="0"/>
-              <a:t>11/2/2015</a:t>
+              <a:t>11/3/2015</a:t>
             </a:fld>
             <a:endParaRPr lang="en-US"/>
           </a:p>
@@ -6906,7 +6906,7 @@
           <a:p>
             <a:fld id="{B41FAE2C-98F2-4AEB-9028-7681F5825C1E}" type="datetimeFigureOut">
               <a:rPr lang="en-US" smtClean="0"/>
-              <a:t>11/2/2015</a:t>
+              <a:t>11/3/2015</a:t>
             </a:fld>
             <a:endParaRPr lang="en-US"/>
           </a:p>
@@ -7186,7 +7186,7 @@
           <a:p>
             <a:fld id="{B41FAE2C-98F2-4AEB-9028-7681F5825C1E}" type="datetimeFigureOut">
               <a:rPr lang="en-US" smtClean="0"/>
-              <a:t>11/2/2015</a:t>
+              <a:t>11/3/2015</a:t>
             </a:fld>
             <a:endParaRPr lang="en-US"/>
           </a:p>
@@ -7446,7 +7446,7 @@
           <a:p>
             <a:fld id="{B41FAE2C-98F2-4AEB-9028-7681F5825C1E}" type="datetimeFigureOut">
               <a:rPr lang="en-US" smtClean="0"/>
-              <a:t>11/2/2015</a:t>
+              <a:t>11/3/2015</a:t>
             </a:fld>
             <a:endParaRPr lang="en-US"/>
           </a:p>
@@ -7667,7 +7667,7 @@
           <a:p>
             <a:fld id="{B41FAE2C-98F2-4AEB-9028-7681F5825C1E}" type="datetimeFigureOut">
               <a:rPr lang="en-US" smtClean="0"/>
-              <a:t>11/2/2015</a:t>
+              <a:t>11/3/2015</a:t>
             </a:fld>
             <a:endParaRPr lang="en-US"/>
           </a:p>
@@ -8145,7 +8145,7 @@
                 </a:solidFill>
               </a:rPr>
               <a:pPr defTabSz="457200"/>
-              <a:t>11/2/2015</a:t>
+              <a:t>11/3/2015</a:t>
             </a:fld>
             <a:endParaRPr lang="en-US" dirty="0">
               <a:solidFill>
@@ -8603,13 +8603,13 @@
           <p:nvPr>
             <p:extLst>
               <p:ext uri="{D42A27DB-BD31-4B8C-83A1-F6EECF244321}">
-                <p14:modId xmlns:p14="http://schemas.microsoft.com/office/powerpoint/2010/main" val="1954670967"/>
+                <p14:modId xmlns:p14="http://schemas.microsoft.com/office/powerpoint/2010/main" val="3355298516"/>
               </p:ext>
             </p:extLst>
           </p:nvPr>
         </p:nvGraphicFramePr>
         <p:xfrm>
-          <a:off x="1556481" y="1289786"/>
+          <a:off x="1295400" y="1326536"/>
           <a:ext cx="6341180" cy="5022860"/>
         </p:xfrm>
         <a:graphic>
@@ -8618,43 +8618,6 @@
           </a:graphicData>
         </a:graphic>
       </p:graphicFrame>
-      <p:sp>
-        <p:nvSpPr>
-          <p:cNvPr id="5" name="Title 1"/>
-          <p:cNvSpPr>
-            <a:spLocks noGrp="1"/>
-          </p:cNvSpPr>
-          <p:nvPr>
-            <p:ph type="title"/>
-          </p:nvPr>
-        </p:nvSpPr>
-        <p:spPr>
-          <a:xfrm>
-            <a:off x="219487" y="180558"/>
-            <a:ext cx="8701105" cy="1058154"/>
-          </a:xfrm>
-        </p:spPr>
-        <p:txBody>
-          <a:bodyPr>
-            <a:noAutofit/>
-          </a:bodyPr>
-          <a:lstStyle/>
-          <a:p>
-            <a:r>
-              <a:rPr lang="en-US" sz="3600" dirty="0" smtClean="0"/>
-              <a:t>Readout trigger rate ~ 5kHz, Buffer Level = 4,</a:t>
-            </a:r>
-            <a:br>
-              <a:rPr lang="en-US" sz="3600" dirty="0" smtClean="0"/>
-            </a:br>
-            <a:r>
-              <a:rPr lang="en-US" sz="3600" dirty="0" smtClean="0"/>
-              <a:t>No pedestal suppression (8ADC)</a:t>
-            </a:r>
-            <a:endParaRPr lang="en-US" sz="3600" dirty="0"/>
-          </a:p>
-        </p:txBody>
-      </p:sp>
       <p:sp>
         <p:nvSpPr>
           <p:cNvPr id="6" name="TextBox 5"/>
@@ -8766,6 +8729,84 @@
               <a:t>1 crates</a:t>
             </a:r>
             <a:endParaRPr lang="en-US" sz="2400" dirty="0"/>
+          </a:p>
+        </p:txBody>
+      </p:sp>
+      <p:sp>
+        <p:nvSpPr>
+          <p:cNvPr id="2" name="Rectangle 1"/>
+          <p:cNvSpPr/>
+          <p:nvPr/>
+        </p:nvSpPr>
+        <p:spPr>
+          <a:xfrm>
+            <a:off x="791230" y="989929"/>
+            <a:ext cx="3243837" cy="369332"/>
+          </a:xfrm>
+          <a:prstGeom prst="rect">
+            <a:avLst/>
+          </a:prstGeom>
+        </p:spPr>
+        <p:txBody>
+          <a:bodyPr wrap="none">
+            <a:spAutoFit/>
+          </a:bodyPr>
+          <a:lstStyle/>
+          <a:p>
+            <a:r>
+              <a:rPr lang="en-US" b="1" dirty="0"/>
+              <a:t>No pedestal suppression (8ADC)</a:t>
+            </a:r>
+          </a:p>
+        </p:txBody>
+      </p:sp>
+      <p:sp>
+        <p:nvSpPr>
+          <p:cNvPr id="11" name="Rectangle 10"/>
+          <p:cNvSpPr/>
+          <p:nvPr/>
+        </p:nvSpPr>
+        <p:spPr>
+          <a:xfrm>
+            <a:off x="5715000" y="1005984"/>
+            <a:ext cx="2796407" cy="369332"/>
+          </a:xfrm>
+          <a:prstGeom prst="rect">
+            <a:avLst/>
+          </a:prstGeom>
+        </p:spPr>
+        <p:txBody>
+          <a:bodyPr wrap="none">
+            <a:spAutoFit/>
+          </a:bodyPr>
+          <a:lstStyle/>
+          <a:p>
+            <a:r>
+              <a:rPr lang="en-US" b="1" dirty="0"/>
+              <a:t>Readout trigger rate ~ 5kHz</a:t>
+            </a:r>
+          </a:p>
+        </p:txBody>
+      </p:sp>
+      <p:sp>
+        <p:nvSpPr>
+          <p:cNvPr id="12" name="Title 11"/>
+          <p:cNvSpPr>
+            <a:spLocks noGrp="1"/>
+          </p:cNvSpPr>
+          <p:nvPr>
+            <p:ph type="title"/>
+          </p:nvPr>
+        </p:nvSpPr>
+        <p:spPr/>
+        <p:txBody>
+          <a:bodyPr/>
+          <a:lstStyle/>
+          <a:p>
+            <a:r>
+              <a:rPr lang="en-US" dirty="0"/>
+              <a:t>3 Crates, Buffer Level = 4</a:t>
+            </a:r>
           </a:p>
         </p:txBody>
       </p:sp>
@@ -10343,28 +10384,28 @@
                 <a:gridCol w="2190750">
                   <a:extLst>
                     <a:ext uri="{9D8B030D-6E8A-4147-A177-3AD203B41FA5}">
-                      <a16:colId xmlns:a16="http://schemas.microsoft.com/office/drawing/2014/main" xmlns="" val="2383147881"/>
+                      <a16:colId xmlns="" xmlns:a16="http://schemas.microsoft.com/office/drawing/2014/main" val="2383147881"/>
                     </a:ext>
                   </a:extLst>
                 </a:gridCol>
                 <a:gridCol w="2190750">
                   <a:extLst>
                     <a:ext uri="{9D8B030D-6E8A-4147-A177-3AD203B41FA5}">
-                      <a16:colId xmlns:a16="http://schemas.microsoft.com/office/drawing/2014/main" xmlns="" val="3539225061"/>
+                      <a16:colId xmlns="" xmlns:a16="http://schemas.microsoft.com/office/drawing/2014/main" val="3539225061"/>
                     </a:ext>
                   </a:extLst>
                 </a:gridCol>
                 <a:gridCol w="2190750">
                   <a:extLst>
                     <a:ext uri="{9D8B030D-6E8A-4147-A177-3AD203B41FA5}">
-                      <a16:colId xmlns:a16="http://schemas.microsoft.com/office/drawing/2014/main" xmlns="" val="449586720"/>
+                      <a16:colId xmlns="" xmlns:a16="http://schemas.microsoft.com/office/drawing/2014/main" val="449586720"/>
                     </a:ext>
                   </a:extLst>
                 </a:gridCol>
                 <a:gridCol w="2190750">
                   <a:extLst>
                     <a:ext uri="{9D8B030D-6E8A-4147-A177-3AD203B41FA5}">
-                      <a16:colId xmlns:a16="http://schemas.microsoft.com/office/drawing/2014/main" xmlns="" val="3861353694"/>
+                      <a16:colId xmlns="" xmlns:a16="http://schemas.microsoft.com/office/drawing/2014/main" val="3861353694"/>
                     </a:ext>
                   </a:extLst>
                 </a:gridCol>
@@ -10504,7 +10545,7 @@
                 </a:tc>
                 <a:extLst>
                   <a:ext uri="{0D108BD9-81ED-4DB2-BD59-A6C34878D82A}">
-                    <a16:rowId xmlns:a16="http://schemas.microsoft.com/office/drawing/2014/main" xmlns="" val="660863743"/>
+                    <a16:rowId xmlns="" xmlns:a16="http://schemas.microsoft.com/office/drawing/2014/main" val="660863743"/>
                   </a:ext>
                 </a:extLst>
               </a:tr>
@@ -10520,11 +10561,7 @@
                       </a:pPr>
                       <a:r>
                         <a:rPr lang="en-US" sz="1600" dirty="0" smtClean="0"/>
-                        <a:t>Finish MPD CODA </a:t>
-                      </a:r>
-                      <a:r>
-                        <a:rPr lang="en-US" sz="1600" dirty="0" smtClean="0"/>
-                        <a:t>readout</a:t>
+                        <a:t>Finish MPD CODA readout</a:t>
                       </a:r>
                       <a:r>
                         <a:rPr lang="en-US" sz="1600" baseline="0" dirty="0" smtClean="0"/>
@@ -10534,7 +10571,6 @@
                         <a:rPr lang="en-US" sz="1600" dirty="0" smtClean="0"/>
                         <a:t>debug</a:t>
                       </a:r>
-                      <a:endParaRPr lang="en-US" sz="1600" dirty="0" smtClean="0"/>
                     </a:p>
                     <a:p>
                       <a:pPr marL="285750" indent="-285750" algn="l">
@@ -10551,11 +10587,7 @@
                       </a:r>
                       <a:r>
                         <a:rPr lang="en-US" sz="1600" dirty="0" smtClean="0"/>
-                        <a:t> Readout </a:t>
-                      </a:r>
-                      <a:r>
-                        <a:rPr lang="en-US" sz="1600" dirty="0" smtClean="0"/>
-                        <a:t>– debug</a:t>
+                        <a:t> Readout – debug</a:t>
                       </a:r>
                     </a:p>
                     <a:p>
@@ -10565,11 +10597,7 @@
                       </a:pPr>
                       <a:r>
                         <a:rPr lang="en-US" sz="1600" dirty="0" smtClean="0"/>
-                        <a:t>Small </a:t>
-                      </a:r>
-                      <a:r>
-                        <a:rPr lang="en-US" sz="1600" dirty="0" smtClean="0"/>
-                        <a:t>scale setup</a:t>
+                        <a:t>Small scale setup</a:t>
                       </a:r>
                     </a:p>
                     <a:p>
@@ -10578,21 +10606,12 @@
                         <a:rPr lang="en-US" sz="1600" dirty="0" smtClean="0"/>
                         <a:t>Test </a:t>
                       </a:r>
-                      <a:endParaRPr lang="en-US" sz="1600" dirty="0" smtClean="0"/>
                     </a:p>
                     <a:p>
                       <a:pPr lvl="1" algn="l"/>
                       <a:r>
                         <a:rPr lang="en-US" sz="1600" dirty="0" smtClean="0"/>
-                        <a:t>200 </a:t>
-                      </a:r>
-                      <a:r>
-                        <a:rPr lang="en-US" sz="1600" dirty="0" smtClean="0"/>
-                        <a:t>KHz L1 and 5 </a:t>
-                      </a:r>
-                      <a:r>
-                        <a:rPr lang="en-US" sz="1600" dirty="0" smtClean="0"/>
-                        <a:t>kHz </a:t>
+                        <a:t>200 KHz L1 and 5 kHz </a:t>
                       </a:r>
                       <a:r>
                         <a:rPr lang="en-US" sz="1600" dirty="0" err="1" smtClean="0"/>
@@ -10608,15 +10627,7 @@
                       </a:r>
                       <a:r>
                         <a:rPr lang="en-US" sz="1600" dirty="0" smtClean="0"/>
-                        <a:t>, </a:t>
-                      </a:r>
-                      <a:r>
-                        <a:rPr lang="en-US" sz="1600" dirty="0" smtClean="0"/>
-                        <a:t>MPD, </a:t>
-                      </a:r>
-                      <a:r>
-                        <a:rPr lang="en-US" sz="1600" dirty="0" smtClean="0"/>
-                        <a:t>and HCAL FADC</a:t>
+                        <a:t>, MPD, and HCAL FADC</a:t>
                       </a:r>
                     </a:p>
                     <a:p>
@@ -10649,17 +10660,12 @@
                       </a:r>
                       <a:r>
                         <a:rPr lang="en-US" sz="1600" baseline="0" dirty="0" smtClean="0"/>
-                        <a:t> </a:t>
-                      </a:r>
-                      <a:r>
-                        <a:rPr lang="en-US" sz="1600" baseline="0" dirty="0" smtClean="0"/>
-                        <a:t>s</a:t>
+                        <a:t> s</a:t>
                       </a:r>
                       <a:r>
                         <a:rPr lang="en-US" sz="1600" dirty="0" smtClean="0"/>
                         <a:t>ynchronization</a:t>
                       </a:r>
-                      <a:endParaRPr lang="en-US" sz="1600" dirty="0" smtClean="0"/>
                     </a:p>
                     <a:p>
                       <a:pPr marL="285750" indent="-285750" algn="l">
@@ -10950,7 +10956,7 @@
                 </a:tc>
                 <a:extLst>
                   <a:ext uri="{0D108BD9-81ED-4DB2-BD59-A6C34878D82A}">
-                    <a16:rowId xmlns:a16="http://schemas.microsoft.com/office/drawing/2014/main" xmlns="" val="85563496"/>
+                    <a16:rowId xmlns="" xmlns:a16="http://schemas.microsoft.com/office/drawing/2014/main" val="85563496"/>
                   </a:ext>
                 </a:extLst>
               </a:tr>
@@ -11050,11 +11056,7 @@
             <a:pPr lvl="1"/>
             <a:r>
               <a:rPr lang="en-US" dirty="0" smtClean="0"/>
-              <a:t>JLAB </a:t>
-            </a:r>
-            <a:r>
-              <a:rPr lang="en-US" dirty="0" smtClean="0"/>
-              <a:t>: </a:t>
+              <a:t>JLAB : </a:t>
             </a:r>
             <a:r>
               <a:rPr lang="en-US" dirty="0" err="1" smtClean="0"/>
@@ -11071,21 +11073,13 @@
             <a:r>
               <a:rPr lang="en-US" dirty="0" smtClean="0"/>
               <a:t>, Mark Jones, </a:t>
-            </a:r>
-            <a:r>
-              <a:rPr lang="en-US" dirty="0" smtClean="0"/>
-              <a:t/>
             </a:r>
             <a:br>
               <a:rPr lang="en-US" dirty="0" smtClean="0"/>
             </a:br>
             <a:r>
               <a:rPr lang="en-US" dirty="0" smtClean="0"/>
-              <a:t>Robert Michaels</a:t>
-            </a:r>
-            <a:r>
-              <a:rPr lang="en-US" dirty="0" smtClean="0"/>
-              <a:t>, Bryan </a:t>
+              <a:t>Robert Michaels, Bryan </a:t>
             </a:r>
             <a:r>
               <a:rPr lang="en-US" dirty="0" err="1" smtClean="0"/>
@@ -11182,11 +11176,7 @@
             <a:pPr lvl="1"/>
             <a:r>
               <a:rPr lang="en-US" dirty="0" smtClean="0"/>
-              <a:t>JLAB </a:t>
-            </a:r>
-            <a:r>
-              <a:rPr lang="en-US" dirty="0" smtClean="0"/>
-              <a:t>: Ben </a:t>
+              <a:t>JLAB : Ben </a:t>
             </a:r>
             <a:r>
               <a:rPr lang="en-US" dirty="0" err="1" smtClean="0"/>
@@ -11206,11 +11196,7 @@
             <a:pPr lvl="1"/>
             <a:r>
               <a:rPr lang="en-US" dirty="0" smtClean="0"/>
-              <a:t>Stony Brook : Seamus </a:t>
-            </a:r>
-            <a:r>
-              <a:rPr lang="en-US" dirty="0" smtClean="0"/>
-              <a:t>Riordan</a:t>
+              <a:t>Stony Brook : Seamus Riordan</a:t>
             </a:r>
             <a:br>
               <a:rPr lang="en-US" dirty="0" smtClean="0"/>
@@ -11236,10 +11222,6 @@
             <a:r>
               <a:rPr lang="en-US" dirty="0" smtClean="0"/>
               <a:t>, </a:t>
-            </a:r>
-            <a:r>
-              <a:rPr lang="en-US" dirty="0" smtClean="0"/>
-              <a:t/>
             </a:r>
             <a:br>
               <a:rPr lang="en-US" dirty="0" smtClean="0"/>
@@ -11328,8 +11310,8 @@
         </p:nvSpPr>
         <p:spPr>
           <a:xfrm>
-            <a:off x="1752600" y="2057400"/>
-            <a:ext cx="8229600" cy="4525963"/>
+            <a:off x="2209800" y="1295400"/>
+            <a:ext cx="4724400" cy="4038600"/>
           </a:xfrm>
         </p:spPr>
         <p:txBody>
@@ -11553,8 +11535,8 @@
           </a:p>
         </p:txBody>
       </p:sp>
-      <mc:AlternateContent xmlns:mc="http://schemas.openxmlformats.org/markup-compatibility/2006">
-        <mc:Choice xmlns:a14="http://schemas.microsoft.com/office/drawing/2010/main" Requires="a14">
+      <mc:AlternateContent xmlns:mc="http://schemas.openxmlformats.org/markup-compatibility/2006" xmlns:a14="http://schemas.microsoft.com/office/drawing/2010/main">
+        <mc:Choice Requires="a14">
           <p:sp>
             <p:nvSpPr>
               <p:cNvPr id="3" name="Content Placeholder 2"/>
@@ -11626,23 +11608,7 @@
                 <a:pPr lvl="1"/>
                 <a:r>
                   <a:rPr lang="en-US" dirty="0" smtClean="0"/>
-                  <a:t>200 </a:t>
-                </a:r>
-                <a:r>
-                  <a:rPr lang="en-US" dirty="0" smtClean="0"/>
-                  <a:t>kHz </a:t>
-                </a:r>
-                <a:r>
-                  <a:rPr lang="en-US" dirty="0" smtClean="0"/>
-                  <a:t>L1, </a:t>
-                </a:r>
-                <a:r>
-                  <a:rPr lang="en-US" dirty="0" smtClean="0"/>
-                  <a:t>3 kHz </a:t>
-                </a:r>
-                <a:r>
-                  <a:rPr lang="en-US" dirty="0" smtClean="0"/>
-                  <a:t>of L2 Electromagnetic Calorimeter Fastbus</a:t>
+                  <a:t>200 kHz L1, 3 kHz of L2 Electromagnetic Calorimeter Fastbus</a:t>
                 </a:r>
               </a:p>
               <a:p>
@@ -11671,11 +11637,7 @@
                 <a:pPr lvl="1"/>
                 <a:r>
                   <a:rPr lang="en-US" dirty="0" smtClean="0"/>
-                  <a:t>HCAL trigger pipeline FADC and L2 </a:t>
-                </a:r>
-                <a:r>
-                  <a:rPr lang="en-US" dirty="0" smtClean="0"/>
-                  <a:t>trigger</a:t>
+                  <a:t>HCAL trigger pipeline FADC and L2 trigger</a:t>
                 </a:r>
                 <a:br>
                   <a:rPr lang="en-US" dirty="0" smtClean="0"/>
@@ -11803,7 +11765,7 @@
             </p:txBody>
           </p:sp>
         </mc:Choice>
-        <mc:Fallback>
+        <mc:Fallback xmlns="">
           <p:sp>
             <p:nvSpPr>
               <p:cNvPr id="3" name="Content Placeholder 2"/>
@@ -11953,11 +11915,7 @@
             <a:pPr lvl="1"/>
             <a:r>
               <a:rPr lang="en-US" dirty="0" smtClean="0"/>
-              <a:t>Trigger partitioning capability only use a subset of </a:t>
-            </a:r>
-            <a:r>
-              <a:rPr lang="en-US" dirty="0" smtClean="0"/>
-              <a:t>modules</a:t>
+              <a:t>Trigger partitioning capability only use a subset of modules</a:t>
             </a:r>
             <a:br>
               <a:rPr lang="en-US" dirty="0" smtClean="0"/>
@@ -11983,11 +11941,7 @@
             </a:r>
             <a:r>
               <a:rPr lang="en-US" dirty="0" smtClean="0"/>
-              <a:t> </a:t>
-            </a:r>
-            <a:r>
-              <a:rPr lang="en-US" dirty="0" smtClean="0"/>
-              <a:t>)</a:t>
+              <a:t> )</a:t>
             </a:r>
             <a:br>
               <a:rPr lang="en-US" dirty="0" smtClean="0"/>
@@ -11997,15 +11951,7 @@
           <a:p>
             <a:r>
               <a:rPr lang="en-US" dirty="0" smtClean="0"/>
-              <a:t>Firmware being </a:t>
-            </a:r>
-            <a:r>
-              <a:rPr lang="en-US" dirty="0" smtClean="0"/>
-              <a:t>developed </a:t>
-            </a:r>
-            <a:r>
-              <a:rPr lang="en-US" dirty="0" smtClean="0"/>
-              <a:t>and tested</a:t>
+              <a:t>Firmware being developed and tested</a:t>
             </a:r>
           </a:p>
           <a:p>
@@ -12067,11 +12013,7 @@
           <a:p>
             <a:r>
               <a:rPr lang="it-IT" dirty="0" smtClean="0"/>
-              <a:t>Fastbus </a:t>
-            </a:r>
-            <a:r>
-              <a:rPr lang="it-IT" dirty="0" smtClean="0"/>
-              <a:t>update</a:t>
+              <a:t>Fastbus update</a:t>
             </a:r>
             <a:endParaRPr lang="it-IT" dirty="0"/>
           </a:p>
@@ -12140,7 +12082,47 @@
                 <a:latin typeface="Minion Pro"/>
                 <a:cs typeface="Times New Roman" pitchFamily="18" charset="0"/>
               </a:rPr>
-              <a:t>  Have  sufficient   TDCs,    ADCs,   crates,    aux. cards</a:t>
+              <a:t>  </a:t>
+            </a:r>
+            <a:r>
+              <a:rPr lang="en-US" sz="2000" dirty="0" smtClean="0">
+                <a:solidFill>
+                  <a:srgbClr val="0070C0"/>
+                </a:solidFill>
+                <a:latin typeface="Minion Pro"/>
+                <a:cs typeface="Times New Roman" pitchFamily="18" charset="0"/>
+              </a:rPr>
+              <a:t>Have sufficient   TDCs</a:t>
+            </a:r>
+            <a:r>
+              <a:rPr lang="en-US" sz="2000" dirty="0">
+                <a:solidFill>
+                  <a:srgbClr val="0070C0"/>
+                </a:solidFill>
+                <a:latin typeface="Minion Pro"/>
+                <a:cs typeface="Times New Roman" pitchFamily="18" charset="0"/>
+              </a:rPr>
+              <a:t>,    ADCs,   crates</a:t>
+            </a:r>
+            <a:r>
+              <a:rPr lang="en-US" sz="2000" dirty="0" smtClean="0">
+                <a:solidFill>
+                  <a:srgbClr val="0070C0"/>
+                </a:solidFill>
+                <a:latin typeface="Minion Pro"/>
+                <a:cs typeface="Times New Roman" pitchFamily="18" charset="0"/>
+              </a:rPr>
+              <a:t>,  </a:t>
+            </a:r>
+            <a:r>
+              <a:rPr lang="en-US" sz="2000" dirty="0">
+                <a:solidFill>
+                  <a:srgbClr val="0070C0"/>
+                </a:solidFill>
+                <a:latin typeface="Minion Pro"/>
+                <a:cs typeface="Times New Roman" pitchFamily="18" charset="0"/>
+              </a:rPr>
+              <a:t>aux. cards</a:t>
             </a:r>
           </a:p>
           <a:p>
@@ -12182,7 +12164,27 @@
                 <a:latin typeface="Minion Pro"/>
                 <a:cs typeface="Times New Roman" pitchFamily="18" charset="0"/>
               </a:rPr>
-              <a:t>  Like  to  scrounge  ~3 more SFI </a:t>
+              <a:t>  </a:t>
+            </a:r>
+            <a:r>
+              <a:rPr lang="en-US" sz="2000" dirty="0" smtClean="0">
+                <a:solidFill>
+                  <a:srgbClr val="C00000"/>
+                </a:solidFill>
+                <a:latin typeface="Minion Pro"/>
+                <a:cs typeface="Times New Roman" pitchFamily="18" charset="0"/>
+              </a:rPr>
+              <a:t>Like to scrounge ~3 </a:t>
+            </a:r>
+            <a:r>
+              <a:rPr lang="en-US" sz="2000" dirty="0">
+                <a:solidFill>
+                  <a:srgbClr val="C00000"/>
+                </a:solidFill>
+                <a:latin typeface="Minion Pro"/>
+                <a:cs typeface="Times New Roman" pitchFamily="18" charset="0"/>
+              </a:rPr>
+              <a:t>more SFI </a:t>
             </a:r>
             <a:r>
               <a:rPr lang="en-US" sz="1200" dirty="0">
@@ -12439,30 +12441,86 @@
                 <a:latin typeface="Minion Pro"/>
                 <a:cs typeface="Times New Roman" pitchFamily="18" charset="0"/>
               </a:rPr>
-              <a:t>Three  </a:t>
-            </a:r>
-            <a:r>
-              <a:rPr lang="en-US" sz="2000" dirty="0">
+              <a:t>Three large </a:t>
+            </a:r>
+            <a:r>
+              <a:rPr lang="en-US" sz="2000" dirty="0" err="1" smtClean="0">
                 <a:solidFill>
                   <a:srgbClr val="7030A0"/>
                 </a:solidFill>
                 <a:latin typeface="Minion Pro"/>
                 <a:cs typeface="Times New Roman" pitchFamily="18" charset="0"/>
               </a:rPr>
-              <a:t>large  Fastbus systems are being </a:t>
-            </a:r>
-          </a:p>
-          <a:p>
-            <a:pPr eaLnBrk="1" hangingPunct="1"/>
-            <a:r>
-              <a:rPr lang="en-US" sz="2000" dirty="0">
+              <a:t>Fastbus</a:t>
+            </a:r>
+            <a:r>
+              <a:rPr lang="en-US" sz="2000" dirty="0" smtClean="0">
                 <a:solidFill>
                   <a:srgbClr val="7030A0"/>
                 </a:solidFill>
                 <a:latin typeface="Minion Pro"/>
                 <a:cs typeface="Times New Roman" pitchFamily="18" charset="0"/>
               </a:rPr>
-              <a:t>    assembled  for  test in the  test  lab.</a:t>
+              <a:t> </a:t>
+            </a:r>
+            <a:r>
+              <a:rPr lang="en-US" sz="2000" dirty="0">
+                <a:solidFill>
+                  <a:srgbClr val="7030A0"/>
+                </a:solidFill>
+                <a:latin typeface="Minion Pro"/>
+                <a:cs typeface="Times New Roman" pitchFamily="18" charset="0"/>
+              </a:rPr>
+              <a:t>systems </a:t>
+            </a:r>
+            <a:r>
+              <a:rPr lang="en-US" sz="2000" dirty="0" smtClean="0">
+                <a:solidFill>
+                  <a:srgbClr val="7030A0"/>
+                </a:solidFill>
+                <a:latin typeface="Minion Pro"/>
+                <a:cs typeface="Times New Roman" pitchFamily="18" charset="0"/>
+              </a:rPr>
+              <a:t>assembled </a:t>
+            </a:r>
+            <a:br>
+              <a:rPr lang="en-US" sz="2000" dirty="0" smtClean="0">
+                <a:solidFill>
+                  <a:srgbClr val="7030A0"/>
+                </a:solidFill>
+                <a:latin typeface="Minion Pro"/>
+                <a:cs typeface="Times New Roman" pitchFamily="18" charset="0"/>
+              </a:rPr>
+            </a:br>
+            <a:r>
+              <a:rPr lang="en-US" sz="2000" dirty="0" smtClean="0">
+                <a:solidFill>
+                  <a:srgbClr val="7030A0"/>
+                </a:solidFill>
+                <a:latin typeface="Minion Pro"/>
+                <a:cs typeface="Times New Roman" pitchFamily="18" charset="0"/>
+              </a:rPr>
+              <a:t>in </a:t>
+            </a:r>
+            <a:r>
+              <a:rPr lang="en-US" sz="2000" dirty="0" smtClean="0">
+                <a:solidFill>
+                  <a:srgbClr val="7030A0"/>
+                </a:solidFill>
+                <a:latin typeface="Minion Pro"/>
+                <a:cs typeface="Times New Roman" pitchFamily="18" charset="0"/>
+              </a:rPr>
+              <a:t>the test lab</a:t>
+            </a:r>
+            <a:r>
+              <a:rPr lang="en-US" sz="2000" dirty="0">
+                <a:solidFill>
+                  <a:srgbClr val="7030A0"/>
+                </a:solidFill>
+                <a:latin typeface="Minion Pro"/>
+                <a:cs typeface="Times New Roman" pitchFamily="18" charset="0"/>
+              </a:rPr>
+              <a:t>.</a:t>
             </a:r>
             <a:endParaRPr lang="en-US" dirty="0" smtClean="0">
               <a:solidFill>
@@ -12564,7 +12622,7 @@
         </p:nvSpPr>
         <p:spPr>
           <a:xfrm>
-            <a:off x="3476291" y="1684280"/>
+            <a:off x="3657600" y="1684280"/>
             <a:ext cx="889647" cy="461665"/>
           </a:xfrm>
           <a:prstGeom prst="rect">
@@ -12581,7 +12639,7 @@
             <a:pPr eaLnBrk="1" hangingPunct="1"/>
             <a:r>
               <a:rPr lang="en-US" sz="1200" dirty="0">
-                <a:latin typeface="Georgia" panose="02040502050405020303" pitchFamily="18" charset="0"/>
+                <a:latin typeface="Minion Pro"/>
                 <a:cs typeface="Times New Roman" pitchFamily="18" charset="0"/>
               </a:rPr>
               <a:t>have  113</a:t>
@@ -12591,7 +12649,7 @@
             <a:pPr eaLnBrk="1" hangingPunct="1"/>
             <a:r>
               <a:rPr lang="en-US" sz="1200" dirty="0">
-                <a:latin typeface="Georgia" panose="02040502050405020303" pitchFamily="18" charset="0"/>
+                <a:latin typeface="Minion Pro"/>
                 <a:cs typeface="Times New Roman" pitchFamily="18" charset="0"/>
               </a:rPr>
               <a:t>need  94</a:t>
@@ -12607,7 +12665,7 @@
         </p:nvSpPr>
         <p:spPr>
           <a:xfrm>
-            <a:off x="2544604" y="1690978"/>
+            <a:off x="2667000" y="1695141"/>
             <a:ext cx="889647" cy="461665"/>
           </a:xfrm>
           <a:prstGeom prst="rect">
@@ -12624,7 +12682,7 @@
             <a:pPr eaLnBrk="1" hangingPunct="1"/>
             <a:r>
               <a:rPr lang="en-US" sz="1200" dirty="0">
-                <a:latin typeface="Georgia" panose="02040502050405020303" pitchFamily="18" charset="0"/>
+                <a:latin typeface="Minion Pro"/>
                 <a:cs typeface="Times New Roman" pitchFamily="18" charset="0"/>
               </a:rPr>
               <a:t>have  236</a:t>
@@ -12634,7 +12692,7 @@
             <a:pPr eaLnBrk="1" hangingPunct="1"/>
             <a:r>
               <a:rPr lang="en-US" sz="1200" dirty="0">
-                <a:latin typeface="Georgia" panose="02040502050405020303" pitchFamily="18" charset="0"/>
+                <a:latin typeface="Minion Pro"/>
                 <a:cs typeface="Times New Roman" pitchFamily="18" charset="0"/>
               </a:rPr>
               <a:t>need  124</a:t>
@@ -12650,7 +12708,7 @@
         </p:nvSpPr>
         <p:spPr>
           <a:xfrm>
-            <a:off x="4425963" y="1688749"/>
+            <a:off x="4571408" y="1681164"/>
             <a:ext cx="889647" cy="461665"/>
           </a:xfrm>
           <a:prstGeom prst="rect">
@@ -12667,7 +12725,7 @@
             <a:pPr eaLnBrk="1" hangingPunct="1"/>
             <a:r>
               <a:rPr lang="en-US" sz="1200" dirty="0">
-                <a:latin typeface="Georgia" panose="02040502050405020303" pitchFamily="18" charset="0"/>
+                <a:latin typeface="Minion Pro"/>
                 <a:cs typeface="Times New Roman" pitchFamily="18" charset="0"/>
               </a:rPr>
               <a:t>have  30</a:t>
@@ -12677,7 +12735,7 @@
             <a:pPr eaLnBrk="1" hangingPunct="1"/>
             <a:r>
               <a:rPr lang="en-US" sz="1200" dirty="0">
-                <a:latin typeface="Georgia" panose="02040502050405020303" pitchFamily="18" charset="0"/>
+                <a:latin typeface="Minion Pro"/>
                 <a:cs typeface="Times New Roman" pitchFamily="18" charset="0"/>
               </a:rPr>
               <a:t>need  21</a:t>
@@ -12722,8 +12780,61 @@
           <a:chExt cx="0" cy="0"/>
         </a:xfrm>
       </p:grpSpPr>
-      <mc:AlternateContent xmlns:mc="http://schemas.openxmlformats.org/markup-compatibility/2006">
-        <mc:Choice xmlns:a14="http://schemas.microsoft.com/office/drawing/2010/main" Requires="a14">
+      <p:pic>
+        <p:nvPicPr>
+          <p:cNvPr id="1026" name="Picture 2"/>
+          <p:cNvPicPr>
+            <a:picLocks noChangeAspect="1" noChangeArrowheads="1"/>
+          </p:cNvPicPr>
+          <p:nvPr/>
+        </p:nvPicPr>
+        <p:blipFill>
+          <a:blip r:embed="rId2">
+            <a:extLst>
+              <a:ext uri="{28A0092B-C50C-407E-A947-70E740481C1C}">
+                <a14:useLocalDpi xmlns:a14="http://schemas.microsoft.com/office/drawing/2010/main" val="0"/>
+              </a:ext>
+            </a:extLst>
+          </a:blip>
+          <a:stretch>
+            <a:fillRect/>
+          </a:stretch>
+        </p:blipFill>
+        <p:spPr bwMode="auto">
+          <a:xfrm>
+            <a:off x="97200" y="840058"/>
+            <a:ext cx="8948160" cy="5406179"/>
+          </a:xfrm>
+          <a:prstGeom prst="rect">
+            <a:avLst/>
+          </a:prstGeom>
+          <a:noFill/>
+          <a:ln>
+            <a:noFill/>
+          </a:ln>
+          <a:extLst>
+            <a:ext uri="{909E8E84-426E-40DD-AFC4-6F175D3DCCD1}">
+              <a14:hiddenFill xmlns:a14="http://schemas.microsoft.com/office/drawing/2010/main">
+                <a:solidFill>
+                  <a:schemeClr val="accent1"/>
+                </a:solidFill>
+              </a14:hiddenFill>
+            </a:ext>
+            <a:ext uri="{91240B29-F687-4F45-9708-019B960494DF}">
+              <a14:hiddenLine xmlns:a14="http://schemas.microsoft.com/office/drawing/2010/main" w="9525">
+                <a:solidFill>
+                  <a:schemeClr val="tx1"/>
+                </a:solidFill>
+                <a:miter lim="800000"/>
+                <a:headEnd/>
+                <a:tailEnd/>
+              </a14:hiddenLine>
+            </a:ext>
+          </a:extLst>
+        </p:spPr>
+      </p:pic>
+      <mc:AlternateContent xmlns:mc="http://schemas.openxmlformats.org/markup-compatibility/2006" xmlns:a14="http://schemas.microsoft.com/office/drawing/2010/main">
+        <mc:Choice Requires="a14">
           <p:sp>
             <p:nvSpPr>
               <p:cNvPr id="6" name="Title 5"/>
@@ -12786,18 +12897,14 @@
                 </a14:m>
                 <a:r>
                   <a:rPr lang="it-IT" dirty="0" smtClean="0"/>
-                  <a:t> DAQ </a:t>
-                </a:r>
-                <a:r>
-                  <a:rPr lang="it-IT" dirty="0" smtClean="0"/>
-                  <a:t>Configuration / both arms</a:t>
+                  <a:t> DAQ Configuration / both arms</a:t>
                 </a:r>
                 <a:endParaRPr lang="it-IT" dirty="0"/>
               </a:p>
             </p:txBody>
           </p:sp>
         </mc:Choice>
-        <mc:Fallback>
+        <mc:Fallback xmlns="">
           <p:sp>
             <p:nvSpPr>
               <p:cNvPr id="6" name="Title 5"/>
@@ -12810,7 +12917,7 @@
             </p:nvSpPr>
             <p:spPr>
               <a:blipFill rotWithShape="1">
-                <a:blip r:embed="rId2"/>
+                <a:blip r:embed="rId3"/>
                 <a:stretch>
                   <a:fillRect t="-60000" b="-95385"/>
                 </a:stretch>
@@ -12851,34 +12958,8 @@
             </a:pPr>
             <a:fld id="{D71A591E-0AAE-49BD-BAFD-8583FDD55043}" type="datetime1">
               <a:rPr lang="en-US" smtClean="0"/>
-              <a:t>11/2/2015</a:t>
+              <a:t>11/3/2015</a:t>
             </a:fld>
-            <a:endParaRPr lang="en-US"/>
-          </a:p>
-        </p:txBody>
-      </p:sp>
-      <p:sp>
-        <p:nvSpPr>
-          <p:cNvPr id="3" name="Footer Placeholder 2"/>
-          <p:cNvSpPr>
-            <a:spLocks noGrp="1"/>
-          </p:cNvSpPr>
-          <p:nvPr>
-            <p:ph type="ftr" sz="quarter" idx="11"/>
-          </p:nvPr>
-        </p:nvSpPr>
-        <p:spPr/>
-        <p:txBody>
-          <a:bodyPr/>
-          <a:lstStyle/>
-          <a:p>
-            <a:pPr>
-              <a:defRPr/>
-            </a:pPr>
-            <a:r>
-              <a:rPr lang="en-US" smtClean="0"/>
-              <a:t>SBS Collaboration Meeting</a:t>
-            </a:r>
             <a:endParaRPr lang="en-US"/>
           </a:p>
         </p:txBody>
@@ -12920,7 +13001,7 @@
         </p:nvSpPr>
         <p:spPr>
           <a:xfrm>
-            <a:off x="402653" y="6047816"/>
+            <a:off x="244345" y="5410062"/>
             <a:ext cx="4376272" cy="637754"/>
           </a:xfrm>
           <a:prstGeom prst="rect">
@@ -13146,53 +13227,13 @@
       </p:sp>
       <p:sp>
         <p:nvSpPr>
-          <p:cNvPr id="28" name="Isosceles Triangle 27"/>
-          <p:cNvSpPr/>
-          <p:nvPr/>
-        </p:nvSpPr>
-        <p:spPr>
-          <a:xfrm rot="5400000">
-            <a:off x="6615076" y="4717252"/>
-            <a:ext cx="221766" cy="258235"/>
-          </a:xfrm>
-          <a:prstGeom prst="triangle">
-            <a:avLst/>
-          </a:prstGeom>
-        </p:spPr>
-        <p:style>
-          <a:lnRef idx="2">
-            <a:schemeClr val="accent1">
-              <a:shade val="50000"/>
-            </a:schemeClr>
-          </a:lnRef>
-          <a:fillRef idx="1">
-            <a:schemeClr val="accent1"/>
-          </a:fillRef>
-          <a:effectRef idx="0">
-            <a:schemeClr val="accent1"/>
-          </a:effectRef>
-          <a:fontRef idx="minor">
-            <a:schemeClr val="lt1"/>
-          </a:fontRef>
-        </p:style>
-        <p:txBody>
-          <a:bodyPr lIns="82945" tIns="41473" rIns="82945" bIns="41473" rtlCol="0" anchor="ctr"/>
-          <a:lstStyle/>
-          <a:p>
-            <a:pPr algn="ctr"/>
-            <a:endParaRPr lang="en-US"/>
-          </a:p>
-        </p:txBody>
-      </p:sp>
-      <p:sp>
-        <p:nvSpPr>
           <p:cNvPr id="24" name="TextBox 23"/>
           <p:cNvSpPr txBox="1"/>
           <p:nvPr/>
         </p:nvSpPr>
         <p:spPr>
           <a:xfrm>
-            <a:off x="1959300" y="1137346"/>
+            <a:off x="1905000" y="838200"/>
             <a:ext cx="875268" cy="360755"/>
           </a:xfrm>
           <a:prstGeom prst="rect">
@@ -13214,60 +13255,6 @@
           </a:p>
         </p:txBody>
       </p:sp>
-      <p:pic>
-        <p:nvPicPr>
-          <p:cNvPr id="1026" name="Picture 2"/>
-          <p:cNvPicPr>
-            <a:picLocks noChangeAspect="1" noChangeArrowheads="1"/>
-          </p:cNvPicPr>
-          <p:nvPr/>
-        </p:nvPicPr>
-        <p:blipFill>
-          <a:blip r:embed="rId3">
-            <a:extLst>
-              <a:ext uri="{28A0092B-C50C-407E-A947-70E740481C1C}">
-                <a14:useLocalDpi xmlns:a14="http://schemas.microsoft.com/office/drawing/2010/main" val="0"/>
-              </a:ext>
-            </a:extLst>
-          </a:blip>
-          <a:srcRect/>
-          <a:stretch>
-            <a:fillRect/>
-          </a:stretch>
-        </p:blipFill>
-        <p:spPr bwMode="auto">
-          <a:xfrm>
-            <a:off x="195840" y="1492213"/>
-            <a:ext cx="9046765" cy="6398092"/>
-          </a:xfrm>
-          <a:prstGeom prst="rect">
-            <a:avLst/>
-          </a:prstGeom>
-          <a:noFill/>
-          <a:ln>
-            <a:noFill/>
-          </a:ln>
-          <a:extLst>
-            <a:ext uri="{909E8E84-426E-40DD-AFC4-6F175D3DCCD1}">
-              <a14:hiddenFill xmlns:a14="http://schemas.microsoft.com/office/drawing/2010/main">
-                <a:solidFill>
-                  <a:schemeClr val="accent1"/>
-                </a:solidFill>
-              </a14:hiddenFill>
-            </a:ext>
-            <a:ext uri="{91240B29-F687-4F45-9708-019B960494DF}">
-              <a14:hiddenLine xmlns:a14="http://schemas.microsoft.com/office/drawing/2010/main" w="9525">
-                <a:solidFill>
-                  <a:schemeClr val="tx1"/>
-                </a:solidFill>
-                <a:miter lim="800000"/>
-                <a:headEnd/>
-                <a:tailEnd/>
-              </a14:hiddenLine>
-            </a:ext>
-          </a:extLst>
-        </p:spPr>
-      </p:pic>
     </p:spTree>
     <p:extLst>
       <p:ext uri="{BB962C8B-B14F-4D97-AF65-F5344CB8AC3E}">
@@ -13472,14 +13459,14 @@
           <p:nvPr>
             <p:extLst>
               <p:ext uri="{D42A27DB-BD31-4B8C-83A1-F6EECF244321}">
-                <p14:modId xmlns:p14="http://schemas.microsoft.com/office/powerpoint/2010/main" val="2733529193"/>
+                <p14:modId xmlns:p14="http://schemas.microsoft.com/office/powerpoint/2010/main" val="1544091857"/>
               </p:ext>
             </p:extLst>
           </p:nvPr>
         </p:nvGraphicFramePr>
         <p:xfrm>
-          <a:off x="457200" y="967812"/>
-          <a:ext cx="6376892" cy="5403850"/>
+          <a:off x="609600" y="814702"/>
+          <a:ext cx="6084764" cy="5433698"/>
         </p:xfrm>
         <a:graphic>
           <a:graphicData uri="http://schemas.openxmlformats.org/drawingml/2006/chart">
@@ -13563,13 +13550,63 @@
       </p:sp>
       <p:sp>
         <p:nvSpPr>
-          <p:cNvPr id="7" name="TextBox 6"/>
+          <p:cNvPr id="19" name="TextBox 18"/>
           <p:cNvSpPr txBox="1"/>
           <p:nvPr/>
         </p:nvSpPr>
         <p:spPr>
           <a:xfrm>
-            <a:off x="6459199" y="1630710"/>
+            <a:off x="6694364" y="2916463"/>
+            <a:ext cx="2304618" cy="1200329"/>
+          </a:xfrm>
+          <a:prstGeom prst="rect">
+            <a:avLst/>
+          </a:prstGeom>
+          <a:noFill/>
+        </p:spPr>
+        <p:txBody>
+          <a:bodyPr wrap="square" rtlCol="0">
+            <a:spAutoFit/>
+          </a:bodyPr>
+          <a:lstStyle/>
+          <a:p>
+            <a:r>
+              <a:rPr lang="en-US" dirty="0" smtClean="0"/>
+              <a:t>Dead time at</a:t>
+            </a:r>
+          </a:p>
+          <a:p>
+            <a:r>
+              <a:rPr lang="en-US" dirty="0" smtClean="0"/>
+              <a:t>Local ~ 200 kHz and Readout ~5kHz</a:t>
+            </a:r>
+          </a:p>
+          <a:p>
+            <a:r>
+              <a:rPr lang="en-US" dirty="0" smtClean="0"/>
+              <a:t>D</a:t>
+            </a:r>
+            <a:r>
+              <a:rPr lang="en-US" baseline="-25000" dirty="0" smtClean="0"/>
+              <a:t>1</a:t>
+            </a:r>
+            <a:r>
+              <a:rPr lang="en-US" dirty="0" smtClean="0"/>
+              <a:t> ~40%</a:t>
+            </a:r>
+            <a:endParaRPr lang="en-US" dirty="0"/>
+          </a:p>
+        </p:txBody>
+      </p:sp>
+      <p:sp>
+        <p:nvSpPr>
+          <p:cNvPr id="13" name="TextBox 12"/>
+          <p:cNvSpPr txBox="1"/>
+          <p:nvPr/>
+        </p:nvSpPr>
+        <p:spPr>
+          <a:xfrm>
+            <a:off x="6459199" y="1005103"/>
             <a:ext cx="2539783" cy="470398"/>
           </a:xfrm>
           <a:prstGeom prst="rect">
@@ -13647,28 +13684,342 @@
             <a:r>
               <a:rPr lang="en-US" sz="2000" dirty="0" smtClean="0">
                 <a:solidFill>
+                  <a:srgbClr val="0000FF"/>
+                </a:solidFill>
+              </a:rPr>
+              <a:t>Local trigger ~ 50 </a:t>
+            </a:r>
+            <a:r>
+              <a:rPr lang="en-US" sz="2000" dirty="0" smtClean="0">
+                <a:solidFill>
+                  <a:srgbClr val="0000FF"/>
+                </a:solidFill>
+              </a:rPr>
+              <a:t>kHz</a:t>
+            </a:r>
+          </a:p>
+          <a:p>
+            <a:r>
+              <a:rPr lang="en-US" sz="2000" dirty="0">
+                <a:solidFill>
                   <a:srgbClr val="FF0000"/>
                 </a:solidFill>
               </a:rPr>
               <a:t>Local trigger ~ 100 kHz</a:t>
             </a:r>
+          </a:p>
+          <a:p>
+            <a:r>
+              <a:rPr lang="en-US" sz="2000" dirty="0">
+                <a:solidFill>
+                  <a:srgbClr val="008000"/>
+                </a:solidFill>
+              </a:rPr>
+              <a:t>Local trigger ~ 200 kHz</a:t>
+            </a:r>
+          </a:p>
+          <a:p>
             <a:endParaRPr lang="en-US" sz="2000" dirty="0">
               <a:solidFill>
-                <a:srgbClr val="FF0000"/>
+                <a:srgbClr val="0000FF"/>
               </a:solidFill>
             </a:endParaRPr>
           </a:p>
         </p:txBody>
       </p:sp>
-      <p:sp>
-        <p:nvSpPr>
-          <p:cNvPr id="8" name="TextBox 7"/>
+      <p:cxnSp>
+        <p:nvCxnSpPr>
+          <p:cNvPr id="16" name="Elbow Connector 15"/>
+          <p:cNvCxnSpPr/>
+          <p:nvPr/>
+        </p:nvCxnSpPr>
+        <p:spPr>
+          <a:xfrm rot="5400000" flipH="1" flipV="1">
+            <a:off x="1947620" y="5824782"/>
+            <a:ext cx="420127" cy="200566"/>
+          </a:xfrm>
+          <a:prstGeom prst="bentConnector3">
+            <a:avLst>
+              <a:gd name="adj1" fmla="val 2223"/>
+            </a:avLst>
+          </a:prstGeom>
+          <a:ln>
+            <a:solidFill>
+              <a:srgbClr val="800000"/>
+            </a:solidFill>
+            <a:tailEnd type="arrow"/>
+          </a:ln>
+          <a:effectLst/>
+        </p:spPr>
+        <p:style>
+          <a:lnRef idx="2">
+            <a:schemeClr val="accent1"/>
+          </a:lnRef>
+          <a:fillRef idx="0">
+            <a:schemeClr val="accent1"/>
+          </a:fillRef>
+          <a:effectRef idx="1">
+            <a:schemeClr val="accent1"/>
+          </a:effectRef>
+          <a:fontRef idx="minor">
+            <a:schemeClr val="tx1"/>
+          </a:fontRef>
+        </p:style>
+      </p:cxnSp>
+      <p:sp>
+        <p:nvSpPr>
+          <p:cNvPr id="17" name="TextBox 16"/>
           <p:cNvSpPr txBox="1"/>
           <p:nvPr/>
         </p:nvSpPr>
         <p:spPr>
           <a:xfrm>
-            <a:off x="6459199" y="1160312"/>
+            <a:off x="76200" y="5925065"/>
+            <a:ext cx="2273262" cy="369332"/>
+          </a:xfrm>
+          <a:prstGeom prst="rect">
+            <a:avLst/>
+          </a:prstGeom>
+          <a:noFill/>
+        </p:spPr>
+        <p:txBody>
+          <a:bodyPr wrap="square" rtlCol="0">
+            <a:spAutoFit/>
+          </a:bodyPr>
+          <a:lstStyle/>
+          <a:p>
+            <a:r>
+              <a:rPr lang="en-US" dirty="0" smtClean="0">
+                <a:solidFill>
+                  <a:srgbClr val="800000"/>
+                </a:solidFill>
+              </a:rPr>
+              <a:t>Expected ~ 5000 Hz</a:t>
+            </a:r>
+            <a:endParaRPr lang="en-US" dirty="0">
+              <a:solidFill>
+                <a:srgbClr val="800000"/>
+              </a:solidFill>
+            </a:endParaRPr>
+          </a:p>
+        </p:txBody>
+      </p:sp>
+    </p:spTree>
+    <p:extLst>
+      <p:ext uri="{BB962C8B-B14F-4D97-AF65-F5344CB8AC3E}">
+        <p14:creationId xmlns:p14="http://schemas.microsoft.com/office/powerpoint/2010/main" val="718382872"/>
+      </p:ext>
+    </p:extLst>
+  </p:cSld>
+  <p:clrMapOvr>
+    <a:masterClrMapping/>
+  </p:clrMapOvr>
+  <p:timing>
+    <p:tnLst>
+      <p:par>
+        <p:cTn id="1" dur="indefinite" restart="never" nodeType="tmRoot"/>
+      </p:par>
+    </p:tnLst>
+  </p:timing>
+</p:sld>
+</file>
+
+<file path=ppt/slides/slide9.xml><?xml version="1.0" encoding="utf-8"?>
+<p:sld xmlns:a="http://schemas.openxmlformats.org/drawingml/2006/main" xmlns:r="http://schemas.openxmlformats.org/officeDocument/2006/relationships" xmlns:p="http://schemas.openxmlformats.org/presentationml/2006/main">
+  <p:cSld>
+    <p:spTree>
+      <p:nvGrpSpPr>
+        <p:cNvPr id="1" name=""/>
+        <p:cNvGrpSpPr/>
+        <p:nvPr/>
+      </p:nvGrpSpPr>
+      <p:grpSpPr>
+        <a:xfrm>
+          <a:off x="0" y="0"/>
+          <a:ext cx="0" cy="0"/>
+          <a:chOff x="0" y="0"/>
+          <a:chExt cx="0" cy="0"/>
+        </a:xfrm>
+      </p:grpSpPr>
+      <p:sp>
+        <p:nvSpPr>
+          <p:cNvPr id="2" name="Title 1"/>
+          <p:cNvSpPr>
+            <a:spLocks noGrp="1"/>
+          </p:cNvSpPr>
+          <p:nvPr>
+            <p:ph type="title"/>
+          </p:nvPr>
+        </p:nvSpPr>
+        <p:spPr/>
+        <p:txBody>
+          <a:bodyPr/>
+          <a:lstStyle/>
+          <a:p>
+            <a:r>
+              <a:rPr lang="en-US" dirty="0"/>
+              <a:t>3 Crates, Buffer Level = </a:t>
+            </a:r>
+            <a:r>
+              <a:rPr lang="en-US" dirty="0" smtClean="0"/>
+              <a:t>4</a:t>
+            </a:r>
+            <a:endParaRPr lang="en-US" dirty="0"/>
+          </a:p>
+        </p:txBody>
+      </p:sp>
+      <p:sp>
+        <p:nvSpPr>
+          <p:cNvPr id="4" name="Rounded Rectangle 3"/>
+          <p:cNvSpPr/>
+          <p:nvPr/>
+        </p:nvSpPr>
+        <p:spPr>
+          <a:xfrm>
+            <a:off x="6873381" y="4459585"/>
+            <a:ext cx="1592560" cy="595836"/>
+          </a:xfrm>
+          <a:prstGeom prst="roundRect">
+            <a:avLst/>
+          </a:prstGeom>
+          <a:noFill/>
+          <a:ln w="38100" cmpd="sng">
+            <a:solidFill>
+              <a:srgbClr val="800000"/>
+            </a:solidFill>
+          </a:ln>
+          <a:effectLst/>
+        </p:spPr>
+        <p:style>
+          <a:lnRef idx="1">
+            <a:schemeClr val="accent1"/>
+          </a:lnRef>
+          <a:fillRef idx="3">
+            <a:schemeClr val="accent1"/>
+          </a:fillRef>
+          <a:effectRef idx="2">
+            <a:schemeClr val="accent1"/>
+          </a:effectRef>
+          <a:fontRef idx="minor">
+            <a:schemeClr val="lt1"/>
+          </a:fontRef>
+        </p:style>
+        <p:txBody>
+          <a:bodyPr rtlCol="0" anchor="ctr"/>
+          <a:lstStyle/>
+          <a:p>
+            <a:pPr algn="ctr"/>
+            <a:endParaRPr lang="en-US"/>
+          </a:p>
+        </p:txBody>
+      </p:sp>
+      <p:graphicFrame>
+        <p:nvGraphicFramePr>
+          <p:cNvPr id="5" name="Chart 4"/>
+          <p:cNvGraphicFramePr>
+            <a:graphicFrameLocks/>
+          </p:cNvGraphicFramePr>
+          <p:nvPr>
+            <p:extLst>
+              <p:ext uri="{D42A27DB-BD31-4B8C-83A1-F6EECF244321}">
+                <p14:modId xmlns:p14="http://schemas.microsoft.com/office/powerpoint/2010/main" val="3134079830"/>
+              </p:ext>
+            </p:extLst>
+          </p:nvPr>
+        </p:nvGraphicFramePr>
+        <p:xfrm>
+          <a:off x="457201" y="809012"/>
+          <a:ext cx="6237164" cy="5363188"/>
+        </p:xfrm>
+        <a:graphic>
+          <a:graphicData uri="http://schemas.openxmlformats.org/drawingml/2006/chart">
+            <c:chart xmlns:c="http://schemas.openxmlformats.org/drawingml/2006/chart" xmlns:r="http://schemas.openxmlformats.org/officeDocument/2006/relationships" r:id="rId2"/>
+          </a:graphicData>
+        </a:graphic>
+      </p:graphicFrame>
+      <p:sp>
+        <p:nvSpPr>
+          <p:cNvPr id="6" name="TextBox 5"/>
+          <p:cNvSpPr txBox="1"/>
+          <p:nvPr/>
+        </p:nvSpPr>
+        <p:spPr>
+          <a:xfrm>
+            <a:off x="1614798" y="1010003"/>
+            <a:ext cx="2508426" cy="707886"/>
+          </a:xfrm>
+          <a:prstGeom prst="rect">
+            <a:avLst/>
+          </a:prstGeom>
+          <a:noFill/>
+        </p:spPr>
+        <p:txBody>
+          <a:bodyPr wrap="square" rtlCol="0">
+            <a:spAutoFit/>
+          </a:bodyPr>
+          <a:lstStyle/>
+          <a:p>
+            <a:r>
+              <a:rPr lang="en-US" sz="2000" b="1" dirty="0" smtClean="0"/>
+              <a:t>No Pedestal </a:t>
+            </a:r>
+          </a:p>
+          <a:p>
+            <a:r>
+              <a:rPr lang="en-US" sz="2000" b="1" dirty="0" smtClean="0"/>
+              <a:t>Suppression (8ADCs) </a:t>
+            </a:r>
+            <a:endParaRPr lang="en-US" sz="2000" b="1" dirty="0"/>
+          </a:p>
+        </p:txBody>
+      </p:sp>
+      <p:sp>
+        <p:nvSpPr>
+          <p:cNvPr id="7" name="TextBox 6"/>
+          <p:cNvSpPr txBox="1"/>
+          <p:nvPr/>
+        </p:nvSpPr>
+        <p:spPr>
+          <a:xfrm>
+            <a:off x="4636211" y="4580623"/>
+            <a:ext cx="1822988" cy="707886"/>
+          </a:xfrm>
+          <a:prstGeom prst="rect">
+            <a:avLst/>
+          </a:prstGeom>
+          <a:noFill/>
+        </p:spPr>
+        <p:txBody>
+          <a:bodyPr wrap="square" rtlCol="0">
+            <a:spAutoFit/>
+          </a:bodyPr>
+          <a:lstStyle/>
+          <a:p>
+            <a:pPr algn="r"/>
+            <a:r>
+              <a:rPr lang="en-US" sz="2000" b="1" dirty="0" smtClean="0"/>
+              <a:t>Pedestal </a:t>
+            </a:r>
+          </a:p>
+          <a:p>
+            <a:pPr algn="r"/>
+            <a:r>
+              <a:rPr lang="en-US" sz="2000" b="1" dirty="0" smtClean="0"/>
+              <a:t>Suppressed </a:t>
+            </a:r>
+            <a:endParaRPr lang="en-US" sz="2000" b="1" dirty="0"/>
+          </a:p>
+        </p:txBody>
+      </p:sp>
+      <p:sp>
+        <p:nvSpPr>
+          <p:cNvPr id="9" name="TextBox 8"/>
+          <p:cNvSpPr txBox="1"/>
+          <p:nvPr/>
+        </p:nvSpPr>
+        <p:spPr>
+          <a:xfrm>
+            <a:off x="6459199" y="1005103"/>
             <a:ext cx="2539783" cy="470398"/>
           </a:xfrm>
           <a:prstGeom prst="rect">
@@ -13749,126 +14100,41 @@
                   <a:srgbClr val="0000FF"/>
                 </a:solidFill>
               </a:rPr>
-              <a:t>Local trigger ~ 50 kHz</a:t>
-            </a:r>
+              <a:t>Local trigger ~ 50 </a:t>
+            </a:r>
+            <a:r>
+              <a:rPr lang="en-US" sz="2000" dirty="0" smtClean="0">
+                <a:solidFill>
+                  <a:srgbClr val="0000FF"/>
+                </a:solidFill>
+              </a:rPr>
+              <a:t>kHz</a:t>
+            </a:r>
+          </a:p>
+          <a:p>
+            <a:r>
+              <a:rPr lang="en-US" sz="2000" dirty="0">
+                <a:solidFill>
+                  <a:srgbClr val="FF0000"/>
+                </a:solidFill>
+              </a:rPr>
+              <a:t>Local trigger ~ 100 kHz</a:t>
+            </a:r>
+          </a:p>
+          <a:p>
+            <a:r>
+              <a:rPr lang="en-US" sz="2000" dirty="0">
+                <a:solidFill>
+                  <a:srgbClr val="008000"/>
+                </a:solidFill>
+              </a:rPr>
+              <a:t>Local trigger ~ 200 kHz</a:t>
+            </a:r>
+          </a:p>
+          <a:p>
             <a:endParaRPr lang="en-US" sz="2000" dirty="0">
               <a:solidFill>
                 <a:srgbClr val="0000FF"/>
-              </a:solidFill>
-            </a:endParaRPr>
-          </a:p>
-        </p:txBody>
-      </p:sp>
-      <p:sp>
-        <p:nvSpPr>
-          <p:cNvPr id="9" name="TextBox 8"/>
-          <p:cNvSpPr txBox="1"/>
-          <p:nvPr/>
-        </p:nvSpPr>
-        <p:spPr>
-          <a:xfrm>
-            <a:off x="6459199" y="2045268"/>
-            <a:ext cx="2539783" cy="470398"/>
-          </a:xfrm>
-          <a:prstGeom prst="rect">
-            <a:avLst/>
-          </a:prstGeom>
-        </p:spPr>
-        <p:txBody>
-          <a:bodyPr wrap="square" rtlCol="0"/>
-          <a:lstStyle>
-            <a:lvl1pPr marL="0" indent="0">
-              <a:defRPr sz="1100">
-                <a:latin typeface="+mn-lt"/>
-                <a:ea typeface="+mn-ea"/>
-                <a:cs typeface="+mn-cs"/>
-              </a:defRPr>
-            </a:lvl1pPr>
-            <a:lvl2pPr marL="457200" indent="0">
-              <a:defRPr sz="1100">
-                <a:latin typeface="+mn-lt"/>
-                <a:ea typeface="+mn-ea"/>
-                <a:cs typeface="+mn-cs"/>
-              </a:defRPr>
-            </a:lvl2pPr>
-            <a:lvl3pPr marL="914400" indent="0">
-              <a:defRPr sz="1100">
-                <a:latin typeface="+mn-lt"/>
-                <a:ea typeface="+mn-ea"/>
-                <a:cs typeface="+mn-cs"/>
-              </a:defRPr>
-            </a:lvl3pPr>
-            <a:lvl4pPr marL="1371600" indent="0">
-              <a:defRPr sz="1100">
-                <a:latin typeface="+mn-lt"/>
-                <a:ea typeface="+mn-ea"/>
-                <a:cs typeface="+mn-cs"/>
-              </a:defRPr>
-            </a:lvl4pPr>
-            <a:lvl5pPr marL="1828800" indent="0">
-              <a:defRPr sz="1100">
-                <a:latin typeface="+mn-lt"/>
-                <a:ea typeface="+mn-ea"/>
-                <a:cs typeface="+mn-cs"/>
-              </a:defRPr>
-            </a:lvl5pPr>
-            <a:lvl6pPr marL="2286000" indent="0">
-              <a:defRPr sz="1100">
-                <a:latin typeface="+mn-lt"/>
-                <a:ea typeface="+mn-ea"/>
-                <a:cs typeface="+mn-cs"/>
-              </a:defRPr>
-            </a:lvl6pPr>
-            <a:lvl7pPr marL="2743200" indent="0">
-              <a:defRPr sz="1100">
-                <a:latin typeface="+mn-lt"/>
-                <a:ea typeface="+mn-ea"/>
-                <a:cs typeface="+mn-cs"/>
-              </a:defRPr>
-            </a:lvl7pPr>
-            <a:lvl8pPr marL="3200400" indent="0">
-              <a:defRPr sz="1100">
-                <a:latin typeface="+mn-lt"/>
-                <a:ea typeface="+mn-ea"/>
-                <a:cs typeface="+mn-cs"/>
-              </a:defRPr>
-            </a:lvl8pPr>
-            <a:lvl9pPr marL="3657600" indent="0">
-              <a:defRPr sz="1100">
-                <a:latin typeface="+mn-lt"/>
-                <a:ea typeface="+mn-ea"/>
-                <a:cs typeface="+mn-cs"/>
-              </a:defRPr>
-            </a:lvl9pPr>
-          </a:lstStyle>
-          <a:p>
-            <a:r>
-              <a:rPr lang="en-US" sz="2000" dirty="0" smtClean="0">
-                <a:solidFill>
-                  <a:srgbClr val="008000"/>
-                </a:solidFill>
-              </a:rPr>
-              <a:t>Local trigger </a:t>
-            </a:r>
-            <a:r>
-              <a:rPr lang="en-US" sz="2000" dirty="0">
-                <a:solidFill>
-                  <a:srgbClr val="008000"/>
-                </a:solidFill>
-              </a:rPr>
-              <a:t>~</a:t>
-            </a:r>
-            <a:r>
-              <a:rPr lang="en-US" sz="2000" dirty="0" smtClean="0">
-                <a:solidFill>
-                  <a:srgbClr val="008000"/>
-                </a:solidFill>
-              </a:rPr>
-              <a:t> 200 kHz</a:t>
-            </a:r>
-            <a:endParaRPr lang="en-US" sz="2000" dirty="0">
-              <a:solidFill>
-                <a:srgbClr val="008000"/>
               </a:solidFill>
             </a:endParaRPr>
           </a:p>
@@ -13881,13 +14147,13 @@
           <p:nvPr/>
         </p:nvCxnSpPr>
         <p:spPr>
-          <a:xfrm rot="16200000" flipV="1">
-            <a:off x="2152212" y="6034938"/>
-            <a:ext cx="370074" cy="279649"/>
+          <a:xfrm rot="5400000" flipH="1" flipV="1">
+            <a:off x="1947620" y="5824782"/>
+            <a:ext cx="420127" cy="200566"/>
           </a:xfrm>
           <a:prstGeom prst="bentConnector3">
             <a:avLst>
-              <a:gd name="adj1" fmla="val -844"/>
+              <a:gd name="adj1" fmla="val 2223"/>
             </a:avLst>
           </a:prstGeom>
           <a:ln>
@@ -13915,13 +14181,13 @@
       </p:cxnSp>
       <p:sp>
         <p:nvSpPr>
-          <p:cNvPr id="18" name="TextBox 17"/>
+          <p:cNvPr id="12" name="TextBox 11"/>
           <p:cNvSpPr txBox="1"/>
           <p:nvPr/>
         </p:nvSpPr>
         <p:spPr>
           <a:xfrm>
-            <a:off x="2602493" y="6359800"/>
+            <a:off x="76200" y="5925065"/>
             <a:ext cx="2273262" cy="369332"/>
           </a:xfrm>
           <a:prstGeom prst="rect">
@@ -13953,13 +14219,13 @@
       </p:sp>
       <p:sp>
         <p:nvSpPr>
-          <p:cNvPr id="19" name="TextBox 18"/>
+          <p:cNvPr id="13" name="TextBox 12"/>
           <p:cNvSpPr txBox="1"/>
           <p:nvPr/>
         </p:nvSpPr>
         <p:spPr>
           <a:xfrm>
-            <a:off x="6694364" y="2916463"/>
+            <a:off x="6694364" y="2734795"/>
             <a:ext cx="2304618" cy="1200329"/>
           </a:xfrm>
           <a:prstGeom prst="rect">
@@ -13990,614 +14256,14 @@
               <a:t>D</a:t>
             </a:r>
             <a:r>
-              <a:rPr lang="en-US" baseline="-25000" dirty="0" smtClean="0"/>
-              <a:t>1</a:t>
+              <a:rPr lang="en-US" baseline="-25000" dirty="0"/>
+              <a:t>3</a:t>
             </a:r>
             <a:r>
               <a:rPr lang="en-US" dirty="0" smtClean="0"/>
-              <a:t> ~40%</a:t>
+              <a:t> ~6%</a:t>
             </a:r>
             <a:endParaRPr lang="en-US" dirty="0"/>
-          </a:p>
-        </p:txBody>
-      </p:sp>
-    </p:spTree>
-    <p:extLst>
-      <p:ext uri="{BB962C8B-B14F-4D97-AF65-F5344CB8AC3E}">
-        <p14:creationId xmlns:p14="http://schemas.microsoft.com/office/powerpoint/2010/main" val="718382872"/>
-      </p:ext>
-    </p:extLst>
-  </p:cSld>
-  <p:clrMapOvr>
-    <a:masterClrMapping/>
-  </p:clrMapOvr>
-  <p:timing>
-    <p:tnLst>
-      <p:par>
-        <p:cTn id="1" dur="indefinite" restart="never" nodeType="tmRoot"/>
-      </p:par>
-    </p:tnLst>
-  </p:timing>
-</p:sld>
-</file>
-
-<file path=ppt/slides/slide9.xml><?xml version="1.0" encoding="utf-8"?>
-<p:sld xmlns:a="http://schemas.openxmlformats.org/drawingml/2006/main" xmlns:r="http://schemas.openxmlformats.org/officeDocument/2006/relationships" xmlns:p="http://schemas.openxmlformats.org/presentationml/2006/main">
-  <p:cSld>
-    <p:spTree>
-      <p:nvGrpSpPr>
-        <p:cNvPr id="1" name=""/>
-        <p:cNvGrpSpPr/>
-        <p:nvPr/>
-      </p:nvGrpSpPr>
-      <p:grpSpPr>
-        <a:xfrm>
-          <a:off x="0" y="0"/>
-          <a:ext cx="0" cy="0"/>
-          <a:chOff x="0" y="0"/>
-          <a:chExt cx="0" cy="0"/>
-        </a:xfrm>
-      </p:grpSpPr>
-      <p:sp>
-        <p:nvSpPr>
-          <p:cNvPr id="16" name="Rounded Rectangle 15"/>
-          <p:cNvSpPr/>
-          <p:nvPr/>
-        </p:nvSpPr>
-        <p:spPr>
-          <a:xfrm>
-            <a:off x="6873381" y="4641253"/>
-            <a:ext cx="1592560" cy="595836"/>
-          </a:xfrm>
-          <a:prstGeom prst="roundRect">
-            <a:avLst/>
-          </a:prstGeom>
-          <a:noFill/>
-          <a:ln w="38100" cmpd="sng">
-            <a:solidFill>
-              <a:srgbClr val="800000"/>
-            </a:solidFill>
-          </a:ln>
-          <a:effectLst/>
-        </p:spPr>
-        <p:style>
-          <a:lnRef idx="1">
-            <a:schemeClr val="accent1"/>
-          </a:lnRef>
-          <a:fillRef idx="3">
-            <a:schemeClr val="accent1"/>
-          </a:fillRef>
-          <a:effectRef idx="2">
-            <a:schemeClr val="accent1"/>
-          </a:effectRef>
-          <a:fontRef idx="minor">
-            <a:schemeClr val="lt1"/>
-          </a:fontRef>
-        </p:style>
-        <p:txBody>
-          <a:bodyPr rtlCol="0" anchor="ctr"/>
-          <a:lstStyle/>
-          <a:p>
-            <a:pPr algn="ctr"/>
-            <a:endParaRPr lang="en-US"/>
-          </a:p>
-        </p:txBody>
-      </p:sp>
-      <p:sp>
-        <p:nvSpPr>
-          <p:cNvPr id="4" name="Title 1"/>
-          <p:cNvSpPr txBox="1">
-            <a:spLocks/>
-          </p:cNvSpPr>
-          <p:nvPr/>
-        </p:nvSpPr>
-        <p:spPr>
-          <a:xfrm>
-            <a:off x="457200" y="274638"/>
-            <a:ext cx="8229600" cy="628473"/>
-          </a:xfrm>
-          <a:prstGeom prst="rect">
-            <a:avLst/>
-          </a:prstGeom>
-        </p:spPr>
-        <p:txBody>
-          <a:bodyPr vert="horz" lIns="91440" tIns="45720" rIns="91440" bIns="45720" rtlCol="0" anchor="ctr">
-            <a:normAutofit/>
-          </a:bodyPr>
-          <a:lstStyle>
-            <a:lvl1pPr algn="l" defTabSz="457200" rtl="0" eaLnBrk="1" latinLnBrk="0" hangingPunct="1">
-              <a:spcBef>
-                <a:spcPct val="0"/>
-              </a:spcBef>
-              <a:buNone/>
-              <a:defRPr sz="3200" kern="1200">
-                <a:solidFill>
-                  <a:srgbClr val="800000"/>
-                </a:solidFill>
-                <a:latin typeface="+mj-lt"/>
-                <a:ea typeface="+mj-ea"/>
-                <a:cs typeface="+mj-cs"/>
-              </a:defRPr>
-            </a:lvl1pPr>
-          </a:lstStyle>
-          <a:p>
-            <a:r>
-              <a:rPr lang="en-US" dirty="0" smtClean="0"/>
-              <a:t>3 Crates, Buffer Level = 4</a:t>
-            </a:r>
-            <a:endParaRPr lang="en-US" dirty="0"/>
-          </a:p>
-        </p:txBody>
-      </p:sp>
-      <p:graphicFrame>
-        <p:nvGraphicFramePr>
-          <p:cNvPr id="5" name="Chart 4"/>
-          <p:cNvGraphicFramePr>
-            <a:graphicFrameLocks/>
-          </p:cNvGraphicFramePr>
-          <p:nvPr>
-            <p:extLst>
-              <p:ext uri="{D42A27DB-BD31-4B8C-83A1-F6EECF244321}">
-                <p14:modId xmlns:p14="http://schemas.microsoft.com/office/powerpoint/2010/main" val="2835160746"/>
-              </p:ext>
-            </p:extLst>
-          </p:nvPr>
-        </p:nvGraphicFramePr>
-        <p:xfrm>
-          <a:off x="457200" y="990680"/>
-          <a:ext cx="6416181" cy="5365750"/>
-        </p:xfrm>
-        <a:graphic>
-          <a:graphicData uri="http://schemas.openxmlformats.org/drawingml/2006/chart">
-            <c:chart xmlns:c="http://schemas.openxmlformats.org/drawingml/2006/chart" xmlns:r="http://schemas.openxmlformats.org/officeDocument/2006/relationships" r:id="rId2"/>
-          </a:graphicData>
-        </a:graphic>
-      </p:graphicFrame>
-      <p:sp>
-        <p:nvSpPr>
-          <p:cNvPr id="7" name="TextBox 6"/>
-          <p:cNvSpPr txBox="1"/>
-          <p:nvPr/>
-        </p:nvSpPr>
-        <p:spPr>
-          <a:xfrm>
-            <a:off x="1614798" y="1191671"/>
-            <a:ext cx="2508426" cy="707886"/>
-          </a:xfrm>
-          <a:prstGeom prst="rect">
-            <a:avLst/>
-          </a:prstGeom>
-          <a:noFill/>
-        </p:spPr>
-        <p:txBody>
-          <a:bodyPr wrap="square" rtlCol="0">
-            <a:spAutoFit/>
-          </a:bodyPr>
-          <a:lstStyle/>
-          <a:p>
-            <a:r>
-              <a:rPr lang="en-US" sz="2000" b="1" dirty="0" smtClean="0"/>
-              <a:t>No Pedestal </a:t>
-            </a:r>
-          </a:p>
-          <a:p>
-            <a:r>
-              <a:rPr lang="en-US" sz="2000" b="1" dirty="0" smtClean="0"/>
-              <a:t>Suppression (8ADCs) </a:t>
-            </a:r>
-            <a:endParaRPr lang="en-US" sz="2000" b="1" dirty="0"/>
-          </a:p>
-        </p:txBody>
-      </p:sp>
-      <p:sp>
-        <p:nvSpPr>
-          <p:cNvPr id="8" name="TextBox 7"/>
-          <p:cNvSpPr txBox="1"/>
-          <p:nvPr/>
-        </p:nvSpPr>
-        <p:spPr>
-          <a:xfrm>
-            <a:off x="4636211" y="4762291"/>
-            <a:ext cx="1822988" cy="707886"/>
-          </a:xfrm>
-          <a:prstGeom prst="rect">
-            <a:avLst/>
-          </a:prstGeom>
-          <a:noFill/>
-        </p:spPr>
-        <p:txBody>
-          <a:bodyPr wrap="square" rtlCol="0">
-            <a:spAutoFit/>
-          </a:bodyPr>
-          <a:lstStyle/>
-          <a:p>
-            <a:pPr algn="r"/>
-            <a:r>
-              <a:rPr lang="en-US" sz="2000" b="1" dirty="0" smtClean="0"/>
-              <a:t>Pedestal </a:t>
-            </a:r>
-          </a:p>
-          <a:p>
-            <a:pPr algn="r"/>
-            <a:r>
-              <a:rPr lang="en-US" sz="2000" b="1" dirty="0" smtClean="0"/>
-              <a:t>Suppressed </a:t>
-            </a:r>
-            <a:endParaRPr lang="en-US" sz="2000" b="1" dirty="0"/>
-          </a:p>
-        </p:txBody>
-      </p:sp>
-      <p:sp>
-        <p:nvSpPr>
-          <p:cNvPr id="9" name="TextBox 8"/>
-          <p:cNvSpPr txBox="1"/>
-          <p:nvPr/>
-        </p:nvSpPr>
-        <p:spPr>
-          <a:xfrm>
-            <a:off x="6459199" y="1657169"/>
-            <a:ext cx="2539783" cy="470398"/>
-          </a:xfrm>
-          <a:prstGeom prst="rect">
-            <a:avLst/>
-          </a:prstGeom>
-        </p:spPr>
-        <p:txBody>
-          <a:bodyPr wrap="square" rtlCol="0"/>
-          <a:lstStyle>
-            <a:lvl1pPr marL="0" indent="0">
-              <a:defRPr sz="1100">
-                <a:latin typeface="+mn-lt"/>
-                <a:ea typeface="+mn-ea"/>
-                <a:cs typeface="+mn-cs"/>
-              </a:defRPr>
-            </a:lvl1pPr>
-            <a:lvl2pPr marL="457200" indent="0">
-              <a:defRPr sz="1100">
-                <a:latin typeface="+mn-lt"/>
-                <a:ea typeface="+mn-ea"/>
-                <a:cs typeface="+mn-cs"/>
-              </a:defRPr>
-            </a:lvl2pPr>
-            <a:lvl3pPr marL="914400" indent="0">
-              <a:defRPr sz="1100">
-                <a:latin typeface="+mn-lt"/>
-                <a:ea typeface="+mn-ea"/>
-                <a:cs typeface="+mn-cs"/>
-              </a:defRPr>
-            </a:lvl3pPr>
-            <a:lvl4pPr marL="1371600" indent="0">
-              <a:defRPr sz="1100">
-                <a:latin typeface="+mn-lt"/>
-                <a:ea typeface="+mn-ea"/>
-                <a:cs typeface="+mn-cs"/>
-              </a:defRPr>
-            </a:lvl4pPr>
-            <a:lvl5pPr marL="1828800" indent="0">
-              <a:defRPr sz="1100">
-                <a:latin typeface="+mn-lt"/>
-                <a:ea typeface="+mn-ea"/>
-                <a:cs typeface="+mn-cs"/>
-              </a:defRPr>
-            </a:lvl5pPr>
-            <a:lvl6pPr marL="2286000" indent="0">
-              <a:defRPr sz="1100">
-                <a:latin typeface="+mn-lt"/>
-                <a:ea typeface="+mn-ea"/>
-                <a:cs typeface="+mn-cs"/>
-              </a:defRPr>
-            </a:lvl6pPr>
-            <a:lvl7pPr marL="2743200" indent="0">
-              <a:defRPr sz="1100">
-                <a:latin typeface="+mn-lt"/>
-                <a:ea typeface="+mn-ea"/>
-                <a:cs typeface="+mn-cs"/>
-              </a:defRPr>
-            </a:lvl7pPr>
-            <a:lvl8pPr marL="3200400" indent="0">
-              <a:defRPr sz="1100">
-                <a:latin typeface="+mn-lt"/>
-                <a:ea typeface="+mn-ea"/>
-                <a:cs typeface="+mn-cs"/>
-              </a:defRPr>
-            </a:lvl8pPr>
-            <a:lvl9pPr marL="3657600" indent="0">
-              <a:defRPr sz="1100">
-                <a:latin typeface="+mn-lt"/>
-                <a:ea typeface="+mn-ea"/>
-                <a:cs typeface="+mn-cs"/>
-              </a:defRPr>
-            </a:lvl9pPr>
-          </a:lstStyle>
-          <a:p>
-            <a:r>
-              <a:rPr lang="en-US" sz="2000" dirty="0" smtClean="0">
-                <a:solidFill>
-                  <a:srgbClr val="FF0000"/>
-                </a:solidFill>
-              </a:rPr>
-              <a:t>Local trigger ~ 100 kHz</a:t>
-            </a:r>
-            <a:endParaRPr lang="en-US" sz="2000" dirty="0">
-              <a:solidFill>
-                <a:srgbClr val="FF0000"/>
-              </a:solidFill>
-            </a:endParaRPr>
-          </a:p>
-        </p:txBody>
-      </p:sp>
-      <p:sp>
-        <p:nvSpPr>
-          <p:cNvPr id="10" name="TextBox 9"/>
-          <p:cNvSpPr txBox="1"/>
-          <p:nvPr/>
-        </p:nvSpPr>
-        <p:spPr>
-          <a:xfrm>
-            <a:off x="6459199" y="1186771"/>
-            <a:ext cx="2539783" cy="470398"/>
-          </a:xfrm>
-          <a:prstGeom prst="rect">
-            <a:avLst/>
-          </a:prstGeom>
-        </p:spPr>
-        <p:txBody>
-          <a:bodyPr wrap="square" rtlCol="0"/>
-          <a:lstStyle>
-            <a:lvl1pPr marL="0" indent="0">
-              <a:defRPr sz="1100">
-                <a:latin typeface="+mn-lt"/>
-                <a:ea typeface="+mn-ea"/>
-                <a:cs typeface="+mn-cs"/>
-              </a:defRPr>
-            </a:lvl1pPr>
-            <a:lvl2pPr marL="457200" indent="0">
-              <a:defRPr sz="1100">
-                <a:latin typeface="+mn-lt"/>
-                <a:ea typeface="+mn-ea"/>
-                <a:cs typeface="+mn-cs"/>
-              </a:defRPr>
-            </a:lvl2pPr>
-            <a:lvl3pPr marL="914400" indent="0">
-              <a:defRPr sz="1100">
-                <a:latin typeface="+mn-lt"/>
-                <a:ea typeface="+mn-ea"/>
-                <a:cs typeface="+mn-cs"/>
-              </a:defRPr>
-            </a:lvl3pPr>
-            <a:lvl4pPr marL="1371600" indent="0">
-              <a:defRPr sz="1100">
-                <a:latin typeface="+mn-lt"/>
-                <a:ea typeface="+mn-ea"/>
-                <a:cs typeface="+mn-cs"/>
-              </a:defRPr>
-            </a:lvl4pPr>
-            <a:lvl5pPr marL="1828800" indent="0">
-              <a:defRPr sz="1100">
-                <a:latin typeface="+mn-lt"/>
-                <a:ea typeface="+mn-ea"/>
-                <a:cs typeface="+mn-cs"/>
-              </a:defRPr>
-            </a:lvl5pPr>
-            <a:lvl6pPr marL="2286000" indent="0">
-              <a:defRPr sz="1100">
-                <a:latin typeface="+mn-lt"/>
-                <a:ea typeface="+mn-ea"/>
-                <a:cs typeface="+mn-cs"/>
-              </a:defRPr>
-            </a:lvl6pPr>
-            <a:lvl7pPr marL="2743200" indent="0">
-              <a:defRPr sz="1100">
-                <a:latin typeface="+mn-lt"/>
-                <a:ea typeface="+mn-ea"/>
-                <a:cs typeface="+mn-cs"/>
-              </a:defRPr>
-            </a:lvl7pPr>
-            <a:lvl8pPr marL="3200400" indent="0">
-              <a:defRPr sz="1100">
-                <a:latin typeface="+mn-lt"/>
-                <a:ea typeface="+mn-ea"/>
-                <a:cs typeface="+mn-cs"/>
-              </a:defRPr>
-            </a:lvl8pPr>
-            <a:lvl9pPr marL="3657600" indent="0">
-              <a:defRPr sz="1100">
-                <a:latin typeface="+mn-lt"/>
-                <a:ea typeface="+mn-ea"/>
-                <a:cs typeface="+mn-cs"/>
-              </a:defRPr>
-            </a:lvl9pPr>
-          </a:lstStyle>
-          <a:p>
-            <a:r>
-              <a:rPr lang="en-US" sz="2000" dirty="0" smtClean="0">
-                <a:solidFill>
-                  <a:srgbClr val="0000FF"/>
-                </a:solidFill>
-              </a:rPr>
-              <a:t>Local trigger ~ 50 kHz</a:t>
-            </a:r>
-            <a:endParaRPr lang="en-US" sz="2000" dirty="0">
-              <a:solidFill>
-                <a:srgbClr val="0000FF"/>
-              </a:solidFill>
-            </a:endParaRPr>
-          </a:p>
-        </p:txBody>
-      </p:sp>
-      <p:sp>
-        <p:nvSpPr>
-          <p:cNvPr id="11" name="TextBox 10"/>
-          <p:cNvSpPr txBox="1"/>
-          <p:nvPr/>
-        </p:nvSpPr>
-        <p:spPr>
-          <a:xfrm>
-            <a:off x="6459199" y="2071727"/>
-            <a:ext cx="2539783" cy="470398"/>
-          </a:xfrm>
-          <a:prstGeom prst="rect">
-            <a:avLst/>
-          </a:prstGeom>
-        </p:spPr>
-        <p:txBody>
-          <a:bodyPr wrap="square" rtlCol="0"/>
-          <a:lstStyle>
-            <a:lvl1pPr marL="0" indent="0">
-              <a:defRPr sz="1100">
-                <a:latin typeface="+mn-lt"/>
-                <a:ea typeface="+mn-ea"/>
-                <a:cs typeface="+mn-cs"/>
-              </a:defRPr>
-            </a:lvl1pPr>
-            <a:lvl2pPr marL="457200" indent="0">
-              <a:defRPr sz="1100">
-                <a:latin typeface="+mn-lt"/>
-                <a:ea typeface="+mn-ea"/>
-                <a:cs typeface="+mn-cs"/>
-              </a:defRPr>
-            </a:lvl2pPr>
-            <a:lvl3pPr marL="914400" indent="0">
-              <a:defRPr sz="1100">
-                <a:latin typeface="+mn-lt"/>
-                <a:ea typeface="+mn-ea"/>
-                <a:cs typeface="+mn-cs"/>
-              </a:defRPr>
-            </a:lvl3pPr>
-            <a:lvl4pPr marL="1371600" indent="0">
-              <a:defRPr sz="1100">
-                <a:latin typeface="+mn-lt"/>
-                <a:ea typeface="+mn-ea"/>
-                <a:cs typeface="+mn-cs"/>
-              </a:defRPr>
-            </a:lvl4pPr>
-            <a:lvl5pPr marL="1828800" indent="0">
-              <a:defRPr sz="1100">
-                <a:latin typeface="+mn-lt"/>
-                <a:ea typeface="+mn-ea"/>
-                <a:cs typeface="+mn-cs"/>
-              </a:defRPr>
-            </a:lvl5pPr>
-            <a:lvl6pPr marL="2286000" indent="0">
-              <a:defRPr sz="1100">
-                <a:latin typeface="+mn-lt"/>
-                <a:ea typeface="+mn-ea"/>
-                <a:cs typeface="+mn-cs"/>
-              </a:defRPr>
-            </a:lvl6pPr>
-            <a:lvl7pPr marL="2743200" indent="0">
-              <a:defRPr sz="1100">
-                <a:latin typeface="+mn-lt"/>
-                <a:ea typeface="+mn-ea"/>
-                <a:cs typeface="+mn-cs"/>
-              </a:defRPr>
-            </a:lvl7pPr>
-            <a:lvl8pPr marL="3200400" indent="0">
-              <a:defRPr sz="1100">
-                <a:latin typeface="+mn-lt"/>
-                <a:ea typeface="+mn-ea"/>
-                <a:cs typeface="+mn-cs"/>
-              </a:defRPr>
-            </a:lvl8pPr>
-            <a:lvl9pPr marL="3657600" indent="0">
-              <a:defRPr sz="1100">
-                <a:latin typeface="+mn-lt"/>
-                <a:ea typeface="+mn-ea"/>
-                <a:cs typeface="+mn-cs"/>
-              </a:defRPr>
-            </a:lvl9pPr>
-          </a:lstStyle>
-          <a:p>
-            <a:r>
-              <a:rPr lang="en-US" sz="2000" dirty="0" smtClean="0">
-                <a:solidFill>
-                  <a:srgbClr val="008000"/>
-                </a:solidFill>
-              </a:rPr>
-              <a:t>Local trigger ~ 200 kHz</a:t>
-            </a:r>
-            <a:endParaRPr lang="en-US" sz="2000" dirty="0">
-              <a:solidFill>
-                <a:srgbClr val="008000"/>
-              </a:solidFill>
-            </a:endParaRPr>
-          </a:p>
-        </p:txBody>
-      </p:sp>
-      <p:cxnSp>
-        <p:nvCxnSpPr>
-          <p:cNvPr id="12" name="Elbow Connector 11"/>
-          <p:cNvCxnSpPr/>
-          <p:nvPr/>
-        </p:nvCxnSpPr>
-        <p:spPr>
-          <a:xfrm rot="16200000" flipV="1">
-            <a:off x="2152212" y="6034938"/>
-            <a:ext cx="370074" cy="279649"/>
-          </a:xfrm>
-          <a:prstGeom prst="bentConnector3">
-            <a:avLst>
-              <a:gd name="adj1" fmla="val -844"/>
-            </a:avLst>
-          </a:prstGeom>
-          <a:ln>
-            <a:solidFill>
-              <a:srgbClr val="800000"/>
-            </a:solidFill>
-            <a:tailEnd type="arrow"/>
-          </a:ln>
-          <a:effectLst/>
-        </p:spPr>
-        <p:style>
-          <a:lnRef idx="2">
-            <a:schemeClr val="accent1"/>
-          </a:lnRef>
-          <a:fillRef idx="0">
-            <a:schemeClr val="accent1"/>
-          </a:fillRef>
-          <a:effectRef idx="1">
-            <a:schemeClr val="accent1"/>
-          </a:effectRef>
-          <a:fontRef idx="minor">
-            <a:schemeClr val="tx1"/>
-          </a:fontRef>
-        </p:style>
-      </p:cxnSp>
-      <p:sp>
-        <p:nvSpPr>
-          <p:cNvPr id="13" name="TextBox 12"/>
-          <p:cNvSpPr txBox="1"/>
-          <p:nvPr/>
-        </p:nvSpPr>
-        <p:spPr>
-          <a:xfrm>
-            <a:off x="2602493" y="6359800"/>
-            <a:ext cx="2273262" cy="369332"/>
-          </a:xfrm>
-          <a:prstGeom prst="rect">
-            <a:avLst/>
-          </a:prstGeom>
-          <a:noFill/>
-        </p:spPr>
-        <p:txBody>
-          <a:bodyPr wrap="square" rtlCol="0">
-            <a:spAutoFit/>
-          </a:bodyPr>
-          <a:lstStyle/>
-          <a:p>
-            <a:r>
-              <a:rPr lang="en-US" dirty="0" smtClean="0">
-                <a:solidFill>
-                  <a:srgbClr val="800000"/>
-                </a:solidFill>
-              </a:rPr>
-              <a:t>Expected ~ 5000 Hz</a:t>
-            </a:r>
-            <a:endParaRPr lang="en-US" dirty="0">
-              <a:solidFill>
-                <a:srgbClr val="800000"/>
-              </a:solidFill>
-            </a:endParaRPr>
           </a:p>
         </p:txBody>
       </p:sp>
@@ -14609,57 +14275,7 @@
         </p:nvSpPr>
         <p:spPr>
           <a:xfrm>
-            <a:off x="6694364" y="2916463"/>
-            <a:ext cx="2304618" cy="1200329"/>
-          </a:xfrm>
-          <a:prstGeom prst="rect">
-            <a:avLst/>
-          </a:prstGeom>
-          <a:noFill/>
-        </p:spPr>
-        <p:txBody>
-          <a:bodyPr wrap="square" rtlCol="0">
-            <a:spAutoFit/>
-          </a:bodyPr>
-          <a:lstStyle/>
-          <a:p>
-            <a:r>
-              <a:rPr lang="en-US" dirty="0" smtClean="0"/>
-              <a:t>Dead time at</a:t>
-            </a:r>
-          </a:p>
-          <a:p>
-            <a:r>
-              <a:rPr lang="en-US" dirty="0" smtClean="0"/>
-              <a:t>Local ~ 200 kHz and Readout ~5kHz</a:t>
-            </a:r>
-          </a:p>
-          <a:p>
-            <a:r>
-              <a:rPr lang="en-US" dirty="0" smtClean="0"/>
-              <a:t>D</a:t>
-            </a:r>
-            <a:r>
-              <a:rPr lang="en-US" baseline="-25000" dirty="0"/>
-              <a:t>3</a:t>
-            </a:r>
-            <a:r>
-              <a:rPr lang="en-US" dirty="0" smtClean="0"/>
-              <a:t> ~6%</a:t>
-            </a:r>
-            <a:endParaRPr lang="en-US" dirty="0"/>
-          </a:p>
-        </p:txBody>
-      </p:sp>
-      <p:sp>
-        <p:nvSpPr>
-          <p:cNvPr id="15" name="TextBox 14"/>
-          <p:cNvSpPr txBox="1"/>
-          <p:nvPr/>
-        </p:nvSpPr>
-        <p:spPr>
-          <a:xfrm>
-            <a:off x="6694364" y="4688293"/>
+            <a:off x="6694364" y="4506625"/>
             <a:ext cx="1992436" cy="461665"/>
           </a:xfrm>
           <a:prstGeom prst="rect">
@@ -14706,46 +14322,16 @@
           </a:p>
         </p:txBody>
       </p:sp>
-      <p:sp>
-        <p:nvSpPr>
-          <p:cNvPr id="2" name="Slide Number Placeholder 1"/>
-          <p:cNvSpPr>
-            <a:spLocks noGrp="1"/>
-          </p:cNvSpPr>
-          <p:nvPr>
-            <p:ph type="sldNum" sz="quarter" idx="12"/>
-          </p:nvPr>
-        </p:nvSpPr>
-        <p:spPr/>
-        <p:txBody>
-          <a:bodyPr/>
-          <a:lstStyle/>
-          <a:p>
-            <a:fld id="{49BD95FD-4C1D-B042-AB02-9F82D4A375A6}" type="slidenum">
-              <a:rPr lang="en-US" smtClean="0"/>
-              <a:t>9</a:t>
-            </a:fld>
-            <a:endParaRPr lang="en-US"/>
-          </a:p>
-        </p:txBody>
-      </p:sp>
     </p:spTree>
     <p:extLst>
       <p:ext uri="{BB962C8B-B14F-4D97-AF65-F5344CB8AC3E}">
-        <p14:creationId xmlns:p14="http://schemas.microsoft.com/office/powerpoint/2010/main" val="203805563"/>
+        <p14:creationId xmlns:p14="http://schemas.microsoft.com/office/powerpoint/2010/main" val="86548187"/>
       </p:ext>
     </p:extLst>
   </p:cSld>
   <p:clrMapOvr>
     <a:masterClrMapping/>
   </p:clrMapOvr>
-  <p:timing>
-    <p:tnLst>
-      <p:par>
-        <p:cTn id="1" dur="indefinite" restart="never" nodeType="tmRoot"/>
-      </p:par>
-    </p:tnLst>
-  </p:timing>
 </p:sld>
 </file>
 

--- a/2015_DOE_Review/SuperBigBite DAQ update-Oct-20-2015.pptx
+++ b/2015_DOE_Review/SuperBigBite DAQ update-Oct-20-2015.pptx
@@ -15,17 +15,17 @@
     <p:sldId id="279" r:id="rId9"/>
     <p:sldId id="263" r:id="rId10"/>
     <p:sldId id="278" r:id="rId11"/>
-    <p:sldId id="267" r:id="rId12"/>
-    <p:sldId id="265" r:id="rId13"/>
-    <p:sldId id="272" r:id="rId14"/>
-    <p:sldId id="274" r:id="rId15"/>
-    <p:sldId id="273" r:id="rId16"/>
-    <p:sldId id="266" r:id="rId17"/>
-    <p:sldId id="275" r:id="rId18"/>
-    <p:sldId id="270" r:id="rId19"/>
-    <p:sldId id="271" r:id="rId20"/>
-    <p:sldId id="276" r:id="rId21"/>
-    <p:sldId id="269" r:id="rId22"/>
+    <p:sldId id="265" r:id="rId12"/>
+    <p:sldId id="272" r:id="rId13"/>
+    <p:sldId id="274" r:id="rId14"/>
+    <p:sldId id="273" r:id="rId15"/>
+    <p:sldId id="266" r:id="rId16"/>
+    <p:sldId id="275" r:id="rId17"/>
+    <p:sldId id="270" r:id="rId18"/>
+    <p:sldId id="271" r:id="rId19"/>
+    <p:sldId id="276" r:id="rId20"/>
+    <p:sldId id="269" r:id="rId21"/>
+    <p:sldId id="267" r:id="rId22"/>
   </p:sldIdLst>
   <p:sldSz cx="9144000" cy="6858000" type="screen4x3"/>
   <p:notesSz cx="6858000" cy="9144000"/>
@@ -126,7 +126,7 @@
   </p:defaultTextStyle>
   <p:extLst>
     <p:ext uri="{EFAFB233-063F-42B5-8137-9DF3F51BA10A}">
-      <p15:sldGuideLst xmlns:p15="http://schemas.microsoft.com/office/powerpoint/2012/main" xmlns="">
+      <p15:sldGuideLst xmlns="" xmlns:p15="http://schemas.microsoft.com/office/powerpoint/2012/main">
         <p15:guide id="1" orient="horz" pos="2160">
           <p15:clr>
             <a:srgbClr val="A4A3A4"/>
@@ -769,11 +769,11 @@
           <c:showPercent val="0"/>
           <c:showBubbleSize val="0"/>
         </c:dLbls>
-        <c:axId val="81309696"/>
-        <c:axId val="81312000"/>
+        <c:axId val="82638720"/>
+        <c:axId val="82710912"/>
       </c:scatterChart>
       <c:valAx>
-        <c:axId val="81309696"/>
+        <c:axId val="82638720"/>
         <c:scaling>
           <c:orientation val="minMax"/>
         </c:scaling>
@@ -819,12 +819,12 @@
         <c:majorTickMark val="out"/>
         <c:minorTickMark val="none"/>
         <c:tickLblPos val="nextTo"/>
-        <c:crossAx val="81312000"/>
+        <c:crossAx val="82710912"/>
         <c:crosses val="autoZero"/>
         <c:crossBetween val="midCat"/>
       </c:valAx>
       <c:valAx>
-        <c:axId val="81312000"/>
+        <c:axId val="82710912"/>
         <c:scaling>
           <c:orientation val="minMax"/>
         </c:scaling>
@@ -865,7 +865,7 @@
         <c:majorTickMark val="out"/>
         <c:minorTickMark val="none"/>
         <c:tickLblPos val="nextTo"/>
-        <c:crossAx val="81309696"/>
+        <c:crossAx val="82638720"/>
         <c:crosses val="autoZero"/>
         <c:crossBetween val="midCat"/>
       </c:valAx>
@@ -904,9 +904,19 @@
     </mc:Fallback>
   </mc:AlternateContent>
   <c:chart>
-    <c:autoTitleDeleted val="0"/>
+    <c:autoTitleDeleted val="1"/>
     <c:plotArea>
-      <c:layout/>
+      <c:layout>
+        <c:manualLayout>
+          <c:layoutTarget val="inner"/>
+          <c:xMode val="edge"/>
+          <c:yMode val="edge"/>
+          <c:x val="0.14115506365296501"/>
+          <c:y val="3.7450256013763401E-2"/>
+          <c:w val="0.80521349959002098"/>
+          <c:h val="0.74104628445269005"/>
+        </c:manualLayout>
+      </c:layout>
       <c:scatterChart>
         <c:scatterStyle val="lineMarker"/>
         <c:varyColors val="0"/>
@@ -914,7 +924,7 @@
           <c:idx val="0"/>
           <c:order val="0"/>
           <c:tx>
-            <c:v>Local_50kHz_pedSup</c:v>
+            <c:v>Single</c:v>
           </c:tx>
           <c:spPr>
             <a:ln w="47625">
@@ -930,91 +940,84 @@
                 <a:srgbClr val="0000FF"/>
               </a:solidFill>
               <a:ln>
-                <a:solidFill>
-                  <a:srgbClr val="0000FF"/>
-                </a:solidFill>
+                <a:noFill/>
               </a:ln>
               <a:effectLst/>
             </c:spPr>
           </c:marker>
           <c:xVal>
             <c:numRef>
-              <c:f>'FixedLocal-3DAQ'!$B$10:$I$10</c:f>
+              <c:f>'FixedLocal-1DAQ'!$B$57:$I$57</c:f>
               <c:numCache>
                 <c:formatCode>General</c:formatCode>
                 <c:ptCount val="8"/>
                 <c:pt idx="0">
-                  <c:v>1179.4000000000001</c:v>
+                  <c:v>1320.7</c:v>
                 </c:pt>
                 <c:pt idx="1">
-                  <c:v>1302.5999999999999</c:v>
+                  <c:v>2386.5</c:v>
                 </c:pt>
                 <c:pt idx="2">
-                  <c:v>2259.6999999999998</c:v>
+                  <c:v>4041.6</c:v>
                 </c:pt>
                 <c:pt idx="3">
-                  <c:v>3761.9</c:v>
+                  <c:v>5123.1000000000004</c:v>
                 </c:pt>
                 <c:pt idx="4">
-                  <c:v>3194</c:v>
+                  <c:v>7289.6</c:v>
                 </c:pt>
                 <c:pt idx="5">
-                  <c:v>7769.2</c:v>
+                  <c:v>10800.7</c:v>
                 </c:pt>
                 <c:pt idx="6">
-                  <c:v>12436.7</c:v>
+                  <c:v>16088.4</c:v>
                 </c:pt>
                 <c:pt idx="7">
-                  <c:v>17482.099999999999</c:v>
+                  <c:v>22848.400000000001</c:v>
                 </c:pt>
               </c:numCache>
             </c:numRef>
           </c:xVal>
           <c:yVal>
             <c:numRef>
-              <c:f>'FixedLocal-3DAQ'!$B$12:$I$12</c:f>
+              <c:f>'FixedLocal-1DAQ'!$B$59:$I$59</c:f>
               <c:numCache>
                 <c:formatCode>0.00</c:formatCode>
                 <c:ptCount val="8"/>
                 <c:pt idx="0">
-                  <c:v>0.92419874512463795</c:v>
+                  <c:v>19.747103808586349</c:v>
                 </c:pt>
                 <c:pt idx="1">
-                  <c:v>1.1515430677107359</c:v>
+                  <c:v>20.611774565262941</c:v>
                 </c:pt>
                 <c:pt idx="2">
-                  <c:v>1.960437226180467</c:v>
+                  <c:v>22.090261282660329</c:v>
                 </c:pt>
                 <c:pt idx="3">
-                  <c:v>2.1212685079348148</c:v>
+                  <c:v>37.770100134684071</c:v>
                 </c:pt>
                 <c:pt idx="4">
-                  <c:v>2.038196618659982</c:v>
+                  <c:v>53.832857769973657</c:v>
                 </c:pt>
                 <c:pt idx="5">
-                  <c:v>2.3335735983112782</c:v>
+                  <c:v>67.574323886414774</c:v>
                 </c:pt>
                 <c:pt idx="6">
-                  <c:v>4.0074939493595494</c:v>
+                  <c:v>78.129584048134063</c:v>
                 </c:pt>
                 <c:pt idx="7">
-                  <c:v>11.6421940155931</c:v>
+                  <c:v>84.567847201554585</c:v>
                 </c:pt>
               </c:numCache>
             </c:numRef>
           </c:yVal>
           <c:smooth val="0"/>
-          <c:extLst xmlns:c16r2="http://schemas.microsoft.com/office/drawing/2015/06/chart">
-            <c:ext xmlns:c16="http://schemas.microsoft.com/office/drawing/2014/chart" uri="{C3380CC4-5D6E-409C-BE32-E72D297353CC}">
-              <c16:uniqueId val="{00000000-4A1B-46C8-9317-A6CD2A376A8C}"/>
-            </c:ext>
-          </c:extLst>
         </c:ser>
         <c:ser>
           <c:idx val="1"/>
           <c:order val="1"/>
           <c:tx>
-            <c:v>Local_100kHz_pedSup</c:v>
+            <c:v>3Crates</c:v>
           </c:tx>
           <c:spPr>
             <a:ln w="47625">
@@ -1029,347 +1032,12 @@
               <a:solidFill>
                 <a:srgbClr val="FF0000"/>
               </a:solidFill>
-              <a:ln>
-                <a:solidFill>
-                  <a:srgbClr val="FF0000"/>
-                </a:solidFill>
-              </a:ln>
               <a:effectLst/>
             </c:spPr>
           </c:marker>
           <c:xVal>
             <c:numRef>
-              <c:f>'FixedLocal-3DAQ'!$D$22:$L$22</c:f>
-              <c:numCache>
-                <c:formatCode>General</c:formatCode>
-                <c:ptCount val="9"/>
-                <c:pt idx="0">
-                  <c:v>1198.5999999999999</c:v>
-                </c:pt>
-                <c:pt idx="1">
-                  <c:v>1898.1</c:v>
-                </c:pt>
-                <c:pt idx="2">
-                  <c:v>3364</c:v>
-                </c:pt>
-                <c:pt idx="3">
-                  <c:v>5959.4</c:v>
-                </c:pt>
-                <c:pt idx="4">
-                  <c:v>10277.9</c:v>
-                </c:pt>
-                <c:pt idx="5">
-                  <c:v>17516.5</c:v>
-                </c:pt>
-                <c:pt idx="6">
-                  <c:v>0</c:v>
-                </c:pt>
-                <c:pt idx="7">
-                  <c:v>0</c:v>
-                </c:pt>
-                <c:pt idx="8">
-                  <c:v>0</c:v>
-                </c:pt>
-              </c:numCache>
-            </c:numRef>
-          </c:xVal>
-          <c:yVal>
-            <c:numRef>
-              <c:f>'FixedLocal-3DAQ'!$D$24:$L$24</c:f>
-              <c:numCache>
-                <c:formatCode>0.00</c:formatCode>
-                <c:ptCount val="9"/>
-                <c:pt idx="0">
-                  <c:v>3.220423827799102</c:v>
-                </c:pt>
-                <c:pt idx="1">
-                  <c:v>3.840682788051208</c:v>
-                </c:pt>
-                <c:pt idx="2">
-                  <c:v>4.1557669441141467</c:v>
-                </c:pt>
-                <c:pt idx="3">
-                  <c:v>4.4366882572071002</c:v>
-                </c:pt>
-                <c:pt idx="4">
-                  <c:v>5.2403701145175559</c:v>
-                </c:pt>
-                <c:pt idx="5">
-                  <c:v>12.845031827134409</c:v>
-                </c:pt>
-                <c:pt idx="6">
-                  <c:v>0</c:v>
-                </c:pt>
-                <c:pt idx="7">
-                  <c:v>0</c:v>
-                </c:pt>
-                <c:pt idx="8">
-                  <c:v>0</c:v>
-                </c:pt>
-              </c:numCache>
-            </c:numRef>
-          </c:yVal>
-          <c:smooth val="0"/>
-          <c:extLst xmlns:c16r2="http://schemas.microsoft.com/office/drawing/2015/06/chart">
-            <c:ext xmlns:c16="http://schemas.microsoft.com/office/drawing/2014/chart" uri="{C3380CC4-5D6E-409C-BE32-E72D297353CC}">
-              <c16:uniqueId val="{00000001-4A1B-46C8-9317-A6CD2A376A8C}"/>
-            </c:ext>
-          </c:extLst>
-        </c:ser>
-        <c:ser>
-          <c:idx val="2"/>
-          <c:order val="2"/>
-          <c:tx>
-            <c:v>Local_200kHz_pedSup</c:v>
-          </c:tx>
-          <c:spPr>
-            <a:ln w="47625">
-              <a:noFill/>
-            </a:ln>
-            <a:effectLst/>
-          </c:spPr>
-          <c:marker>
-            <c:symbol val="circle"/>
-            <c:size val="6"/>
-            <c:spPr>
-              <a:solidFill>
-                <a:srgbClr val="008000"/>
-              </a:solidFill>
-              <a:ln>
-                <a:solidFill>
-                  <a:srgbClr val="008000"/>
-                </a:solidFill>
-              </a:ln>
-              <a:effectLst/>
-            </c:spPr>
-          </c:marker>
-          <c:xVal>
-            <c:numRef>
-              <c:f>'FixedLocal-3DAQ'!$C$34:$H$34</c:f>
-              <c:numCache>
-                <c:formatCode>General</c:formatCode>
-                <c:ptCount val="6"/>
-                <c:pt idx="0">
-                  <c:v>8251.7000000000007</c:v>
-                </c:pt>
-                <c:pt idx="1">
-                  <c:v>6649.9</c:v>
-                </c:pt>
-                <c:pt idx="2">
-                  <c:v>3229.6</c:v>
-                </c:pt>
-                <c:pt idx="3">
-                  <c:v>1308.2</c:v>
-                </c:pt>
-                <c:pt idx="4">
-                  <c:v>10791.8</c:v>
-                </c:pt>
-                <c:pt idx="5">
-                  <c:v>17003.5</c:v>
-                </c:pt>
-              </c:numCache>
-            </c:numRef>
-          </c:xVal>
-          <c:yVal>
-            <c:numRef>
-              <c:f>'FixedLocal-3DAQ'!$C$36:$H$36</c:f>
-              <c:numCache>
-                <c:formatCode>0.00</c:formatCode>
-                <c:ptCount val="6"/>
-                <c:pt idx="0">
-                  <c:v>5.8896954566937767</c:v>
-                </c:pt>
-                <c:pt idx="1">
-                  <c:v>6.0542263793440476</c:v>
-                </c:pt>
-                <c:pt idx="2">
-                  <c:v>5.635372801585337</c:v>
-                </c:pt>
-                <c:pt idx="3">
-                  <c:v>5.4196606023543801</c:v>
-                </c:pt>
-                <c:pt idx="4">
-                  <c:v>6.5447840026686874</c:v>
-                </c:pt>
-                <c:pt idx="5">
-                  <c:v>10.478430911282979</c:v>
-                </c:pt>
-              </c:numCache>
-            </c:numRef>
-          </c:yVal>
-          <c:smooth val="0"/>
-          <c:extLst xmlns:c16r2="http://schemas.microsoft.com/office/drawing/2015/06/chart">
-            <c:ext xmlns:c16="http://schemas.microsoft.com/office/drawing/2014/chart" uri="{C3380CC4-5D6E-409C-BE32-E72D297353CC}">
-              <c16:uniqueId val="{00000002-4A1B-46C8-9317-A6CD2A376A8C}"/>
-            </c:ext>
-          </c:extLst>
-        </c:ser>
-        <c:ser>
-          <c:idx val="3"/>
-          <c:order val="3"/>
-          <c:tx>
-            <c:v>Local_50kHz_NopedSup</c:v>
-          </c:tx>
-          <c:spPr>
-            <a:ln w="47625">
-              <a:noFill/>
-            </a:ln>
-          </c:spPr>
-          <c:marker>
-            <c:symbol val="circle"/>
-            <c:size val="6"/>
-            <c:spPr>
-              <a:noFill/>
-              <a:ln>
-                <a:solidFill>
-                  <a:srgbClr val="0000FF"/>
-                </a:solidFill>
-              </a:ln>
-            </c:spPr>
-          </c:marker>
-          <c:xVal>
-            <c:numRef>
-              <c:f>'FixedLocal-3DAQ'!$B$70:$P$70</c:f>
-              <c:numCache>
-                <c:formatCode>General</c:formatCode>
-                <c:ptCount val="15"/>
-                <c:pt idx="0">
-                  <c:v>4572</c:v>
-                </c:pt>
-                <c:pt idx="1">
-                  <c:v>3425.5</c:v>
-                </c:pt>
-                <c:pt idx="2">
-                  <c:v>2141.1999999999998</c:v>
-                </c:pt>
-                <c:pt idx="3">
-                  <c:v>11429</c:v>
-                </c:pt>
-                <c:pt idx="4">
-                  <c:v>9380.799999999992</c:v>
-                </c:pt>
-                <c:pt idx="5">
-                  <c:v>2665.3</c:v>
-                </c:pt>
-                <c:pt idx="6">
-                  <c:v>6771.1</c:v>
-                </c:pt>
-                <c:pt idx="7">
-                  <c:v>11943.2</c:v>
-                </c:pt>
-                <c:pt idx="8">
-                  <c:v>7609.7</c:v>
-                </c:pt>
-                <c:pt idx="9">
-                  <c:v>13076.5</c:v>
-                </c:pt>
-                <c:pt idx="10">
-                  <c:v>0</c:v>
-                </c:pt>
-                <c:pt idx="11">
-                  <c:v>1162.5</c:v>
-                </c:pt>
-                <c:pt idx="12">
-                  <c:v>7989.5</c:v>
-                </c:pt>
-                <c:pt idx="13">
-                  <c:v>10065.1</c:v>
-                </c:pt>
-                <c:pt idx="14">
-                  <c:v>7829.4</c:v>
-                </c:pt>
-              </c:numCache>
-            </c:numRef>
-          </c:xVal>
-          <c:yVal>
-            <c:numRef>
-              <c:f>'FixedLocal-3DAQ'!$B$72:$P$72</c:f>
-              <c:numCache>
-                <c:formatCode>0.00</c:formatCode>
-                <c:ptCount val="15"/>
-                <c:pt idx="0">
-                  <c:v>2.2200349956255421</c:v>
-                </c:pt>
-                <c:pt idx="1">
-                  <c:v>1.4362866734783259</c:v>
-                </c:pt>
-                <c:pt idx="2">
-                  <c:v>1.0648234634784259</c:v>
-                </c:pt>
-                <c:pt idx="3">
-                  <c:v>31.73943477119608</c:v>
-                </c:pt>
-                <c:pt idx="4">
-                  <c:v>15.408067542213891</c:v>
-                </c:pt>
-                <c:pt idx="5">
-                  <c:v>1.301917232581695</c:v>
-                </c:pt>
-                <c:pt idx="6">
-                  <c:v>3.5282302727769439</c:v>
-                </c:pt>
-                <c:pt idx="7">
-                  <c:v>32.24345234108111</c:v>
-                </c:pt>
-                <c:pt idx="8">
-                  <c:v>4.4679816549929656</c:v>
-                </c:pt>
-                <c:pt idx="9">
-                  <c:v>38.85596298703782</c:v>
-                </c:pt>
-                <c:pt idx="10">
-                  <c:v>0</c:v>
-                </c:pt>
-                <c:pt idx="11">
-                  <c:v>0.739784946236555</c:v>
-                </c:pt>
-                <c:pt idx="12">
-                  <c:v>8.6513549033105868</c:v>
-                </c:pt>
-                <c:pt idx="13">
-                  <c:v>20.83238119839843</c:v>
-                </c:pt>
-                <c:pt idx="14">
-                  <c:v>7.95335530181113</c:v>
-                </c:pt>
-              </c:numCache>
-            </c:numRef>
-          </c:yVal>
-          <c:smooth val="0"/>
-          <c:extLst xmlns:c16r2="http://schemas.microsoft.com/office/drawing/2015/06/chart">
-            <c:ext xmlns:c16="http://schemas.microsoft.com/office/drawing/2014/chart" uri="{C3380CC4-5D6E-409C-BE32-E72D297353CC}">
-              <c16:uniqueId val="{00000003-4A1B-46C8-9317-A6CD2A376A8C}"/>
-            </c:ext>
-          </c:extLst>
-        </c:ser>
-        <c:ser>
-          <c:idx val="4"/>
-          <c:order val="4"/>
-          <c:tx>
-            <c:v>Local_50kHz_NopedSup</c:v>
-          </c:tx>
-          <c:spPr>
-            <a:ln w="47625">
-              <a:noFill/>
-            </a:ln>
-            <a:effectLst/>
-          </c:spPr>
-          <c:marker>
-            <c:symbol val="circle"/>
-            <c:size val="6"/>
-            <c:spPr>
-              <a:noFill/>
-              <a:ln>
-                <a:solidFill>
-                  <a:srgbClr val="FF0000"/>
-                </a:solidFill>
-              </a:ln>
-              <a:effectLst/>
-            </c:spPr>
-          </c:marker>
-          <c:xVal>
-            <c:numRef>
-              <c:f>'FixedLocal-3DAQ'!$C$58:$O$58</c:f>
+              <c:f>'FixedLocal-3DAQ'!$B$58:$N$58</c:f>
               <c:numCache>
                 <c:formatCode>General</c:formatCode>
                 <c:ptCount val="13"/>
@@ -1417,7 +1085,7 @@
           </c:xVal>
           <c:yVal>
             <c:numRef>
-              <c:f>'FixedLocal-3DAQ'!$C$60:$O$60</c:f>
+              <c:f>'FixedLocal-3DAQ'!$B$60:$N$60</c:f>
               <c:numCache>
                 <c:formatCode>0.00</c:formatCode>
                 <c:ptCount val="13"/>
@@ -1431,10 +1099,10 @@
                   <c:v>23.815830782513149</c:v>
                 </c:pt>
                 <c:pt idx="3">
-                  <c:v>9.2238484445289206</c:v>
+                  <c:v>9.2238484445289259</c:v>
                 </c:pt>
                 <c:pt idx="4">
-                  <c:v>37.88638913124759</c:v>
+                  <c:v>37.886389131247668</c:v>
                 </c:pt>
                 <c:pt idx="5">
                   <c:v>44.016764916345799</c:v>
@@ -1446,7 +1114,7 @@
                   <c:v>31.835099263404231</c:v>
                 </c:pt>
                 <c:pt idx="8">
-                  <c:v>8.8881187991734318</c:v>
+                  <c:v>8.8881187991734389</c:v>
                 </c:pt>
                 <c:pt idx="9">
                   <c:v>6.7968636561637874</c:v>
@@ -1455,7 +1123,7 @@
                   <c:v>4.15720851702467</c:v>
                 </c:pt>
                 <c:pt idx="11">
-                  <c:v>2.8745806932538209</c:v>
+                  <c:v>2.8745806932538249</c:v>
                 </c:pt>
                 <c:pt idx="12">
                   <c:v>1.426294152193974</c:v>
@@ -1464,131 +1132,6 @@
             </c:numRef>
           </c:yVal>
           <c:smooth val="0"/>
-          <c:extLst xmlns:c16r2="http://schemas.microsoft.com/office/drawing/2015/06/chart">
-            <c:ext xmlns:c16="http://schemas.microsoft.com/office/drawing/2014/chart" uri="{C3380CC4-5D6E-409C-BE32-E72D297353CC}">
-              <c16:uniqueId val="{00000004-4A1B-46C8-9317-A6CD2A376A8C}"/>
-            </c:ext>
-          </c:extLst>
-        </c:ser>
-        <c:ser>
-          <c:idx val="5"/>
-          <c:order val="5"/>
-          <c:tx>
-            <c:v>Local_200kHz_NopedSup</c:v>
-          </c:tx>
-          <c:spPr>
-            <a:ln w="47625">
-              <a:noFill/>
-            </a:ln>
-          </c:spPr>
-          <c:marker>
-            <c:symbol val="circle"/>
-            <c:size val="6"/>
-            <c:spPr>
-              <a:noFill/>
-              <a:ln>
-                <a:solidFill>
-                  <a:srgbClr val="008000"/>
-                </a:solidFill>
-              </a:ln>
-            </c:spPr>
-          </c:marker>
-          <c:xVal>
-            <c:numRef>
-              <c:f>'FixedLocal-3DAQ'!$B$46:$M$46</c:f>
-              <c:numCache>
-                <c:formatCode>General</c:formatCode>
-                <c:ptCount val="12"/>
-                <c:pt idx="0">
-                  <c:v>1127.9000000000001</c:v>
-                </c:pt>
-                <c:pt idx="1">
-                  <c:v>2324.9</c:v>
-                </c:pt>
-                <c:pt idx="2">
-                  <c:v>0</c:v>
-                </c:pt>
-                <c:pt idx="3">
-                  <c:v>4423.5</c:v>
-                </c:pt>
-                <c:pt idx="4">
-                  <c:v>7616.1</c:v>
-                </c:pt>
-                <c:pt idx="5">
-                  <c:v>10029.200000000001</c:v>
-                </c:pt>
-                <c:pt idx="6">
-                  <c:v>15035.4</c:v>
-                </c:pt>
-                <c:pt idx="7">
-                  <c:v>11842.3</c:v>
-                </c:pt>
-                <c:pt idx="8">
-                  <c:v>8394.7000000000007</c:v>
-                </c:pt>
-                <c:pt idx="9">
-                  <c:v>17954.3</c:v>
-                </c:pt>
-                <c:pt idx="10">
-                  <c:v>21696.400000000001</c:v>
-                </c:pt>
-                <c:pt idx="11">
-                  <c:v>5757.3</c:v>
-                </c:pt>
-              </c:numCache>
-            </c:numRef>
-          </c:xVal>
-          <c:yVal>
-            <c:numRef>
-              <c:f>'FixedLocal-3DAQ'!$B$48:$M$48</c:f>
-              <c:numCache>
-                <c:formatCode>0.00</c:formatCode>
-                <c:ptCount val="12"/>
-                <c:pt idx="0">
-                  <c:v>4.539409522120752</c:v>
-                </c:pt>
-                <c:pt idx="1">
-                  <c:v>5.1787173641876976</c:v>
-                </c:pt>
-                <c:pt idx="2">
-                  <c:v>0</c:v>
-                </c:pt>
-                <c:pt idx="3">
-                  <c:v>5.7375381485249228</c:v>
-                </c:pt>
-                <c:pt idx="4">
-                  <c:v>10.96624256509237</c:v>
-                </c:pt>
-                <c:pt idx="5">
-                  <c:v>20.85111474494477</c:v>
-                </c:pt>
-                <c:pt idx="6">
-                  <c:v>49.097463319898367</c:v>
-                </c:pt>
-                <c:pt idx="7">
-                  <c:v>31.861209393445531</c:v>
-                </c:pt>
-                <c:pt idx="8">
-                  <c:v>12.64607430879007</c:v>
-                </c:pt>
-                <c:pt idx="9">
-                  <c:v>56.715104459655898</c:v>
-                </c:pt>
-                <c:pt idx="10">
-                  <c:v>63.4492358179237</c:v>
-                </c:pt>
-                <c:pt idx="11">
-                  <c:v>7.5695204349260896</c:v>
-                </c:pt>
-              </c:numCache>
-            </c:numRef>
-          </c:yVal>
-          <c:smooth val="0"/>
-          <c:extLst xmlns:c16r2="http://schemas.microsoft.com/office/drawing/2015/06/chart">
-            <c:ext xmlns:c16="http://schemas.microsoft.com/office/drawing/2014/chart" uri="{C3380CC4-5D6E-409C-BE32-E72D297353CC}">
-              <c16:uniqueId val="{00000005-4A1B-46C8-9317-A6CD2A376A8C}"/>
-            </c:ext>
-          </c:extLst>
         </c:ser>
         <c:dLbls>
           <c:showLegendKey val="0"/>
@@ -1598,17 +1141,29 @@
           <c:showPercent val="0"/>
           <c:showBubbleSize val="0"/>
         </c:dLbls>
-        <c:axId val="79802368"/>
-        <c:axId val="79804672"/>
+        <c:axId val="65730816"/>
+        <c:axId val="66239488"/>
       </c:scatterChart>
       <c:valAx>
-        <c:axId val="79802368"/>
+        <c:axId val="65730816"/>
         <c:scaling>
           <c:orientation val="minMax"/>
+          <c:max val="17000"/>
+          <c:min val="0"/>
         </c:scaling>
         <c:delete val="0"/>
         <c:axPos val="b"/>
-        <c:majorGridlines/>
+        <c:majorGridlines>
+          <c:spPr>
+            <a:ln>
+              <a:solidFill>
+                <a:schemeClr val="bg1">
+                  <a:lumMod val="75000"/>
+                </a:schemeClr>
+              </a:solidFill>
+            </a:ln>
+          </c:spPr>
+        </c:majorGridlines>
         <c:minorGridlines>
           <c:spPr>
             <a:ln>
@@ -1636,25 +1191,42 @@
               </a:p>
             </c:rich>
           </c:tx>
-          <c:layout/>
+          <c:layout>
+            <c:manualLayout>
+              <c:xMode val="edge"/>
+              <c:yMode val="edge"/>
+              <c:x val="0.40036261119259903"/>
+              <c:y val="0.88713621475304205"/>
+            </c:manualLayout>
+          </c:layout>
           <c:overlay val="0"/>
         </c:title>
         <c:numFmt formatCode="General" sourceLinked="1"/>
         <c:majorTickMark val="out"/>
         <c:minorTickMark val="none"/>
         <c:tickLblPos val="nextTo"/>
-        <c:crossAx val="79804672"/>
+        <c:crossAx val="66239488"/>
         <c:crosses val="autoZero"/>
         <c:crossBetween val="midCat"/>
       </c:valAx>
       <c:valAx>
-        <c:axId val="79804672"/>
+        <c:axId val="66239488"/>
         <c:scaling>
           <c:orientation val="minMax"/>
         </c:scaling>
         <c:delete val="0"/>
         <c:axPos val="l"/>
-        <c:majorGridlines/>
+        <c:majorGridlines>
+          <c:spPr>
+            <a:ln>
+              <a:solidFill>
+                <a:schemeClr val="bg1">
+                  <a:lumMod val="75000"/>
+                </a:schemeClr>
+              </a:solidFill>
+            </a:ln>
+          </c:spPr>
+        </c:majorGridlines>
         <c:minorGridlines>
           <c:spPr>
             <a:ln>
@@ -1676,20 +1248,27 @@
                   <a:defRPr/>
                 </a:pPr>
                 <a:r>
-                  <a:rPr lang="en-US"/>
+                  <a:rPr lang="en-US" dirty="0"/>
                   <a:t>Dead time (%)</a:t>
                 </a:r>
               </a:p>
             </c:rich>
           </c:tx>
-          <c:layout/>
+          <c:layout>
+            <c:manualLayout>
+              <c:xMode val="edge"/>
+              <c:yMode val="edge"/>
+              <c:x val="4.9785536713566501E-3"/>
+              <c:y val="0.28418769885728401"/>
+            </c:manualLayout>
+          </c:layout>
           <c:overlay val="0"/>
         </c:title>
         <c:numFmt formatCode="0" sourceLinked="0"/>
         <c:majorTickMark val="out"/>
         <c:minorTickMark val="none"/>
         <c:tickLblPos val="nextTo"/>
-        <c:crossAx val="79802368"/>
+        <c:crossAx val="65730816"/>
         <c:crosses val="autoZero"/>
         <c:crossBetween val="midCat"/>
       </c:valAx>
@@ -1711,6 +1290,7 @@
   <c:externalData r:id="rId1">
     <c:autoUpdate val="0"/>
   </c:externalData>
+  <c:userShapes r:id="rId2"/>
 </c:chartSpace>
 </file>
 
@@ -1730,7 +1310,17 @@
   <c:chart>
     <c:autoTitleDeleted val="1"/>
     <c:plotArea>
-      <c:layout/>
+      <c:layout>
+        <c:manualLayout>
+          <c:layoutTarget val="inner"/>
+          <c:xMode val="edge"/>
+          <c:yMode val="edge"/>
+          <c:x val="0.16269021072317999"/>
+          <c:y val="0.12035374268842799"/>
+          <c:w val="0.76399800471323098"/>
+          <c:h val="0.67850069482326802"/>
+        </c:manualLayout>
+      </c:layout>
       <c:scatterChart>
         <c:scatterStyle val="lineMarker"/>
         <c:varyColors val="0"/>
@@ -1854,11 +1444,6 @@
             </c:numRef>
           </c:yVal>
           <c:smooth val="1"/>
-          <c:extLst xmlns:c16r2="http://schemas.microsoft.com/office/drawing/2015/06/chart">
-            <c:ext xmlns:c16="http://schemas.microsoft.com/office/drawing/2014/chart" uri="{C3380CC4-5D6E-409C-BE32-E72D297353CC}">
-              <c16:uniqueId val="{00000000-7037-4256-A393-D4E9A60DE223}"/>
-            </c:ext>
-          </c:extLst>
         </c:ser>
         <c:ser>
           <c:idx val="1"/>
@@ -1933,13 +1518,13 @@
                   <c:v>2.6502387695615299</c:v>
                 </c:pt>
                 <c:pt idx="3">
-                  <c:v>4.4902009426941216</c:v>
+                  <c:v>4.4902009426941278</c:v>
                 </c:pt>
                 <c:pt idx="4">
-                  <c:v>6.5756259052348378</c:v>
+                  <c:v>6.5756259052348396</c:v>
                 </c:pt>
                 <c:pt idx="5">
-                  <c:v>9.4732300612236475</c:v>
+                  <c:v>9.4732300612236493</c:v>
                 </c:pt>
                 <c:pt idx="6">
                   <c:v>11.13857307628934</c:v>
@@ -1951,11 +1536,6 @@
             </c:numRef>
           </c:yVal>
           <c:smooth val="0"/>
-          <c:extLst xmlns:c16r2="http://schemas.microsoft.com/office/drawing/2015/06/chart">
-            <c:ext xmlns:c16="http://schemas.microsoft.com/office/drawing/2014/chart" uri="{C3380CC4-5D6E-409C-BE32-E72D297353CC}">
-              <c16:uniqueId val="{00000001-7037-4256-A393-D4E9A60DE223}"/>
-            </c:ext>
-          </c:extLst>
         </c:ser>
         <c:ser>
           <c:idx val="2"/>
@@ -1981,10 +1561,10 @@
           </c:marker>
           <c:xVal>
             <c:numRef>
-              <c:f>FixedReadout!$C$40:$I$40</c:f>
+              <c:f>FixedReadout!$C$40:$H$40</c:f>
               <c:numCache>
                 <c:formatCode>General</c:formatCode>
-                <c:ptCount val="7"/>
+                <c:ptCount val="6"/>
                 <c:pt idx="0">
                   <c:v>10626.2</c:v>
                 </c:pt>
@@ -1995,15 +1575,12 @@
                   <c:v>5043.6000000000004</c:v>
                 </c:pt>
                 <c:pt idx="3">
-                  <c:v>0</c:v>
+                  <c:v>52688.7</c:v>
                 </c:pt>
                 <c:pt idx="4">
-                  <c:v>52688.7</c:v>
+                  <c:v>104390.3</c:v>
                 </c:pt>
                 <c:pt idx="5">
-                  <c:v>104390.3</c:v>
-                </c:pt>
-                <c:pt idx="6">
                   <c:v>189480.4</c:v>
                 </c:pt>
               </c:numCache>
@@ -2011,12 +1588,12 @@
           </c:xVal>
           <c:yVal>
             <c:numRef>
-              <c:f>FixedReadout!$C$41:$I$41</c:f>
+              <c:f>FixedReadout!$C$41:$H$41</c:f>
               <c:numCache>
                 <c:formatCode>0.00</c:formatCode>
-                <c:ptCount val="7"/>
+                <c:ptCount val="6"/>
                 <c:pt idx="0">
-                  <c:v>26.39990801425779</c:v>
+                  <c:v>26.3999080142578</c:v>
                 </c:pt>
                 <c:pt idx="1">
                   <c:v>26.12135388002201</c:v>
@@ -2025,26 +1602,18 @@
                   <c:v>27.593307593307589</c:v>
                 </c:pt>
                 <c:pt idx="3">
-                  <c:v>0</c:v>
+                  <c:v>28.70486486486487</c:v>
                 </c:pt>
                 <c:pt idx="4">
-                  <c:v>28.70486486486487</c:v>
+                  <c:v>28.03242219334372</c:v>
                 </c:pt>
                 <c:pt idx="5">
-                  <c:v>28.032422193343749</c:v>
-                </c:pt>
-                <c:pt idx="6">
                   <c:v>28.17506488857067</c:v>
                 </c:pt>
               </c:numCache>
             </c:numRef>
           </c:yVal>
           <c:smooth val="0"/>
-          <c:extLst xmlns:c16r2="http://schemas.microsoft.com/office/drawing/2015/06/chart">
-            <c:ext xmlns:c16="http://schemas.microsoft.com/office/drawing/2014/chart" uri="{C3380CC4-5D6E-409C-BE32-E72D297353CC}">
-              <c16:uniqueId val="{00000002-7037-4256-A393-D4E9A60DE223}"/>
-            </c:ext>
-          </c:extLst>
         </c:ser>
         <c:dLbls>
           <c:showLegendKey val="0"/>
@@ -2054,11 +1623,11 @@
           <c:showPercent val="0"/>
           <c:showBubbleSize val="0"/>
         </c:dLbls>
-        <c:axId val="79864192"/>
-        <c:axId val="79866496"/>
+        <c:axId val="65153664"/>
+        <c:axId val="65447808"/>
       </c:scatterChart>
       <c:valAx>
-        <c:axId val="79864192"/>
+        <c:axId val="65153664"/>
         <c:scaling>
           <c:orientation val="minMax"/>
           <c:max val="200000"/>
@@ -2070,13 +1639,23 @@
             <a:ln>
               <a:solidFill>
                 <a:schemeClr val="bg1">
-                  <a:lumMod val="65000"/>
+                  <a:lumMod val="75000"/>
                 </a:schemeClr>
               </a:solidFill>
             </a:ln>
           </c:spPr>
         </c:majorGridlines>
-        <c:minorGridlines/>
+        <c:minorGridlines>
+          <c:spPr>
+            <a:ln>
+              <a:solidFill>
+                <a:schemeClr val="bg1">
+                  <a:lumMod val="85000"/>
+                </a:schemeClr>
+              </a:solidFill>
+            </a:ln>
+          </c:spPr>
+        </c:minorGridlines>
         <c:title>
           <c:tx>
             <c:rich>
@@ -2098,7 +1677,14 @@
               </a:p>
             </c:rich>
           </c:tx>
-          <c:layout/>
+          <c:layout>
+            <c:manualLayout>
+              <c:xMode val="edge"/>
+              <c:yMode val="edge"/>
+              <c:x val="0.419591157174937"/>
+              <c:y val="0.90594203302500997"/>
+            </c:manualLayout>
+          </c:layout>
           <c:overlay val="0"/>
         </c:title>
         <c:numFmt formatCode="General" sourceLinked="0"/>
@@ -2112,12 +1698,12 @@
             </a:solidFill>
           </a:ln>
         </c:spPr>
-        <c:crossAx val="79866496"/>
+        <c:crossAx val="65447808"/>
         <c:crossesAt val="0"/>
         <c:crossBetween val="midCat"/>
       </c:valAx>
       <c:valAx>
-        <c:axId val="79866496"/>
+        <c:axId val="65447808"/>
         <c:scaling>
           <c:orientation val="minMax"/>
         </c:scaling>
@@ -2128,13 +1714,23 @@
             <a:ln>
               <a:solidFill>
                 <a:schemeClr val="bg1">
-                  <a:lumMod val="65000"/>
+                  <a:lumMod val="85000"/>
                 </a:schemeClr>
               </a:solidFill>
             </a:ln>
           </c:spPr>
         </c:majorGridlines>
-        <c:minorGridlines/>
+        <c:minorGridlines>
+          <c:spPr>
+            <a:ln>
+              <a:solidFill>
+                <a:schemeClr val="bg1">
+                  <a:lumMod val="75000"/>
+                </a:schemeClr>
+              </a:solidFill>
+            </a:ln>
+          </c:spPr>
+        </c:minorGridlines>
         <c:title>
           <c:tx>
             <c:rich>
@@ -2151,7 +1747,14 @@
               </a:p>
             </c:rich>
           </c:tx>
-          <c:layout/>
+          <c:layout>
+            <c:manualLayout>
+              <c:xMode val="edge"/>
+              <c:yMode val="edge"/>
+              <c:x val="3.5785307252747402E-2"/>
+              <c:y val="0.35729106524967802"/>
+            </c:manualLayout>
+          </c:layout>
           <c:overlay val="0"/>
         </c:title>
         <c:numFmt formatCode="General" sourceLinked="0"/>
@@ -2165,7 +1768,7 @@
             </a:solidFill>
           </a:ln>
         </c:spPr>
-        <c:crossAx val="79864192"/>
+        <c:crossAx val="65153664"/>
         <c:crossesAt val="0"/>
         <c:crossBetween val="midCat"/>
       </c:valAx>
@@ -2204,6 +1807,294 @@
     <c:autoUpdate val="0"/>
   </c:externalData>
 </c:chartSpace>
+</file>
+
+<file path=ppt/drawings/drawing1.xml><?xml version="1.0" encoding="utf-8"?>
+<c:userShapes xmlns:c="http://schemas.openxmlformats.org/drawingml/2006/chart">
+  <cdr:relSizeAnchor xmlns:cdr="http://schemas.openxmlformats.org/drawingml/2006/chartDrawing">
+    <cdr:from>
+      <cdr:x>0.23835</cdr:x>
+      <cdr:y>0.38438</cdr:y>
+    </cdr:from>
+    <cdr:to>
+      <cdr:x>0.3707</cdr:x>
+      <cdr:y>0.55222</cdr:y>
+    </cdr:to>
+    <cdr:sp macro="" textlink="">
+      <cdr:nvSpPr>
+        <cdr:cNvPr id="4" name="TextBox 4"/>
+        <cdr:cNvSpPr txBox="1"/>
+      </cdr:nvSpPr>
+      <cdr:spPr>
+        <a:xfrm xmlns:a="http://schemas.openxmlformats.org/drawingml/2006/main">
+          <a:off x="1824056" y="1903101"/>
+          <a:ext cx="1012874" cy="830997"/>
+        </a:xfrm>
+        <a:prstGeom xmlns:a="http://schemas.openxmlformats.org/drawingml/2006/main" prst="rect">
+          <a:avLst/>
+        </a:prstGeom>
+        <a:noFill xmlns:a="http://schemas.openxmlformats.org/drawingml/2006/main"/>
+      </cdr:spPr>
+      <cdr:txBody>
+        <a:bodyPr xmlns:a="http://schemas.openxmlformats.org/drawingml/2006/main" wrap="square" rtlCol="0">
+          <a:spAutoFit/>
+        </a:bodyPr>
+        <a:lstStyle xmlns:a="http://schemas.openxmlformats.org/drawingml/2006/main">
+          <a:defPPr>
+            <a:defRPr lang="en-US"/>
+          </a:defPPr>
+          <a:lvl1pPr marL="0" algn="l" defTabSz="457200" rtl="0" eaLnBrk="1" latinLnBrk="0" hangingPunct="1">
+            <a:defRPr sz="1800" kern="1200">
+              <a:solidFill>
+                <a:schemeClr val="tx1"/>
+              </a:solidFill>
+              <a:latin typeface="+mn-lt"/>
+              <a:ea typeface="+mn-ea"/>
+              <a:cs typeface="+mn-cs"/>
+            </a:defRPr>
+          </a:lvl1pPr>
+          <a:lvl2pPr marL="457200" algn="l" defTabSz="457200" rtl="0" eaLnBrk="1" latinLnBrk="0" hangingPunct="1">
+            <a:defRPr sz="1800" kern="1200">
+              <a:solidFill>
+                <a:schemeClr val="tx1"/>
+              </a:solidFill>
+              <a:latin typeface="+mn-lt"/>
+              <a:ea typeface="+mn-ea"/>
+              <a:cs typeface="+mn-cs"/>
+            </a:defRPr>
+          </a:lvl2pPr>
+          <a:lvl3pPr marL="914400" algn="l" defTabSz="457200" rtl="0" eaLnBrk="1" latinLnBrk="0" hangingPunct="1">
+            <a:defRPr sz="1800" kern="1200">
+              <a:solidFill>
+                <a:schemeClr val="tx1"/>
+              </a:solidFill>
+              <a:latin typeface="+mn-lt"/>
+              <a:ea typeface="+mn-ea"/>
+              <a:cs typeface="+mn-cs"/>
+            </a:defRPr>
+          </a:lvl3pPr>
+          <a:lvl4pPr marL="1371600" algn="l" defTabSz="457200" rtl="0" eaLnBrk="1" latinLnBrk="0" hangingPunct="1">
+            <a:defRPr sz="1800" kern="1200">
+              <a:solidFill>
+                <a:schemeClr val="tx1"/>
+              </a:solidFill>
+              <a:latin typeface="+mn-lt"/>
+              <a:ea typeface="+mn-ea"/>
+              <a:cs typeface="+mn-cs"/>
+            </a:defRPr>
+          </a:lvl4pPr>
+          <a:lvl5pPr marL="1828800" algn="l" defTabSz="457200" rtl="0" eaLnBrk="1" latinLnBrk="0" hangingPunct="1">
+            <a:defRPr sz="1800" kern="1200">
+              <a:solidFill>
+                <a:schemeClr val="tx1"/>
+              </a:solidFill>
+              <a:latin typeface="+mn-lt"/>
+              <a:ea typeface="+mn-ea"/>
+              <a:cs typeface="+mn-cs"/>
+            </a:defRPr>
+          </a:lvl5pPr>
+          <a:lvl6pPr marL="2286000" algn="l" defTabSz="457200" rtl="0" eaLnBrk="1" latinLnBrk="0" hangingPunct="1">
+            <a:defRPr sz="1800" kern="1200">
+              <a:solidFill>
+                <a:schemeClr val="tx1"/>
+              </a:solidFill>
+              <a:latin typeface="+mn-lt"/>
+              <a:ea typeface="+mn-ea"/>
+              <a:cs typeface="+mn-cs"/>
+            </a:defRPr>
+          </a:lvl6pPr>
+          <a:lvl7pPr marL="2743200" algn="l" defTabSz="457200" rtl="0" eaLnBrk="1" latinLnBrk="0" hangingPunct="1">
+            <a:defRPr sz="1800" kern="1200">
+              <a:solidFill>
+                <a:schemeClr val="tx1"/>
+              </a:solidFill>
+              <a:latin typeface="+mn-lt"/>
+              <a:ea typeface="+mn-ea"/>
+              <a:cs typeface="+mn-cs"/>
+            </a:defRPr>
+          </a:lvl7pPr>
+          <a:lvl8pPr marL="3200400" algn="l" defTabSz="457200" rtl="0" eaLnBrk="1" latinLnBrk="0" hangingPunct="1">
+            <a:defRPr sz="1800" kern="1200">
+              <a:solidFill>
+                <a:schemeClr val="tx1"/>
+              </a:solidFill>
+              <a:latin typeface="+mn-lt"/>
+              <a:ea typeface="+mn-ea"/>
+              <a:cs typeface="+mn-cs"/>
+            </a:defRPr>
+          </a:lvl8pPr>
+          <a:lvl9pPr marL="3657600" algn="l" defTabSz="457200" rtl="0" eaLnBrk="1" latinLnBrk="0" hangingPunct="1">
+            <a:defRPr sz="1800" kern="1200">
+              <a:solidFill>
+                <a:schemeClr val="tx1"/>
+              </a:solidFill>
+              <a:latin typeface="+mn-lt"/>
+              <a:ea typeface="+mn-ea"/>
+              <a:cs typeface="+mn-cs"/>
+            </a:defRPr>
+          </a:lvl9pPr>
+        </a:lstStyle>
+        <a:p xmlns:a="http://schemas.openxmlformats.org/drawingml/2006/main">
+          <a:pPr algn="ctr"/>
+          <a:r>
+            <a:rPr lang="en-US" sz="2400" dirty="0" smtClean="0">
+              <a:solidFill>
+                <a:srgbClr val="0000FF"/>
+              </a:solidFill>
+            </a:rPr>
+            <a:t>Single Crate</a:t>
+          </a:r>
+          <a:endParaRPr lang="en-US" sz="2400" dirty="0">
+            <a:solidFill>
+              <a:srgbClr val="0000FF"/>
+            </a:solidFill>
+          </a:endParaRPr>
+        </a:p>
+      </cdr:txBody>
+    </cdr:sp>
+  </cdr:relSizeAnchor>
+  <cdr:relSizeAnchor xmlns:cdr="http://schemas.openxmlformats.org/drawingml/2006/chartDrawing">
+    <cdr:from>
+      <cdr:x>0.67639</cdr:x>
+      <cdr:y>0.53828</cdr:y>
+    </cdr:from>
+    <cdr:to>
+      <cdr:x>0.84026</cdr:x>
+      <cdr:y>0.63153</cdr:y>
+    </cdr:to>
+    <cdr:sp macro="" textlink="">
+      <cdr:nvSpPr>
+        <cdr:cNvPr id="5" name="TextBox 5"/>
+        <cdr:cNvSpPr txBox="1"/>
+      </cdr:nvSpPr>
+      <cdr:spPr>
+        <a:xfrm xmlns:a="http://schemas.openxmlformats.org/drawingml/2006/main">
+          <a:off x="5176325" y="2665101"/>
+          <a:ext cx="1254034" cy="461665"/>
+        </a:xfrm>
+        <a:prstGeom xmlns:a="http://schemas.openxmlformats.org/drawingml/2006/main" prst="rect">
+          <a:avLst/>
+        </a:prstGeom>
+        <a:noFill xmlns:a="http://schemas.openxmlformats.org/drawingml/2006/main"/>
+      </cdr:spPr>
+      <cdr:txBody>
+        <a:bodyPr xmlns:a="http://schemas.openxmlformats.org/drawingml/2006/main" wrap="square" rtlCol="0">
+          <a:spAutoFit/>
+        </a:bodyPr>
+        <a:lstStyle xmlns:a="http://schemas.openxmlformats.org/drawingml/2006/main">
+          <a:defPPr>
+            <a:defRPr lang="en-US"/>
+          </a:defPPr>
+          <a:lvl1pPr marL="0" algn="l" defTabSz="457200" rtl="0" eaLnBrk="1" latinLnBrk="0" hangingPunct="1">
+            <a:defRPr sz="1800" kern="1200">
+              <a:solidFill>
+                <a:schemeClr val="tx1"/>
+              </a:solidFill>
+              <a:latin typeface="+mn-lt"/>
+              <a:ea typeface="+mn-ea"/>
+              <a:cs typeface="+mn-cs"/>
+            </a:defRPr>
+          </a:lvl1pPr>
+          <a:lvl2pPr marL="457200" algn="l" defTabSz="457200" rtl="0" eaLnBrk="1" latinLnBrk="0" hangingPunct="1">
+            <a:defRPr sz="1800" kern="1200">
+              <a:solidFill>
+                <a:schemeClr val="tx1"/>
+              </a:solidFill>
+              <a:latin typeface="+mn-lt"/>
+              <a:ea typeface="+mn-ea"/>
+              <a:cs typeface="+mn-cs"/>
+            </a:defRPr>
+          </a:lvl2pPr>
+          <a:lvl3pPr marL="914400" algn="l" defTabSz="457200" rtl="0" eaLnBrk="1" latinLnBrk="0" hangingPunct="1">
+            <a:defRPr sz="1800" kern="1200">
+              <a:solidFill>
+                <a:schemeClr val="tx1"/>
+              </a:solidFill>
+              <a:latin typeface="+mn-lt"/>
+              <a:ea typeface="+mn-ea"/>
+              <a:cs typeface="+mn-cs"/>
+            </a:defRPr>
+          </a:lvl3pPr>
+          <a:lvl4pPr marL="1371600" algn="l" defTabSz="457200" rtl="0" eaLnBrk="1" latinLnBrk="0" hangingPunct="1">
+            <a:defRPr sz="1800" kern="1200">
+              <a:solidFill>
+                <a:schemeClr val="tx1"/>
+              </a:solidFill>
+              <a:latin typeface="+mn-lt"/>
+              <a:ea typeface="+mn-ea"/>
+              <a:cs typeface="+mn-cs"/>
+            </a:defRPr>
+          </a:lvl4pPr>
+          <a:lvl5pPr marL="1828800" algn="l" defTabSz="457200" rtl="0" eaLnBrk="1" latinLnBrk="0" hangingPunct="1">
+            <a:defRPr sz="1800" kern="1200">
+              <a:solidFill>
+                <a:schemeClr val="tx1"/>
+              </a:solidFill>
+              <a:latin typeface="+mn-lt"/>
+              <a:ea typeface="+mn-ea"/>
+              <a:cs typeface="+mn-cs"/>
+            </a:defRPr>
+          </a:lvl5pPr>
+          <a:lvl6pPr marL="2286000" algn="l" defTabSz="457200" rtl="0" eaLnBrk="1" latinLnBrk="0" hangingPunct="1">
+            <a:defRPr sz="1800" kern="1200">
+              <a:solidFill>
+                <a:schemeClr val="tx1"/>
+              </a:solidFill>
+              <a:latin typeface="+mn-lt"/>
+              <a:ea typeface="+mn-ea"/>
+              <a:cs typeface="+mn-cs"/>
+            </a:defRPr>
+          </a:lvl6pPr>
+          <a:lvl7pPr marL="2743200" algn="l" defTabSz="457200" rtl="0" eaLnBrk="1" latinLnBrk="0" hangingPunct="1">
+            <a:defRPr sz="1800" kern="1200">
+              <a:solidFill>
+                <a:schemeClr val="tx1"/>
+              </a:solidFill>
+              <a:latin typeface="+mn-lt"/>
+              <a:ea typeface="+mn-ea"/>
+              <a:cs typeface="+mn-cs"/>
+            </a:defRPr>
+          </a:lvl7pPr>
+          <a:lvl8pPr marL="3200400" algn="l" defTabSz="457200" rtl="0" eaLnBrk="1" latinLnBrk="0" hangingPunct="1">
+            <a:defRPr sz="1800" kern="1200">
+              <a:solidFill>
+                <a:schemeClr val="tx1"/>
+              </a:solidFill>
+              <a:latin typeface="+mn-lt"/>
+              <a:ea typeface="+mn-ea"/>
+              <a:cs typeface="+mn-cs"/>
+            </a:defRPr>
+          </a:lvl8pPr>
+          <a:lvl9pPr marL="3657600" algn="l" defTabSz="457200" rtl="0" eaLnBrk="1" latinLnBrk="0" hangingPunct="1">
+            <a:defRPr sz="1800" kern="1200">
+              <a:solidFill>
+                <a:schemeClr val="tx1"/>
+              </a:solidFill>
+              <a:latin typeface="+mn-lt"/>
+              <a:ea typeface="+mn-ea"/>
+              <a:cs typeface="+mn-cs"/>
+            </a:defRPr>
+          </a:lvl9pPr>
+        </a:lstStyle>
+        <a:p xmlns:a="http://schemas.openxmlformats.org/drawingml/2006/main">
+          <a:r>
+            <a:rPr lang="en-US" sz="2400" dirty="0" smtClean="0">
+              <a:solidFill>
+                <a:srgbClr val="FF0000"/>
+              </a:solidFill>
+            </a:rPr>
+            <a:t>3 Crates</a:t>
+          </a:r>
+          <a:endParaRPr lang="en-US" sz="2400" dirty="0">
+            <a:solidFill>
+              <a:srgbClr val="FF0000"/>
+            </a:solidFill>
+          </a:endParaRPr>
+        </a:p>
+      </cdr:txBody>
+    </cdr:sp>
+  </cdr:relSizeAnchor>
+</c:userShapes>
 </file>
 
 <file path=ppt/slideLayouts/slideLayout1.xml><?xml version="1.0" encoding="utf-8"?>
@@ -2387,7 +2278,7 @@
           <a:p>
             <a:fld id="{B41FAE2C-98F2-4AEB-9028-7681F5825C1E}" type="datetimeFigureOut">
               <a:rPr lang="en-US" smtClean="0"/>
-              <a:t>11/4/2015</a:t>
+              <a:t>11/9/2015</a:t>
             </a:fld>
             <a:endParaRPr lang="en-US"/>
           </a:p>
@@ -2560,7 +2451,7 @@
           <a:p>
             <a:fld id="{B41FAE2C-98F2-4AEB-9028-7681F5825C1E}" type="datetimeFigureOut">
               <a:rPr lang="en-US" smtClean="0"/>
-              <a:t>11/4/2015</a:t>
+              <a:t>11/9/2015</a:t>
             </a:fld>
             <a:endParaRPr lang="en-US"/>
           </a:p>
@@ -2750,7 +2641,7 @@
           <a:p>
             <a:fld id="{B41FAE2C-98F2-4AEB-9028-7681F5825C1E}" type="datetimeFigureOut">
               <a:rPr lang="en-US" smtClean="0"/>
-              <a:t>11/4/2015</a:t>
+              <a:t>11/9/2015</a:t>
             </a:fld>
             <a:endParaRPr lang="en-US"/>
           </a:p>
@@ -3007,7 +2898,7 @@
                 </a:solidFill>
               </a:rPr>
               <a:pPr/>
-              <a:t>11/4/2015</a:t>
+              <a:t>11/9/2015</a:t>
             </a:fld>
             <a:endParaRPr lang="en-US">
               <a:solidFill>
@@ -3215,7 +3106,7 @@
                 </a:solidFill>
               </a:rPr>
               <a:pPr/>
-              <a:t>11/4/2015</a:t>
+              <a:t>11/9/2015</a:t>
             </a:fld>
             <a:endParaRPr lang="en-US">
               <a:solidFill>
@@ -3499,7 +3390,7 @@
                 </a:solidFill>
               </a:rPr>
               <a:pPr/>
-              <a:t>11/4/2015</a:t>
+              <a:t>11/9/2015</a:t>
             </a:fld>
             <a:endParaRPr lang="en-US">
               <a:solidFill>
@@ -3825,7 +3716,7 @@
                 </a:solidFill>
               </a:rPr>
               <a:pPr/>
-              <a:t>11/4/2015</a:t>
+              <a:t>11/9/2015</a:t>
             </a:fld>
             <a:endParaRPr lang="en-US">
               <a:solidFill>
@@ -4285,7 +4176,7 @@
                 </a:solidFill>
               </a:rPr>
               <a:pPr/>
-              <a:t>11/4/2015</a:t>
+              <a:t>11/9/2015</a:t>
             </a:fld>
             <a:endParaRPr lang="en-US">
               <a:solidFill>
@@ -4441,7 +4332,7 @@
                 </a:solidFill>
               </a:rPr>
               <a:pPr/>
-              <a:t>11/4/2015</a:t>
+              <a:t>11/9/2015</a:t>
             </a:fld>
             <a:endParaRPr lang="en-US">
               <a:solidFill>
@@ -4574,7 +4465,7 @@
                 </a:solidFill>
               </a:rPr>
               <a:pPr/>
-              <a:t>11/4/2015</a:t>
+              <a:t>11/9/2015</a:t>
             </a:fld>
             <a:endParaRPr lang="en-US">
               <a:solidFill>
@@ -4889,7 +4780,7 @@
                 </a:solidFill>
               </a:rPr>
               <a:pPr/>
-              <a:t>11/4/2015</a:t>
+              <a:t>11/9/2015</a:t>
             </a:fld>
             <a:endParaRPr lang="en-US">
               <a:solidFill>
@@ -5092,7 +4983,7 @@
           <a:p>
             <a:fld id="{B41FAE2C-98F2-4AEB-9028-7681F5825C1E}" type="datetimeFigureOut">
               <a:rPr lang="en-US" smtClean="0"/>
-              <a:t>11/4/2015</a:t>
+              <a:t>11/9/2015</a:t>
             </a:fld>
             <a:endParaRPr lang="en-US"/>
           </a:p>
@@ -5357,7 +5248,7 @@
                 </a:solidFill>
               </a:rPr>
               <a:pPr/>
-              <a:t>11/4/2015</a:t>
+              <a:t>11/9/2015</a:t>
             </a:fld>
             <a:endParaRPr lang="en-US">
               <a:solidFill>
@@ -5565,7 +5456,7 @@
                 </a:solidFill>
               </a:rPr>
               <a:pPr/>
-              <a:t>11/4/2015</a:t>
+              <a:t>11/9/2015</a:t>
             </a:fld>
             <a:endParaRPr lang="en-US">
               <a:solidFill>
@@ -5783,7 +5674,7 @@
                 </a:solidFill>
               </a:rPr>
               <a:pPr/>
-              <a:t>11/4/2015</a:t>
+              <a:t>11/9/2015</a:t>
             </a:fld>
             <a:endParaRPr lang="en-US">
               <a:solidFill>
@@ -6062,7 +5953,7 @@
           <a:p>
             <a:fld id="{B41FAE2C-98F2-4AEB-9028-7681F5825C1E}" type="datetimeFigureOut">
               <a:rPr lang="en-US" smtClean="0"/>
-              <a:t>11/4/2015</a:t>
+              <a:t>11/9/2015</a:t>
             </a:fld>
             <a:endParaRPr lang="en-US"/>
           </a:p>
@@ -6353,7 +6244,7 @@
           <a:p>
             <a:fld id="{B41FAE2C-98F2-4AEB-9028-7681F5825C1E}" type="datetimeFigureOut">
               <a:rPr lang="en-US" smtClean="0"/>
-              <a:t>11/4/2015</a:t>
+              <a:t>11/9/2015</a:t>
             </a:fld>
             <a:endParaRPr lang="en-US"/>
           </a:p>
@@ -6778,7 +6669,7 @@
           <a:p>
             <a:fld id="{B41FAE2C-98F2-4AEB-9028-7681F5825C1E}" type="datetimeFigureOut">
               <a:rPr lang="en-US" smtClean="0"/>
-              <a:t>11/4/2015</a:t>
+              <a:t>11/9/2015</a:t>
             </a:fld>
             <a:endParaRPr lang="en-US"/>
           </a:p>
@@ -6906,7 +6797,7 @@
           <a:p>
             <a:fld id="{B41FAE2C-98F2-4AEB-9028-7681F5825C1E}" type="datetimeFigureOut">
               <a:rPr lang="en-US" smtClean="0"/>
-              <a:t>11/4/2015</a:t>
+              <a:t>11/9/2015</a:t>
             </a:fld>
             <a:endParaRPr lang="en-US"/>
           </a:p>
@@ -7011,7 +6902,7 @@
           <a:p>
             <a:fld id="{B41FAE2C-98F2-4AEB-9028-7681F5825C1E}" type="datetimeFigureOut">
               <a:rPr lang="en-US" smtClean="0"/>
-              <a:t>11/4/2015</a:t>
+              <a:t>11/9/2015</a:t>
             </a:fld>
             <a:endParaRPr lang="en-US"/>
           </a:p>
@@ -7298,7 +7189,7 @@
           <a:p>
             <a:fld id="{B41FAE2C-98F2-4AEB-9028-7681F5825C1E}" type="datetimeFigureOut">
               <a:rPr lang="en-US" smtClean="0"/>
-              <a:t>11/4/2015</a:t>
+              <a:t>11/9/2015</a:t>
             </a:fld>
             <a:endParaRPr lang="en-US"/>
           </a:p>
@@ -7565,7 +7456,7 @@
           <a:p>
             <a:fld id="{B41FAE2C-98F2-4AEB-9028-7681F5825C1E}" type="datetimeFigureOut">
               <a:rPr lang="en-US" smtClean="0"/>
-              <a:t>11/4/2015</a:t>
+              <a:t>11/9/2015</a:t>
             </a:fld>
             <a:endParaRPr lang="en-US"/>
           </a:p>
@@ -7793,7 +7684,7 @@
           <a:p>
             <a:fld id="{B41FAE2C-98F2-4AEB-9028-7681F5825C1E}" type="datetimeFigureOut">
               <a:rPr lang="en-US" smtClean="0"/>
-              <a:t>11/4/2015</a:t>
+              <a:t>11/9/2015</a:t>
             </a:fld>
             <a:endParaRPr lang="en-US"/>
           </a:p>
@@ -8271,7 +8162,7 @@
                 </a:solidFill>
               </a:rPr>
               <a:pPr defTabSz="457200"/>
-              <a:t>11/4/2015</a:t>
+              <a:t>11/9/2015</a:t>
             </a:fld>
             <a:endParaRPr lang="en-US" dirty="0">
               <a:solidFill>
@@ -8771,203 +8662,9 @@
           <a:chExt cx="0" cy="0"/>
         </a:xfrm>
       </p:grpSpPr>
-      <p:graphicFrame>
-        <p:nvGraphicFramePr>
-          <p:cNvPr id="8" name="Chart 7"/>
-          <p:cNvGraphicFramePr>
-            <a:graphicFrameLocks/>
-          </p:cNvGraphicFramePr>
-          <p:nvPr>
-            <p:extLst>
-              <p:ext uri="{D42A27DB-BD31-4B8C-83A1-F6EECF244321}">
-                <p14:modId xmlns:p14="http://schemas.microsoft.com/office/powerpoint/2010/main" val="3355298516"/>
-              </p:ext>
-            </p:extLst>
-          </p:nvPr>
-        </p:nvGraphicFramePr>
-        <p:xfrm>
-          <a:off x="1295400" y="1326536"/>
-          <a:ext cx="6341180" cy="5022860"/>
-        </p:xfrm>
-        <a:graphic>
-          <a:graphicData uri="http://schemas.openxmlformats.org/drawingml/2006/chart">
-            <c:chart xmlns:c="http://schemas.openxmlformats.org/drawingml/2006/chart" xmlns:r="http://schemas.openxmlformats.org/officeDocument/2006/relationships" r:id="rId2"/>
-          </a:graphicData>
-        </a:graphic>
-      </p:graphicFrame>
-      <p:sp>
-        <p:nvSpPr>
-          <p:cNvPr id="6" name="TextBox 5"/>
-          <p:cNvSpPr txBox="1"/>
-          <p:nvPr/>
-        </p:nvSpPr>
-        <p:spPr>
-          <a:xfrm>
-            <a:off x="5961444" y="4951359"/>
-            <a:ext cx="1489378" cy="461665"/>
-          </a:xfrm>
-          <a:prstGeom prst="rect">
-            <a:avLst/>
-          </a:prstGeom>
-          <a:noFill/>
-        </p:spPr>
-        <p:txBody>
-          <a:bodyPr wrap="square" rtlCol="0">
-            <a:spAutoFit/>
-          </a:bodyPr>
-          <a:lstStyle/>
-          <a:p>
-            <a:r>
-              <a:rPr lang="en-US" sz="2400" dirty="0">
-                <a:solidFill>
-                  <a:srgbClr val="0000FF"/>
-                </a:solidFill>
-              </a:rPr>
-              <a:t>3</a:t>
-            </a:r>
-            <a:r>
-              <a:rPr lang="en-US" sz="2400" dirty="0" smtClean="0">
-                <a:solidFill>
-                  <a:srgbClr val="0000FF"/>
-                </a:solidFill>
-              </a:rPr>
-              <a:t> crates</a:t>
-            </a:r>
-            <a:endParaRPr lang="en-US" sz="2400" dirty="0">
-              <a:solidFill>
-                <a:srgbClr val="0000FF"/>
-              </a:solidFill>
-            </a:endParaRPr>
-          </a:p>
-        </p:txBody>
-      </p:sp>
-      <p:sp>
-        <p:nvSpPr>
-          <p:cNvPr id="7" name="TextBox 6"/>
-          <p:cNvSpPr txBox="1"/>
-          <p:nvPr/>
-        </p:nvSpPr>
-        <p:spPr>
-          <a:xfrm>
-            <a:off x="3985952" y="3837966"/>
-            <a:ext cx="1489378" cy="461665"/>
-          </a:xfrm>
-          <a:prstGeom prst="rect">
-            <a:avLst/>
-          </a:prstGeom>
-          <a:noFill/>
-        </p:spPr>
-        <p:txBody>
-          <a:bodyPr wrap="square" rtlCol="0">
-            <a:spAutoFit/>
-          </a:bodyPr>
-          <a:lstStyle/>
-          <a:p>
-            <a:r>
-              <a:rPr lang="en-US" sz="2400" dirty="0" smtClean="0">
-                <a:solidFill>
-                  <a:srgbClr val="FF0000"/>
-                </a:solidFill>
-              </a:rPr>
-              <a:t>2 crates</a:t>
-            </a:r>
-            <a:endParaRPr lang="en-US" sz="2400" dirty="0">
-              <a:solidFill>
-                <a:srgbClr val="FF0000"/>
-              </a:solidFill>
-            </a:endParaRPr>
-          </a:p>
-        </p:txBody>
-      </p:sp>
-      <p:sp>
-        <p:nvSpPr>
-          <p:cNvPr id="9" name="TextBox 8"/>
-          <p:cNvSpPr txBox="1"/>
-          <p:nvPr/>
-        </p:nvSpPr>
-        <p:spPr>
-          <a:xfrm>
-            <a:off x="2648974" y="1603441"/>
-            <a:ext cx="1489378" cy="461665"/>
-          </a:xfrm>
-          <a:prstGeom prst="rect">
-            <a:avLst/>
-          </a:prstGeom>
-          <a:noFill/>
-        </p:spPr>
-        <p:txBody>
-          <a:bodyPr wrap="square" rtlCol="0">
-            <a:spAutoFit/>
-          </a:bodyPr>
-          <a:lstStyle/>
-          <a:p>
-            <a:r>
-              <a:rPr lang="en-US" sz="2400" dirty="0" smtClean="0"/>
-              <a:t>1 crates</a:t>
-            </a:r>
-            <a:endParaRPr lang="en-US" sz="2400" dirty="0"/>
-          </a:p>
-        </p:txBody>
-      </p:sp>
-      <p:sp>
-        <p:nvSpPr>
-          <p:cNvPr id="2" name="Rectangle 1"/>
-          <p:cNvSpPr/>
-          <p:nvPr/>
-        </p:nvSpPr>
-        <p:spPr>
-          <a:xfrm>
-            <a:off x="791230" y="989929"/>
-            <a:ext cx="3243837" cy="369332"/>
-          </a:xfrm>
-          <a:prstGeom prst="rect">
-            <a:avLst/>
-          </a:prstGeom>
-        </p:spPr>
-        <p:txBody>
-          <a:bodyPr wrap="none">
-            <a:spAutoFit/>
-          </a:bodyPr>
-          <a:lstStyle/>
-          <a:p>
-            <a:r>
-              <a:rPr lang="en-US" b="1" dirty="0"/>
-              <a:t>No pedestal suppression (8ADC)</a:t>
-            </a:r>
-          </a:p>
-        </p:txBody>
-      </p:sp>
-      <p:sp>
-        <p:nvSpPr>
-          <p:cNvPr id="11" name="Rectangle 10"/>
-          <p:cNvSpPr/>
-          <p:nvPr/>
-        </p:nvSpPr>
-        <p:spPr>
-          <a:xfrm>
-            <a:off x="5715000" y="1005984"/>
-            <a:ext cx="2796407" cy="369332"/>
-          </a:xfrm>
-          <a:prstGeom prst="rect">
-            <a:avLst/>
-          </a:prstGeom>
-        </p:spPr>
-        <p:txBody>
-          <a:bodyPr wrap="none">
-            <a:spAutoFit/>
-          </a:bodyPr>
-          <a:lstStyle/>
-          <a:p>
-            <a:r>
-              <a:rPr lang="en-US" b="1" dirty="0"/>
-              <a:t>Readout trigger rate ~ 5kHz</a:t>
-            </a:r>
-          </a:p>
-        </p:txBody>
-      </p:sp>
-      <p:sp>
-        <p:nvSpPr>
-          <p:cNvPr id="12" name="Title 11"/>
+      <p:sp>
+        <p:nvSpPr>
+          <p:cNvPr id="2" name="Title 1"/>
           <p:cNvSpPr>
             <a:spLocks noGrp="1"/>
           </p:cNvSpPr>
@@ -8982,7 +8679,7 @@
           <a:p>
             <a:r>
               <a:rPr lang="en-US" dirty="0" smtClean="0"/>
-              <a:t>Trigger Switching – near 5 kHz</a:t>
+              <a:t>HCAL</a:t>
             </a:r>
             <a:endParaRPr lang="en-US" dirty="0"/>
           </a:p>
@@ -8990,7 +8687,70 @@
       </p:sp>
       <p:sp>
         <p:nvSpPr>
-          <p:cNvPr id="10" name="Date Placeholder 6"/>
+          <p:cNvPr id="3" name="Content Placeholder 2"/>
+          <p:cNvSpPr>
+            <a:spLocks noGrp="1"/>
+          </p:cNvSpPr>
+          <p:nvPr>
+            <p:ph idx="1"/>
+          </p:nvPr>
+        </p:nvSpPr>
+        <p:spPr>
+          <a:xfrm>
+            <a:off x="457200" y="1295400"/>
+            <a:ext cx="8229600" cy="4525963"/>
+          </a:xfrm>
+        </p:spPr>
+        <p:txBody>
+          <a:bodyPr>
+            <a:normAutofit lnSpcReduction="10000"/>
+          </a:bodyPr>
+          <a:lstStyle/>
+          <a:p>
+            <a:r>
+              <a:rPr lang="en-US" dirty="0" smtClean="0"/>
+              <a:t>All FADC 16 delivered</a:t>
+            </a:r>
+          </a:p>
+          <a:p>
+            <a:r>
+              <a:rPr lang="en-US" dirty="0" smtClean="0"/>
+              <a:t>2 VXS crates delivered</a:t>
+            </a:r>
+          </a:p>
+          <a:p>
+            <a:r>
+              <a:rPr lang="en-US" dirty="0" smtClean="0"/>
+              <a:t>2 Intel Concurrent CPU delivered</a:t>
+            </a:r>
+          </a:p>
+          <a:p>
+            <a:endParaRPr lang="en-US" dirty="0"/>
+          </a:p>
+          <a:p>
+            <a:r>
+              <a:rPr lang="en-US" dirty="0" smtClean="0"/>
+              <a:t>Readout tested</a:t>
+            </a:r>
+          </a:p>
+          <a:p>
+            <a:r>
+              <a:rPr lang="en-US" dirty="0" smtClean="0"/>
+              <a:t>Development of trigger using HPS firmware and GTP</a:t>
+            </a:r>
+          </a:p>
+          <a:p>
+            <a:r>
+              <a:rPr lang="en-US" dirty="0" smtClean="0"/>
+              <a:t>New VTP ordered</a:t>
+            </a:r>
+            <a:endParaRPr lang="en-US" dirty="0"/>
+          </a:p>
+        </p:txBody>
+      </p:sp>
+      <p:sp>
+        <p:nvSpPr>
+          <p:cNvPr id="4" name="Date Placeholder 6"/>
           <p:cNvSpPr>
             <a:spLocks noGrp="1"/>
           </p:cNvSpPr>
@@ -9010,7 +8770,7 @@
           <a:p>
             <a:fld id="{B41FAE2C-98F2-4AEB-9028-7681F5825C1E}" type="datetimeFigureOut">
               <a:rPr lang="en-US" smtClean="0"/>
-              <a:t>11/4/2015</a:t>
+              <a:t>11/9/2015</a:t>
             </a:fld>
             <a:endParaRPr lang="en-US"/>
           </a:p>
@@ -9018,7 +8778,7 @@
       </p:sp>
       <p:sp>
         <p:nvSpPr>
-          <p:cNvPr id="14" name="Slide Number Placeholder 8"/>
+          <p:cNvPr id="6" name="Slide Number Placeholder 8"/>
           <p:cNvSpPr>
             <a:spLocks noGrp="1"/>
           </p:cNvSpPr>
@@ -9047,7 +8807,7 @@
     </p:spTree>
     <p:extLst>
       <p:ext uri="{BB962C8B-B14F-4D97-AF65-F5344CB8AC3E}">
-        <p14:creationId xmlns:p14="http://schemas.microsoft.com/office/powerpoint/2010/main" val="3728200618"/>
+        <p14:creationId xmlns:p14="http://schemas.microsoft.com/office/powerpoint/2010/main" val="3508152813"/>
       </p:ext>
     </p:extLst>
   </p:cSld>
@@ -9098,185 +8858,6 @@
           <a:p>
             <a:r>
               <a:rPr lang="en-US" dirty="0" smtClean="0"/>
-              <a:t>HCAL</a:t>
-            </a:r>
-            <a:endParaRPr lang="en-US" dirty="0"/>
-          </a:p>
-        </p:txBody>
-      </p:sp>
-      <p:sp>
-        <p:nvSpPr>
-          <p:cNvPr id="3" name="Content Placeholder 2"/>
-          <p:cNvSpPr>
-            <a:spLocks noGrp="1"/>
-          </p:cNvSpPr>
-          <p:nvPr>
-            <p:ph idx="1"/>
-          </p:nvPr>
-        </p:nvSpPr>
-        <p:spPr>
-          <a:xfrm>
-            <a:off x="457200" y="1295400"/>
-            <a:ext cx="8229600" cy="4525963"/>
-          </a:xfrm>
-        </p:spPr>
-        <p:txBody>
-          <a:bodyPr>
-            <a:normAutofit lnSpcReduction="10000"/>
-          </a:bodyPr>
-          <a:lstStyle/>
-          <a:p>
-            <a:r>
-              <a:rPr lang="en-US" dirty="0" smtClean="0"/>
-              <a:t>All FADC 16 delivered</a:t>
-            </a:r>
-          </a:p>
-          <a:p>
-            <a:r>
-              <a:rPr lang="en-US" dirty="0" smtClean="0"/>
-              <a:t>2 VXS crates delivered</a:t>
-            </a:r>
-          </a:p>
-          <a:p>
-            <a:r>
-              <a:rPr lang="en-US" dirty="0" smtClean="0"/>
-              <a:t>2 Intel Concurrent CPU delivered</a:t>
-            </a:r>
-          </a:p>
-          <a:p>
-            <a:endParaRPr lang="en-US" dirty="0"/>
-          </a:p>
-          <a:p>
-            <a:r>
-              <a:rPr lang="en-US" dirty="0" smtClean="0"/>
-              <a:t>Readout tested</a:t>
-            </a:r>
-          </a:p>
-          <a:p>
-            <a:r>
-              <a:rPr lang="en-US" dirty="0" smtClean="0"/>
-              <a:t>Development of trigger using HPS firmware and GTP</a:t>
-            </a:r>
-          </a:p>
-          <a:p>
-            <a:r>
-              <a:rPr lang="en-US" dirty="0" smtClean="0"/>
-              <a:t>New VTP ordered</a:t>
-            </a:r>
-            <a:endParaRPr lang="en-US" dirty="0"/>
-          </a:p>
-        </p:txBody>
-      </p:sp>
-      <p:sp>
-        <p:nvSpPr>
-          <p:cNvPr id="4" name="Date Placeholder 6"/>
-          <p:cNvSpPr>
-            <a:spLocks noGrp="1"/>
-          </p:cNvSpPr>
-          <p:nvPr>
-            <p:ph type="dt" sz="half" idx="10"/>
-          </p:nvPr>
-        </p:nvSpPr>
-        <p:spPr>
-          <a:xfrm>
-            <a:off x="3505200" y="6394375"/>
-            <a:ext cx="2133600" cy="365125"/>
-          </a:xfrm>
-        </p:spPr>
-        <p:txBody>
-          <a:bodyPr/>
-          <a:lstStyle/>
-          <a:p>
-            <a:fld id="{B41FAE2C-98F2-4AEB-9028-7681F5825C1E}" type="datetimeFigureOut">
-              <a:rPr lang="en-US" smtClean="0"/>
-              <a:t>11/4/2015</a:t>
-            </a:fld>
-            <a:endParaRPr lang="en-US"/>
-          </a:p>
-        </p:txBody>
-      </p:sp>
-      <p:sp>
-        <p:nvSpPr>
-          <p:cNvPr id="6" name="Slide Number Placeholder 8"/>
-          <p:cNvSpPr>
-            <a:spLocks noGrp="1"/>
-          </p:cNvSpPr>
-          <p:nvPr>
-            <p:ph type="sldNum" sz="quarter" idx="12"/>
-          </p:nvPr>
-        </p:nvSpPr>
-        <p:spPr>
-          <a:xfrm>
-            <a:off x="3505200" y="6645425"/>
-            <a:ext cx="2133600" cy="190125"/>
-          </a:xfrm>
-        </p:spPr>
-        <p:txBody>
-          <a:bodyPr/>
-          <a:lstStyle/>
-          <a:p>
-            <a:fld id="{123908D8-EB8A-4839-B5DA-E27DEBBAC624}" type="slidenum">
-              <a:rPr lang="en-US" smtClean="0"/>
-              <a:t>11</a:t>
-            </a:fld>
-            <a:endParaRPr lang="en-US"/>
-          </a:p>
-        </p:txBody>
-      </p:sp>
-    </p:spTree>
-    <p:extLst>
-      <p:ext uri="{BB962C8B-B14F-4D97-AF65-F5344CB8AC3E}">
-        <p14:creationId xmlns:p14="http://schemas.microsoft.com/office/powerpoint/2010/main" val="3508152813"/>
-      </p:ext>
-    </p:extLst>
-  </p:cSld>
-  <p:clrMapOvr>
-    <a:masterClrMapping/>
-  </p:clrMapOvr>
-  <p:timing>
-    <p:tnLst>
-      <p:par>
-        <p:cTn id="1" dur="indefinite" restart="never" nodeType="tmRoot"/>
-      </p:par>
-    </p:tnLst>
-  </p:timing>
-</p:sld>
-</file>
-
-<file path=ppt/slides/slide12.xml><?xml version="1.0" encoding="utf-8"?>
-<p:sld xmlns:a="http://schemas.openxmlformats.org/drawingml/2006/main" xmlns:r="http://schemas.openxmlformats.org/officeDocument/2006/relationships" xmlns:p="http://schemas.openxmlformats.org/presentationml/2006/main">
-  <p:cSld>
-    <p:spTree>
-      <p:nvGrpSpPr>
-        <p:cNvPr id="1" name=""/>
-        <p:cNvGrpSpPr/>
-        <p:nvPr/>
-      </p:nvGrpSpPr>
-      <p:grpSpPr>
-        <a:xfrm>
-          <a:off x="0" y="0"/>
-          <a:ext cx="0" cy="0"/>
-          <a:chOff x="0" y="0"/>
-          <a:chExt cx="0" cy="0"/>
-        </a:xfrm>
-      </p:grpSpPr>
-      <p:sp>
-        <p:nvSpPr>
-          <p:cNvPr id="2" name="Title 1"/>
-          <p:cNvSpPr>
-            <a:spLocks noGrp="1"/>
-          </p:cNvSpPr>
-          <p:nvPr>
-            <p:ph type="title"/>
-          </p:nvPr>
-        </p:nvSpPr>
-        <p:spPr/>
-        <p:txBody>
-          <a:bodyPr/>
-          <a:lstStyle/>
-          <a:p>
-            <a:r>
-              <a:rPr lang="en-US" dirty="0" smtClean="0"/>
               <a:t>HCAL FADC electronics</a:t>
             </a:r>
             <a:endParaRPr lang="en-US" dirty="0"/>
@@ -9435,7 +9016,7 @@
           <a:p>
             <a:fld id="{B41FAE2C-98F2-4AEB-9028-7681F5825C1E}" type="datetimeFigureOut">
               <a:rPr lang="en-US" smtClean="0"/>
-              <a:t>11/4/2015</a:t>
+              <a:t>11/9/2015</a:t>
             </a:fld>
             <a:endParaRPr lang="en-US"/>
           </a:p>
@@ -9463,7 +9044,7 @@
           <a:p>
             <a:fld id="{123908D8-EB8A-4839-B5DA-E27DEBBAC624}" type="slidenum">
               <a:rPr lang="en-US" smtClean="0"/>
-              <a:t>12</a:t>
+              <a:t>11</a:t>
             </a:fld>
             <a:endParaRPr lang="en-US"/>
           </a:p>
@@ -9489,7 +9070,7 @@
 </p:sld>
 </file>
 
-<file path=ppt/slides/slide13.xml><?xml version="1.0" encoding="utf-8"?>
+<file path=ppt/slides/slide12.xml><?xml version="1.0" encoding="utf-8"?>
 <p:sld xmlns:a="http://schemas.openxmlformats.org/drawingml/2006/main" xmlns:r="http://schemas.openxmlformats.org/officeDocument/2006/relationships" xmlns:p="http://schemas.openxmlformats.org/presentationml/2006/main">
   <p:cSld>
     <p:spTree>
@@ -9928,25 +9509,8 @@
                 <a:latin typeface="Times New Roman" pitchFamily="18" charset="0"/>
                 <a:cs typeface="Times New Roman" pitchFamily="18" charset="0"/>
               </a:rPr>
-              <a:t> Signals to </a:t>
-            </a:r>
-            <a:r>
-              <a:rPr lang="en-US" b="0" dirty="0" smtClean="0">
-                <a:solidFill>
-                  <a:srgbClr val="0070C0"/>
-                </a:solidFill>
-                <a:latin typeface="Times New Roman" pitchFamily="18" charset="0"/>
-                <a:cs typeface="Times New Roman" pitchFamily="18" charset="0"/>
-              </a:rPr>
-              <a:t>FADC inputs</a:t>
-            </a:r>
-            <a:endParaRPr lang="en-US" b="0" dirty="0" smtClean="0">
-              <a:solidFill>
-                <a:srgbClr val="0070C0"/>
-              </a:solidFill>
-              <a:latin typeface="Times New Roman" pitchFamily="18" charset="0"/>
-              <a:cs typeface="Times New Roman" pitchFamily="18" charset="0"/>
-            </a:endParaRPr>
+              <a:t> Signals to FADC inputs</a:t>
+            </a:r>
           </a:p>
         </p:txBody>
       </p:sp>
@@ -10052,7 +9616,7 @@
           <a:p>
             <a:fld id="{B41FAE2C-98F2-4AEB-9028-7681F5825C1E}" type="datetimeFigureOut">
               <a:rPr lang="en-US" smtClean="0"/>
-              <a:t>11/4/2015</a:t>
+              <a:t>11/9/2015</a:t>
             </a:fld>
             <a:endParaRPr lang="en-US"/>
           </a:p>
@@ -10080,7 +9644,7 @@
           <a:p>
             <a:fld id="{123908D8-EB8A-4839-B5DA-E27DEBBAC624}" type="slidenum">
               <a:rPr lang="en-US" smtClean="0"/>
-              <a:t>13</a:t>
+              <a:t>12</a:t>
             </a:fld>
             <a:endParaRPr lang="en-US"/>
           </a:p>
@@ -10090,6 +9654,195 @@
     <p:extLst>
       <p:ext uri="{BB962C8B-B14F-4D97-AF65-F5344CB8AC3E}">
         <p14:creationId xmlns:p14="http://schemas.microsoft.com/office/powerpoint/2010/main" val="3902381952"/>
+      </p:ext>
+    </p:extLst>
+  </p:cSld>
+  <p:clrMapOvr>
+    <a:masterClrMapping/>
+  </p:clrMapOvr>
+  <p:timing>
+    <p:tnLst>
+      <p:par>
+        <p:cTn id="1" dur="indefinite" restart="never" nodeType="tmRoot"/>
+      </p:par>
+    </p:tnLst>
+  </p:timing>
+</p:sld>
+</file>
+
+<file path=ppt/slides/slide13.xml><?xml version="1.0" encoding="utf-8"?>
+<p:sld xmlns:a="http://schemas.openxmlformats.org/drawingml/2006/main" xmlns:r="http://schemas.openxmlformats.org/officeDocument/2006/relationships" xmlns:p="http://schemas.openxmlformats.org/presentationml/2006/main">
+  <p:cSld>
+    <p:spTree>
+      <p:nvGrpSpPr>
+        <p:cNvPr id="1" name=""/>
+        <p:cNvGrpSpPr/>
+        <p:nvPr/>
+      </p:nvGrpSpPr>
+      <p:grpSpPr>
+        <a:xfrm>
+          <a:off x="0" y="0"/>
+          <a:ext cx="0" cy="0"/>
+          <a:chOff x="0" y="0"/>
+          <a:chExt cx="0" cy="0"/>
+        </a:xfrm>
+      </p:grpSpPr>
+      <p:sp>
+        <p:nvSpPr>
+          <p:cNvPr id="2" name="Title 1"/>
+          <p:cNvSpPr>
+            <a:spLocks noGrp="1"/>
+          </p:cNvSpPr>
+          <p:nvPr>
+            <p:ph type="title"/>
+          </p:nvPr>
+        </p:nvSpPr>
+        <p:spPr/>
+        <p:txBody>
+          <a:bodyPr/>
+          <a:lstStyle/>
+          <a:p>
+            <a:r>
+              <a:rPr lang="en-US" dirty="0" smtClean="0"/>
+              <a:t>HCAL trigger development</a:t>
+            </a:r>
+            <a:endParaRPr lang="en-US" dirty="0"/>
+          </a:p>
+        </p:txBody>
+      </p:sp>
+      <p:sp>
+        <p:nvSpPr>
+          <p:cNvPr id="3" name="Content Placeholder 2"/>
+          <p:cNvSpPr>
+            <a:spLocks noGrp="1"/>
+          </p:cNvSpPr>
+          <p:nvPr>
+            <p:ph idx="1"/>
+          </p:nvPr>
+        </p:nvSpPr>
+        <p:spPr>
+          <a:xfrm>
+            <a:off x="457200" y="1295400"/>
+            <a:ext cx="8229600" cy="4525963"/>
+          </a:xfrm>
+        </p:spPr>
+        <p:txBody>
+          <a:bodyPr/>
+          <a:lstStyle/>
+          <a:p>
+            <a:r>
+              <a:rPr lang="en-US" dirty="0" smtClean="0"/>
+              <a:t>HPS firmware installed on FADC and GTP</a:t>
+            </a:r>
+          </a:p>
+          <a:p>
+            <a:r>
+              <a:rPr lang="en-US" dirty="0" smtClean="0"/>
+              <a:t>FADC readout tested with </a:t>
+            </a:r>
+            <a:r>
+              <a:rPr lang="en-US" dirty="0" err="1" smtClean="0"/>
+              <a:t>cosmics</a:t>
+            </a:r>
+            <a:endParaRPr lang="en-US" dirty="0" smtClean="0"/>
+          </a:p>
+          <a:p>
+            <a:r>
+              <a:rPr lang="en-US" dirty="0" smtClean="0"/>
+              <a:t>Testing triggering capability</a:t>
+            </a:r>
+          </a:p>
+          <a:p>
+            <a:endParaRPr lang="en-US" dirty="0"/>
+          </a:p>
+          <a:p>
+            <a:r>
+              <a:rPr lang="en-US" dirty="0" smtClean="0"/>
+              <a:t>Need</a:t>
+            </a:r>
+          </a:p>
+          <a:p>
+            <a:pPr lvl="1"/>
+            <a:r>
+              <a:rPr lang="en-US" dirty="0" smtClean="0"/>
+              <a:t>implement decoder for analysis</a:t>
+            </a:r>
+          </a:p>
+          <a:p>
+            <a:pPr lvl="1"/>
+            <a:r>
+              <a:rPr lang="en-US" dirty="0" smtClean="0"/>
+              <a:t>Test using 2 crates and new VTP</a:t>
+            </a:r>
+          </a:p>
+          <a:p>
+            <a:endParaRPr lang="en-US" dirty="0" smtClean="0"/>
+          </a:p>
+          <a:p>
+            <a:endParaRPr lang="en-US" dirty="0"/>
+          </a:p>
+        </p:txBody>
+      </p:sp>
+      <p:sp>
+        <p:nvSpPr>
+          <p:cNvPr id="4" name="Date Placeholder 6"/>
+          <p:cNvSpPr>
+            <a:spLocks noGrp="1"/>
+          </p:cNvSpPr>
+          <p:nvPr>
+            <p:ph type="dt" sz="half" idx="10"/>
+          </p:nvPr>
+        </p:nvSpPr>
+        <p:spPr>
+          <a:xfrm>
+            <a:off x="3505200" y="6394375"/>
+            <a:ext cx="2133600" cy="365125"/>
+          </a:xfrm>
+        </p:spPr>
+        <p:txBody>
+          <a:bodyPr/>
+          <a:lstStyle/>
+          <a:p>
+            <a:fld id="{B41FAE2C-98F2-4AEB-9028-7681F5825C1E}" type="datetimeFigureOut">
+              <a:rPr lang="en-US" smtClean="0"/>
+              <a:t>11/9/2015</a:t>
+            </a:fld>
+            <a:endParaRPr lang="en-US"/>
+          </a:p>
+        </p:txBody>
+      </p:sp>
+      <p:sp>
+        <p:nvSpPr>
+          <p:cNvPr id="6" name="Slide Number Placeholder 8"/>
+          <p:cNvSpPr>
+            <a:spLocks noGrp="1"/>
+          </p:cNvSpPr>
+          <p:nvPr>
+            <p:ph type="sldNum" sz="quarter" idx="12"/>
+          </p:nvPr>
+        </p:nvSpPr>
+        <p:spPr>
+          <a:xfrm>
+            <a:off x="3505200" y="6645425"/>
+            <a:ext cx="2133600" cy="190125"/>
+          </a:xfrm>
+        </p:spPr>
+        <p:txBody>
+          <a:bodyPr/>
+          <a:lstStyle/>
+          <a:p>
+            <a:fld id="{123908D8-EB8A-4839-B5DA-E27DEBBAC624}" type="slidenum">
+              <a:rPr lang="en-US" smtClean="0"/>
+              <a:t>13</a:t>
+            </a:fld>
+            <a:endParaRPr lang="en-US"/>
+          </a:p>
+        </p:txBody>
+      </p:sp>
+    </p:spTree>
+    <p:extLst>
+      <p:ext uri="{BB962C8B-B14F-4D97-AF65-F5344CB8AC3E}">
+        <p14:creationId xmlns:p14="http://schemas.microsoft.com/office/powerpoint/2010/main" val="3175088612"/>
       </p:ext>
     </p:extLst>
   </p:cSld>
@@ -10140,7 +9893,7 @@
           <a:p>
             <a:r>
               <a:rPr lang="en-US" dirty="0" smtClean="0"/>
-              <a:t>HCAL trigger development</a:t>
+              <a:t>GEM MPD readout</a:t>
             </a:r>
             <a:endParaRPr lang="en-US" dirty="0"/>
           </a:p>
@@ -10158,71 +9911,101 @@
         </p:nvSpPr>
         <p:spPr>
           <a:xfrm>
-            <a:off x="457200" y="1295400"/>
+            <a:off x="457200" y="1265237"/>
             <a:ext cx="8229600" cy="4525963"/>
           </a:xfrm>
         </p:spPr>
         <p:txBody>
-          <a:bodyPr/>
+          <a:bodyPr>
+            <a:normAutofit fontScale="85000" lnSpcReduction="20000"/>
+          </a:bodyPr>
           <a:lstStyle/>
           <a:p>
             <a:r>
               <a:rPr lang="en-US" dirty="0" smtClean="0"/>
-              <a:t>HPS </a:t>
-            </a:r>
-            <a:r>
+              <a:t>INFN MPD used for several years using custom C++ package</a:t>
+            </a:r>
+            <a:br>
               <a:rPr lang="en-US" dirty="0" smtClean="0"/>
-              <a:t>firmware installed on FADC </a:t>
-            </a:r>
+            </a:br>
+            <a:endParaRPr lang="en-US" dirty="0" smtClean="0"/>
+          </a:p>
+          <a:p>
             <a:r>
               <a:rPr lang="en-US" dirty="0" smtClean="0"/>
-              <a:t>and GTP</a:t>
-            </a:r>
-          </a:p>
-          <a:p>
-            <a:r>
+              <a:t>Package ported to intel CPU</a:t>
+            </a:r>
+            <a:br>
               <a:rPr lang="en-US" dirty="0" smtClean="0"/>
-              <a:t>FADC readout tested with </a:t>
+            </a:br>
+            <a:endParaRPr lang="en-US" dirty="0" smtClean="0"/>
+          </a:p>
+          <a:p>
+            <a:r>
+              <a:rPr lang="en-US" dirty="0" smtClean="0"/>
+              <a:t>New C library written for easy integration into CODA </a:t>
+            </a:r>
+          </a:p>
+          <a:p>
+            <a:pPr marL="0" indent="0">
+              <a:buNone/>
+            </a:pPr>
+            <a:r>
+              <a:rPr lang="en-US" dirty="0" smtClean="0"/>
+              <a:t>( Bryan </a:t>
             </a:r>
             <a:r>
               <a:rPr lang="en-US" dirty="0" err="1" smtClean="0"/>
-              <a:t>cosmics</a:t>
-            </a:r>
+              <a:t>Moffit</a:t>
+            </a:r>
+            <a:r>
+              <a:rPr lang="en-US" dirty="0" smtClean="0"/>
+              <a:t>, </a:t>
+            </a:r>
+            <a:r>
+              <a:rPr lang="en-US" dirty="0" err="1" smtClean="0"/>
+              <a:t>Evaristo</a:t>
+            </a:r>
+            <a:r>
+              <a:rPr lang="en-US" dirty="0" smtClean="0"/>
+              <a:t> </a:t>
+            </a:r>
+            <a:r>
+              <a:rPr lang="en-US" dirty="0" err="1" smtClean="0"/>
+              <a:t>Cisbani</a:t>
+            </a:r>
+            <a:r>
+              <a:rPr lang="en-US" dirty="0" smtClean="0"/>
+              <a:t>, </a:t>
+            </a:r>
+            <a:r>
+              <a:rPr lang="en-US" dirty="0" err="1" smtClean="0"/>
+              <a:t>Danning</a:t>
+            </a:r>
+            <a:r>
+              <a:rPr lang="en-US" dirty="0" smtClean="0"/>
+              <a:t> Di )</a:t>
+            </a:r>
+            <a:br>
+              <a:rPr lang="en-US" dirty="0" smtClean="0"/>
+            </a:br>
             <a:endParaRPr lang="en-US" dirty="0" smtClean="0"/>
           </a:p>
           <a:p>
             <a:r>
               <a:rPr lang="en-US" dirty="0" smtClean="0"/>
-              <a:t>Testing triggering capability</a:t>
-            </a:r>
-          </a:p>
-          <a:p>
-            <a:endParaRPr lang="en-US" dirty="0"/>
-          </a:p>
-          <a:p>
-            <a:r>
+              <a:t>CODA configuration running</a:t>
+            </a:r>
+            <a:br>
               <a:rPr lang="en-US" dirty="0" smtClean="0"/>
-              <a:t>Need</a:t>
-            </a:r>
-          </a:p>
-          <a:p>
-            <a:pPr lvl="1"/>
+            </a:br>
+            <a:endParaRPr lang="en-US" dirty="0" smtClean="0"/>
+          </a:p>
+          <a:p>
             <a:r>
               <a:rPr lang="en-US" dirty="0" smtClean="0"/>
-              <a:t>implement decoder for analysis</a:t>
-            </a:r>
-          </a:p>
-          <a:p>
-            <a:pPr lvl="1"/>
-            <a:r>
-              <a:rPr lang="en-US" dirty="0" smtClean="0"/>
-              <a:t>Test using 2 crates and new VTP</a:t>
-            </a:r>
-          </a:p>
-          <a:p>
-            <a:endParaRPr lang="en-US" dirty="0" smtClean="0"/>
-          </a:p>
-          <a:p>
+              <a:t>Debugging module initialization</a:t>
+            </a:r>
             <a:endParaRPr lang="en-US" dirty="0"/>
           </a:p>
         </p:txBody>
@@ -10249,7 +10032,7 @@
           <a:p>
             <a:fld id="{B41FAE2C-98F2-4AEB-9028-7681F5825C1E}" type="datetimeFigureOut">
               <a:rPr lang="en-US" smtClean="0"/>
-              <a:t>11/4/2015</a:t>
+              <a:t>11/9/2015</a:t>
             </a:fld>
             <a:endParaRPr lang="en-US"/>
           </a:p>
@@ -10286,7 +10069,7 @@
     </p:spTree>
     <p:extLst>
       <p:ext uri="{BB962C8B-B14F-4D97-AF65-F5344CB8AC3E}">
-        <p14:creationId xmlns:p14="http://schemas.microsoft.com/office/powerpoint/2010/main" val="3175088612"/>
+        <p14:creationId xmlns:p14="http://schemas.microsoft.com/office/powerpoint/2010/main" val="1650694091"/>
       </p:ext>
     </p:extLst>
   </p:cSld>
@@ -10337,9 +10120,89 @@
           <a:p>
             <a:r>
               <a:rPr lang="en-US" dirty="0" smtClean="0"/>
-              <a:t>GEM MPD readout</a:t>
+              <a:t>Status MPD</a:t>
             </a:r>
             <a:endParaRPr lang="en-US" dirty="0"/>
+          </a:p>
+        </p:txBody>
+      </p:sp>
+      <p:pic>
+        <p:nvPicPr>
+          <p:cNvPr id="4" name="Picture 3"/>
+          <p:cNvPicPr>
+            <a:picLocks noChangeAspect="1"/>
+          </p:cNvPicPr>
+          <p:nvPr/>
+        </p:nvPicPr>
+        <p:blipFill>
+          <a:blip r:embed="rId2"/>
+          <a:stretch>
+            <a:fillRect/>
+          </a:stretch>
+        </p:blipFill>
+        <p:spPr>
+          <a:xfrm>
+            <a:off x="3657600" y="1752600"/>
+            <a:ext cx="5486400" cy="3395828"/>
+          </a:xfrm>
+          <a:prstGeom prst="rect">
+            <a:avLst/>
+          </a:prstGeom>
+        </p:spPr>
+      </p:pic>
+      <p:sp>
+        <p:nvSpPr>
+          <p:cNvPr id="5" name="Date Placeholder 6"/>
+          <p:cNvSpPr>
+            <a:spLocks noGrp="1"/>
+          </p:cNvSpPr>
+          <p:nvPr>
+            <p:ph type="dt" sz="half" idx="10"/>
+          </p:nvPr>
+        </p:nvSpPr>
+        <p:spPr>
+          <a:xfrm>
+            <a:off x="3505200" y="6394375"/>
+            <a:ext cx="2133600" cy="365125"/>
+          </a:xfrm>
+        </p:spPr>
+        <p:txBody>
+          <a:bodyPr/>
+          <a:lstStyle/>
+          <a:p>
+            <a:fld id="{B41FAE2C-98F2-4AEB-9028-7681F5825C1E}" type="datetimeFigureOut">
+              <a:rPr lang="en-US" smtClean="0"/>
+              <a:t>11/9/2015</a:t>
+            </a:fld>
+            <a:endParaRPr lang="en-US"/>
+          </a:p>
+        </p:txBody>
+      </p:sp>
+      <p:sp>
+        <p:nvSpPr>
+          <p:cNvPr id="7" name="Slide Number Placeholder 8"/>
+          <p:cNvSpPr>
+            <a:spLocks noGrp="1"/>
+          </p:cNvSpPr>
+          <p:nvPr>
+            <p:ph type="sldNum" sz="quarter" idx="12"/>
+          </p:nvPr>
+        </p:nvSpPr>
+        <p:spPr>
+          <a:xfrm>
+            <a:off x="3505200" y="6645425"/>
+            <a:ext cx="2133600" cy="190125"/>
+          </a:xfrm>
+        </p:spPr>
+        <p:txBody>
+          <a:bodyPr/>
+          <a:lstStyle/>
+          <a:p>
+            <a:fld id="{123908D8-EB8A-4839-B5DA-E27DEBBAC624}" type="slidenum">
+              <a:rPr lang="en-US" smtClean="0"/>
+              <a:t>15</a:t>
+            </a:fld>
+            <a:endParaRPr lang="en-US"/>
           </a:p>
         </p:txBody>
       </p:sp>
@@ -10355,181 +10218,61 @@
         </p:nvSpPr>
         <p:spPr>
           <a:xfrm>
-            <a:off x="457200" y="1265237"/>
-            <a:ext cx="8229600" cy="4525963"/>
+            <a:off x="304800" y="1371600"/>
+            <a:ext cx="3657600" cy="5029200"/>
           </a:xfrm>
         </p:spPr>
         <p:txBody>
           <a:bodyPr>
-            <a:normAutofit fontScale="85000" lnSpcReduction="20000"/>
+            <a:normAutofit/>
           </a:bodyPr>
           <a:lstStyle/>
           <a:p>
             <a:r>
-              <a:rPr lang="en-US" dirty="0" smtClean="0"/>
-              <a:t>INFN MPD used for several years using custom C++ </a:t>
-            </a:r>
-            <a:r>
-              <a:rPr lang="en-US" dirty="0" smtClean="0"/>
-              <a:t>package</a:t>
+              <a:rPr lang="en-US" sz="2400" dirty="0" smtClean="0"/>
+              <a:t>VME part works</a:t>
             </a:r>
             <a:br>
-              <a:rPr lang="en-US" dirty="0" smtClean="0"/>
+              <a:rPr lang="en-US" sz="2400" dirty="0" smtClean="0"/>
             </a:br>
-            <a:endParaRPr lang="en-US" dirty="0" smtClean="0"/>
-          </a:p>
-          <a:p>
-            <a:r>
-              <a:rPr lang="en-US" dirty="0" smtClean="0"/>
-              <a:t>Package ported to intel </a:t>
-            </a:r>
-            <a:r>
-              <a:rPr lang="en-US" dirty="0" smtClean="0"/>
-              <a:t>CPU</a:t>
+            <a:endParaRPr lang="en-US" sz="2400" dirty="0" smtClean="0"/>
+          </a:p>
+          <a:p>
+            <a:r>
+              <a:rPr lang="en-US" sz="2400" dirty="0" smtClean="0"/>
+              <a:t>Data structure looks fine but data from APV has unexpected small dispersion</a:t>
             </a:r>
             <a:br>
-              <a:rPr lang="en-US" dirty="0" smtClean="0"/>
+              <a:rPr lang="en-US" sz="2400" dirty="0" smtClean="0"/>
             </a:br>
-            <a:endParaRPr lang="en-US" dirty="0" smtClean="0"/>
-          </a:p>
-          <a:p>
-            <a:r>
-              <a:rPr lang="en-US" dirty="0" smtClean="0"/>
-              <a:t>New C library written for easy integration into CODA </a:t>
-            </a:r>
-          </a:p>
-          <a:p>
-            <a:pPr marL="0" indent="0">
-              <a:buNone/>
-            </a:pPr>
-            <a:r>
-              <a:rPr lang="en-US" dirty="0" smtClean="0"/>
-              <a:t>( Bryan </a:t>
-            </a:r>
-            <a:r>
-              <a:rPr lang="en-US" dirty="0" err="1" smtClean="0"/>
-              <a:t>Moffit</a:t>
-            </a:r>
-            <a:r>
-              <a:rPr lang="en-US" dirty="0" smtClean="0"/>
-              <a:t>, </a:t>
-            </a:r>
-            <a:r>
-              <a:rPr lang="en-US" dirty="0" err="1" smtClean="0"/>
-              <a:t>Evaristo</a:t>
-            </a:r>
-            <a:r>
-              <a:rPr lang="en-US" dirty="0" smtClean="0"/>
-              <a:t> </a:t>
-            </a:r>
-            <a:r>
-              <a:rPr lang="en-US" dirty="0" err="1" smtClean="0"/>
-              <a:t>Cisbani</a:t>
-            </a:r>
-            <a:r>
-              <a:rPr lang="en-US" dirty="0" smtClean="0"/>
-              <a:t>, </a:t>
-            </a:r>
-            <a:r>
-              <a:rPr lang="en-US" dirty="0" err="1" smtClean="0"/>
-              <a:t>Danning</a:t>
-            </a:r>
-            <a:r>
-              <a:rPr lang="en-US" dirty="0" smtClean="0"/>
-              <a:t> Di </a:t>
-            </a:r>
-            <a:r>
-              <a:rPr lang="en-US" dirty="0" smtClean="0"/>
-              <a:t>)</a:t>
+            <a:endParaRPr lang="en-US" sz="2400" dirty="0" smtClean="0"/>
+          </a:p>
+          <a:p>
+            <a:r>
+              <a:rPr lang="en-US" sz="2400" dirty="0" smtClean="0"/>
+              <a:t>Maybe issue with APV configuration </a:t>
             </a:r>
             <a:br>
-              <a:rPr lang="en-US" dirty="0" smtClean="0"/>
+              <a:rPr lang="en-US" sz="2400" dirty="0" smtClean="0"/>
             </a:br>
-            <a:endParaRPr lang="en-US" dirty="0" smtClean="0"/>
-          </a:p>
-          <a:p>
-            <a:r>
-              <a:rPr lang="en-US" dirty="0" smtClean="0"/>
-              <a:t>CODA configuration </a:t>
-            </a:r>
-            <a:r>
-              <a:rPr lang="en-US" dirty="0" smtClean="0"/>
-              <a:t>running</a:t>
-            </a:r>
-            <a:br>
-              <a:rPr lang="en-US" dirty="0" smtClean="0"/>
-            </a:br>
-            <a:endParaRPr lang="en-US" dirty="0" smtClean="0"/>
-          </a:p>
-          <a:p>
-            <a:r>
-              <a:rPr lang="en-US" dirty="0" smtClean="0"/>
-              <a:t>Debugging module initialization</a:t>
-            </a:r>
-            <a:endParaRPr lang="en-US" dirty="0"/>
-          </a:p>
-        </p:txBody>
-      </p:sp>
-      <p:sp>
-        <p:nvSpPr>
-          <p:cNvPr id="4" name="Date Placeholder 6"/>
-          <p:cNvSpPr>
-            <a:spLocks noGrp="1"/>
-          </p:cNvSpPr>
-          <p:nvPr>
-            <p:ph type="dt" sz="half" idx="10"/>
-          </p:nvPr>
-        </p:nvSpPr>
-        <p:spPr>
-          <a:xfrm>
-            <a:off x="3505200" y="6394375"/>
-            <a:ext cx="2133600" cy="365125"/>
-          </a:xfrm>
-        </p:spPr>
-        <p:txBody>
-          <a:bodyPr/>
-          <a:lstStyle/>
-          <a:p>
-            <a:fld id="{B41FAE2C-98F2-4AEB-9028-7681F5825C1E}" type="datetimeFigureOut">
-              <a:rPr lang="en-US" smtClean="0"/>
-              <a:t>11/4/2015</a:t>
-            </a:fld>
-            <a:endParaRPr lang="en-US"/>
-          </a:p>
-        </p:txBody>
-      </p:sp>
-      <p:sp>
-        <p:nvSpPr>
-          <p:cNvPr id="6" name="Slide Number Placeholder 8"/>
-          <p:cNvSpPr>
-            <a:spLocks noGrp="1"/>
-          </p:cNvSpPr>
-          <p:nvPr>
-            <p:ph type="sldNum" sz="quarter" idx="12"/>
-          </p:nvPr>
-        </p:nvSpPr>
-        <p:spPr>
-          <a:xfrm>
-            <a:off x="3505200" y="6645425"/>
-            <a:ext cx="2133600" cy="190125"/>
-          </a:xfrm>
-        </p:spPr>
-        <p:txBody>
-          <a:bodyPr/>
-          <a:lstStyle/>
-          <a:p>
-            <a:fld id="{123908D8-EB8A-4839-B5DA-E27DEBBAC624}" type="slidenum">
-              <a:rPr lang="en-US" smtClean="0"/>
-              <a:t>15</a:t>
-            </a:fld>
-            <a:endParaRPr lang="en-US"/>
+            <a:r>
+              <a:rPr lang="en-US" sz="2400" dirty="0" smtClean="0"/>
+              <a:t>(I2C timing) </a:t>
+            </a:r>
+          </a:p>
+          <a:p>
+            <a:pPr lvl="1"/>
+            <a:r>
+              <a:rPr lang="en-US" sz="2000" dirty="0" smtClean="0"/>
+              <a:t>being investigated</a:t>
+            </a:r>
           </a:p>
         </p:txBody>
       </p:sp>
     </p:spTree>
     <p:extLst>
       <p:ext uri="{BB962C8B-B14F-4D97-AF65-F5344CB8AC3E}">
-        <p14:creationId xmlns:p14="http://schemas.microsoft.com/office/powerpoint/2010/main" val="1650694091"/>
+        <p14:creationId xmlns:p14="http://schemas.microsoft.com/office/powerpoint/2010/main" val="1440001211"/>
       </p:ext>
     </p:extLst>
   </p:cSld>
@@ -10580,89 +10323,9 @@
           <a:p>
             <a:r>
               <a:rPr lang="en-US" dirty="0" smtClean="0"/>
-              <a:t>Status MPD</a:t>
+              <a:t>GEM optical link readout</a:t>
             </a:r>
             <a:endParaRPr lang="en-US" dirty="0"/>
-          </a:p>
-        </p:txBody>
-      </p:sp>
-      <p:pic>
-        <p:nvPicPr>
-          <p:cNvPr id="4" name="Picture 3"/>
-          <p:cNvPicPr>
-            <a:picLocks noChangeAspect="1"/>
-          </p:cNvPicPr>
-          <p:nvPr/>
-        </p:nvPicPr>
-        <p:blipFill>
-          <a:blip r:embed="rId2"/>
-          <a:stretch>
-            <a:fillRect/>
-          </a:stretch>
-        </p:blipFill>
-        <p:spPr>
-          <a:xfrm>
-            <a:off x="3657600" y="1752600"/>
-            <a:ext cx="5486400" cy="3395828"/>
-          </a:xfrm>
-          <a:prstGeom prst="rect">
-            <a:avLst/>
-          </a:prstGeom>
-        </p:spPr>
-      </p:pic>
-      <p:sp>
-        <p:nvSpPr>
-          <p:cNvPr id="5" name="Date Placeholder 6"/>
-          <p:cNvSpPr>
-            <a:spLocks noGrp="1"/>
-          </p:cNvSpPr>
-          <p:nvPr>
-            <p:ph type="dt" sz="half" idx="10"/>
-          </p:nvPr>
-        </p:nvSpPr>
-        <p:spPr>
-          <a:xfrm>
-            <a:off x="3505200" y="6394375"/>
-            <a:ext cx="2133600" cy="365125"/>
-          </a:xfrm>
-        </p:spPr>
-        <p:txBody>
-          <a:bodyPr/>
-          <a:lstStyle/>
-          <a:p>
-            <a:fld id="{B41FAE2C-98F2-4AEB-9028-7681F5825C1E}" type="datetimeFigureOut">
-              <a:rPr lang="en-US" smtClean="0"/>
-              <a:t>11/4/2015</a:t>
-            </a:fld>
-            <a:endParaRPr lang="en-US"/>
-          </a:p>
-        </p:txBody>
-      </p:sp>
-      <p:sp>
-        <p:nvSpPr>
-          <p:cNvPr id="7" name="Slide Number Placeholder 8"/>
-          <p:cNvSpPr>
-            <a:spLocks noGrp="1"/>
-          </p:cNvSpPr>
-          <p:nvPr>
-            <p:ph type="sldNum" sz="quarter" idx="12"/>
-          </p:nvPr>
-        </p:nvSpPr>
-        <p:spPr>
-          <a:xfrm>
-            <a:off x="3505200" y="6645425"/>
-            <a:ext cx="2133600" cy="190125"/>
-          </a:xfrm>
-        </p:spPr>
-        <p:txBody>
-          <a:bodyPr/>
-          <a:lstStyle/>
-          <a:p>
-            <a:fld id="{123908D8-EB8A-4839-B5DA-E27DEBBAC624}" type="slidenum">
-              <a:rPr lang="en-US" smtClean="0"/>
-              <a:t>16</a:t>
-            </a:fld>
-            <a:endParaRPr lang="en-US"/>
           </a:p>
         </p:txBody>
       </p:sp>
@@ -10678,93 +10341,209 @@
         </p:nvSpPr>
         <p:spPr>
           <a:xfrm>
-            <a:off x="304800" y="1371600"/>
-            <a:ext cx="3657600" cy="5029200"/>
+            <a:off x="457200" y="1295400"/>
+            <a:ext cx="8229600" cy="4525963"/>
           </a:xfrm>
         </p:spPr>
         <p:txBody>
           <a:bodyPr>
-            <a:normAutofit/>
+            <a:normAutofit fontScale="62500" lnSpcReduction="20000"/>
           </a:bodyPr>
           <a:lstStyle/>
           <a:p>
             <a:r>
-              <a:rPr lang="en-US" sz="2400" dirty="0" smtClean="0"/>
-              <a:t>VME </a:t>
-            </a:r>
-            <a:r>
-              <a:rPr lang="en-US" sz="2400" dirty="0" smtClean="0"/>
-              <a:t>part works</a:t>
+              <a:rPr lang="en-US" dirty="0" smtClean="0"/>
+              <a:t>Aurora protocol based</a:t>
+            </a:r>
+          </a:p>
+          <a:p>
+            <a:pPr lvl="1"/>
+            <a:r>
+              <a:rPr lang="en-US" dirty="0" smtClean="0"/>
+              <a:t>Implemented by Paolo </a:t>
+            </a:r>
+            <a:r>
+              <a:rPr lang="en-US" dirty="0" err="1" smtClean="0"/>
+              <a:t>Musico</a:t>
+            </a:r>
+            <a:r>
+              <a:rPr lang="en-US" dirty="0" smtClean="0"/>
+              <a:t>. To be tested.</a:t>
             </a:r>
             <a:br>
-              <a:rPr lang="en-US" sz="2400" dirty="0" smtClean="0"/>
+              <a:rPr lang="en-US" dirty="0" smtClean="0"/>
             </a:br>
-            <a:endParaRPr lang="en-US" sz="2400" dirty="0" smtClean="0"/>
-          </a:p>
-          <a:p>
-            <a:r>
-              <a:rPr lang="en-US" sz="2400" dirty="0" smtClean="0"/>
-              <a:t>Data structure looks fine </a:t>
-            </a:r>
-            <a:r>
-              <a:rPr lang="en-US" sz="2400" dirty="0" smtClean="0"/>
-              <a:t>but data </a:t>
-            </a:r>
-            <a:r>
-              <a:rPr lang="en-US" sz="2400" dirty="0" smtClean="0"/>
-              <a:t>from </a:t>
-            </a:r>
-            <a:r>
-              <a:rPr lang="en-US" sz="2400" dirty="0" smtClean="0"/>
-              <a:t>APV has unexpected small dispersion</a:t>
+            <a:endParaRPr lang="en-US" dirty="0" smtClean="0"/>
+          </a:p>
+          <a:p>
+            <a:r>
+              <a:rPr lang="en-US" dirty="0"/>
+              <a:t>2</a:t>
+            </a:r>
+            <a:r>
+              <a:rPr lang="en-US" dirty="0" smtClean="0"/>
+              <a:t> </a:t>
+            </a:r>
+            <a:r>
+              <a:rPr lang="en-US" dirty="0" err="1" smtClean="0"/>
+              <a:t>Gbit</a:t>
+            </a:r>
+            <a:r>
+              <a:rPr lang="en-US" dirty="0" smtClean="0"/>
+              <a:t> optical link</a:t>
+            </a:r>
+          </a:p>
+          <a:p>
+            <a:pPr lvl="1"/>
+            <a:r>
+              <a:rPr lang="en-US" dirty="0" smtClean="0"/>
+              <a:t>250 MB/s per link</a:t>
             </a:r>
             <a:br>
-              <a:rPr lang="en-US" sz="2400" dirty="0" smtClean="0"/>
+              <a:rPr lang="en-US" dirty="0" smtClean="0"/>
             </a:br>
-            <a:endParaRPr lang="en-US" sz="2400" dirty="0" smtClean="0"/>
-          </a:p>
-          <a:p>
-            <a:r>
-              <a:rPr lang="en-US" sz="2400" dirty="0" smtClean="0"/>
-              <a:t>Maybe issue </a:t>
-            </a:r>
-            <a:r>
-              <a:rPr lang="en-US" sz="2400" dirty="0" smtClean="0"/>
-              <a:t>with </a:t>
-            </a:r>
-            <a:r>
-              <a:rPr lang="en-US" sz="2400" dirty="0" smtClean="0"/>
-              <a:t>APV </a:t>
-            </a:r>
-            <a:r>
-              <a:rPr lang="en-US" sz="2400" dirty="0" smtClean="0"/>
-              <a:t>configuration </a:t>
+            <a:endParaRPr lang="en-US" dirty="0" smtClean="0"/>
+          </a:p>
+          <a:p>
+            <a:r>
+              <a:rPr lang="en-US" dirty="0" smtClean="0"/>
+              <a:t>Readout up to 32 MPD in parallel</a:t>
+            </a:r>
+          </a:p>
+          <a:p>
+            <a:pPr lvl="1"/>
+            <a:r>
+              <a:rPr lang="en-US" dirty="0" smtClean="0"/>
+              <a:t>8 GB/s bandwidth compared to ~100 MB/s using VME</a:t>
             </a:r>
             <a:br>
-              <a:rPr lang="en-US" sz="2400" dirty="0" smtClean="0"/>
+              <a:rPr lang="en-US" dirty="0" smtClean="0"/>
             </a:br>
-            <a:r>
-              <a:rPr lang="en-US" sz="2400" dirty="0" smtClean="0"/>
-              <a:t>(I2C timing) </a:t>
+            <a:endParaRPr lang="en-US" dirty="0" smtClean="0"/>
+          </a:p>
+          <a:p>
+            <a:r>
+              <a:rPr lang="en-US" dirty="0" smtClean="0"/>
+              <a:t>SSP library</a:t>
             </a:r>
           </a:p>
           <a:p>
             <a:pPr lvl="1"/>
             <a:r>
-              <a:rPr lang="en-US" sz="2000" dirty="0" smtClean="0"/>
-              <a:t>being </a:t>
-            </a:r>
-            <a:r>
-              <a:rPr lang="en-US" sz="2000" dirty="0" smtClean="0"/>
-              <a:t>investigated</a:t>
-            </a:r>
+              <a:rPr lang="en-US" dirty="0" smtClean="0"/>
+              <a:t>Readout routines </a:t>
+            </a:r>
+            <a:r>
+              <a:rPr lang="en-US" dirty="0"/>
+              <a:t>– </a:t>
+            </a:r>
+            <a:r>
+              <a:rPr lang="en-US" dirty="0" smtClean="0"/>
+              <a:t>Completed.</a:t>
+            </a:r>
+          </a:p>
+          <a:p>
+            <a:pPr lvl="1"/>
+            <a:r>
+              <a:rPr lang="en-US" dirty="0" smtClean="0"/>
+              <a:t>MPD configuration routines – In progress</a:t>
+            </a:r>
+            <a:r>
+              <a:rPr lang="en-US" dirty="0"/>
+              <a:t/>
+            </a:r>
+            <a:br>
+              <a:rPr lang="en-US" dirty="0"/>
+            </a:br>
+            <a:endParaRPr lang="en-US" dirty="0" smtClean="0"/>
+          </a:p>
+          <a:p>
+            <a:r>
+              <a:rPr lang="en-US" dirty="0" smtClean="0"/>
+              <a:t>Link from MPD to SSP module</a:t>
+            </a:r>
+          </a:p>
+          <a:p>
+            <a:pPr lvl="1"/>
+            <a:r>
+              <a:rPr lang="en-US" dirty="0" smtClean="0"/>
+              <a:t>Implemented by Ben </a:t>
+            </a:r>
+            <a:r>
+              <a:rPr lang="en-US" dirty="0" err="1" smtClean="0"/>
+              <a:t>Raydo</a:t>
+            </a:r>
+            <a:r>
+              <a:rPr lang="en-US" dirty="0" smtClean="0"/>
+              <a:t>. Works.</a:t>
+            </a:r>
+            <a:br>
+              <a:rPr lang="en-US" dirty="0" smtClean="0"/>
+            </a:br>
+            <a:endParaRPr lang="en-US" dirty="0"/>
+          </a:p>
+        </p:txBody>
+      </p:sp>
+      <p:sp>
+        <p:nvSpPr>
+          <p:cNvPr id="4" name="Date Placeholder 6"/>
+          <p:cNvSpPr>
+            <a:spLocks noGrp="1"/>
+          </p:cNvSpPr>
+          <p:nvPr>
+            <p:ph type="dt" sz="half" idx="10"/>
+          </p:nvPr>
+        </p:nvSpPr>
+        <p:spPr>
+          <a:xfrm>
+            <a:off x="3505200" y="6394375"/>
+            <a:ext cx="2133600" cy="365125"/>
+          </a:xfrm>
+        </p:spPr>
+        <p:txBody>
+          <a:bodyPr/>
+          <a:lstStyle/>
+          <a:p>
+            <a:fld id="{B41FAE2C-98F2-4AEB-9028-7681F5825C1E}" type="datetimeFigureOut">
+              <a:rPr lang="en-US" smtClean="0"/>
+              <a:t>11/9/2015</a:t>
+            </a:fld>
+            <a:endParaRPr lang="en-US"/>
+          </a:p>
+        </p:txBody>
+      </p:sp>
+      <p:sp>
+        <p:nvSpPr>
+          <p:cNvPr id="6" name="Slide Number Placeholder 8"/>
+          <p:cNvSpPr>
+            <a:spLocks noGrp="1"/>
+          </p:cNvSpPr>
+          <p:nvPr>
+            <p:ph type="sldNum" sz="quarter" idx="12"/>
+          </p:nvPr>
+        </p:nvSpPr>
+        <p:spPr>
+          <a:xfrm>
+            <a:off x="3505200" y="6645425"/>
+            <a:ext cx="2133600" cy="190125"/>
+          </a:xfrm>
+        </p:spPr>
+        <p:txBody>
+          <a:bodyPr/>
+          <a:lstStyle/>
+          <a:p>
+            <a:fld id="{123908D8-EB8A-4839-B5DA-E27DEBBAC624}" type="slidenum">
+              <a:rPr lang="en-US" smtClean="0"/>
+              <a:t>16</a:t>
+            </a:fld>
+            <a:endParaRPr lang="en-US"/>
           </a:p>
         </p:txBody>
       </p:sp>
     </p:spTree>
     <p:extLst>
       <p:ext uri="{BB962C8B-B14F-4D97-AF65-F5344CB8AC3E}">
-        <p14:creationId xmlns:p14="http://schemas.microsoft.com/office/powerpoint/2010/main" val="1440001211"/>
+        <p14:creationId xmlns:p14="http://schemas.microsoft.com/office/powerpoint/2010/main" val="1902063085"/>
       </p:ext>
     </p:extLst>
   </p:cSld>
@@ -10798,333 +10577,6 @@
           <a:chExt cx="0" cy="0"/>
         </a:xfrm>
       </p:grpSpPr>
-      <p:sp>
-        <p:nvSpPr>
-          <p:cNvPr id="2" name="Title 1"/>
-          <p:cNvSpPr>
-            <a:spLocks noGrp="1"/>
-          </p:cNvSpPr>
-          <p:nvPr>
-            <p:ph type="title"/>
-          </p:nvPr>
-        </p:nvSpPr>
-        <p:spPr/>
-        <p:txBody>
-          <a:bodyPr/>
-          <a:lstStyle/>
-          <a:p>
-            <a:r>
-              <a:rPr lang="en-US" dirty="0" smtClean="0"/>
-              <a:t>GEM optical link readout</a:t>
-            </a:r>
-            <a:endParaRPr lang="en-US" dirty="0"/>
-          </a:p>
-        </p:txBody>
-      </p:sp>
-      <p:sp>
-        <p:nvSpPr>
-          <p:cNvPr id="3" name="Content Placeholder 2"/>
-          <p:cNvSpPr>
-            <a:spLocks noGrp="1"/>
-          </p:cNvSpPr>
-          <p:nvPr>
-            <p:ph idx="1"/>
-          </p:nvPr>
-        </p:nvSpPr>
-        <p:spPr>
-          <a:xfrm>
-            <a:off x="457200" y="1066800"/>
-            <a:ext cx="8229600" cy="4525963"/>
-          </a:xfrm>
-        </p:spPr>
-        <p:txBody>
-          <a:bodyPr>
-            <a:normAutofit fontScale="62500" lnSpcReduction="20000"/>
-          </a:bodyPr>
-          <a:lstStyle/>
-          <a:p>
-            <a:r>
-              <a:rPr lang="en-US" dirty="0" smtClean="0"/>
-              <a:t>Aurora </a:t>
-            </a:r>
-            <a:r>
-              <a:rPr lang="en-US" dirty="0" smtClean="0"/>
-              <a:t>protocol </a:t>
-            </a:r>
-            <a:r>
-              <a:rPr lang="en-US" dirty="0" smtClean="0"/>
-              <a:t>based</a:t>
-            </a:r>
-          </a:p>
-          <a:p>
-            <a:pPr lvl="1"/>
-            <a:r>
-              <a:rPr lang="en-US" dirty="0" smtClean="0"/>
-              <a:t>Implemented by Paolo </a:t>
-            </a:r>
-            <a:r>
-              <a:rPr lang="en-US" dirty="0" err="1" smtClean="0"/>
-              <a:t>Musico</a:t>
-            </a:r>
-            <a:r>
-              <a:rPr lang="en-US" dirty="0" smtClean="0"/>
-              <a:t>. To be tested.</a:t>
-            </a:r>
-            <a:r>
-              <a:rPr lang="en-US" dirty="0" smtClean="0"/>
-              <a:t/>
-            </a:r>
-            <a:br>
-              <a:rPr lang="en-US" dirty="0" smtClean="0"/>
-            </a:br>
-            <a:endParaRPr lang="en-US" dirty="0" smtClean="0"/>
-          </a:p>
-          <a:p>
-            <a:r>
-              <a:rPr lang="en-US" dirty="0"/>
-              <a:t>2</a:t>
-            </a:r>
-            <a:r>
-              <a:rPr lang="en-US" dirty="0" smtClean="0"/>
-              <a:t> </a:t>
-            </a:r>
-            <a:r>
-              <a:rPr lang="en-US" dirty="0" err="1" smtClean="0"/>
-              <a:t>Gbit</a:t>
-            </a:r>
-            <a:r>
-              <a:rPr lang="en-US" dirty="0" smtClean="0"/>
-              <a:t> optical </a:t>
-            </a:r>
-            <a:r>
-              <a:rPr lang="en-US" dirty="0" smtClean="0"/>
-              <a:t>link</a:t>
-            </a:r>
-          </a:p>
-          <a:p>
-            <a:pPr lvl="1"/>
-            <a:r>
-              <a:rPr lang="en-US" dirty="0" smtClean="0"/>
-              <a:t>250 </a:t>
-            </a:r>
-            <a:r>
-              <a:rPr lang="en-US" dirty="0" smtClean="0"/>
-              <a:t>MB/s per </a:t>
-            </a:r>
-            <a:r>
-              <a:rPr lang="en-US" dirty="0" smtClean="0"/>
-              <a:t>link</a:t>
-            </a:r>
-            <a:br>
-              <a:rPr lang="en-US" dirty="0" smtClean="0"/>
-            </a:br>
-            <a:endParaRPr lang="en-US" dirty="0" smtClean="0"/>
-          </a:p>
-          <a:p>
-            <a:r>
-              <a:rPr lang="en-US" dirty="0" smtClean="0"/>
-              <a:t>Readout up to 32 MPD in </a:t>
-            </a:r>
-            <a:r>
-              <a:rPr lang="en-US" dirty="0" smtClean="0"/>
-              <a:t>parallel</a:t>
-            </a:r>
-          </a:p>
-          <a:p>
-            <a:pPr lvl="1"/>
-            <a:r>
-              <a:rPr lang="en-US" dirty="0" smtClean="0"/>
-              <a:t>8 </a:t>
-            </a:r>
-            <a:r>
-              <a:rPr lang="en-US" dirty="0" smtClean="0"/>
-              <a:t>GB/s bandwidth compared to </a:t>
-            </a:r>
-            <a:r>
-              <a:rPr lang="en-US" dirty="0" smtClean="0"/>
-              <a:t>~100 </a:t>
-            </a:r>
-            <a:r>
-              <a:rPr lang="en-US" dirty="0" smtClean="0"/>
-              <a:t>MB/s using </a:t>
-            </a:r>
-            <a:r>
-              <a:rPr lang="en-US" dirty="0" smtClean="0"/>
-              <a:t>VME</a:t>
-            </a:r>
-            <a:br>
-              <a:rPr lang="en-US" dirty="0" smtClean="0"/>
-            </a:br>
-            <a:endParaRPr lang="en-US" dirty="0" smtClean="0"/>
-          </a:p>
-          <a:p>
-            <a:r>
-              <a:rPr lang="en-US" dirty="0" smtClean="0"/>
-              <a:t>SSP </a:t>
-            </a:r>
-            <a:r>
-              <a:rPr lang="en-US" dirty="0" smtClean="0"/>
-              <a:t>library</a:t>
-            </a:r>
-          </a:p>
-          <a:p>
-            <a:pPr lvl="1"/>
-            <a:r>
-              <a:rPr lang="en-US" dirty="0" smtClean="0"/>
-              <a:t>Readout routines </a:t>
-            </a:r>
-            <a:r>
-              <a:rPr lang="en-US" dirty="0"/>
-              <a:t>– </a:t>
-            </a:r>
-            <a:r>
-              <a:rPr lang="en-US" dirty="0" smtClean="0"/>
-              <a:t>Completed.</a:t>
-            </a:r>
-          </a:p>
-          <a:p>
-            <a:pPr lvl="1"/>
-            <a:r>
-              <a:rPr lang="en-US" dirty="0" smtClean="0"/>
-              <a:t>MPD configuration routines – In progress</a:t>
-            </a:r>
-            <a:r>
-              <a:rPr lang="en-US" dirty="0"/>
-              <a:t/>
-            </a:r>
-            <a:br>
-              <a:rPr lang="en-US" dirty="0"/>
-            </a:br>
-            <a:endParaRPr lang="en-US" dirty="0" smtClean="0"/>
-          </a:p>
-          <a:p>
-            <a:r>
-              <a:rPr lang="en-US" dirty="0" smtClean="0"/>
-              <a:t>Link from MPD to SSP </a:t>
-            </a:r>
-            <a:r>
-              <a:rPr lang="en-US" dirty="0" smtClean="0"/>
-              <a:t>module</a:t>
-            </a:r>
-          </a:p>
-          <a:p>
-            <a:pPr lvl="1"/>
-            <a:r>
-              <a:rPr lang="en-US" dirty="0" smtClean="0"/>
-              <a:t>Implemented by </a:t>
-            </a:r>
-            <a:r>
-              <a:rPr lang="en-US" dirty="0" smtClean="0"/>
-              <a:t>Ben </a:t>
-            </a:r>
-            <a:r>
-              <a:rPr lang="en-US" dirty="0" err="1" smtClean="0"/>
-              <a:t>Raydo</a:t>
-            </a:r>
-            <a:r>
-              <a:rPr lang="en-US" dirty="0" smtClean="0"/>
-              <a:t>. Works.</a:t>
-            </a:r>
-            <a:br>
-              <a:rPr lang="en-US" dirty="0" smtClean="0"/>
-            </a:br>
-            <a:endParaRPr lang="en-US" dirty="0"/>
-          </a:p>
-        </p:txBody>
-      </p:sp>
-      <p:sp>
-        <p:nvSpPr>
-          <p:cNvPr id="4" name="Date Placeholder 6"/>
-          <p:cNvSpPr>
-            <a:spLocks noGrp="1"/>
-          </p:cNvSpPr>
-          <p:nvPr>
-            <p:ph type="dt" sz="half" idx="10"/>
-          </p:nvPr>
-        </p:nvSpPr>
-        <p:spPr>
-          <a:xfrm>
-            <a:off x="3505200" y="6394375"/>
-            <a:ext cx="2133600" cy="365125"/>
-          </a:xfrm>
-        </p:spPr>
-        <p:txBody>
-          <a:bodyPr/>
-          <a:lstStyle/>
-          <a:p>
-            <a:fld id="{B41FAE2C-98F2-4AEB-9028-7681F5825C1E}" type="datetimeFigureOut">
-              <a:rPr lang="en-US" smtClean="0"/>
-              <a:t>11/4/2015</a:t>
-            </a:fld>
-            <a:endParaRPr lang="en-US"/>
-          </a:p>
-        </p:txBody>
-      </p:sp>
-      <p:sp>
-        <p:nvSpPr>
-          <p:cNvPr id="6" name="Slide Number Placeholder 8"/>
-          <p:cNvSpPr>
-            <a:spLocks noGrp="1"/>
-          </p:cNvSpPr>
-          <p:nvPr>
-            <p:ph type="sldNum" sz="quarter" idx="12"/>
-          </p:nvPr>
-        </p:nvSpPr>
-        <p:spPr>
-          <a:xfrm>
-            <a:off x="3505200" y="6645425"/>
-            <a:ext cx="2133600" cy="190125"/>
-          </a:xfrm>
-        </p:spPr>
-        <p:txBody>
-          <a:bodyPr/>
-          <a:lstStyle/>
-          <a:p>
-            <a:fld id="{123908D8-EB8A-4839-B5DA-E27DEBBAC624}" type="slidenum">
-              <a:rPr lang="en-US" smtClean="0"/>
-              <a:t>17</a:t>
-            </a:fld>
-            <a:endParaRPr lang="en-US"/>
-          </a:p>
-        </p:txBody>
-      </p:sp>
-    </p:spTree>
-    <p:extLst>
-      <p:ext uri="{BB962C8B-B14F-4D97-AF65-F5344CB8AC3E}">
-        <p14:creationId xmlns:p14="http://schemas.microsoft.com/office/powerpoint/2010/main" val="1902063085"/>
-      </p:ext>
-    </p:extLst>
-  </p:cSld>
-  <p:clrMapOvr>
-    <a:masterClrMapping/>
-  </p:clrMapOvr>
-  <p:timing>
-    <p:tnLst>
-      <p:par>
-        <p:cTn id="1" dur="indefinite" restart="never" nodeType="tmRoot"/>
-      </p:par>
-    </p:tnLst>
-  </p:timing>
-</p:sld>
-</file>
-
-<file path=ppt/slides/slide18.xml><?xml version="1.0" encoding="utf-8"?>
-<p:sld xmlns:a="http://schemas.openxmlformats.org/drawingml/2006/main" xmlns:r="http://schemas.openxmlformats.org/officeDocument/2006/relationships" xmlns:p="http://schemas.openxmlformats.org/presentationml/2006/main">
-  <p:cSld>
-    <p:spTree>
-      <p:nvGrpSpPr>
-        <p:cNvPr id="1" name=""/>
-        <p:cNvGrpSpPr/>
-        <p:nvPr/>
-      </p:nvGrpSpPr>
-      <p:grpSpPr>
-        <a:xfrm>
-          <a:off x="0" y="0"/>
-          <a:ext cx="0" cy="0"/>
-          <a:chOff x="0" y="0"/>
-          <a:chExt cx="0" cy="0"/>
-        </a:xfrm>
-      </p:grpSpPr>
       <p:graphicFrame>
         <p:nvGraphicFramePr>
           <p:cNvPr id="4" name="Content Placeholder 3"/>
@@ -11135,14 +10587,14 @@
             <p:ph idx="1"/>
             <p:extLst>
               <p:ext uri="{D42A27DB-BD31-4B8C-83A1-F6EECF244321}">
-                <p14:modId xmlns:p14="http://schemas.microsoft.com/office/powerpoint/2010/main" val="2536848211"/>
+                <p14:modId xmlns:p14="http://schemas.microsoft.com/office/powerpoint/2010/main" val="3194387198"/>
               </p:ext>
             </p:extLst>
           </p:nvPr>
         </p:nvGraphicFramePr>
         <p:xfrm>
           <a:off x="152400" y="914400"/>
-          <a:ext cx="8763000" cy="5398097"/>
+          <a:ext cx="8763000" cy="5455920"/>
         </p:xfrm>
         <a:graphic>
           <a:graphicData uri="http://schemas.openxmlformats.org/drawingml/2006/table">
@@ -11154,28 +10606,28 @@
                 <a:gridCol w="2286000">
                   <a:extLst>
                     <a:ext uri="{9D8B030D-6E8A-4147-A177-3AD203B41FA5}">
-                      <a16:colId xmlns:a16="http://schemas.microsoft.com/office/drawing/2014/main" xmlns="" val="2383147881"/>
+                      <a16:colId xmlns="" xmlns:a16="http://schemas.microsoft.com/office/drawing/2014/main" val="2383147881"/>
                     </a:ext>
                   </a:extLst>
                 </a:gridCol>
                 <a:gridCol w="2209800">
                   <a:extLst>
                     <a:ext uri="{9D8B030D-6E8A-4147-A177-3AD203B41FA5}">
-                      <a16:colId xmlns:a16="http://schemas.microsoft.com/office/drawing/2014/main" xmlns="" val="3539225061"/>
+                      <a16:colId xmlns="" xmlns:a16="http://schemas.microsoft.com/office/drawing/2014/main" val="3539225061"/>
                     </a:ext>
                   </a:extLst>
                 </a:gridCol>
                 <a:gridCol w="2209800">
                   <a:extLst>
                     <a:ext uri="{9D8B030D-6E8A-4147-A177-3AD203B41FA5}">
-                      <a16:colId xmlns:a16="http://schemas.microsoft.com/office/drawing/2014/main" xmlns="" val="449586720"/>
+                      <a16:colId xmlns="" xmlns:a16="http://schemas.microsoft.com/office/drawing/2014/main" val="449586720"/>
                     </a:ext>
                   </a:extLst>
                 </a:gridCol>
                 <a:gridCol w="2057400">
                   <a:extLst>
                     <a:ext uri="{9D8B030D-6E8A-4147-A177-3AD203B41FA5}">
-                      <a16:colId xmlns:a16="http://schemas.microsoft.com/office/drawing/2014/main" xmlns="" val="3861353694"/>
+                      <a16:colId xmlns="" xmlns:a16="http://schemas.microsoft.com/office/drawing/2014/main" val="3861353694"/>
                     </a:ext>
                   </a:extLst>
                 </a:gridCol>
@@ -11275,39 +10727,11 @@
                     <a:bodyPr/>
                     <a:lstStyle/>
                     <a:p>
-                      <a:pPr marL="0" marR="0" indent="0" algn="ctr" defTabSz="914400" rtl="0" eaLnBrk="1" fontAlgn="auto" latinLnBrk="0" hangingPunct="1">
-                        <a:lnSpc>
-                          <a:spcPct val="100000"/>
-                        </a:lnSpc>
-                        <a:spcBef>
-                          <a:spcPts val="0"/>
-                        </a:spcBef>
-                        <a:spcAft>
-                          <a:spcPts val="0"/>
-                        </a:spcAft>
-                        <a:buClrTx/>
-                        <a:buSzTx/>
-                        <a:buFontTx/>
-                        <a:buNone/>
-                        <a:tabLst/>
-                        <a:defRPr/>
-                      </a:pPr>
+                      <a:pPr algn="ctr"/>
                       <a:r>
-                        <a:rPr lang="en-US" baseline="0" dirty="0" smtClean="0"/>
-                        <a:t>3</a:t>
+                        <a:rPr lang="en-US" dirty="0" smtClean="0"/>
+                        <a:t>Future</a:t>
                       </a:r>
-                      <a:r>
-                        <a:rPr lang="en-US" baseline="30000" dirty="0" smtClean="0"/>
-                        <a:t>rd</a:t>
-                      </a:r>
-                      <a:r>
-                        <a:rPr lang="en-US" baseline="0" dirty="0" smtClean="0"/>
-                        <a:t> quarter 2016</a:t>
-                      </a:r>
-                      <a:endParaRPr lang="en-US" dirty="0" smtClean="0"/>
-                    </a:p>
-                    <a:p>
-                      <a:pPr algn="ctr"/>
                       <a:endParaRPr lang="en-US" dirty="0"/>
                     </a:p>
                   </a:txBody>
@@ -11315,7 +10739,7 @@
                 </a:tc>
                 <a:extLst>
                   <a:ext uri="{0D108BD9-81ED-4DB2-BD59-A6C34878D82A}">
-                    <a16:rowId xmlns:a16="http://schemas.microsoft.com/office/drawing/2014/main" xmlns="" val="660863743"/>
+                    <a16:rowId xmlns="" xmlns:a16="http://schemas.microsoft.com/office/drawing/2014/main" val="660863743"/>
                   </a:ext>
                 </a:extLst>
               </a:tr>
@@ -11335,7 +10759,11 @@
                       </a:r>
                       <a:r>
                         <a:rPr lang="en-US" sz="1600" baseline="0" dirty="0" smtClean="0"/>
-                        <a:t> - </a:t>
+                        <a:t> </a:t>
+                      </a:r>
+                      <a:r>
+                        <a:rPr lang="en-US" sz="1600" baseline="0" dirty="0" smtClean="0"/>
+                        <a:t>– </a:t>
                       </a:r>
                       <a:r>
                         <a:rPr lang="en-US" sz="1600" dirty="0" smtClean="0"/>
@@ -11359,6 +10787,10 @@
                         <a:rPr lang="en-US" sz="1600" dirty="0" smtClean="0"/>
                         <a:t> Readout – debug</a:t>
                       </a:r>
+                      <a:br>
+                        <a:rPr lang="en-US" sz="1600" dirty="0" smtClean="0"/>
+                      </a:br>
+                      <a:endParaRPr lang="en-US" sz="1600" dirty="0" smtClean="0"/>
                     </a:p>
                     <a:p>
                       <a:pPr marL="285750" indent="-285750" algn="l">
@@ -11367,38 +10799,72 @@
                       </a:pPr>
                       <a:r>
                         <a:rPr lang="en-US" sz="1600" dirty="0" smtClean="0"/>
-                        <a:t>Small scale setup</a:t>
+                        <a:t>Small </a:t>
+                      </a:r>
+                      <a:r>
+                        <a:rPr lang="en-US" sz="1600" dirty="0" smtClean="0"/>
+                        <a:t>scale </a:t>
+                      </a:r>
+                      <a:r>
+                        <a:rPr lang="en-US" sz="1600" dirty="0" smtClean="0"/>
+                        <a:t>setup </a:t>
                       </a:r>
                     </a:p>
                     <a:p>
-                      <a:pPr algn="l"/>
+                      <a:pPr marL="742950" lvl="1" indent="-285750" algn="l">
+                        <a:buFont typeface="Arial" panose="020B0604020202020204" pitchFamily="34" charset="0"/>
+                        <a:buChar char="•"/>
+                      </a:pPr>
                       <a:r>
-                        <a:rPr lang="en-US" sz="1600" dirty="0" smtClean="0"/>
-                        <a:t>Test </a:t>
+                        <a:rPr lang="en-US" sz="1400" dirty="0" smtClean="0"/>
+                        <a:t>200 </a:t>
                       </a:r>
+                      <a:r>
+                        <a:rPr lang="en-US" sz="1400" dirty="0" smtClean="0"/>
+                        <a:t>KHz L1 </a:t>
+                      </a:r>
+                      <a:endParaRPr lang="en-US" sz="1400" dirty="0" smtClean="0"/>
                     </a:p>
                     <a:p>
-                      <a:pPr lvl="1" algn="l"/>
+                      <a:pPr marL="742950" lvl="1" indent="-285750" algn="l">
+                        <a:buFont typeface="Arial" panose="020B0604020202020204" pitchFamily="34" charset="0"/>
+                        <a:buChar char="•"/>
+                      </a:pPr>
                       <a:r>
-                        <a:rPr lang="en-US" sz="1600" dirty="0" smtClean="0"/>
-                        <a:t>200 KHz L1 and 5 kHz </a:t>
+                        <a:rPr lang="en-US" sz="1400" dirty="0" smtClean="0"/>
+                        <a:t>5 </a:t>
                       </a:r>
                       <a:r>
-                        <a:rPr lang="en-US" sz="1600" dirty="0" err="1" smtClean="0"/>
+                        <a:rPr lang="en-US" sz="1400" dirty="0" smtClean="0"/>
+                        <a:t>kHz </a:t>
+                      </a:r>
+                      <a:r>
+                        <a:rPr lang="en-US" sz="1400" dirty="0" err="1" smtClean="0"/>
                         <a:t>coinc</a:t>
                       </a:r>
+                      <a:endParaRPr lang="en-US" sz="1400" dirty="0" smtClean="0"/>
+                    </a:p>
+                    <a:p>
+                      <a:pPr marL="742950" lvl="1" indent="-285750" algn="l">
+                        <a:buFont typeface="Arial" panose="020B0604020202020204" pitchFamily="34" charset="0"/>
+                        <a:buChar char="•"/>
+                      </a:pPr>
                       <a:r>
-                        <a:rPr lang="en-US" sz="1600" dirty="0" smtClean="0"/>
-                        <a:t> with </a:t>
-                      </a:r>
-                      <a:r>
-                        <a:rPr lang="en-US" sz="1600" dirty="0" err="1" smtClean="0"/>
+                        <a:rPr lang="en-US" sz="1400" dirty="0" err="1" smtClean="0"/>
                         <a:t>Fastbus</a:t>
                       </a:r>
                       <a:r>
-                        <a:rPr lang="en-US" sz="1600" dirty="0" smtClean="0"/>
-                        <a:t>, MPD, and HCAL FADC</a:t>
+                        <a:rPr lang="en-US" sz="1400" dirty="0" smtClean="0"/>
+                        <a:t>, MPD, and HCAL </a:t>
                       </a:r>
+                      <a:r>
+                        <a:rPr lang="en-US" sz="1400" dirty="0" smtClean="0"/>
+                        <a:t>FADC</a:t>
+                      </a:r>
+                      <a:br>
+                        <a:rPr lang="en-US" sz="1400" dirty="0" smtClean="0"/>
+                      </a:br>
+                      <a:endParaRPr lang="en-US" sz="1400" dirty="0" smtClean="0"/>
                     </a:p>
                     <a:p>
                       <a:pPr marL="285750" indent="-285750" algn="l">
@@ -11417,6 +10883,13 @@
                         <a:rPr lang="en-US" sz="1600" dirty="0" err="1" smtClean="0"/>
                         <a:t>Fastbus</a:t>
                       </a:r>
+                      <a:r>
+                        <a:rPr lang="en-US" sz="1600" dirty="0" smtClean="0"/>
+                        <a:t/>
+                      </a:r>
+                      <a:br>
+                        <a:rPr lang="en-US" sz="1600" dirty="0" smtClean="0"/>
+                      </a:br>
                       <a:endParaRPr lang="en-US" sz="1600" dirty="0" smtClean="0"/>
                     </a:p>
                     <a:p>
@@ -11430,12 +10903,20 @@
                       </a:r>
                       <a:r>
                         <a:rPr lang="en-US" sz="1600" baseline="0" dirty="0" smtClean="0"/>
-                        <a:t> s</a:t>
+                        <a:t> </a:t>
+                      </a:r>
+                      <a:r>
+                        <a:rPr lang="en-US" sz="1600" baseline="0" dirty="0" smtClean="0"/>
+                        <a:t>s</a:t>
                       </a:r>
                       <a:r>
                         <a:rPr lang="en-US" sz="1600" dirty="0" smtClean="0"/>
                         <a:t>ynchronization</a:t>
                       </a:r>
+                      <a:br>
+                        <a:rPr lang="en-US" sz="1600" dirty="0" smtClean="0"/>
+                      </a:br>
+                      <a:endParaRPr lang="en-US" sz="1600" dirty="0" smtClean="0"/>
                     </a:p>
                     <a:p>
                       <a:pPr marL="285750" indent="-285750" algn="l">
@@ -11444,8 +10925,16 @@
                       </a:pPr>
                       <a:r>
                         <a:rPr lang="en-US" sz="1600" dirty="0" smtClean="0"/>
-                        <a:t>Test MPD optical readout</a:t>
+                        <a:t>Test MPD optical </a:t>
                       </a:r>
+                      <a:r>
+                        <a:rPr lang="en-US" sz="1600" dirty="0" smtClean="0"/>
+                        <a:t>readout</a:t>
+                      </a:r>
+                      <a:br>
+                        <a:rPr lang="en-US" sz="1600" dirty="0" smtClean="0"/>
+                      </a:br>
+                      <a:endParaRPr lang="en-US" sz="1600" dirty="0" smtClean="0"/>
                     </a:p>
                     <a:p>
                       <a:pPr marL="285750" indent="-285750" algn="l">
@@ -11476,8 +10965,16 @@
                       </a:pPr>
                       <a:r>
                         <a:rPr lang="en-US" dirty="0" smtClean="0"/>
-                        <a:t>Implement new HCAL Trigger module</a:t>
+                        <a:t>Implement new HCAL Trigger </a:t>
                       </a:r>
+                      <a:r>
+                        <a:rPr lang="en-US" dirty="0" smtClean="0"/>
+                        <a:t>module</a:t>
+                      </a:r>
+                      <a:br>
+                        <a:rPr lang="en-US" dirty="0" smtClean="0"/>
+                      </a:br>
+                      <a:endParaRPr lang="en-US" dirty="0" smtClean="0"/>
                     </a:p>
                     <a:p>
                       <a:pPr marL="285750" indent="-285750" algn="l">
@@ -11492,6 +10989,13 @@
                         <a:rPr lang="en-US" dirty="0" err="1" smtClean="0"/>
                         <a:t>cosmics</a:t>
                       </a:r>
+                      <a:r>
+                        <a:rPr lang="en-US" dirty="0" smtClean="0"/>
+                        <a:t/>
+                      </a:r>
+                      <a:br>
+                        <a:rPr lang="en-US" dirty="0" smtClean="0"/>
+                      </a:br>
                       <a:endParaRPr lang="en-US" dirty="0" smtClean="0"/>
                     </a:p>
                     <a:p>
@@ -11530,8 +11034,16 @@
                       </a:pPr>
                       <a:r>
                         <a:rPr lang="en-US" baseline="0" dirty="0" smtClean="0"/>
-                        <a:t>Test GEM readout with optical link in high background at UVA</a:t>
+                        <a:t>Test GEM readout with optical link in high background at </a:t>
                       </a:r>
+                      <a:r>
+                        <a:rPr lang="en-US" baseline="0" dirty="0" smtClean="0"/>
+                        <a:t>UVA</a:t>
+                      </a:r>
+                      <a:br>
+                        <a:rPr lang="en-US" baseline="0" dirty="0" smtClean="0"/>
+                      </a:br>
+                      <a:endParaRPr lang="en-US" baseline="0" dirty="0" smtClean="0"/>
                     </a:p>
                     <a:p>
                       <a:pPr marL="285750" indent="-285750" algn="l">
@@ -11540,19 +11052,12 @@
                       </a:pPr>
                       <a:r>
                         <a:rPr lang="en-US" baseline="0" dirty="0" smtClean="0"/>
-                        <a:t>Develop GEM analysis software</a:t>
+                        <a:t>Develop GEM analysis </a:t>
                       </a:r>
-                    </a:p>
-                    <a:p>
-                      <a:pPr algn="l"/>
-                      <a:endParaRPr lang="en-US" baseline="0" dirty="0" smtClean="0"/>
-                    </a:p>
-                    <a:p>
-                      <a:pPr algn="l"/>
-                      <a:endParaRPr lang="en-US" baseline="0" dirty="0" smtClean="0"/>
-                    </a:p>
-                    <a:p>
-                      <a:pPr algn="l"/>
+                      <a:r>
+                        <a:rPr lang="en-US" baseline="0" dirty="0" smtClean="0"/>
+                        <a:t>software</a:t>
+                      </a:r>
                       <a:endParaRPr lang="en-US" baseline="0" dirty="0" smtClean="0"/>
                     </a:p>
                     <a:p>
@@ -11680,8 +11185,16 @@
                       </a:pPr>
                       <a:r>
                         <a:rPr lang="en-US" dirty="0" smtClean="0"/>
-                        <a:t>Tritium experiment</a:t>
+                        <a:t>Tritium </a:t>
                       </a:r>
+                      <a:r>
+                        <a:rPr lang="en-US" dirty="0" smtClean="0"/>
+                        <a:t>experiment</a:t>
+                      </a:r>
+                      <a:br>
+                        <a:rPr lang="en-US" dirty="0" smtClean="0"/>
+                      </a:br>
+                      <a:endParaRPr lang="en-US" dirty="0" smtClean="0"/>
                     </a:p>
                     <a:p>
                       <a:pPr marL="285750" marR="0" indent="-285750" algn="l" defTabSz="914400" rtl="0" eaLnBrk="1" fontAlgn="auto" latinLnBrk="0" hangingPunct="1">
@@ -11726,7 +11239,7 @@
                 </a:tc>
                 <a:extLst>
                   <a:ext uri="{0D108BD9-81ED-4DB2-BD59-A6C34878D82A}">
-                    <a16:rowId xmlns:a16="http://schemas.microsoft.com/office/drawing/2014/main" xmlns="" val="85563496"/>
+                    <a16:rowId xmlns="" xmlns:a16="http://schemas.microsoft.com/office/drawing/2014/main" val="85563496"/>
                   </a:ext>
                 </a:extLst>
               </a:tr>
@@ -11779,7 +11292,7 @@
           <a:p>
             <a:fld id="{B41FAE2C-98F2-4AEB-9028-7681F5825C1E}" type="datetimeFigureOut">
               <a:rPr lang="en-US" smtClean="0"/>
-              <a:t>11/4/2015</a:t>
+              <a:t>11/9/2015</a:t>
             </a:fld>
             <a:endParaRPr lang="en-US"/>
           </a:p>
@@ -11807,7 +11320,7 @@
           <a:p>
             <a:fld id="{123908D8-EB8A-4839-B5DA-E27DEBBAC624}" type="slidenum">
               <a:rPr lang="en-US" smtClean="0"/>
-              <a:t>18</a:t>
+              <a:t>17</a:t>
             </a:fld>
             <a:endParaRPr lang="en-US"/>
           </a:p>
@@ -11817,6 +11330,336 @@
     <p:extLst>
       <p:ext uri="{BB962C8B-B14F-4D97-AF65-F5344CB8AC3E}">
         <p14:creationId xmlns:p14="http://schemas.microsoft.com/office/powerpoint/2010/main" val="879457418"/>
+      </p:ext>
+    </p:extLst>
+  </p:cSld>
+  <p:clrMapOvr>
+    <a:masterClrMapping/>
+  </p:clrMapOvr>
+  <p:timing>
+    <p:tnLst>
+      <p:par>
+        <p:cTn id="1" dur="indefinite" restart="never" nodeType="tmRoot"/>
+      </p:par>
+    </p:tnLst>
+  </p:timing>
+</p:sld>
+</file>
+
+<file path=ppt/slides/slide18.xml><?xml version="1.0" encoding="utf-8"?>
+<p:sld xmlns:a="http://schemas.openxmlformats.org/drawingml/2006/main" xmlns:r="http://schemas.openxmlformats.org/officeDocument/2006/relationships" xmlns:p="http://schemas.openxmlformats.org/presentationml/2006/main">
+  <p:cSld>
+    <p:spTree>
+      <p:nvGrpSpPr>
+        <p:cNvPr id="1" name=""/>
+        <p:cNvGrpSpPr/>
+        <p:nvPr/>
+      </p:nvGrpSpPr>
+      <p:grpSpPr>
+        <a:xfrm>
+          <a:off x="0" y="0"/>
+          <a:ext cx="0" cy="0"/>
+          <a:chOff x="0" y="0"/>
+          <a:chExt cx="0" cy="0"/>
+        </a:xfrm>
+      </p:grpSpPr>
+      <p:sp>
+        <p:nvSpPr>
+          <p:cNvPr id="2" name="Title 1"/>
+          <p:cNvSpPr>
+            <a:spLocks noGrp="1"/>
+          </p:cNvSpPr>
+          <p:nvPr>
+            <p:ph type="title"/>
+          </p:nvPr>
+        </p:nvSpPr>
+        <p:spPr/>
+        <p:txBody>
+          <a:bodyPr/>
+          <a:lstStyle/>
+          <a:p>
+            <a:r>
+              <a:rPr lang="en-US" dirty="0" smtClean="0"/>
+              <a:t>Manpower</a:t>
+            </a:r>
+            <a:endParaRPr lang="en-US" dirty="0"/>
+          </a:p>
+        </p:txBody>
+      </p:sp>
+      <p:sp>
+        <p:nvSpPr>
+          <p:cNvPr id="3" name="Content Placeholder 2"/>
+          <p:cNvSpPr>
+            <a:spLocks noGrp="1"/>
+          </p:cNvSpPr>
+          <p:nvPr>
+            <p:ph idx="1"/>
+          </p:nvPr>
+        </p:nvSpPr>
+        <p:spPr>
+          <a:xfrm>
+            <a:off x="457200" y="990600"/>
+            <a:ext cx="8229600" cy="4876800"/>
+          </a:xfrm>
+        </p:spPr>
+        <p:txBody>
+          <a:bodyPr>
+            <a:normAutofit fontScale="85000" lnSpcReduction="20000"/>
+          </a:bodyPr>
+          <a:lstStyle/>
+          <a:p>
+            <a:r>
+              <a:rPr lang="en-US" dirty="0" err="1" smtClean="0"/>
+              <a:t>Fastbus</a:t>
+            </a:r>
+            <a:endParaRPr lang="en-US" dirty="0"/>
+          </a:p>
+          <a:p>
+            <a:pPr lvl="1"/>
+            <a:r>
+              <a:rPr lang="en-US" dirty="0" smtClean="0"/>
+              <a:t>JLAB : </a:t>
+            </a:r>
+            <a:r>
+              <a:rPr lang="en-US" dirty="0" err="1" smtClean="0"/>
+              <a:t>Dasuni</a:t>
+            </a:r>
+            <a:r>
+              <a:rPr lang="en-US" dirty="0" smtClean="0"/>
+              <a:t> </a:t>
+            </a:r>
+            <a:r>
+              <a:rPr lang="en-US" dirty="0" err="1" smtClean="0"/>
+              <a:t>Adikaram</a:t>
+            </a:r>
+            <a:r>
+              <a:rPr lang="en-US" dirty="0" smtClean="0"/>
+              <a:t>, Mark Jones, </a:t>
+            </a:r>
+            <a:br>
+              <a:rPr lang="en-US" dirty="0" smtClean="0"/>
+            </a:br>
+            <a:r>
+              <a:rPr lang="en-US" dirty="0" smtClean="0"/>
+              <a:t>Robert Michaels, Bryan </a:t>
+            </a:r>
+            <a:r>
+              <a:rPr lang="en-US" dirty="0" err="1" smtClean="0"/>
+              <a:t>Moffit</a:t>
+            </a:r>
+            <a:r>
+              <a:rPr lang="en-US" dirty="0" smtClean="0"/>
+              <a:t>, William </a:t>
+            </a:r>
+            <a:r>
+              <a:rPr lang="en-US" dirty="0" err="1" smtClean="0"/>
+              <a:t>Gu</a:t>
+            </a:r>
+            <a:r>
+              <a:rPr lang="en-US" dirty="0" smtClean="0"/>
+              <a:t/>
+            </a:r>
+            <a:br>
+              <a:rPr lang="en-US" dirty="0" smtClean="0"/>
+            </a:br>
+            <a:endParaRPr lang="en-US" dirty="0" smtClean="0"/>
+          </a:p>
+          <a:p>
+            <a:r>
+              <a:rPr lang="en-US" dirty="0" smtClean="0"/>
+              <a:t>MPD</a:t>
+            </a:r>
+          </a:p>
+          <a:p>
+            <a:pPr lvl="1"/>
+            <a:r>
+              <a:rPr lang="en-US" dirty="0" smtClean="0"/>
+              <a:t>INFN : </a:t>
+            </a:r>
+            <a:r>
+              <a:rPr lang="en-US" dirty="0" err="1" smtClean="0"/>
+              <a:t>Evaristo</a:t>
+            </a:r>
+            <a:r>
+              <a:rPr lang="en-US" dirty="0" smtClean="0"/>
+              <a:t> </a:t>
+            </a:r>
+            <a:r>
+              <a:rPr lang="en-US" dirty="0" err="1" smtClean="0"/>
+              <a:t>Cisbani</a:t>
+            </a:r>
+            <a:r>
+              <a:rPr lang="en-US" dirty="0" smtClean="0"/>
+              <a:t>, Paolo </a:t>
+            </a:r>
+            <a:r>
+              <a:rPr lang="en-US" dirty="0" err="1" smtClean="0"/>
+              <a:t>Musico</a:t>
+            </a:r>
+            <a:endParaRPr lang="en-US" dirty="0" smtClean="0"/>
+          </a:p>
+          <a:p>
+            <a:pPr lvl="1"/>
+            <a:r>
+              <a:rPr lang="en-US" dirty="0" smtClean="0"/>
+              <a:t>UVA : </a:t>
+            </a:r>
+            <a:r>
+              <a:rPr lang="en-US" dirty="0" err="1" smtClean="0"/>
+              <a:t>Danning</a:t>
+            </a:r>
+            <a:r>
+              <a:rPr lang="en-US" dirty="0" smtClean="0"/>
+              <a:t> Di, Kondo </a:t>
+            </a:r>
+            <a:r>
+              <a:rPr lang="en-US" dirty="0" err="1" smtClean="0"/>
+              <a:t>Gnanvo</a:t>
+            </a:r>
+            <a:r>
+              <a:rPr lang="en-US" dirty="0" smtClean="0"/>
+              <a:t>, </a:t>
+            </a:r>
+            <a:r>
+              <a:rPr lang="en-US" dirty="0" err="1" smtClean="0"/>
+              <a:t>Nilanga</a:t>
+            </a:r>
+            <a:r>
+              <a:rPr lang="en-US" dirty="0" smtClean="0"/>
+              <a:t> </a:t>
+            </a:r>
+            <a:r>
+              <a:rPr lang="en-US" dirty="0" err="1" smtClean="0"/>
+              <a:t>Liyanage</a:t>
+            </a:r>
+            <a:endParaRPr lang="en-US" dirty="0"/>
+          </a:p>
+          <a:p>
+            <a:pPr lvl="1"/>
+            <a:r>
+              <a:rPr lang="en-US" dirty="0" smtClean="0"/>
+              <a:t>JLAB : Ben </a:t>
+            </a:r>
+            <a:r>
+              <a:rPr lang="en-US" dirty="0" err="1" smtClean="0"/>
+              <a:t>Raydo</a:t>
+            </a:r>
+            <a:r>
+              <a:rPr lang="en-US" dirty="0" smtClean="0"/>
+              <a:t>, Bryan </a:t>
+            </a:r>
+            <a:r>
+              <a:rPr lang="en-US" dirty="0" err="1" smtClean="0"/>
+              <a:t>Moffit</a:t>
+            </a:r>
+            <a:endParaRPr lang="en-US" dirty="0" smtClean="0"/>
+          </a:p>
+          <a:p>
+            <a:pPr lvl="1"/>
+            <a:r>
+              <a:rPr lang="en-US" dirty="0" smtClean="0"/>
+              <a:t>Stony Brook : Seamus Riordan</a:t>
+            </a:r>
+            <a:br>
+              <a:rPr lang="en-US" dirty="0" smtClean="0"/>
+            </a:br>
+            <a:endParaRPr lang="en-US" dirty="0" smtClean="0"/>
+          </a:p>
+          <a:p>
+            <a:r>
+              <a:rPr lang="en-US" dirty="0" smtClean="0"/>
+              <a:t>HCAL</a:t>
+            </a:r>
+          </a:p>
+          <a:p>
+            <a:pPr lvl="1"/>
+            <a:r>
+              <a:rPr lang="en-US" dirty="0" smtClean="0"/>
+              <a:t>JLAB : Alexandre Camsonne, Ben </a:t>
+            </a:r>
+            <a:r>
+              <a:rPr lang="en-US" dirty="0" err="1" smtClean="0"/>
+              <a:t>Raydo</a:t>
+            </a:r>
+            <a:r>
+              <a:rPr lang="en-US" dirty="0" smtClean="0"/>
+              <a:t>, </a:t>
+            </a:r>
+            <a:br>
+              <a:rPr lang="en-US" dirty="0" smtClean="0"/>
+            </a:br>
+            <a:r>
+              <a:rPr lang="en-US" dirty="0" smtClean="0"/>
+              <a:t>Bryan </a:t>
+            </a:r>
+            <a:r>
+              <a:rPr lang="en-US" dirty="0" err="1" smtClean="0"/>
+              <a:t>Moffit</a:t>
+            </a:r>
+            <a:endParaRPr lang="en-US" dirty="0"/>
+          </a:p>
+        </p:txBody>
+      </p:sp>
+      <p:sp>
+        <p:nvSpPr>
+          <p:cNvPr id="4" name="Date Placeholder 6"/>
+          <p:cNvSpPr>
+            <a:spLocks noGrp="1"/>
+          </p:cNvSpPr>
+          <p:nvPr>
+            <p:ph type="dt" sz="half" idx="10"/>
+          </p:nvPr>
+        </p:nvSpPr>
+        <p:spPr>
+          <a:xfrm>
+            <a:off x="3505200" y="6394375"/>
+            <a:ext cx="2133600" cy="365125"/>
+          </a:xfrm>
+        </p:spPr>
+        <p:txBody>
+          <a:bodyPr/>
+          <a:lstStyle/>
+          <a:p>
+            <a:fld id="{B41FAE2C-98F2-4AEB-9028-7681F5825C1E}" type="datetimeFigureOut">
+              <a:rPr lang="en-US" smtClean="0"/>
+              <a:t>11/9/2015</a:t>
+            </a:fld>
+            <a:endParaRPr lang="en-US"/>
+          </a:p>
+        </p:txBody>
+      </p:sp>
+      <p:sp>
+        <p:nvSpPr>
+          <p:cNvPr id="6" name="Slide Number Placeholder 8"/>
+          <p:cNvSpPr>
+            <a:spLocks noGrp="1"/>
+          </p:cNvSpPr>
+          <p:nvPr>
+            <p:ph type="sldNum" sz="quarter" idx="12"/>
+          </p:nvPr>
+        </p:nvSpPr>
+        <p:spPr>
+          <a:xfrm>
+            <a:off x="3505200" y="6645425"/>
+            <a:ext cx="2133600" cy="190125"/>
+          </a:xfrm>
+        </p:spPr>
+        <p:txBody>
+          <a:bodyPr/>
+          <a:lstStyle/>
+          <a:p>
+            <a:fld id="{123908D8-EB8A-4839-B5DA-E27DEBBAC624}" type="slidenum">
+              <a:rPr lang="en-US" smtClean="0"/>
+              <a:t>18</a:t>
+            </a:fld>
+            <a:endParaRPr lang="en-US"/>
+          </a:p>
+        </p:txBody>
+      </p:sp>
+    </p:spTree>
+    <p:extLst>
+      <p:ext uri="{BB962C8B-B14F-4D97-AF65-F5344CB8AC3E}">
+        <p14:creationId xmlns:p14="http://schemas.microsoft.com/office/powerpoint/2010/main" val="3351079420"/>
       </p:ext>
     </p:extLst>
   </p:cSld>
@@ -11867,7 +11710,7 @@
           <a:p>
             <a:r>
               <a:rPr lang="en-US" dirty="0" smtClean="0"/>
-              <a:t>Manpower</a:t>
+              <a:t>Conclusion</a:t>
             </a:r>
             <a:endParaRPr lang="en-US" dirty="0"/>
           </a:p>
@@ -11885,66 +11728,33 @@
         </p:nvSpPr>
         <p:spPr>
           <a:xfrm>
-            <a:off x="457200" y="990600"/>
-            <a:ext cx="8229600" cy="4876800"/>
+            <a:off x="457200" y="1143000"/>
+            <a:ext cx="8229600" cy="4525963"/>
           </a:xfrm>
         </p:spPr>
         <p:txBody>
           <a:bodyPr>
-            <a:normAutofit fontScale="85000" lnSpcReduction="20000"/>
+            <a:normAutofit fontScale="70000" lnSpcReduction="20000"/>
           </a:bodyPr>
           <a:lstStyle/>
           <a:p>
             <a:r>
-              <a:rPr lang="en-US" dirty="0" err="1" smtClean="0"/>
-              <a:t>Fastbus</a:t>
-            </a:r>
-            <a:endParaRPr lang="en-US" dirty="0"/>
+              <a:rPr lang="en-US" dirty="0" smtClean="0"/>
+              <a:t>Fastbus flipping module close to be complete</a:t>
+            </a:r>
           </a:p>
           <a:p>
             <a:pPr lvl="1"/>
             <a:r>
               <a:rPr lang="en-US" dirty="0" smtClean="0"/>
-              <a:t>JLAB : </a:t>
-            </a:r>
-            <a:r>
-              <a:rPr lang="en-US" dirty="0" err="1" smtClean="0"/>
-              <a:t>Dasuni</a:t>
-            </a:r>
+              <a:t>Preliminary results show acceptable dead time in experiment conditions</a:t>
+            </a:r>
+          </a:p>
+          <a:p>
+            <a:pPr lvl="1"/>
             <a:r>
               <a:rPr lang="en-US" dirty="0" smtClean="0"/>
-              <a:t> </a:t>
-            </a:r>
-            <a:r>
-              <a:rPr lang="en-US" dirty="0" err="1" smtClean="0"/>
-              <a:t>Adikaram</a:t>
-            </a:r>
-            <a:r>
-              <a:rPr lang="en-US" dirty="0" smtClean="0"/>
-              <a:t>, Mark Jones, </a:t>
-            </a:r>
-            <a:br>
-              <a:rPr lang="en-US" dirty="0" smtClean="0"/>
-            </a:br>
-            <a:r>
-              <a:rPr lang="en-US" dirty="0" smtClean="0"/>
-              <a:t>Robert Michaels, Bryan </a:t>
-            </a:r>
-            <a:r>
-              <a:rPr lang="en-US" dirty="0" err="1" smtClean="0"/>
-              <a:t>Moffit</a:t>
-            </a:r>
-            <a:r>
-              <a:rPr lang="en-US" dirty="0" smtClean="0"/>
-              <a:t>, William </a:t>
-            </a:r>
-            <a:r>
-              <a:rPr lang="en-US" dirty="0" err="1" smtClean="0"/>
-              <a:t>Gu</a:t>
-            </a:r>
-            <a:r>
-              <a:rPr lang="en-US" dirty="0" smtClean="0"/>
-              <a:t/>
+              <a:t>Need to develop software and check synchronization</a:t>
             </a:r>
             <a:br>
               <a:rPr lang="en-US" dirty="0" smtClean="0"/>
@@ -11954,98 +11764,21 @@
           <a:p>
             <a:r>
               <a:rPr lang="en-US" dirty="0" smtClean="0"/>
-              <a:t>MPD</a:t>
+              <a:t>HCAL: </a:t>
             </a:r>
           </a:p>
           <a:p>
             <a:pPr lvl="1"/>
             <a:r>
               <a:rPr lang="en-US" dirty="0" smtClean="0"/>
-              <a:t>INFN : </a:t>
-            </a:r>
-            <a:r>
-              <a:rPr lang="en-US" dirty="0" err="1" smtClean="0"/>
-              <a:t>Evaristo</a:t>
-            </a:r>
+              <a:t>FADC ready</a:t>
+            </a:r>
+          </a:p>
+          <a:p>
+            <a:pPr lvl="1"/>
             <a:r>
               <a:rPr lang="en-US" dirty="0" smtClean="0"/>
-              <a:t> </a:t>
-            </a:r>
-            <a:r>
-              <a:rPr lang="en-US" dirty="0" err="1" smtClean="0"/>
-              <a:t>Cisbani</a:t>
-            </a:r>
-            <a:r>
-              <a:rPr lang="en-US" dirty="0" smtClean="0"/>
-              <a:t>, Paolo </a:t>
-            </a:r>
-            <a:r>
-              <a:rPr lang="en-US" dirty="0" err="1" smtClean="0"/>
-              <a:t>Musico</a:t>
-            </a:r>
-            <a:endParaRPr lang="en-US" dirty="0" smtClean="0"/>
-          </a:p>
-          <a:p>
-            <a:pPr lvl="1"/>
-            <a:r>
-              <a:rPr lang="en-US" dirty="0" smtClean="0"/>
-              <a:t>UVA : </a:t>
-            </a:r>
-            <a:r>
-              <a:rPr lang="en-US" dirty="0" err="1" smtClean="0"/>
-              <a:t>Danning</a:t>
-            </a:r>
-            <a:r>
-              <a:rPr lang="en-US" dirty="0" smtClean="0"/>
-              <a:t> Di, Kondo </a:t>
-            </a:r>
-            <a:r>
-              <a:rPr lang="en-US" dirty="0" err="1" smtClean="0"/>
-              <a:t>Gnanvo</a:t>
-            </a:r>
-            <a:r>
-              <a:rPr lang="en-US" dirty="0" smtClean="0"/>
-              <a:t>, </a:t>
-            </a:r>
-            <a:r>
-              <a:rPr lang="en-US" dirty="0" err="1" smtClean="0"/>
-              <a:t>Nilanga</a:t>
-            </a:r>
-            <a:r>
-              <a:rPr lang="en-US" dirty="0" smtClean="0"/>
-              <a:t> </a:t>
-            </a:r>
-            <a:r>
-              <a:rPr lang="en-US" dirty="0" err="1" smtClean="0"/>
-              <a:t>Liyanage</a:t>
-            </a:r>
-            <a:endParaRPr lang="en-US" dirty="0"/>
-          </a:p>
-          <a:p>
-            <a:pPr lvl="1"/>
-            <a:r>
-              <a:rPr lang="en-US" dirty="0" smtClean="0"/>
-              <a:t>JLAB : Ben </a:t>
-            </a:r>
-            <a:r>
-              <a:rPr lang="en-US" dirty="0" err="1" smtClean="0"/>
-              <a:t>Raydo</a:t>
-            </a:r>
-            <a:r>
-              <a:rPr lang="en-US" dirty="0" smtClean="0"/>
-              <a:t>, Bryan </a:t>
-            </a:r>
-            <a:r>
-              <a:rPr lang="en-US" dirty="0" err="1" smtClean="0"/>
-              <a:t>Moffit</a:t>
-            </a:r>
-            <a:endParaRPr lang="en-US" dirty="0" smtClean="0"/>
-          </a:p>
-          <a:p>
-            <a:pPr lvl="1"/>
-            <a:r>
-              <a:rPr lang="en-US" dirty="0" smtClean="0"/>
-              <a:t>Stony Brook : Seamus Riordan</a:t>
+              <a:t>trigger implemented and being tested</a:t>
             </a:r>
             <a:br>
               <a:rPr lang="en-US" dirty="0" smtClean="0"/>
@@ -12055,33 +11788,38 @@
           <a:p>
             <a:r>
               <a:rPr lang="en-US" dirty="0" smtClean="0"/>
-              <a:t>HCAL</a:t>
+              <a:t>MPD: </a:t>
             </a:r>
           </a:p>
           <a:p>
             <a:pPr lvl="1"/>
             <a:r>
               <a:rPr lang="en-US" dirty="0" smtClean="0"/>
-              <a:t>JLAB : Alexandre Camsonne, Ben </a:t>
-            </a:r>
-            <a:r>
-              <a:rPr lang="en-US" dirty="0" err="1" smtClean="0"/>
-              <a:t>Raydo</a:t>
-            </a:r>
+              <a:t>CODA readout implemented</a:t>
+            </a:r>
+          </a:p>
+          <a:p>
+            <a:pPr lvl="1"/>
             <a:r>
               <a:rPr lang="en-US" dirty="0" smtClean="0"/>
-              <a:t>, </a:t>
+              <a:t>Debugging of the software driver</a:t>
+            </a:r>
+          </a:p>
+          <a:p>
+            <a:pPr lvl="1"/>
+            <a:r>
+              <a:rPr lang="en-US" dirty="0" smtClean="0"/>
+              <a:t>Optical readout in progress</a:t>
             </a:r>
             <a:br>
               <a:rPr lang="en-US" dirty="0" smtClean="0"/>
             </a:br>
+            <a:endParaRPr lang="en-US" dirty="0" smtClean="0"/>
+          </a:p>
+          <a:p>
             <a:r>
               <a:rPr lang="en-US" dirty="0" smtClean="0"/>
-              <a:t>Bryan </a:t>
-            </a:r>
-            <a:r>
-              <a:rPr lang="en-US" dirty="0" err="1" smtClean="0"/>
-              <a:t>Moffit</a:t>
+              <a:t>Small scale test setup in a few weeks</a:t>
             </a:r>
             <a:endParaRPr lang="en-US" dirty="0"/>
           </a:p>
@@ -12109,7 +11847,7 @@
           <a:p>
             <a:fld id="{B41FAE2C-98F2-4AEB-9028-7681F5825C1E}" type="datetimeFigureOut">
               <a:rPr lang="en-US" smtClean="0"/>
-              <a:t>11/4/2015</a:t>
+              <a:t>11/9/2015</a:t>
             </a:fld>
             <a:endParaRPr lang="en-US"/>
           </a:p>
@@ -12146,7 +11884,7 @@
     </p:spTree>
     <p:extLst>
       <p:ext uri="{BB962C8B-B14F-4D97-AF65-F5344CB8AC3E}">
-        <p14:creationId xmlns:p14="http://schemas.microsoft.com/office/powerpoint/2010/main" val="3351079420"/>
+        <p14:creationId xmlns:p14="http://schemas.microsoft.com/office/powerpoint/2010/main" val="163274671"/>
       </p:ext>
     </p:extLst>
   </p:cSld>
@@ -12285,7 +12023,7 @@
           <a:p>
             <a:fld id="{B41FAE2C-98F2-4AEB-9028-7681F5825C1E}" type="datetimeFigureOut">
               <a:rPr lang="en-US" smtClean="0"/>
-              <a:t>11/4/2015</a:t>
+              <a:t>11/9/2015</a:t>
             </a:fld>
             <a:endParaRPr lang="en-US"/>
           </a:p>
@@ -12358,7 +12096,7 @@
       </p:grpSpPr>
       <p:sp>
         <p:nvSpPr>
-          <p:cNvPr id="2" name="Title 1"/>
+          <p:cNvPr id="12" name="Title 11"/>
           <p:cNvSpPr>
             <a:spLocks noGrp="1"/>
           </p:cNvSpPr>
@@ -12373,7 +12111,7 @@
           <a:p>
             <a:r>
               <a:rPr lang="en-US" dirty="0" smtClean="0"/>
-              <a:t>Conclusion</a:t>
+              <a:t>Trigger Switching – near 5 kHz</a:t>
             </a:r>
             <a:endParaRPr lang="en-US" dirty="0"/>
           </a:p>
@@ -12381,152 +12119,7 @@
       </p:sp>
       <p:sp>
         <p:nvSpPr>
-          <p:cNvPr id="3" name="Content Placeholder 2"/>
-          <p:cNvSpPr>
-            <a:spLocks noGrp="1"/>
-          </p:cNvSpPr>
-          <p:nvPr>
-            <p:ph idx="1"/>
-          </p:nvPr>
-        </p:nvSpPr>
-        <p:spPr>
-          <a:xfrm>
-            <a:off x="457200" y="1143000"/>
-            <a:ext cx="8229600" cy="4525963"/>
-          </a:xfrm>
-        </p:spPr>
-        <p:txBody>
-          <a:bodyPr>
-            <a:normAutofit fontScale="70000" lnSpcReduction="20000"/>
-          </a:bodyPr>
-          <a:lstStyle/>
-          <a:p>
-            <a:r>
-              <a:rPr lang="en-US" dirty="0" smtClean="0"/>
-              <a:t>Fastbus flipping module close to be complete</a:t>
-            </a:r>
-          </a:p>
-          <a:p>
-            <a:pPr lvl="1"/>
-            <a:r>
-              <a:rPr lang="en-US" dirty="0" smtClean="0"/>
-              <a:t>Preliminary results show acceptable dead time in experiment conditions</a:t>
-            </a:r>
-          </a:p>
-          <a:p>
-            <a:pPr lvl="1"/>
-            <a:r>
-              <a:rPr lang="en-US" dirty="0" smtClean="0"/>
-              <a:t>Need to develop software and check </a:t>
-            </a:r>
-            <a:r>
-              <a:rPr lang="en-US" dirty="0" smtClean="0"/>
-              <a:t>synchronization</a:t>
-            </a:r>
-            <a:br>
-              <a:rPr lang="en-US" dirty="0" smtClean="0"/>
-            </a:br>
-            <a:endParaRPr lang="en-US" dirty="0" smtClean="0"/>
-          </a:p>
-          <a:p>
-            <a:r>
-              <a:rPr lang="en-US" dirty="0" smtClean="0"/>
-              <a:t>HCAL: </a:t>
-            </a:r>
-          </a:p>
-          <a:p>
-            <a:pPr lvl="1"/>
-            <a:r>
-              <a:rPr lang="en-US" dirty="0" smtClean="0"/>
-              <a:t>FADC ready</a:t>
-            </a:r>
-          </a:p>
-          <a:p>
-            <a:pPr lvl="1"/>
-            <a:r>
-              <a:rPr lang="en-US" dirty="0" smtClean="0"/>
-              <a:t>trigger </a:t>
-            </a:r>
-            <a:r>
-              <a:rPr lang="en-US" dirty="0" smtClean="0"/>
-              <a:t>implemented and being </a:t>
-            </a:r>
-            <a:r>
-              <a:rPr lang="en-US" dirty="0" smtClean="0"/>
-              <a:t>tested</a:t>
-            </a:r>
-            <a:br>
-              <a:rPr lang="en-US" dirty="0" smtClean="0"/>
-            </a:br>
-            <a:endParaRPr lang="en-US" dirty="0" smtClean="0"/>
-          </a:p>
-          <a:p>
-            <a:r>
-              <a:rPr lang="en-US" dirty="0" smtClean="0"/>
-              <a:t>MPD: </a:t>
-            </a:r>
-          </a:p>
-          <a:p>
-            <a:pPr lvl="1"/>
-            <a:r>
-              <a:rPr lang="en-US" dirty="0" smtClean="0"/>
-              <a:t>CODA </a:t>
-            </a:r>
-            <a:r>
-              <a:rPr lang="en-US" dirty="0" smtClean="0"/>
-              <a:t>readout </a:t>
-            </a:r>
-            <a:r>
-              <a:rPr lang="en-US" dirty="0" smtClean="0"/>
-              <a:t>implemented</a:t>
-            </a:r>
-          </a:p>
-          <a:p>
-            <a:pPr lvl="1"/>
-            <a:r>
-              <a:rPr lang="en-US" dirty="0" smtClean="0"/>
-              <a:t>Debugging </a:t>
-            </a:r>
-            <a:r>
-              <a:rPr lang="en-US" dirty="0" smtClean="0"/>
-              <a:t>of the </a:t>
-            </a:r>
-            <a:r>
-              <a:rPr lang="en-US" dirty="0" smtClean="0"/>
-              <a:t>software driver</a:t>
-            </a:r>
-          </a:p>
-          <a:p>
-            <a:pPr lvl="1"/>
-            <a:r>
-              <a:rPr lang="en-US" dirty="0" smtClean="0"/>
-              <a:t>Optical </a:t>
-            </a:r>
-            <a:r>
-              <a:rPr lang="en-US" dirty="0" smtClean="0"/>
-              <a:t>readout in </a:t>
-            </a:r>
-            <a:r>
-              <a:rPr lang="en-US" dirty="0" smtClean="0"/>
-              <a:t>progress</a:t>
-            </a:r>
-            <a:br>
-              <a:rPr lang="en-US" dirty="0" smtClean="0"/>
-            </a:br>
-            <a:endParaRPr lang="en-US" dirty="0" smtClean="0"/>
-          </a:p>
-          <a:p>
-            <a:r>
-              <a:rPr lang="en-US" dirty="0" smtClean="0"/>
-              <a:t>Small scale test setup in a few weeks</a:t>
-            </a:r>
-            <a:endParaRPr lang="en-US" dirty="0"/>
-          </a:p>
-        </p:txBody>
-      </p:sp>
-      <p:sp>
-        <p:nvSpPr>
-          <p:cNvPr id="4" name="Date Placeholder 6"/>
+          <p:cNvPr id="10" name="Date Placeholder 6"/>
           <p:cNvSpPr>
             <a:spLocks noGrp="1"/>
           </p:cNvSpPr>
@@ -12546,7 +12139,7 @@
           <a:p>
             <a:fld id="{B41FAE2C-98F2-4AEB-9028-7681F5825C1E}" type="datetimeFigureOut">
               <a:rPr lang="en-US" smtClean="0"/>
-              <a:t>11/4/2015</a:t>
+              <a:t>11/9/2015</a:t>
             </a:fld>
             <a:endParaRPr lang="en-US"/>
           </a:p>
@@ -12554,7 +12147,7 @@
       </p:sp>
       <p:sp>
         <p:nvSpPr>
-          <p:cNvPr id="6" name="Slide Number Placeholder 8"/>
+          <p:cNvPr id="14" name="Slide Number Placeholder 8"/>
           <p:cNvSpPr>
             <a:spLocks noGrp="1"/>
           </p:cNvSpPr>
@@ -12580,10 +12173,204 @@
           </a:p>
         </p:txBody>
       </p:sp>
+      <p:graphicFrame>
+        <p:nvGraphicFramePr>
+          <p:cNvPr id="13" name="Chart 12"/>
+          <p:cNvGraphicFramePr>
+            <a:graphicFrameLocks/>
+          </p:cNvGraphicFramePr>
+          <p:nvPr>
+            <p:extLst>
+              <p:ext uri="{D42A27DB-BD31-4B8C-83A1-F6EECF244321}">
+                <p14:modId xmlns:p14="http://schemas.microsoft.com/office/powerpoint/2010/main" val="2317742986"/>
+              </p:ext>
+            </p:extLst>
+          </p:nvPr>
+        </p:nvGraphicFramePr>
+        <p:xfrm>
+          <a:off x="685800" y="1143000"/>
+          <a:ext cx="7331277" cy="5022860"/>
+        </p:xfrm>
+        <a:graphic>
+          <a:graphicData uri="http://schemas.openxmlformats.org/drawingml/2006/chart">
+            <c:chart xmlns:c="http://schemas.openxmlformats.org/drawingml/2006/chart" xmlns:r="http://schemas.openxmlformats.org/officeDocument/2006/relationships" r:id="rId2"/>
+          </a:graphicData>
+        </a:graphic>
+      </p:graphicFrame>
+      <p:sp>
+        <p:nvSpPr>
+          <p:cNvPr id="15" name="TextBox 14"/>
+          <p:cNvSpPr txBox="1"/>
+          <p:nvPr/>
+        </p:nvSpPr>
+        <p:spPr>
+          <a:xfrm>
+            <a:off x="5586138" y="4692784"/>
+            <a:ext cx="1489378" cy="461665"/>
+          </a:xfrm>
+          <a:prstGeom prst="rect">
+            <a:avLst/>
+          </a:prstGeom>
+          <a:noFill/>
+        </p:spPr>
+        <p:txBody>
+          <a:bodyPr wrap="square" rtlCol="0">
+            <a:spAutoFit/>
+          </a:bodyPr>
+          <a:lstStyle/>
+          <a:p>
+            <a:r>
+              <a:rPr lang="en-US" sz="2400" dirty="0">
+                <a:solidFill>
+                  <a:srgbClr val="0000FF"/>
+                </a:solidFill>
+              </a:rPr>
+              <a:t>3</a:t>
+            </a:r>
+            <a:r>
+              <a:rPr lang="en-US" sz="2400" dirty="0" smtClean="0">
+                <a:solidFill>
+                  <a:srgbClr val="0000FF"/>
+                </a:solidFill>
+              </a:rPr>
+              <a:t> crates</a:t>
+            </a:r>
+            <a:endParaRPr lang="en-US" sz="2400" dirty="0">
+              <a:solidFill>
+                <a:srgbClr val="0000FF"/>
+              </a:solidFill>
+            </a:endParaRPr>
+          </a:p>
+        </p:txBody>
+      </p:sp>
+      <p:sp>
+        <p:nvSpPr>
+          <p:cNvPr id="16" name="TextBox 15"/>
+          <p:cNvSpPr txBox="1"/>
+          <p:nvPr/>
+        </p:nvSpPr>
+        <p:spPr>
+          <a:xfrm>
+            <a:off x="3610646" y="3579391"/>
+            <a:ext cx="1489378" cy="461665"/>
+          </a:xfrm>
+          <a:prstGeom prst="rect">
+            <a:avLst/>
+          </a:prstGeom>
+          <a:noFill/>
+        </p:spPr>
+        <p:txBody>
+          <a:bodyPr wrap="square" rtlCol="0">
+            <a:spAutoFit/>
+          </a:bodyPr>
+          <a:lstStyle/>
+          <a:p>
+            <a:r>
+              <a:rPr lang="en-US" sz="2400" dirty="0" smtClean="0">
+                <a:solidFill>
+                  <a:srgbClr val="FF0000"/>
+                </a:solidFill>
+              </a:rPr>
+              <a:t>2 crates</a:t>
+            </a:r>
+            <a:endParaRPr lang="en-US" sz="2400" dirty="0">
+              <a:solidFill>
+                <a:srgbClr val="FF0000"/>
+              </a:solidFill>
+            </a:endParaRPr>
+          </a:p>
+        </p:txBody>
+      </p:sp>
+      <p:sp>
+        <p:nvSpPr>
+          <p:cNvPr id="17" name="TextBox 16"/>
+          <p:cNvSpPr txBox="1"/>
+          <p:nvPr/>
+        </p:nvSpPr>
+        <p:spPr>
+          <a:xfrm>
+            <a:off x="2273668" y="2695166"/>
+            <a:ext cx="1489378" cy="461665"/>
+          </a:xfrm>
+          <a:prstGeom prst="rect">
+            <a:avLst/>
+          </a:prstGeom>
+          <a:noFill/>
+        </p:spPr>
+        <p:txBody>
+          <a:bodyPr wrap="square" rtlCol="0">
+            <a:spAutoFit/>
+          </a:bodyPr>
+          <a:lstStyle/>
+          <a:p>
+            <a:r>
+              <a:rPr lang="en-US" sz="2400" dirty="0" smtClean="0"/>
+              <a:t>1 crates</a:t>
+            </a:r>
+            <a:endParaRPr lang="en-US" sz="2400" dirty="0"/>
+          </a:p>
+        </p:txBody>
+      </p:sp>
+      <p:sp>
+        <p:nvSpPr>
+          <p:cNvPr id="2" name="Rectangle 1"/>
+          <p:cNvSpPr/>
+          <p:nvPr/>
+        </p:nvSpPr>
+        <p:spPr>
+          <a:xfrm>
+            <a:off x="791230" y="989929"/>
+            <a:ext cx="3243837" cy="369332"/>
+          </a:xfrm>
+          <a:prstGeom prst="rect">
+            <a:avLst/>
+          </a:prstGeom>
+        </p:spPr>
+        <p:txBody>
+          <a:bodyPr wrap="none">
+            <a:spAutoFit/>
+          </a:bodyPr>
+          <a:lstStyle/>
+          <a:p>
+            <a:r>
+              <a:rPr lang="en-US" b="1" dirty="0"/>
+              <a:t>No pedestal suppression (8ADC)</a:t>
+            </a:r>
+          </a:p>
+        </p:txBody>
+      </p:sp>
+      <p:sp>
+        <p:nvSpPr>
+          <p:cNvPr id="11" name="Rectangle 10"/>
+          <p:cNvSpPr/>
+          <p:nvPr/>
+        </p:nvSpPr>
+        <p:spPr>
+          <a:xfrm>
+            <a:off x="5715000" y="1005984"/>
+            <a:ext cx="2796407" cy="369332"/>
+          </a:xfrm>
+          <a:prstGeom prst="rect">
+            <a:avLst/>
+          </a:prstGeom>
+        </p:spPr>
+        <p:txBody>
+          <a:bodyPr wrap="none">
+            <a:spAutoFit/>
+          </a:bodyPr>
+          <a:lstStyle/>
+          <a:p>
+            <a:r>
+              <a:rPr lang="en-US" b="1" dirty="0"/>
+              <a:t>Readout trigger rate ~ 5kHz</a:t>
+            </a:r>
+          </a:p>
+        </p:txBody>
+      </p:sp>
     </p:spTree>
     <p:extLst>
       <p:ext uri="{BB962C8B-B14F-4D97-AF65-F5344CB8AC3E}">
-        <p14:creationId xmlns:p14="http://schemas.microsoft.com/office/powerpoint/2010/main" val="163274671"/>
+        <p14:creationId xmlns:p14="http://schemas.microsoft.com/office/powerpoint/2010/main" val="3728200618"/>
       </p:ext>
     </p:extLst>
   </p:cSld>
@@ -12930,7 +12717,7 @@
           <a:p>
             <a:fld id="{B41FAE2C-98F2-4AEB-9028-7681F5825C1E}" type="datetimeFigureOut">
               <a:rPr lang="en-US" smtClean="0"/>
-              <a:t>11/4/2015</a:t>
+              <a:t>11/9/2015</a:t>
             </a:fld>
             <a:endParaRPr lang="en-US"/>
           </a:p>
@@ -13142,7 +12929,7 @@
           <a:p>
             <a:fld id="{B41FAE2C-98F2-4AEB-9028-7681F5825C1E}" type="datetimeFigureOut">
               <a:rPr lang="en-US" smtClean="0"/>
-              <a:t>11/4/2015</a:t>
+              <a:t>11/9/2015</a:t>
             </a:fld>
             <a:endParaRPr lang="en-US"/>
           </a:p>
@@ -13244,8 +13031,8 @@
         </p:nvSpPr>
         <p:spPr>
           <a:xfrm>
-            <a:off x="536028" y="1219200"/>
-            <a:ext cx="6626772" cy="4401195"/>
+            <a:off x="536028" y="1495097"/>
+            <a:ext cx="8455572" cy="3631753"/>
           </a:xfrm>
           <a:prstGeom prst="rect">
             <a:avLst/>
@@ -13303,6 +13090,16 @@
               <a:t>,  </a:t>
             </a:r>
             <a:r>
+              <a:rPr lang="en-US" sz="2000" dirty="0" smtClean="0">
+                <a:solidFill>
+                  <a:srgbClr val="0070C0"/>
+                </a:solidFill>
+                <a:latin typeface="Minion Pro"/>
+                <a:cs typeface="Times New Roman" pitchFamily="18" charset="0"/>
+              </a:rPr>
+              <a:t>SFI,   aux</a:t>
+            </a:r>
+            <a:r>
               <a:rPr lang="en-US" sz="2000" dirty="0">
                 <a:solidFill>
                   <a:srgbClr val="0070C0"/>
@@ -13310,7 +13107,7 @@
                 <a:latin typeface="Minion Pro"/>
                 <a:cs typeface="Times New Roman" pitchFamily="18" charset="0"/>
               </a:rPr>
-              <a:t>aux. cards</a:t>
+              <a:t>. cards</a:t>
             </a:r>
           </a:p>
           <a:p>
@@ -13345,111 +13142,14 @@
               <a:buChar char="•"/>
             </a:pPr>
             <a:r>
-              <a:rPr lang="en-US" sz="2000" dirty="0">
+              <a:rPr lang="en-US" sz="2000" dirty="0" smtClean="0">
                 <a:solidFill>
-                  <a:srgbClr val="C00000"/>
+                  <a:srgbClr val="00B050"/>
                 </a:solidFill>
                 <a:latin typeface="Minion Pro"/>
                 <a:cs typeface="Times New Roman" pitchFamily="18" charset="0"/>
               </a:rPr>
-              <a:t>  </a:t>
-            </a:r>
-            <a:r>
-              <a:rPr lang="en-US" sz="2000" dirty="0" smtClean="0">
-                <a:solidFill>
-                  <a:srgbClr val="C00000"/>
-                </a:solidFill>
-                <a:latin typeface="Minion Pro"/>
-                <a:cs typeface="Times New Roman" pitchFamily="18" charset="0"/>
-              </a:rPr>
-              <a:t>Like to scrounge ~3 </a:t>
-            </a:r>
-            <a:r>
-              <a:rPr lang="en-US" sz="2000" dirty="0">
-                <a:solidFill>
-                  <a:srgbClr val="C00000"/>
-                </a:solidFill>
-                <a:latin typeface="Minion Pro"/>
-                <a:cs typeface="Times New Roman" pitchFamily="18" charset="0"/>
-              </a:rPr>
-              <a:t>more SFI </a:t>
-            </a:r>
-            <a:r>
-              <a:rPr lang="en-US" sz="1200" dirty="0">
-                <a:latin typeface="Minion Pro"/>
-                <a:cs typeface="Times New Roman" pitchFamily="18" charset="0"/>
-              </a:rPr>
-              <a:t>(Struck  </a:t>
-            </a:r>
-            <a:r>
-              <a:rPr lang="en-US" sz="1200" dirty="0" err="1">
-                <a:latin typeface="Minion Pro"/>
-                <a:cs typeface="Times New Roman" pitchFamily="18" charset="0"/>
-              </a:rPr>
-              <a:t>Fastbus</a:t>
-            </a:r>
-            <a:r>
-              <a:rPr lang="en-US" sz="1200" dirty="0">
-                <a:latin typeface="Minion Pro"/>
-                <a:cs typeface="Times New Roman" pitchFamily="18" charset="0"/>
-              </a:rPr>
-              <a:t> Interface)</a:t>
-            </a:r>
-          </a:p>
-          <a:p>
-            <a:pPr eaLnBrk="1" hangingPunct="1"/>
-            <a:r>
-              <a:rPr lang="en-US" dirty="0">
-                <a:solidFill>
-                  <a:schemeClr val="bg1">
-                    <a:lumMod val="50000"/>
-                  </a:schemeClr>
-                </a:solidFill>
-                <a:latin typeface="Minion Pro"/>
-                <a:cs typeface="Times New Roman" pitchFamily="18" charset="0"/>
-              </a:rPr>
-              <a:t>      </a:t>
-            </a:r>
-            <a:r>
-              <a:rPr lang="en-US" sz="1200" dirty="0">
-                <a:solidFill>
-                  <a:schemeClr val="bg1">
-                    <a:lumMod val="50000"/>
-                  </a:schemeClr>
-                </a:solidFill>
-                <a:latin typeface="Minion Pro"/>
-                <a:cs typeface="Times New Roman" pitchFamily="18" charset="0"/>
-              </a:rPr>
-              <a:t>(backup plan:  fewer crates, reduced performance)</a:t>
-            </a:r>
-          </a:p>
-          <a:p>
-            <a:pPr eaLnBrk="1" hangingPunct="1">
-              <a:buFont typeface="Arial" charset="0"/>
-              <a:buChar char="•"/>
-            </a:pPr>
-            <a:endParaRPr lang="en-US" sz="1200" dirty="0">
-              <a:solidFill>
-                <a:srgbClr val="0070C0"/>
-              </a:solidFill>
-              <a:latin typeface="Minion Pro"/>
-              <a:cs typeface="Times New Roman" pitchFamily="18" charset="0"/>
-            </a:endParaRPr>
-          </a:p>
-          <a:p>
-            <a:pPr eaLnBrk="1" hangingPunct="1">
-              <a:buFont typeface="Arial" charset="0"/>
-              <a:buChar char="•"/>
-            </a:pPr>
-            <a:r>
-              <a:rPr lang="en-US" sz="2000" dirty="0">
-                <a:solidFill>
-                  <a:srgbClr val="0070C0"/>
-                </a:solidFill>
-                <a:latin typeface="Minion Pro"/>
-                <a:cs typeface="Times New Roman" pitchFamily="18" charset="0"/>
-              </a:rPr>
-              <a:t>  </a:t>
+              <a:t> Making </a:t>
             </a:r>
             <a:r>
               <a:rPr lang="en-US" sz="2000" dirty="0">
@@ -13459,7 +13159,7 @@
                 <a:latin typeface="Minion Pro"/>
                 <a:cs typeface="Times New Roman" pitchFamily="18" charset="0"/>
               </a:rPr>
-              <a:t>Making FB </a:t>
+              <a:t>FB </a:t>
             </a:r>
             <a:r>
               <a:rPr lang="en-US" sz="2000" dirty="0" smtClean="0">
@@ -13623,17 +13323,7 @@
                 <a:latin typeface="Minion Pro"/>
                 <a:cs typeface="Times New Roman" pitchFamily="18" charset="0"/>
               </a:rPr>
-              <a:t>VME </a:t>
-            </a:r>
-            <a:r>
-              <a:rPr lang="en-US" dirty="0">
-                <a:solidFill>
-                  <a:srgbClr val="0070C0"/>
-                </a:solidFill>
-                <a:latin typeface="Minion Pro"/>
-                <a:cs typeface="Times New Roman" pitchFamily="18" charset="0"/>
-              </a:rPr>
-              <a:t>– </a:t>
+              <a:t>VME – </a:t>
             </a:r>
             <a:r>
               <a:rPr lang="en-US" dirty="0" smtClean="0">
@@ -13815,7 +13505,7 @@
         </p:blipFill>
         <p:spPr>
           <a:xfrm rot="5400000">
-            <a:off x="5801917" y="2808684"/>
+            <a:off x="5725717" y="2551181"/>
             <a:ext cx="3000702" cy="2869735"/>
           </a:xfrm>
           <a:prstGeom prst="rect">
@@ -13831,7 +13521,7 @@
         </p:nvCxnSpPr>
         <p:spPr>
           <a:xfrm>
-            <a:off x="4934610" y="5507420"/>
+            <a:off x="4800600" y="4619297"/>
             <a:ext cx="762000" cy="0"/>
           </a:xfrm>
           <a:prstGeom prst="straightConnector1">
@@ -13870,7 +13560,7 @@
         </p:nvSpPr>
         <p:spPr>
           <a:xfrm>
-            <a:off x="3657600" y="1603316"/>
+            <a:off x="3657600" y="1879213"/>
             <a:ext cx="889647" cy="461665"/>
           </a:xfrm>
           <a:prstGeom prst="rect">
@@ -13913,7 +13603,7 @@
         </p:nvSpPr>
         <p:spPr>
           <a:xfrm>
-            <a:off x="2667000" y="1614177"/>
+            <a:off x="2667000" y="1890074"/>
             <a:ext cx="889647" cy="461665"/>
           </a:xfrm>
           <a:prstGeom prst="rect">
@@ -13956,8 +13646,8 @@
         </p:nvSpPr>
         <p:spPr>
           <a:xfrm>
-            <a:off x="4571408" y="1600200"/>
-            <a:ext cx="889647" cy="461665"/>
+            <a:off x="4575812" y="1876097"/>
+            <a:ext cx="880839" cy="461665"/>
           </a:xfrm>
           <a:prstGeom prst="rect">
             <a:avLst/>
@@ -14013,7 +13703,7 @@
           <a:p>
             <a:fld id="{B41FAE2C-98F2-4AEB-9028-7681F5825C1E}" type="datetimeFigureOut">
               <a:rPr lang="en-US" smtClean="0"/>
-              <a:t>11/4/2015</a:t>
+              <a:t>11/9/2015</a:t>
             </a:fld>
             <a:endParaRPr lang="en-US"/>
           </a:p>
@@ -14044,6 +13734,118 @@
               <a:t>5</a:t>
             </a:fld>
             <a:endParaRPr lang="en-US"/>
+          </a:p>
+        </p:txBody>
+      </p:sp>
+      <p:sp>
+        <p:nvSpPr>
+          <p:cNvPr id="14" name="TextBox 13"/>
+          <p:cNvSpPr txBox="1"/>
+          <p:nvPr/>
+        </p:nvSpPr>
+        <p:spPr>
+          <a:xfrm>
+            <a:off x="6248400" y="1871642"/>
+            <a:ext cx="1981200" cy="461655"/>
+          </a:xfrm>
+          <a:prstGeom prst="rect">
+            <a:avLst/>
+          </a:prstGeom>
+          <a:noFill/>
+        </p:spPr>
+        <p:txBody>
+          <a:bodyPr wrap="square" lIns="91430" tIns="45715" rIns="91430" bIns="45715" rtlCol="0">
+            <a:spAutoFit/>
+          </a:bodyPr>
+          <a:lstStyle/>
+          <a:p>
+            <a:pPr eaLnBrk="1" hangingPunct="1"/>
+            <a:r>
+              <a:rPr lang="en-US" sz="1200" dirty="0" smtClean="0">
+                <a:latin typeface="Minion Pro"/>
+                <a:cs typeface="Times New Roman" pitchFamily="18" charset="0"/>
+              </a:rPr>
+              <a:t>have  15 (20 being made)</a:t>
+            </a:r>
+            <a:endParaRPr lang="en-US" sz="1200" dirty="0">
+              <a:latin typeface="Minion Pro"/>
+              <a:cs typeface="Times New Roman" pitchFamily="18" charset="0"/>
+            </a:endParaRPr>
+          </a:p>
+          <a:p>
+            <a:pPr eaLnBrk="1" hangingPunct="1"/>
+            <a:r>
+              <a:rPr lang="en-US" sz="1200" dirty="0">
+                <a:latin typeface="Minion Pro"/>
+                <a:cs typeface="Times New Roman" pitchFamily="18" charset="0"/>
+              </a:rPr>
+              <a:t>need  </a:t>
+            </a:r>
+            <a:r>
+              <a:rPr lang="en-US" sz="1200" dirty="0" smtClean="0">
+                <a:latin typeface="Minion Pro"/>
+                <a:cs typeface="Times New Roman" pitchFamily="18" charset="0"/>
+              </a:rPr>
+              <a:t>30</a:t>
+            </a:r>
+            <a:endParaRPr lang="en-US" sz="1200" dirty="0">
+              <a:latin typeface="Minion Pro"/>
+              <a:cs typeface="Times New Roman" pitchFamily="18" charset="0"/>
+            </a:endParaRPr>
+          </a:p>
+        </p:txBody>
+      </p:sp>
+      <p:sp>
+        <p:nvSpPr>
+          <p:cNvPr id="16" name="TextBox 15"/>
+          <p:cNvSpPr txBox="1"/>
+          <p:nvPr/>
+        </p:nvSpPr>
+        <p:spPr>
+          <a:xfrm>
+            <a:off x="5426980" y="1876096"/>
+            <a:ext cx="880839" cy="461665"/>
+          </a:xfrm>
+          <a:prstGeom prst="rect">
+            <a:avLst/>
+          </a:prstGeom>
+          <a:noFill/>
+        </p:spPr>
+        <p:txBody>
+          <a:bodyPr wrap="square" lIns="91430" tIns="45715" rIns="91430" bIns="45715" rtlCol="0">
+            <a:spAutoFit/>
+          </a:bodyPr>
+          <a:lstStyle/>
+          <a:p>
+            <a:pPr eaLnBrk="1" hangingPunct="1"/>
+            <a:r>
+              <a:rPr lang="en-US" sz="1200" dirty="0">
+                <a:latin typeface="Minion Pro"/>
+                <a:cs typeface="Times New Roman" pitchFamily="18" charset="0"/>
+              </a:rPr>
+              <a:t>have  </a:t>
+            </a:r>
+            <a:r>
+              <a:rPr lang="en-US" sz="1200" dirty="0" smtClean="0">
+                <a:latin typeface="Minion Pro"/>
+                <a:cs typeface="Times New Roman" pitchFamily="18" charset="0"/>
+              </a:rPr>
+              <a:t>21</a:t>
+            </a:r>
+            <a:endParaRPr lang="en-US" sz="1200" dirty="0">
+              <a:latin typeface="Minion Pro"/>
+              <a:cs typeface="Times New Roman" pitchFamily="18" charset="0"/>
+            </a:endParaRPr>
+          </a:p>
+          <a:p>
+            <a:pPr eaLnBrk="1" hangingPunct="1"/>
+            <a:r>
+              <a:rPr lang="en-US" sz="1200" dirty="0">
+                <a:latin typeface="Minion Pro"/>
+                <a:cs typeface="Times New Roman" pitchFamily="18" charset="0"/>
+              </a:rPr>
+              <a:t>need  21</a:t>
+            </a:r>
           </a:p>
         </p:txBody>
       </p:sp>
@@ -14526,7 +14328,7 @@
           <a:p>
             <a:fld id="{B41FAE2C-98F2-4AEB-9028-7681F5825C1E}" type="datetimeFigureOut">
               <a:rPr lang="en-US" smtClean="0"/>
-              <a:t>11/4/2015</a:t>
+              <a:t>11/9/2015</a:t>
             </a:fld>
             <a:endParaRPr lang="en-US" dirty="0"/>
           </a:p>
@@ -14631,9 +14433,6 @@
               </a:rPr>
               <a:t> SBS Trigger block diagram</a:t>
             </a:r>
-            <a:endParaRPr lang="en-US" sz="3800" dirty="0">
-              <a:latin typeface="Minion Pro"/>
-            </a:endParaRPr>
           </a:p>
         </p:txBody>
       </p:sp>
@@ -14688,7 +14487,7 @@
         </p:nvSpPr>
         <p:spPr>
           <a:xfrm>
-            <a:off x="5037190" y="1623415"/>
+            <a:off x="5037190" y="1739736"/>
             <a:ext cx="508000" cy="190500"/>
           </a:xfrm>
           <a:prstGeom prst="rect">
@@ -14776,8 +14575,8 @@
         </p:nvSpPr>
         <p:spPr>
           <a:xfrm>
-            <a:off x="1256617" y="935953"/>
-            <a:ext cx="1159919" cy="1472190"/>
+            <a:off x="1306791" y="935953"/>
+            <a:ext cx="1059570" cy="1179802"/>
           </a:xfrm>
           <a:prstGeom prst="rect">
             <a:avLst/>
@@ -14791,20 +14590,17 @@
           <a:lstStyle/>
           <a:p>
             <a:pPr algn="ctr"/>
-            <a:r>
-              <a:rPr lang="en-US" sz="1700" dirty="0"/>
-              <a:t>Local Trigger</a:t>
-            </a:r>
+            <a:endParaRPr lang="en-US" sz="1500" dirty="0" smtClean="0"/>
           </a:p>
           <a:p>
             <a:pPr algn="ctr"/>
-            <a:endParaRPr lang="en-US" sz="1700" dirty="0"/>
-          </a:p>
-          <a:p>
-            <a:pPr algn="ctr"/>
+            <a:r>
+              <a:rPr lang="en-US" sz="1500" dirty="0" smtClean="0"/>
+              <a:t>Lookup </a:t>
+            </a:r>
             <a:r>
               <a:rPr lang="en-US" sz="1500" dirty="0"/>
-              <a:t>Lookup table</a:t>
+              <a:t>table</a:t>
             </a:r>
           </a:p>
           <a:p>
@@ -14824,7 +14620,6 @@
               <a:rPr lang="en-US" sz="1500" dirty="0"/>
               <a:t>Trigger Rule</a:t>
             </a:r>
-            <a:endParaRPr lang="en-US" sz="1500" dirty="0"/>
           </a:p>
         </p:txBody>
       </p:sp>
@@ -14862,7 +14657,6 @@
               <a:rPr lang="en-US" sz="1500" dirty="0"/>
               <a:t>distribution</a:t>
             </a:r>
-            <a:endParaRPr lang="en-US" sz="1500" dirty="0"/>
           </a:p>
         </p:txBody>
       </p:sp>
@@ -14874,7 +14668,7 @@
         </p:nvSpPr>
         <p:spPr>
           <a:xfrm>
-            <a:off x="5037190" y="1581081"/>
+            <a:off x="5037190" y="1692132"/>
             <a:ext cx="485443" cy="256481"/>
           </a:xfrm>
           <a:prstGeom prst="rect">
@@ -14893,76 +14687,6 @@
               <a:rPr lang="en-US" sz="1500" dirty="0"/>
               <a:t>Delay</a:t>
             </a:r>
-            <a:endParaRPr lang="en-US" sz="1500" dirty="0"/>
-          </a:p>
-        </p:txBody>
-      </p:sp>
-      <p:cxnSp>
-        <p:nvCxnSpPr>
-          <p:cNvPr id="3" name="Straight Arrow Connector 2"/>
-          <p:cNvCxnSpPr/>
-          <p:nvPr/>
-        </p:nvCxnSpPr>
-        <p:spPr>
-          <a:xfrm>
-            <a:off x="486357" y="1127218"/>
-            <a:ext cx="723284" cy="0"/>
-          </a:xfrm>
-          <a:prstGeom prst="straightConnector1">
-            <a:avLst/>
-          </a:prstGeom>
-          <a:ln>
-            <a:tailEnd type="arrow"/>
-          </a:ln>
-        </p:spPr>
-        <p:style>
-          <a:lnRef idx="1">
-            <a:schemeClr val="accent1"/>
-          </a:lnRef>
-          <a:fillRef idx="0">
-            <a:schemeClr val="accent1"/>
-          </a:fillRef>
-          <a:effectRef idx="0">
-            <a:schemeClr val="accent1"/>
-          </a:effectRef>
-          <a:fontRef idx="minor">
-            <a:schemeClr val="tx1"/>
-          </a:fontRef>
-        </p:style>
-      </p:cxnSp>
-      <p:sp>
-        <p:nvSpPr>
-          <p:cNvPr id="4" name="TextBox 3"/>
-          <p:cNvSpPr txBox="1"/>
-          <p:nvPr/>
-        </p:nvSpPr>
-        <p:spPr>
-          <a:xfrm>
-            <a:off x="486357" y="982499"/>
-            <a:ext cx="730955" cy="302639"/>
-          </a:xfrm>
-          <a:prstGeom prst="rect">
-            <a:avLst/>
-          </a:prstGeom>
-          <a:noFill/>
-        </p:spPr>
-        <p:txBody>
-          <a:bodyPr wrap="none" lIns="25393" tIns="12696" rIns="25393" bIns="12696" rtlCol="0">
-            <a:spAutoFit/>
-          </a:bodyPr>
-          <a:lstStyle/>
-          <a:p>
-            <a:r>
-              <a:rPr lang="en-US" sz="900" dirty="0"/>
-              <a:t>VME reg. 0x6C</a:t>
-            </a:r>
-          </a:p>
-          <a:p>
-            <a:r>
-              <a:rPr lang="en-US" sz="900" dirty="0"/>
-              <a:t>Program table</a:t>
-            </a:r>
-            <a:endParaRPr lang="en-US" sz="900" dirty="0"/>
           </a:p>
         </p:txBody>
       </p:sp>
@@ -15002,36 +14726,6 @@
           </a:fontRef>
         </p:style>
       </p:cxnSp>
-      <p:sp>
-        <p:nvSpPr>
-          <p:cNvPr id="134" name="TextBox 133"/>
-          <p:cNvSpPr txBox="1"/>
-          <p:nvPr/>
-        </p:nvSpPr>
-        <p:spPr>
-          <a:xfrm>
-            <a:off x="2613359" y="856750"/>
-            <a:ext cx="591494" cy="164139"/>
-          </a:xfrm>
-          <a:prstGeom prst="rect">
-            <a:avLst/>
-          </a:prstGeom>
-          <a:noFill/>
-        </p:spPr>
-        <p:txBody>
-          <a:bodyPr wrap="none" lIns="25393" tIns="12696" rIns="25393" bIns="12696" rtlCol="0">
-            <a:spAutoFit/>
-          </a:bodyPr>
-          <a:lstStyle/>
-          <a:p>
-            <a:r>
-              <a:rPr lang="en-US" sz="900" b="1" dirty="0"/>
-              <a:t>L5/6, BIP#1</a:t>
-            </a:r>
-            <a:endParaRPr lang="en-US" sz="900" b="1" dirty="0"/>
-          </a:p>
-        </p:txBody>
-      </p:sp>
       <p:cxnSp>
         <p:nvCxnSpPr>
           <p:cNvPr id="136" name="Straight Arrow Connector 135"/>
@@ -15068,36 +14762,6 @@
           </a:fontRef>
         </p:style>
       </p:cxnSp>
-      <p:sp>
-        <p:nvSpPr>
-          <p:cNvPr id="138" name="TextBox 137"/>
-          <p:cNvSpPr txBox="1"/>
-          <p:nvPr/>
-        </p:nvSpPr>
-        <p:spPr>
-          <a:xfrm>
-            <a:off x="482829" y="2192467"/>
-            <a:ext cx="784264" cy="164139"/>
-          </a:xfrm>
-          <a:prstGeom prst="rect">
-            <a:avLst/>
-          </a:prstGeom>
-          <a:noFill/>
-        </p:spPr>
-        <p:txBody>
-          <a:bodyPr wrap="square" lIns="25393" tIns="12696" rIns="25393" bIns="12696" rtlCol="0">
-            <a:spAutoFit/>
-          </a:bodyPr>
-          <a:lstStyle/>
-          <a:p>
-            <a:r>
-              <a:rPr lang="en-US" sz="900" b="1" dirty="0"/>
-              <a:t>UL9/10, TRG#5</a:t>
-            </a:r>
-            <a:endParaRPr lang="en-US" sz="900" b="1" dirty="0"/>
-          </a:p>
-        </p:txBody>
-      </p:sp>
       <p:cxnSp>
         <p:nvCxnSpPr>
           <p:cNvPr id="140" name="Straight Arrow Connector 139"/>
@@ -15134,36 +14798,6 @@
           </a:fontRef>
         </p:style>
       </p:cxnSp>
-      <p:sp>
-        <p:nvSpPr>
-          <p:cNvPr id="141" name="TextBox 140"/>
-          <p:cNvSpPr txBox="1"/>
-          <p:nvPr/>
-        </p:nvSpPr>
-        <p:spPr>
-          <a:xfrm>
-            <a:off x="2607690" y="1345453"/>
-            <a:ext cx="706911" cy="164139"/>
-          </a:xfrm>
-          <a:prstGeom prst="rect">
-            <a:avLst/>
-          </a:prstGeom>
-          <a:noFill/>
-        </p:spPr>
-        <p:txBody>
-          <a:bodyPr wrap="none" lIns="25393" tIns="12696" rIns="25393" bIns="12696" rtlCol="0">
-            <a:spAutoFit/>
-          </a:bodyPr>
-          <a:lstStyle/>
-          <a:p>
-            <a:r>
-              <a:rPr lang="en-US" sz="900" b="1" dirty="0"/>
-              <a:t>L11/12, BIP#4</a:t>
-            </a:r>
-            <a:endParaRPr lang="en-US" sz="900" b="1" dirty="0"/>
-          </a:p>
-        </p:txBody>
-      </p:sp>
       <p:cxnSp>
         <p:nvCxnSpPr>
           <p:cNvPr id="144" name="Straight Arrow Connector 143"/>
@@ -15200,36 +14834,6 @@
           </a:fontRef>
         </p:style>
       </p:cxnSp>
-      <p:sp>
-        <p:nvSpPr>
-          <p:cNvPr id="149" name="TextBox 148"/>
-          <p:cNvSpPr txBox="1"/>
-          <p:nvPr/>
-        </p:nvSpPr>
-        <p:spPr>
-          <a:xfrm>
-            <a:off x="2613359" y="1184274"/>
-            <a:ext cx="649203" cy="164139"/>
-          </a:xfrm>
-          <a:prstGeom prst="rect">
-            <a:avLst/>
-          </a:prstGeom>
-          <a:noFill/>
-        </p:spPr>
-        <p:txBody>
-          <a:bodyPr wrap="none" lIns="25393" tIns="12696" rIns="25393" bIns="12696" rtlCol="0">
-            <a:spAutoFit/>
-          </a:bodyPr>
-          <a:lstStyle/>
-          <a:p>
-            <a:r>
-              <a:rPr lang="en-US" sz="900" b="1" dirty="0"/>
-              <a:t>L9/10, BIP#3</a:t>
-            </a:r>
-            <a:endParaRPr lang="en-US" sz="900" b="1" dirty="0"/>
-          </a:p>
-        </p:txBody>
-      </p:sp>
       <p:cxnSp>
         <p:nvCxnSpPr>
           <p:cNvPr id="150" name="Straight Arrow Connector 149"/>
@@ -15266,36 +14870,6 @@
           </a:fontRef>
         </p:style>
       </p:cxnSp>
-      <p:sp>
-        <p:nvSpPr>
-          <p:cNvPr id="151" name="TextBox 150"/>
-          <p:cNvSpPr txBox="1"/>
-          <p:nvPr/>
-        </p:nvSpPr>
-        <p:spPr>
-          <a:xfrm>
-            <a:off x="2613806" y="1021836"/>
-            <a:ext cx="591494" cy="164139"/>
-          </a:xfrm>
-          <a:prstGeom prst="rect">
-            <a:avLst/>
-          </a:prstGeom>
-          <a:noFill/>
-        </p:spPr>
-        <p:txBody>
-          <a:bodyPr wrap="none" lIns="25393" tIns="12696" rIns="25393" bIns="12696" rtlCol="0">
-            <a:spAutoFit/>
-          </a:bodyPr>
-          <a:lstStyle/>
-          <a:p>
-            <a:r>
-              <a:rPr lang="en-US" sz="900" b="1" dirty="0"/>
-              <a:t>L7/8, BIP#2</a:t>
-            </a:r>
-            <a:endParaRPr lang="en-US" sz="900" b="1" dirty="0"/>
-          </a:p>
-        </p:txBody>
-      </p:sp>
       <p:cxnSp>
         <p:nvCxnSpPr>
           <p:cNvPr id="11" name="Straight Arrow Connector 10"/>
@@ -15333,14 +14907,14 @@
       </p:cxnSp>
       <p:cxnSp>
         <p:nvCxnSpPr>
-          <p:cNvPr id="152" name="Straight Arrow Connector 151"/>
+          <p:cNvPr id="155" name="Straight Arrow Connector 154"/>
           <p:cNvCxnSpPr/>
           <p:nvPr/>
         </p:nvCxnSpPr>
         <p:spPr>
           <a:xfrm>
-            <a:off x="2641110" y="2260862"/>
-            <a:ext cx="659784" cy="0"/>
+            <a:off x="4330362" y="1038070"/>
+            <a:ext cx="685749" cy="0"/>
           </a:xfrm>
           <a:prstGeom prst="straightConnector1">
             <a:avLst/>
@@ -15364,58 +14938,16 @@
           </a:fontRef>
         </p:style>
       </p:cxnSp>
-      <p:sp>
-        <p:nvSpPr>
-          <p:cNvPr id="153" name="TextBox 152"/>
-          <p:cNvSpPr txBox="1"/>
-          <p:nvPr/>
-        </p:nvSpPr>
-        <p:spPr>
-          <a:xfrm>
-            <a:off x="2607690" y="2111248"/>
-            <a:ext cx="668439" cy="441138"/>
-          </a:xfrm>
-          <a:prstGeom prst="rect">
-            <a:avLst/>
-          </a:prstGeom>
-          <a:noFill/>
-        </p:spPr>
-        <p:txBody>
-          <a:bodyPr wrap="none" lIns="25393" tIns="12696" rIns="25393" bIns="12696" rtlCol="0">
-            <a:spAutoFit/>
-          </a:bodyPr>
-          <a:lstStyle/>
-          <a:p>
-            <a:r>
-              <a:rPr lang="en-US" sz="900" dirty="0"/>
-              <a:t>VME 0x28 </a:t>
-            </a:r>
-          </a:p>
-          <a:p>
-            <a:r>
-              <a:rPr lang="en-US" sz="900" dirty="0"/>
-              <a:t>Bit(16:12)</a:t>
-            </a:r>
-          </a:p>
-          <a:p>
-            <a:r>
-              <a:rPr lang="en-US" sz="900" dirty="0"/>
-              <a:t>DAQ# enable</a:t>
-            </a:r>
-            <a:endParaRPr lang="en-US" sz="900" dirty="0"/>
-          </a:p>
-        </p:txBody>
-      </p:sp>
       <p:cxnSp>
         <p:nvCxnSpPr>
-          <p:cNvPr id="155" name="Straight Arrow Connector 154"/>
+          <p:cNvPr id="158" name="Straight Arrow Connector 157"/>
           <p:cNvCxnSpPr/>
           <p:nvPr/>
         </p:nvCxnSpPr>
         <p:spPr>
           <a:xfrm>
-            <a:off x="4330362" y="1038070"/>
-            <a:ext cx="685749" cy="0"/>
+            <a:off x="4322907" y="1558075"/>
+            <a:ext cx="698894" cy="0"/>
           </a:xfrm>
           <a:prstGeom prst="straightConnector1">
             <a:avLst/>
@@ -15439,45 +14971,15 @@
           </a:fontRef>
         </p:style>
       </p:cxnSp>
-      <p:sp>
-        <p:nvSpPr>
-          <p:cNvPr id="156" name="TextBox 155"/>
-          <p:cNvSpPr txBox="1"/>
-          <p:nvPr/>
-        </p:nvSpPr>
-        <p:spPr>
-          <a:xfrm>
-            <a:off x="4322907" y="888456"/>
-            <a:ext cx="621951" cy="164139"/>
-          </a:xfrm>
-          <a:prstGeom prst="rect">
-            <a:avLst/>
-          </a:prstGeom>
-          <a:noFill/>
-        </p:spPr>
-        <p:txBody>
-          <a:bodyPr wrap="none" lIns="25393" tIns="12696" rIns="25393" bIns="12696" rtlCol="0">
-            <a:spAutoFit/>
-          </a:bodyPr>
-          <a:lstStyle/>
-          <a:p>
-            <a:r>
-              <a:rPr lang="en-US" sz="900" dirty="0"/>
-              <a:t>Local TRG#1</a:t>
-            </a:r>
-            <a:endParaRPr lang="en-US" sz="900" dirty="0"/>
-          </a:p>
-        </p:txBody>
-      </p:sp>
       <p:cxnSp>
         <p:nvCxnSpPr>
-          <p:cNvPr id="158" name="Straight Arrow Connector 157"/>
+          <p:cNvPr id="160" name="Straight Arrow Connector 159"/>
           <p:cNvCxnSpPr/>
           <p:nvPr/>
         </p:nvCxnSpPr>
         <p:spPr>
           <a:xfrm>
-            <a:off x="4322907" y="1558075"/>
+            <a:off x="4315759" y="1371412"/>
             <a:ext cx="698894" cy="0"/>
           </a:xfrm>
           <a:prstGeom prst="straightConnector1">
@@ -15502,46 +15004,16 @@
           </a:fontRef>
         </p:style>
       </p:cxnSp>
-      <p:sp>
-        <p:nvSpPr>
-          <p:cNvPr id="159" name="TextBox 158"/>
-          <p:cNvSpPr txBox="1"/>
-          <p:nvPr/>
-        </p:nvSpPr>
-        <p:spPr>
-          <a:xfrm>
-            <a:off x="4325437" y="1413847"/>
-            <a:ext cx="621951" cy="164139"/>
-          </a:xfrm>
-          <a:prstGeom prst="rect">
-            <a:avLst/>
-          </a:prstGeom>
-          <a:noFill/>
-        </p:spPr>
-        <p:txBody>
-          <a:bodyPr wrap="none" lIns="25393" tIns="12696" rIns="25393" bIns="12696" rtlCol="0">
-            <a:spAutoFit/>
-          </a:bodyPr>
-          <a:lstStyle/>
-          <a:p>
-            <a:r>
-              <a:rPr lang="en-US" sz="900" dirty="0"/>
-              <a:t>Local TRG#4</a:t>
-            </a:r>
-            <a:endParaRPr lang="en-US" sz="900" dirty="0"/>
-          </a:p>
-        </p:txBody>
-      </p:sp>
       <p:cxnSp>
         <p:nvCxnSpPr>
-          <p:cNvPr id="160" name="Straight Arrow Connector 159"/>
+          <p:cNvPr id="163" name="Straight Arrow Connector 162"/>
           <p:cNvCxnSpPr/>
           <p:nvPr/>
         </p:nvCxnSpPr>
         <p:spPr>
           <a:xfrm>
-            <a:off x="4315759" y="1371412"/>
-            <a:ext cx="698894" cy="0"/>
+            <a:off x="4328904" y="1200508"/>
+            <a:ext cx="685749" cy="0"/>
           </a:xfrm>
           <a:prstGeom prst="straightConnector1">
             <a:avLst/>
@@ -15567,106 +15039,13 @@
       </p:cxnSp>
       <p:sp>
         <p:nvSpPr>
-          <p:cNvPr id="161" name="TextBox 160"/>
-          <p:cNvSpPr txBox="1"/>
-          <p:nvPr/>
-        </p:nvSpPr>
-        <p:spPr>
-          <a:xfrm>
-            <a:off x="4321449" y="1221798"/>
-            <a:ext cx="621951" cy="164139"/>
-          </a:xfrm>
-          <a:prstGeom prst="rect">
-            <a:avLst/>
-          </a:prstGeom>
-          <a:noFill/>
-        </p:spPr>
-        <p:txBody>
-          <a:bodyPr wrap="none" lIns="25393" tIns="12696" rIns="25393" bIns="12696" rtlCol="0">
-            <a:spAutoFit/>
-          </a:bodyPr>
-          <a:lstStyle/>
-          <a:p>
-            <a:r>
-              <a:rPr lang="en-US" sz="900" dirty="0"/>
-              <a:t>Local TRG#3</a:t>
-            </a:r>
-            <a:endParaRPr lang="en-US" sz="900" dirty="0"/>
-          </a:p>
-        </p:txBody>
-      </p:sp>
-      <p:cxnSp>
-        <p:nvCxnSpPr>
-          <p:cNvPr id="163" name="Straight Arrow Connector 162"/>
-          <p:cNvCxnSpPr/>
-          <p:nvPr/>
-        </p:nvCxnSpPr>
-        <p:spPr>
-          <a:xfrm>
-            <a:off x="4328904" y="1200508"/>
-            <a:ext cx="685749" cy="0"/>
-          </a:xfrm>
-          <a:prstGeom prst="straightConnector1">
-            <a:avLst/>
-          </a:prstGeom>
-          <a:ln w="25400">
-            <a:tailEnd type="arrow"/>
-          </a:ln>
-        </p:spPr>
-        <p:style>
-          <a:lnRef idx="1">
-            <a:schemeClr val="accent1"/>
-          </a:lnRef>
-          <a:fillRef idx="0">
-            <a:schemeClr val="accent1"/>
-          </a:fillRef>
-          <a:effectRef idx="0">
-            <a:schemeClr val="accent1"/>
-          </a:effectRef>
-          <a:fontRef idx="minor">
-            <a:schemeClr val="tx1"/>
-          </a:fontRef>
-        </p:style>
-      </p:cxnSp>
-      <p:sp>
-        <p:nvSpPr>
-          <p:cNvPr id="165" name="TextBox 164"/>
-          <p:cNvSpPr txBox="1"/>
-          <p:nvPr/>
-        </p:nvSpPr>
-        <p:spPr>
-          <a:xfrm>
-            <a:off x="4321450" y="1050894"/>
-            <a:ext cx="621951" cy="164139"/>
-          </a:xfrm>
-          <a:prstGeom prst="rect">
-            <a:avLst/>
-          </a:prstGeom>
-          <a:noFill/>
-        </p:spPr>
-        <p:txBody>
-          <a:bodyPr wrap="none" lIns="25393" tIns="12696" rIns="25393" bIns="12696" rtlCol="0">
-            <a:spAutoFit/>
-          </a:bodyPr>
-          <a:lstStyle/>
-          <a:p>
-            <a:r>
-              <a:rPr lang="en-US" sz="900" dirty="0"/>
-              <a:t>Local TRG#2</a:t>
-            </a:r>
-            <a:endParaRPr lang="en-US" sz="900" dirty="0"/>
-          </a:p>
-        </p:txBody>
-      </p:sp>
-      <p:sp>
-        <p:nvSpPr>
           <p:cNvPr id="167" name="Rectangle 166"/>
           <p:cNvSpPr/>
           <p:nvPr/>
         </p:nvSpPr>
         <p:spPr>
           <a:xfrm>
-            <a:off x="5037190" y="2089101"/>
+            <a:off x="5037190" y="2205422"/>
             <a:ext cx="508000" cy="190500"/>
           </a:xfrm>
           <a:prstGeom prst="rect">
@@ -15711,7 +15090,7 @@
         </p:nvSpPr>
         <p:spPr>
           <a:xfrm>
-            <a:off x="5037190" y="2046767"/>
+            <a:off x="5037190" y="2163088"/>
             <a:ext cx="485443" cy="256481"/>
           </a:xfrm>
           <a:prstGeom prst="rect">
@@ -15730,7 +15109,6 @@
               <a:rPr lang="en-US" sz="1500" dirty="0"/>
               <a:t>Delay</a:t>
             </a:r>
-            <a:endParaRPr lang="en-US" sz="1500" dirty="0"/>
           </a:p>
         </p:txBody>
       </p:sp>
@@ -15742,7 +15120,7 @@
         </p:nvSpPr>
         <p:spPr>
           <a:xfrm>
-            <a:off x="5037189" y="2322588"/>
+            <a:off x="5037189" y="2433639"/>
             <a:ext cx="508000" cy="190500"/>
           </a:xfrm>
           <a:prstGeom prst="rect">
@@ -15787,7 +15165,7 @@
         </p:nvSpPr>
         <p:spPr>
           <a:xfrm>
-            <a:off x="5037189" y="2280254"/>
+            <a:off x="5037189" y="2391305"/>
             <a:ext cx="485443" cy="256481"/>
           </a:xfrm>
           <a:prstGeom prst="rect">
@@ -15806,7 +15184,6 @@
               <a:rPr lang="en-US" sz="1500" dirty="0"/>
               <a:t>Delay</a:t>
             </a:r>
-            <a:endParaRPr lang="en-US" sz="1500" dirty="0"/>
           </a:p>
         </p:txBody>
       </p:sp>
@@ -15818,7 +15195,7 @@
         </p:nvSpPr>
         <p:spPr>
           <a:xfrm>
-            <a:off x="5037190" y="1856248"/>
+            <a:off x="5037190" y="1972569"/>
             <a:ext cx="508000" cy="190500"/>
           </a:xfrm>
           <a:prstGeom prst="rect">
@@ -15863,7 +15240,7 @@
         </p:nvSpPr>
         <p:spPr>
           <a:xfrm>
-            <a:off x="5037190" y="1813914"/>
+            <a:off x="5037190" y="1930235"/>
             <a:ext cx="485443" cy="256481"/>
           </a:xfrm>
           <a:prstGeom prst="rect">
@@ -15882,7 +15259,6 @@
               <a:rPr lang="en-US" sz="1500" dirty="0"/>
               <a:t>Delay</a:t>
             </a:r>
-            <a:endParaRPr lang="en-US" sz="1500" dirty="0"/>
           </a:p>
         </p:txBody>
       </p:sp>
@@ -15895,7 +15271,7 @@
         <p:spPr>
           <a:xfrm>
             <a:off x="4846690" y="1558076"/>
-            <a:ext cx="0" cy="151246"/>
+            <a:ext cx="0" cy="267566"/>
           </a:xfrm>
           <a:prstGeom prst="line">
             <a:avLst/>
@@ -15920,14 +15296,12 @@
       <p:cxnSp>
         <p:nvCxnSpPr>
           <p:cNvPr id="20" name="Straight Arrow Connector 19"/>
-          <p:cNvCxnSpPr>
-            <a:endCxn id="113" idx="1"/>
-          </p:cNvCxnSpPr>
+          <p:cNvCxnSpPr/>
           <p:nvPr/>
         </p:nvCxnSpPr>
         <p:spPr>
           <a:xfrm>
-            <a:off x="4846690" y="1709321"/>
+            <a:off x="4846690" y="1825642"/>
             <a:ext cx="190500" cy="0"/>
           </a:xfrm>
           <a:prstGeom prst="straightConnector1">
@@ -15961,7 +15335,7 @@
         <p:spPr>
           <a:xfrm>
             <a:off x="4783190" y="1371412"/>
-            <a:ext cx="0" cy="581870"/>
+            <a:ext cx="0" cy="698191"/>
           </a:xfrm>
           <a:prstGeom prst="line">
             <a:avLst/>
@@ -15993,7 +15367,7 @@
         </p:nvCxnSpPr>
         <p:spPr>
           <a:xfrm flipV="1">
-            <a:off x="4783190" y="1951498"/>
+            <a:off x="4783190" y="2067819"/>
             <a:ext cx="254000" cy="1784"/>
           </a:xfrm>
           <a:prstGeom prst="straightConnector1">
@@ -16027,7 +15401,7 @@
         <p:spPr>
           <a:xfrm>
             <a:off x="4705404" y="1200508"/>
-            <a:ext cx="0" cy="974500"/>
+            <a:ext cx="0" cy="1107494"/>
           </a:xfrm>
           <a:prstGeom prst="line">
             <a:avLst/>
@@ -16059,7 +15433,7 @@
         </p:nvCxnSpPr>
         <p:spPr>
           <a:xfrm>
-            <a:off x="4705404" y="2175007"/>
+            <a:off x="4705404" y="2291328"/>
             <a:ext cx="331786" cy="0"/>
           </a:xfrm>
           <a:prstGeom prst="straightConnector1">
@@ -16093,7 +15467,7 @@
         <p:spPr>
           <a:xfrm>
             <a:off x="4628164" y="1038070"/>
-            <a:ext cx="0" cy="1373972"/>
+            <a:ext cx="0" cy="1509619"/>
           </a:xfrm>
           <a:prstGeom prst="line">
             <a:avLst/>
@@ -16118,14 +15492,12 @@
       <p:cxnSp>
         <p:nvCxnSpPr>
           <p:cNvPr id="178" name="Straight Arrow Connector 177"/>
-          <p:cNvCxnSpPr>
-            <a:endCxn id="169" idx="1"/>
-          </p:cNvCxnSpPr>
+          <p:cNvCxnSpPr/>
           <p:nvPr/>
         </p:nvCxnSpPr>
         <p:spPr>
           <a:xfrm>
-            <a:off x="4628164" y="2412042"/>
+            <a:off x="4628164" y="2528363"/>
             <a:ext cx="409025" cy="5796"/>
           </a:xfrm>
           <a:prstGeom prst="straightConnector1">
@@ -16186,36 +15558,6 @@
           </a:fontRef>
         </p:style>
       </p:cxnSp>
-      <p:sp>
-        <p:nvSpPr>
-          <p:cNvPr id="180" name="TextBox 179"/>
-          <p:cNvSpPr txBox="1"/>
-          <p:nvPr/>
-        </p:nvSpPr>
-        <p:spPr>
-          <a:xfrm>
-            <a:off x="5529322" y="876964"/>
-            <a:ext cx="766221" cy="164139"/>
-          </a:xfrm>
-          <a:prstGeom prst="rect">
-            <a:avLst/>
-          </a:prstGeom>
-          <a:noFill/>
-        </p:spPr>
-        <p:txBody>
-          <a:bodyPr wrap="none" lIns="25393" tIns="12696" rIns="25393" bIns="12696" rtlCol="0">
-            <a:spAutoFit/>
-          </a:bodyPr>
-          <a:lstStyle/>
-          <a:p>
-            <a:r>
-              <a:rPr lang="en-US" sz="900" b="1" dirty="0"/>
-              <a:t>R17/18, TRG#1</a:t>
-            </a:r>
-            <a:endParaRPr lang="en-US" sz="900" b="1" dirty="0"/>
-          </a:p>
-        </p:txBody>
-      </p:sp>
       <p:cxnSp>
         <p:nvCxnSpPr>
           <p:cNvPr id="181" name="Straight Arrow Connector 180"/>
@@ -16252,36 +15594,6 @@
           </a:fontRef>
         </p:style>
       </p:cxnSp>
-      <p:sp>
-        <p:nvSpPr>
-          <p:cNvPr id="183" name="TextBox 182"/>
-          <p:cNvSpPr txBox="1"/>
-          <p:nvPr/>
-        </p:nvSpPr>
-        <p:spPr>
-          <a:xfrm>
-            <a:off x="5531852" y="1402355"/>
-            <a:ext cx="766221" cy="164139"/>
-          </a:xfrm>
-          <a:prstGeom prst="rect">
-            <a:avLst/>
-          </a:prstGeom>
-          <a:noFill/>
-        </p:spPr>
-        <p:txBody>
-          <a:bodyPr wrap="none" lIns="25393" tIns="12696" rIns="25393" bIns="12696" rtlCol="0">
-            <a:spAutoFit/>
-          </a:bodyPr>
-          <a:lstStyle/>
-          <a:p>
-            <a:r>
-              <a:rPr lang="en-US" sz="900" b="1" dirty="0"/>
-              <a:t>R23/24, TRG#4</a:t>
-            </a:r>
-            <a:endParaRPr lang="en-US" sz="900" b="1" dirty="0"/>
-          </a:p>
-        </p:txBody>
-      </p:sp>
       <p:cxnSp>
         <p:nvCxnSpPr>
           <p:cNvPr id="185" name="Straight Arrow Connector 184"/>
@@ -16318,36 +15630,6 @@
           </a:fontRef>
         </p:style>
       </p:cxnSp>
-      <p:sp>
-        <p:nvSpPr>
-          <p:cNvPr id="186" name="TextBox 185"/>
-          <p:cNvSpPr txBox="1"/>
-          <p:nvPr/>
-        </p:nvSpPr>
-        <p:spPr>
-          <a:xfrm>
-            <a:off x="5527864" y="1210306"/>
-            <a:ext cx="766221" cy="164139"/>
-          </a:xfrm>
-          <a:prstGeom prst="rect">
-            <a:avLst/>
-          </a:prstGeom>
-          <a:noFill/>
-        </p:spPr>
-        <p:txBody>
-          <a:bodyPr wrap="none" lIns="25393" tIns="12696" rIns="25393" bIns="12696" rtlCol="0">
-            <a:spAutoFit/>
-          </a:bodyPr>
-          <a:lstStyle/>
-          <a:p>
-            <a:r>
-              <a:rPr lang="en-US" sz="900" b="1" dirty="0"/>
-              <a:t>R21/22, TRG#3</a:t>
-            </a:r>
-            <a:endParaRPr lang="en-US" sz="900" b="1" dirty="0"/>
-          </a:p>
-        </p:txBody>
-      </p:sp>
       <p:cxnSp>
         <p:nvCxnSpPr>
           <p:cNvPr id="188" name="Straight Arrow Connector 187"/>
@@ -16386,36 +15668,6 @@
       </p:cxnSp>
       <p:sp>
         <p:nvSpPr>
-          <p:cNvPr id="189" name="TextBox 188"/>
-          <p:cNvSpPr txBox="1"/>
-          <p:nvPr/>
-        </p:nvSpPr>
-        <p:spPr>
-          <a:xfrm>
-            <a:off x="5527864" y="1039402"/>
-            <a:ext cx="766221" cy="164139"/>
-          </a:xfrm>
-          <a:prstGeom prst="rect">
-            <a:avLst/>
-          </a:prstGeom>
-          <a:noFill/>
-        </p:spPr>
-        <p:txBody>
-          <a:bodyPr wrap="none" lIns="25393" tIns="12696" rIns="25393" bIns="12696" rtlCol="0">
-            <a:spAutoFit/>
-          </a:bodyPr>
-          <a:lstStyle/>
-          <a:p>
-            <a:r>
-              <a:rPr lang="en-US" sz="900" b="1" dirty="0"/>
-              <a:t>R19/20, TRG#2</a:t>
-            </a:r>
-            <a:endParaRPr lang="en-US" sz="900" b="1" dirty="0"/>
-          </a:p>
-        </p:txBody>
-      </p:sp>
-      <p:sp>
-        <p:nvSpPr>
           <p:cNvPr id="190" name="Rectangle 189"/>
           <p:cNvSpPr/>
           <p:nvPr/>
@@ -16486,7 +15738,6 @@
               <a:rPr lang="en-US" sz="1200" dirty="0"/>
               <a:t>Width </a:t>
             </a:r>
-            <a:endParaRPr lang="en-US" sz="1200" dirty="0"/>
           </a:p>
         </p:txBody>
       </p:sp>
@@ -16562,7 +15813,6 @@
               <a:rPr lang="en-US" sz="1200" dirty="0"/>
               <a:t>Width </a:t>
             </a:r>
-            <a:endParaRPr lang="en-US" sz="1200" dirty="0"/>
           </a:p>
         </p:txBody>
       </p:sp>
@@ -16638,7 +15888,6 @@
               <a:rPr lang="en-US" sz="1200" dirty="0"/>
               <a:t>Width </a:t>
             </a:r>
-            <a:endParaRPr lang="en-US" sz="1200" dirty="0"/>
           </a:p>
         </p:txBody>
       </p:sp>
@@ -16714,7 +15963,6 @@
               <a:rPr lang="en-US" sz="1200" dirty="0"/>
               <a:t>Width </a:t>
             </a:r>
-            <a:endParaRPr lang="en-US" sz="1200" dirty="0"/>
           </a:p>
         </p:txBody>
       </p:sp>
@@ -16726,7 +15974,7 @@
         </p:nvSpPr>
         <p:spPr>
           <a:xfrm>
-            <a:off x="4804958" y="2672385"/>
+            <a:off x="4804958" y="2940454"/>
             <a:ext cx="708554" cy="254000"/>
           </a:xfrm>
           <a:prstGeom prst="rect">
@@ -16772,7 +16020,7 @@
         </p:nvSpPr>
         <p:spPr>
           <a:xfrm>
-            <a:off x="4801985" y="2651218"/>
+            <a:off x="4801985" y="2919287"/>
             <a:ext cx="734407" cy="230833"/>
           </a:xfrm>
           <a:prstGeom prst="rect">
@@ -16791,7 +16039,6 @@
               <a:rPr lang="en-US" sz="1300" dirty="0"/>
               <a:t>Width Ext</a:t>
             </a:r>
-            <a:endParaRPr lang="en-US" sz="1300" dirty="0"/>
           </a:p>
         </p:txBody>
       </p:sp>
@@ -16803,7 +16050,7 @@
         </p:nvCxnSpPr>
         <p:spPr>
           <a:xfrm>
-            <a:off x="3577167" y="2799385"/>
+            <a:off x="3577167" y="3067454"/>
             <a:ext cx="1227791" cy="0"/>
           </a:xfrm>
           <a:prstGeom prst="straightConnector1">
@@ -16830,43 +16077,13 @@
       </p:cxnSp>
       <p:sp>
         <p:nvSpPr>
-          <p:cNvPr id="246" name="TextBox 245"/>
-          <p:cNvSpPr txBox="1"/>
-          <p:nvPr/>
-        </p:nvSpPr>
-        <p:spPr>
-          <a:xfrm>
-            <a:off x="4074058" y="2566532"/>
-            <a:ext cx="528884" cy="230833"/>
-          </a:xfrm>
-          <a:prstGeom prst="rect">
-            <a:avLst/>
-          </a:prstGeom>
-          <a:noFill/>
-        </p:spPr>
-        <p:txBody>
-          <a:bodyPr wrap="none" lIns="25393" tIns="12696" rIns="25393" bIns="12696" rtlCol="0">
-            <a:spAutoFit/>
-          </a:bodyPr>
-          <a:lstStyle/>
-          <a:p>
-            <a:r>
-              <a:rPr lang="en-US" sz="1300" dirty="0"/>
-              <a:t>Trigger</a:t>
-            </a:r>
-            <a:endParaRPr lang="en-US" sz="1300" dirty="0"/>
-          </a:p>
-        </p:txBody>
-      </p:sp>
-      <p:sp>
-        <p:nvSpPr>
           <p:cNvPr id="248" name="Rectangle 247"/>
           <p:cNvSpPr/>
           <p:nvPr/>
         </p:nvSpPr>
         <p:spPr>
           <a:xfrm>
-            <a:off x="6082602" y="2343681"/>
+            <a:off x="6082602" y="2454732"/>
             <a:ext cx="508000" cy="190500"/>
           </a:xfrm>
           <a:prstGeom prst="rect">
@@ -16911,7 +16128,7 @@
         </p:nvSpPr>
         <p:spPr>
           <a:xfrm>
-            <a:off x="6061215" y="2299468"/>
+            <a:off x="6061215" y="2410519"/>
             <a:ext cx="550774" cy="256481"/>
           </a:xfrm>
           <a:prstGeom prst="rect">
@@ -16930,7 +16147,6 @@
               <a:rPr lang="en-US" sz="1500" dirty="0"/>
               <a:t>Match</a:t>
             </a:r>
-            <a:endParaRPr lang="en-US" sz="1500" dirty="0"/>
           </a:p>
         </p:txBody>
       </p:sp>
@@ -16942,7 +16158,7 @@
         </p:nvSpPr>
         <p:spPr>
           <a:xfrm>
-            <a:off x="6082602" y="1639144"/>
+            <a:off x="6082602" y="1755465"/>
             <a:ext cx="508000" cy="190500"/>
           </a:xfrm>
           <a:prstGeom prst="rect">
@@ -16987,7 +16203,7 @@
         </p:nvSpPr>
         <p:spPr>
           <a:xfrm>
-            <a:off x="6061215" y="1594930"/>
+            <a:off x="6061215" y="1711251"/>
             <a:ext cx="550774" cy="256481"/>
           </a:xfrm>
           <a:prstGeom prst="rect">
@@ -17006,7 +16222,6 @@
               <a:rPr lang="en-US" sz="1500" dirty="0"/>
               <a:t>Match</a:t>
             </a:r>
-            <a:endParaRPr lang="en-US" sz="1500" dirty="0"/>
           </a:p>
         </p:txBody>
       </p:sp>
@@ -17018,7 +16233,7 @@
         </p:nvSpPr>
         <p:spPr>
           <a:xfrm>
-            <a:off x="6082602" y="1873857"/>
+            <a:off x="6082602" y="1990178"/>
             <a:ext cx="508000" cy="190500"/>
           </a:xfrm>
           <a:prstGeom prst="rect">
@@ -17063,7 +16278,7 @@
         </p:nvSpPr>
         <p:spPr>
           <a:xfrm>
-            <a:off x="6061215" y="1829643"/>
+            <a:off x="6061215" y="1945964"/>
             <a:ext cx="550774" cy="256481"/>
           </a:xfrm>
           <a:prstGeom prst="rect">
@@ -17082,7 +16297,6 @@
               <a:rPr lang="en-US" sz="1500" dirty="0"/>
               <a:t>Match</a:t>
             </a:r>
-            <a:endParaRPr lang="en-US" sz="1500" dirty="0"/>
           </a:p>
         </p:txBody>
       </p:sp>
@@ -17094,7 +16308,7 @@
         </p:nvSpPr>
         <p:spPr>
           <a:xfrm>
-            <a:off x="6082603" y="2107654"/>
+            <a:off x="6082603" y="2223975"/>
             <a:ext cx="508000" cy="190500"/>
           </a:xfrm>
           <a:prstGeom prst="rect">
@@ -17139,7 +16353,7 @@
         </p:nvSpPr>
         <p:spPr>
           <a:xfrm>
-            <a:off x="6061216" y="2063441"/>
+            <a:off x="6061216" y="2179762"/>
             <a:ext cx="550774" cy="256481"/>
           </a:xfrm>
           <a:prstGeom prst="rect">
@@ -17158,7 +16372,6 @@
               <a:rPr lang="en-US" sz="1500" dirty="0"/>
               <a:t>Match</a:t>
             </a:r>
-            <a:endParaRPr lang="en-US" sz="1500" dirty="0"/>
           </a:p>
         </p:txBody>
       </p:sp>
@@ -17170,7 +16383,7 @@
         </p:nvCxnSpPr>
         <p:spPr>
           <a:xfrm>
-            <a:off x="6596292" y="1734394"/>
+            <a:off x="6596292" y="1850715"/>
             <a:ext cx="685749" cy="0"/>
           </a:xfrm>
           <a:prstGeom prst="straightConnector1">
@@ -17195,36 +16408,6 @@
           </a:fontRef>
         </p:style>
       </p:cxnSp>
-      <p:sp>
-        <p:nvSpPr>
-          <p:cNvPr id="259" name="TextBox 258"/>
-          <p:cNvSpPr txBox="1"/>
-          <p:nvPr/>
-        </p:nvSpPr>
-        <p:spPr>
-          <a:xfrm>
-            <a:off x="6588838" y="1584780"/>
-            <a:ext cx="597906" cy="164139"/>
-          </a:xfrm>
-          <a:prstGeom prst="rect">
-            <a:avLst/>
-          </a:prstGeom>
-          <a:noFill/>
-        </p:spPr>
-        <p:txBody>
-          <a:bodyPr wrap="none" lIns="25393" tIns="12696" rIns="25393" bIns="12696" rtlCol="0">
-            <a:spAutoFit/>
-          </a:bodyPr>
-          <a:lstStyle/>
-          <a:p>
-            <a:r>
-              <a:rPr lang="en-US" sz="900" dirty="0"/>
-              <a:t>FastClear#1</a:t>
-            </a:r>
-            <a:endParaRPr lang="en-US" sz="900" dirty="0"/>
-          </a:p>
-        </p:txBody>
-      </p:sp>
       <p:cxnSp>
         <p:nvCxnSpPr>
           <p:cNvPr id="260" name="Straight Arrow Connector 259"/>
@@ -17233,7 +16416,7 @@
         </p:nvCxnSpPr>
         <p:spPr>
           <a:xfrm>
-            <a:off x="6590063" y="2445098"/>
+            <a:off x="6590063" y="2561419"/>
             <a:ext cx="698894" cy="0"/>
           </a:xfrm>
           <a:prstGeom prst="straightConnector1">
@@ -17258,36 +16441,6 @@
           </a:fontRef>
         </p:style>
       </p:cxnSp>
-      <p:sp>
-        <p:nvSpPr>
-          <p:cNvPr id="261" name="TextBox 260"/>
-          <p:cNvSpPr txBox="1"/>
-          <p:nvPr/>
-        </p:nvSpPr>
-        <p:spPr>
-          <a:xfrm>
-            <a:off x="6592593" y="2300870"/>
-            <a:ext cx="597906" cy="164139"/>
-          </a:xfrm>
-          <a:prstGeom prst="rect">
-            <a:avLst/>
-          </a:prstGeom>
-          <a:noFill/>
-        </p:spPr>
-        <p:txBody>
-          <a:bodyPr wrap="none" lIns="25393" tIns="12696" rIns="25393" bIns="12696" rtlCol="0">
-            <a:spAutoFit/>
-          </a:bodyPr>
-          <a:lstStyle/>
-          <a:p>
-            <a:r>
-              <a:rPr lang="en-US" sz="900" dirty="0"/>
-              <a:t>FastClear#4</a:t>
-            </a:r>
-            <a:endParaRPr lang="en-US" sz="900" dirty="0"/>
-          </a:p>
-        </p:txBody>
-      </p:sp>
       <p:cxnSp>
         <p:nvCxnSpPr>
           <p:cNvPr id="262" name="Straight Arrow Connector 261"/>
@@ -17296,7 +16449,7 @@
         </p:nvCxnSpPr>
         <p:spPr>
           <a:xfrm>
-            <a:off x="6590602" y="2215005"/>
+            <a:off x="6590602" y="2331326"/>
             <a:ext cx="698894" cy="0"/>
           </a:xfrm>
           <a:prstGeom prst="straightConnector1">
@@ -17321,36 +16474,6 @@
           </a:fontRef>
         </p:style>
       </p:cxnSp>
-      <p:sp>
-        <p:nvSpPr>
-          <p:cNvPr id="263" name="TextBox 262"/>
-          <p:cNvSpPr txBox="1"/>
-          <p:nvPr/>
-        </p:nvSpPr>
-        <p:spPr>
-          <a:xfrm>
-            <a:off x="6596292" y="2065391"/>
-            <a:ext cx="597906" cy="164139"/>
-          </a:xfrm>
-          <a:prstGeom prst="rect">
-            <a:avLst/>
-          </a:prstGeom>
-          <a:noFill/>
-        </p:spPr>
-        <p:txBody>
-          <a:bodyPr wrap="none" lIns="25393" tIns="12696" rIns="25393" bIns="12696" rtlCol="0">
-            <a:spAutoFit/>
-          </a:bodyPr>
-          <a:lstStyle/>
-          <a:p>
-            <a:r>
-              <a:rPr lang="en-US" sz="900" dirty="0"/>
-              <a:t>FastClear#3</a:t>
-            </a:r>
-            <a:endParaRPr lang="en-US" sz="900" dirty="0"/>
-          </a:p>
-        </p:txBody>
-      </p:sp>
       <p:cxnSp>
         <p:nvCxnSpPr>
           <p:cNvPr id="264" name="Straight Arrow Connector 263"/>
@@ -17359,7 +16482,7 @@
         </p:nvCxnSpPr>
         <p:spPr>
           <a:xfrm>
-            <a:off x="6597174" y="1994588"/>
+            <a:off x="6597174" y="2110909"/>
             <a:ext cx="685749" cy="0"/>
           </a:xfrm>
           <a:prstGeom prst="straightConnector1">
@@ -17384,36 +16507,6 @@
           </a:fontRef>
         </p:style>
       </p:cxnSp>
-      <p:sp>
-        <p:nvSpPr>
-          <p:cNvPr id="265" name="TextBox 264"/>
-          <p:cNvSpPr txBox="1"/>
-          <p:nvPr/>
-        </p:nvSpPr>
-        <p:spPr>
-          <a:xfrm>
-            <a:off x="6589720" y="1844975"/>
-            <a:ext cx="597906" cy="164139"/>
-          </a:xfrm>
-          <a:prstGeom prst="rect">
-            <a:avLst/>
-          </a:prstGeom>
-          <a:noFill/>
-        </p:spPr>
-        <p:txBody>
-          <a:bodyPr wrap="none" lIns="25393" tIns="12696" rIns="25393" bIns="12696" rtlCol="0">
-            <a:spAutoFit/>
-          </a:bodyPr>
-          <a:lstStyle/>
-          <a:p>
-            <a:r>
-              <a:rPr lang="en-US" sz="900" dirty="0"/>
-              <a:t>FastClear#2</a:t>
-            </a:r>
-            <a:endParaRPr lang="en-US" sz="900" dirty="0"/>
-          </a:p>
-        </p:txBody>
-      </p:sp>
       <p:cxnSp>
         <p:nvCxnSpPr>
           <p:cNvPr id="266" name="Straight Arrow Connector 265"/>
@@ -17422,7 +16515,7 @@
         </p:nvCxnSpPr>
         <p:spPr>
           <a:xfrm>
-            <a:off x="7795710" y="1726837"/>
+            <a:off x="7795710" y="1843158"/>
             <a:ext cx="685749" cy="0"/>
           </a:xfrm>
           <a:prstGeom prst="straightConnector1">
@@ -17450,36 +16543,6 @@
           </a:fontRef>
         </p:style>
       </p:cxnSp>
-      <p:sp>
-        <p:nvSpPr>
-          <p:cNvPr id="267" name="TextBox 266"/>
-          <p:cNvSpPr txBox="1"/>
-          <p:nvPr/>
-        </p:nvSpPr>
-        <p:spPr>
-          <a:xfrm>
-            <a:off x="7788255" y="1577223"/>
-            <a:ext cx="740573" cy="164139"/>
-          </a:xfrm>
-          <a:prstGeom prst="rect">
-            <a:avLst/>
-          </a:prstGeom>
-          <a:noFill/>
-        </p:spPr>
-        <p:txBody>
-          <a:bodyPr wrap="none" lIns="25393" tIns="12696" rIns="25393" bIns="12696" rtlCol="0">
-            <a:spAutoFit/>
-          </a:bodyPr>
-          <a:lstStyle/>
-          <a:p>
-            <a:r>
-              <a:rPr lang="en-US" sz="900" b="1" dirty="0"/>
-              <a:t>R5/6, FastCl#1</a:t>
-            </a:r>
-            <a:endParaRPr lang="en-US" sz="900" b="1" dirty="0"/>
-          </a:p>
-        </p:txBody>
-      </p:sp>
       <p:cxnSp>
         <p:nvCxnSpPr>
           <p:cNvPr id="268" name="Straight Arrow Connector 267"/>
@@ -17488,7 +16551,7 @@
         </p:nvCxnSpPr>
         <p:spPr>
           <a:xfrm flipV="1">
-            <a:off x="7789033" y="2436637"/>
+            <a:off x="7789033" y="2552958"/>
             <a:ext cx="692426" cy="7700"/>
           </a:xfrm>
           <a:prstGeom prst="straightConnector1">
@@ -17516,36 +16579,6 @@
           </a:fontRef>
         </p:style>
       </p:cxnSp>
-      <p:sp>
-        <p:nvSpPr>
-          <p:cNvPr id="269" name="TextBox 268"/>
-          <p:cNvSpPr txBox="1"/>
-          <p:nvPr/>
-        </p:nvSpPr>
-        <p:spPr>
-          <a:xfrm>
-            <a:off x="7791563" y="2300109"/>
-            <a:ext cx="855989" cy="164139"/>
-          </a:xfrm>
-          <a:prstGeom prst="rect">
-            <a:avLst/>
-          </a:prstGeom>
-          <a:noFill/>
-        </p:spPr>
-        <p:txBody>
-          <a:bodyPr wrap="none" lIns="25393" tIns="12696" rIns="25393" bIns="12696" rtlCol="0">
-            <a:spAutoFit/>
-          </a:bodyPr>
-          <a:lstStyle/>
-          <a:p>
-            <a:r>
-              <a:rPr lang="en-US" sz="900" b="1" dirty="0"/>
-              <a:t>R11/12, FastCl#4</a:t>
-            </a:r>
-            <a:endParaRPr lang="en-US" sz="900" b="1" dirty="0"/>
-          </a:p>
-        </p:txBody>
-      </p:sp>
       <p:cxnSp>
         <p:nvCxnSpPr>
           <p:cNvPr id="270" name="Straight Arrow Connector 269"/>
@@ -17554,7 +16587,7 @@
         </p:nvCxnSpPr>
         <p:spPr>
           <a:xfrm>
-            <a:off x="7788255" y="2210717"/>
+            <a:off x="7788255" y="2327038"/>
             <a:ext cx="698894" cy="0"/>
           </a:xfrm>
           <a:prstGeom prst="straightConnector1">
@@ -17582,36 +16615,6 @@
           </a:fontRef>
         </p:style>
       </p:cxnSp>
-      <p:sp>
-        <p:nvSpPr>
-          <p:cNvPr id="271" name="TextBox 270"/>
-          <p:cNvSpPr txBox="1"/>
-          <p:nvPr/>
-        </p:nvSpPr>
-        <p:spPr>
-          <a:xfrm>
-            <a:off x="7793946" y="2061104"/>
-            <a:ext cx="798281" cy="164139"/>
-          </a:xfrm>
-          <a:prstGeom prst="rect">
-            <a:avLst/>
-          </a:prstGeom>
-          <a:noFill/>
-        </p:spPr>
-        <p:txBody>
-          <a:bodyPr wrap="none" lIns="25393" tIns="12696" rIns="25393" bIns="12696" rtlCol="0">
-            <a:spAutoFit/>
-          </a:bodyPr>
-          <a:lstStyle/>
-          <a:p>
-            <a:r>
-              <a:rPr lang="en-US" sz="900" b="1" dirty="0"/>
-              <a:t>R9/10, FastCl#3</a:t>
-            </a:r>
-            <a:endParaRPr lang="en-US" sz="900" b="1" dirty="0"/>
-          </a:p>
-        </p:txBody>
-      </p:sp>
       <p:cxnSp>
         <p:nvCxnSpPr>
           <p:cNvPr id="272" name="Straight Arrow Connector 271"/>
@@ -17620,7 +16623,7 @@
         </p:nvCxnSpPr>
         <p:spPr>
           <a:xfrm>
-            <a:off x="7795710" y="1980997"/>
+            <a:off x="7795710" y="2097318"/>
             <a:ext cx="685749" cy="0"/>
           </a:xfrm>
           <a:prstGeom prst="straightConnector1">
@@ -17650,43 +16653,13 @@
       </p:cxnSp>
       <p:sp>
         <p:nvSpPr>
-          <p:cNvPr id="273" name="TextBox 272"/>
-          <p:cNvSpPr txBox="1"/>
-          <p:nvPr/>
-        </p:nvSpPr>
-        <p:spPr>
-          <a:xfrm>
-            <a:off x="7793302" y="1840472"/>
-            <a:ext cx="740573" cy="164139"/>
-          </a:xfrm>
-          <a:prstGeom prst="rect">
-            <a:avLst/>
-          </a:prstGeom>
-          <a:noFill/>
-        </p:spPr>
-        <p:txBody>
-          <a:bodyPr wrap="none" lIns="25393" tIns="12696" rIns="25393" bIns="12696" rtlCol="0">
-            <a:spAutoFit/>
-          </a:bodyPr>
-          <a:lstStyle/>
-          <a:p>
-            <a:r>
-              <a:rPr lang="en-US" sz="900" b="1" dirty="0"/>
-              <a:t>R7/8, FastCl#2</a:t>
-            </a:r>
-            <a:endParaRPr lang="en-US" sz="900" b="1" dirty="0"/>
-          </a:p>
-        </p:txBody>
-      </p:sp>
-      <p:sp>
-        <p:nvSpPr>
           <p:cNvPr id="274" name="Rectangle 273"/>
           <p:cNvSpPr/>
           <p:nvPr/>
         </p:nvSpPr>
         <p:spPr>
           <a:xfrm>
-            <a:off x="7285946" y="1663671"/>
+            <a:off x="7285946" y="1779992"/>
             <a:ext cx="508000" cy="133843"/>
           </a:xfrm>
           <a:prstGeom prst="rect">
@@ -17731,7 +16704,7 @@
         </p:nvSpPr>
         <p:spPr>
           <a:xfrm>
-            <a:off x="7298002" y="1623725"/>
+            <a:off x="7298002" y="1740046"/>
             <a:ext cx="479654" cy="213734"/>
           </a:xfrm>
           <a:prstGeom prst="rect">
@@ -17750,7 +16723,6 @@
               <a:rPr lang="en-US" sz="1200" dirty="0"/>
               <a:t>Width </a:t>
             </a:r>
-            <a:endParaRPr lang="en-US" sz="1200" dirty="0"/>
           </a:p>
         </p:txBody>
       </p:sp>
@@ -17762,7 +16734,7 @@
         </p:nvSpPr>
         <p:spPr>
           <a:xfrm>
-            <a:off x="7288558" y="2369716"/>
+            <a:off x="7288558" y="2486037"/>
             <a:ext cx="508000" cy="133843"/>
           </a:xfrm>
           <a:prstGeom prst="rect">
@@ -17807,7 +16779,7 @@
         </p:nvSpPr>
         <p:spPr>
           <a:xfrm>
-            <a:off x="7300614" y="2329771"/>
+            <a:off x="7300614" y="2440822"/>
             <a:ext cx="479654" cy="213734"/>
           </a:xfrm>
           <a:prstGeom prst="rect">
@@ -17826,7 +16798,6 @@
               <a:rPr lang="en-US" sz="1200" dirty="0"/>
               <a:t>Width </a:t>
             </a:r>
-            <a:endParaRPr lang="en-US" sz="1200" dirty="0"/>
           </a:p>
         </p:txBody>
       </p:sp>
@@ -17838,7 +16809,7 @@
         </p:nvSpPr>
         <p:spPr>
           <a:xfrm>
-            <a:off x="7291992" y="2143626"/>
+            <a:off x="7291992" y="2259947"/>
             <a:ext cx="508000" cy="133843"/>
           </a:xfrm>
           <a:prstGeom prst="rect">
@@ -17883,7 +16854,7 @@
         </p:nvSpPr>
         <p:spPr>
           <a:xfrm>
-            <a:off x="7294249" y="2103680"/>
+            <a:off x="7294249" y="2220001"/>
             <a:ext cx="479654" cy="213734"/>
           </a:xfrm>
           <a:prstGeom prst="rect">
@@ -17902,7 +16873,6 @@
               <a:rPr lang="en-US" sz="1200" dirty="0"/>
               <a:t>Width </a:t>
             </a:r>
-            <a:endParaRPr lang="en-US" sz="1200" dirty="0"/>
           </a:p>
         </p:txBody>
       </p:sp>
@@ -17914,7 +16884,7 @@
         </p:nvSpPr>
         <p:spPr>
           <a:xfrm>
-            <a:off x="7282193" y="1927667"/>
+            <a:off x="7282193" y="2043988"/>
             <a:ext cx="508000" cy="133843"/>
           </a:xfrm>
           <a:prstGeom prst="rect">
@@ -17959,7 +16929,7 @@
         </p:nvSpPr>
         <p:spPr>
           <a:xfrm>
-            <a:off x="7294249" y="1887721"/>
+            <a:off x="7294249" y="2004042"/>
             <a:ext cx="479654" cy="213734"/>
           </a:xfrm>
           <a:prstGeom prst="rect">
@@ -17978,7 +16948,6 @@
               <a:rPr lang="en-US" sz="1200" dirty="0"/>
               <a:t>Width </a:t>
             </a:r>
-            <a:endParaRPr lang="en-US" sz="1200" dirty="0"/>
           </a:p>
         </p:txBody>
       </p:sp>
@@ -17990,7 +16959,7 @@
         </p:nvCxnSpPr>
         <p:spPr>
           <a:xfrm>
-            <a:off x="5545190" y="1671689"/>
+            <a:off x="5545190" y="1788010"/>
             <a:ext cx="537412" cy="0"/>
           </a:xfrm>
           <a:prstGeom prst="straightConnector1">
@@ -18023,7 +16992,7 @@
         </p:nvCxnSpPr>
         <p:spPr>
           <a:xfrm>
-            <a:off x="5545190" y="1887722"/>
+            <a:off x="5545190" y="2004043"/>
             <a:ext cx="537413" cy="0"/>
           </a:xfrm>
           <a:prstGeom prst="straightConnector1">
@@ -18056,7 +17025,7 @@
         </p:nvCxnSpPr>
         <p:spPr>
           <a:xfrm>
-            <a:off x="5536847" y="2143626"/>
+            <a:off x="5536847" y="2259947"/>
             <a:ext cx="545756" cy="0"/>
           </a:xfrm>
           <a:prstGeom prst="straightConnector1">
@@ -18089,7 +17058,7 @@
         </p:nvCxnSpPr>
         <p:spPr>
           <a:xfrm>
-            <a:off x="5545190" y="2382089"/>
+            <a:off x="5545190" y="2498410"/>
             <a:ext cx="537413" cy="0"/>
           </a:xfrm>
           <a:prstGeom prst="straightConnector1">
@@ -18122,7 +17091,7 @@
         </p:nvCxnSpPr>
         <p:spPr>
           <a:xfrm flipV="1">
-            <a:off x="5511395" y="2797364"/>
+            <a:off x="5511395" y="3065433"/>
             <a:ext cx="270202" cy="1"/>
           </a:xfrm>
           <a:prstGeom prst="line">
@@ -18153,8 +17122,8 @@
         </p:nvCxnSpPr>
         <p:spPr>
           <a:xfrm flipV="1">
-            <a:off x="5778023" y="1761469"/>
-            <a:ext cx="0" cy="1037916"/>
+            <a:off x="5778023" y="1792879"/>
+            <a:ext cx="0" cy="1274576"/>
           </a:xfrm>
           <a:prstGeom prst="line">
             <a:avLst/>
@@ -18184,7 +17153,7 @@
         </p:nvCxnSpPr>
         <p:spPr>
           <a:xfrm>
-            <a:off x="5778023" y="1761469"/>
+            <a:off x="5778023" y="1877790"/>
             <a:ext cx="304579" cy="0"/>
           </a:xfrm>
           <a:prstGeom prst="straightConnector1">
@@ -18217,7 +17186,7 @@
         </p:nvCxnSpPr>
         <p:spPr>
           <a:xfrm>
-            <a:off x="5778023" y="2007412"/>
+            <a:off x="5778023" y="2123733"/>
             <a:ext cx="304579" cy="0"/>
           </a:xfrm>
           <a:prstGeom prst="straightConnector1">
@@ -18250,7 +17219,7 @@
         </p:nvCxnSpPr>
         <p:spPr>
           <a:xfrm>
-            <a:off x="5778023" y="2260862"/>
+            <a:off x="5778023" y="2377183"/>
             <a:ext cx="304579" cy="0"/>
           </a:xfrm>
           <a:prstGeom prst="straightConnector1">
@@ -18283,7 +17252,7 @@
         </p:nvCxnSpPr>
         <p:spPr>
           <a:xfrm>
-            <a:off x="5778023" y="2477095"/>
+            <a:off x="5778023" y="2593416"/>
             <a:ext cx="304579" cy="0"/>
           </a:xfrm>
           <a:prstGeom prst="straightConnector1">
@@ -18316,7 +17285,7 @@
         </p:nvSpPr>
         <p:spPr>
           <a:xfrm>
-            <a:off x="4813619" y="3028850"/>
+            <a:off x="4813619" y="3296919"/>
             <a:ext cx="708554" cy="466146"/>
           </a:xfrm>
           <a:prstGeom prst="rect">
@@ -18361,7 +17330,7 @@
         </p:nvSpPr>
         <p:spPr>
           <a:xfrm>
-            <a:off x="4883565" y="3007683"/>
+            <a:off x="4883565" y="3275752"/>
             <a:ext cx="588569" cy="487313"/>
           </a:xfrm>
           <a:prstGeom prst="rect">
@@ -18387,7 +17356,6 @@
               <a:rPr lang="en-US" sz="1500" dirty="0"/>
               <a:t>word</a:t>
             </a:r>
-            <a:endParaRPr lang="en-US" sz="1500" dirty="0"/>
           </a:p>
         </p:txBody>
       </p:sp>
@@ -18399,8 +17367,8 @@
         </p:nvCxnSpPr>
         <p:spPr>
           <a:xfrm>
-            <a:off x="4592690" y="2799385"/>
-            <a:ext cx="0" cy="859433"/>
+            <a:off x="4592690" y="3067454"/>
+            <a:ext cx="0" cy="462538"/>
           </a:xfrm>
           <a:prstGeom prst="line">
             <a:avLst/>
@@ -18432,7 +17400,7 @@
         </p:nvCxnSpPr>
         <p:spPr>
           <a:xfrm>
-            <a:off x="4596995" y="3261923"/>
+            <a:off x="4596995" y="3529992"/>
             <a:ext cx="216624" cy="0"/>
           </a:xfrm>
           <a:prstGeom prst="straightConnector1">
@@ -18465,7 +17433,7 @@
         </p:nvSpPr>
         <p:spPr>
           <a:xfrm>
-            <a:off x="6977845" y="2996426"/>
+            <a:off x="6977845" y="3264495"/>
             <a:ext cx="799951" cy="243681"/>
           </a:xfrm>
           <a:prstGeom prst="rect">
@@ -18510,7 +17478,7 @@
         </p:nvSpPr>
         <p:spPr>
           <a:xfrm>
-            <a:off x="6997000" y="2996426"/>
+            <a:off x="6997000" y="3264495"/>
             <a:ext cx="761640" cy="256481"/>
           </a:xfrm>
           <a:prstGeom prst="rect">
@@ -18541,7 +17509,7 @@
         </p:nvSpPr>
         <p:spPr>
           <a:xfrm>
-            <a:off x="6972370" y="3593572"/>
+            <a:off x="6972370" y="3861641"/>
             <a:ext cx="1294413" cy="233073"/>
           </a:xfrm>
           <a:prstGeom prst="rect">
@@ -18586,7 +17554,7 @@
         </p:nvSpPr>
         <p:spPr>
           <a:xfrm>
-            <a:off x="6990720" y="3572405"/>
+            <a:off x="6990720" y="3840474"/>
             <a:ext cx="1232300" cy="256481"/>
           </a:xfrm>
           <a:prstGeom prst="rect">
@@ -18620,7 +17588,7 @@
         </p:nvSpPr>
         <p:spPr>
           <a:xfrm>
-            <a:off x="6977844" y="3308767"/>
+            <a:off x="6977844" y="3576836"/>
             <a:ext cx="1294413" cy="233073"/>
           </a:xfrm>
           <a:prstGeom prst="rect">
@@ -18665,7 +17633,7 @@
         </p:nvSpPr>
         <p:spPr>
           <a:xfrm>
-            <a:off x="6996194" y="3287600"/>
+            <a:off x="6996194" y="3555669"/>
             <a:ext cx="1232300" cy="256481"/>
           </a:xfrm>
           <a:prstGeom prst="rect">
@@ -18701,7 +17669,7 @@
         </p:nvCxnSpPr>
         <p:spPr>
           <a:xfrm>
-            <a:off x="5513512" y="3425304"/>
+            <a:off x="5513512" y="3693373"/>
             <a:ext cx="1464333" cy="0"/>
           </a:xfrm>
           <a:prstGeom prst="line">
@@ -18732,7 +17700,7 @@
         </p:nvCxnSpPr>
         <p:spPr>
           <a:xfrm>
-            <a:off x="6780141" y="3086637"/>
+            <a:off x="6780141" y="3354706"/>
             <a:ext cx="0" cy="623472"/>
           </a:xfrm>
           <a:prstGeom prst="line">
@@ -18763,7 +17731,7 @@
         </p:nvCxnSpPr>
         <p:spPr>
           <a:xfrm>
-            <a:off x="6780141" y="3086637"/>
+            <a:off x="6780141" y="3354706"/>
             <a:ext cx="197704" cy="0"/>
           </a:xfrm>
           <a:prstGeom prst="straightConnector1">
@@ -18798,7 +17766,7 @@
         </p:nvCxnSpPr>
         <p:spPr>
           <a:xfrm>
-            <a:off x="6780141" y="3710109"/>
+            <a:off x="6780141" y="3978178"/>
             <a:ext cx="192229" cy="0"/>
           </a:xfrm>
           <a:prstGeom prst="straightConnector1">
@@ -18825,81 +17793,13 @@
       </p:cxnSp>
       <p:cxnSp>
         <p:nvCxnSpPr>
-          <p:cNvPr id="314" name="Straight Arrow Connector 313"/>
-          <p:cNvCxnSpPr>
-            <a:stCxn id="299" idx="3"/>
-          </p:cNvCxnSpPr>
-          <p:nvPr/>
-        </p:nvCxnSpPr>
-        <p:spPr>
-          <a:xfrm>
-            <a:off x="7777795" y="3118267"/>
-            <a:ext cx="700536" cy="0"/>
-          </a:xfrm>
-          <a:prstGeom prst="straightConnector1">
-            <a:avLst/>
-          </a:prstGeom>
-          <a:ln w="25400">
-            <a:solidFill>
-              <a:srgbClr val="FF6600"/>
-            </a:solidFill>
-            <a:tailEnd type="arrow"/>
-          </a:ln>
-        </p:spPr>
-        <p:style>
-          <a:lnRef idx="1">
-            <a:schemeClr val="accent1"/>
-          </a:lnRef>
-          <a:fillRef idx="0">
-            <a:schemeClr val="accent1"/>
-          </a:fillRef>
-          <a:effectRef idx="0">
-            <a:schemeClr val="accent1"/>
-          </a:effectRef>
-          <a:fontRef idx="minor">
-            <a:schemeClr val="tx1"/>
-          </a:fontRef>
-        </p:style>
-      </p:cxnSp>
-      <p:sp>
-        <p:nvSpPr>
-          <p:cNvPr id="315" name="TextBox 314"/>
-          <p:cNvSpPr txBox="1"/>
-          <p:nvPr/>
-        </p:nvSpPr>
-        <p:spPr>
-          <a:xfrm>
-            <a:off x="7785128" y="2964895"/>
-            <a:ext cx="617142" cy="164139"/>
-          </a:xfrm>
-          <a:prstGeom prst="rect">
-            <a:avLst/>
-          </a:prstGeom>
-          <a:noFill/>
-        </p:spPr>
-        <p:txBody>
-          <a:bodyPr wrap="none" lIns="25393" tIns="12696" rIns="25393" bIns="12696" rtlCol="0">
-            <a:spAutoFit/>
-          </a:bodyPr>
-          <a:lstStyle/>
-          <a:p>
-            <a:r>
-              <a:rPr lang="en-US" sz="900" dirty="0"/>
-              <a:t>VXS P0, TRG</a:t>
-            </a:r>
-            <a:endParaRPr lang="en-US" sz="900" dirty="0"/>
-          </a:p>
-        </p:txBody>
-      </p:sp>
-      <p:cxnSp>
-        <p:nvCxnSpPr>
           <p:cNvPr id="319" name="Straight Arrow Connector 318"/>
           <p:cNvCxnSpPr/>
           <p:nvPr/>
         </p:nvCxnSpPr>
         <p:spPr>
           <a:xfrm>
-            <a:off x="8270217" y="3440972"/>
+            <a:off x="8270217" y="3709041"/>
             <a:ext cx="700536" cy="0"/>
           </a:xfrm>
           <a:prstGeom prst="straightConnector1">
@@ -18927,36 +17827,6 @@
           </a:fontRef>
         </p:style>
       </p:cxnSp>
-      <p:sp>
-        <p:nvSpPr>
-          <p:cNvPr id="320" name="TextBox 319"/>
-          <p:cNvSpPr txBox="1"/>
-          <p:nvPr/>
-        </p:nvSpPr>
-        <p:spPr>
-          <a:xfrm>
-            <a:off x="8277549" y="3287600"/>
-            <a:ext cx="637981" cy="164139"/>
-          </a:xfrm>
-          <a:prstGeom prst="rect">
-            <a:avLst/>
-          </a:prstGeom>
-          <a:noFill/>
-        </p:spPr>
-        <p:txBody>
-          <a:bodyPr wrap="none" lIns="25393" tIns="12696" rIns="25393" bIns="12696" rtlCol="0">
-            <a:spAutoFit/>
-          </a:bodyPr>
-          <a:lstStyle/>
-          <a:p>
-            <a:r>
-              <a:rPr lang="en-US" sz="900" b="1" dirty="0"/>
-              <a:t>QSF#A, to TI</a:t>
-            </a:r>
-            <a:endParaRPr lang="en-US" sz="900" b="1" dirty="0"/>
-          </a:p>
-        </p:txBody>
-      </p:sp>
       <p:cxnSp>
         <p:nvCxnSpPr>
           <p:cNvPr id="321" name="Straight Arrow Connector 320"/>
@@ -18965,7 +17835,7 @@
         </p:nvCxnSpPr>
         <p:spPr>
           <a:xfrm>
-            <a:off x="8260853" y="3725778"/>
+            <a:off x="8260853" y="3993847"/>
             <a:ext cx="700536" cy="0"/>
           </a:xfrm>
           <a:prstGeom prst="straightConnector1">
@@ -18993,36 +17863,6 @@
           </a:fontRef>
         </p:style>
       </p:cxnSp>
-      <p:sp>
-        <p:nvSpPr>
-          <p:cNvPr id="322" name="TextBox 321"/>
-          <p:cNvSpPr txBox="1"/>
-          <p:nvPr/>
-        </p:nvSpPr>
-        <p:spPr>
-          <a:xfrm>
-            <a:off x="8268186" y="3572405"/>
-            <a:ext cx="631569" cy="164139"/>
-          </a:xfrm>
-          <a:prstGeom prst="rect">
-            <a:avLst/>
-          </a:prstGeom>
-          <a:noFill/>
-        </p:spPr>
-        <p:txBody>
-          <a:bodyPr wrap="none" lIns="25393" tIns="12696" rIns="25393" bIns="12696" rtlCol="0">
-            <a:spAutoFit/>
-          </a:bodyPr>
-          <a:lstStyle/>
-          <a:p>
-            <a:r>
-              <a:rPr lang="en-US" sz="900" b="1" dirty="0"/>
-              <a:t>QSF#B, to TI</a:t>
-            </a:r>
-            <a:endParaRPr lang="en-US" sz="900" b="1" dirty="0"/>
-          </a:p>
-        </p:txBody>
-      </p:sp>
       <p:pic>
         <p:nvPicPr>
           <p:cNvPr id="323" name="Picture 322"/>
@@ -19089,36 +17929,6 @@
           </a:fontRef>
         </p:style>
       </p:cxnSp>
-      <p:sp>
-        <p:nvSpPr>
-          <p:cNvPr id="325" name="TextBox 324"/>
-          <p:cNvSpPr txBox="1"/>
-          <p:nvPr/>
-        </p:nvSpPr>
-        <p:spPr>
-          <a:xfrm>
-            <a:off x="515944" y="1541292"/>
-            <a:ext cx="708513" cy="164139"/>
-          </a:xfrm>
-          <a:prstGeom prst="rect">
-            <a:avLst/>
-          </a:prstGeom>
-          <a:noFill/>
-        </p:spPr>
-        <p:txBody>
-          <a:bodyPr wrap="none" lIns="25393" tIns="12696" rIns="25393" bIns="12696" rtlCol="0">
-            <a:spAutoFit/>
-          </a:bodyPr>
-          <a:lstStyle/>
-          <a:p>
-            <a:r>
-              <a:rPr lang="en-US" sz="900" b="1" dirty="0"/>
-              <a:t>UL1/2, TRG#1</a:t>
-            </a:r>
-            <a:endParaRPr lang="en-US" sz="900" b="1" dirty="0"/>
-          </a:p>
-        </p:txBody>
-      </p:sp>
       <p:cxnSp>
         <p:nvCxnSpPr>
           <p:cNvPr id="326" name="Straight Arrow Connector 325"/>
@@ -19155,36 +17965,6 @@
           </a:fontRef>
         </p:style>
       </p:cxnSp>
-      <p:sp>
-        <p:nvSpPr>
-          <p:cNvPr id="327" name="TextBox 326"/>
-          <p:cNvSpPr txBox="1"/>
-          <p:nvPr/>
-        </p:nvSpPr>
-        <p:spPr>
-          <a:xfrm>
-            <a:off x="510275" y="2029995"/>
-            <a:ext cx="708513" cy="164139"/>
-          </a:xfrm>
-          <a:prstGeom prst="rect">
-            <a:avLst/>
-          </a:prstGeom>
-          <a:noFill/>
-        </p:spPr>
-        <p:txBody>
-          <a:bodyPr wrap="none" lIns="25393" tIns="12696" rIns="25393" bIns="12696" rtlCol="0">
-            <a:spAutoFit/>
-          </a:bodyPr>
-          <a:lstStyle/>
-          <a:p>
-            <a:r>
-              <a:rPr lang="en-US" sz="900" b="1" dirty="0"/>
-              <a:t>UL7/8, TRG#4</a:t>
-            </a:r>
-            <a:endParaRPr lang="en-US" sz="900" b="1" dirty="0"/>
-          </a:p>
-        </p:txBody>
-      </p:sp>
       <p:cxnSp>
         <p:nvCxnSpPr>
           <p:cNvPr id="328" name="Straight Arrow Connector 327"/>
@@ -19221,36 +18001,6 @@
           </a:fontRef>
         </p:style>
       </p:cxnSp>
-      <p:sp>
-        <p:nvSpPr>
-          <p:cNvPr id="329" name="TextBox 328"/>
-          <p:cNvSpPr txBox="1"/>
-          <p:nvPr/>
-        </p:nvSpPr>
-        <p:spPr>
-          <a:xfrm>
-            <a:off x="515943" y="1868816"/>
-            <a:ext cx="708513" cy="164139"/>
-          </a:xfrm>
-          <a:prstGeom prst="rect">
-            <a:avLst/>
-          </a:prstGeom>
-          <a:noFill/>
-        </p:spPr>
-        <p:txBody>
-          <a:bodyPr wrap="none" lIns="25393" tIns="12696" rIns="25393" bIns="12696" rtlCol="0">
-            <a:spAutoFit/>
-          </a:bodyPr>
-          <a:lstStyle/>
-          <a:p>
-            <a:r>
-              <a:rPr lang="en-US" sz="900" b="1" dirty="0"/>
-              <a:t>UL5/6, TRG#3</a:t>
-            </a:r>
-            <a:endParaRPr lang="en-US" sz="900" b="1" dirty="0"/>
-          </a:p>
-        </p:txBody>
-      </p:sp>
       <p:cxnSp>
         <p:nvCxnSpPr>
           <p:cNvPr id="330" name="Straight Arrow Connector 329"/>
@@ -19289,43 +18039,13 @@
       </p:cxnSp>
       <p:sp>
         <p:nvSpPr>
-          <p:cNvPr id="331" name="TextBox 330"/>
-          <p:cNvSpPr txBox="1"/>
-          <p:nvPr/>
-        </p:nvSpPr>
-        <p:spPr>
-          <a:xfrm>
-            <a:off x="516391" y="1706378"/>
-            <a:ext cx="708513" cy="164139"/>
-          </a:xfrm>
-          <a:prstGeom prst="rect">
-            <a:avLst/>
-          </a:prstGeom>
-          <a:noFill/>
-        </p:spPr>
-        <p:txBody>
-          <a:bodyPr wrap="none" lIns="25393" tIns="12696" rIns="25393" bIns="12696" rtlCol="0">
-            <a:spAutoFit/>
-          </a:bodyPr>
-          <a:lstStyle/>
-          <a:p>
-            <a:r>
-              <a:rPr lang="en-US" sz="900" b="1" dirty="0"/>
-              <a:t>UL3/4, TRG#2</a:t>
-            </a:r>
-            <a:endParaRPr lang="en-US" sz="900" b="1" dirty="0"/>
-          </a:p>
-        </p:txBody>
-      </p:sp>
-      <p:sp>
-        <p:nvSpPr>
           <p:cNvPr id="354" name="Rectangle 353"/>
           <p:cNvSpPr/>
           <p:nvPr/>
         </p:nvSpPr>
         <p:spPr>
           <a:xfrm>
-            <a:off x="1924129" y="2591563"/>
+            <a:off x="1924129" y="2859632"/>
             <a:ext cx="1653038" cy="1022165"/>
           </a:xfrm>
           <a:prstGeom prst="rect">
@@ -19368,8 +18088,8 @@
         </p:nvSpPr>
         <p:spPr>
           <a:xfrm>
-            <a:off x="2020117" y="2590483"/>
-            <a:ext cx="1481674" cy="1010525"/>
+            <a:off x="2050927" y="2948154"/>
+            <a:ext cx="1420054" cy="748915"/>
           </a:xfrm>
           <a:prstGeom prst="rect">
             <a:avLst/>
@@ -19384,19 +18104,12 @@
           <a:p>
             <a:pPr algn="ctr"/>
             <a:r>
-              <a:rPr lang="en-US" sz="1700" dirty="0" err="1"/>
-              <a:t>ReadOut</a:t>
+              <a:rPr lang="en-US" sz="1700" dirty="0" smtClean="0"/>
+              <a:t>Delay</a:t>
             </a:r>
             <a:r>
               <a:rPr lang="en-US" sz="1700" dirty="0"/>
-              <a:t> Trigger</a:t>
-            </a:r>
-          </a:p>
-          <a:p>
-            <a:pPr algn="ctr"/>
-            <a:r>
-              <a:rPr lang="en-US" sz="1700" dirty="0"/>
-              <a:t>Delay, </a:t>
+              <a:t>, </a:t>
             </a:r>
             <a:r>
               <a:rPr lang="en-US" sz="1700" dirty="0" err="1"/>
@@ -19420,7 +18133,6 @@
               <a:rPr lang="en-US" sz="1500" dirty="0"/>
               <a:t>Trigger Rule</a:t>
             </a:r>
-            <a:endParaRPr lang="en-US" sz="1500" dirty="0"/>
           </a:p>
         </p:txBody>
       </p:sp>
@@ -19432,7 +18144,7 @@
         </p:nvCxnSpPr>
         <p:spPr>
           <a:xfrm>
-            <a:off x="1273166" y="3558200"/>
+            <a:off x="1273166" y="3826269"/>
             <a:ext cx="659784" cy="0"/>
           </a:xfrm>
           <a:prstGeom prst="straightConnector1">
@@ -19460,42 +18172,6 @@
           </a:fontRef>
         </p:style>
       </p:cxnSp>
-      <p:sp>
-        <p:nvSpPr>
-          <p:cNvPr id="358" name="TextBox 357"/>
-          <p:cNvSpPr txBox="1"/>
-          <p:nvPr/>
-        </p:nvSpPr>
-        <p:spPr>
-          <a:xfrm>
-            <a:off x="1203479" y="3408586"/>
-            <a:ext cx="784264" cy="302639"/>
-          </a:xfrm>
-          <a:prstGeom prst="rect">
-            <a:avLst/>
-          </a:prstGeom>
-          <a:noFill/>
-        </p:spPr>
-        <p:txBody>
-          <a:bodyPr wrap="square" lIns="25393" tIns="12696" rIns="25393" bIns="12696" rtlCol="0">
-            <a:spAutoFit/>
-          </a:bodyPr>
-          <a:lstStyle/>
-          <a:p>
-            <a:r>
-              <a:rPr lang="en-US" sz="900" dirty="0"/>
-              <a:t>VME P2 GTP </a:t>
-            </a:r>
-          </a:p>
-          <a:p>
-            <a:r>
-              <a:rPr lang="en-US" sz="900" dirty="0"/>
-              <a:t>#1 --- #32</a:t>
-            </a:r>
-            <a:endParaRPr lang="en-US" sz="900" dirty="0"/>
-          </a:p>
-        </p:txBody>
-      </p:sp>
       <p:cxnSp>
         <p:nvCxnSpPr>
           <p:cNvPr id="359" name="Straight Arrow Connector 358"/>
@@ -19504,7 +18180,7 @@
         </p:nvCxnSpPr>
         <p:spPr>
           <a:xfrm>
-            <a:off x="1264056" y="2718797"/>
+            <a:off x="1264056" y="2986866"/>
             <a:ext cx="656633" cy="0"/>
           </a:xfrm>
           <a:prstGeom prst="straightConnector1">
@@ -19532,40 +18208,6 @@
           </a:fontRef>
         </p:style>
       </p:cxnSp>
-      <p:sp>
-        <p:nvSpPr>
-          <p:cNvPr id="360" name="TextBox 359"/>
-          <p:cNvSpPr txBox="1"/>
-          <p:nvPr/>
-        </p:nvSpPr>
-        <p:spPr>
-          <a:xfrm>
-            <a:off x="1227485" y="2569184"/>
-            <a:ext cx="477681" cy="164139"/>
-          </a:xfrm>
-          <a:prstGeom prst="rect">
-            <a:avLst/>
-          </a:prstGeom>
-          <a:noFill/>
-        </p:spPr>
-        <p:txBody>
-          <a:bodyPr wrap="none" lIns="25393" tIns="12696" rIns="25393" bIns="12696" rtlCol="0">
-            <a:spAutoFit/>
-          </a:bodyPr>
-          <a:lstStyle/>
-          <a:p>
-            <a:r>
-              <a:rPr lang="en-US" sz="900" dirty="0"/>
-              <a:t>L</a:t>
-            </a:r>
-            <a:r>
-              <a:rPr lang="en-US" sz="900" dirty="0"/>
-              <a:t>L1/2, #1</a:t>
-            </a:r>
-            <a:endParaRPr lang="en-US" sz="900" dirty="0"/>
-          </a:p>
-        </p:txBody>
-      </p:sp>
       <p:cxnSp>
         <p:nvCxnSpPr>
           <p:cNvPr id="361" name="Straight Arrow Connector 360"/>
@@ -19574,7 +18216,7 @@
         </p:nvCxnSpPr>
         <p:spPr>
           <a:xfrm>
-            <a:off x="1270014" y="3361560"/>
+            <a:off x="1270014" y="3629629"/>
             <a:ext cx="659784" cy="0"/>
           </a:xfrm>
           <a:prstGeom prst="straightConnector1">
@@ -19602,36 +18244,6 @@
           </a:fontRef>
         </p:style>
       </p:cxnSp>
-      <p:sp>
-        <p:nvSpPr>
-          <p:cNvPr id="362" name="TextBox 361"/>
-          <p:cNvSpPr txBox="1"/>
-          <p:nvPr/>
-        </p:nvSpPr>
-        <p:spPr>
-          <a:xfrm>
-            <a:off x="1236594" y="3211947"/>
-            <a:ext cx="665233" cy="164139"/>
-          </a:xfrm>
-          <a:prstGeom prst="rect">
-            <a:avLst/>
-          </a:prstGeom>
-          <a:noFill/>
-        </p:spPr>
-        <p:txBody>
-          <a:bodyPr wrap="none" lIns="25393" tIns="12696" rIns="25393" bIns="12696" rtlCol="0">
-            <a:spAutoFit/>
-          </a:bodyPr>
-          <a:lstStyle/>
-          <a:p>
-            <a:r>
-              <a:rPr lang="en-US" sz="900" dirty="0"/>
-              <a:t>LR15/16, #16</a:t>
-            </a:r>
-            <a:endParaRPr lang="en-US" sz="900" dirty="0"/>
-          </a:p>
-        </p:txBody>
-      </p:sp>
       <p:cxnSp>
         <p:nvCxnSpPr>
           <p:cNvPr id="363" name="Straight Arrow Connector 362"/>
@@ -19640,7 +18252,7 @@
         </p:nvCxnSpPr>
         <p:spPr>
           <a:xfrm>
-            <a:off x="1270014" y="3132483"/>
+            <a:off x="1270014" y="3400552"/>
             <a:ext cx="659784" cy="0"/>
           </a:xfrm>
           <a:prstGeom prst="straightConnector1">
@@ -19668,36 +18280,6 @@
           </a:fontRef>
         </p:style>
       </p:cxnSp>
-      <p:sp>
-        <p:nvSpPr>
-          <p:cNvPr id="364" name="TextBox 363"/>
-          <p:cNvSpPr txBox="1"/>
-          <p:nvPr/>
-        </p:nvSpPr>
-        <p:spPr>
-          <a:xfrm>
-            <a:off x="1236594" y="2982869"/>
-            <a:ext cx="492108" cy="164139"/>
-          </a:xfrm>
-          <a:prstGeom prst="rect">
-            <a:avLst/>
-          </a:prstGeom>
-          <a:noFill/>
-        </p:spPr>
-        <p:txBody>
-          <a:bodyPr wrap="none" lIns="25393" tIns="12696" rIns="25393" bIns="12696" rtlCol="0">
-            <a:spAutoFit/>
-          </a:bodyPr>
-          <a:lstStyle/>
-          <a:p>
-            <a:r>
-              <a:rPr lang="en-US" sz="900" dirty="0"/>
-              <a:t>LR1/2, #9</a:t>
-            </a:r>
-            <a:endParaRPr lang="en-US" sz="900" dirty="0"/>
-          </a:p>
-        </p:txBody>
-      </p:sp>
       <p:cxnSp>
         <p:nvCxnSpPr>
           <p:cNvPr id="365" name="Straight Arrow Connector 364"/>
@@ -19706,7 +18288,7 @@
         </p:nvCxnSpPr>
         <p:spPr>
           <a:xfrm>
-            <a:off x="1265412" y="2961940"/>
+            <a:off x="1265412" y="3230009"/>
             <a:ext cx="659784" cy="0"/>
           </a:xfrm>
           <a:prstGeom prst="straightConnector1">
@@ -19736,871 +18318,13 @@
       </p:cxnSp>
       <p:sp>
         <p:nvSpPr>
-          <p:cNvPr id="366" name="TextBox 365"/>
-          <p:cNvSpPr txBox="1"/>
-          <p:nvPr/>
-        </p:nvSpPr>
-        <p:spPr>
-          <a:xfrm>
-            <a:off x="1231992" y="2812326"/>
-            <a:ext cx="593097" cy="164139"/>
-          </a:xfrm>
-          <a:prstGeom prst="rect">
-            <a:avLst/>
-          </a:prstGeom>
-          <a:noFill/>
-        </p:spPr>
-        <p:txBody>
-          <a:bodyPr wrap="none" lIns="25393" tIns="12696" rIns="25393" bIns="12696" rtlCol="0">
-            <a:spAutoFit/>
-          </a:bodyPr>
-          <a:lstStyle/>
-          <a:p>
-            <a:r>
-              <a:rPr lang="en-US" sz="900" dirty="0"/>
-              <a:t>LL15/16, #8</a:t>
-            </a:r>
-            <a:endParaRPr lang="en-US" sz="900" dirty="0"/>
-          </a:p>
-        </p:txBody>
-      </p:sp>
-      <p:sp>
-        <p:nvSpPr>
-          <p:cNvPr id="374" name="TextBox 373"/>
-          <p:cNvSpPr txBox="1"/>
-          <p:nvPr/>
-        </p:nvSpPr>
-        <p:spPr>
-          <a:xfrm>
-            <a:off x="2623914" y="3712294"/>
-            <a:ext cx="659101" cy="256481"/>
-          </a:xfrm>
-          <a:prstGeom prst="rect">
-            <a:avLst/>
-          </a:prstGeom>
-          <a:noFill/>
-        </p:spPr>
-        <p:txBody>
-          <a:bodyPr wrap="none" lIns="25393" tIns="12696" rIns="25393" bIns="12696" rtlCol="0">
-            <a:spAutoFit/>
-          </a:bodyPr>
-          <a:lstStyle/>
-          <a:p>
-            <a:r>
-              <a:rPr lang="en-US" sz="1500" dirty="0"/>
-              <a:t>VME P1</a:t>
-            </a:r>
-            <a:endParaRPr lang="en-US" sz="1500" dirty="0"/>
-          </a:p>
-        </p:txBody>
-      </p:sp>
-      <p:cxnSp>
-        <p:nvCxnSpPr>
-          <p:cNvPr id="376" name="Straight Arrow Connector 375"/>
-          <p:cNvCxnSpPr>
-            <a:stCxn id="374" idx="2"/>
-          </p:cNvCxnSpPr>
-          <p:nvPr/>
-        </p:nvCxnSpPr>
-        <p:spPr>
-          <a:xfrm>
-            <a:off x="2953464" y="3968775"/>
-            <a:ext cx="6708" cy="239753"/>
-          </a:xfrm>
-          <a:prstGeom prst="straightConnector1">
-            <a:avLst/>
-          </a:prstGeom>
-          <a:ln w="44450">
-            <a:solidFill>
-              <a:srgbClr val="FF0000"/>
-            </a:solidFill>
-            <a:tailEnd type="arrow"/>
-          </a:ln>
-        </p:spPr>
-        <p:style>
-          <a:lnRef idx="1">
-            <a:schemeClr val="accent1"/>
-          </a:lnRef>
-          <a:fillRef idx="0">
-            <a:schemeClr val="accent1"/>
-          </a:fillRef>
-          <a:effectRef idx="0">
-            <a:schemeClr val="accent1"/>
-          </a:effectRef>
-          <a:fontRef idx="minor">
-            <a:schemeClr val="tx1"/>
-          </a:fontRef>
-        </p:style>
-      </p:cxnSp>
-      <p:sp>
-        <p:nvSpPr>
-          <p:cNvPr id="377" name="TextBox 376"/>
-          <p:cNvSpPr txBox="1"/>
-          <p:nvPr/>
-        </p:nvSpPr>
-        <p:spPr>
-          <a:xfrm>
-            <a:off x="3763397" y="3752748"/>
-            <a:ext cx="586877" cy="256481"/>
-          </a:xfrm>
-          <a:prstGeom prst="rect">
-            <a:avLst/>
-          </a:prstGeom>
-          <a:noFill/>
-        </p:spPr>
-        <p:txBody>
-          <a:bodyPr wrap="none" lIns="25393" tIns="12696" rIns="25393" bIns="12696" rtlCol="0">
-            <a:spAutoFit/>
-          </a:bodyPr>
-          <a:lstStyle/>
-          <a:p>
-            <a:r>
-              <a:rPr lang="en-US" sz="1500" dirty="0"/>
-              <a:t>VXS P0</a:t>
-            </a:r>
-            <a:endParaRPr lang="en-US" sz="1500" dirty="0"/>
-          </a:p>
-        </p:txBody>
-      </p:sp>
-      <p:cxnSp>
-        <p:nvCxnSpPr>
-          <p:cNvPr id="378" name="Straight Arrow Connector 377"/>
-          <p:cNvCxnSpPr>
-            <a:stCxn id="377" idx="2"/>
-          </p:cNvCxnSpPr>
-          <p:nvPr/>
-        </p:nvCxnSpPr>
-        <p:spPr>
-          <a:xfrm>
-            <a:off x="4056835" y="4009228"/>
-            <a:ext cx="42820" cy="239753"/>
-          </a:xfrm>
-          <a:prstGeom prst="straightConnector1">
-            <a:avLst/>
-          </a:prstGeom>
-          <a:ln w="44450">
-            <a:solidFill>
-              <a:srgbClr val="FF0000"/>
-            </a:solidFill>
-            <a:tailEnd type="arrow"/>
-          </a:ln>
-        </p:spPr>
-        <p:style>
-          <a:lnRef idx="1">
-            <a:schemeClr val="accent1"/>
-          </a:lnRef>
-          <a:fillRef idx="0">
-            <a:schemeClr val="accent1"/>
-          </a:fillRef>
-          <a:effectRef idx="0">
-            <a:schemeClr val="accent1"/>
-          </a:effectRef>
-          <a:fontRef idx="minor">
-            <a:schemeClr val="tx1"/>
-          </a:fontRef>
-        </p:style>
-      </p:cxnSp>
-      <p:sp>
-        <p:nvSpPr>
-          <p:cNvPr id="379" name="TextBox 378"/>
-          <p:cNvSpPr txBox="1"/>
-          <p:nvPr/>
-        </p:nvSpPr>
-        <p:spPr>
-          <a:xfrm>
-            <a:off x="4711352" y="3754627"/>
-            <a:ext cx="659101" cy="256481"/>
-          </a:xfrm>
-          <a:prstGeom prst="rect">
-            <a:avLst/>
-          </a:prstGeom>
-          <a:noFill/>
-        </p:spPr>
-        <p:txBody>
-          <a:bodyPr wrap="none" lIns="25393" tIns="12696" rIns="25393" bIns="12696" rtlCol="0">
-            <a:spAutoFit/>
-          </a:bodyPr>
-          <a:lstStyle/>
-          <a:p>
-            <a:r>
-              <a:rPr lang="en-US" sz="1500" dirty="0"/>
-              <a:t>VME P2</a:t>
-            </a:r>
-            <a:endParaRPr lang="en-US" sz="1500" dirty="0"/>
-          </a:p>
-        </p:txBody>
-      </p:sp>
-      <p:cxnSp>
-        <p:nvCxnSpPr>
-          <p:cNvPr id="380" name="Straight Arrow Connector 379"/>
-          <p:cNvCxnSpPr>
-            <a:stCxn id="379" idx="2"/>
-          </p:cNvCxnSpPr>
-          <p:nvPr/>
-        </p:nvCxnSpPr>
-        <p:spPr>
-          <a:xfrm>
-            <a:off x="5040903" y="4011108"/>
-            <a:ext cx="6708" cy="239753"/>
-          </a:xfrm>
-          <a:prstGeom prst="straightConnector1">
-            <a:avLst/>
-          </a:prstGeom>
-          <a:ln w="44450">
-            <a:solidFill>
-              <a:srgbClr val="FF0000"/>
-            </a:solidFill>
-            <a:tailEnd type="arrow"/>
-          </a:ln>
-        </p:spPr>
-        <p:style>
-          <a:lnRef idx="1">
-            <a:schemeClr val="accent1"/>
-          </a:lnRef>
-          <a:fillRef idx="0">
-            <a:schemeClr val="accent1"/>
-          </a:fillRef>
-          <a:effectRef idx="0">
-            <a:schemeClr val="accent1"/>
-          </a:effectRef>
-          <a:fontRef idx="minor">
-            <a:schemeClr val="tx1"/>
-          </a:fontRef>
-        </p:style>
-      </p:cxnSp>
-      <p:sp>
-        <p:nvSpPr>
-          <p:cNvPr id="381" name="TextBox 380"/>
-          <p:cNvSpPr txBox="1"/>
-          <p:nvPr/>
-        </p:nvSpPr>
-        <p:spPr>
-          <a:xfrm>
-            <a:off x="1405398" y="6165783"/>
-            <a:ext cx="255679" cy="256481"/>
-          </a:xfrm>
-          <a:prstGeom prst="rect">
-            <a:avLst/>
-          </a:prstGeom>
-          <a:noFill/>
-        </p:spPr>
-        <p:txBody>
-          <a:bodyPr wrap="none" lIns="25393" tIns="12696" rIns="25393" bIns="12696" rtlCol="0">
-            <a:spAutoFit/>
-          </a:bodyPr>
-          <a:lstStyle/>
-          <a:p>
-            <a:r>
-              <a:rPr lang="en-US" sz="1500" dirty="0"/>
-              <a:t>UL</a:t>
-            </a:r>
-            <a:endParaRPr lang="en-US" sz="1500" dirty="0"/>
-          </a:p>
-        </p:txBody>
-      </p:sp>
-      <p:cxnSp>
-        <p:nvCxnSpPr>
-          <p:cNvPr id="382" name="Straight Arrow Connector 381"/>
-          <p:cNvCxnSpPr>
-            <a:stCxn id="381" idx="0"/>
-          </p:cNvCxnSpPr>
-          <p:nvPr/>
-        </p:nvCxnSpPr>
-        <p:spPr>
-          <a:xfrm flipV="1">
-            <a:off x="1533238" y="5647861"/>
-            <a:ext cx="169110" cy="517922"/>
-          </a:xfrm>
-          <a:prstGeom prst="straightConnector1">
-            <a:avLst/>
-          </a:prstGeom>
-          <a:ln w="44450">
-            <a:solidFill>
-              <a:srgbClr val="FF0000"/>
-            </a:solidFill>
-            <a:tailEnd type="arrow"/>
-          </a:ln>
-        </p:spPr>
-        <p:style>
-          <a:lnRef idx="1">
-            <a:schemeClr val="accent1"/>
-          </a:lnRef>
-          <a:fillRef idx="0">
-            <a:schemeClr val="accent1"/>
-          </a:fillRef>
-          <a:effectRef idx="0">
-            <a:schemeClr val="accent1"/>
-          </a:effectRef>
-          <a:fontRef idx="minor">
-            <a:schemeClr val="tx1"/>
-          </a:fontRef>
-        </p:style>
-      </p:cxnSp>
-      <p:sp>
-        <p:nvSpPr>
-          <p:cNvPr id="387" name="TextBox 386"/>
-          <p:cNvSpPr txBox="1"/>
-          <p:nvPr/>
-        </p:nvSpPr>
-        <p:spPr>
-          <a:xfrm>
-            <a:off x="1792849" y="6165783"/>
-            <a:ext cx="279279" cy="256481"/>
-          </a:xfrm>
-          <a:prstGeom prst="rect">
-            <a:avLst/>
-          </a:prstGeom>
-          <a:noFill/>
-        </p:spPr>
-        <p:txBody>
-          <a:bodyPr wrap="none" lIns="25393" tIns="12696" rIns="25393" bIns="12696" rtlCol="0">
-            <a:spAutoFit/>
-          </a:bodyPr>
-          <a:lstStyle/>
-          <a:p>
-            <a:r>
-              <a:rPr lang="en-US" sz="1500" dirty="0"/>
-              <a:t>UR</a:t>
-            </a:r>
-            <a:endParaRPr lang="en-US" sz="1500" dirty="0"/>
-          </a:p>
-        </p:txBody>
-      </p:sp>
-      <p:cxnSp>
-        <p:nvCxnSpPr>
-          <p:cNvPr id="388" name="Straight Arrow Connector 387"/>
-          <p:cNvCxnSpPr>
-            <a:stCxn id="387" idx="0"/>
-          </p:cNvCxnSpPr>
-          <p:nvPr/>
-        </p:nvCxnSpPr>
-        <p:spPr>
-          <a:xfrm flipV="1">
-            <a:off x="1932488" y="5436194"/>
-            <a:ext cx="55254" cy="729589"/>
-          </a:xfrm>
-          <a:prstGeom prst="straightConnector1">
-            <a:avLst/>
-          </a:prstGeom>
-          <a:ln w="44450">
-            <a:solidFill>
-              <a:srgbClr val="FF0000"/>
-            </a:solidFill>
-            <a:tailEnd type="arrow"/>
-          </a:ln>
-        </p:spPr>
-        <p:style>
-          <a:lnRef idx="1">
-            <a:schemeClr val="accent1"/>
-          </a:lnRef>
-          <a:fillRef idx="0">
-            <a:schemeClr val="accent1"/>
-          </a:fillRef>
-          <a:effectRef idx="0">
-            <a:schemeClr val="accent1"/>
-          </a:effectRef>
-          <a:fontRef idx="minor">
-            <a:schemeClr val="tx1"/>
-          </a:fontRef>
-        </p:style>
-      </p:cxnSp>
-      <p:sp>
-        <p:nvSpPr>
-          <p:cNvPr id="390" name="TextBox 389"/>
-          <p:cNvSpPr txBox="1"/>
-          <p:nvPr/>
-        </p:nvSpPr>
-        <p:spPr>
-          <a:xfrm>
-            <a:off x="2593708" y="6181713"/>
-            <a:ext cx="213378" cy="256481"/>
-          </a:xfrm>
-          <a:prstGeom prst="rect">
-            <a:avLst/>
-          </a:prstGeom>
-          <a:noFill/>
-        </p:spPr>
-        <p:txBody>
-          <a:bodyPr wrap="none" lIns="25393" tIns="12696" rIns="25393" bIns="12696" rtlCol="0">
-            <a:spAutoFit/>
-          </a:bodyPr>
-          <a:lstStyle/>
-          <a:p>
-            <a:r>
-              <a:rPr lang="en-US" sz="1500" dirty="0"/>
-              <a:t>L</a:t>
-            </a:r>
-            <a:r>
-              <a:rPr lang="en-US" sz="1500" dirty="0"/>
-              <a:t>L</a:t>
-            </a:r>
-            <a:endParaRPr lang="en-US" sz="1500" dirty="0"/>
-          </a:p>
-        </p:txBody>
-      </p:sp>
-      <p:cxnSp>
-        <p:nvCxnSpPr>
-          <p:cNvPr id="391" name="Straight Arrow Connector 390"/>
-          <p:cNvCxnSpPr>
-            <a:stCxn id="390" idx="0"/>
-          </p:cNvCxnSpPr>
-          <p:nvPr/>
-        </p:nvCxnSpPr>
-        <p:spPr>
-          <a:xfrm flipV="1">
-            <a:off x="2700397" y="5663791"/>
-            <a:ext cx="190261" cy="517922"/>
-          </a:xfrm>
-          <a:prstGeom prst="straightConnector1">
-            <a:avLst/>
-          </a:prstGeom>
-          <a:ln w="44450">
-            <a:solidFill>
-              <a:srgbClr val="FF0000"/>
-            </a:solidFill>
-            <a:tailEnd type="arrow"/>
-          </a:ln>
-        </p:spPr>
-        <p:style>
-          <a:lnRef idx="1">
-            <a:schemeClr val="accent1"/>
-          </a:lnRef>
-          <a:fillRef idx="0">
-            <a:schemeClr val="accent1"/>
-          </a:fillRef>
-          <a:effectRef idx="0">
-            <a:schemeClr val="accent1"/>
-          </a:effectRef>
-          <a:fontRef idx="minor">
-            <a:schemeClr val="tx1"/>
-          </a:fontRef>
-        </p:style>
-      </p:cxnSp>
-      <p:sp>
-        <p:nvSpPr>
-          <p:cNvPr id="392" name="TextBox 391"/>
-          <p:cNvSpPr txBox="1"/>
-          <p:nvPr/>
-        </p:nvSpPr>
-        <p:spPr>
-          <a:xfrm>
-            <a:off x="2981159" y="6181713"/>
-            <a:ext cx="236978" cy="256481"/>
-          </a:xfrm>
-          <a:prstGeom prst="rect">
-            <a:avLst/>
-          </a:prstGeom>
-          <a:noFill/>
-        </p:spPr>
-        <p:txBody>
-          <a:bodyPr wrap="none" lIns="25393" tIns="12696" rIns="25393" bIns="12696" rtlCol="0">
-            <a:spAutoFit/>
-          </a:bodyPr>
-          <a:lstStyle/>
-          <a:p>
-            <a:r>
-              <a:rPr lang="en-US" sz="1500" dirty="0"/>
-              <a:t>L</a:t>
-            </a:r>
-            <a:r>
-              <a:rPr lang="en-US" sz="1500" dirty="0"/>
-              <a:t>R</a:t>
-            </a:r>
-            <a:endParaRPr lang="en-US" sz="1500" dirty="0"/>
-          </a:p>
-        </p:txBody>
-      </p:sp>
-      <p:cxnSp>
-        <p:nvCxnSpPr>
-          <p:cNvPr id="393" name="Straight Arrow Connector 392"/>
-          <p:cNvCxnSpPr>
-            <a:stCxn id="392" idx="0"/>
-          </p:cNvCxnSpPr>
-          <p:nvPr/>
-        </p:nvCxnSpPr>
-        <p:spPr>
-          <a:xfrm flipV="1">
-            <a:off x="3099648" y="5452125"/>
-            <a:ext cx="76404" cy="729588"/>
-          </a:xfrm>
-          <a:prstGeom prst="straightConnector1">
-            <a:avLst/>
-          </a:prstGeom>
-          <a:ln w="44450">
-            <a:solidFill>
-              <a:srgbClr val="FF0000"/>
-            </a:solidFill>
-            <a:tailEnd type="arrow"/>
-          </a:ln>
-        </p:spPr>
-        <p:style>
-          <a:lnRef idx="1">
-            <a:schemeClr val="accent1"/>
-          </a:lnRef>
-          <a:fillRef idx="0">
-            <a:schemeClr val="accent1"/>
-          </a:fillRef>
-          <a:effectRef idx="0">
-            <a:schemeClr val="accent1"/>
-          </a:effectRef>
-          <a:fontRef idx="minor">
-            <a:schemeClr val="tx1"/>
-          </a:fontRef>
-        </p:style>
-      </p:cxnSp>
-      <p:sp>
-        <p:nvSpPr>
-          <p:cNvPr id="394" name="TextBox 393"/>
-          <p:cNvSpPr txBox="1"/>
-          <p:nvPr/>
-        </p:nvSpPr>
-        <p:spPr>
-          <a:xfrm>
-            <a:off x="5383961" y="6220519"/>
-            <a:ext cx="132337" cy="256481"/>
-          </a:xfrm>
-          <a:prstGeom prst="rect">
-            <a:avLst/>
-          </a:prstGeom>
-          <a:noFill/>
-        </p:spPr>
-        <p:txBody>
-          <a:bodyPr wrap="none" lIns="25393" tIns="12696" rIns="25393" bIns="12696" rtlCol="0">
-            <a:spAutoFit/>
-          </a:bodyPr>
-          <a:lstStyle/>
-          <a:p>
-            <a:r>
-              <a:rPr lang="en-US" sz="1500" dirty="0"/>
-              <a:t>L</a:t>
-            </a:r>
-            <a:endParaRPr lang="en-US" sz="1500" dirty="0"/>
-          </a:p>
-        </p:txBody>
-      </p:sp>
-      <p:cxnSp>
-        <p:nvCxnSpPr>
-          <p:cNvPr id="395" name="Straight Arrow Connector 394"/>
-          <p:cNvCxnSpPr>
-            <a:stCxn id="394" idx="0"/>
-          </p:cNvCxnSpPr>
-          <p:nvPr/>
-        </p:nvCxnSpPr>
-        <p:spPr>
-          <a:xfrm flipV="1">
-            <a:off x="5450130" y="5702597"/>
-            <a:ext cx="230781" cy="517922"/>
-          </a:xfrm>
-          <a:prstGeom prst="straightConnector1">
-            <a:avLst/>
-          </a:prstGeom>
-          <a:ln w="44450">
-            <a:solidFill>
-              <a:srgbClr val="FF0000"/>
-            </a:solidFill>
-            <a:tailEnd type="arrow"/>
-          </a:ln>
-        </p:spPr>
-        <p:style>
-          <a:lnRef idx="1">
-            <a:schemeClr val="accent1"/>
-          </a:lnRef>
-          <a:fillRef idx="0">
-            <a:schemeClr val="accent1"/>
-          </a:fillRef>
-          <a:effectRef idx="0">
-            <a:schemeClr val="accent1"/>
-          </a:effectRef>
-          <a:fontRef idx="minor">
-            <a:schemeClr val="tx1"/>
-          </a:fontRef>
-        </p:style>
-      </p:cxnSp>
-      <p:sp>
-        <p:nvSpPr>
-          <p:cNvPr id="396" name="TextBox 395"/>
-          <p:cNvSpPr txBox="1"/>
-          <p:nvPr/>
-        </p:nvSpPr>
-        <p:spPr>
-          <a:xfrm>
-            <a:off x="5771412" y="6220519"/>
-            <a:ext cx="155937" cy="256481"/>
-          </a:xfrm>
-          <a:prstGeom prst="rect">
-            <a:avLst/>
-          </a:prstGeom>
-          <a:noFill/>
-        </p:spPr>
-        <p:txBody>
-          <a:bodyPr wrap="none" lIns="25393" tIns="12696" rIns="25393" bIns="12696" rtlCol="0">
-            <a:spAutoFit/>
-          </a:bodyPr>
-          <a:lstStyle/>
-          <a:p>
-            <a:r>
-              <a:rPr lang="en-US" sz="1500" dirty="0"/>
-              <a:t>R</a:t>
-            </a:r>
-            <a:endParaRPr lang="en-US" sz="1500" dirty="0"/>
-          </a:p>
-        </p:txBody>
-      </p:sp>
-      <p:cxnSp>
-        <p:nvCxnSpPr>
-          <p:cNvPr id="397" name="Straight Arrow Connector 396"/>
-          <p:cNvCxnSpPr>
-            <a:stCxn id="396" idx="0"/>
-          </p:cNvCxnSpPr>
-          <p:nvPr/>
-        </p:nvCxnSpPr>
-        <p:spPr>
-          <a:xfrm flipV="1">
-            <a:off x="5849380" y="5490931"/>
-            <a:ext cx="116925" cy="729588"/>
-          </a:xfrm>
-          <a:prstGeom prst="straightConnector1">
-            <a:avLst/>
-          </a:prstGeom>
-          <a:ln w="44450">
-            <a:solidFill>
-              <a:srgbClr val="FF0000"/>
-            </a:solidFill>
-            <a:tailEnd type="arrow"/>
-          </a:ln>
-        </p:spPr>
-        <p:style>
-          <a:lnRef idx="1">
-            <a:schemeClr val="accent1"/>
-          </a:lnRef>
-          <a:fillRef idx="0">
-            <a:schemeClr val="accent1"/>
-          </a:fillRef>
-          <a:effectRef idx="0">
-            <a:schemeClr val="accent1"/>
-          </a:effectRef>
-          <a:fontRef idx="minor">
-            <a:schemeClr val="tx1"/>
-          </a:fontRef>
-        </p:style>
-      </p:cxnSp>
-      <p:sp>
-        <p:nvSpPr>
-          <p:cNvPr id="398" name="TextBox 397"/>
-          <p:cNvSpPr txBox="1"/>
-          <p:nvPr/>
-        </p:nvSpPr>
-        <p:spPr>
-          <a:xfrm>
-            <a:off x="3648240" y="6199738"/>
-            <a:ext cx="457729" cy="256481"/>
-          </a:xfrm>
-          <a:prstGeom prst="rect">
-            <a:avLst/>
-          </a:prstGeom>
-          <a:noFill/>
-        </p:spPr>
-        <p:txBody>
-          <a:bodyPr wrap="none" lIns="25393" tIns="12696" rIns="25393" bIns="12696" rtlCol="0">
-            <a:spAutoFit/>
-          </a:bodyPr>
-          <a:lstStyle/>
-          <a:p>
-            <a:r>
-              <a:rPr lang="en-US" sz="1500" dirty="0"/>
-              <a:t>QSFA</a:t>
-            </a:r>
-            <a:endParaRPr lang="en-US" sz="1500" dirty="0"/>
-          </a:p>
-        </p:txBody>
-      </p:sp>
-      <p:cxnSp>
-        <p:nvCxnSpPr>
-          <p:cNvPr id="399" name="Straight Arrow Connector 398"/>
-          <p:cNvCxnSpPr>
-            <a:stCxn id="398" idx="0"/>
-          </p:cNvCxnSpPr>
-          <p:nvPr/>
-        </p:nvCxnSpPr>
-        <p:spPr>
-          <a:xfrm flipV="1">
-            <a:off x="3877104" y="5961558"/>
-            <a:ext cx="0" cy="238180"/>
-          </a:xfrm>
-          <a:prstGeom prst="straightConnector1">
-            <a:avLst/>
-          </a:prstGeom>
-          <a:ln w="44450">
-            <a:solidFill>
-              <a:srgbClr val="FF0000"/>
-            </a:solidFill>
-            <a:tailEnd type="arrow"/>
-          </a:ln>
-        </p:spPr>
-        <p:style>
-          <a:lnRef idx="1">
-            <a:schemeClr val="accent1"/>
-          </a:lnRef>
-          <a:fillRef idx="0">
-            <a:schemeClr val="accent1"/>
-          </a:fillRef>
-          <a:effectRef idx="0">
-            <a:schemeClr val="accent1"/>
-          </a:effectRef>
-          <a:fontRef idx="minor">
-            <a:schemeClr val="tx1"/>
-          </a:fontRef>
-        </p:style>
-      </p:cxnSp>
-      <p:sp>
-        <p:nvSpPr>
-          <p:cNvPr id="400" name="TextBox 399"/>
-          <p:cNvSpPr txBox="1"/>
-          <p:nvPr/>
-        </p:nvSpPr>
-        <p:spPr>
-          <a:xfrm>
-            <a:off x="4384427" y="6217873"/>
-            <a:ext cx="461843" cy="256481"/>
-          </a:xfrm>
-          <a:prstGeom prst="rect">
-            <a:avLst/>
-          </a:prstGeom>
-          <a:noFill/>
-        </p:spPr>
-        <p:txBody>
-          <a:bodyPr wrap="none" lIns="25393" tIns="12696" rIns="25393" bIns="12696" rtlCol="0">
-            <a:spAutoFit/>
-          </a:bodyPr>
-          <a:lstStyle/>
-          <a:p>
-            <a:r>
-              <a:rPr lang="en-US" sz="1500" dirty="0"/>
-              <a:t>QSFB</a:t>
-            </a:r>
-            <a:endParaRPr lang="en-US" sz="1500" dirty="0"/>
-          </a:p>
-        </p:txBody>
-      </p:sp>
-      <p:cxnSp>
-        <p:nvCxnSpPr>
-          <p:cNvPr id="401" name="Straight Arrow Connector 400"/>
-          <p:cNvCxnSpPr>
-            <a:stCxn id="400" idx="0"/>
-          </p:cNvCxnSpPr>
-          <p:nvPr/>
-        </p:nvCxnSpPr>
-        <p:spPr>
-          <a:xfrm flipH="1" flipV="1">
-            <a:off x="4615348" y="5961558"/>
-            <a:ext cx="0" cy="256315"/>
-          </a:xfrm>
-          <a:prstGeom prst="straightConnector1">
-            <a:avLst/>
-          </a:prstGeom>
-          <a:ln w="44450">
-            <a:solidFill>
-              <a:srgbClr val="FF0000"/>
-            </a:solidFill>
-            <a:tailEnd type="arrow"/>
-          </a:ln>
-        </p:spPr>
-        <p:style>
-          <a:lnRef idx="1">
-            <a:schemeClr val="accent1"/>
-          </a:lnRef>
-          <a:fillRef idx="0">
-            <a:schemeClr val="accent1"/>
-          </a:fillRef>
-          <a:effectRef idx="0">
-            <a:schemeClr val="accent1"/>
-          </a:effectRef>
-          <a:fontRef idx="minor">
-            <a:schemeClr val="tx1"/>
-          </a:fontRef>
-        </p:style>
-      </p:cxnSp>
-      <p:cxnSp>
-        <p:nvCxnSpPr>
-          <p:cNvPr id="407" name="Straight Connector 406"/>
-          <p:cNvCxnSpPr/>
-          <p:nvPr/>
-        </p:nvCxnSpPr>
-        <p:spPr>
-          <a:xfrm>
-            <a:off x="1568531" y="2739106"/>
-            <a:ext cx="0" cy="93589"/>
-          </a:xfrm>
-          <a:prstGeom prst="line">
-            <a:avLst/>
-          </a:prstGeom>
-          <a:ln w="50800">
-            <a:solidFill>
-              <a:srgbClr val="C00000"/>
-            </a:solidFill>
-            <a:prstDash val="sysDash"/>
-          </a:ln>
-        </p:spPr>
-        <p:style>
-          <a:lnRef idx="1">
-            <a:schemeClr val="accent1"/>
-          </a:lnRef>
-          <a:fillRef idx="0">
-            <a:schemeClr val="accent1"/>
-          </a:fillRef>
-          <a:effectRef idx="0">
-            <a:schemeClr val="accent1"/>
-          </a:effectRef>
-          <a:fontRef idx="minor">
-            <a:schemeClr val="tx1"/>
-          </a:fontRef>
-        </p:style>
-      </p:cxnSp>
-      <p:cxnSp>
-        <p:nvCxnSpPr>
-          <p:cNvPr id="411" name="Straight Connector 410"/>
-          <p:cNvCxnSpPr/>
-          <p:nvPr/>
-        </p:nvCxnSpPr>
-        <p:spPr>
-          <a:xfrm>
-            <a:off x="1565436" y="3145307"/>
-            <a:ext cx="0" cy="93589"/>
-          </a:xfrm>
-          <a:prstGeom prst="line">
-            <a:avLst/>
-          </a:prstGeom>
-          <a:ln w="50800">
-            <a:solidFill>
-              <a:srgbClr val="C00000"/>
-            </a:solidFill>
-            <a:prstDash val="sysDash"/>
-          </a:ln>
-        </p:spPr>
-        <p:style>
-          <a:lnRef idx="1">
-            <a:schemeClr val="accent1"/>
-          </a:lnRef>
-          <a:fillRef idx="0">
-            <a:schemeClr val="accent1"/>
-          </a:fillRef>
-          <a:effectRef idx="0">
-            <a:schemeClr val="accent1"/>
-          </a:effectRef>
-          <a:fontRef idx="minor">
-            <a:schemeClr val="tx1"/>
-          </a:fontRef>
-        </p:style>
-      </p:cxnSp>
-      <p:sp>
-        <p:nvSpPr>
           <p:cNvPr id="182" name="Rectangle 181"/>
           <p:cNvSpPr/>
           <p:nvPr/>
         </p:nvSpPr>
         <p:spPr>
           <a:xfrm>
-            <a:off x="5984438" y="2667356"/>
+            <a:off x="5984438" y="2935425"/>
             <a:ext cx="885470" cy="243681"/>
           </a:xfrm>
           <a:prstGeom prst="rect">
@@ -20645,7 +18369,7 @@
         </p:nvSpPr>
         <p:spPr>
           <a:xfrm>
-            <a:off x="5966305" y="2681948"/>
+            <a:off x="5966305" y="2950017"/>
             <a:ext cx="931558" cy="230833"/>
           </a:xfrm>
           <a:prstGeom prst="rect">
@@ -20664,7 +18388,6 @@
               <a:rPr lang="en-US" sz="1300" dirty="0"/>
               <a:t>Delay/Width</a:t>
             </a:r>
-            <a:endParaRPr lang="en-US" sz="1300" dirty="0"/>
           </a:p>
         </p:txBody>
       </p:sp>
@@ -20676,7 +18399,7 @@
         </p:nvSpPr>
         <p:spPr>
           <a:xfrm>
-            <a:off x="5680941" y="3028850"/>
+            <a:off x="5680941" y="3296919"/>
             <a:ext cx="547275" cy="350353"/>
           </a:xfrm>
           <a:prstGeom prst="rect">
@@ -20721,7 +18444,7 @@
         </p:nvSpPr>
         <p:spPr>
           <a:xfrm>
-            <a:off x="5680941" y="2982174"/>
+            <a:off x="5680941" y="3250243"/>
             <a:ext cx="544131" cy="436017"/>
           </a:xfrm>
           <a:prstGeom prst="rect">
@@ -20747,7 +18470,6 @@
               <a:rPr lang="en-US" sz="1300" dirty="0"/>
               <a:t>word</a:t>
             </a:r>
-            <a:endParaRPr lang="en-US" sz="1300" dirty="0"/>
           </a:p>
         </p:txBody>
       </p:sp>
@@ -20759,8 +18481,8 @@
         </p:nvCxnSpPr>
         <p:spPr>
           <a:xfrm>
-            <a:off x="6536796" y="2536735"/>
-            <a:ext cx="0" cy="130621"/>
+            <a:off x="6536796" y="2654556"/>
+            <a:ext cx="0" cy="280869"/>
           </a:xfrm>
           <a:prstGeom prst="straightConnector1">
             <a:avLst/>
@@ -20795,7 +18517,7 @@
         </p:nvCxnSpPr>
         <p:spPr>
           <a:xfrm>
-            <a:off x="6592593" y="2270464"/>
+            <a:off x="6592593" y="2386785"/>
             <a:ext cx="74907" cy="0"/>
           </a:xfrm>
           <a:prstGeom prst="line">
@@ -20830,8 +18552,8 @@
         </p:nvCxnSpPr>
         <p:spPr>
           <a:xfrm>
-            <a:off x="6667500" y="2273686"/>
-            <a:ext cx="0" cy="398699"/>
+            <a:off x="6667500" y="2391305"/>
+            <a:ext cx="0" cy="544120"/>
           </a:xfrm>
           <a:prstGeom prst="straightConnector1">
             <a:avLst/>
@@ -20866,7 +18588,7 @@
         </p:nvCxnSpPr>
         <p:spPr>
           <a:xfrm>
-            <a:off x="6592593" y="2034716"/>
+            <a:off x="6592593" y="2151037"/>
             <a:ext cx="138407" cy="0"/>
           </a:xfrm>
           <a:prstGeom prst="line">
@@ -20901,8 +18623,8 @@
         </p:nvCxnSpPr>
         <p:spPr>
           <a:xfrm>
-            <a:off x="6731000" y="2037938"/>
-            <a:ext cx="0" cy="629418"/>
+            <a:off x="6731000" y="2163069"/>
+            <a:ext cx="0" cy="777385"/>
           </a:xfrm>
           <a:prstGeom prst="straightConnector1">
             <a:avLst/>
@@ -20937,7 +18659,7 @@
         </p:nvCxnSpPr>
         <p:spPr>
           <a:xfrm flipV="1">
-            <a:off x="6592593" y="1792017"/>
+            <a:off x="6592593" y="1908338"/>
             <a:ext cx="187548" cy="0"/>
           </a:xfrm>
           <a:prstGeom prst="line">
@@ -20972,8 +18694,8 @@
         </p:nvCxnSpPr>
         <p:spPr>
           <a:xfrm>
-            <a:off x="6780141" y="1792017"/>
-            <a:ext cx="0" cy="875340"/>
+            <a:off x="6780141" y="1855992"/>
+            <a:ext cx="0" cy="1084462"/>
           </a:xfrm>
           <a:prstGeom prst="straightConnector1">
             <a:avLst/>
@@ -21000,82 +18722,6 @@
           </a:fontRef>
         </p:style>
       </p:cxnSp>
-      <p:sp>
-        <p:nvSpPr>
-          <p:cNvPr id="30" name="TextBox 29"/>
-          <p:cNvSpPr txBox="1"/>
-          <p:nvPr/>
-        </p:nvSpPr>
-        <p:spPr>
-          <a:xfrm>
-            <a:off x="6339248" y="2540678"/>
-            <a:ext cx="216392" cy="164139"/>
-          </a:xfrm>
-          <a:prstGeom prst="rect">
-            <a:avLst/>
-          </a:prstGeom>
-          <a:noFill/>
-        </p:spPr>
-        <p:txBody>
-          <a:bodyPr wrap="none" lIns="25393" tIns="12696" rIns="25393" bIns="12696" rtlCol="0">
-            <a:spAutoFit/>
-          </a:bodyPr>
-          <a:lstStyle/>
-          <a:p>
-            <a:r>
-              <a:rPr lang="en-US" sz="900" dirty="0">
-                <a:solidFill>
-                  <a:srgbClr val="008000"/>
-                </a:solidFill>
-              </a:rPr>
-              <a:t>YES</a:t>
-            </a:r>
-            <a:endParaRPr lang="en-US" sz="900" dirty="0">
-              <a:solidFill>
-                <a:srgbClr val="008000"/>
-              </a:solidFill>
-            </a:endParaRPr>
-          </a:p>
-        </p:txBody>
-      </p:sp>
-      <p:sp>
-        <p:nvSpPr>
-          <p:cNvPr id="31" name="TextBox 30"/>
-          <p:cNvSpPr txBox="1"/>
-          <p:nvPr/>
-        </p:nvSpPr>
-        <p:spPr>
-          <a:xfrm>
-            <a:off x="7027334" y="2402631"/>
-            <a:ext cx="237868" cy="196635"/>
-          </a:xfrm>
-          <a:prstGeom prst="rect">
-            <a:avLst/>
-          </a:prstGeom>
-          <a:noFill/>
-        </p:spPr>
-        <p:txBody>
-          <a:bodyPr wrap="none" lIns="25393" tIns="12696" rIns="25393" bIns="12696" rtlCol="0">
-            <a:spAutoFit/>
-          </a:bodyPr>
-          <a:lstStyle/>
-          <a:p>
-            <a:r>
-              <a:rPr lang="en-US" sz="1100" dirty="0">
-                <a:solidFill>
-                  <a:srgbClr val="0070C0"/>
-                </a:solidFill>
-              </a:rPr>
-              <a:t>NO</a:t>
-            </a:r>
-            <a:endParaRPr lang="en-US" sz="1100" dirty="0">
-              <a:solidFill>
-                <a:srgbClr val="0070C0"/>
-              </a:solidFill>
-            </a:endParaRPr>
-          </a:p>
-        </p:txBody>
-      </p:sp>
       <p:cxnSp>
         <p:nvCxnSpPr>
           <p:cNvPr id="225" name="Straight Arrow Connector 224"/>
@@ -21084,7 +18730,7 @@
         </p:nvCxnSpPr>
         <p:spPr>
           <a:xfrm>
-            <a:off x="6061215" y="2912781"/>
+            <a:off x="6061215" y="3180850"/>
             <a:ext cx="0" cy="116069"/>
           </a:xfrm>
           <a:prstGeom prst="straightConnector1">
@@ -21117,122 +18763,13 @@
         </p:nvCxnSpPr>
         <p:spPr>
           <a:xfrm>
-            <a:off x="5849380" y="3379202"/>
+            <a:off x="5849380" y="3647271"/>
             <a:ext cx="0" cy="46101"/>
           </a:xfrm>
           <a:prstGeom prst="line">
             <a:avLst/>
           </a:prstGeom>
           <a:ln w="34925"/>
-        </p:spPr>
-        <p:style>
-          <a:lnRef idx="1">
-            <a:schemeClr val="accent1"/>
-          </a:lnRef>
-          <a:fillRef idx="0">
-            <a:schemeClr val="accent1"/>
-          </a:fillRef>
-          <a:effectRef idx="0">
-            <a:schemeClr val="accent1"/>
-          </a:effectRef>
-          <a:fontRef idx="minor">
-            <a:schemeClr val="tx1"/>
-          </a:fontRef>
-        </p:style>
-      </p:cxnSp>
-      <p:sp>
-        <p:nvSpPr>
-          <p:cNvPr id="197" name="Rectangle 196"/>
-          <p:cNvSpPr/>
-          <p:nvPr/>
-        </p:nvSpPr>
-        <p:spPr>
-          <a:xfrm>
-            <a:off x="4814314" y="3563007"/>
-            <a:ext cx="1246901" cy="162771"/>
-          </a:xfrm>
-          <a:prstGeom prst="rect">
-            <a:avLst/>
-          </a:prstGeom>
-          <a:solidFill>
-            <a:srgbClr val="00FF00">
-              <a:alpha val="49000"/>
-            </a:srgbClr>
-          </a:solidFill>
-        </p:spPr>
-        <p:style>
-          <a:lnRef idx="2">
-            <a:schemeClr val="accent1">
-              <a:shade val="50000"/>
-            </a:schemeClr>
-          </a:lnRef>
-          <a:fillRef idx="1">
-            <a:schemeClr val="accent1"/>
-          </a:fillRef>
-          <a:effectRef idx="0">
-            <a:schemeClr val="accent1"/>
-          </a:effectRef>
-          <a:fontRef idx="minor">
-            <a:schemeClr val="lt1"/>
-          </a:fontRef>
-        </p:style>
-        <p:txBody>
-          <a:bodyPr lIns="25393" tIns="12696" rIns="25393" bIns="12696" rtlCol="0" anchor="ctr"/>
-          <a:lstStyle/>
-          <a:p>
-            <a:pPr algn="ctr"/>
-            <a:endParaRPr lang="en-US"/>
-          </a:p>
-        </p:txBody>
-      </p:sp>
-      <p:sp>
-        <p:nvSpPr>
-          <p:cNvPr id="198" name="TextBox 197"/>
-          <p:cNvSpPr txBox="1"/>
-          <p:nvPr/>
-        </p:nvSpPr>
-        <p:spPr>
-          <a:xfrm>
-            <a:off x="4846690" y="3501625"/>
-            <a:ext cx="1215593" cy="256481"/>
-          </a:xfrm>
-          <a:prstGeom prst="rect">
-            <a:avLst/>
-          </a:prstGeom>
-          <a:noFill/>
-        </p:spPr>
-        <p:txBody>
-          <a:bodyPr wrap="none" lIns="25393" tIns="12696" rIns="25393" bIns="12696" rtlCol="0">
-            <a:spAutoFit/>
-          </a:bodyPr>
-          <a:lstStyle/>
-          <a:p>
-            <a:pPr algn="ctr"/>
-            <a:r>
-              <a:rPr lang="en-US" sz="1500" dirty="0"/>
-              <a:t>Prompt Trigger</a:t>
-            </a:r>
-            <a:endParaRPr lang="en-US" sz="1500" dirty="0"/>
-          </a:p>
-        </p:txBody>
-      </p:sp>
-      <p:cxnSp>
-        <p:nvCxnSpPr>
-          <p:cNvPr id="199" name="Straight Arrow Connector 198"/>
-          <p:cNvCxnSpPr/>
-          <p:nvPr/>
-        </p:nvCxnSpPr>
-        <p:spPr>
-          <a:xfrm>
-            <a:off x="4588334" y="3658817"/>
-            <a:ext cx="216624" cy="0"/>
-          </a:xfrm>
-          <a:prstGeom prst="straightConnector1">
-            <a:avLst/>
-          </a:prstGeom>
-          <a:ln w="25400">
-            <a:tailEnd type="arrow"/>
-          </a:ln>
         </p:spPr>
         <p:style>
           <a:lnRef idx="1">
@@ -21271,7 +18808,7 @@
           <a:p>
             <a:fld id="{B41FAE2C-98F2-4AEB-9028-7681F5825C1E}" type="datetimeFigureOut">
               <a:rPr lang="en-US" smtClean="0"/>
-              <a:t>11/4/2015</a:t>
+              <a:t>11/9/2015</a:t>
             </a:fld>
             <a:endParaRPr lang="en-US" dirty="0"/>
           </a:p>
@@ -21302,6 +18839,247 @@
               <a:t>7</a:t>
             </a:fld>
             <a:endParaRPr lang="en-US"/>
+          </a:p>
+        </p:txBody>
+      </p:sp>
+      <p:sp>
+        <p:nvSpPr>
+          <p:cNvPr id="2" name="Rectangle 1"/>
+          <p:cNvSpPr/>
+          <p:nvPr/>
+        </p:nvSpPr>
+        <p:spPr>
+          <a:xfrm>
+            <a:off x="50627" y="990678"/>
+            <a:ext cx="935153" cy="646331"/>
+          </a:xfrm>
+          <a:prstGeom prst="rect">
+            <a:avLst/>
+          </a:prstGeom>
+        </p:spPr>
+        <p:txBody>
+          <a:bodyPr wrap="square">
+            <a:spAutoFit/>
+          </a:bodyPr>
+          <a:lstStyle/>
+          <a:p>
+            <a:pPr algn="ctr"/>
+            <a:r>
+              <a:rPr lang="en-US" dirty="0"/>
+              <a:t>Local Trigger</a:t>
+            </a:r>
+          </a:p>
+        </p:txBody>
+      </p:sp>
+      <p:sp>
+        <p:nvSpPr>
+          <p:cNvPr id="7" name="Rectangle 6"/>
+          <p:cNvSpPr/>
+          <p:nvPr/>
+        </p:nvSpPr>
+        <p:spPr>
+          <a:xfrm>
+            <a:off x="61789" y="3037939"/>
+            <a:ext cx="1180991" cy="646331"/>
+          </a:xfrm>
+          <a:prstGeom prst="rect">
+            <a:avLst/>
+          </a:prstGeom>
+        </p:spPr>
+        <p:txBody>
+          <a:bodyPr wrap="square">
+            <a:spAutoFit/>
+          </a:bodyPr>
+          <a:lstStyle/>
+          <a:p>
+            <a:pPr algn="ctr"/>
+            <a:r>
+              <a:rPr lang="en-US" dirty="0" err="1"/>
+              <a:t>ReadOut</a:t>
+            </a:r>
+            <a:r>
+              <a:rPr lang="en-US" dirty="0"/>
+              <a:t> Trigger</a:t>
+            </a:r>
+            <a:endParaRPr lang="en-US" dirty="0"/>
+          </a:p>
+        </p:txBody>
+      </p:sp>
+      <p:sp>
+        <p:nvSpPr>
+          <p:cNvPr id="8" name="Rectangle 7"/>
+          <p:cNvSpPr/>
+          <p:nvPr/>
+        </p:nvSpPr>
+        <p:spPr>
+          <a:xfrm>
+            <a:off x="6019800" y="877669"/>
+            <a:ext cx="1757097" cy="646331"/>
+          </a:xfrm>
+          <a:prstGeom prst="rect">
+            <a:avLst/>
+          </a:prstGeom>
+        </p:spPr>
+        <p:txBody>
+          <a:bodyPr wrap="square">
+            <a:spAutoFit/>
+          </a:bodyPr>
+          <a:lstStyle/>
+          <a:p>
+            <a:pPr algn="ctr"/>
+            <a:r>
+              <a:rPr lang="en-US" dirty="0" smtClean="0"/>
+              <a:t>Gate / </a:t>
+            </a:r>
+            <a:br>
+              <a:rPr lang="en-US" dirty="0" smtClean="0"/>
+            </a:br>
+            <a:r>
+              <a:rPr lang="en-US" dirty="0" smtClean="0"/>
+              <a:t>Common Stop</a:t>
+            </a:r>
+            <a:endParaRPr lang="en-US" dirty="0"/>
+          </a:p>
+        </p:txBody>
+      </p:sp>
+      <p:sp>
+        <p:nvSpPr>
+          <p:cNvPr id="12" name="Rectangle 11"/>
+          <p:cNvSpPr/>
+          <p:nvPr/>
+        </p:nvSpPr>
+        <p:spPr>
+          <a:xfrm>
+            <a:off x="8402270" y="1730592"/>
+            <a:ext cx="667169" cy="646331"/>
+          </a:xfrm>
+          <a:prstGeom prst="rect">
+            <a:avLst/>
+          </a:prstGeom>
+        </p:spPr>
+        <p:txBody>
+          <a:bodyPr wrap="none">
+            <a:spAutoFit/>
+          </a:bodyPr>
+          <a:lstStyle/>
+          <a:p>
+            <a:pPr algn="ctr"/>
+            <a:r>
+              <a:rPr lang="en-US" dirty="0" smtClean="0"/>
+              <a:t>Fast</a:t>
+            </a:r>
+          </a:p>
+          <a:p>
+            <a:pPr algn="ctr"/>
+            <a:r>
+              <a:rPr lang="en-US" dirty="0" smtClean="0"/>
+              <a:t>Clear</a:t>
+            </a:r>
+            <a:endParaRPr lang="en-US" dirty="0"/>
+          </a:p>
+        </p:txBody>
+      </p:sp>
+      <p:sp>
+        <p:nvSpPr>
+          <p:cNvPr id="14" name="Rectangle 13"/>
+          <p:cNvSpPr/>
+          <p:nvPr/>
+        </p:nvSpPr>
+        <p:spPr>
+          <a:xfrm>
+            <a:off x="2517741" y="1108805"/>
+            <a:ext cx="566052" cy="307777"/>
+          </a:xfrm>
+          <a:prstGeom prst="rect">
+            <a:avLst/>
+          </a:prstGeom>
+          <a:solidFill>
+            <a:schemeClr val="bg1"/>
+          </a:solidFill>
+          <a:ln>
+            <a:solidFill>
+              <a:srgbClr val="FF0000"/>
+            </a:solidFill>
+          </a:ln>
+        </p:spPr>
+        <p:txBody>
+          <a:bodyPr wrap="none">
+            <a:spAutoFit/>
+          </a:bodyPr>
+          <a:lstStyle/>
+          <a:p>
+            <a:pPr algn="ctr"/>
+            <a:r>
+              <a:rPr lang="en-US" sz="1400" dirty="0" smtClean="0"/>
+              <a:t>BUSY</a:t>
+            </a:r>
+            <a:endParaRPr lang="en-US" sz="1400" dirty="0"/>
+          </a:p>
+        </p:txBody>
+      </p:sp>
+      <p:cxnSp>
+        <p:nvCxnSpPr>
+          <p:cNvPr id="202" name="Straight Arrow Connector 201"/>
+          <p:cNvCxnSpPr/>
+          <p:nvPr/>
+        </p:nvCxnSpPr>
+        <p:spPr>
+          <a:xfrm>
+            <a:off x="7799992" y="3392735"/>
+            <a:ext cx="1161397" cy="0"/>
+          </a:xfrm>
+          <a:prstGeom prst="straightConnector1">
+            <a:avLst/>
+          </a:prstGeom>
+          <a:ln w="44450">
+            <a:solidFill>
+              <a:srgbClr val="C00000"/>
+            </a:solidFill>
+            <a:tailEnd type="arrow"/>
+          </a:ln>
+        </p:spPr>
+        <p:style>
+          <a:lnRef idx="1">
+            <a:schemeClr val="accent1"/>
+          </a:lnRef>
+          <a:fillRef idx="0">
+            <a:schemeClr val="accent1"/>
+          </a:fillRef>
+          <a:effectRef idx="0">
+            <a:schemeClr val="accent1"/>
+          </a:effectRef>
+          <a:fontRef idx="minor">
+            <a:schemeClr val="tx1"/>
+          </a:fontRef>
+        </p:style>
+      </p:cxnSp>
+      <p:sp>
+        <p:nvSpPr>
+          <p:cNvPr id="205" name="Rectangle 204"/>
+          <p:cNvSpPr/>
+          <p:nvPr/>
+        </p:nvSpPr>
+        <p:spPr>
+          <a:xfrm>
+            <a:off x="7415405" y="4078069"/>
+            <a:ext cx="1446358" cy="646331"/>
+          </a:xfrm>
+          <a:prstGeom prst="rect">
+            <a:avLst/>
+          </a:prstGeom>
+        </p:spPr>
+        <p:txBody>
+          <a:bodyPr wrap="square">
+            <a:spAutoFit/>
+          </a:bodyPr>
+          <a:lstStyle/>
+          <a:p>
+            <a:pPr algn="ctr"/>
+            <a:r>
+              <a:rPr lang="en-US" dirty="0" smtClean="0"/>
+              <a:t>Readout  Module Data</a:t>
+            </a:r>
+            <a:endParaRPr lang="en-US" dirty="0"/>
           </a:p>
         </p:txBody>
       </p:sp>
@@ -21725,7 +19503,7 @@
           <a:p>
             <a:fld id="{B41FAE2C-98F2-4AEB-9028-7681F5825C1E}" type="datetimeFigureOut">
               <a:rPr lang="en-US" smtClean="0"/>
-              <a:t>11/4/2015</a:t>
+              <a:t>11/9/2015</a:t>
             </a:fld>
             <a:endParaRPr lang="en-US"/>
           </a:p>
@@ -21869,270 +19647,6 @@
           </a:p>
         </p:txBody>
       </p:sp>
-      <p:sp>
-        <p:nvSpPr>
-          <p:cNvPr id="4" name="Rounded Rectangle 3"/>
-          <p:cNvSpPr/>
-          <p:nvPr/>
-        </p:nvSpPr>
-        <p:spPr>
-          <a:xfrm>
-            <a:off x="6873381" y="4459585"/>
-            <a:ext cx="1592560" cy="595836"/>
-          </a:xfrm>
-          <a:prstGeom prst="roundRect">
-            <a:avLst/>
-          </a:prstGeom>
-          <a:noFill/>
-          <a:ln w="38100" cmpd="sng">
-            <a:solidFill>
-              <a:srgbClr val="800000"/>
-            </a:solidFill>
-          </a:ln>
-          <a:effectLst/>
-        </p:spPr>
-        <p:style>
-          <a:lnRef idx="1">
-            <a:schemeClr val="accent1"/>
-          </a:lnRef>
-          <a:fillRef idx="3">
-            <a:schemeClr val="accent1"/>
-          </a:fillRef>
-          <a:effectRef idx="2">
-            <a:schemeClr val="accent1"/>
-          </a:effectRef>
-          <a:fontRef idx="minor">
-            <a:schemeClr val="lt1"/>
-          </a:fontRef>
-        </p:style>
-        <p:txBody>
-          <a:bodyPr rtlCol="0" anchor="ctr"/>
-          <a:lstStyle/>
-          <a:p>
-            <a:pPr algn="ctr"/>
-            <a:endParaRPr lang="en-US"/>
-          </a:p>
-        </p:txBody>
-      </p:sp>
-      <p:graphicFrame>
-        <p:nvGraphicFramePr>
-          <p:cNvPr id="5" name="Chart 4"/>
-          <p:cNvGraphicFramePr>
-            <a:graphicFrameLocks/>
-          </p:cNvGraphicFramePr>
-          <p:nvPr>
-            <p:extLst>
-              <p:ext uri="{D42A27DB-BD31-4B8C-83A1-F6EECF244321}">
-                <p14:modId xmlns:p14="http://schemas.microsoft.com/office/powerpoint/2010/main" val="3134079830"/>
-              </p:ext>
-            </p:extLst>
-          </p:nvPr>
-        </p:nvGraphicFramePr>
-        <p:xfrm>
-          <a:off x="457201" y="809012"/>
-          <a:ext cx="6237164" cy="5363188"/>
-        </p:xfrm>
-        <a:graphic>
-          <a:graphicData uri="http://schemas.openxmlformats.org/drawingml/2006/chart">
-            <c:chart xmlns:c="http://schemas.openxmlformats.org/drawingml/2006/chart" xmlns:r="http://schemas.openxmlformats.org/officeDocument/2006/relationships" r:id="rId2"/>
-          </a:graphicData>
-        </a:graphic>
-      </p:graphicFrame>
-      <p:sp>
-        <p:nvSpPr>
-          <p:cNvPr id="6" name="TextBox 5"/>
-          <p:cNvSpPr txBox="1"/>
-          <p:nvPr/>
-        </p:nvSpPr>
-        <p:spPr>
-          <a:xfrm>
-            <a:off x="1614798" y="1010003"/>
-            <a:ext cx="2508426" cy="707886"/>
-          </a:xfrm>
-          <a:prstGeom prst="rect">
-            <a:avLst/>
-          </a:prstGeom>
-          <a:noFill/>
-        </p:spPr>
-        <p:txBody>
-          <a:bodyPr wrap="square" rtlCol="0">
-            <a:spAutoFit/>
-          </a:bodyPr>
-          <a:lstStyle/>
-          <a:p>
-            <a:r>
-              <a:rPr lang="en-US" sz="2000" b="1" dirty="0" smtClean="0"/>
-              <a:t>No Pedestal </a:t>
-            </a:r>
-          </a:p>
-          <a:p>
-            <a:r>
-              <a:rPr lang="en-US" sz="2000" b="1" dirty="0" smtClean="0"/>
-              <a:t>Suppression (8ADCs) </a:t>
-            </a:r>
-            <a:endParaRPr lang="en-US" sz="2000" b="1" dirty="0"/>
-          </a:p>
-        </p:txBody>
-      </p:sp>
-      <p:sp>
-        <p:nvSpPr>
-          <p:cNvPr id="7" name="TextBox 6"/>
-          <p:cNvSpPr txBox="1"/>
-          <p:nvPr/>
-        </p:nvSpPr>
-        <p:spPr>
-          <a:xfrm>
-            <a:off x="4636211" y="4580623"/>
-            <a:ext cx="1822988" cy="707886"/>
-          </a:xfrm>
-          <a:prstGeom prst="rect">
-            <a:avLst/>
-          </a:prstGeom>
-          <a:noFill/>
-        </p:spPr>
-        <p:txBody>
-          <a:bodyPr wrap="square" rtlCol="0">
-            <a:spAutoFit/>
-          </a:bodyPr>
-          <a:lstStyle/>
-          <a:p>
-            <a:pPr algn="r"/>
-            <a:r>
-              <a:rPr lang="en-US" sz="2000" b="1" dirty="0" smtClean="0"/>
-              <a:t>Pedestal </a:t>
-            </a:r>
-          </a:p>
-          <a:p>
-            <a:pPr algn="r"/>
-            <a:r>
-              <a:rPr lang="en-US" sz="2000" b="1" dirty="0" smtClean="0"/>
-              <a:t>Suppressed </a:t>
-            </a:r>
-            <a:endParaRPr lang="en-US" sz="2000" b="1" dirty="0"/>
-          </a:p>
-        </p:txBody>
-      </p:sp>
-      <p:sp>
-        <p:nvSpPr>
-          <p:cNvPr id="9" name="TextBox 8"/>
-          <p:cNvSpPr txBox="1"/>
-          <p:nvPr/>
-        </p:nvSpPr>
-        <p:spPr>
-          <a:xfrm>
-            <a:off x="6459199" y="1005103"/>
-            <a:ext cx="2539783" cy="470398"/>
-          </a:xfrm>
-          <a:prstGeom prst="rect">
-            <a:avLst/>
-          </a:prstGeom>
-        </p:spPr>
-        <p:txBody>
-          <a:bodyPr wrap="square" rtlCol="0"/>
-          <a:lstStyle>
-            <a:lvl1pPr marL="0" indent="0">
-              <a:defRPr sz="1100">
-                <a:latin typeface="+mn-lt"/>
-                <a:ea typeface="+mn-ea"/>
-                <a:cs typeface="+mn-cs"/>
-              </a:defRPr>
-            </a:lvl1pPr>
-            <a:lvl2pPr marL="457200" indent="0">
-              <a:defRPr sz="1100">
-                <a:latin typeface="+mn-lt"/>
-                <a:ea typeface="+mn-ea"/>
-                <a:cs typeface="+mn-cs"/>
-              </a:defRPr>
-            </a:lvl2pPr>
-            <a:lvl3pPr marL="914400" indent="0">
-              <a:defRPr sz="1100">
-                <a:latin typeface="+mn-lt"/>
-                <a:ea typeface="+mn-ea"/>
-                <a:cs typeface="+mn-cs"/>
-              </a:defRPr>
-            </a:lvl3pPr>
-            <a:lvl4pPr marL="1371600" indent="0">
-              <a:defRPr sz="1100">
-                <a:latin typeface="+mn-lt"/>
-                <a:ea typeface="+mn-ea"/>
-                <a:cs typeface="+mn-cs"/>
-              </a:defRPr>
-            </a:lvl4pPr>
-            <a:lvl5pPr marL="1828800" indent="0">
-              <a:defRPr sz="1100">
-                <a:latin typeface="+mn-lt"/>
-                <a:ea typeface="+mn-ea"/>
-                <a:cs typeface="+mn-cs"/>
-              </a:defRPr>
-            </a:lvl5pPr>
-            <a:lvl6pPr marL="2286000" indent="0">
-              <a:defRPr sz="1100">
-                <a:latin typeface="+mn-lt"/>
-                <a:ea typeface="+mn-ea"/>
-                <a:cs typeface="+mn-cs"/>
-              </a:defRPr>
-            </a:lvl6pPr>
-            <a:lvl7pPr marL="2743200" indent="0">
-              <a:defRPr sz="1100">
-                <a:latin typeface="+mn-lt"/>
-                <a:ea typeface="+mn-ea"/>
-                <a:cs typeface="+mn-cs"/>
-              </a:defRPr>
-            </a:lvl7pPr>
-            <a:lvl8pPr marL="3200400" indent="0">
-              <a:defRPr sz="1100">
-                <a:latin typeface="+mn-lt"/>
-                <a:ea typeface="+mn-ea"/>
-                <a:cs typeface="+mn-cs"/>
-              </a:defRPr>
-            </a:lvl8pPr>
-            <a:lvl9pPr marL="3657600" indent="0">
-              <a:defRPr sz="1100">
-                <a:latin typeface="+mn-lt"/>
-                <a:ea typeface="+mn-ea"/>
-                <a:cs typeface="+mn-cs"/>
-              </a:defRPr>
-            </a:lvl9pPr>
-          </a:lstStyle>
-          <a:p>
-            <a:r>
-              <a:rPr lang="en-US" sz="2000" dirty="0" smtClean="0">
-                <a:solidFill>
-                  <a:srgbClr val="0000FF"/>
-                </a:solidFill>
-              </a:rPr>
-              <a:t>Local trigger ~ 50 kHz</a:t>
-            </a:r>
-          </a:p>
-          <a:p>
-            <a:r>
-              <a:rPr lang="en-US" sz="2000" dirty="0">
-                <a:solidFill>
-                  <a:srgbClr val="FF0000"/>
-                </a:solidFill>
-              </a:rPr>
-              <a:t>Local trigger ~ 100 kHz</a:t>
-            </a:r>
-          </a:p>
-          <a:p>
-            <a:r>
-              <a:rPr lang="en-US" sz="2000" dirty="0">
-                <a:solidFill>
-                  <a:srgbClr val="008000"/>
-                </a:solidFill>
-              </a:rPr>
-              <a:t>Local trigger ~ 200 kHz</a:t>
-            </a:r>
-          </a:p>
-          <a:p>
-            <a:endParaRPr lang="en-US" sz="2000" dirty="0">
-              <a:solidFill>
-                <a:srgbClr val="0000FF"/>
-              </a:solidFill>
-            </a:endParaRPr>
-          </a:p>
-        </p:txBody>
-      </p:sp>
       <p:cxnSp>
         <p:nvCxnSpPr>
           <p:cNvPr id="11" name="Elbow Connector 10"/>
@@ -22141,7 +19655,7 @@
         </p:nvCxnSpPr>
         <p:spPr>
           <a:xfrm rot="5400000" flipH="1" flipV="1">
-            <a:off x="1947620" y="5824782"/>
+            <a:off x="3027158" y="5607076"/>
             <a:ext cx="420127" cy="200566"/>
           </a:xfrm>
           <a:prstGeom prst="bentConnector3">
@@ -22180,7 +19694,7 @@
         </p:nvSpPr>
         <p:spPr>
           <a:xfrm>
-            <a:off x="76200" y="5925065"/>
+            <a:off x="1155738" y="5707359"/>
             <a:ext cx="2273262" cy="369332"/>
           </a:xfrm>
           <a:prstGeom prst="rect">
@@ -22207,111 +19721,6 @@
                 <a:srgbClr val="800000"/>
               </a:solidFill>
             </a:endParaRPr>
-          </a:p>
-        </p:txBody>
-      </p:sp>
-      <p:sp>
-        <p:nvSpPr>
-          <p:cNvPr id="13" name="TextBox 12"/>
-          <p:cNvSpPr txBox="1"/>
-          <p:nvPr/>
-        </p:nvSpPr>
-        <p:spPr>
-          <a:xfrm>
-            <a:off x="6694364" y="2734795"/>
-            <a:ext cx="2304618" cy="1200329"/>
-          </a:xfrm>
-          <a:prstGeom prst="rect">
-            <a:avLst/>
-          </a:prstGeom>
-          <a:noFill/>
-        </p:spPr>
-        <p:txBody>
-          <a:bodyPr wrap="square" rtlCol="0">
-            <a:spAutoFit/>
-          </a:bodyPr>
-          <a:lstStyle/>
-          <a:p>
-            <a:r>
-              <a:rPr lang="en-US" dirty="0" smtClean="0"/>
-              <a:t>Dead time at</a:t>
-            </a:r>
-          </a:p>
-          <a:p>
-            <a:r>
-              <a:rPr lang="en-US" dirty="0" smtClean="0"/>
-              <a:t>Local ~ 200 kHz and Readout ~5kHz</a:t>
-            </a:r>
-          </a:p>
-          <a:p>
-            <a:r>
-              <a:rPr lang="en-US" dirty="0" smtClean="0"/>
-              <a:t>D</a:t>
-            </a:r>
-            <a:r>
-              <a:rPr lang="en-US" baseline="-25000" dirty="0"/>
-              <a:t>3</a:t>
-            </a:r>
-            <a:r>
-              <a:rPr lang="en-US" dirty="0" smtClean="0"/>
-              <a:t> ~6%</a:t>
-            </a:r>
-            <a:endParaRPr lang="en-US" dirty="0"/>
-          </a:p>
-        </p:txBody>
-      </p:sp>
-      <p:sp>
-        <p:nvSpPr>
-          <p:cNvPr id="14" name="TextBox 13"/>
-          <p:cNvSpPr txBox="1"/>
-          <p:nvPr/>
-        </p:nvSpPr>
-        <p:spPr>
-          <a:xfrm>
-            <a:off x="6694364" y="4506625"/>
-            <a:ext cx="1992436" cy="461665"/>
-          </a:xfrm>
-          <a:prstGeom prst="rect">
-            <a:avLst/>
-          </a:prstGeom>
-          <a:noFill/>
-        </p:spPr>
-        <p:txBody>
-          <a:bodyPr wrap="square" rtlCol="0">
-            <a:spAutoFit/>
-          </a:bodyPr>
-          <a:lstStyle/>
-          <a:p>
-            <a:pPr algn="ctr"/>
-            <a:r>
-              <a:rPr lang="en-US" sz="2400" dirty="0" smtClean="0"/>
-              <a:t>D</a:t>
-            </a:r>
-            <a:r>
-              <a:rPr lang="en-US" sz="2400" baseline="-25000" dirty="0" smtClean="0"/>
-              <a:t>3 </a:t>
-            </a:r>
-            <a:r>
-              <a:rPr lang="en-US" sz="2400" dirty="0" smtClean="0"/>
-              <a:t> ~ (D</a:t>
-            </a:r>
-            <a:r>
-              <a:rPr lang="en-US" sz="2400" baseline="-25000" dirty="0"/>
-              <a:t>1</a:t>
-            </a:r>
-            <a:r>
-              <a:rPr lang="en-US" sz="2400" dirty="0" smtClean="0"/>
-              <a:t>)</a:t>
-            </a:r>
-            <a:r>
-              <a:rPr lang="en-US" sz="2400" baseline="30000" dirty="0" smtClean="0"/>
-              <a:t>3</a:t>
-            </a:r>
-            <a:r>
-              <a:rPr lang="en-US" sz="2400" dirty="0" smtClean="0"/>
-              <a:t> </a:t>
-            </a:r>
-            <a:endParaRPr lang="en-US" sz="2400" dirty="0"/>
           </a:p>
         </p:txBody>
       </p:sp>
@@ -22337,7 +19746,7 @@
           <a:p>
             <a:fld id="{B41FAE2C-98F2-4AEB-9028-7681F5825C1E}" type="datetimeFigureOut">
               <a:rPr lang="en-US" smtClean="0"/>
-              <a:t>11/4/2015</a:t>
+              <a:t>11/9/2015</a:t>
             </a:fld>
             <a:endParaRPr lang="en-US"/>
           </a:p>
@@ -22368,6 +19777,274 @@
               <a:t>9</a:t>
             </a:fld>
             <a:endParaRPr lang="en-US"/>
+          </a:p>
+        </p:txBody>
+      </p:sp>
+      <p:graphicFrame>
+        <p:nvGraphicFramePr>
+          <p:cNvPr id="16" name="Chart 15"/>
+          <p:cNvGraphicFramePr>
+            <a:graphicFrameLocks/>
+          </p:cNvGraphicFramePr>
+          <p:nvPr>
+            <p:extLst>
+              <p:ext uri="{D42A27DB-BD31-4B8C-83A1-F6EECF244321}">
+                <p14:modId xmlns:p14="http://schemas.microsoft.com/office/powerpoint/2010/main" val="3926317630"/>
+              </p:ext>
+            </p:extLst>
+          </p:nvPr>
+        </p:nvGraphicFramePr>
+        <p:xfrm>
+          <a:off x="500575" y="1297299"/>
+          <a:ext cx="7652825" cy="4951101"/>
+        </p:xfrm>
+        <a:graphic>
+          <a:graphicData uri="http://schemas.openxmlformats.org/drawingml/2006/chart">
+            <c:chart xmlns:c="http://schemas.openxmlformats.org/drawingml/2006/chart" xmlns:r="http://schemas.openxmlformats.org/officeDocument/2006/relationships" r:id="rId2"/>
+          </a:graphicData>
+        </a:graphic>
+      </p:graphicFrame>
+      <p:sp>
+        <p:nvSpPr>
+          <p:cNvPr id="13" name="TextBox 12"/>
+          <p:cNvSpPr txBox="1"/>
+          <p:nvPr/>
+        </p:nvSpPr>
+        <p:spPr>
+          <a:xfrm>
+            <a:off x="1676400" y="1524000"/>
+            <a:ext cx="2304618" cy="923330"/>
+          </a:xfrm>
+          <a:prstGeom prst="rect">
+            <a:avLst/>
+          </a:prstGeom>
+          <a:solidFill>
+            <a:schemeClr val="bg1"/>
+          </a:solidFill>
+        </p:spPr>
+        <p:txBody>
+          <a:bodyPr wrap="square" rtlCol="0">
+            <a:spAutoFit/>
+          </a:bodyPr>
+          <a:lstStyle/>
+          <a:p>
+            <a:r>
+              <a:rPr lang="en-US" dirty="0" smtClean="0"/>
+              <a:t>Dead time at</a:t>
+            </a:r>
+          </a:p>
+          <a:p>
+            <a:r>
+              <a:rPr lang="en-US" dirty="0" smtClean="0"/>
+              <a:t>Readout </a:t>
+            </a:r>
+            <a:r>
+              <a:rPr lang="en-US" dirty="0" smtClean="0"/>
+              <a:t>~5kHz</a:t>
+            </a:r>
+          </a:p>
+          <a:p>
+            <a:r>
+              <a:rPr lang="en-US" dirty="0" smtClean="0"/>
+              <a:t>D</a:t>
+            </a:r>
+            <a:r>
+              <a:rPr lang="en-US" baseline="-25000" dirty="0"/>
+              <a:t>3</a:t>
+            </a:r>
+            <a:r>
+              <a:rPr lang="en-US" dirty="0" smtClean="0"/>
+              <a:t> ~6%</a:t>
+            </a:r>
+            <a:endParaRPr lang="en-US" dirty="0"/>
+          </a:p>
+        </p:txBody>
+      </p:sp>
+      <p:grpSp>
+        <p:nvGrpSpPr>
+          <p:cNvPr id="8" name="Group 7"/>
+          <p:cNvGrpSpPr/>
+          <p:nvPr/>
+        </p:nvGrpSpPr>
+        <p:grpSpPr>
+          <a:xfrm>
+            <a:off x="3429000" y="1676400"/>
+            <a:ext cx="1592560" cy="595836"/>
+            <a:chOff x="3962400" y="1524000"/>
+            <a:chExt cx="1592560" cy="595836"/>
+          </a:xfrm>
+        </p:grpSpPr>
+        <p:sp>
+          <p:nvSpPr>
+            <p:cNvPr id="4" name="Rounded Rectangle 3"/>
+            <p:cNvSpPr/>
+            <p:nvPr/>
+          </p:nvSpPr>
+          <p:spPr>
+            <a:xfrm>
+              <a:off x="3962400" y="1524000"/>
+              <a:ext cx="1592560" cy="595836"/>
+            </a:xfrm>
+            <a:prstGeom prst="roundRect">
+              <a:avLst/>
+            </a:prstGeom>
+            <a:solidFill>
+              <a:schemeClr val="bg1"/>
+            </a:solidFill>
+            <a:ln w="38100" cmpd="sng">
+              <a:solidFill>
+                <a:srgbClr val="800000"/>
+              </a:solidFill>
+            </a:ln>
+            <a:effectLst/>
+          </p:spPr>
+          <p:style>
+            <a:lnRef idx="1">
+              <a:schemeClr val="accent1"/>
+            </a:lnRef>
+            <a:fillRef idx="3">
+              <a:schemeClr val="accent1"/>
+            </a:fillRef>
+            <a:effectRef idx="2">
+              <a:schemeClr val="accent1"/>
+            </a:effectRef>
+            <a:fontRef idx="minor">
+              <a:schemeClr val="lt1"/>
+            </a:fontRef>
+          </p:style>
+          <p:txBody>
+            <a:bodyPr rtlCol="0" anchor="ctr"/>
+            <a:lstStyle/>
+            <a:p>
+              <a:pPr algn="ctr"/>
+              <a:endParaRPr lang="en-US"/>
+            </a:p>
+          </p:txBody>
+        </p:sp>
+        <p:sp>
+          <p:nvSpPr>
+            <p:cNvPr id="14" name="TextBox 13"/>
+            <p:cNvSpPr txBox="1"/>
+            <p:nvPr/>
+          </p:nvSpPr>
+          <p:spPr>
+            <a:xfrm>
+              <a:off x="4051729" y="1595735"/>
+              <a:ext cx="1429182" cy="461665"/>
+            </a:xfrm>
+            <a:prstGeom prst="rect">
+              <a:avLst/>
+            </a:prstGeom>
+            <a:solidFill>
+              <a:schemeClr val="bg1"/>
+            </a:solidFill>
+          </p:spPr>
+          <p:txBody>
+            <a:bodyPr wrap="square" rtlCol="0">
+              <a:spAutoFit/>
+            </a:bodyPr>
+            <a:lstStyle/>
+            <a:p>
+              <a:pPr algn="ctr"/>
+              <a:r>
+                <a:rPr lang="en-US" sz="2400" dirty="0" smtClean="0"/>
+                <a:t>D</a:t>
+              </a:r>
+              <a:r>
+                <a:rPr lang="en-US" sz="2400" baseline="-25000" dirty="0" smtClean="0"/>
+                <a:t>3 </a:t>
+              </a:r>
+              <a:r>
+                <a:rPr lang="en-US" sz="2400" dirty="0" smtClean="0"/>
+                <a:t> ~ (D</a:t>
+              </a:r>
+              <a:r>
+                <a:rPr lang="en-US" sz="2400" baseline="-25000" dirty="0"/>
+                <a:t>1</a:t>
+              </a:r>
+              <a:r>
+                <a:rPr lang="en-US" sz="2400" dirty="0" smtClean="0"/>
+                <a:t>)</a:t>
+              </a:r>
+              <a:r>
+                <a:rPr lang="en-US" sz="2400" baseline="30000" dirty="0" smtClean="0"/>
+                <a:t>3</a:t>
+              </a:r>
+              <a:r>
+                <a:rPr lang="en-US" sz="2400" dirty="0" smtClean="0"/>
+                <a:t> </a:t>
+              </a:r>
+              <a:endParaRPr lang="en-US" sz="2400" dirty="0"/>
+            </a:p>
+          </p:txBody>
+        </p:sp>
+      </p:grpSp>
+      <p:sp>
+        <p:nvSpPr>
+          <p:cNvPr id="22" name="Rectangle 21"/>
+          <p:cNvSpPr/>
+          <p:nvPr/>
+        </p:nvSpPr>
+        <p:spPr>
+          <a:xfrm>
+            <a:off x="791230" y="989929"/>
+            <a:ext cx="3243837" cy="369332"/>
+          </a:xfrm>
+          <a:prstGeom prst="rect">
+            <a:avLst/>
+          </a:prstGeom>
+        </p:spPr>
+        <p:txBody>
+          <a:bodyPr wrap="none">
+            <a:spAutoFit/>
+          </a:bodyPr>
+          <a:lstStyle/>
+          <a:p>
+            <a:r>
+              <a:rPr lang="en-US" b="1" dirty="0"/>
+              <a:t>No pedestal suppression (8ADC)</a:t>
+            </a:r>
+          </a:p>
+        </p:txBody>
+      </p:sp>
+      <p:sp>
+        <p:nvSpPr>
+          <p:cNvPr id="23" name="Rectangle 22"/>
+          <p:cNvSpPr/>
+          <p:nvPr/>
+        </p:nvSpPr>
+        <p:spPr>
+          <a:xfrm>
+            <a:off x="5715000" y="1005984"/>
+            <a:ext cx="2710294" cy="369332"/>
+          </a:xfrm>
+          <a:prstGeom prst="rect">
+            <a:avLst/>
+          </a:prstGeom>
+        </p:spPr>
+        <p:txBody>
+          <a:bodyPr wrap="none">
+            <a:spAutoFit/>
+          </a:bodyPr>
+          <a:lstStyle/>
+          <a:p>
+            <a:r>
+              <a:rPr lang="en-US" b="1" dirty="0" smtClean="0"/>
+              <a:t>Local</a:t>
+            </a:r>
+            <a:r>
+              <a:rPr lang="en-US" b="1" dirty="0" smtClean="0"/>
+              <a:t> </a:t>
+            </a:r>
+            <a:r>
+              <a:rPr lang="en-US" b="1" dirty="0"/>
+              <a:t>trigger rate ~ </a:t>
+            </a:r>
+            <a:r>
+              <a:rPr lang="en-US" b="1" dirty="0" smtClean="0"/>
+              <a:t>100kHz</a:t>
+            </a:r>
+            <a:endParaRPr lang="en-US" b="1" dirty="0"/>
           </a:p>
         </p:txBody>
       </p:sp>

--- a/2015_DOE_Review/SuperBigBite DAQ update-Oct-20-2015.pptx
+++ b/2015_DOE_Review/SuperBigBite DAQ update-Oct-20-2015.pptx
@@ -13,19 +13,17 @@
     <p:sldId id="268" r:id="rId7"/>
     <p:sldId id="260" r:id="rId8"/>
     <p:sldId id="279" r:id="rId9"/>
-    <p:sldId id="263" r:id="rId10"/>
-    <p:sldId id="278" r:id="rId11"/>
-    <p:sldId id="265" r:id="rId12"/>
-    <p:sldId id="272" r:id="rId13"/>
-    <p:sldId id="274" r:id="rId14"/>
-    <p:sldId id="273" r:id="rId15"/>
-    <p:sldId id="266" r:id="rId16"/>
-    <p:sldId id="275" r:id="rId17"/>
-    <p:sldId id="270" r:id="rId18"/>
-    <p:sldId id="271" r:id="rId19"/>
-    <p:sldId id="276" r:id="rId20"/>
-    <p:sldId id="269" r:id="rId21"/>
-    <p:sldId id="267" r:id="rId22"/>
+    <p:sldId id="278" r:id="rId10"/>
+    <p:sldId id="265" r:id="rId11"/>
+    <p:sldId id="272" r:id="rId12"/>
+    <p:sldId id="274" r:id="rId13"/>
+    <p:sldId id="273" r:id="rId14"/>
+    <p:sldId id="266" r:id="rId15"/>
+    <p:sldId id="275" r:id="rId16"/>
+    <p:sldId id="270" r:id="rId17"/>
+    <p:sldId id="271" r:id="rId18"/>
+    <p:sldId id="276" r:id="rId19"/>
+    <p:sldId id="269" r:id="rId20"/>
   </p:sldIdLst>
   <p:sldSz cx="9144000" cy="6858000" type="screen4x3"/>
   <p:notesSz cx="6858000" cy="9144000"/>
@@ -126,7 +124,7 @@
   </p:defaultTextStyle>
   <p:extLst>
     <p:ext uri="{EFAFB233-063F-42B5-8137-9DF3F51BA10A}">
-      <p15:sldGuideLst xmlns="" xmlns:p15="http://schemas.microsoft.com/office/powerpoint/2012/main">
+      <p15:sldGuideLst xmlns:p15="http://schemas.microsoft.com/office/powerpoint/2012/main" xmlns="">
         <p15:guide id="1" orient="horz" pos="2160">
           <p15:clr>
             <a:srgbClr val="A4A3A4"/>
@@ -144,753 +142,6 @@
 </file>
 
 <file path=ppt/charts/chart1.xml><?xml version="1.0" encoding="utf-8"?>
-<c:chartSpace xmlns:c="http://schemas.openxmlformats.org/drawingml/2006/chart" xmlns:a="http://schemas.openxmlformats.org/drawingml/2006/main" xmlns:r="http://schemas.openxmlformats.org/officeDocument/2006/relationships">
-  <c:date1904 val="0"/>
-  <c:lang val="en-US"/>
-  <c:roundedCorners val="0"/>
-  <mc:AlternateContent xmlns:mc="http://schemas.openxmlformats.org/markup-compatibility/2006">
-    <mc:Choice xmlns:c14="http://schemas.microsoft.com/office/drawing/2007/8/2/chart" Requires="c14">
-      <c14:style val="118"/>
-    </mc:Choice>
-    <mc:Fallback>
-      <c:style val="18"/>
-    </mc:Fallback>
-  </mc:AlternateContent>
-  <c:chart>
-    <c:autoTitleDeleted val="0"/>
-    <c:plotArea>
-      <c:layout>
-        <c:manualLayout>
-          <c:layoutTarget val="inner"/>
-          <c:xMode val="edge"/>
-          <c:yMode val="edge"/>
-          <c:x val="0.103893263342082"/>
-          <c:y val="3.4312573443008199E-2"/>
-          <c:w val="0.84123409962094398"/>
-          <c:h val="0.80927560905650597"/>
-        </c:manualLayout>
-      </c:layout>
-      <c:scatterChart>
-        <c:scatterStyle val="lineMarker"/>
-        <c:varyColors val="0"/>
-        <c:ser>
-          <c:idx val="0"/>
-          <c:order val="0"/>
-          <c:tx>
-            <c:v>Local_50kHz_pedeSup</c:v>
-          </c:tx>
-          <c:spPr>
-            <a:ln w="47625">
-              <a:noFill/>
-            </a:ln>
-            <a:effectLst/>
-          </c:spPr>
-          <c:marker>
-            <c:symbol val="circle"/>
-            <c:size val="6"/>
-            <c:spPr>
-              <a:solidFill>
-                <a:srgbClr val="0000FF"/>
-              </a:solidFill>
-              <a:ln>
-                <a:solidFill>
-                  <a:srgbClr val="0000FF"/>
-                </a:solidFill>
-              </a:ln>
-              <a:effectLst/>
-            </c:spPr>
-          </c:marker>
-          <c:xVal>
-            <c:numRef>
-              <c:f>'FixedLocal-1DAQ'!$B$9:$H$9</c:f>
-              <c:numCache>
-                <c:formatCode>General</c:formatCode>
-                <c:ptCount val="7"/>
-                <c:pt idx="0">
-                  <c:v>1145.4000000000001</c:v>
-                </c:pt>
-                <c:pt idx="1">
-                  <c:v>8119.1</c:v>
-                </c:pt>
-                <c:pt idx="2">
-                  <c:v>10814.7</c:v>
-                </c:pt>
-                <c:pt idx="3">
-                  <c:v>4913.8999999999996</c:v>
-                </c:pt>
-                <c:pt idx="4">
-                  <c:v>13093.1</c:v>
-                </c:pt>
-                <c:pt idx="5">
-                  <c:v>16890</c:v>
-                </c:pt>
-                <c:pt idx="6">
-                  <c:v>22452.5</c:v>
-                </c:pt>
-              </c:numCache>
-            </c:numRef>
-          </c:xVal>
-          <c:yVal>
-            <c:numRef>
-              <c:f>'FixedLocal-1DAQ'!$B$11:$H$11</c:f>
-              <c:numCache>
-                <c:formatCode>0.00</c:formatCode>
-                <c:ptCount val="7"/>
-                <c:pt idx="0">
-                  <c:v>10.1100052383447</c:v>
-                </c:pt>
-                <c:pt idx="1">
-                  <c:v>14.597677082435251</c:v>
-                </c:pt>
-                <c:pt idx="2">
-                  <c:v>15.743386316772551</c:v>
-                </c:pt>
-                <c:pt idx="3">
-                  <c:v>12.920490852479711</c:v>
-                </c:pt>
-                <c:pt idx="4">
-                  <c:v>17.3198096707426</c:v>
-                </c:pt>
-                <c:pt idx="5">
-                  <c:v>23.043220840734119</c:v>
-                </c:pt>
-                <c:pt idx="6">
-                  <c:v>34.899899788442227</c:v>
-                </c:pt>
-              </c:numCache>
-            </c:numRef>
-          </c:yVal>
-          <c:smooth val="0"/>
-          <c:extLst xmlns:c16r2="http://schemas.microsoft.com/office/drawing/2015/06/chart">
-            <c:ext xmlns:c16="http://schemas.microsoft.com/office/drawing/2014/chart" uri="{C3380CC4-5D6E-409C-BE32-E72D297353CC}">
-              <c16:uniqueId val="{00000000-9CEB-4785-90F1-18F40A6B124B}"/>
-            </c:ext>
-          </c:extLst>
-        </c:ser>
-        <c:ser>
-          <c:idx val="1"/>
-          <c:order val="1"/>
-          <c:tx>
-            <c:v>Local_100kHz_pedeSup</c:v>
-          </c:tx>
-          <c:spPr>
-            <a:ln w="47625">
-              <a:noFill/>
-            </a:ln>
-            <a:effectLst/>
-          </c:spPr>
-          <c:marker>
-            <c:symbol val="circle"/>
-            <c:size val="6"/>
-            <c:spPr>
-              <a:solidFill>
-                <a:srgbClr val="FF0000"/>
-              </a:solidFill>
-              <a:ln>
-                <a:solidFill>
-                  <a:srgbClr val="FF0000"/>
-                </a:solidFill>
-              </a:ln>
-              <a:effectLst/>
-            </c:spPr>
-          </c:marker>
-          <c:xVal>
-            <c:numRef>
-              <c:f>'FixedLocal-1DAQ'!$B$21:$H$21</c:f>
-              <c:numCache>
-                <c:formatCode>General</c:formatCode>
-                <c:ptCount val="7"/>
-                <c:pt idx="0">
-                  <c:v>1229</c:v>
-                </c:pt>
-                <c:pt idx="1">
-                  <c:v>2546.5</c:v>
-                </c:pt>
-                <c:pt idx="2">
-                  <c:v>4739</c:v>
-                </c:pt>
-                <c:pt idx="3">
-                  <c:v>7059.6</c:v>
-                </c:pt>
-                <c:pt idx="4">
-                  <c:v>10610.4</c:v>
-                </c:pt>
-                <c:pt idx="5">
-                  <c:v>17665.2</c:v>
-                </c:pt>
-                <c:pt idx="6">
-                  <c:v>22771</c:v>
-                </c:pt>
-              </c:numCache>
-            </c:numRef>
-          </c:xVal>
-          <c:yVal>
-            <c:numRef>
-              <c:f>'FixedLocal-1DAQ'!$B$23:$H$23</c:f>
-              <c:numCache>
-                <c:formatCode>0.00</c:formatCode>
-                <c:ptCount val="7"/>
-                <c:pt idx="0">
-                  <c:v>18.53539462978031</c:v>
-                </c:pt>
-                <c:pt idx="1">
-                  <c:v>18.93972118594149</c:v>
-                </c:pt>
-                <c:pt idx="2">
-                  <c:v>20.56341000211015</c:v>
-                </c:pt>
-                <c:pt idx="3">
-                  <c:v>21.208000453283471</c:v>
-                </c:pt>
-                <c:pt idx="4">
-                  <c:v>23.132021412953328</c:v>
-                </c:pt>
-                <c:pt idx="5">
-                  <c:v>28.938817562212719</c:v>
-                </c:pt>
-                <c:pt idx="6">
-                  <c:v>37.052830354398139</c:v>
-                </c:pt>
-              </c:numCache>
-            </c:numRef>
-          </c:yVal>
-          <c:smooth val="0"/>
-          <c:extLst xmlns:c16r2="http://schemas.microsoft.com/office/drawing/2015/06/chart">
-            <c:ext xmlns:c16="http://schemas.microsoft.com/office/drawing/2014/chart" uri="{C3380CC4-5D6E-409C-BE32-E72D297353CC}">
-              <c16:uniqueId val="{00000001-9CEB-4785-90F1-18F40A6B124B}"/>
-            </c:ext>
-          </c:extLst>
-        </c:ser>
-        <c:ser>
-          <c:idx val="2"/>
-          <c:order val="2"/>
-          <c:tx>
-            <c:v>Local_50kHz_pedeSup</c:v>
-          </c:tx>
-          <c:spPr>
-            <a:ln w="47625">
-              <a:noFill/>
-            </a:ln>
-            <a:effectLst/>
-          </c:spPr>
-          <c:marker>
-            <c:symbol val="circle"/>
-            <c:size val="6"/>
-            <c:spPr>
-              <a:solidFill>
-                <a:srgbClr val="008000"/>
-              </a:solidFill>
-              <a:ln>
-                <a:solidFill>
-                  <a:srgbClr val="008000"/>
-                </a:solidFill>
-              </a:ln>
-              <a:effectLst/>
-            </c:spPr>
-          </c:marker>
-          <c:xVal>
-            <c:numRef>
-              <c:f>'FixedLocal-1DAQ'!$B$33:$H$33</c:f>
-              <c:numCache>
-                <c:formatCode>General</c:formatCode>
-                <c:ptCount val="7"/>
-                <c:pt idx="0">
-                  <c:v>1238.8</c:v>
-                </c:pt>
-                <c:pt idx="1">
-                  <c:v>2612.6</c:v>
-                </c:pt>
-                <c:pt idx="2">
-                  <c:v>5253</c:v>
-                </c:pt>
-                <c:pt idx="3">
-                  <c:v>8418.4</c:v>
-                </c:pt>
-                <c:pt idx="4">
-                  <c:v>12498.2</c:v>
-                </c:pt>
-                <c:pt idx="5">
-                  <c:v>19905.900000000001</c:v>
-                </c:pt>
-                <c:pt idx="6">
-                  <c:v>23678.3</c:v>
-                </c:pt>
-              </c:numCache>
-            </c:numRef>
-          </c:xVal>
-          <c:yVal>
-            <c:numRef>
-              <c:f>'FixedLocal-1DAQ'!$B$35:$H$35</c:f>
-              <c:numCache>
-                <c:formatCode>0.00</c:formatCode>
-                <c:ptCount val="7"/>
-                <c:pt idx="0">
-                  <c:v>25.637713916693571</c:v>
-                </c:pt>
-                <c:pt idx="1">
-                  <c:v>26.743473934012101</c:v>
-                </c:pt>
-                <c:pt idx="2">
-                  <c:v>27.93070626308776</c:v>
-                </c:pt>
-                <c:pt idx="3">
-                  <c:v>28.947305901358931</c:v>
-                </c:pt>
-                <c:pt idx="4">
-                  <c:v>30.224352306732172</c:v>
-                </c:pt>
-                <c:pt idx="5">
-                  <c:v>35.836611255959284</c:v>
-                </c:pt>
-                <c:pt idx="6">
-                  <c:v>40.877512321408197</c:v>
-                </c:pt>
-              </c:numCache>
-            </c:numRef>
-          </c:yVal>
-          <c:smooth val="0"/>
-          <c:extLst xmlns:c16r2="http://schemas.microsoft.com/office/drawing/2015/06/chart">
-            <c:ext xmlns:c16="http://schemas.microsoft.com/office/drawing/2014/chart" uri="{C3380CC4-5D6E-409C-BE32-E72D297353CC}">
-              <c16:uniqueId val="{00000002-9CEB-4785-90F1-18F40A6B124B}"/>
-            </c:ext>
-          </c:extLst>
-        </c:ser>
-        <c:ser>
-          <c:idx val="3"/>
-          <c:order val="3"/>
-          <c:tx>
-            <c:v>Local_50kHz_NopedSup</c:v>
-          </c:tx>
-          <c:spPr>
-            <a:ln w="47625">
-              <a:noFill/>
-            </a:ln>
-            <a:effectLst/>
-          </c:spPr>
-          <c:marker>
-            <c:symbol val="circle"/>
-            <c:size val="6"/>
-            <c:spPr>
-              <a:noFill/>
-              <a:ln>
-                <a:solidFill>
-                  <a:srgbClr val="0000FF"/>
-                </a:solidFill>
-              </a:ln>
-              <a:effectLst/>
-            </c:spPr>
-          </c:marker>
-          <c:xVal>
-            <c:numRef>
-              <c:f>'FixedLocal-1DAQ'!$B$69:$K$69</c:f>
-              <c:numCache>
-                <c:formatCode>General</c:formatCode>
-                <c:ptCount val="10"/>
-                <c:pt idx="0">
-                  <c:v>4299.3999999999996</c:v>
-                </c:pt>
-                <c:pt idx="1">
-                  <c:v>5198.8</c:v>
-                </c:pt>
-                <c:pt idx="2">
-                  <c:v>2920.1</c:v>
-                </c:pt>
-                <c:pt idx="3">
-                  <c:v>1254.4000000000001</c:v>
-                </c:pt>
-                <c:pt idx="4">
-                  <c:v>8065.3</c:v>
-                </c:pt>
-                <c:pt idx="5">
-                  <c:v>12585.7</c:v>
-                </c:pt>
-                <c:pt idx="6">
-                  <c:v>19174.5</c:v>
-                </c:pt>
-                <c:pt idx="7">
-                  <c:v>23432.9</c:v>
-                </c:pt>
-                <c:pt idx="8">
-                  <c:v>3494.3</c:v>
-                </c:pt>
-                <c:pt idx="9">
-                  <c:v>2443.6</c:v>
-                </c:pt>
-              </c:numCache>
-            </c:numRef>
-          </c:xVal>
-          <c:yVal>
-            <c:numRef>
-              <c:f>'FixedLocal-1DAQ'!$B$71:$K$71</c:f>
-              <c:numCache>
-                <c:formatCode>0.00</c:formatCode>
-                <c:ptCount val="10"/>
-                <c:pt idx="0">
-                  <c:v>24.803460948039259</c:v>
-                </c:pt>
-                <c:pt idx="1">
-                  <c:v>42.948372701392643</c:v>
-                </c:pt>
-                <c:pt idx="2">
-                  <c:v>12.46532652991336</c:v>
-                </c:pt>
-                <c:pt idx="3">
-                  <c:v>10.068558673469401</c:v>
-                </c:pt>
-                <c:pt idx="4">
-                  <c:v>57.417579011320093</c:v>
-                </c:pt>
-                <c:pt idx="5">
-                  <c:v>72.421875620744174</c:v>
-                </c:pt>
-                <c:pt idx="6">
-                  <c:v>81.830034681477997</c:v>
-                </c:pt>
-                <c:pt idx="7">
-                  <c:v>85.115371977006575</c:v>
-                </c:pt>
-                <c:pt idx="8">
-                  <c:v>13.27876827976992</c:v>
-                </c:pt>
-                <c:pt idx="9">
-                  <c:v>12.09281388115895</c:v>
-                </c:pt>
-              </c:numCache>
-            </c:numRef>
-          </c:yVal>
-          <c:smooth val="0"/>
-          <c:extLst xmlns:c16r2="http://schemas.microsoft.com/office/drawing/2015/06/chart">
-            <c:ext xmlns:c16="http://schemas.microsoft.com/office/drawing/2014/chart" uri="{C3380CC4-5D6E-409C-BE32-E72D297353CC}">
-              <c16:uniqueId val="{00000003-9CEB-4785-90F1-18F40A6B124B}"/>
-            </c:ext>
-          </c:extLst>
-        </c:ser>
-        <c:ser>
-          <c:idx val="4"/>
-          <c:order val="4"/>
-          <c:tx>
-            <c:v>Local_100kHz_NopedSup</c:v>
-          </c:tx>
-          <c:spPr>
-            <a:ln w="47625">
-              <a:noFill/>
-            </a:ln>
-            <a:effectLst/>
-          </c:spPr>
-          <c:marker>
-            <c:symbol val="circle"/>
-            <c:size val="6"/>
-            <c:spPr>
-              <a:noFill/>
-              <a:ln>
-                <a:solidFill>
-                  <a:srgbClr val="FF0000"/>
-                </a:solidFill>
-              </a:ln>
-              <a:effectLst/>
-            </c:spPr>
-          </c:marker>
-          <c:xVal>
-            <c:numRef>
-              <c:f>'FixedLocal-1DAQ'!$B$57:$I$57</c:f>
-              <c:numCache>
-                <c:formatCode>General</c:formatCode>
-                <c:ptCount val="8"/>
-                <c:pt idx="0">
-                  <c:v>1320.7</c:v>
-                </c:pt>
-                <c:pt idx="1">
-                  <c:v>2386.5</c:v>
-                </c:pt>
-                <c:pt idx="2">
-                  <c:v>4041.6</c:v>
-                </c:pt>
-                <c:pt idx="3">
-                  <c:v>5123.1000000000004</c:v>
-                </c:pt>
-                <c:pt idx="4">
-                  <c:v>7289.6</c:v>
-                </c:pt>
-                <c:pt idx="5">
-                  <c:v>10800.7</c:v>
-                </c:pt>
-                <c:pt idx="6">
-                  <c:v>16088.4</c:v>
-                </c:pt>
-                <c:pt idx="7">
-                  <c:v>22848.400000000001</c:v>
-                </c:pt>
-              </c:numCache>
-            </c:numRef>
-          </c:xVal>
-          <c:yVal>
-            <c:numRef>
-              <c:f>'FixedLocal-1DAQ'!$B$59:$I$59</c:f>
-              <c:numCache>
-                <c:formatCode>0.00</c:formatCode>
-                <c:ptCount val="8"/>
-                <c:pt idx="0">
-                  <c:v>19.747103808586349</c:v>
-                </c:pt>
-                <c:pt idx="1">
-                  <c:v>20.611774565262941</c:v>
-                </c:pt>
-                <c:pt idx="2">
-                  <c:v>22.090261282660329</c:v>
-                </c:pt>
-                <c:pt idx="3">
-                  <c:v>37.770100134684071</c:v>
-                </c:pt>
-                <c:pt idx="4">
-                  <c:v>53.832857769973643</c:v>
-                </c:pt>
-                <c:pt idx="5">
-                  <c:v>67.574323886414746</c:v>
-                </c:pt>
-                <c:pt idx="6">
-                  <c:v>78.129584048134049</c:v>
-                </c:pt>
-                <c:pt idx="7">
-                  <c:v>84.567847201554528</c:v>
-                </c:pt>
-              </c:numCache>
-            </c:numRef>
-          </c:yVal>
-          <c:smooth val="0"/>
-          <c:extLst xmlns:c16r2="http://schemas.microsoft.com/office/drawing/2015/06/chart">
-            <c:ext xmlns:c16="http://schemas.microsoft.com/office/drawing/2014/chart" uri="{C3380CC4-5D6E-409C-BE32-E72D297353CC}">
-              <c16:uniqueId val="{00000004-9CEB-4785-90F1-18F40A6B124B}"/>
-            </c:ext>
-          </c:extLst>
-        </c:ser>
-        <c:ser>
-          <c:idx val="5"/>
-          <c:order val="5"/>
-          <c:tx>
-            <c:v>Local_200kHz_NopedSup</c:v>
-          </c:tx>
-          <c:spPr>
-            <a:ln w="47625">
-              <a:noFill/>
-            </a:ln>
-            <a:effectLst/>
-          </c:spPr>
-          <c:marker>
-            <c:symbol val="circle"/>
-            <c:size val="6"/>
-            <c:spPr>
-              <a:noFill/>
-              <a:ln>
-                <a:solidFill>
-                  <a:srgbClr val="008000"/>
-                </a:solidFill>
-              </a:ln>
-              <a:effectLst/>
-            </c:spPr>
-          </c:marker>
-          <c:xVal>
-            <c:numRef>
-              <c:f>'FixedLocal-1DAQ'!$B$45:$K$45</c:f>
-              <c:numCache>
-                <c:formatCode>General</c:formatCode>
-                <c:ptCount val="10"/>
-                <c:pt idx="0">
-                  <c:v>1317.7</c:v>
-                </c:pt>
-                <c:pt idx="1">
-                  <c:v>2285.1</c:v>
-                </c:pt>
-                <c:pt idx="2">
-                  <c:v>5174.1000000000004</c:v>
-                </c:pt>
-                <c:pt idx="3">
-                  <c:v>6698.1</c:v>
-                </c:pt>
-                <c:pt idx="4">
-                  <c:v>4848.2</c:v>
-                </c:pt>
-                <c:pt idx="6">
-                  <c:v>11577.5</c:v>
-                </c:pt>
-                <c:pt idx="7">
-                  <c:v>16911.099999999999</c:v>
-                </c:pt>
-                <c:pt idx="9">
-                  <c:v>4159.8</c:v>
-                </c:pt>
-              </c:numCache>
-            </c:numRef>
-          </c:xVal>
-          <c:yVal>
-            <c:numRef>
-              <c:f>'FixedLocal-1DAQ'!$B$47:$K$47</c:f>
-              <c:numCache>
-                <c:formatCode>0.00</c:formatCode>
-                <c:ptCount val="10"/>
-                <c:pt idx="0">
-                  <c:v>25.111937466798199</c:v>
-                </c:pt>
-                <c:pt idx="1">
-                  <c:v>26.19579011859437</c:v>
-                </c:pt>
-                <c:pt idx="2">
-                  <c:v>38.980692294312043</c:v>
-                </c:pt>
-                <c:pt idx="3">
-                  <c:v>52.402920231110308</c:v>
-                </c:pt>
-                <c:pt idx="4">
-                  <c:v>34.371519326760449</c:v>
-                </c:pt>
-                <c:pt idx="6">
-                  <c:v>69.973655797883808</c:v>
-                </c:pt>
-                <c:pt idx="7">
-                  <c:v>79.108987588033841</c:v>
-                </c:pt>
-                <c:pt idx="9">
-                  <c:v>28.051829414875719</c:v>
-                </c:pt>
-              </c:numCache>
-            </c:numRef>
-          </c:yVal>
-          <c:smooth val="0"/>
-          <c:extLst xmlns:c16r2="http://schemas.microsoft.com/office/drawing/2015/06/chart">
-            <c:ext xmlns:c16="http://schemas.microsoft.com/office/drawing/2014/chart" uri="{C3380CC4-5D6E-409C-BE32-E72D297353CC}">
-              <c16:uniqueId val="{00000005-9CEB-4785-90F1-18F40A6B124B}"/>
-            </c:ext>
-          </c:extLst>
-        </c:ser>
-        <c:dLbls>
-          <c:showLegendKey val="0"/>
-          <c:showVal val="0"/>
-          <c:showCatName val="0"/>
-          <c:showSerName val="0"/>
-          <c:showPercent val="0"/>
-          <c:showBubbleSize val="0"/>
-        </c:dLbls>
-        <c:axId val="82638720"/>
-        <c:axId val="82710912"/>
-      </c:scatterChart>
-      <c:valAx>
-        <c:axId val="82638720"/>
-        <c:scaling>
-          <c:orientation val="minMax"/>
-        </c:scaling>
-        <c:delete val="0"/>
-        <c:axPos val="b"/>
-        <c:majorGridlines/>
-        <c:minorGridlines>
-          <c:spPr>
-            <a:ln>
-              <a:solidFill>
-                <a:schemeClr val="bg1">
-                  <a:lumMod val="85000"/>
-                </a:schemeClr>
-              </a:solidFill>
-            </a:ln>
-          </c:spPr>
-        </c:minorGridlines>
-        <c:title>
-          <c:tx>
-            <c:rich>
-              <a:bodyPr/>
-              <a:lstStyle/>
-              <a:p>
-                <a:pPr>
-                  <a:defRPr/>
-                </a:pPr>
-                <a:r>
-                  <a:rPr lang="en-US"/>
-                  <a:t>Readout trigger rate</a:t>
-                </a:r>
-                <a:r>
-                  <a:rPr lang="en-US" baseline="0"/>
-                  <a:t> (Hz)</a:t>
-                </a:r>
-                <a:endParaRPr lang="en-US"/>
-              </a:p>
-            </c:rich>
-          </c:tx>
-          <c:layout/>
-          <c:overlay val="0"/>
-        </c:title>
-        <c:numFmt formatCode="General" sourceLinked="1"/>
-        <c:majorTickMark val="out"/>
-        <c:minorTickMark val="none"/>
-        <c:tickLblPos val="nextTo"/>
-        <c:crossAx val="82710912"/>
-        <c:crosses val="autoZero"/>
-        <c:crossBetween val="midCat"/>
-      </c:valAx>
-      <c:valAx>
-        <c:axId val="82710912"/>
-        <c:scaling>
-          <c:orientation val="minMax"/>
-        </c:scaling>
-        <c:delete val="0"/>
-        <c:axPos val="l"/>
-        <c:majorGridlines/>
-        <c:minorGridlines>
-          <c:spPr>
-            <a:ln>
-              <a:solidFill>
-                <a:schemeClr val="bg1">
-                  <a:lumMod val="85000"/>
-                </a:schemeClr>
-              </a:solidFill>
-            </a:ln>
-          </c:spPr>
-        </c:minorGridlines>
-        <c:title>
-          <c:tx>
-            <c:rich>
-              <a:bodyPr/>
-              <a:lstStyle/>
-              <a:p>
-                <a:pPr>
-                  <a:defRPr/>
-                </a:pPr>
-                <a:r>
-                  <a:rPr lang="en-US"/>
-                  <a:t>Dead time (%)</a:t>
-                </a:r>
-              </a:p>
-            </c:rich>
-          </c:tx>
-          <c:layout/>
-          <c:overlay val="0"/>
-        </c:title>
-        <c:numFmt formatCode="0" sourceLinked="0"/>
-        <c:majorTickMark val="out"/>
-        <c:minorTickMark val="none"/>
-        <c:tickLblPos val="nextTo"/>
-        <c:crossAx val="82638720"/>
-        <c:crosses val="autoZero"/>
-        <c:crossBetween val="midCat"/>
-      </c:valAx>
-    </c:plotArea>
-    <c:plotVisOnly val="1"/>
-    <c:dispBlanksAs val="gap"/>
-    <c:showDLblsOverMax val="0"/>
-  </c:chart>
-  <c:txPr>
-    <a:bodyPr/>
-    <a:lstStyle/>
-    <a:p>
-      <a:pPr>
-        <a:defRPr sz="1600" b="1"/>
-      </a:pPr>
-      <a:endParaRPr lang="en-US"/>
-    </a:p>
-  </c:txPr>
-  <c:externalData r:id="rId1">
-    <c:autoUpdate val="0"/>
-  </c:externalData>
-</c:chartSpace>
-</file>
-
-<file path=ppt/charts/chart2.xml><?xml version="1.0" encoding="utf-8"?>
 <c:chartSpace xmlns:c="http://schemas.openxmlformats.org/drawingml/2006/chart" xmlns:a="http://schemas.openxmlformats.org/drawingml/2006/main" xmlns:r="http://schemas.openxmlformats.org/officeDocument/2006/relationships">
   <c:date1904 val="0"/>
   <c:lang val="en-US"/>
@@ -1141,11 +392,11 @@
           <c:showPercent val="0"/>
           <c:showBubbleSize val="0"/>
         </c:dLbls>
-        <c:axId val="65730816"/>
-        <c:axId val="66239488"/>
+        <c:axId val="91233664"/>
+        <c:axId val="91256704"/>
       </c:scatterChart>
       <c:valAx>
-        <c:axId val="65730816"/>
+        <c:axId val="91233664"/>
         <c:scaling>
           <c:orientation val="minMax"/>
           <c:max val="17000"/>
@@ -1205,12 +456,12 @@
         <c:majorTickMark val="out"/>
         <c:minorTickMark val="none"/>
         <c:tickLblPos val="nextTo"/>
-        <c:crossAx val="66239488"/>
+        <c:crossAx val="91256704"/>
         <c:crosses val="autoZero"/>
         <c:crossBetween val="midCat"/>
       </c:valAx>
       <c:valAx>
-        <c:axId val="66239488"/>
+        <c:axId val="91256704"/>
         <c:scaling>
           <c:orientation val="minMax"/>
         </c:scaling>
@@ -1268,7 +519,7 @@
         <c:majorTickMark val="out"/>
         <c:minorTickMark val="none"/>
         <c:tickLblPos val="nextTo"/>
-        <c:crossAx val="65730816"/>
+        <c:crossAx val="91233664"/>
         <c:crosses val="autoZero"/>
         <c:crossBetween val="midCat"/>
       </c:valAx>
@@ -1291,521 +542,6 @@
     <c:autoUpdate val="0"/>
   </c:externalData>
   <c:userShapes r:id="rId2"/>
-</c:chartSpace>
-</file>
-
-<file path=ppt/charts/chart3.xml><?xml version="1.0" encoding="utf-8"?>
-<c:chartSpace xmlns:c="http://schemas.openxmlformats.org/drawingml/2006/chart" xmlns:a="http://schemas.openxmlformats.org/drawingml/2006/main" xmlns:r="http://schemas.openxmlformats.org/officeDocument/2006/relationships">
-  <c:date1904 val="0"/>
-  <c:lang val="en-US"/>
-  <c:roundedCorners val="1"/>
-  <mc:AlternateContent xmlns:mc="http://schemas.openxmlformats.org/markup-compatibility/2006">
-    <mc:Choice xmlns:c14="http://schemas.microsoft.com/office/drawing/2007/8/2/chart" Requires="c14">
-      <c14:style val="118"/>
-    </mc:Choice>
-    <mc:Fallback>
-      <c:style val="18"/>
-    </mc:Fallback>
-  </mc:AlternateContent>
-  <c:chart>
-    <c:autoTitleDeleted val="1"/>
-    <c:plotArea>
-      <c:layout>
-        <c:manualLayout>
-          <c:layoutTarget val="inner"/>
-          <c:xMode val="edge"/>
-          <c:yMode val="edge"/>
-          <c:x val="0.16269021072317999"/>
-          <c:y val="0.12035374268842799"/>
-          <c:w val="0.76399800471323098"/>
-          <c:h val="0.67850069482326802"/>
-        </c:manualLayout>
-      </c:layout>
-      <c:scatterChart>
-        <c:scatterStyle val="lineMarker"/>
-        <c:varyColors val="0"/>
-        <c:ser>
-          <c:idx val="0"/>
-          <c:order val="0"/>
-          <c:tx>
-            <c:strRef>
-              <c:f>label 1</c:f>
-              <c:strCache>
-                <c:ptCount val="1"/>
-                <c:pt idx="0">
-                  <c:v>buffer4_3daq_nopedsup</c:v>
-                </c:pt>
-              </c:strCache>
-            </c:strRef>
-          </c:tx>
-          <c:spPr>
-            <a:ln w="28800">
-              <a:noFill/>
-            </a:ln>
-            <a:effectLst/>
-          </c:spPr>
-          <c:marker>
-            <c:symbol val="circle"/>
-            <c:size val="6"/>
-            <c:spPr>
-              <a:solidFill>
-                <a:srgbClr val="0000FF"/>
-              </a:solidFill>
-              <a:ln>
-                <a:solidFill>
-                  <a:srgbClr val="0000FF"/>
-                </a:solidFill>
-              </a:ln>
-              <a:effectLst/>
-            </c:spPr>
-          </c:marker>
-          <c:xVal>
-            <c:numRef>
-              <c:f>0</c:f>
-              <c:numCache>
-                <c:formatCode>General</c:formatCode>
-                <c:ptCount val="11"/>
-                <c:pt idx="0">
-                  <c:v>44669.2</c:v>
-                </c:pt>
-                <c:pt idx="1">
-                  <c:v>104913.7</c:v>
-                </c:pt>
-                <c:pt idx="2">
-                  <c:v>150700.4</c:v>
-                </c:pt>
-                <c:pt idx="3">
-                  <c:v>194717.3</c:v>
-                </c:pt>
-                <c:pt idx="4">
-                  <c:v>27297.9</c:v>
-                </c:pt>
-                <c:pt idx="5">
-                  <c:v>11369.4</c:v>
-                </c:pt>
-                <c:pt idx="6">
-                  <c:v>199979.1</c:v>
-                </c:pt>
-                <c:pt idx="7">
-                  <c:v>170920.4</c:v>
-                </c:pt>
-                <c:pt idx="8">
-                  <c:v>65165.5</c:v>
-                </c:pt>
-                <c:pt idx="9">
-                  <c:v>83922.7</c:v>
-                </c:pt>
-                <c:pt idx="10">
-                  <c:v>8182.8</c:v>
-                </c:pt>
-              </c:numCache>
-            </c:numRef>
-          </c:xVal>
-          <c:yVal>
-            <c:numRef>
-              <c:f>1</c:f>
-              <c:numCache>
-                <c:formatCode>General</c:formatCode>
-                <c:ptCount val="11"/>
-                <c:pt idx="0">
-                  <c:v>2.509859439781577</c:v>
-                </c:pt>
-                <c:pt idx="1">
-                  <c:v>3.7419380603422399</c:v>
-                </c:pt>
-                <c:pt idx="2">
-                  <c:v>4.1960721054966301</c:v>
-                </c:pt>
-                <c:pt idx="3">
-                  <c:v>6.5881833861457597</c:v>
-                </c:pt>
-                <c:pt idx="4">
-                  <c:v>2.0286562643231498</c:v>
-                </c:pt>
-                <c:pt idx="5">
-                  <c:v>1.3511068218831099</c:v>
-                </c:pt>
-                <c:pt idx="6">
-                  <c:v>6.8403908794788286</c:v>
-                </c:pt>
-                <c:pt idx="7">
-                  <c:v>5.28668217211042</c:v>
-                </c:pt>
-                <c:pt idx="8">
-                  <c:v>3.0340507869382201</c:v>
-                </c:pt>
-                <c:pt idx="9">
-                  <c:v>3.6756840856492801</c:v>
-                </c:pt>
-                <c:pt idx="10">
-                  <c:v>1.13285483508169</c:v>
-                </c:pt>
-              </c:numCache>
-            </c:numRef>
-          </c:yVal>
-          <c:smooth val="1"/>
-        </c:ser>
-        <c:ser>
-          <c:idx val="1"/>
-          <c:order val="1"/>
-          <c:spPr>
-            <a:ln w="47625">
-              <a:noFill/>
-            </a:ln>
-            <a:effectLst/>
-          </c:spPr>
-          <c:marker>
-            <c:symbol val="circle"/>
-            <c:size val="6"/>
-            <c:spPr>
-              <a:solidFill>
-                <a:srgbClr val="FF0000"/>
-              </a:solidFill>
-              <a:ln>
-                <a:solidFill>
-                  <a:srgbClr val="FF0000"/>
-                </a:solidFill>
-              </a:ln>
-              <a:effectLst/>
-            </c:spPr>
-          </c:marker>
-          <c:xVal>
-            <c:numRef>
-              <c:f>FixedReadout!$D$26:$K$26</c:f>
-              <c:numCache>
-                <c:formatCode>0.000</c:formatCode>
-                <c:ptCount val="8"/>
-                <c:pt idx="0">
-                  <c:v>6518.9</c:v>
-                </c:pt>
-                <c:pt idx="1">
-                  <c:v>10719.9</c:v>
-                </c:pt>
-                <c:pt idx="2">
-                  <c:v>14109.3</c:v>
-                </c:pt>
-                <c:pt idx="3">
-                  <c:v>45539.3</c:v>
-                </c:pt>
-                <c:pt idx="4">
-                  <c:v>74031.600000000006</c:v>
-                </c:pt>
-                <c:pt idx="5">
-                  <c:v>104839.2</c:v>
-                </c:pt>
-                <c:pt idx="6">
-                  <c:v>137392.4</c:v>
-                </c:pt>
-                <c:pt idx="7">
-                  <c:v>194914.7</c:v>
-                </c:pt>
-              </c:numCache>
-            </c:numRef>
-          </c:xVal>
-          <c:yVal>
-            <c:numRef>
-              <c:f>FixedReadout!$D$28:$K$28</c:f>
-              <c:numCache>
-                <c:formatCode>0.00</c:formatCode>
-                <c:ptCount val="8"/>
-                <c:pt idx="0">
-                  <c:v>1.7390764904154361</c:v>
-                </c:pt>
-                <c:pt idx="1">
-                  <c:v>2.3605807518735529</c:v>
-                </c:pt>
-                <c:pt idx="2">
-                  <c:v>2.6502387695615299</c:v>
-                </c:pt>
-                <c:pt idx="3">
-                  <c:v>4.4902009426941278</c:v>
-                </c:pt>
-                <c:pt idx="4">
-                  <c:v>6.5756259052348396</c:v>
-                </c:pt>
-                <c:pt idx="5">
-                  <c:v>9.4732300612236493</c:v>
-                </c:pt>
-                <c:pt idx="6">
-                  <c:v>11.13857307628934</c:v>
-                </c:pt>
-                <c:pt idx="7">
-                  <c:v>17.57705092953584</c:v>
-                </c:pt>
-              </c:numCache>
-            </c:numRef>
-          </c:yVal>
-          <c:smooth val="0"/>
-        </c:ser>
-        <c:ser>
-          <c:idx val="2"/>
-          <c:order val="2"/>
-          <c:spPr>
-            <a:ln w="47625">
-              <a:noFill/>
-            </a:ln>
-          </c:spPr>
-          <c:marker>
-            <c:symbol val="circle"/>
-            <c:size val="6"/>
-            <c:spPr>
-              <a:solidFill>
-                <a:schemeClr val="tx1"/>
-              </a:solidFill>
-              <a:ln>
-                <a:solidFill>
-                  <a:schemeClr val="tx1"/>
-                </a:solidFill>
-              </a:ln>
-            </c:spPr>
-          </c:marker>
-          <c:xVal>
-            <c:numRef>
-              <c:f>FixedReadout!$C$40:$H$40</c:f>
-              <c:numCache>
-                <c:formatCode>General</c:formatCode>
-                <c:ptCount val="6"/>
-                <c:pt idx="0">
-                  <c:v>10626.2</c:v>
-                </c:pt>
-                <c:pt idx="1">
-                  <c:v>25253.9</c:v>
-                </c:pt>
-                <c:pt idx="2">
-                  <c:v>5043.6000000000004</c:v>
-                </c:pt>
-                <c:pt idx="3">
-                  <c:v>52688.7</c:v>
-                </c:pt>
-                <c:pt idx="4">
-                  <c:v>104390.3</c:v>
-                </c:pt>
-                <c:pt idx="5">
-                  <c:v>189480.4</c:v>
-                </c:pt>
-              </c:numCache>
-            </c:numRef>
-          </c:xVal>
-          <c:yVal>
-            <c:numRef>
-              <c:f>FixedReadout!$C$41:$H$41</c:f>
-              <c:numCache>
-                <c:formatCode>0.00</c:formatCode>
-                <c:ptCount val="6"/>
-                <c:pt idx="0">
-                  <c:v>26.3999080142578</c:v>
-                </c:pt>
-                <c:pt idx="1">
-                  <c:v>26.12135388002201</c:v>
-                </c:pt>
-                <c:pt idx="2">
-                  <c:v>27.593307593307589</c:v>
-                </c:pt>
-                <c:pt idx="3">
-                  <c:v>28.70486486486487</c:v>
-                </c:pt>
-                <c:pt idx="4">
-                  <c:v>28.03242219334372</c:v>
-                </c:pt>
-                <c:pt idx="5">
-                  <c:v>28.17506488857067</c:v>
-                </c:pt>
-              </c:numCache>
-            </c:numRef>
-          </c:yVal>
-          <c:smooth val="0"/>
-        </c:ser>
-        <c:dLbls>
-          <c:showLegendKey val="0"/>
-          <c:showVal val="0"/>
-          <c:showCatName val="0"/>
-          <c:showSerName val="0"/>
-          <c:showPercent val="0"/>
-          <c:showBubbleSize val="0"/>
-        </c:dLbls>
-        <c:axId val="65153664"/>
-        <c:axId val="65447808"/>
-      </c:scatterChart>
-      <c:valAx>
-        <c:axId val="65153664"/>
-        <c:scaling>
-          <c:orientation val="minMax"/>
-          <c:max val="200000"/>
-        </c:scaling>
-        <c:delete val="0"/>
-        <c:axPos val="b"/>
-        <c:majorGridlines>
-          <c:spPr>
-            <a:ln>
-              <a:solidFill>
-                <a:schemeClr val="bg1">
-                  <a:lumMod val="75000"/>
-                </a:schemeClr>
-              </a:solidFill>
-            </a:ln>
-          </c:spPr>
-        </c:majorGridlines>
-        <c:minorGridlines>
-          <c:spPr>
-            <a:ln>
-              <a:solidFill>
-                <a:schemeClr val="bg1">
-                  <a:lumMod val="85000"/>
-                </a:schemeClr>
-              </a:solidFill>
-            </a:ln>
-          </c:spPr>
-        </c:minorGridlines>
-        <c:title>
-          <c:tx>
-            <c:rich>
-              <a:bodyPr/>
-              <a:lstStyle/>
-              <a:p>
-                <a:pPr>
-                  <a:defRPr/>
-                </a:pPr>
-                <a:r>
-                  <a:rPr lang="en-US"/>
-                  <a:t>Local trigger rate</a:t>
-                </a:r>
-                <a:r>
-                  <a:rPr lang="en-US" baseline="0"/>
-                  <a:t> (Hz)</a:t>
-                </a:r>
-                <a:endParaRPr lang="en-US"/>
-              </a:p>
-            </c:rich>
-          </c:tx>
-          <c:layout>
-            <c:manualLayout>
-              <c:xMode val="edge"/>
-              <c:yMode val="edge"/>
-              <c:x val="0.419591157174937"/>
-              <c:y val="0.90594203302500997"/>
-            </c:manualLayout>
-          </c:layout>
-          <c:overlay val="0"/>
-        </c:title>
-        <c:numFmt formatCode="General" sourceLinked="0"/>
-        <c:majorTickMark val="out"/>
-        <c:minorTickMark val="none"/>
-        <c:tickLblPos val="nextTo"/>
-        <c:spPr>
-          <a:ln>
-            <a:solidFill>
-              <a:srgbClr val="B3B3B3"/>
-            </a:solidFill>
-          </a:ln>
-        </c:spPr>
-        <c:crossAx val="65447808"/>
-        <c:crossesAt val="0"/>
-        <c:crossBetween val="midCat"/>
-      </c:valAx>
-      <c:valAx>
-        <c:axId val="65447808"/>
-        <c:scaling>
-          <c:orientation val="minMax"/>
-        </c:scaling>
-        <c:delete val="0"/>
-        <c:axPos val="l"/>
-        <c:majorGridlines>
-          <c:spPr>
-            <a:ln>
-              <a:solidFill>
-                <a:schemeClr val="bg1">
-                  <a:lumMod val="85000"/>
-                </a:schemeClr>
-              </a:solidFill>
-            </a:ln>
-          </c:spPr>
-        </c:majorGridlines>
-        <c:minorGridlines>
-          <c:spPr>
-            <a:ln>
-              <a:solidFill>
-                <a:schemeClr val="bg1">
-                  <a:lumMod val="75000"/>
-                </a:schemeClr>
-              </a:solidFill>
-            </a:ln>
-          </c:spPr>
-        </c:minorGridlines>
-        <c:title>
-          <c:tx>
-            <c:rich>
-              <a:bodyPr/>
-              <a:lstStyle/>
-              <a:p>
-                <a:pPr>
-                  <a:defRPr/>
-                </a:pPr>
-                <a:r>
-                  <a:rPr lang="en-US"/>
-                  <a:t>Dead time (%)</a:t>
-                </a:r>
-              </a:p>
-            </c:rich>
-          </c:tx>
-          <c:layout>
-            <c:manualLayout>
-              <c:xMode val="edge"/>
-              <c:yMode val="edge"/>
-              <c:x val="3.5785307252747402E-2"/>
-              <c:y val="0.35729106524967802"/>
-            </c:manualLayout>
-          </c:layout>
-          <c:overlay val="0"/>
-        </c:title>
-        <c:numFmt formatCode="General" sourceLinked="0"/>
-        <c:majorTickMark val="out"/>
-        <c:minorTickMark val="none"/>
-        <c:tickLblPos val="nextTo"/>
-        <c:spPr>
-          <a:ln>
-            <a:solidFill>
-              <a:srgbClr val="B3B3B3"/>
-            </a:solidFill>
-          </a:ln>
-        </c:spPr>
-        <c:crossAx val="65153664"/>
-        <c:crossesAt val="0"/>
-        <c:crossBetween val="midCat"/>
-      </c:valAx>
-      <c:spPr>
-        <a:noFill/>
-        <a:ln>
-          <a:solidFill>
-            <a:srgbClr val="B3B3B3"/>
-          </a:solidFill>
-        </a:ln>
-      </c:spPr>
-    </c:plotArea>
-    <c:plotVisOnly val="1"/>
-    <c:dispBlanksAs val="zero"/>
-    <c:showDLblsOverMax val="1"/>
-  </c:chart>
-  <c:spPr>
-    <a:solidFill>
-      <a:srgbClr val="FFFFFF"/>
-    </a:solidFill>
-    <a:ln>
-      <a:noFill/>
-    </a:ln>
-  </c:spPr>
-  <c:txPr>
-    <a:bodyPr/>
-    <a:lstStyle/>
-    <a:p>
-      <a:pPr>
-        <a:defRPr sz="1600" b="1"/>
-      </a:pPr>
-      <a:endParaRPr lang="en-US"/>
-    </a:p>
-  </c:txPr>
-  <c:externalData r:id="rId1">
-    <c:autoUpdate val="0"/>
-  </c:externalData>
 </c:chartSpace>
 </file>
 
@@ -2278,7 +1014,7 @@
           <a:p>
             <a:fld id="{B41FAE2C-98F2-4AEB-9028-7681F5825C1E}" type="datetimeFigureOut">
               <a:rPr lang="en-US" smtClean="0"/>
-              <a:t>11/9/2015</a:t>
+              <a:t>11/10/2015</a:t>
             </a:fld>
             <a:endParaRPr lang="en-US"/>
           </a:p>
@@ -2451,7 +1187,7 @@
           <a:p>
             <a:fld id="{B41FAE2C-98F2-4AEB-9028-7681F5825C1E}" type="datetimeFigureOut">
               <a:rPr lang="en-US" smtClean="0"/>
-              <a:t>11/9/2015</a:t>
+              <a:t>11/10/2015</a:t>
             </a:fld>
             <a:endParaRPr lang="en-US"/>
           </a:p>
@@ -2641,7 +1377,7 @@
           <a:p>
             <a:fld id="{B41FAE2C-98F2-4AEB-9028-7681F5825C1E}" type="datetimeFigureOut">
               <a:rPr lang="en-US" smtClean="0"/>
-              <a:t>11/9/2015</a:t>
+              <a:t>11/10/2015</a:t>
             </a:fld>
             <a:endParaRPr lang="en-US"/>
           </a:p>
@@ -2898,7 +1634,7 @@
                 </a:solidFill>
               </a:rPr>
               <a:pPr/>
-              <a:t>11/9/2015</a:t>
+              <a:t>11/10/2015</a:t>
             </a:fld>
             <a:endParaRPr lang="en-US">
               <a:solidFill>
@@ -3106,7 +1842,7 @@
                 </a:solidFill>
               </a:rPr>
               <a:pPr/>
-              <a:t>11/9/2015</a:t>
+              <a:t>11/10/2015</a:t>
             </a:fld>
             <a:endParaRPr lang="en-US">
               <a:solidFill>
@@ -3390,7 +2126,7 @@
                 </a:solidFill>
               </a:rPr>
               <a:pPr/>
-              <a:t>11/9/2015</a:t>
+              <a:t>11/10/2015</a:t>
             </a:fld>
             <a:endParaRPr lang="en-US">
               <a:solidFill>
@@ -3716,7 +2452,7 @@
                 </a:solidFill>
               </a:rPr>
               <a:pPr/>
-              <a:t>11/9/2015</a:t>
+              <a:t>11/10/2015</a:t>
             </a:fld>
             <a:endParaRPr lang="en-US">
               <a:solidFill>
@@ -4176,7 +2912,7 @@
                 </a:solidFill>
               </a:rPr>
               <a:pPr/>
-              <a:t>11/9/2015</a:t>
+              <a:t>11/10/2015</a:t>
             </a:fld>
             <a:endParaRPr lang="en-US">
               <a:solidFill>
@@ -4332,7 +3068,7 @@
                 </a:solidFill>
               </a:rPr>
               <a:pPr/>
-              <a:t>11/9/2015</a:t>
+              <a:t>11/10/2015</a:t>
             </a:fld>
             <a:endParaRPr lang="en-US">
               <a:solidFill>
@@ -4465,7 +3201,7 @@
                 </a:solidFill>
               </a:rPr>
               <a:pPr/>
-              <a:t>11/9/2015</a:t>
+              <a:t>11/10/2015</a:t>
             </a:fld>
             <a:endParaRPr lang="en-US">
               <a:solidFill>
@@ -4780,7 +3516,7 @@
                 </a:solidFill>
               </a:rPr>
               <a:pPr/>
-              <a:t>11/9/2015</a:t>
+              <a:t>11/10/2015</a:t>
             </a:fld>
             <a:endParaRPr lang="en-US">
               <a:solidFill>
@@ -4983,7 +3719,7 @@
           <a:p>
             <a:fld id="{B41FAE2C-98F2-4AEB-9028-7681F5825C1E}" type="datetimeFigureOut">
               <a:rPr lang="en-US" smtClean="0"/>
-              <a:t>11/9/2015</a:t>
+              <a:t>11/10/2015</a:t>
             </a:fld>
             <a:endParaRPr lang="en-US"/>
           </a:p>
@@ -5248,7 +3984,7 @@
                 </a:solidFill>
               </a:rPr>
               <a:pPr/>
-              <a:t>11/9/2015</a:t>
+              <a:t>11/10/2015</a:t>
             </a:fld>
             <a:endParaRPr lang="en-US">
               <a:solidFill>
@@ -5456,7 +4192,7 @@
                 </a:solidFill>
               </a:rPr>
               <a:pPr/>
-              <a:t>11/9/2015</a:t>
+              <a:t>11/10/2015</a:t>
             </a:fld>
             <a:endParaRPr lang="en-US">
               <a:solidFill>
@@ -5674,7 +4410,7 @@
                 </a:solidFill>
               </a:rPr>
               <a:pPr/>
-              <a:t>11/9/2015</a:t>
+              <a:t>11/10/2015</a:t>
             </a:fld>
             <a:endParaRPr lang="en-US">
               <a:solidFill>
@@ -5953,7 +4689,7 @@
           <a:p>
             <a:fld id="{B41FAE2C-98F2-4AEB-9028-7681F5825C1E}" type="datetimeFigureOut">
               <a:rPr lang="en-US" smtClean="0"/>
-              <a:t>11/9/2015</a:t>
+              <a:t>11/10/2015</a:t>
             </a:fld>
             <a:endParaRPr lang="en-US"/>
           </a:p>
@@ -6244,7 +4980,7 @@
           <a:p>
             <a:fld id="{B41FAE2C-98F2-4AEB-9028-7681F5825C1E}" type="datetimeFigureOut">
               <a:rPr lang="en-US" smtClean="0"/>
-              <a:t>11/9/2015</a:t>
+              <a:t>11/10/2015</a:t>
             </a:fld>
             <a:endParaRPr lang="en-US"/>
           </a:p>
@@ -6669,7 +5405,7 @@
           <a:p>
             <a:fld id="{B41FAE2C-98F2-4AEB-9028-7681F5825C1E}" type="datetimeFigureOut">
               <a:rPr lang="en-US" smtClean="0"/>
-              <a:t>11/9/2015</a:t>
+              <a:t>11/10/2015</a:t>
             </a:fld>
             <a:endParaRPr lang="en-US"/>
           </a:p>
@@ -6797,7 +5533,7 @@
           <a:p>
             <a:fld id="{B41FAE2C-98F2-4AEB-9028-7681F5825C1E}" type="datetimeFigureOut">
               <a:rPr lang="en-US" smtClean="0"/>
-              <a:t>11/9/2015</a:t>
+              <a:t>11/10/2015</a:t>
             </a:fld>
             <a:endParaRPr lang="en-US"/>
           </a:p>
@@ -6902,7 +5638,7 @@
           <a:p>
             <a:fld id="{B41FAE2C-98F2-4AEB-9028-7681F5825C1E}" type="datetimeFigureOut">
               <a:rPr lang="en-US" smtClean="0"/>
-              <a:t>11/9/2015</a:t>
+              <a:t>11/10/2015</a:t>
             </a:fld>
             <a:endParaRPr lang="en-US"/>
           </a:p>
@@ -7189,7 +5925,7 @@
           <a:p>
             <a:fld id="{B41FAE2C-98F2-4AEB-9028-7681F5825C1E}" type="datetimeFigureOut">
               <a:rPr lang="en-US" smtClean="0"/>
-              <a:t>11/9/2015</a:t>
+              <a:t>11/10/2015</a:t>
             </a:fld>
             <a:endParaRPr lang="en-US"/>
           </a:p>
@@ -7456,7 +6192,7 @@
           <a:p>
             <a:fld id="{B41FAE2C-98F2-4AEB-9028-7681F5825C1E}" type="datetimeFigureOut">
               <a:rPr lang="en-US" smtClean="0"/>
-              <a:t>11/9/2015</a:t>
+              <a:t>11/10/2015</a:t>
             </a:fld>
             <a:endParaRPr lang="en-US"/>
           </a:p>
@@ -7684,7 +6420,7 @@
           <a:p>
             <a:fld id="{B41FAE2C-98F2-4AEB-9028-7681F5825C1E}" type="datetimeFigureOut">
               <a:rPr lang="en-US" smtClean="0"/>
-              <a:t>11/9/2015</a:t>
+              <a:t>11/10/2015</a:t>
             </a:fld>
             <a:endParaRPr lang="en-US"/>
           </a:p>
@@ -8162,7 +6898,7 @@
                 </a:solidFill>
               </a:rPr>
               <a:pPr defTabSz="457200"/>
-              <a:t>11/9/2015</a:t>
+              <a:t>11/10/2015</a:t>
             </a:fld>
             <a:endParaRPr lang="en-US" dirty="0">
               <a:solidFill>
@@ -8679,185 +7415,6 @@
           <a:p>
             <a:r>
               <a:rPr lang="en-US" dirty="0" smtClean="0"/>
-              <a:t>HCAL</a:t>
-            </a:r>
-            <a:endParaRPr lang="en-US" dirty="0"/>
-          </a:p>
-        </p:txBody>
-      </p:sp>
-      <p:sp>
-        <p:nvSpPr>
-          <p:cNvPr id="3" name="Content Placeholder 2"/>
-          <p:cNvSpPr>
-            <a:spLocks noGrp="1"/>
-          </p:cNvSpPr>
-          <p:nvPr>
-            <p:ph idx="1"/>
-          </p:nvPr>
-        </p:nvSpPr>
-        <p:spPr>
-          <a:xfrm>
-            <a:off x="457200" y="1295400"/>
-            <a:ext cx="8229600" cy="4525963"/>
-          </a:xfrm>
-        </p:spPr>
-        <p:txBody>
-          <a:bodyPr>
-            <a:normAutofit lnSpcReduction="10000"/>
-          </a:bodyPr>
-          <a:lstStyle/>
-          <a:p>
-            <a:r>
-              <a:rPr lang="en-US" dirty="0" smtClean="0"/>
-              <a:t>All FADC 16 delivered</a:t>
-            </a:r>
-          </a:p>
-          <a:p>
-            <a:r>
-              <a:rPr lang="en-US" dirty="0" smtClean="0"/>
-              <a:t>2 VXS crates delivered</a:t>
-            </a:r>
-          </a:p>
-          <a:p>
-            <a:r>
-              <a:rPr lang="en-US" dirty="0" smtClean="0"/>
-              <a:t>2 Intel Concurrent CPU delivered</a:t>
-            </a:r>
-          </a:p>
-          <a:p>
-            <a:endParaRPr lang="en-US" dirty="0"/>
-          </a:p>
-          <a:p>
-            <a:r>
-              <a:rPr lang="en-US" dirty="0" smtClean="0"/>
-              <a:t>Readout tested</a:t>
-            </a:r>
-          </a:p>
-          <a:p>
-            <a:r>
-              <a:rPr lang="en-US" dirty="0" smtClean="0"/>
-              <a:t>Development of trigger using HPS firmware and GTP</a:t>
-            </a:r>
-          </a:p>
-          <a:p>
-            <a:r>
-              <a:rPr lang="en-US" dirty="0" smtClean="0"/>
-              <a:t>New VTP ordered</a:t>
-            </a:r>
-            <a:endParaRPr lang="en-US" dirty="0"/>
-          </a:p>
-        </p:txBody>
-      </p:sp>
-      <p:sp>
-        <p:nvSpPr>
-          <p:cNvPr id="4" name="Date Placeholder 6"/>
-          <p:cNvSpPr>
-            <a:spLocks noGrp="1"/>
-          </p:cNvSpPr>
-          <p:nvPr>
-            <p:ph type="dt" sz="half" idx="10"/>
-          </p:nvPr>
-        </p:nvSpPr>
-        <p:spPr>
-          <a:xfrm>
-            <a:off x="3505200" y="6394375"/>
-            <a:ext cx="2133600" cy="365125"/>
-          </a:xfrm>
-        </p:spPr>
-        <p:txBody>
-          <a:bodyPr/>
-          <a:lstStyle/>
-          <a:p>
-            <a:fld id="{B41FAE2C-98F2-4AEB-9028-7681F5825C1E}" type="datetimeFigureOut">
-              <a:rPr lang="en-US" smtClean="0"/>
-              <a:t>11/9/2015</a:t>
-            </a:fld>
-            <a:endParaRPr lang="en-US"/>
-          </a:p>
-        </p:txBody>
-      </p:sp>
-      <p:sp>
-        <p:nvSpPr>
-          <p:cNvPr id="6" name="Slide Number Placeholder 8"/>
-          <p:cNvSpPr>
-            <a:spLocks noGrp="1"/>
-          </p:cNvSpPr>
-          <p:nvPr>
-            <p:ph type="sldNum" sz="quarter" idx="12"/>
-          </p:nvPr>
-        </p:nvSpPr>
-        <p:spPr>
-          <a:xfrm>
-            <a:off x="3505200" y="6645425"/>
-            <a:ext cx="2133600" cy="190125"/>
-          </a:xfrm>
-        </p:spPr>
-        <p:txBody>
-          <a:bodyPr/>
-          <a:lstStyle/>
-          <a:p>
-            <a:fld id="{123908D8-EB8A-4839-B5DA-E27DEBBAC624}" type="slidenum">
-              <a:rPr lang="en-US" smtClean="0"/>
-              <a:t>10</a:t>
-            </a:fld>
-            <a:endParaRPr lang="en-US"/>
-          </a:p>
-        </p:txBody>
-      </p:sp>
-    </p:spTree>
-    <p:extLst>
-      <p:ext uri="{BB962C8B-B14F-4D97-AF65-F5344CB8AC3E}">
-        <p14:creationId xmlns:p14="http://schemas.microsoft.com/office/powerpoint/2010/main" val="3508152813"/>
-      </p:ext>
-    </p:extLst>
-  </p:cSld>
-  <p:clrMapOvr>
-    <a:masterClrMapping/>
-  </p:clrMapOvr>
-  <p:timing>
-    <p:tnLst>
-      <p:par>
-        <p:cTn id="1" dur="indefinite" restart="never" nodeType="tmRoot"/>
-      </p:par>
-    </p:tnLst>
-  </p:timing>
-</p:sld>
-</file>
-
-<file path=ppt/slides/slide11.xml><?xml version="1.0" encoding="utf-8"?>
-<p:sld xmlns:a="http://schemas.openxmlformats.org/drawingml/2006/main" xmlns:r="http://schemas.openxmlformats.org/officeDocument/2006/relationships" xmlns:p="http://schemas.openxmlformats.org/presentationml/2006/main">
-  <p:cSld>
-    <p:spTree>
-      <p:nvGrpSpPr>
-        <p:cNvPr id="1" name=""/>
-        <p:cNvGrpSpPr/>
-        <p:nvPr/>
-      </p:nvGrpSpPr>
-      <p:grpSpPr>
-        <a:xfrm>
-          <a:off x="0" y="0"/>
-          <a:ext cx="0" cy="0"/>
-          <a:chOff x="0" y="0"/>
-          <a:chExt cx="0" cy="0"/>
-        </a:xfrm>
-      </p:grpSpPr>
-      <p:sp>
-        <p:nvSpPr>
-          <p:cNvPr id="2" name="Title 1"/>
-          <p:cNvSpPr>
-            <a:spLocks noGrp="1"/>
-          </p:cNvSpPr>
-          <p:nvPr>
-            <p:ph type="title"/>
-          </p:nvPr>
-        </p:nvSpPr>
-        <p:spPr/>
-        <p:txBody>
-          <a:bodyPr/>
-          <a:lstStyle/>
-          <a:p>
-            <a:r>
-              <a:rPr lang="en-US" dirty="0" smtClean="0"/>
               <a:t>HCAL FADC electronics</a:t>
             </a:r>
             <a:endParaRPr lang="en-US" dirty="0"/>
@@ -9016,7 +7573,7 @@
           <a:p>
             <a:fld id="{B41FAE2C-98F2-4AEB-9028-7681F5825C1E}" type="datetimeFigureOut">
               <a:rPr lang="en-US" smtClean="0"/>
-              <a:t>11/9/2015</a:t>
+              <a:t>11/10/2015</a:t>
             </a:fld>
             <a:endParaRPr lang="en-US"/>
           </a:p>
@@ -9044,7 +7601,7 @@
           <a:p>
             <a:fld id="{123908D8-EB8A-4839-B5DA-E27DEBBAC624}" type="slidenum">
               <a:rPr lang="en-US" smtClean="0"/>
-              <a:t>11</a:t>
+              <a:t>10</a:t>
             </a:fld>
             <a:endParaRPr lang="en-US"/>
           </a:p>
@@ -9070,7 +7627,7 @@
 </p:sld>
 </file>
 
-<file path=ppt/slides/slide12.xml><?xml version="1.0" encoding="utf-8"?>
+<file path=ppt/slides/slide11.xml><?xml version="1.0" encoding="utf-8"?>
 <p:sld xmlns:a="http://schemas.openxmlformats.org/drawingml/2006/main" xmlns:r="http://schemas.openxmlformats.org/officeDocument/2006/relationships" xmlns:p="http://schemas.openxmlformats.org/presentationml/2006/main">
   <p:cSld>
     <p:spTree>
@@ -9616,7 +8173,7 @@
           <a:p>
             <a:fld id="{B41FAE2C-98F2-4AEB-9028-7681F5825C1E}" type="datetimeFigureOut">
               <a:rPr lang="en-US" smtClean="0"/>
-              <a:t>11/9/2015</a:t>
+              <a:t>11/10/2015</a:t>
             </a:fld>
             <a:endParaRPr lang="en-US"/>
           </a:p>
@@ -9644,7 +8201,7 @@
           <a:p>
             <a:fld id="{123908D8-EB8A-4839-B5DA-E27DEBBAC624}" type="slidenum">
               <a:rPr lang="en-US" smtClean="0"/>
-              <a:t>12</a:t>
+              <a:t>11</a:t>
             </a:fld>
             <a:endParaRPr lang="en-US"/>
           </a:p>
@@ -9654,6 +8211,195 @@
     <p:extLst>
       <p:ext uri="{BB962C8B-B14F-4D97-AF65-F5344CB8AC3E}">
         <p14:creationId xmlns:p14="http://schemas.microsoft.com/office/powerpoint/2010/main" val="3902381952"/>
+      </p:ext>
+    </p:extLst>
+  </p:cSld>
+  <p:clrMapOvr>
+    <a:masterClrMapping/>
+  </p:clrMapOvr>
+  <p:timing>
+    <p:tnLst>
+      <p:par>
+        <p:cTn id="1" dur="indefinite" restart="never" nodeType="tmRoot"/>
+      </p:par>
+    </p:tnLst>
+  </p:timing>
+</p:sld>
+</file>
+
+<file path=ppt/slides/slide12.xml><?xml version="1.0" encoding="utf-8"?>
+<p:sld xmlns:a="http://schemas.openxmlformats.org/drawingml/2006/main" xmlns:r="http://schemas.openxmlformats.org/officeDocument/2006/relationships" xmlns:p="http://schemas.openxmlformats.org/presentationml/2006/main">
+  <p:cSld>
+    <p:spTree>
+      <p:nvGrpSpPr>
+        <p:cNvPr id="1" name=""/>
+        <p:cNvGrpSpPr/>
+        <p:nvPr/>
+      </p:nvGrpSpPr>
+      <p:grpSpPr>
+        <a:xfrm>
+          <a:off x="0" y="0"/>
+          <a:ext cx="0" cy="0"/>
+          <a:chOff x="0" y="0"/>
+          <a:chExt cx="0" cy="0"/>
+        </a:xfrm>
+      </p:grpSpPr>
+      <p:sp>
+        <p:nvSpPr>
+          <p:cNvPr id="2" name="Title 1"/>
+          <p:cNvSpPr>
+            <a:spLocks noGrp="1"/>
+          </p:cNvSpPr>
+          <p:nvPr>
+            <p:ph type="title"/>
+          </p:nvPr>
+        </p:nvSpPr>
+        <p:spPr/>
+        <p:txBody>
+          <a:bodyPr/>
+          <a:lstStyle/>
+          <a:p>
+            <a:r>
+              <a:rPr lang="en-US" dirty="0" smtClean="0"/>
+              <a:t>HCAL trigger development</a:t>
+            </a:r>
+            <a:endParaRPr lang="en-US" dirty="0"/>
+          </a:p>
+        </p:txBody>
+      </p:sp>
+      <p:sp>
+        <p:nvSpPr>
+          <p:cNvPr id="3" name="Content Placeholder 2"/>
+          <p:cNvSpPr>
+            <a:spLocks noGrp="1"/>
+          </p:cNvSpPr>
+          <p:nvPr>
+            <p:ph idx="1"/>
+          </p:nvPr>
+        </p:nvSpPr>
+        <p:spPr>
+          <a:xfrm>
+            <a:off x="457200" y="1295400"/>
+            <a:ext cx="8229600" cy="4525963"/>
+          </a:xfrm>
+        </p:spPr>
+        <p:txBody>
+          <a:bodyPr/>
+          <a:lstStyle/>
+          <a:p>
+            <a:r>
+              <a:rPr lang="en-US" dirty="0" smtClean="0"/>
+              <a:t>HPS firmware installed on FADC and GTP</a:t>
+            </a:r>
+          </a:p>
+          <a:p>
+            <a:r>
+              <a:rPr lang="en-US" dirty="0" smtClean="0"/>
+              <a:t>FADC readout tested with </a:t>
+            </a:r>
+            <a:r>
+              <a:rPr lang="en-US" dirty="0" err="1" smtClean="0"/>
+              <a:t>cosmics</a:t>
+            </a:r>
+            <a:endParaRPr lang="en-US" dirty="0" smtClean="0"/>
+          </a:p>
+          <a:p>
+            <a:r>
+              <a:rPr lang="en-US" dirty="0" smtClean="0"/>
+              <a:t>Testing triggering capability</a:t>
+            </a:r>
+          </a:p>
+          <a:p>
+            <a:endParaRPr lang="en-US" dirty="0"/>
+          </a:p>
+          <a:p>
+            <a:r>
+              <a:rPr lang="en-US" dirty="0" smtClean="0"/>
+              <a:t>Need</a:t>
+            </a:r>
+          </a:p>
+          <a:p>
+            <a:pPr lvl="1"/>
+            <a:r>
+              <a:rPr lang="en-US" dirty="0" smtClean="0"/>
+              <a:t>implement decoder for analysis</a:t>
+            </a:r>
+          </a:p>
+          <a:p>
+            <a:pPr lvl="1"/>
+            <a:r>
+              <a:rPr lang="en-US" dirty="0" smtClean="0"/>
+              <a:t>Test using 2 crates and new VTP</a:t>
+            </a:r>
+          </a:p>
+          <a:p>
+            <a:endParaRPr lang="en-US" dirty="0" smtClean="0"/>
+          </a:p>
+          <a:p>
+            <a:endParaRPr lang="en-US" dirty="0"/>
+          </a:p>
+        </p:txBody>
+      </p:sp>
+      <p:sp>
+        <p:nvSpPr>
+          <p:cNvPr id="4" name="Date Placeholder 6"/>
+          <p:cNvSpPr>
+            <a:spLocks noGrp="1"/>
+          </p:cNvSpPr>
+          <p:nvPr>
+            <p:ph type="dt" sz="half" idx="10"/>
+          </p:nvPr>
+        </p:nvSpPr>
+        <p:spPr>
+          <a:xfrm>
+            <a:off x="3505200" y="6394375"/>
+            <a:ext cx="2133600" cy="365125"/>
+          </a:xfrm>
+        </p:spPr>
+        <p:txBody>
+          <a:bodyPr/>
+          <a:lstStyle/>
+          <a:p>
+            <a:fld id="{B41FAE2C-98F2-4AEB-9028-7681F5825C1E}" type="datetimeFigureOut">
+              <a:rPr lang="en-US" smtClean="0"/>
+              <a:t>11/10/2015</a:t>
+            </a:fld>
+            <a:endParaRPr lang="en-US"/>
+          </a:p>
+        </p:txBody>
+      </p:sp>
+      <p:sp>
+        <p:nvSpPr>
+          <p:cNvPr id="6" name="Slide Number Placeholder 8"/>
+          <p:cNvSpPr>
+            <a:spLocks noGrp="1"/>
+          </p:cNvSpPr>
+          <p:nvPr>
+            <p:ph type="sldNum" sz="quarter" idx="12"/>
+          </p:nvPr>
+        </p:nvSpPr>
+        <p:spPr>
+          <a:xfrm>
+            <a:off x="3505200" y="6645425"/>
+            <a:ext cx="2133600" cy="190125"/>
+          </a:xfrm>
+        </p:spPr>
+        <p:txBody>
+          <a:bodyPr/>
+          <a:lstStyle/>
+          <a:p>
+            <a:fld id="{123908D8-EB8A-4839-B5DA-E27DEBBAC624}" type="slidenum">
+              <a:rPr lang="en-US" smtClean="0"/>
+              <a:t>12</a:t>
+            </a:fld>
+            <a:endParaRPr lang="en-US"/>
+          </a:p>
+        </p:txBody>
+      </p:sp>
+    </p:spTree>
+    <p:extLst>
+      <p:ext uri="{BB962C8B-B14F-4D97-AF65-F5344CB8AC3E}">
+        <p14:creationId xmlns:p14="http://schemas.microsoft.com/office/powerpoint/2010/main" val="3175088612"/>
       </p:ext>
     </p:extLst>
   </p:cSld>
@@ -9704,7 +8450,7 @@
           <a:p>
             <a:r>
               <a:rPr lang="en-US" dirty="0" smtClean="0"/>
-              <a:t>HCAL trigger development</a:t>
+              <a:t>GEM MPD readout</a:t>
             </a:r>
             <a:endParaRPr lang="en-US" dirty="0"/>
           </a:p>
@@ -9722,63 +8468,101 @@
         </p:nvSpPr>
         <p:spPr>
           <a:xfrm>
-            <a:off x="457200" y="1295400"/>
+            <a:off x="457200" y="1265237"/>
             <a:ext cx="8229600" cy="4525963"/>
           </a:xfrm>
         </p:spPr>
         <p:txBody>
-          <a:bodyPr/>
+          <a:bodyPr>
+            <a:normAutofit fontScale="85000" lnSpcReduction="20000"/>
+          </a:bodyPr>
           <a:lstStyle/>
           <a:p>
             <a:r>
               <a:rPr lang="en-US" dirty="0" smtClean="0"/>
-              <a:t>HPS firmware installed on FADC and GTP</a:t>
-            </a:r>
-          </a:p>
-          <a:p>
-            <a:r>
+              <a:t>INFN MPD used for several years using custom C++ package</a:t>
+            </a:r>
+            <a:br>
               <a:rPr lang="en-US" dirty="0" smtClean="0"/>
-              <a:t>FADC readout tested with </a:t>
+            </a:br>
+            <a:endParaRPr lang="en-US" dirty="0" smtClean="0"/>
+          </a:p>
+          <a:p>
+            <a:r>
+              <a:rPr lang="en-US" dirty="0" smtClean="0"/>
+              <a:t>Package ported to intel CPU</a:t>
+            </a:r>
+            <a:br>
+              <a:rPr lang="en-US" dirty="0" smtClean="0"/>
+            </a:br>
+            <a:endParaRPr lang="en-US" dirty="0" smtClean="0"/>
+          </a:p>
+          <a:p>
+            <a:r>
+              <a:rPr lang="en-US" dirty="0" smtClean="0"/>
+              <a:t>New C library written for easy integration into CODA </a:t>
+            </a:r>
+          </a:p>
+          <a:p>
+            <a:pPr marL="0" indent="0">
+              <a:buNone/>
+            </a:pPr>
+            <a:r>
+              <a:rPr lang="en-US" dirty="0" smtClean="0"/>
+              <a:t>( Bryan </a:t>
             </a:r>
             <a:r>
               <a:rPr lang="en-US" dirty="0" err="1" smtClean="0"/>
-              <a:t>cosmics</a:t>
-            </a:r>
+              <a:t>Moffit</a:t>
+            </a:r>
+            <a:r>
+              <a:rPr lang="en-US" dirty="0" smtClean="0"/>
+              <a:t>, </a:t>
+            </a:r>
+            <a:r>
+              <a:rPr lang="en-US" dirty="0" err="1" smtClean="0"/>
+              <a:t>Evaristo</a:t>
+            </a:r>
+            <a:r>
+              <a:rPr lang="en-US" dirty="0" smtClean="0"/>
+              <a:t> </a:t>
+            </a:r>
+            <a:r>
+              <a:rPr lang="en-US" dirty="0" err="1" smtClean="0"/>
+              <a:t>Cisbani</a:t>
+            </a:r>
+            <a:r>
+              <a:rPr lang="en-US" dirty="0" smtClean="0"/>
+              <a:t>, </a:t>
+            </a:r>
+            <a:r>
+              <a:rPr lang="en-US" dirty="0" err="1" smtClean="0"/>
+              <a:t>Danning</a:t>
+            </a:r>
+            <a:r>
+              <a:rPr lang="en-US" dirty="0" smtClean="0"/>
+              <a:t> Di )</a:t>
+            </a:r>
+            <a:br>
+              <a:rPr lang="en-US" dirty="0" smtClean="0"/>
+            </a:br>
             <a:endParaRPr lang="en-US" dirty="0" smtClean="0"/>
           </a:p>
           <a:p>
             <a:r>
               <a:rPr lang="en-US" dirty="0" smtClean="0"/>
-              <a:t>Testing triggering capability</a:t>
-            </a:r>
-          </a:p>
-          <a:p>
-            <a:endParaRPr lang="en-US" dirty="0"/>
-          </a:p>
-          <a:p>
-            <a:r>
+              <a:t>CODA configuration running</a:t>
+            </a:r>
+            <a:br>
               <a:rPr lang="en-US" dirty="0" smtClean="0"/>
-              <a:t>Need</a:t>
-            </a:r>
-          </a:p>
-          <a:p>
-            <a:pPr lvl="1"/>
+            </a:br>
+            <a:endParaRPr lang="en-US" dirty="0" smtClean="0"/>
+          </a:p>
+          <a:p>
             <a:r>
               <a:rPr lang="en-US" dirty="0" smtClean="0"/>
-              <a:t>implement decoder for analysis</a:t>
-            </a:r>
-          </a:p>
-          <a:p>
-            <a:pPr lvl="1"/>
-            <a:r>
-              <a:rPr lang="en-US" dirty="0" smtClean="0"/>
-              <a:t>Test using 2 crates and new VTP</a:t>
-            </a:r>
-          </a:p>
-          <a:p>
-            <a:endParaRPr lang="en-US" dirty="0" smtClean="0"/>
-          </a:p>
-          <a:p>
+              <a:t>Debugging module initialization</a:t>
+            </a:r>
             <a:endParaRPr lang="en-US" dirty="0"/>
           </a:p>
         </p:txBody>
@@ -9805,7 +8589,7 @@
           <a:p>
             <a:fld id="{B41FAE2C-98F2-4AEB-9028-7681F5825C1E}" type="datetimeFigureOut">
               <a:rPr lang="en-US" smtClean="0"/>
-              <a:t>11/9/2015</a:t>
+              <a:t>11/10/2015</a:t>
             </a:fld>
             <a:endParaRPr lang="en-US"/>
           </a:p>
@@ -9842,7 +8626,7 @@
     </p:spTree>
     <p:extLst>
       <p:ext uri="{BB962C8B-B14F-4D97-AF65-F5344CB8AC3E}">
-        <p14:creationId xmlns:p14="http://schemas.microsoft.com/office/powerpoint/2010/main" val="3175088612"/>
+        <p14:creationId xmlns:p14="http://schemas.microsoft.com/office/powerpoint/2010/main" val="1650694091"/>
       </p:ext>
     </p:extLst>
   </p:cSld>
@@ -9893,9 +8677,89 @@
           <a:p>
             <a:r>
               <a:rPr lang="en-US" dirty="0" smtClean="0"/>
-              <a:t>GEM MPD readout</a:t>
+              <a:t>Status MPD</a:t>
             </a:r>
             <a:endParaRPr lang="en-US" dirty="0"/>
+          </a:p>
+        </p:txBody>
+      </p:sp>
+      <p:pic>
+        <p:nvPicPr>
+          <p:cNvPr id="4" name="Picture 3"/>
+          <p:cNvPicPr>
+            <a:picLocks noChangeAspect="1"/>
+          </p:cNvPicPr>
+          <p:nvPr/>
+        </p:nvPicPr>
+        <p:blipFill>
+          <a:blip r:embed="rId2"/>
+          <a:stretch>
+            <a:fillRect/>
+          </a:stretch>
+        </p:blipFill>
+        <p:spPr>
+          <a:xfrm>
+            <a:off x="3657600" y="1752600"/>
+            <a:ext cx="5486400" cy="3395828"/>
+          </a:xfrm>
+          <a:prstGeom prst="rect">
+            <a:avLst/>
+          </a:prstGeom>
+        </p:spPr>
+      </p:pic>
+      <p:sp>
+        <p:nvSpPr>
+          <p:cNvPr id="5" name="Date Placeholder 6"/>
+          <p:cNvSpPr>
+            <a:spLocks noGrp="1"/>
+          </p:cNvSpPr>
+          <p:nvPr>
+            <p:ph type="dt" sz="half" idx="10"/>
+          </p:nvPr>
+        </p:nvSpPr>
+        <p:spPr>
+          <a:xfrm>
+            <a:off x="3505200" y="6394375"/>
+            <a:ext cx="2133600" cy="365125"/>
+          </a:xfrm>
+        </p:spPr>
+        <p:txBody>
+          <a:bodyPr/>
+          <a:lstStyle/>
+          <a:p>
+            <a:fld id="{B41FAE2C-98F2-4AEB-9028-7681F5825C1E}" type="datetimeFigureOut">
+              <a:rPr lang="en-US" smtClean="0"/>
+              <a:t>11/10/2015</a:t>
+            </a:fld>
+            <a:endParaRPr lang="en-US"/>
+          </a:p>
+        </p:txBody>
+      </p:sp>
+      <p:sp>
+        <p:nvSpPr>
+          <p:cNvPr id="7" name="Slide Number Placeholder 8"/>
+          <p:cNvSpPr>
+            <a:spLocks noGrp="1"/>
+          </p:cNvSpPr>
+          <p:nvPr>
+            <p:ph type="sldNum" sz="quarter" idx="12"/>
+          </p:nvPr>
+        </p:nvSpPr>
+        <p:spPr>
+          <a:xfrm>
+            <a:off x="3505200" y="6645425"/>
+            <a:ext cx="2133600" cy="190125"/>
+          </a:xfrm>
+        </p:spPr>
+        <p:txBody>
+          <a:bodyPr/>
+          <a:lstStyle/>
+          <a:p>
+            <a:fld id="{123908D8-EB8A-4839-B5DA-E27DEBBAC624}" type="slidenum">
+              <a:rPr lang="en-US" smtClean="0"/>
+              <a:t>14</a:t>
+            </a:fld>
+            <a:endParaRPr lang="en-US"/>
           </a:p>
         </p:txBody>
       </p:sp>
@@ -9911,165 +8775,61 @@
         </p:nvSpPr>
         <p:spPr>
           <a:xfrm>
-            <a:off x="457200" y="1265237"/>
-            <a:ext cx="8229600" cy="4525963"/>
+            <a:off x="304800" y="1371600"/>
+            <a:ext cx="3657600" cy="5029200"/>
           </a:xfrm>
         </p:spPr>
         <p:txBody>
           <a:bodyPr>
-            <a:normAutofit fontScale="85000" lnSpcReduction="20000"/>
+            <a:normAutofit/>
           </a:bodyPr>
           <a:lstStyle/>
           <a:p>
             <a:r>
-              <a:rPr lang="en-US" dirty="0" smtClean="0"/>
-              <a:t>INFN MPD used for several years using custom C++ package</a:t>
+              <a:rPr lang="en-US" sz="2400" dirty="0" smtClean="0"/>
+              <a:t>VME part works</a:t>
             </a:r>
             <a:br>
-              <a:rPr lang="en-US" dirty="0" smtClean="0"/>
+              <a:rPr lang="en-US" sz="2400" dirty="0" smtClean="0"/>
             </a:br>
-            <a:endParaRPr lang="en-US" dirty="0" smtClean="0"/>
-          </a:p>
-          <a:p>
-            <a:r>
-              <a:rPr lang="en-US" dirty="0" smtClean="0"/>
-              <a:t>Package ported to intel CPU</a:t>
+            <a:endParaRPr lang="en-US" sz="2400" dirty="0" smtClean="0"/>
+          </a:p>
+          <a:p>
+            <a:r>
+              <a:rPr lang="en-US" sz="2400" dirty="0" smtClean="0"/>
+              <a:t>Data structure looks fine but data from APV has unexpected small dispersion</a:t>
             </a:r>
             <a:br>
-              <a:rPr lang="en-US" dirty="0" smtClean="0"/>
+              <a:rPr lang="en-US" sz="2400" dirty="0" smtClean="0"/>
             </a:br>
-            <a:endParaRPr lang="en-US" dirty="0" smtClean="0"/>
-          </a:p>
-          <a:p>
-            <a:r>
-              <a:rPr lang="en-US" dirty="0" smtClean="0"/>
-              <a:t>New C library written for easy integration into CODA </a:t>
-            </a:r>
-          </a:p>
-          <a:p>
-            <a:pPr marL="0" indent="0">
-              <a:buNone/>
-            </a:pPr>
-            <a:r>
-              <a:rPr lang="en-US" dirty="0" smtClean="0"/>
-              <a:t>( Bryan </a:t>
-            </a:r>
-            <a:r>
-              <a:rPr lang="en-US" dirty="0" err="1" smtClean="0"/>
-              <a:t>Moffit</a:t>
-            </a:r>
-            <a:r>
-              <a:rPr lang="en-US" dirty="0" smtClean="0"/>
-              <a:t>, </a:t>
-            </a:r>
-            <a:r>
-              <a:rPr lang="en-US" dirty="0" err="1" smtClean="0"/>
-              <a:t>Evaristo</a:t>
-            </a:r>
-            <a:r>
-              <a:rPr lang="en-US" dirty="0" smtClean="0"/>
-              <a:t> </a:t>
-            </a:r>
-            <a:r>
-              <a:rPr lang="en-US" dirty="0" err="1" smtClean="0"/>
-              <a:t>Cisbani</a:t>
-            </a:r>
-            <a:r>
-              <a:rPr lang="en-US" dirty="0" smtClean="0"/>
-              <a:t>, </a:t>
-            </a:r>
-            <a:r>
-              <a:rPr lang="en-US" dirty="0" err="1" smtClean="0"/>
-              <a:t>Danning</a:t>
-            </a:r>
-            <a:r>
-              <a:rPr lang="en-US" dirty="0" smtClean="0"/>
-              <a:t> Di )</a:t>
+            <a:endParaRPr lang="en-US" sz="2400" dirty="0" smtClean="0"/>
+          </a:p>
+          <a:p>
+            <a:r>
+              <a:rPr lang="en-US" sz="2400" dirty="0" smtClean="0"/>
+              <a:t>Maybe issue with APV configuration </a:t>
             </a:r>
             <a:br>
-              <a:rPr lang="en-US" dirty="0" smtClean="0"/>
+              <a:rPr lang="en-US" sz="2400" dirty="0" smtClean="0"/>
             </a:br>
-            <a:endParaRPr lang="en-US" dirty="0" smtClean="0"/>
-          </a:p>
-          <a:p>
-            <a:r>
-              <a:rPr lang="en-US" dirty="0" smtClean="0"/>
-              <a:t>CODA configuration running</a:t>
-            </a:r>
-            <a:br>
-              <a:rPr lang="en-US" dirty="0" smtClean="0"/>
-            </a:br>
-            <a:endParaRPr lang="en-US" dirty="0" smtClean="0"/>
-          </a:p>
-          <a:p>
-            <a:r>
-              <a:rPr lang="en-US" dirty="0" smtClean="0"/>
-              <a:t>Debugging module initialization</a:t>
-            </a:r>
-            <a:endParaRPr lang="en-US" dirty="0"/>
-          </a:p>
-        </p:txBody>
-      </p:sp>
-      <p:sp>
-        <p:nvSpPr>
-          <p:cNvPr id="4" name="Date Placeholder 6"/>
-          <p:cNvSpPr>
-            <a:spLocks noGrp="1"/>
-          </p:cNvSpPr>
-          <p:nvPr>
-            <p:ph type="dt" sz="half" idx="10"/>
-          </p:nvPr>
-        </p:nvSpPr>
-        <p:spPr>
-          <a:xfrm>
-            <a:off x="3505200" y="6394375"/>
-            <a:ext cx="2133600" cy="365125"/>
-          </a:xfrm>
-        </p:spPr>
-        <p:txBody>
-          <a:bodyPr/>
-          <a:lstStyle/>
-          <a:p>
-            <a:fld id="{B41FAE2C-98F2-4AEB-9028-7681F5825C1E}" type="datetimeFigureOut">
-              <a:rPr lang="en-US" smtClean="0"/>
-              <a:t>11/9/2015</a:t>
-            </a:fld>
-            <a:endParaRPr lang="en-US"/>
-          </a:p>
-        </p:txBody>
-      </p:sp>
-      <p:sp>
-        <p:nvSpPr>
-          <p:cNvPr id="6" name="Slide Number Placeholder 8"/>
-          <p:cNvSpPr>
-            <a:spLocks noGrp="1"/>
-          </p:cNvSpPr>
-          <p:nvPr>
-            <p:ph type="sldNum" sz="quarter" idx="12"/>
-          </p:nvPr>
-        </p:nvSpPr>
-        <p:spPr>
-          <a:xfrm>
-            <a:off x="3505200" y="6645425"/>
-            <a:ext cx="2133600" cy="190125"/>
-          </a:xfrm>
-        </p:spPr>
-        <p:txBody>
-          <a:bodyPr/>
-          <a:lstStyle/>
-          <a:p>
-            <a:fld id="{123908D8-EB8A-4839-B5DA-E27DEBBAC624}" type="slidenum">
-              <a:rPr lang="en-US" smtClean="0"/>
-              <a:t>14</a:t>
-            </a:fld>
-            <a:endParaRPr lang="en-US"/>
+            <a:r>
+              <a:rPr lang="en-US" sz="2400" dirty="0" smtClean="0"/>
+              <a:t>(I2C timing) </a:t>
+            </a:r>
+          </a:p>
+          <a:p>
+            <a:pPr lvl="1"/>
+            <a:r>
+              <a:rPr lang="en-US" sz="2000" dirty="0" smtClean="0"/>
+              <a:t>being investigated</a:t>
+            </a:r>
           </a:p>
         </p:txBody>
       </p:sp>
     </p:spTree>
     <p:extLst>
       <p:ext uri="{BB962C8B-B14F-4D97-AF65-F5344CB8AC3E}">
-        <p14:creationId xmlns:p14="http://schemas.microsoft.com/office/powerpoint/2010/main" val="1650694091"/>
+        <p14:creationId xmlns:p14="http://schemas.microsoft.com/office/powerpoint/2010/main" val="1440001211"/>
       </p:ext>
     </p:extLst>
   </p:cSld>
@@ -10120,89 +8880,9 @@
           <a:p>
             <a:r>
               <a:rPr lang="en-US" dirty="0" smtClean="0"/>
-              <a:t>Status MPD</a:t>
+              <a:t>GEM optical link readout</a:t>
             </a:r>
             <a:endParaRPr lang="en-US" dirty="0"/>
-          </a:p>
-        </p:txBody>
-      </p:sp>
-      <p:pic>
-        <p:nvPicPr>
-          <p:cNvPr id="4" name="Picture 3"/>
-          <p:cNvPicPr>
-            <a:picLocks noChangeAspect="1"/>
-          </p:cNvPicPr>
-          <p:nvPr/>
-        </p:nvPicPr>
-        <p:blipFill>
-          <a:blip r:embed="rId2"/>
-          <a:stretch>
-            <a:fillRect/>
-          </a:stretch>
-        </p:blipFill>
-        <p:spPr>
-          <a:xfrm>
-            <a:off x="3657600" y="1752600"/>
-            <a:ext cx="5486400" cy="3395828"/>
-          </a:xfrm>
-          <a:prstGeom prst="rect">
-            <a:avLst/>
-          </a:prstGeom>
-        </p:spPr>
-      </p:pic>
-      <p:sp>
-        <p:nvSpPr>
-          <p:cNvPr id="5" name="Date Placeholder 6"/>
-          <p:cNvSpPr>
-            <a:spLocks noGrp="1"/>
-          </p:cNvSpPr>
-          <p:nvPr>
-            <p:ph type="dt" sz="half" idx="10"/>
-          </p:nvPr>
-        </p:nvSpPr>
-        <p:spPr>
-          <a:xfrm>
-            <a:off x="3505200" y="6394375"/>
-            <a:ext cx="2133600" cy="365125"/>
-          </a:xfrm>
-        </p:spPr>
-        <p:txBody>
-          <a:bodyPr/>
-          <a:lstStyle/>
-          <a:p>
-            <a:fld id="{B41FAE2C-98F2-4AEB-9028-7681F5825C1E}" type="datetimeFigureOut">
-              <a:rPr lang="en-US" smtClean="0"/>
-              <a:t>11/9/2015</a:t>
-            </a:fld>
-            <a:endParaRPr lang="en-US"/>
-          </a:p>
-        </p:txBody>
-      </p:sp>
-      <p:sp>
-        <p:nvSpPr>
-          <p:cNvPr id="7" name="Slide Number Placeholder 8"/>
-          <p:cNvSpPr>
-            <a:spLocks noGrp="1"/>
-          </p:cNvSpPr>
-          <p:nvPr>
-            <p:ph type="sldNum" sz="quarter" idx="12"/>
-          </p:nvPr>
-        </p:nvSpPr>
-        <p:spPr>
-          <a:xfrm>
-            <a:off x="3505200" y="6645425"/>
-            <a:ext cx="2133600" cy="190125"/>
-          </a:xfrm>
-        </p:spPr>
-        <p:txBody>
-          <a:bodyPr/>
-          <a:lstStyle/>
-          <a:p>
-            <a:fld id="{123908D8-EB8A-4839-B5DA-E27DEBBAC624}" type="slidenum">
-              <a:rPr lang="en-US" smtClean="0"/>
-              <a:t>15</a:t>
-            </a:fld>
-            <a:endParaRPr lang="en-US"/>
           </a:p>
         </p:txBody>
       </p:sp>
@@ -10218,61 +8898,209 @@
         </p:nvSpPr>
         <p:spPr>
           <a:xfrm>
-            <a:off x="304800" y="1371600"/>
-            <a:ext cx="3657600" cy="5029200"/>
+            <a:off x="457200" y="1295400"/>
+            <a:ext cx="8229600" cy="4525963"/>
           </a:xfrm>
         </p:spPr>
         <p:txBody>
           <a:bodyPr>
-            <a:normAutofit/>
+            <a:normAutofit fontScale="62500" lnSpcReduction="20000"/>
           </a:bodyPr>
           <a:lstStyle/>
           <a:p>
             <a:r>
-              <a:rPr lang="en-US" sz="2400" dirty="0" smtClean="0"/>
-              <a:t>VME part works</a:t>
+              <a:rPr lang="en-US" dirty="0" smtClean="0"/>
+              <a:t>Aurora protocol based</a:t>
+            </a:r>
+          </a:p>
+          <a:p>
+            <a:pPr lvl="1"/>
+            <a:r>
+              <a:rPr lang="en-US" dirty="0" smtClean="0"/>
+              <a:t>Implemented by Paolo </a:t>
+            </a:r>
+            <a:r>
+              <a:rPr lang="en-US" dirty="0" err="1" smtClean="0"/>
+              <a:t>Musico</a:t>
+            </a:r>
+            <a:r>
+              <a:rPr lang="en-US" dirty="0" smtClean="0"/>
+              <a:t>. To be tested.</a:t>
             </a:r>
             <a:br>
-              <a:rPr lang="en-US" sz="2400" dirty="0" smtClean="0"/>
+              <a:rPr lang="en-US" dirty="0" smtClean="0"/>
             </a:br>
-            <a:endParaRPr lang="en-US" sz="2400" dirty="0" smtClean="0"/>
-          </a:p>
-          <a:p>
-            <a:r>
-              <a:rPr lang="en-US" sz="2400" dirty="0" smtClean="0"/>
-              <a:t>Data structure looks fine but data from APV has unexpected small dispersion</a:t>
+            <a:endParaRPr lang="en-US" dirty="0" smtClean="0"/>
+          </a:p>
+          <a:p>
+            <a:r>
+              <a:rPr lang="en-US" dirty="0"/>
+              <a:t>2</a:t>
+            </a:r>
+            <a:r>
+              <a:rPr lang="en-US" dirty="0" smtClean="0"/>
+              <a:t> </a:t>
+            </a:r>
+            <a:r>
+              <a:rPr lang="en-US" dirty="0" err="1" smtClean="0"/>
+              <a:t>Gbit</a:t>
+            </a:r>
+            <a:r>
+              <a:rPr lang="en-US" dirty="0" smtClean="0"/>
+              <a:t> optical link</a:t>
+            </a:r>
+          </a:p>
+          <a:p>
+            <a:pPr lvl="1"/>
+            <a:r>
+              <a:rPr lang="en-US" dirty="0" smtClean="0"/>
+              <a:t>250 MB/s per link</a:t>
             </a:r>
             <a:br>
-              <a:rPr lang="en-US" sz="2400" dirty="0" smtClean="0"/>
+              <a:rPr lang="en-US" dirty="0" smtClean="0"/>
             </a:br>
-            <a:endParaRPr lang="en-US" sz="2400" dirty="0" smtClean="0"/>
-          </a:p>
-          <a:p>
-            <a:r>
-              <a:rPr lang="en-US" sz="2400" dirty="0" smtClean="0"/>
-              <a:t>Maybe issue with APV configuration </a:t>
+            <a:endParaRPr lang="en-US" dirty="0" smtClean="0"/>
+          </a:p>
+          <a:p>
+            <a:r>
+              <a:rPr lang="en-US" dirty="0" smtClean="0"/>
+              <a:t>Readout up to 32 MPD in parallel</a:t>
+            </a:r>
+          </a:p>
+          <a:p>
+            <a:pPr lvl="1"/>
+            <a:r>
+              <a:rPr lang="en-US" dirty="0" smtClean="0"/>
+              <a:t>8 GB/s bandwidth compared to ~100 MB/s using VME</a:t>
             </a:r>
             <a:br>
-              <a:rPr lang="en-US" sz="2400" dirty="0" smtClean="0"/>
+              <a:rPr lang="en-US" dirty="0" smtClean="0"/>
             </a:br>
-            <a:r>
-              <a:rPr lang="en-US" sz="2400" dirty="0" smtClean="0"/>
-              <a:t>(I2C timing) </a:t>
+            <a:endParaRPr lang="en-US" dirty="0" smtClean="0"/>
+          </a:p>
+          <a:p>
+            <a:r>
+              <a:rPr lang="en-US" dirty="0" smtClean="0"/>
+              <a:t>SSP library</a:t>
             </a:r>
           </a:p>
           <a:p>
             <a:pPr lvl="1"/>
             <a:r>
-              <a:rPr lang="en-US" sz="2000" dirty="0" smtClean="0"/>
-              <a:t>being investigated</a:t>
-            </a:r>
+              <a:rPr lang="en-US" dirty="0" smtClean="0"/>
+              <a:t>Readout routines </a:t>
+            </a:r>
+            <a:r>
+              <a:rPr lang="en-US" dirty="0"/>
+              <a:t>– </a:t>
+            </a:r>
+            <a:r>
+              <a:rPr lang="en-US" dirty="0" smtClean="0"/>
+              <a:t>Completed.</a:t>
+            </a:r>
+          </a:p>
+          <a:p>
+            <a:pPr lvl="1"/>
+            <a:r>
+              <a:rPr lang="en-US" dirty="0" smtClean="0"/>
+              <a:t>MPD configuration routines – In progress</a:t>
+            </a:r>
+            <a:r>
+              <a:rPr lang="en-US" dirty="0"/>
+              <a:t/>
+            </a:r>
+            <a:br>
+              <a:rPr lang="en-US" dirty="0"/>
+            </a:br>
+            <a:endParaRPr lang="en-US" dirty="0" smtClean="0"/>
+          </a:p>
+          <a:p>
+            <a:r>
+              <a:rPr lang="en-US" dirty="0" smtClean="0"/>
+              <a:t>Link from MPD to SSP module</a:t>
+            </a:r>
+          </a:p>
+          <a:p>
+            <a:pPr lvl="1"/>
+            <a:r>
+              <a:rPr lang="en-US" dirty="0" smtClean="0"/>
+              <a:t>Implemented by Ben </a:t>
+            </a:r>
+            <a:r>
+              <a:rPr lang="en-US" dirty="0" err="1" smtClean="0"/>
+              <a:t>Raydo</a:t>
+            </a:r>
+            <a:r>
+              <a:rPr lang="en-US" dirty="0" smtClean="0"/>
+              <a:t>. Works.</a:t>
+            </a:r>
+            <a:br>
+              <a:rPr lang="en-US" dirty="0" smtClean="0"/>
+            </a:br>
+            <a:endParaRPr lang="en-US" dirty="0"/>
+          </a:p>
+        </p:txBody>
+      </p:sp>
+      <p:sp>
+        <p:nvSpPr>
+          <p:cNvPr id="4" name="Date Placeholder 6"/>
+          <p:cNvSpPr>
+            <a:spLocks noGrp="1"/>
+          </p:cNvSpPr>
+          <p:nvPr>
+            <p:ph type="dt" sz="half" idx="10"/>
+          </p:nvPr>
+        </p:nvSpPr>
+        <p:spPr>
+          <a:xfrm>
+            <a:off x="3505200" y="6394375"/>
+            <a:ext cx="2133600" cy="365125"/>
+          </a:xfrm>
+        </p:spPr>
+        <p:txBody>
+          <a:bodyPr/>
+          <a:lstStyle/>
+          <a:p>
+            <a:fld id="{B41FAE2C-98F2-4AEB-9028-7681F5825C1E}" type="datetimeFigureOut">
+              <a:rPr lang="en-US" smtClean="0"/>
+              <a:t>11/10/2015</a:t>
+            </a:fld>
+            <a:endParaRPr lang="en-US"/>
+          </a:p>
+        </p:txBody>
+      </p:sp>
+      <p:sp>
+        <p:nvSpPr>
+          <p:cNvPr id="6" name="Slide Number Placeholder 8"/>
+          <p:cNvSpPr>
+            <a:spLocks noGrp="1"/>
+          </p:cNvSpPr>
+          <p:nvPr>
+            <p:ph type="sldNum" sz="quarter" idx="12"/>
+          </p:nvPr>
+        </p:nvSpPr>
+        <p:spPr>
+          <a:xfrm>
+            <a:off x="3505200" y="6645425"/>
+            <a:ext cx="2133600" cy="190125"/>
+          </a:xfrm>
+        </p:spPr>
+        <p:txBody>
+          <a:bodyPr/>
+          <a:lstStyle/>
+          <a:p>
+            <a:fld id="{123908D8-EB8A-4839-B5DA-E27DEBBAC624}" type="slidenum">
+              <a:rPr lang="en-US" smtClean="0"/>
+              <a:t>15</a:t>
+            </a:fld>
+            <a:endParaRPr lang="en-US"/>
           </a:p>
         </p:txBody>
       </p:sp>
     </p:spTree>
     <p:extLst>
       <p:ext uri="{BB962C8B-B14F-4D97-AF65-F5344CB8AC3E}">
-        <p14:creationId xmlns:p14="http://schemas.microsoft.com/office/powerpoint/2010/main" val="1440001211"/>
+        <p14:creationId xmlns:p14="http://schemas.microsoft.com/office/powerpoint/2010/main" val="1902063085"/>
       </p:ext>
     </p:extLst>
   </p:cSld>
@@ -10306,277 +9134,6 @@
           <a:chExt cx="0" cy="0"/>
         </a:xfrm>
       </p:grpSpPr>
-      <p:sp>
-        <p:nvSpPr>
-          <p:cNvPr id="2" name="Title 1"/>
-          <p:cNvSpPr>
-            <a:spLocks noGrp="1"/>
-          </p:cNvSpPr>
-          <p:nvPr>
-            <p:ph type="title"/>
-          </p:nvPr>
-        </p:nvSpPr>
-        <p:spPr/>
-        <p:txBody>
-          <a:bodyPr/>
-          <a:lstStyle/>
-          <a:p>
-            <a:r>
-              <a:rPr lang="en-US" dirty="0" smtClean="0"/>
-              <a:t>GEM optical link readout</a:t>
-            </a:r>
-            <a:endParaRPr lang="en-US" dirty="0"/>
-          </a:p>
-        </p:txBody>
-      </p:sp>
-      <p:sp>
-        <p:nvSpPr>
-          <p:cNvPr id="3" name="Content Placeholder 2"/>
-          <p:cNvSpPr>
-            <a:spLocks noGrp="1"/>
-          </p:cNvSpPr>
-          <p:nvPr>
-            <p:ph idx="1"/>
-          </p:nvPr>
-        </p:nvSpPr>
-        <p:spPr>
-          <a:xfrm>
-            <a:off x="457200" y="1295400"/>
-            <a:ext cx="8229600" cy="4525963"/>
-          </a:xfrm>
-        </p:spPr>
-        <p:txBody>
-          <a:bodyPr>
-            <a:normAutofit fontScale="62500" lnSpcReduction="20000"/>
-          </a:bodyPr>
-          <a:lstStyle/>
-          <a:p>
-            <a:r>
-              <a:rPr lang="en-US" dirty="0" smtClean="0"/>
-              <a:t>Aurora protocol based</a:t>
-            </a:r>
-          </a:p>
-          <a:p>
-            <a:pPr lvl="1"/>
-            <a:r>
-              <a:rPr lang="en-US" dirty="0" smtClean="0"/>
-              <a:t>Implemented by Paolo </a:t>
-            </a:r>
-            <a:r>
-              <a:rPr lang="en-US" dirty="0" err="1" smtClean="0"/>
-              <a:t>Musico</a:t>
-            </a:r>
-            <a:r>
-              <a:rPr lang="en-US" dirty="0" smtClean="0"/>
-              <a:t>. To be tested.</a:t>
-            </a:r>
-            <a:br>
-              <a:rPr lang="en-US" dirty="0" smtClean="0"/>
-            </a:br>
-            <a:endParaRPr lang="en-US" dirty="0" smtClean="0"/>
-          </a:p>
-          <a:p>
-            <a:r>
-              <a:rPr lang="en-US" dirty="0"/>
-              <a:t>2</a:t>
-            </a:r>
-            <a:r>
-              <a:rPr lang="en-US" dirty="0" smtClean="0"/>
-              <a:t> </a:t>
-            </a:r>
-            <a:r>
-              <a:rPr lang="en-US" dirty="0" err="1" smtClean="0"/>
-              <a:t>Gbit</a:t>
-            </a:r>
-            <a:r>
-              <a:rPr lang="en-US" dirty="0" smtClean="0"/>
-              <a:t> optical link</a:t>
-            </a:r>
-          </a:p>
-          <a:p>
-            <a:pPr lvl="1"/>
-            <a:r>
-              <a:rPr lang="en-US" dirty="0" smtClean="0"/>
-              <a:t>250 MB/s per link</a:t>
-            </a:r>
-            <a:br>
-              <a:rPr lang="en-US" dirty="0" smtClean="0"/>
-            </a:br>
-            <a:endParaRPr lang="en-US" dirty="0" smtClean="0"/>
-          </a:p>
-          <a:p>
-            <a:r>
-              <a:rPr lang="en-US" dirty="0" smtClean="0"/>
-              <a:t>Readout up to 32 MPD in parallel</a:t>
-            </a:r>
-          </a:p>
-          <a:p>
-            <a:pPr lvl="1"/>
-            <a:r>
-              <a:rPr lang="en-US" dirty="0" smtClean="0"/>
-              <a:t>8 GB/s bandwidth compared to ~100 MB/s using VME</a:t>
-            </a:r>
-            <a:br>
-              <a:rPr lang="en-US" dirty="0" smtClean="0"/>
-            </a:br>
-            <a:endParaRPr lang="en-US" dirty="0" smtClean="0"/>
-          </a:p>
-          <a:p>
-            <a:r>
-              <a:rPr lang="en-US" dirty="0" smtClean="0"/>
-              <a:t>SSP library</a:t>
-            </a:r>
-          </a:p>
-          <a:p>
-            <a:pPr lvl="1"/>
-            <a:r>
-              <a:rPr lang="en-US" dirty="0" smtClean="0"/>
-              <a:t>Readout routines </a:t>
-            </a:r>
-            <a:r>
-              <a:rPr lang="en-US" dirty="0"/>
-              <a:t>– </a:t>
-            </a:r>
-            <a:r>
-              <a:rPr lang="en-US" dirty="0" smtClean="0"/>
-              <a:t>Completed.</a:t>
-            </a:r>
-          </a:p>
-          <a:p>
-            <a:pPr lvl="1"/>
-            <a:r>
-              <a:rPr lang="en-US" dirty="0" smtClean="0"/>
-              <a:t>MPD configuration routines – In progress</a:t>
-            </a:r>
-            <a:r>
-              <a:rPr lang="en-US" dirty="0"/>
-              <a:t/>
-            </a:r>
-            <a:br>
-              <a:rPr lang="en-US" dirty="0"/>
-            </a:br>
-            <a:endParaRPr lang="en-US" dirty="0" smtClean="0"/>
-          </a:p>
-          <a:p>
-            <a:r>
-              <a:rPr lang="en-US" dirty="0" smtClean="0"/>
-              <a:t>Link from MPD to SSP module</a:t>
-            </a:r>
-          </a:p>
-          <a:p>
-            <a:pPr lvl="1"/>
-            <a:r>
-              <a:rPr lang="en-US" dirty="0" smtClean="0"/>
-              <a:t>Implemented by Ben </a:t>
-            </a:r>
-            <a:r>
-              <a:rPr lang="en-US" dirty="0" err="1" smtClean="0"/>
-              <a:t>Raydo</a:t>
-            </a:r>
-            <a:r>
-              <a:rPr lang="en-US" dirty="0" smtClean="0"/>
-              <a:t>. Works.</a:t>
-            </a:r>
-            <a:br>
-              <a:rPr lang="en-US" dirty="0" smtClean="0"/>
-            </a:br>
-            <a:endParaRPr lang="en-US" dirty="0"/>
-          </a:p>
-        </p:txBody>
-      </p:sp>
-      <p:sp>
-        <p:nvSpPr>
-          <p:cNvPr id="4" name="Date Placeholder 6"/>
-          <p:cNvSpPr>
-            <a:spLocks noGrp="1"/>
-          </p:cNvSpPr>
-          <p:nvPr>
-            <p:ph type="dt" sz="half" idx="10"/>
-          </p:nvPr>
-        </p:nvSpPr>
-        <p:spPr>
-          <a:xfrm>
-            <a:off x="3505200" y="6394375"/>
-            <a:ext cx="2133600" cy="365125"/>
-          </a:xfrm>
-        </p:spPr>
-        <p:txBody>
-          <a:bodyPr/>
-          <a:lstStyle/>
-          <a:p>
-            <a:fld id="{B41FAE2C-98F2-4AEB-9028-7681F5825C1E}" type="datetimeFigureOut">
-              <a:rPr lang="en-US" smtClean="0"/>
-              <a:t>11/9/2015</a:t>
-            </a:fld>
-            <a:endParaRPr lang="en-US"/>
-          </a:p>
-        </p:txBody>
-      </p:sp>
-      <p:sp>
-        <p:nvSpPr>
-          <p:cNvPr id="6" name="Slide Number Placeholder 8"/>
-          <p:cNvSpPr>
-            <a:spLocks noGrp="1"/>
-          </p:cNvSpPr>
-          <p:nvPr>
-            <p:ph type="sldNum" sz="quarter" idx="12"/>
-          </p:nvPr>
-        </p:nvSpPr>
-        <p:spPr>
-          <a:xfrm>
-            <a:off x="3505200" y="6645425"/>
-            <a:ext cx="2133600" cy="190125"/>
-          </a:xfrm>
-        </p:spPr>
-        <p:txBody>
-          <a:bodyPr/>
-          <a:lstStyle/>
-          <a:p>
-            <a:fld id="{123908D8-EB8A-4839-B5DA-E27DEBBAC624}" type="slidenum">
-              <a:rPr lang="en-US" smtClean="0"/>
-              <a:t>16</a:t>
-            </a:fld>
-            <a:endParaRPr lang="en-US"/>
-          </a:p>
-        </p:txBody>
-      </p:sp>
-    </p:spTree>
-    <p:extLst>
-      <p:ext uri="{BB962C8B-B14F-4D97-AF65-F5344CB8AC3E}">
-        <p14:creationId xmlns:p14="http://schemas.microsoft.com/office/powerpoint/2010/main" val="1902063085"/>
-      </p:ext>
-    </p:extLst>
-  </p:cSld>
-  <p:clrMapOvr>
-    <a:masterClrMapping/>
-  </p:clrMapOvr>
-  <p:timing>
-    <p:tnLst>
-      <p:par>
-        <p:cTn id="1" dur="indefinite" restart="never" nodeType="tmRoot"/>
-      </p:par>
-    </p:tnLst>
-  </p:timing>
-</p:sld>
-</file>
-
-<file path=ppt/slides/slide17.xml><?xml version="1.0" encoding="utf-8"?>
-<p:sld xmlns:a="http://schemas.openxmlformats.org/drawingml/2006/main" xmlns:r="http://schemas.openxmlformats.org/officeDocument/2006/relationships" xmlns:p="http://schemas.openxmlformats.org/presentationml/2006/main">
-  <p:cSld>
-    <p:spTree>
-      <p:nvGrpSpPr>
-        <p:cNvPr id="1" name=""/>
-        <p:cNvGrpSpPr/>
-        <p:nvPr/>
-      </p:nvGrpSpPr>
-      <p:grpSpPr>
-        <a:xfrm>
-          <a:off x="0" y="0"/>
-          <a:ext cx="0" cy="0"/>
-          <a:chOff x="0" y="0"/>
-          <a:chExt cx="0" cy="0"/>
-        </a:xfrm>
-      </p:grpSpPr>
       <p:graphicFrame>
         <p:nvGraphicFramePr>
           <p:cNvPr id="4" name="Content Placeholder 3"/>
@@ -10587,13 +9144,13 @@
             <p:ph idx="1"/>
             <p:extLst>
               <p:ext uri="{D42A27DB-BD31-4B8C-83A1-F6EECF244321}">
-                <p14:modId xmlns:p14="http://schemas.microsoft.com/office/powerpoint/2010/main" val="3194387198"/>
+                <p14:modId xmlns:p14="http://schemas.microsoft.com/office/powerpoint/2010/main" val="3471629220"/>
               </p:ext>
             </p:extLst>
           </p:nvPr>
         </p:nvGraphicFramePr>
         <p:xfrm>
-          <a:off x="152400" y="914400"/>
+          <a:off x="152400" y="868680"/>
           <a:ext cx="8763000" cy="5455920"/>
         </p:xfrm>
         <a:graphic>
@@ -10606,33 +9163,33 @@
                 <a:gridCol w="2286000">
                   <a:extLst>
                     <a:ext uri="{9D8B030D-6E8A-4147-A177-3AD203B41FA5}">
-                      <a16:colId xmlns="" xmlns:a16="http://schemas.microsoft.com/office/drawing/2014/main" val="2383147881"/>
+                      <a16:colId xmlns:a16="http://schemas.microsoft.com/office/drawing/2014/main" xmlns="" val="2383147881"/>
                     </a:ext>
                   </a:extLst>
                 </a:gridCol>
                 <a:gridCol w="2209800">
                   <a:extLst>
                     <a:ext uri="{9D8B030D-6E8A-4147-A177-3AD203B41FA5}">
-                      <a16:colId xmlns="" xmlns:a16="http://schemas.microsoft.com/office/drawing/2014/main" val="3539225061"/>
+                      <a16:colId xmlns:a16="http://schemas.microsoft.com/office/drawing/2014/main" xmlns="" val="3539225061"/>
                     </a:ext>
                   </a:extLst>
                 </a:gridCol>
                 <a:gridCol w="2209800">
                   <a:extLst>
                     <a:ext uri="{9D8B030D-6E8A-4147-A177-3AD203B41FA5}">
-                      <a16:colId xmlns="" xmlns:a16="http://schemas.microsoft.com/office/drawing/2014/main" val="449586720"/>
+                      <a16:colId xmlns:a16="http://schemas.microsoft.com/office/drawing/2014/main" xmlns="" val="449586720"/>
                     </a:ext>
                   </a:extLst>
                 </a:gridCol>
                 <a:gridCol w="2057400">
                   <a:extLst>
                     <a:ext uri="{9D8B030D-6E8A-4147-A177-3AD203B41FA5}">
-                      <a16:colId xmlns="" xmlns:a16="http://schemas.microsoft.com/office/drawing/2014/main" val="3861353694"/>
+                      <a16:colId xmlns:a16="http://schemas.microsoft.com/office/drawing/2014/main" xmlns="" val="3861353694"/>
                     </a:ext>
                   </a:extLst>
                 </a:gridCol>
               </a:tblGrid>
-              <a:tr h="621702">
+              <a:tr h="606568">
                 <a:tc>
                   <a:txBody>
                     <a:bodyPr/>
@@ -10739,11 +9296,11 @@
                 </a:tc>
                 <a:extLst>
                   <a:ext uri="{0D108BD9-81ED-4DB2-BD59-A6C34878D82A}">
-                    <a16:rowId xmlns="" xmlns:a16="http://schemas.microsoft.com/office/drawing/2014/main" val="660863743"/>
+                    <a16:rowId xmlns:a16="http://schemas.microsoft.com/office/drawing/2014/main" xmlns="" val="660863743"/>
                   </a:ext>
                 </a:extLst>
               </a:tr>
-              <a:tr h="4758017">
+              <a:tr h="4563702">
                 <a:tc>
                   <a:txBody>
                     <a:bodyPr/>
@@ -10759,11 +9316,7 @@
                       </a:r>
                       <a:r>
                         <a:rPr lang="en-US" sz="1600" baseline="0" dirty="0" smtClean="0"/>
-                        <a:t> </a:t>
-                      </a:r>
-                      <a:r>
-                        <a:rPr lang="en-US" sz="1600" baseline="0" dirty="0" smtClean="0"/>
-                        <a:t>– </a:t>
+                        <a:t> – </a:t>
                       </a:r>
                       <a:r>
                         <a:rPr lang="en-US" sz="1600" dirty="0" smtClean="0"/>
@@ -10799,15 +9352,7 @@
                       </a:pPr>
                       <a:r>
                         <a:rPr lang="en-US" sz="1600" dirty="0" smtClean="0"/>
-                        <a:t>Small </a:t>
-                      </a:r>
-                      <a:r>
-                        <a:rPr lang="en-US" sz="1600" dirty="0" smtClean="0"/>
-                        <a:t>scale </a:t>
-                      </a:r>
-                      <a:r>
-                        <a:rPr lang="en-US" sz="1600" dirty="0" smtClean="0"/>
-                        <a:t>setup </a:t>
+                        <a:t>Small scale setup </a:t>
                       </a:r>
                     </a:p>
                     <a:p>
@@ -10817,13 +9362,8 @@
                       </a:pPr>
                       <a:r>
                         <a:rPr lang="en-US" sz="1400" dirty="0" smtClean="0"/>
-                        <a:t>200 </a:t>
+                        <a:t>200 KHz L1 </a:t>
                       </a:r>
-                      <a:r>
-                        <a:rPr lang="en-US" sz="1400" dirty="0" smtClean="0"/>
-                        <a:t>KHz L1 </a:t>
-                      </a:r>
-                      <a:endParaRPr lang="en-US" sz="1400" dirty="0" smtClean="0"/>
                     </a:p>
                     <a:p>
                       <a:pPr marL="742950" lvl="1" indent="-285750" algn="l">
@@ -10832,11 +9372,7 @@
                       </a:pPr>
                       <a:r>
                         <a:rPr lang="en-US" sz="1400" dirty="0" smtClean="0"/>
-                        <a:t>5 </a:t>
-                      </a:r>
-                      <a:r>
-                        <a:rPr lang="en-US" sz="1400" dirty="0" smtClean="0"/>
-                        <a:t>kHz </a:t>
+                        <a:t>5 kHz </a:t>
                       </a:r>
                       <a:r>
                         <a:rPr lang="en-US" sz="1400" dirty="0" err="1" smtClean="0"/>
@@ -10855,11 +9391,7 @@
                       </a:r>
                       <a:r>
                         <a:rPr lang="en-US" sz="1400" dirty="0" smtClean="0"/>
-                        <a:t>, MPD, and HCAL </a:t>
-                      </a:r>
-                      <a:r>
-                        <a:rPr lang="en-US" sz="1400" dirty="0" smtClean="0"/>
-                        <a:t>FADC</a:t>
+                        <a:t>, MPD, and HCAL FADC</a:t>
                       </a:r>
                       <a:br>
                         <a:rPr lang="en-US" sz="1400" dirty="0" smtClean="0"/>
@@ -10903,11 +9435,7 @@
                       </a:r>
                       <a:r>
                         <a:rPr lang="en-US" sz="1600" baseline="0" dirty="0" smtClean="0"/>
-                        <a:t> </a:t>
-                      </a:r>
-                      <a:r>
-                        <a:rPr lang="en-US" sz="1600" baseline="0" dirty="0" smtClean="0"/>
-                        <a:t>s</a:t>
+                        <a:t> s</a:t>
                       </a:r>
                       <a:r>
                         <a:rPr lang="en-US" sz="1600" dirty="0" smtClean="0"/>
@@ -10929,7 +9457,11 @@
                       </a:r>
                       <a:r>
                         <a:rPr lang="en-US" sz="1600" dirty="0" smtClean="0"/>
-                        <a:t>readout</a:t>
+                        <a:t>readout (SSP)</a:t>
+                      </a:r>
+                      <a:r>
+                        <a:rPr lang="en-US" sz="1600" dirty="0" smtClean="0"/>
+                        <a:t/>
                       </a:r>
                       <a:br>
                         <a:rPr lang="en-US" sz="1600" dirty="0" smtClean="0"/>
@@ -10965,11 +9497,7 @@
                       </a:pPr>
                       <a:r>
                         <a:rPr lang="en-US" dirty="0" smtClean="0"/>
-                        <a:t>Implement new HCAL Trigger </a:t>
-                      </a:r>
-                      <a:r>
-                        <a:rPr lang="en-US" dirty="0" smtClean="0"/>
-                        <a:t>module</a:t>
+                        <a:t>Implement new HCAL Trigger module</a:t>
                       </a:r>
                       <a:br>
                         <a:rPr lang="en-US" dirty="0" smtClean="0"/>
@@ -11034,11 +9562,7 @@
                       </a:pPr>
                       <a:r>
                         <a:rPr lang="en-US" baseline="0" dirty="0" smtClean="0"/>
-                        <a:t>Test GEM readout with optical link in high background at </a:t>
-                      </a:r>
-                      <a:r>
-                        <a:rPr lang="en-US" baseline="0" dirty="0" smtClean="0"/>
-                        <a:t>UVA</a:t>
+                        <a:t>Test GEM readout with optical link in high background at UVA</a:t>
                       </a:r>
                       <a:br>
                         <a:rPr lang="en-US" baseline="0" dirty="0" smtClean="0"/>
@@ -11052,13 +9576,8 @@
                       </a:pPr>
                       <a:r>
                         <a:rPr lang="en-US" baseline="0" dirty="0" smtClean="0"/>
-                        <a:t>Develop GEM analysis </a:t>
+                        <a:t>Develop GEM analysis software</a:t>
                       </a:r>
-                      <a:r>
-                        <a:rPr lang="en-US" baseline="0" dirty="0" smtClean="0"/>
-                        <a:t>software</a:t>
-                      </a:r>
-                      <a:endParaRPr lang="en-US" baseline="0" dirty="0" smtClean="0"/>
                     </a:p>
                     <a:p>
                       <a:pPr algn="l"/>
@@ -11153,7 +9672,30 @@
                       </a:pPr>
                       <a:r>
                         <a:rPr lang="en-US" dirty="0" smtClean="0"/>
-                        <a:t>Parasitic test during DVCS : </a:t>
+                        <a:t>DVCS experiment</a:t>
+                      </a:r>
+                    </a:p>
+                    <a:p>
+                      <a:pPr marL="457200" marR="0" lvl="1" indent="0" algn="l" defTabSz="914400" rtl="0" eaLnBrk="1" fontAlgn="auto" latinLnBrk="0" hangingPunct="1">
+                        <a:lnSpc>
+                          <a:spcPct val="100000"/>
+                        </a:lnSpc>
+                        <a:spcBef>
+                          <a:spcPts val="0"/>
+                        </a:spcBef>
+                        <a:spcAft>
+                          <a:spcPts val="0"/>
+                        </a:spcAft>
+                        <a:buClrTx/>
+                        <a:buSzTx/>
+                        <a:buFont typeface="Arial" panose="020B0604020202020204" pitchFamily="34" charset="0"/>
+                        <a:buNone/>
+                        <a:tabLst/>
+                        <a:defRPr/>
+                      </a:pPr>
+                      <a:r>
+                        <a:rPr lang="en-US" dirty="0" smtClean="0"/>
+                        <a:t>Parasitic test: </a:t>
                       </a:r>
                       <a:r>
                         <a:rPr lang="en-US" dirty="0" err="1" smtClean="0"/>
@@ -11161,7 +9703,11 @@
                       </a:r>
                       <a:r>
                         <a:rPr lang="en-US" dirty="0" smtClean="0"/>
-                        <a:t> and FADC setup</a:t>
+                        <a:t> </a:t>
+                      </a:r>
+                      <a:r>
+                        <a:rPr lang="en-US" dirty="0" smtClean="0"/>
+                        <a:t>and FADC setup</a:t>
                       </a:r>
                     </a:p>
                     <a:p>
@@ -11191,32 +9737,19 @@
                         <a:rPr lang="en-US" dirty="0" smtClean="0"/>
                         <a:t>experiment</a:t>
                       </a:r>
-                      <a:br>
-                        <a:rPr lang="en-US" dirty="0" smtClean="0"/>
-                      </a:br>
-                      <a:endParaRPr lang="en-US" dirty="0" smtClean="0"/>
                     </a:p>
                     <a:p>
-                      <a:pPr marL="285750" marR="0" indent="-285750" algn="l" defTabSz="914400" rtl="0" eaLnBrk="1" fontAlgn="auto" latinLnBrk="0" hangingPunct="1">
-                        <a:lnSpc>
-                          <a:spcPct val="100000"/>
-                        </a:lnSpc>
-                        <a:spcBef>
-                          <a:spcPts val="0"/>
-                        </a:spcBef>
-                        <a:spcAft>
-                          <a:spcPts val="0"/>
-                        </a:spcAft>
-                        <a:buClrTx/>
-                        <a:buSzTx/>
+                      <a:pPr marL="457200" lvl="1" indent="0" algn="l">
                         <a:buFont typeface="Arial" panose="020B0604020202020204" pitchFamily="34" charset="0"/>
-                        <a:buChar char="•"/>
-                        <a:tabLst/>
-                        <a:defRPr/>
+                        <a:buNone/>
                       </a:pPr>
                       <a:r>
                         <a:rPr lang="en-US" dirty="0" smtClean="0"/>
-                        <a:t>Parasitic test during Tritium : </a:t>
+                        <a:t>Parasitic test:</a:t>
+                      </a:r>
+                      <a:r>
+                        <a:rPr lang="en-US" baseline="0" dirty="0" smtClean="0"/>
+                        <a:t> </a:t>
                       </a:r>
                       <a:r>
                         <a:rPr lang="en-US" dirty="0" err="1" smtClean="0"/>
@@ -11224,7 +9757,11 @@
                       </a:r>
                       <a:r>
                         <a:rPr lang="en-US" dirty="0" smtClean="0"/>
-                        <a:t> and FADC setup</a:t>
+                        <a:t> </a:t>
+                      </a:r>
+                      <a:r>
+                        <a:rPr lang="en-US" dirty="0" smtClean="0"/>
+                        <a:t>and FADC setup</a:t>
                       </a:r>
                     </a:p>
                     <a:p>
@@ -11239,7 +9776,7 @@
                 </a:tc>
                 <a:extLst>
                   <a:ext uri="{0D108BD9-81ED-4DB2-BD59-A6C34878D82A}">
-                    <a16:rowId xmlns="" xmlns:a16="http://schemas.microsoft.com/office/drawing/2014/main" val="85563496"/>
+                    <a16:rowId xmlns:a16="http://schemas.microsoft.com/office/drawing/2014/main" xmlns="" val="85563496"/>
                   </a:ext>
                 </a:extLst>
               </a:tr>
@@ -11292,7 +9829,7 @@
           <a:p>
             <a:fld id="{B41FAE2C-98F2-4AEB-9028-7681F5825C1E}" type="datetimeFigureOut">
               <a:rPr lang="en-US" smtClean="0"/>
-              <a:t>11/9/2015</a:t>
+              <a:t>11/10/2015</a:t>
             </a:fld>
             <a:endParaRPr lang="en-US"/>
           </a:p>
@@ -11320,7 +9857,7 @@
           <a:p>
             <a:fld id="{123908D8-EB8A-4839-B5DA-E27DEBBAC624}" type="slidenum">
               <a:rPr lang="en-US" smtClean="0"/>
-              <a:t>17</a:t>
+              <a:t>16</a:t>
             </a:fld>
             <a:endParaRPr lang="en-US"/>
           </a:p>
@@ -11330,6 +9867,336 @@
     <p:extLst>
       <p:ext uri="{BB962C8B-B14F-4D97-AF65-F5344CB8AC3E}">
         <p14:creationId xmlns:p14="http://schemas.microsoft.com/office/powerpoint/2010/main" val="879457418"/>
+      </p:ext>
+    </p:extLst>
+  </p:cSld>
+  <p:clrMapOvr>
+    <a:masterClrMapping/>
+  </p:clrMapOvr>
+  <p:timing>
+    <p:tnLst>
+      <p:par>
+        <p:cTn id="1" dur="indefinite" restart="never" nodeType="tmRoot"/>
+      </p:par>
+    </p:tnLst>
+  </p:timing>
+</p:sld>
+</file>
+
+<file path=ppt/slides/slide17.xml><?xml version="1.0" encoding="utf-8"?>
+<p:sld xmlns:a="http://schemas.openxmlformats.org/drawingml/2006/main" xmlns:r="http://schemas.openxmlformats.org/officeDocument/2006/relationships" xmlns:p="http://schemas.openxmlformats.org/presentationml/2006/main">
+  <p:cSld>
+    <p:spTree>
+      <p:nvGrpSpPr>
+        <p:cNvPr id="1" name=""/>
+        <p:cNvGrpSpPr/>
+        <p:nvPr/>
+      </p:nvGrpSpPr>
+      <p:grpSpPr>
+        <a:xfrm>
+          <a:off x="0" y="0"/>
+          <a:ext cx="0" cy="0"/>
+          <a:chOff x="0" y="0"/>
+          <a:chExt cx="0" cy="0"/>
+        </a:xfrm>
+      </p:grpSpPr>
+      <p:sp>
+        <p:nvSpPr>
+          <p:cNvPr id="2" name="Title 1"/>
+          <p:cNvSpPr>
+            <a:spLocks noGrp="1"/>
+          </p:cNvSpPr>
+          <p:nvPr>
+            <p:ph type="title"/>
+          </p:nvPr>
+        </p:nvSpPr>
+        <p:spPr/>
+        <p:txBody>
+          <a:bodyPr/>
+          <a:lstStyle/>
+          <a:p>
+            <a:r>
+              <a:rPr lang="en-US" dirty="0" smtClean="0"/>
+              <a:t>Manpower</a:t>
+            </a:r>
+            <a:endParaRPr lang="en-US" dirty="0"/>
+          </a:p>
+        </p:txBody>
+      </p:sp>
+      <p:sp>
+        <p:nvSpPr>
+          <p:cNvPr id="3" name="Content Placeholder 2"/>
+          <p:cNvSpPr>
+            <a:spLocks noGrp="1"/>
+          </p:cNvSpPr>
+          <p:nvPr>
+            <p:ph idx="1"/>
+          </p:nvPr>
+        </p:nvSpPr>
+        <p:spPr>
+          <a:xfrm>
+            <a:off x="457200" y="990600"/>
+            <a:ext cx="8229600" cy="4876800"/>
+          </a:xfrm>
+        </p:spPr>
+        <p:txBody>
+          <a:bodyPr>
+            <a:normAutofit fontScale="85000" lnSpcReduction="20000"/>
+          </a:bodyPr>
+          <a:lstStyle/>
+          <a:p>
+            <a:r>
+              <a:rPr lang="en-US" dirty="0" err="1" smtClean="0"/>
+              <a:t>Fastbus</a:t>
+            </a:r>
+            <a:endParaRPr lang="en-US" dirty="0"/>
+          </a:p>
+          <a:p>
+            <a:pPr lvl="1"/>
+            <a:r>
+              <a:rPr lang="en-US" dirty="0" smtClean="0"/>
+              <a:t>JLAB : </a:t>
+            </a:r>
+            <a:r>
+              <a:rPr lang="en-US" dirty="0" err="1" smtClean="0"/>
+              <a:t>Dasuni</a:t>
+            </a:r>
+            <a:r>
+              <a:rPr lang="en-US" dirty="0" smtClean="0"/>
+              <a:t> </a:t>
+            </a:r>
+            <a:r>
+              <a:rPr lang="en-US" dirty="0" err="1" smtClean="0"/>
+              <a:t>Adikaram</a:t>
+            </a:r>
+            <a:r>
+              <a:rPr lang="en-US" dirty="0" smtClean="0"/>
+              <a:t>, Mark Jones, </a:t>
+            </a:r>
+            <a:br>
+              <a:rPr lang="en-US" dirty="0" smtClean="0"/>
+            </a:br>
+            <a:r>
+              <a:rPr lang="en-US" dirty="0" smtClean="0"/>
+              <a:t>Robert Michaels, Bryan </a:t>
+            </a:r>
+            <a:r>
+              <a:rPr lang="en-US" dirty="0" err="1" smtClean="0"/>
+              <a:t>Moffit</a:t>
+            </a:r>
+            <a:r>
+              <a:rPr lang="en-US" dirty="0" smtClean="0"/>
+              <a:t>, William </a:t>
+            </a:r>
+            <a:r>
+              <a:rPr lang="en-US" dirty="0" err="1" smtClean="0"/>
+              <a:t>Gu</a:t>
+            </a:r>
+            <a:r>
+              <a:rPr lang="en-US" dirty="0" smtClean="0"/>
+              <a:t/>
+            </a:r>
+            <a:br>
+              <a:rPr lang="en-US" dirty="0" smtClean="0"/>
+            </a:br>
+            <a:endParaRPr lang="en-US" dirty="0" smtClean="0"/>
+          </a:p>
+          <a:p>
+            <a:r>
+              <a:rPr lang="en-US" dirty="0" smtClean="0"/>
+              <a:t>MPD</a:t>
+            </a:r>
+          </a:p>
+          <a:p>
+            <a:pPr lvl="1"/>
+            <a:r>
+              <a:rPr lang="en-US" dirty="0" smtClean="0"/>
+              <a:t>INFN : </a:t>
+            </a:r>
+            <a:r>
+              <a:rPr lang="en-US" dirty="0" err="1" smtClean="0"/>
+              <a:t>Evaristo</a:t>
+            </a:r>
+            <a:r>
+              <a:rPr lang="en-US" dirty="0" smtClean="0"/>
+              <a:t> </a:t>
+            </a:r>
+            <a:r>
+              <a:rPr lang="en-US" dirty="0" err="1" smtClean="0"/>
+              <a:t>Cisbani</a:t>
+            </a:r>
+            <a:r>
+              <a:rPr lang="en-US" dirty="0" smtClean="0"/>
+              <a:t>, Paolo </a:t>
+            </a:r>
+            <a:r>
+              <a:rPr lang="en-US" dirty="0" err="1" smtClean="0"/>
+              <a:t>Musico</a:t>
+            </a:r>
+            <a:endParaRPr lang="en-US" dirty="0" smtClean="0"/>
+          </a:p>
+          <a:p>
+            <a:pPr lvl="1"/>
+            <a:r>
+              <a:rPr lang="en-US" dirty="0" smtClean="0"/>
+              <a:t>UVA : </a:t>
+            </a:r>
+            <a:r>
+              <a:rPr lang="en-US" dirty="0" err="1" smtClean="0"/>
+              <a:t>Danning</a:t>
+            </a:r>
+            <a:r>
+              <a:rPr lang="en-US" dirty="0" smtClean="0"/>
+              <a:t> Di, Kondo </a:t>
+            </a:r>
+            <a:r>
+              <a:rPr lang="en-US" dirty="0" err="1" smtClean="0"/>
+              <a:t>Gnanvo</a:t>
+            </a:r>
+            <a:r>
+              <a:rPr lang="en-US" dirty="0" smtClean="0"/>
+              <a:t>, </a:t>
+            </a:r>
+            <a:r>
+              <a:rPr lang="en-US" dirty="0" err="1" smtClean="0"/>
+              <a:t>Nilanga</a:t>
+            </a:r>
+            <a:r>
+              <a:rPr lang="en-US" dirty="0" smtClean="0"/>
+              <a:t> </a:t>
+            </a:r>
+            <a:r>
+              <a:rPr lang="en-US" dirty="0" err="1" smtClean="0"/>
+              <a:t>Liyanage</a:t>
+            </a:r>
+            <a:endParaRPr lang="en-US" dirty="0"/>
+          </a:p>
+          <a:p>
+            <a:pPr lvl="1"/>
+            <a:r>
+              <a:rPr lang="en-US" dirty="0" smtClean="0"/>
+              <a:t>JLAB : Ben </a:t>
+            </a:r>
+            <a:r>
+              <a:rPr lang="en-US" dirty="0" err="1" smtClean="0"/>
+              <a:t>Raydo</a:t>
+            </a:r>
+            <a:r>
+              <a:rPr lang="en-US" dirty="0" smtClean="0"/>
+              <a:t>, Bryan </a:t>
+            </a:r>
+            <a:r>
+              <a:rPr lang="en-US" dirty="0" err="1" smtClean="0"/>
+              <a:t>Moffit</a:t>
+            </a:r>
+            <a:endParaRPr lang="en-US" dirty="0" smtClean="0"/>
+          </a:p>
+          <a:p>
+            <a:pPr lvl="1"/>
+            <a:r>
+              <a:rPr lang="en-US" dirty="0" smtClean="0"/>
+              <a:t>Stony Brook : Seamus Riordan</a:t>
+            </a:r>
+            <a:br>
+              <a:rPr lang="en-US" dirty="0" smtClean="0"/>
+            </a:br>
+            <a:endParaRPr lang="en-US" dirty="0" smtClean="0"/>
+          </a:p>
+          <a:p>
+            <a:r>
+              <a:rPr lang="en-US" dirty="0" smtClean="0"/>
+              <a:t>HCAL</a:t>
+            </a:r>
+          </a:p>
+          <a:p>
+            <a:pPr lvl="1"/>
+            <a:r>
+              <a:rPr lang="en-US" dirty="0" smtClean="0"/>
+              <a:t>JLAB : Alexandre Camsonne, Ben </a:t>
+            </a:r>
+            <a:r>
+              <a:rPr lang="en-US" dirty="0" err="1" smtClean="0"/>
+              <a:t>Raydo</a:t>
+            </a:r>
+            <a:r>
+              <a:rPr lang="en-US" dirty="0" smtClean="0"/>
+              <a:t>, </a:t>
+            </a:r>
+            <a:br>
+              <a:rPr lang="en-US" dirty="0" smtClean="0"/>
+            </a:br>
+            <a:r>
+              <a:rPr lang="en-US" dirty="0" smtClean="0"/>
+              <a:t>Bryan </a:t>
+            </a:r>
+            <a:r>
+              <a:rPr lang="en-US" dirty="0" err="1" smtClean="0"/>
+              <a:t>Moffit</a:t>
+            </a:r>
+            <a:endParaRPr lang="en-US" dirty="0"/>
+          </a:p>
+        </p:txBody>
+      </p:sp>
+      <p:sp>
+        <p:nvSpPr>
+          <p:cNvPr id="4" name="Date Placeholder 6"/>
+          <p:cNvSpPr>
+            <a:spLocks noGrp="1"/>
+          </p:cNvSpPr>
+          <p:nvPr>
+            <p:ph type="dt" sz="half" idx="10"/>
+          </p:nvPr>
+        </p:nvSpPr>
+        <p:spPr>
+          <a:xfrm>
+            <a:off x="3505200" y="6394375"/>
+            <a:ext cx="2133600" cy="365125"/>
+          </a:xfrm>
+        </p:spPr>
+        <p:txBody>
+          <a:bodyPr/>
+          <a:lstStyle/>
+          <a:p>
+            <a:fld id="{B41FAE2C-98F2-4AEB-9028-7681F5825C1E}" type="datetimeFigureOut">
+              <a:rPr lang="en-US" smtClean="0"/>
+              <a:t>11/10/2015</a:t>
+            </a:fld>
+            <a:endParaRPr lang="en-US"/>
+          </a:p>
+        </p:txBody>
+      </p:sp>
+      <p:sp>
+        <p:nvSpPr>
+          <p:cNvPr id="6" name="Slide Number Placeholder 8"/>
+          <p:cNvSpPr>
+            <a:spLocks noGrp="1"/>
+          </p:cNvSpPr>
+          <p:nvPr>
+            <p:ph type="sldNum" sz="quarter" idx="12"/>
+          </p:nvPr>
+        </p:nvSpPr>
+        <p:spPr>
+          <a:xfrm>
+            <a:off x="3505200" y="6645425"/>
+            <a:ext cx="2133600" cy="190125"/>
+          </a:xfrm>
+        </p:spPr>
+        <p:txBody>
+          <a:bodyPr/>
+          <a:lstStyle/>
+          <a:p>
+            <a:fld id="{123908D8-EB8A-4839-B5DA-E27DEBBAC624}" type="slidenum">
+              <a:rPr lang="en-US" smtClean="0"/>
+              <a:t>17</a:t>
+            </a:fld>
+            <a:endParaRPr lang="en-US"/>
+          </a:p>
+        </p:txBody>
+      </p:sp>
+    </p:spTree>
+    <p:extLst>
+      <p:ext uri="{BB962C8B-B14F-4D97-AF65-F5344CB8AC3E}">
+        <p14:creationId xmlns:p14="http://schemas.microsoft.com/office/powerpoint/2010/main" val="3351079420"/>
       </p:ext>
     </p:extLst>
   </p:cSld>
@@ -11380,7 +10247,7 @@
           <a:p>
             <a:r>
               <a:rPr lang="en-US" dirty="0" smtClean="0"/>
-              <a:t>Manpower</a:t>
+              <a:t>Conclusion</a:t>
             </a:r>
             <a:endParaRPr lang="en-US" dirty="0"/>
           </a:p>
@@ -11398,66 +10265,33 @@
         </p:nvSpPr>
         <p:spPr>
           <a:xfrm>
-            <a:off x="457200" y="990600"/>
-            <a:ext cx="8229600" cy="4876800"/>
+            <a:off x="457200" y="1143000"/>
+            <a:ext cx="8229600" cy="4525963"/>
           </a:xfrm>
         </p:spPr>
         <p:txBody>
           <a:bodyPr>
-            <a:normAutofit fontScale="85000" lnSpcReduction="20000"/>
+            <a:normAutofit fontScale="70000" lnSpcReduction="20000"/>
           </a:bodyPr>
           <a:lstStyle/>
           <a:p>
             <a:r>
-              <a:rPr lang="en-US" dirty="0" err="1" smtClean="0"/>
-              <a:t>Fastbus</a:t>
-            </a:r>
-            <a:endParaRPr lang="en-US" dirty="0"/>
+              <a:rPr lang="en-US" dirty="0" smtClean="0"/>
+              <a:t>Fastbus flipping module close to be complete</a:t>
+            </a:r>
           </a:p>
           <a:p>
             <a:pPr lvl="1"/>
             <a:r>
               <a:rPr lang="en-US" dirty="0" smtClean="0"/>
-              <a:t>JLAB : </a:t>
-            </a:r>
-            <a:r>
-              <a:rPr lang="en-US" dirty="0" err="1" smtClean="0"/>
-              <a:t>Dasuni</a:t>
-            </a:r>
+              <a:t>Preliminary results show acceptable dead time in experiment conditions</a:t>
+            </a:r>
+          </a:p>
+          <a:p>
+            <a:pPr lvl="1"/>
             <a:r>
               <a:rPr lang="en-US" dirty="0" smtClean="0"/>
-              <a:t> </a:t>
-            </a:r>
-            <a:r>
-              <a:rPr lang="en-US" dirty="0" err="1" smtClean="0"/>
-              <a:t>Adikaram</a:t>
-            </a:r>
-            <a:r>
-              <a:rPr lang="en-US" dirty="0" smtClean="0"/>
-              <a:t>, Mark Jones, </a:t>
-            </a:r>
-            <a:br>
-              <a:rPr lang="en-US" dirty="0" smtClean="0"/>
-            </a:br>
-            <a:r>
-              <a:rPr lang="en-US" dirty="0" smtClean="0"/>
-              <a:t>Robert Michaels, Bryan </a:t>
-            </a:r>
-            <a:r>
-              <a:rPr lang="en-US" dirty="0" err="1" smtClean="0"/>
-              <a:t>Moffit</a:t>
-            </a:r>
-            <a:r>
-              <a:rPr lang="en-US" dirty="0" smtClean="0"/>
-              <a:t>, William </a:t>
-            </a:r>
-            <a:r>
-              <a:rPr lang="en-US" dirty="0" err="1" smtClean="0"/>
-              <a:t>Gu</a:t>
-            </a:r>
-            <a:r>
-              <a:rPr lang="en-US" dirty="0" smtClean="0"/>
-              <a:t/>
+              <a:t>Need to develop software and check synchronization</a:t>
             </a:r>
             <a:br>
               <a:rPr lang="en-US" dirty="0" smtClean="0"/>
@@ -11467,98 +10301,21 @@
           <a:p>
             <a:r>
               <a:rPr lang="en-US" dirty="0" smtClean="0"/>
-              <a:t>MPD</a:t>
+              <a:t>HCAL: </a:t>
             </a:r>
           </a:p>
           <a:p>
             <a:pPr lvl="1"/>
             <a:r>
               <a:rPr lang="en-US" dirty="0" smtClean="0"/>
-              <a:t>INFN : </a:t>
-            </a:r>
-            <a:r>
-              <a:rPr lang="en-US" dirty="0" err="1" smtClean="0"/>
-              <a:t>Evaristo</a:t>
-            </a:r>
+              <a:t>FADC ready</a:t>
+            </a:r>
+          </a:p>
+          <a:p>
+            <a:pPr lvl="1"/>
             <a:r>
               <a:rPr lang="en-US" dirty="0" smtClean="0"/>
-              <a:t> </a:t>
-            </a:r>
-            <a:r>
-              <a:rPr lang="en-US" dirty="0" err="1" smtClean="0"/>
-              <a:t>Cisbani</a:t>
-            </a:r>
-            <a:r>
-              <a:rPr lang="en-US" dirty="0" smtClean="0"/>
-              <a:t>, Paolo </a:t>
-            </a:r>
-            <a:r>
-              <a:rPr lang="en-US" dirty="0" err="1" smtClean="0"/>
-              <a:t>Musico</a:t>
-            </a:r>
-            <a:endParaRPr lang="en-US" dirty="0" smtClean="0"/>
-          </a:p>
-          <a:p>
-            <a:pPr lvl="1"/>
-            <a:r>
-              <a:rPr lang="en-US" dirty="0" smtClean="0"/>
-              <a:t>UVA : </a:t>
-            </a:r>
-            <a:r>
-              <a:rPr lang="en-US" dirty="0" err="1" smtClean="0"/>
-              <a:t>Danning</a:t>
-            </a:r>
-            <a:r>
-              <a:rPr lang="en-US" dirty="0" smtClean="0"/>
-              <a:t> Di, Kondo </a:t>
-            </a:r>
-            <a:r>
-              <a:rPr lang="en-US" dirty="0" err="1" smtClean="0"/>
-              <a:t>Gnanvo</a:t>
-            </a:r>
-            <a:r>
-              <a:rPr lang="en-US" dirty="0" smtClean="0"/>
-              <a:t>, </a:t>
-            </a:r>
-            <a:r>
-              <a:rPr lang="en-US" dirty="0" err="1" smtClean="0"/>
-              <a:t>Nilanga</a:t>
-            </a:r>
-            <a:r>
-              <a:rPr lang="en-US" dirty="0" smtClean="0"/>
-              <a:t> </a:t>
-            </a:r>
-            <a:r>
-              <a:rPr lang="en-US" dirty="0" err="1" smtClean="0"/>
-              <a:t>Liyanage</a:t>
-            </a:r>
-            <a:endParaRPr lang="en-US" dirty="0"/>
-          </a:p>
-          <a:p>
-            <a:pPr lvl="1"/>
-            <a:r>
-              <a:rPr lang="en-US" dirty="0" smtClean="0"/>
-              <a:t>JLAB : Ben </a:t>
-            </a:r>
-            <a:r>
-              <a:rPr lang="en-US" dirty="0" err="1" smtClean="0"/>
-              <a:t>Raydo</a:t>
-            </a:r>
-            <a:r>
-              <a:rPr lang="en-US" dirty="0" smtClean="0"/>
-              <a:t>, Bryan </a:t>
-            </a:r>
-            <a:r>
-              <a:rPr lang="en-US" dirty="0" err="1" smtClean="0"/>
-              <a:t>Moffit</a:t>
-            </a:r>
-            <a:endParaRPr lang="en-US" dirty="0" smtClean="0"/>
-          </a:p>
-          <a:p>
-            <a:pPr lvl="1"/>
-            <a:r>
-              <a:rPr lang="en-US" dirty="0" smtClean="0"/>
-              <a:t>Stony Brook : Seamus Riordan</a:t>
+              <a:t>trigger implemented and being tested</a:t>
             </a:r>
             <a:br>
               <a:rPr lang="en-US" dirty="0" smtClean="0"/>
@@ -11568,33 +10325,38 @@
           <a:p>
             <a:r>
               <a:rPr lang="en-US" dirty="0" smtClean="0"/>
-              <a:t>HCAL</a:t>
+              <a:t>MPD: </a:t>
             </a:r>
           </a:p>
           <a:p>
             <a:pPr lvl="1"/>
             <a:r>
               <a:rPr lang="en-US" dirty="0" smtClean="0"/>
-              <a:t>JLAB : Alexandre Camsonne, Ben </a:t>
-            </a:r>
-            <a:r>
-              <a:rPr lang="en-US" dirty="0" err="1" smtClean="0"/>
-              <a:t>Raydo</a:t>
-            </a:r>
+              <a:t>CODA readout implemented</a:t>
+            </a:r>
+          </a:p>
+          <a:p>
+            <a:pPr lvl="1"/>
             <a:r>
               <a:rPr lang="en-US" dirty="0" smtClean="0"/>
-              <a:t>, </a:t>
+              <a:t>Debugging of the software driver</a:t>
+            </a:r>
+          </a:p>
+          <a:p>
+            <a:pPr lvl="1"/>
+            <a:r>
+              <a:rPr lang="en-US" dirty="0" smtClean="0"/>
+              <a:t>Optical readout in progress</a:t>
             </a:r>
             <a:br>
               <a:rPr lang="en-US" dirty="0" smtClean="0"/>
             </a:br>
+            <a:endParaRPr lang="en-US" dirty="0" smtClean="0"/>
+          </a:p>
+          <a:p>
             <a:r>
               <a:rPr lang="en-US" dirty="0" smtClean="0"/>
-              <a:t>Bryan </a:t>
-            </a:r>
-            <a:r>
-              <a:rPr lang="en-US" dirty="0" err="1" smtClean="0"/>
-              <a:t>Moffit</a:t>
+              <a:t>Small scale test setup in a few weeks</a:t>
             </a:r>
             <a:endParaRPr lang="en-US" dirty="0"/>
           </a:p>
@@ -11622,7 +10384,7 @@
           <a:p>
             <a:fld id="{B41FAE2C-98F2-4AEB-9028-7681F5825C1E}" type="datetimeFigureOut">
               <a:rPr lang="en-US" smtClean="0"/>
-              <a:t>11/9/2015</a:t>
+              <a:t>11/10/2015</a:t>
             </a:fld>
             <a:endParaRPr lang="en-US"/>
           </a:p>
@@ -11651,231 +10413,6 @@
             <a:fld id="{123908D8-EB8A-4839-B5DA-E27DEBBAC624}" type="slidenum">
               <a:rPr lang="en-US" smtClean="0"/>
               <a:t>18</a:t>
-            </a:fld>
-            <a:endParaRPr lang="en-US"/>
-          </a:p>
-        </p:txBody>
-      </p:sp>
-    </p:spTree>
-    <p:extLst>
-      <p:ext uri="{BB962C8B-B14F-4D97-AF65-F5344CB8AC3E}">
-        <p14:creationId xmlns:p14="http://schemas.microsoft.com/office/powerpoint/2010/main" val="3351079420"/>
-      </p:ext>
-    </p:extLst>
-  </p:cSld>
-  <p:clrMapOvr>
-    <a:masterClrMapping/>
-  </p:clrMapOvr>
-  <p:timing>
-    <p:tnLst>
-      <p:par>
-        <p:cTn id="1" dur="indefinite" restart="never" nodeType="tmRoot"/>
-      </p:par>
-    </p:tnLst>
-  </p:timing>
-</p:sld>
-</file>
-
-<file path=ppt/slides/slide19.xml><?xml version="1.0" encoding="utf-8"?>
-<p:sld xmlns:a="http://schemas.openxmlformats.org/drawingml/2006/main" xmlns:r="http://schemas.openxmlformats.org/officeDocument/2006/relationships" xmlns:p="http://schemas.openxmlformats.org/presentationml/2006/main">
-  <p:cSld>
-    <p:spTree>
-      <p:nvGrpSpPr>
-        <p:cNvPr id="1" name=""/>
-        <p:cNvGrpSpPr/>
-        <p:nvPr/>
-      </p:nvGrpSpPr>
-      <p:grpSpPr>
-        <a:xfrm>
-          <a:off x="0" y="0"/>
-          <a:ext cx="0" cy="0"/>
-          <a:chOff x="0" y="0"/>
-          <a:chExt cx="0" cy="0"/>
-        </a:xfrm>
-      </p:grpSpPr>
-      <p:sp>
-        <p:nvSpPr>
-          <p:cNvPr id="2" name="Title 1"/>
-          <p:cNvSpPr>
-            <a:spLocks noGrp="1"/>
-          </p:cNvSpPr>
-          <p:nvPr>
-            <p:ph type="title"/>
-          </p:nvPr>
-        </p:nvSpPr>
-        <p:spPr/>
-        <p:txBody>
-          <a:bodyPr/>
-          <a:lstStyle/>
-          <a:p>
-            <a:r>
-              <a:rPr lang="en-US" dirty="0" smtClean="0"/>
-              <a:t>Conclusion</a:t>
-            </a:r>
-            <a:endParaRPr lang="en-US" dirty="0"/>
-          </a:p>
-        </p:txBody>
-      </p:sp>
-      <p:sp>
-        <p:nvSpPr>
-          <p:cNvPr id="3" name="Content Placeholder 2"/>
-          <p:cNvSpPr>
-            <a:spLocks noGrp="1"/>
-          </p:cNvSpPr>
-          <p:nvPr>
-            <p:ph idx="1"/>
-          </p:nvPr>
-        </p:nvSpPr>
-        <p:spPr>
-          <a:xfrm>
-            <a:off x="457200" y="1143000"/>
-            <a:ext cx="8229600" cy="4525963"/>
-          </a:xfrm>
-        </p:spPr>
-        <p:txBody>
-          <a:bodyPr>
-            <a:normAutofit fontScale="70000" lnSpcReduction="20000"/>
-          </a:bodyPr>
-          <a:lstStyle/>
-          <a:p>
-            <a:r>
-              <a:rPr lang="en-US" dirty="0" smtClean="0"/>
-              <a:t>Fastbus flipping module close to be complete</a:t>
-            </a:r>
-          </a:p>
-          <a:p>
-            <a:pPr lvl="1"/>
-            <a:r>
-              <a:rPr lang="en-US" dirty="0" smtClean="0"/>
-              <a:t>Preliminary results show acceptable dead time in experiment conditions</a:t>
-            </a:r>
-          </a:p>
-          <a:p>
-            <a:pPr lvl="1"/>
-            <a:r>
-              <a:rPr lang="en-US" dirty="0" smtClean="0"/>
-              <a:t>Need to develop software and check synchronization</a:t>
-            </a:r>
-            <a:br>
-              <a:rPr lang="en-US" dirty="0" smtClean="0"/>
-            </a:br>
-            <a:endParaRPr lang="en-US" dirty="0" smtClean="0"/>
-          </a:p>
-          <a:p>
-            <a:r>
-              <a:rPr lang="en-US" dirty="0" smtClean="0"/>
-              <a:t>HCAL: </a:t>
-            </a:r>
-          </a:p>
-          <a:p>
-            <a:pPr lvl="1"/>
-            <a:r>
-              <a:rPr lang="en-US" dirty="0" smtClean="0"/>
-              <a:t>FADC ready</a:t>
-            </a:r>
-          </a:p>
-          <a:p>
-            <a:pPr lvl="1"/>
-            <a:r>
-              <a:rPr lang="en-US" dirty="0" smtClean="0"/>
-              <a:t>trigger implemented and being tested</a:t>
-            </a:r>
-            <a:br>
-              <a:rPr lang="en-US" dirty="0" smtClean="0"/>
-            </a:br>
-            <a:endParaRPr lang="en-US" dirty="0" smtClean="0"/>
-          </a:p>
-          <a:p>
-            <a:r>
-              <a:rPr lang="en-US" dirty="0" smtClean="0"/>
-              <a:t>MPD: </a:t>
-            </a:r>
-          </a:p>
-          <a:p>
-            <a:pPr lvl="1"/>
-            <a:r>
-              <a:rPr lang="en-US" dirty="0" smtClean="0"/>
-              <a:t>CODA readout implemented</a:t>
-            </a:r>
-          </a:p>
-          <a:p>
-            <a:pPr lvl="1"/>
-            <a:r>
-              <a:rPr lang="en-US" dirty="0" smtClean="0"/>
-              <a:t>Debugging of the software driver</a:t>
-            </a:r>
-          </a:p>
-          <a:p>
-            <a:pPr lvl="1"/>
-            <a:r>
-              <a:rPr lang="en-US" dirty="0" smtClean="0"/>
-              <a:t>Optical readout in progress</a:t>
-            </a:r>
-            <a:br>
-              <a:rPr lang="en-US" dirty="0" smtClean="0"/>
-            </a:br>
-            <a:endParaRPr lang="en-US" dirty="0" smtClean="0"/>
-          </a:p>
-          <a:p>
-            <a:r>
-              <a:rPr lang="en-US" dirty="0" smtClean="0"/>
-              <a:t>Small scale test setup in a few weeks</a:t>
-            </a:r>
-            <a:endParaRPr lang="en-US" dirty="0"/>
-          </a:p>
-        </p:txBody>
-      </p:sp>
-      <p:sp>
-        <p:nvSpPr>
-          <p:cNvPr id="4" name="Date Placeholder 6"/>
-          <p:cNvSpPr>
-            <a:spLocks noGrp="1"/>
-          </p:cNvSpPr>
-          <p:nvPr>
-            <p:ph type="dt" sz="half" idx="10"/>
-          </p:nvPr>
-        </p:nvSpPr>
-        <p:spPr>
-          <a:xfrm>
-            <a:off x="3505200" y="6394375"/>
-            <a:ext cx="2133600" cy="365125"/>
-          </a:xfrm>
-        </p:spPr>
-        <p:txBody>
-          <a:bodyPr/>
-          <a:lstStyle/>
-          <a:p>
-            <a:fld id="{B41FAE2C-98F2-4AEB-9028-7681F5825C1E}" type="datetimeFigureOut">
-              <a:rPr lang="en-US" smtClean="0"/>
-              <a:t>11/9/2015</a:t>
-            </a:fld>
-            <a:endParaRPr lang="en-US"/>
-          </a:p>
-        </p:txBody>
-      </p:sp>
-      <p:sp>
-        <p:nvSpPr>
-          <p:cNvPr id="6" name="Slide Number Placeholder 8"/>
-          <p:cNvSpPr>
-            <a:spLocks noGrp="1"/>
-          </p:cNvSpPr>
-          <p:nvPr>
-            <p:ph type="sldNum" sz="quarter" idx="12"/>
-          </p:nvPr>
-        </p:nvSpPr>
-        <p:spPr>
-          <a:xfrm>
-            <a:off x="3505200" y="6645425"/>
-            <a:ext cx="2133600" cy="190125"/>
-          </a:xfrm>
-        </p:spPr>
-        <p:txBody>
-          <a:bodyPr/>
-          <a:lstStyle/>
-          <a:p>
-            <a:fld id="{123908D8-EB8A-4839-B5DA-E27DEBBAC624}" type="slidenum">
-              <a:rPr lang="en-US" smtClean="0"/>
-              <a:t>19</a:t>
             </a:fld>
             <a:endParaRPr lang="en-US"/>
           </a:p>
@@ -12023,7 +10560,7 @@
           <a:p>
             <a:fld id="{B41FAE2C-98F2-4AEB-9028-7681F5825C1E}" type="datetimeFigureOut">
               <a:rPr lang="en-US" smtClean="0"/>
-              <a:t>11/9/2015</a:t>
+              <a:t>11/10/2015</a:t>
             </a:fld>
             <a:endParaRPr lang="en-US"/>
           </a:p>
@@ -12061,316 +10598,6 @@
     <p:extLst>
       <p:ext uri="{BB962C8B-B14F-4D97-AF65-F5344CB8AC3E}">
         <p14:creationId xmlns:p14="http://schemas.microsoft.com/office/powerpoint/2010/main" val="855317529"/>
-      </p:ext>
-    </p:extLst>
-  </p:cSld>
-  <p:clrMapOvr>
-    <a:masterClrMapping/>
-  </p:clrMapOvr>
-  <p:timing>
-    <p:tnLst>
-      <p:par>
-        <p:cTn id="1" dur="indefinite" restart="never" nodeType="tmRoot"/>
-      </p:par>
-    </p:tnLst>
-  </p:timing>
-</p:sld>
-</file>
-
-<file path=ppt/slides/slide20.xml><?xml version="1.0" encoding="utf-8"?>
-<p:sld xmlns:a="http://schemas.openxmlformats.org/drawingml/2006/main" xmlns:r="http://schemas.openxmlformats.org/officeDocument/2006/relationships" xmlns:p="http://schemas.openxmlformats.org/presentationml/2006/main">
-  <p:cSld>
-    <p:spTree>
-      <p:nvGrpSpPr>
-        <p:cNvPr id="1" name=""/>
-        <p:cNvGrpSpPr/>
-        <p:nvPr/>
-      </p:nvGrpSpPr>
-      <p:grpSpPr>
-        <a:xfrm>
-          <a:off x="0" y="0"/>
-          <a:ext cx="0" cy="0"/>
-          <a:chOff x="0" y="0"/>
-          <a:chExt cx="0" cy="0"/>
-        </a:xfrm>
-      </p:grpSpPr>
-      <p:sp>
-        <p:nvSpPr>
-          <p:cNvPr id="12" name="Title 11"/>
-          <p:cNvSpPr>
-            <a:spLocks noGrp="1"/>
-          </p:cNvSpPr>
-          <p:nvPr>
-            <p:ph type="title"/>
-          </p:nvPr>
-        </p:nvSpPr>
-        <p:spPr/>
-        <p:txBody>
-          <a:bodyPr/>
-          <a:lstStyle/>
-          <a:p>
-            <a:r>
-              <a:rPr lang="en-US" dirty="0" smtClean="0"/>
-              <a:t>Trigger Switching – near 5 kHz</a:t>
-            </a:r>
-            <a:endParaRPr lang="en-US" dirty="0"/>
-          </a:p>
-        </p:txBody>
-      </p:sp>
-      <p:sp>
-        <p:nvSpPr>
-          <p:cNvPr id="10" name="Date Placeholder 6"/>
-          <p:cNvSpPr>
-            <a:spLocks noGrp="1"/>
-          </p:cNvSpPr>
-          <p:nvPr>
-            <p:ph type="dt" sz="half" idx="10"/>
-          </p:nvPr>
-        </p:nvSpPr>
-        <p:spPr>
-          <a:xfrm>
-            <a:off x="3505200" y="6394375"/>
-            <a:ext cx="2133600" cy="365125"/>
-          </a:xfrm>
-        </p:spPr>
-        <p:txBody>
-          <a:bodyPr/>
-          <a:lstStyle/>
-          <a:p>
-            <a:fld id="{B41FAE2C-98F2-4AEB-9028-7681F5825C1E}" type="datetimeFigureOut">
-              <a:rPr lang="en-US" smtClean="0"/>
-              <a:t>11/9/2015</a:t>
-            </a:fld>
-            <a:endParaRPr lang="en-US"/>
-          </a:p>
-        </p:txBody>
-      </p:sp>
-      <p:sp>
-        <p:nvSpPr>
-          <p:cNvPr id="14" name="Slide Number Placeholder 8"/>
-          <p:cNvSpPr>
-            <a:spLocks noGrp="1"/>
-          </p:cNvSpPr>
-          <p:nvPr>
-            <p:ph type="sldNum" sz="quarter" idx="12"/>
-          </p:nvPr>
-        </p:nvSpPr>
-        <p:spPr>
-          <a:xfrm>
-            <a:off x="3505200" y="6645425"/>
-            <a:ext cx="2133600" cy="190125"/>
-          </a:xfrm>
-        </p:spPr>
-        <p:txBody>
-          <a:bodyPr/>
-          <a:lstStyle/>
-          <a:p>
-            <a:fld id="{123908D8-EB8A-4839-B5DA-E27DEBBAC624}" type="slidenum">
-              <a:rPr lang="en-US" smtClean="0"/>
-              <a:t>20</a:t>
-            </a:fld>
-            <a:endParaRPr lang="en-US"/>
-          </a:p>
-        </p:txBody>
-      </p:sp>
-      <p:graphicFrame>
-        <p:nvGraphicFramePr>
-          <p:cNvPr id="13" name="Chart 12"/>
-          <p:cNvGraphicFramePr>
-            <a:graphicFrameLocks/>
-          </p:cNvGraphicFramePr>
-          <p:nvPr>
-            <p:extLst>
-              <p:ext uri="{D42A27DB-BD31-4B8C-83A1-F6EECF244321}">
-                <p14:modId xmlns:p14="http://schemas.microsoft.com/office/powerpoint/2010/main" val="2317742986"/>
-              </p:ext>
-            </p:extLst>
-          </p:nvPr>
-        </p:nvGraphicFramePr>
-        <p:xfrm>
-          <a:off x="685800" y="1143000"/>
-          <a:ext cx="7331277" cy="5022860"/>
-        </p:xfrm>
-        <a:graphic>
-          <a:graphicData uri="http://schemas.openxmlformats.org/drawingml/2006/chart">
-            <c:chart xmlns:c="http://schemas.openxmlformats.org/drawingml/2006/chart" xmlns:r="http://schemas.openxmlformats.org/officeDocument/2006/relationships" r:id="rId2"/>
-          </a:graphicData>
-        </a:graphic>
-      </p:graphicFrame>
-      <p:sp>
-        <p:nvSpPr>
-          <p:cNvPr id="15" name="TextBox 14"/>
-          <p:cNvSpPr txBox="1"/>
-          <p:nvPr/>
-        </p:nvSpPr>
-        <p:spPr>
-          <a:xfrm>
-            <a:off x="5586138" y="4692784"/>
-            <a:ext cx="1489378" cy="461665"/>
-          </a:xfrm>
-          <a:prstGeom prst="rect">
-            <a:avLst/>
-          </a:prstGeom>
-          <a:noFill/>
-        </p:spPr>
-        <p:txBody>
-          <a:bodyPr wrap="square" rtlCol="0">
-            <a:spAutoFit/>
-          </a:bodyPr>
-          <a:lstStyle/>
-          <a:p>
-            <a:r>
-              <a:rPr lang="en-US" sz="2400" dirty="0">
-                <a:solidFill>
-                  <a:srgbClr val="0000FF"/>
-                </a:solidFill>
-              </a:rPr>
-              <a:t>3</a:t>
-            </a:r>
-            <a:r>
-              <a:rPr lang="en-US" sz="2400" dirty="0" smtClean="0">
-                <a:solidFill>
-                  <a:srgbClr val="0000FF"/>
-                </a:solidFill>
-              </a:rPr>
-              <a:t> crates</a:t>
-            </a:r>
-            <a:endParaRPr lang="en-US" sz="2400" dirty="0">
-              <a:solidFill>
-                <a:srgbClr val="0000FF"/>
-              </a:solidFill>
-            </a:endParaRPr>
-          </a:p>
-        </p:txBody>
-      </p:sp>
-      <p:sp>
-        <p:nvSpPr>
-          <p:cNvPr id="16" name="TextBox 15"/>
-          <p:cNvSpPr txBox="1"/>
-          <p:nvPr/>
-        </p:nvSpPr>
-        <p:spPr>
-          <a:xfrm>
-            <a:off x="3610646" y="3579391"/>
-            <a:ext cx="1489378" cy="461665"/>
-          </a:xfrm>
-          <a:prstGeom prst="rect">
-            <a:avLst/>
-          </a:prstGeom>
-          <a:noFill/>
-        </p:spPr>
-        <p:txBody>
-          <a:bodyPr wrap="square" rtlCol="0">
-            <a:spAutoFit/>
-          </a:bodyPr>
-          <a:lstStyle/>
-          <a:p>
-            <a:r>
-              <a:rPr lang="en-US" sz="2400" dirty="0" smtClean="0">
-                <a:solidFill>
-                  <a:srgbClr val="FF0000"/>
-                </a:solidFill>
-              </a:rPr>
-              <a:t>2 crates</a:t>
-            </a:r>
-            <a:endParaRPr lang="en-US" sz="2400" dirty="0">
-              <a:solidFill>
-                <a:srgbClr val="FF0000"/>
-              </a:solidFill>
-            </a:endParaRPr>
-          </a:p>
-        </p:txBody>
-      </p:sp>
-      <p:sp>
-        <p:nvSpPr>
-          <p:cNvPr id="17" name="TextBox 16"/>
-          <p:cNvSpPr txBox="1"/>
-          <p:nvPr/>
-        </p:nvSpPr>
-        <p:spPr>
-          <a:xfrm>
-            <a:off x="2273668" y="2695166"/>
-            <a:ext cx="1489378" cy="461665"/>
-          </a:xfrm>
-          <a:prstGeom prst="rect">
-            <a:avLst/>
-          </a:prstGeom>
-          <a:noFill/>
-        </p:spPr>
-        <p:txBody>
-          <a:bodyPr wrap="square" rtlCol="0">
-            <a:spAutoFit/>
-          </a:bodyPr>
-          <a:lstStyle/>
-          <a:p>
-            <a:r>
-              <a:rPr lang="en-US" sz="2400" dirty="0" smtClean="0"/>
-              <a:t>1 crates</a:t>
-            </a:r>
-            <a:endParaRPr lang="en-US" sz="2400" dirty="0"/>
-          </a:p>
-        </p:txBody>
-      </p:sp>
-      <p:sp>
-        <p:nvSpPr>
-          <p:cNvPr id="2" name="Rectangle 1"/>
-          <p:cNvSpPr/>
-          <p:nvPr/>
-        </p:nvSpPr>
-        <p:spPr>
-          <a:xfrm>
-            <a:off x="791230" y="989929"/>
-            <a:ext cx="3243837" cy="369332"/>
-          </a:xfrm>
-          <a:prstGeom prst="rect">
-            <a:avLst/>
-          </a:prstGeom>
-        </p:spPr>
-        <p:txBody>
-          <a:bodyPr wrap="none">
-            <a:spAutoFit/>
-          </a:bodyPr>
-          <a:lstStyle/>
-          <a:p>
-            <a:r>
-              <a:rPr lang="en-US" b="1" dirty="0"/>
-              <a:t>No pedestal suppression (8ADC)</a:t>
-            </a:r>
-          </a:p>
-        </p:txBody>
-      </p:sp>
-      <p:sp>
-        <p:nvSpPr>
-          <p:cNvPr id="11" name="Rectangle 10"/>
-          <p:cNvSpPr/>
-          <p:nvPr/>
-        </p:nvSpPr>
-        <p:spPr>
-          <a:xfrm>
-            <a:off x="5715000" y="1005984"/>
-            <a:ext cx="2796407" cy="369332"/>
-          </a:xfrm>
-          <a:prstGeom prst="rect">
-            <a:avLst/>
-          </a:prstGeom>
-        </p:spPr>
-        <p:txBody>
-          <a:bodyPr wrap="none">
-            <a:spAutoFit/>
-          </a:bodyPr>
-          <a:lstStyle/>
-          <a:p>
-            <a:r>
-              <a:rPr lang="en-US" b="1" dirty="0"/>
-              <a:t>Readout trigger rate ~ 5kHz</a:t>
-            </a:r>
-          </a:p>
-        </p:txBody>
-      </p:sp>
-    </p:spTree>
-    <p:extLst>
-      <p:ext uri="{BB962C8B-B14F-4D97-AF65-F5344CB8AC3E}">
-        <p14:creationId xmlns:p14="http://schemas.microsoft.com/office/powerpoint/2010/main" val="3728200618"/>
       </p:ext>
     </p:extLst>
   </p:cSld>
@@ -12427,8 +10654,8 @@
           </a:p>
         </p:txBody>
       </p:sp>
-      <mc:AlternateContent xmlns:mc="http://schemas.openxmlformats.org/markup-compatibility/2006" xmlns:a14="http://schemas.microsoft.com/office/drawing/2010/main">
-        <mc:Choice Requires="a14">
+      <mc:AlternateContent xmlns:mc="http://schemas.openxmlformats.org/markup-compatibility/2006">
+        <mc:Choice xmlns:a14="http://schemas.microsoft.com/office/drawing/2010/main" Requires="a14">
           <p:sp>
             <p:nvSpPr>
               <p:cNvPr id="3" name="Content Placeholder 2"/>
@@ -12442,7 +10669,7 @@
             <p:spPr>
               <a:xfrm>
                 <a:off x="457200" y="1066800"/>
-                <a:ext cx="8229600" cy="4525963"/>
+                <a:ext cx="8229600" cy="5105400"/>
               </a:xfrm>
             </p:spPr>
             <p:txBody>
@@ -12637,14 +10864,35 @@
                 </a:r>
                 <a:r>
                   <a:rPr lang="en-US" dirty="0" smtClean="0"/>
-                  <a:t> readout Fastbus</a:t>
+                  <a:t> readout </a:t>
                 </a:r>
+                <a:r>
+                  <a:rPr lang="en-US" dirty="0" err="1" smtClean="0"/>
+                  <a:t>Fastbus</a:t>
+                </a:r>
+                <a:endParaRPr lang="en-US" dirty="0" smtClean="0"/>
+              </a:p>
+              <a:p>
+                <a:pPr lvl="1"/>
+                <a:r>
+                  <a:rPr lang="en-US" dirty="0"/>
+                  <a:t>GEM readout </a:t>
+                </a:r>
+                <a:r>
+                  <a:rPr lang="en-US" dirty="0" smtClean="0"/>
+                  <a:t>VME</a:t>
+                </a:r>
+                <a:endParaRPr lang="en-US" dirty="0" smtClean="0"/>
               </a:p>
               <a:p>
                 <a:pPr lvl="1"/>
                 <a:r>
                   <a:rPr lang="en-US" dirty="0" smtClean="0"/>
-                  <a:t>HCAL as neutron detector using FADC and high resolution TDC</a:t>
+                  <a:t>HCAL as neutron detector using FADC and high resolution </a:t>
+                </a:r>
+                <a:r>
+                  <a:rPr lang="en-US" dirty="0" smtClean="0"/>
+                  <a:t>TDC</a:t>
                 </a:r>
               </a:p>
               <a:p>
@@ -12657,7 +10905,7 @@
             </p:txBody>
           </p:sp>
         </mc:Choice>
-        <mc:Fallback xmlns="">
+        <mc:Fallback>
           <p:sp>
             <p:nvSpPr>
               <p:cNvPr id="3" name="Content Placeholder 2"/>
@@ -12671,12 +10919,12 @@
             <p:spPr>
               <a:xfrm>
                 <a:off x="457200" y="1066800"/>
-                <a:ext cx="8229600" cy="4525963"/>
+                <a:ext cx="8229600" cy="5105400"/>
               </a:xfrm>
               <a:blipFill rotWithShape="1">
                 <a:blip r:embed="rId2"/>
                 <a:stretch>
-                  <a:fillRect b="-135"/>
+                  <a:fillRect/>
                 </a:stretch>
               </a:blipFill>
             </p:spPr>
@@ -12717,7 +10965,7 @@
           <a:p>
             <a:fld id="{B41FAE2C-98F2-4AEB-9028-7681F5825C1E}" type="datetimeFigureOut">
               <a:rPr lang="en-US" smtClean="0"/>
-              <a:t>11/9/2015</a:t>
+              <a:t>11/10/2015</a:t>
             </a:fld>
             <a:endParaRPr lang="en-US"/>
           </a:p>
@@ -12929,7 +11177,7 @@
           <a:p>
             <a:fld id="{B41FAE2C-98F2-4AEB-9028-7681F5825C1E}" type="datetimeFigureOut">
               <a:rPr lang="en-US" smtClean="0"/>
-              <a:t>11/9/2015</a:t>
+              <a:t>11/10/2015</a:t>
             </a:fld>
             <a:endParaRPr lang="en-US"/>
           </a:p>
@@ -13087,17 +11335,7 @@
                 <a:latin typeface="Minion Pro"/>
                 <a:cs typeface="Times New Roman" pitchFamily="18" charset="0"/>
               </a:rPr>
-              <a:t>,  </a:t>
-            </a:r>
-            <a:r>
-              <a:rPr lang="en-US" sz="2000" dirty="0" smtClean="0">
-                <a:solidFill>
-                  <a:srgbClr val="0070C0"/>
-                </a:solidFill>
-                <a:latin typeface="Minion Pro"/>
-                <a:cs typeface="Times New Roman" pitchFamily="18" charset="0"/>
-              </a:rPr>
-              <a:t>SFI,   aux</a:t>
+              <a:t>,  SFI,   aux</a:t>
             </a:r>
             <a:r>
               <a:rPr lang="en-US" sz="2000" dirty="0">
@@ -13703,7 +11941,7 @@
           <a:p>
             <a:fld id="{B41FAE2C-98F2-4AEB-9028-7681F5825C1E}" type="datetimeFigureOut">
               <a:rPr lang="en-US" smtClean="0"/>
-              <a:t>11/9/2015</a:t>
+              <a:t>11/10/2015</a:t>
             </a:fld>
             <a:endParaRPr lang="en-US"/>
           </a:p>
@@ -14328,7 +12566,7 @@
           <a:p>
             <a:fld id="{B41FAE2C-98F2-4AEB-9028-7681F5825C1E}" type="datetimeFigureOut">
               <a:rPr lang="en-US" smtClean="0"/>
-              <a:t>11/9/2015</a:t>
+              <a:t>11/10/2015</a:t>
             </a:fld>
             <a:endParaRPr lang="en-US" dirty="0"/>
           </a:p>
@@ -18808,7 +17046,7 @@
           <a:p>
             <a:fld id="{B41FAE2C-98F2-4AEB-9028-7681F5825C1E}" type="datetimeFigureOut">
               <a:rPr lang="en-US" smtClean="0"/>
-              <a:t>11/9/2015</a:t>
+              <a:t>11/10/2015</a:t>
             </a:fld>
             <a:endParaRPr lang="en-US" dirty="0"/>
           </a:p>
@@ -18901,7 +17139,6 @@
               <a:rPr lang="en-US" dirty="0"/>
               <a:t> Trigger</a:t>
             </a:r>
-            <a:endParaRPr lang="en-US" dirty="0"/>
           </a:p>
         </p:txBody>
       </p:sp>
@@ -19137,282 +17374,21 @@
           <a:p>
             <a:r>
               <a:rPr lang="en-US" dirty="0" smtClean="0"/>
-              <a:t>Pedestal Suppression</a:t>
+              <a:t>Trigger Switching</a:t>
             </a:r>
             <a:endParaRPr lang="en-US" dirty="0"/>
-          </a:p>
-        </p:txBody>
-      </p:sp>
-      <p:graphicFrame>
-        <p:nvGraphicFramePr>
-          <p:cNvPr id="4" name="Chart 3"/>
-          <p:cNvGraphicFramePr>
-            <a:graphicFrameLocks/>
-          </p:cNvGraphicFramePr>
-          <p:nvPr>
-            <p:extLst>
-              <p:ext uri="{D42A27DB-BD31-4B8C-83A1-F6EECF244321}">
-                <p14:modId xmlns:p14="http://schemas.microsoft.com/office/powerpoint/2010/main" val="1544091857"/>
-              </p:ext>
-            </p:extLst>
-          </p:nvPr>
-        </p:nvGraphicFramePr>
-        <p:xfrm>
-          <a:off x="609600" y="814702"/>
-          <a:ext cx="6084764" cy="5433698"/>
-        </p:xfrm>
-        <a:graphic>
-          <a:graphicData uri="http://schemas.openxmlformats.org/drawingml/2006/chart">
-            <c:chart xmlns:c="http://schemas.openxmlformats.org/drawingml/2006/chart" xmlns:r="http://schemas.openxmlformats.org/officeDocument/2006/relationships" r:id="rId2"/>
-          </a:graphicData>
-        </a:graphic>
-      </p:graphicFrame>
-      <p:sp>
-        <p:nvSpPr>
-          <p:cNvPr id="5" name="TextBox 4"/>
-          <p:cNvSpPr txBox="1"/>
-          <p:nvPr/>
-        </p:nvSpPr>
-        <p:spPr>
-          <a:xfrm>
-            <a:off x="1254212" y="1160312"/>
-            <a:ext cx="2508426" cy="707886"/>
-          </a:xfrm>
-          <a:prstGeom prst="rect">
-            <a:avLst/>
-          </a:prstGeom>
-          <a:noFill/>
-        </p:spPr>
-        <p:txBody>
-          <a:bodyPr wrap="square" rtlCol="0">
-            <a:spAutoFit/>
-          </a:bodyPr>
-          <a:lstStyle/>
-          <a:p>
-            <a:r>
-              <a:rPr lang="en-US" sz="2000" b="1" dirty="0" smtClean="0"/>
-              <a:t>No Pedestal </a:t>
-            </a:r>
-          </a:p>
-          <a:p>
-            <a:r>
-              <a:rPr lang="en-US" sz="2000" b="1" dirty="0" smtClean="0"/>
-              <a:t>Suppression (8ADCs) </a:t>
-            </a:r>
-            <a:endParaRPr lang="en-US" sz="2000" b="1" dirty="0"/>
-          </a:p>
-        </p:txBody>
-      </p:sp>
-      <p:sp>
-        <p:nvSpPr>
-          <p:cNvPr id="6" name="TextBox 5"/>
-          <p:cNvSpPr txBox="1"/>
-          <p:nvPr/>
-        </p:nvSpPr>
-        <p:spPr>
-          <a:xfrm>
-            <a:off x="3762638" y="4605492"/>
-            <a:ext cx="1822988" cy="707886"/>
-          </a:xfrm>
-          <a:prstGeom prst="rect">
-            <a:avLst/>
-          </a:prstGeom>
-          <a:noFill/>
-        </p:spPr>
-        <p:txBody>
-          <a:bodyPr wrap="square" rtlCol="0">
-            <a:spAutoFit/>
-          </a:bodyPr>
-          <a:lstStyle/>
-          <a:p>
-            <a:pPr algn="r"/>
-            <a:r>
-              <a:rPr lang="en-US" sz="2000" b="1" dirty="0" smtClean="0"/>
-              <a:t>Pedestal </a:t>
-            </a:r>
-          </a:p>
-          <a:p>
-            <a:pPr algn="r"/>
-            <a:r>
-              <a:rPr lang="en-US" sz="2000" b="1" dirty="0" smtClean="0"/>
-              <a:t>Suppressed </a:t>
-            </a:r>
-            <a:endParaRPr lang="en-US" sz="2000" b="1" dirty="0"/>
-          </a:p>
-        </p:txBody>
-      </p:sp>
-      <p:sp>
-        <p:nvSpPr>
-          <p:cNvPr id="19" name="TextBox 18"/>
-          <p:cNvSpPr txBox="1"/>
-          <p:nvPr/>
-        </p:nvSpPr>
-        <p:spPr>
-          <a:xfrm>
-            <a:off x="6717224" y="2362200"/>
-            <a:ext cx="2304618" cy="923330"/>
-          </a:xfrm>
-          <a:prstGeom prst="rect">
-            <a:avLst/>
-          </a:prstGeom>
-          <a:noFill/>
-        </p:spPr>
-        <p:txBody>
-          <a:bodyPr wrap="square" rtlCol="0">
-            <a:spAutoFit/>
-          </a:bodyPr>
-          <a:lstStyle/>
-          <a:p>
-            <a:r>
-              <a:rPr lang="en-US" dirty="0" smtClean="0"/>
-              <a:t>Single Crate</a:t>
-            </a:r>
-          </a:p>
-          <a:p>
-            <a:r>
-              <a:rPr lang="en-US" dirty="0" smtClean="0"/>
-              <a:t>8 ADCs</a:t>
-            </a:r>
-          </a:p>
-          <a:p>
-            <a:r>
-              <a:rPr lang="en-US" dirty="0" smtClean="0"/>
-              <a:t>Buffer level = 4</a:t>
-            </a:r>
-            <a:endParaRPr lang="en-US" dirty="0"/>
-          </a:p>
-        </p:txBody>
-      </p:sp>
-      <p:sp>
-        <p:nvSpPr>
-          <p:cNvPr id="13" name="TextBox 12"/>
-          <p:cNvSpPr txBox="1"/>
-          <p:nvPr/>
-        </p:nvSpPr>
-        <p:spPr>
-          <a:xfrm>
-            <a:off x="6459199" y="1005103"/>
-            <a:ext cx="2539783" cy="470398"/>
-          </a:xfrm>
-          <a:prstGeom prst="rect">
-            <a:avLst/>
-          </a:prstGeom>
-        </p:spPr>
-        <p:txBody>
-          <a:bodyPr wrap="square" rtlCol="0"/>
-          <a:lstStyle>
-            <a:lvl1pPr marL="0" indent="0">
-              <a:defRPr sz="1100">
-                <a:latin typeface="+mn-lt"/>
-                <a:ea typeface="+mn-ea"/>
-                <a:cs typeface="+mn-cs"/>
-              </a:defRPr>
-            </a:lvl1pPr>
-            <a:lvl2pPr marL="457200" indent="0">
-              <a:defRPr sz="1100">
-                <a:latin typeface="+mn-lt"/>
-                <a:ea typeface="+mn-ea"/>
-                <a:cs typeface="+mn-cs"/>
-              </a:defRPr>
-            </a:lvl2pPr>
-            <a:lvl3pPr marL="914400" indent="0">
-              <a:defRPr sz="1100">
-                <a:latin typeface="+mn-lt"/>
-                <a:ea typeface="+mn-ea"/>
-                <a:cs typeface="+mn-cs"/>
-              </a:defRPr>
-            </a:lvl3pPr>
-            <a:lvl4pPr marL="1371600" indent="0">
-              <a:defRPr sz="1100">
-                <a:latin typeface="+mn-lt"/>
-                <a:ea typeface="+mn-ea"/>
-                <a:cs typeface="+mn-cs"/>
-              </a:defRPr>
-            </a:lvl4pPr>
-            <a:lvl5pPr marL="1828800" indent="0">
-              <a:defRPr sz="1100">
-                <a:latin typeface="+mn-lt"/>
-                <a:ea typeface="+mn-ea"/>
-                <a:cs typeface="+mn-cs"/>
-              </a:defRPr>
-            </a:lvl5pPr>
-            <a:lvl6pPr marL="2286000" indent="0">
-              <a:defRPr sz="1100">
-                <a:latin typeface="+mn-lt"/>
-                <a:ea typeface="+mn-ea"/>
-                <a:cs typeface="+mn-cs"/>
-              </a:defRPr>
-            </a:lvl6pPr>
-            <a:lvl7pPr marL="2743200" indent="0">
-              <a:defRPr sz="1100">
-                <a:latin typeface="+mn-lt"/>
-                <a:ea typeface="+mn-ea"/>
-                <a:cs typeface="+mn-cs"/>
-              </a:defRPr>
-            </a:lvl7pPr>
-            <a:lvl8pPr marL="3200400" indent="0">
-              <a:defRPr sz="1100">
-                <a:latin typeface="+mn-lt"/>
-                <a:ea typeface="+mn-ea"/>
-                <a:cs typeface="+mn-cs"/>
-              </a:defRPr>
-            </a:lvl8pPr>
-            <a:lvl9pPr marL="3657600" indent="0">
-              <a:defRPr sz="1100">
-                <a:latin typeface="+mn-lt"/>
-                <a:ea typeface="+mn-ea"/>
-                <a:cs typeface="+mn-cs"/>
-              </a:defRPr>
-            </a:lvl9pPr>
-          </a:lstStyle>
-          <a:p>
-            <a:r>
-              <a:rPr lang="en-US" sz="2000" dirty="0" smtClean="0">
-                <a:solidFill>
-                  <a:srgbClr val="0000FF"/>
-                </a:solidFill>
-              </a:rPr>
-              <a:t>Local trigger ~ 50 kHz</a:t>
-            </a:r>
-          </a:p>
-          <a:p>
-            <a:r>
-              <a:rPr lang="en-US" sz="2000" dirty="0">
-                <a:solidFill>
-                  <a:srgbClr val="FF0000"/>
-                </a:solidFill>
-              </a:rPr>
-              <a:t>Local trigger ~ 100 kHz</a:t>
-            </a:r>
-          </a:p>
-          <a:p>
-            <a:r>
-              <a:rPr lang="en-US" sz="2000" dirty="0">
-                <a:solidFill>
-                  <a:srgbClr val="008000"/>
-                </a:solidFill>
-              </a:rPr>
-              <a:t>Local trigger ~ 200 kHz</a:t>
-            </a:r>
-          </a:p>
-          <a:p>
-            <a:endParaRPr lang="en-US" sz="2000" dirty="0">
-              <a:solidFill>
-                <a:srgbClr val="0000FF"/>
-              </a:solidFill>
-            </a:endParaRPr>
           </a:p>
         </p:txBody>
       </p:sp>
       <p:cxnSp>
         <p:nvCxnSpPr>
-          <p:cNvPr id="16" name="Elbow Connector 15"/>
+          <p:cNvPr id="11" name="Elbow Connector 10"/>
           <p:cNvCxnSpPr/>
           <p:nvPr/>
         </p:nvCxnSpPr>
         <p:spPr>
           <a:xfrm rot="5400000" flipH="1" flipV="1">
-            <a:off x="1947620" y="5824782"/>
+            <a:off x="3027158" y="5607076"/>
             <a:ext cx="420127" cy="200566"/>
           </a:xfrm>
           <a:prstGeom prst="bentConnector3">
@@ -19445,249 +17421,6 @@
       </p:cxnSp>
       <p:sp>
         <p:nvSpPr>
-          <p:cNvPr id="17" name="TextBox 16"/>
-          <p:cNvSpPr txBox="1"/>
-          <p:nvPr/>
-        </p:nvSpPr>
-        <p:spPr>
-          <a:xfrm>
-            <a:off x="76200" y="5925065"/>
-            <a:ext cx="2273262" cy="369332"/>
-          </a:xfrm>
-          <a:prstGeom prst="rect">
-            <a:avLst/>
-          </a:prstGeom>
-          <a:noFill/>
-        </p:spPr>
-        <p:txBody>
-          <a:bodyPr wrap="square" rtlCol="0">
-            <a:spAutoFit/>
-          </a:bodyPr>
-          <a:lstStyle/>
-          <a:p>
-            <a:r>
-              <a:rPr lang="en-US" dirty="0" smtClean="0">
-                <a:solidFill>
-                  <a:srgbClr val="800000"/>
-                </a:solidFill>
-              </a:rPr>
-              <a:t>Expected ~ 5000 Hz</a:t>
-            </a:r>
-            <a:endParaRPr lang="en-US" dirty="0">
-              <a:solidFill>
-                <a:srgbClr val="800000"/>
-              </a:solidFill>
-            </a:endParaRPr>
-          </a:p>
-        </p:txBody>
-      </p:sp>
-      <p:sp>
-        <p:nvSpPr>
-          <p:cNvPr id="11" name="Date Placeholder 6"/>
-          <p:cNvSpPr>
-            <a:spLocks noGrp="1"/>
-          </p:cNvSpPr>
-          <p:nvPr>
-            <p:ph type="dt" sz="half" idx="10"/>
-          </p:nvPr>
-        </p:nvSpPr>
-        <p:spPr>
-          <a:xfrm>
-            <a:off x="3505200" y="6394375"/>
-            <a:ext cx="2133600" cy="365125"/>
-          </a:xfrm>
-        </p:spPr>
-        <p:txBody>
-          <a:bodyPr/>
-          <a:lstStyle/>
-          <a:p>
-            <a:fld id="{B41FAE2C-98F2-4AEB-9028-7681F5825C1E}" type="datetimeFigureOut">
-              <a:rPr lang="en-US" smtClean="0"/>
-              <a:t>11/9/2015</a:t>
-            </a:fld>
-            <a:endParaRPr lang="en-US"/>
-          </a:p>
-        </p:txBody>
-      </p:sp>
-      <p:sp>
-        <p:nvSpPr>
-          <p:cNvPr id="14" name="Slide Number Placeholder 8"/>
-          <p:cNvSpPr>
-            <a:spLocks noGrp="1"/>
-          </p:cNvSpPr>
-          <p:nvPr>
-            <p:ph type="sldNum" sz="quarter" idx="12"/>
-          </p:nvPr>
-        </p:nvSpPr>
-        <p:spPr>
-          <a:xfrm>
-            <a:off x="3505200" y="6645425"/>
-            <a:ext cx="2133600" cy="190125"/>
-          </a:xfrm>
-        </p:spPr>
-        <p:txBody>
-          <a:bodyPr/>
-          <a:lstStyle/>
-          <a:p>
-            <a:fld id="{123908D8-EB8A-4839-B5DA-E27DEBBAC624}" type="slidenum">
-              <a:rPr lang="en-US" smtClean="0"/>
-              <a:t>8</a:t>
-            </a:fld>
-            <a:endParaRPr lang="en-US"/>
-          </a:p>
-        </p:txBody>
-      </p:sp>
-      <p:sp>
-        <p:nvSpPr>
-          <p:cNvPr id="15" name="TextBox 14"/>
-          <p:cNvSpPr txBox="1"/>
-          <p:nvPr/>
-        </p:nvSpPr>
-        <p:spPr>
-          <a:xfrm>
-            <a:off x="6694364" y="3886200"/>
-            <a:ext cx="2304618" cy="1200329"/>
-          </a:xfrm>
-          <a:prstGeom prst="rect">
-            <a:avLst/>
-          </a:prstGeom>
-          <a:noFill/>
-        </p:spPr>
-        <p:txBody>
-          <a:bodyPr wrap="square" rtlCol="0">
-            <a:spAutoFit/>
-          </a:bodyPr>
-          <a:lstStyle/>
-          <a:p>
-            <a:r>
-              <a:rPr lang="en-US" dirty="0" smtClean="0"/>
-              <a:t>Dead time at</a:t>
-            </a:r>
-          </a:p>
-          <a:p>
-            <a:r>
-              <a:rPr lang="en-US" dirty="0" smtClean="0"/>
-              <a:t>Local ~ 200 kHz and Readout ~5kHz</a:t>
-            </a:r>
-          </a:p>
-          <a:p>
-            <a:r>
-              <a:rPr lang="en-US" dirty="0" smtClean="0"/>
-              <a:t>D</a:t>
-            </a:r>
-            <a:r>
-              <a:rPr lang="en-US" baseline="-25000" dirty="0" smtClean="0"/>
-              <a:t>1</a:t>
-            </a:r>
-            <a:r>
-              <a:rPr lang="en-US" dirty="0" smtClean="0"/>
-              <a:t> ~40%</a:t>
-            </a:r>
-            <a:endParaRPr lang="en-US" dirty="0"/>
-          </a:p>
-        </p:txBody>
-      </p:sp>
-    </p:spTree>
-    <p:extLst>
-      <p:ext uri="{BB962C8B-B14F-4D97-AF65-F5344CB8AC3E}">
-        <p14:creationId xmlns:p14="http://schemas.microsoft.com/office/powerpoint/2010/main" val="718382872"/>
-      </p:ext>
-    </p:extLst>
-  </p:cSld>
-  <p:clrMapOvr>
-    <a:masterClrMapping/>
-  </p:clrMapOvr>
-  <p:timing>
-    <p:tnLst>
-      <p:par>
-        <p:cTn id="1" dur="indefinite" restart="never" nodeType="tmRoot"/>
-      </p:par>
-    </p:tnLst>
-  </p:timing>
-</p:sld>
-</file>
-
-<file path=ppt/slides/slide9.xml><?xml version="1.0" encoding="utf-8"?>
-<p:sld xmlns:a="http://schemas.openxmlformats.org/drawingml/2006/main" xmlns:r="http://schemas.openxmlformats.org/officeDocument/2006/relationships" xmlns:p="http://schemas.openxmlformats.org/presentationml/2006/main">
-  <p:cSld>
-    <p:spTree>
-      <p:nvGrpSpPr>
-        <p:cNvPr id="1" name=""/>
-        <p:cNvGrpSpPr/>
-        <p:nvPr/>
-      </p:nvGrpSpPr>
-      <p:grpSpPr>
-        <a:xfrm>
-          <a:off x="0" y="0"/>
-          <a:ext cx="0" cy="0"/>
-          <a:chOff x="0" y="0"/>
-          <a:chExt cx="0" cy="0"/>
-        </a:xfrm>
-      </p:grpSpPr>
-      <p:sp>
-        <p:nvSpPr>
-          <p:cNvPr id="2" name="Title 1"/>
-          <p:cNvSpPr>
-            <a:spLocks noGrp="1"/>
-          </p:cNvSpPr>
-          <p:nvPr>
-            <p:ph type="title"/>
-          </p:nvPr>
-        </p:nvSpPr>
-        <p:spPr/>
-        <p:txBody>
-          <a:bodyPr/>
-          <a:lstStyle/>
-          <a:p>
-            <a:r>
-              <a:rPr lang="en-US" dirty="0" smtClean="0"/>
-              <a:t>Trigger Switching</a:t>
-            </a:r>
-            <a:endParaRPr lang="en-US" dirty="0"/>
-          </a:p>
-        </p:txBody>
-      </p:sp>
-      <p:cxnSp>
-        <p:nvCxnSpPr>
-          <p:cNvPr id="11" name="Elbow Connector 10"/>
-          <p:cNvCxnSpPr/>
-          <p:nvPr/>
-        </p:nvCxnSpPr>
-        <p:spPr>
-          <a:xfrm rot="5400000" flipH="1" flipV="1">
-            <a:off x="3027158" y="5607076"/>
-            <a:ext cx="420127" cy="200566"/>
-          </a:xfrm>
-          <a:prstGeom prst="bentConnector3">
-            <a:avLst>
-              <a:gd name="adj1" fmla="val 2223"/>
-            </a:avLst>
-          </a:prstGeom>
-          <a:ln>
-            <a:solidFill>
-              <a:srgbClr val="800000"/>
-            </a:solidFill>
-            <a:tailEnd type="arrow"/>
-          </a:ln>
-          <a:effectLst/>
-        </p:spPr>
-        <p:style>
-          <a:lnRef idx="2">
-            <a:schemeClr val="accent1"/>
-          </a:lnRef>
-          <a:fillRef idx="0">
-            <a:schemeClr val="accent1"/>
-          </a:fillRef>
-          <a:effectRef idx="1">
-            <a:schemeClr val="accent1"/>
-          </a:effectRef>
-          <a:fontRef idx="minor">
-            <a:schemeClr val="tx1"/>
-          </a:fontRef>
-        </p:style>
-      </p:cxnSp>
-      <p:sp>
-        <p:nvSpPr>
           <p:cNvPr id="12" name="TextBox 11"/>
           <p:cNvSpPr txBox="1"/>
           <p:nvPr/>
@@ -19746,7 +17479,7 @@
           <a:p>
             <a:fld id="{B41FAE2C-98F2-4AEB-9028-7681F5825C1E}" type="datetimeFigureOut">
               <a:rPr lang="en-US" smtClean="0"/>
-              <a:t>11/9/2015</a:t>
+              <a:t>11/10/2015</a:t>
             </a:fld>
             <a:endParaRPr lang="en-US"/>
           </a:p>
@@ -19774,7 +17507,7 @@
           <a:p>
             <a:fld id="{123908D8-EB8A-4839-B5DA-E27DEBBAC624}" type="slidenum">
               <a:rPr lang="en-US" smtClean="0"/>
-              <a:t>9</a:t>
+              <a:t>8</a:t>
             </a:fld>
             <a:endParaRPr lang="en-US"/>
           </a:p>
@@ -19836,11 +17569,7 @@
           <a:p>
             <a:r>
               <a:rPr lang="en-US" dirty="0" smtClean="0"/>
-              <a:t>Readout </a:t>
-            </a:r>
-            <a:r>
-              <a:rPr lang="en-US" dirty="0" smtClean="0"/>
-              <a:t>~5kHz</a:t>
+              <a:t>Readout ~5kHz</a:t>
             </a:r>
           </a:p>
           <a:p>
@@ -20030,11 +17759,7 @@
           <a:p>
             <a:r>
               <a:rPr lang="en-US" b="1" dirty="0" smtClean="0"/>
-              <a:t>Local</a:t>
-            </a:r>
-            <a:r>
-              <a:rPr lang="en-US" b="1" dirty="0" smtClean="0"/>
-              <a:t> </a:t>
+              <a:t>Local </a:t>
             </a:r>
             <a:r>
               <a:rPr lang="en-US" b="1" dirty="0"/>
@@ -20052,6 +17777,185 @@
     <p:extLst>
       <p:ext uri="{BB962C8B-B14F-4D97-AF65-F5344CB8AC3E}">
         <p14:creationId xmlns:p14="http://schemas.microsoft.com/office/powerpoint/2010/main" val="86548187"/>
+      </p:ext>
+    </p:extLst>
+  </p:cSld>
+  <p:clrMapOvr>
+    <a:masterClrMapping/>
+  </p:clrMapOvr>
+  <p:timing>
+    <p:tnLst>
+      <p:par>
+        <p:cTn id="1" dur="indefinite" restart="never" nodeType="tmRoot"/>
+      </p:par>
+    </p:tnLst>
+  </p:timing>
+</p:sld>
+</file>
+
+<file path=ppt/slides/slide9.xml><?xml version="1.0" encoding="utf-8"?>
+<p:sld xmlns:a="http://schemas.openxmlformats.org/drawingml/2006/main" xmlns:r="http://schemas.openxmlformats.org/officeDocument/2006/relationships" xmlns:p="http://schemas.openxmlformats.org/presentationml/2006/main">
+  <p:cSld>
+    <p:spTree>
+      <p:nvGrpSpPr>
+        <p:cNvPr id="1" name=""/>
+        <p:cNvGrpSpPr/>
+        <p:nvPr/>
+      </p:nvGrpSpPr>
+      <p:grpSpPr>
+        <a:xfrm>
+          <a:off x="0" y="0"/>
+          <a:ext cx="0" cy="0"/>
+          <a:chOff x="0" y="0"/>
+          <a:chExt cx="0" cy="0"/>
+        </a:xfrm>
+      </p:grpSpPr>
+      <p:sp>
+        <p:nvSpPr>
+          <p:cNvPr id="2" name="Title 1"/>
+          <p:cNvSpPr>
+            <a:spLocks noGrp="1"/>
+          </p:cNvSpPr>
+          <p:nvPr>
+            <p:ph type="title"/>
+          </p:nvPr>
+        </p:nvSpPr>
+        <p:spPr/>
+        <p:txBody>
+          <a:bodyPr/>
+          <a:lstStyle/>
+          <a:p>
+            <a:r>
+              <a:rPr lang="en-US" dirty="0" smtClean="0"/>
+              <a:t>HCAL</a:t>
+            </a:r>
+            <a:endParaRPr lang="en-US" dirty="0"/>
+          </a:p>
+        </p:txBody>
+      </p:sp>
+      <p:sp>
+        <p:nvSpPr>
+          <p:cNvPr id="3" name="Content Placeholder 2"/>
+          <p:cNvSpPr>
+            <a:spLocks noGrp="1"/>
+          </p:cNvSpPr>
+          <p:nvPr>
+            <p:ph idx="1"/>
+          </p:nvPr>
+        </p:nvSpPr>
+        <p:spPr>
+          <a:xfrm>
+            <a:off x="457200" y="1295400"/>
+            <a:ext cx="8229600" cy="4525963"/>
+          </a:xfrm>
+        </p:spPr>
+        <p:txBody>
+          <a:bodyPr>
+            <a:normAutofit lnSpcReduction="10000"/>
+          </a:bodyPr>
+          <a:lstStyle/>
+          <a:p>
+            <a:r>
+              <a:rPr lang="en-US" dirty="0" smtClean="0"/>
+              <a:t>All FADC 16 delivered</a:t>
+            </a:r>
+          </a:p>
+          <a:p>
+            <a:r>
+              <a:rPr lang="en-US" dirty="0" smtClean="0"/>
+              <a:t>2 VXS crates delivered</a:t>
+            </a:r>
+          </a:p>
+          <a:p>
+            <a:r>
+              <a:rPr lang="en-US" dirty="0" smtClean="0"/>
+              <a:t>2 Intel Concurrent CPU delivered</a:t>
+            </a:r>
+          </a:p>
+          <a:p>
+            <a:endParaRPr lang="en-US" dirty="0"/>
+          </a:p>
+          <a:p>
+            <a:r>
+              <a:rPr lang="en-US" dirty="0" smtClean="0"/>
+              <a:t>Readout tested</a:t>
+            </a:r>
+          </a:p>
+          <a:p>
+            <a:r>
+              <a:rPr lang="en-US" dirty="0" smtClean="0"/>
+              <a:t>Development of trigger using HPS firmware and GTP</a:t>
+            </a:r>
+          </a:p>
+          <a:p>
+            <a:r>
+              <a:rPr lang="en-US" dirty="0" smtClean="0"/>
+              <a:t>New VTP ordered</a:t>
+            </a:r>
+            <a:endParaRPr lang="en-US" dirty="0"/>
+          </a:p>
+        </p:txBody>
+      </p:sp>
+      <p:sp>
+        <p:nvSpPr>
+          <p:cNvPr id="4" name="Date Placeholder 6"/>
+          <p:cNvSpPr>
+            <a:spLocks noGrp="1"/>
+          </p:cNvSpPr>
+          <p:nvPr>
+            <p:ph type="dt" sz="half" idx="10"/>
+          </p:nvPr>
+        </p:nvSpPr>
+        <p:spPr>
+          <a:xfrm>
+            <a:off x="3505200" y="6394375"/>
+            <a:ext cx="2133600" cy="365125"/>
+          </a:xfrm>
+        </p:spPr>
+        <p:txBody>
+          <a:bodyPr/>
+          <a:lstStyle/>
+          <a:p>
+            <a:fld id="{B41FAE2C-98F2-4AEB-9028-7681F5825C1E}" type="datetimeFigureOut">
+              <a:rPr lang="en-US" smtClean="0"/>
+              <a:t>11/10/2015</a:t>
+            </a:fld>
+            <a:endParaRPr lang="en-US"/>
+          </a:p>
+        </p:txBody>
+      </p:sp>
+      <p:sp>
+        <p:nvSpPr>
+          <p:cNvPr id="6" name="Slide Number Placeholder 8"/>
+          <p:cNvSpPr>
+            <a:spLocks noGrp="1"/>
+          </p:cNvSpPr>
+          <p:nvPr>
+            <p:ph type="sldNum" sz="quarter" idx="12"/>
+          </p:nvPr>
+        </p:nvSpPr>
+        <p:spPr>
+          <a:xfrm>
+            <a:off x="3505200" y="6645425"/>
+            <a:ext cx="2133600" cy="190125"/>
+          </a:xfrm>
+        </p:spPr>
+        <p:txBody>
+          <a:bodyPr/>
+          <a:lstStyle/>
+          <a:p>
+            <a:fld id="{123908D8-EB8A-4839-B5DA-E27DEBBAC624}" type="slidenum">
+              <a:rPr lang="en-US" smtClean="0"/>
+              <a:t>9</a:t>
+            </a:fld>
+            <a:endParaRPr lang="en-US"/>
+          </a:p>
+        </p:txBody>
+      </p:sp>
+    </p:spTree>
+    <p:extLst>
+      <p:ext uri="{BB962C8B-B14F-4D97-AF65-F5344CB8AC3E}">
+        <p14:creationId xmlns:p14="http://schemas.microsoft.com/office/powerpoint/2010/main" val="3508152813"/>
       </p:ext>
     </p:extLst>
   </p:cSld>

--- a/2015_DOE_Review/SuperBigBite DAQ update-Oct-20-2015.pptx
+++ b/2015_DOE_Review/SuperBigBite DAQ update-Oct-20-2015.pptx
@@ -13,7 +13,7 @@
     <p:sldId id="268" r:id="rId7"/>
     <p:sldId id="260" r:id="rId8"/>
     <p:sldId id="279" r:id="rId9"/>
-    <p:sldId id="278" r:id="rId10"/>
+    <p:sldId id="280" r:id="rId10"/>
     <p:sldId id="265" r:id="rId11"/>
     <p:sldId id="272" r:id="rId12"/>
     <p:sldId id="274" r:id="rId13"/>
@@ -124,7 +124,7 @@
   </p:defaultTextStyle>
   <p:extLst>
     <p:ext uri="{EFAFB233-063F-42B5-8137-9DF3F51BA10A}">
-      <p15:sldGuideLst xmlns:p15="http://schemas.microsoft.com/office/powerpoint/2012/main" xmlns="">
+      <p15:sldGuideLst xmlns="" xmlns:p15="http://schemas.microsoft.com/office/powerpoint/2012/main">
         <p15:guide id="1" orient="horz" pos="2160">
           <p15:clr>
             <a:srgbClr val="A4A3A4"/>
@@ -139,698 +139,6 @@
     </p:ext>
   </p:extLst>
 </p:presentation>
-</file>
-
-<file path=ppt/charts/chart1.xml><?xml version="1.0" encoding="utf-8"?>
-<c:chartSpace xmlns:c="http://schemas.openxmlformats.org/drawingml/2006/chart" xmlns:a="http://schemas.openxmlformats.org/drawingml/2006/main" xmlns:r="http://schemas.openxmlformats.org/officeDocument/2006/relationships">
-  <c:date1904 val="0"/>
-  <c:lang val="en-US"/>
-  <c:roundedCorners val="0"/>
-  <mc:AlternateContent xmlns:mc="http://schemas.openxmlformats.org/markup-compatibility/2006">
-    <mc:Choice xmlns:c14="http://schemas.microsoft.com/office/drawing/2007/8/2/chart" Requires="c14">
-      <c14:style val="118"/>
-    </mc:Choice>
-    <mc:Fallback>
-      <c:style val="18"/>
-    </mc:Fallback>
-  </mc:AlternateContent>
-  <c:chart>
-    <c:autoTitleDeleted val="1"/>
-    <c:plotArea>
-      <c:layout>
-        <c:manualLayout>
-          <c:layoutTarget val="inner"/>
-          <c:xMode val="edge"/>
-          <c:yMode val="edge"/>
-          <c:x val="0.14115506365296501"/>
-          <c:y val="3.7450256013763401E-2"/>
-          <c:w val="0.80521349959002098"/>
-          <c:h val="0.74104628445269005"/>
-        </c:manualLayout>
-      </c:layout>
-      <c:scatterChart>
-        <c:scatterStyle val="lineMarker"/>
-        <c:varyColors val="0"/>
-        <c:ser>
-          <c:idx val="0"/>
-          <c:order val="0"/>
-          <c:tx>
-            <c:v>Single</c:v>
-          </c:tx>
-          <c:spPr>
-            <a:ln w="47625">
-              <a:noFill/>
-            </a:ln>
-            <a:effectLst/>
-          </c:spPr>
-          <c:marker>
-            <c:symbol val="circle"/>
-            <c:size val="6"/>
-            <c:spPr>
-              <a:solidFill>
-                <a:srgbClr val="0000FF"/>
-              </a:solidFill>
-              <a:ln>
-                <a:noFill/>
-              </a:ln>
-              <a:effectLst/>
-            </c:spPr>
-          </c:marker>
-          <c:xVal>
-            <c:numRef>
-              <c:f>'FixedLocal-1DAQ'!$B$57:$I$57</c:f>
-              <c:numCache>
-                <c:formatCode>General</c:formatCode>
-                <c:ptCount val="8"/>
-                <c:pt idx="0">
-                  <c:v>1320.7</c:v>
-                </c:pt>
-                <c:pt idx="1">
-                  <c:v>2386.5</c:v>
-                </c:pt>
-                <c:pt idx="2">
-                  <c:v>4041.6</c:v>
-                </c:pt>
-                <c:pt idx="3">
-                  <c:v>5123.1000000000004</c:v>
-                </c:pt>
-                <c:pt idx="4">
-                  <c:v>7289.6</c:v>
-                </c:pt>
-                <c:pt idx="5">
-                  <c:v>10800.7</c:v>
-                </c:pt>
-                <c:pt idx="6">
-                  <c:v>16088.4</c:v>
-                </c:pt>
-                <c:pt idx="7">
-                  <c:v>22848.400000000001</c:v>
-                </c:pt>
-              </c:numCache>
-            </c:numRef>
-          </c:xVal>
-          <c:yVal>
-            <c:numRef>
-              <c:f>'FixedLocal-1DAQ'!$B$59:$I$59</c:f>
-              <c:numCache>
-                <c:formatCode>0.00</c:formatCode>
-                <c:ptCount val="8"/>
-                <c:pt idx="0">
-                  <c:v>19.747103808586349</c:v>
-                </c:pt>
-                <c:pt idx="1">
-                  <c:v>20.611774565262941</c:v>
-                </c:pt>
-                <c:pt idx="2">
-                  <c:v>22.090261282660329</c:v>
-                </c:pt>
-                <c:pt idx="3">
-                  <c:v>37.770100134684071</c:v>
-                </c:pt>
-                <c:pt idx="4">
-                  <c:v>53.832857769973657</c:v>
-                </c:pt>
-                <c:pt idx="5">
-                  <c:v>67.574323886414774</c:v>
-                </c:pt>
-                <c:pt idx="6">
-                  <c:v>78.129584048134063</c:v>
-                </c:pt>
-                <c:pt idx="7">
-                  <c:v>84.567847201554585</c:v>
-                </c:pt>
-              </c:numCache>
-            </c:numRef>
-          </c:yVal>
-          <c:smooth val="0"/>
-        </c:ser>
-        <c:ser>
-          <c:idx val="1"/>
-          <c:order val="1"/>
-          <c:tx>
-            <c:v>3Crates</c:v>
-          </c:tx>
-          <c:spPr>
-            <a:ln w="47625">
-              <a:noFill/>
-            </a:ln>
-            <a:effectLst/>
-          </c:spPr>
-          <c:marker>
-            <c:symbol val="circle"/>
-            <c:size val="6"/>
-            <c:spPr>
-              <a:solidFill>
-                <a:srgbClr val="FF0000"/>
-              </a:solidFill>
-              <a:effectLst/>
-            </c:spPr>
-          </c:marker>
-          <c:xVal>
-            <c:numRef>
-              <c:f>'FixedLocal-3DAQ'!$B$58:$N$58</c:f>
-              <c:numCache>
-                <c:formatCode>General</c:formatCode>
-                <c:ptCount val="13"/>
-                <c:pt idx="0">
-                  <c:v>3105.2</c:v>
-                </c:pt>
-                <c:pt idx="1">
-                  <c:v>2350.3000000000002</c:v>
-                </c:pt>
-                <c:pt idx="2">
-                  <c:v>10192.799999999999</c:v>
-                </c:pt>
-                <c:pt idx="3">
-                  <c:v>7891.5</c:v>
-                </c:pt>
-                <c:pt idx="4">
-                  <c:v>12836.8</c:v>
-                </c:pt>
-                <c:pt idx="5">
-                  <c:v>14673.5</c:v>
-                </c:pt>
-                <c:pt idx="6">
-                  <c:v>12476.9</c:v>
-                </c:pt>
-                <c:pt idx="7">
-                  <c:v>11580.3</c:v>
-                </c:pt>
-                <c:pt idx="8">
-                  <c:v>7791.3</c:v>
-                </c:pt>
-                <c:pt idx="9">
-                  <c:v>6887</c:v>
-                </c:pt>
-                <c:pt idx="10">
-                  <c:v>5330.5</c:v>
-                </c:pt>
-                <c:pt idx="11">
-                  <c:v>4292.8</c:v>
-                </c:pt>
-                <c:pt idx="12">
-                  <c:v>1191.9000000000001</c:v>
-                </c:pt>
-              </c:numCache>
-            </c:numRef>
-          </c:xVal>
-          <c:yVal>
-            <c:numRef>
-              <c:f>'FixedLocal-3DAQ'!$B$60:$N$60</c:f>
-              <c:numCache>
-                <c:formatCode>0.00</c:formatCode>
-                <c:ptCount val="13"/>
-                <c:pt idx="0">
-                  <c:v>2.3380136545150032</c:v>
-                </c:pt>
-                <c:pt idx="1">
-                  <c:v>2.2167382887291032</c:v>
-                </c:pt>
-                <c:pt idx="2">
-                  <c:v>23.815830782513149</c:v>
-                </c:pt>
-                <c:pt idx="3">
-                  <c:v>9.2238484445289259</c:v>
-                </c:pt>
-                <c:pt idx="4">
-                  <c:v>37.886389131247668</c:v>
-                </c:pt>
-                <c:pt idx="5">
-                  <c:v>44.016764916345799</c:v>
-                </c:pt>
-                <c:pt idx="6">
-                  <c:v>34.480520000961768</c:v>
-                </c:pt>
-                <c:pt idx="7">
-                  <c:v>31.835099263404231</c:v>
-                </c:pt>
-                <c:pt idx="8">
-                  <c:v>8.8881187991734389</c:v>
-                </c:pt>
-                <c:pt idx="9">
-                  <c:v>6.7968636561637874</c:v>
-                </c:pt>
-                <c:pt idx="10">
-                  <c:v>4.15720851702467</c:v>
-                </c:pt>
-                <c:pt idx="11">
-                  <c:v>2.8745806932538249</c:v>
-                </c:pt>
-                <c:pt idx="12">
-                  <c:v>1.426294152193974</c:v>
-                </c:pt>
-              </c:numCache>
-            </c:numRef>
-          </c:yVal>
-          <c:smooth val="0"/>
-        </c:ser>
-        <c:dLbls>
-          <c:showLegendKey val="0"/>
-          <c:showVal val="0"/>
-          <c:showCatName val="0"/>
-          <c:showSerName val="0"/>
-          <c:showPercent val="0"/>
-          <c:showBubbleSize val="0"/>
-        </c:dLbls>
-        <c:axId val="91233664"/>
-        <c:axId val="91256704"/>
-      </c:scatterChart>
-      <c:valAx>
-        <c:axId val="91233664"/>
-        <c:scaling>
-          <c:orientation val="minMax"/>
-          <c:max val="17000"/>
-          <c:min val="0"/>
-        </c:scaling>
-        <c:delete val="0"/>
-        <c:axPos val="b"/>
-        <c:majorGridlines>
-          <c:spPr>
-            <a:ln>
-              <a:solidFill>
-                <a:schemeClr val="bg1">
-                  <a:lumMod val="75000"/>
-                </a:schemeClr>
-              </a:solidFill>
-            </a:ln>
-          </c:spPr>
-        </c:majorGridlines>
-        <c:minorGridlines>
-          <c:spPr>
-            <a:ln>
-              <a:solidFill>
-                <a:schemeClr val="bg1">
-                  <a:lumMod val="85000"/>
-                </a:schemeClr>
-              </a:solidFill>
-            </a:ln>
-          </c:spPr>
-        </c:minorGridlines>
-        <c:title>
-          <c:tx>
-            <c:rich>
-              <a:bodyPr/>
-              <a:lstStyle/>
-              <a:p>
-                <a:pPr>
-                  <a:defRPr/>
-                </a:pPr>
-                <a:r>
-                  <a:rPr lang="en-US"/>
-                  <a:t>Readout trigger rate (Hz)</a:t>
-                </a:r>
-              </a:p>
-            </c:rich>
-          </c:tx>
-          <c:layout>
-            <c:manualLayout>
-              <c:xMode val="edge"/>
-              <c:yMode val="edge"/>
-              <c:x val="0.40036261119259903"/>
-              <c:y val="0.88713621475304205"/>
-            </c:manualLayout>
-          </c:layout>
-          <c:overlay val="0"/>
-        </c:title>
-        <c:numFmt formatCode="General" sourceLinked="1"/>
-        <c:majorTickMark val="out"/>
-        <c:minorTickMark val="none"/>
-        <c:tickLblPos val="nextTo"/>
-        <c:crossAx val="91256704"/>
-        <c:crosses val="autoZero"/>
-        <c:crossBetween val="midCat"/>
-      </c:valAx>
-      <c:valAx>
-        <c:axId val="91256704"/>
-        <c:scaling>
-          <c:orientation val="minMax"/>
-        </c:scaling>
-        <c:delete val="0"/>
-        <c:axPos val="l"/>
-        <c:majorGridlines>
-          <c:spPr>
-            <a:ln>
-              <a:solidFill>
-                <a:schemeClr val="bg1">
-                  <a:lumMod val="75000"/>
-                </a:schemeClr>
-              </a:solidFill>
-            </a:ln>
-          </c:spPr>
-        </c:majorGridlines>
-        <c:minorGridlines>
-          <c:spPr>
-            <a:ln>
-              <a:solidFill>
-                <a:schemeClr val="bg1">
-                  <a:lumMod val="85000"/>
-                </a:schemeClr>
-              </a:solidFill>
-            </a:ln>
-          </c:spPr>
-        </c:minorGridlines>
-        <c:title>
-          <c:tx>
-            <c:rich>
-              <a:bodyPr/>
-              <a:lstStyle/>
-              <a:p>
-                <a:pPr>
-                  <a:defRPr/>
-                </a:pPr>
-                <a:r>
-                  <a:rPr lang="en-US" dirty="0"/>
-                  <a:t>Dead time (%)</a:t>
-                </a:r>
-              </a:p>
-            </c:rich>
-          </c:tx>
-          <c:layout>
-            <c:manualLayout>
-              <c:xMode val="edge"/>
-              <c:yMode val="edge"/>
-              <c:x val="4.9785536713566501E-3"/>
-              <c:y val="0.28418769885728401"/>
-            </c:manualLayout>
-          </c:layout>
-          <c:overlay val="0"/>
-        </c:title>
-        <c:numFmt formatCode="0" sourceLinked="0"/>
-        <c:majorTickMark val="out"/>
-        <c:minorTickMark val="none"/>
-        <c:tickLblPos val="nextTo"/>
-        <c:crossAx val="91233664"/>
-        <c:crosses val="autoZero"/>
-        <c:crossBetween val="midCat"/>
-      </c:valAx>
-    </c:plotArea>
-    <c:plotVisOnly val="1"/>
-    <c:dispBlanksAs val="gap"/>
-    <c:showDLblsOverMax val="0"/>
-  </c:chart>
-  <c:txPr>
-    <a:bodyPr/>
-    <a:lstStyle/>
-    <a:p>
-      <a:pPr>
-        <a:defRPr sz="1600" b="1"/>
-      </a:pPr>
-      <a:endParaRPr lang="en-US"/>
-    </a:p>
-  </c:txPr>
-  <c:externalData r:id="rId1">
-    <c:autoUpdate val="0"/>
-  </c:externalData>
-  <c:userShapes r:id="rId2"/>
-</c:chartSpace>
-</file>
-
-<file path=ppt/drawings/drawing1.xml><?xml version="1.0" encoding="utf-8"?>
-<c:userShapes xmlns:c="http://schemas.openxmlformats.org/drawingml/2006/chart">
-  <cdr:relSizeAnchor xmlns:cdr="http://schemas.openxmlformats.org/drawingml/2006/chartDrawing">
-    <cdr:from>
-      <cdr:x>0.23835</cdr:x>
-      <cdr:y>0.38438</cdr:y>
-    </cdr:from>
-    <cdr:to>
-      <cdr:x>0.3707</cdr:x>
-      <cdr:y>0.55222</cdr:y>
-    </cdr:to>
-    <cdr:sp macro="" textlink="">
-      <cdr:nvSpPr>
-        <cdr:cNvPr id="4" name="TextBox 4"/>
-        <cdr:cNvSpPr txBox="1"/>
-      </cdr:nvSpPr>
-      <cdr:spPr>
-        <a:xfrm xmlns:a="http://schemas.openxmlformats.org/drawingml/2006/main">
-          <a:off x="1824056" y="1903101"/>
-          <a:ext cx="1012874" cy="830997"/>
-        </a:xfrm>
-        <a:prstGeom xmlns:a="http://schemas.openxmlformats.org/drawingml/2006/main" prst="rect">
-          <a:avLst/>
-        </a:prstGeom>
-        <a:noFill xmlns:a="http://schemas.openxmlformats.org/drawingml/2006/main"/>
-      </cdr:spPr>
-      <cdr:txBody>
-        <a:bodyPr xmlns:a="http://schemas.openxmlformats.org/drawingml/2006/main" wrap="square" rtlCol="0">
-          <a:spAutoFit/>
-        </a:bodyPr>
-        <a:lstStyle xmlns:a="http://schemas.openxmlformats.org/drawingml/2006/main">
-          <a:defPPr>
-            <a:defRPr lang="en-US"/>
-          </a:defPPr>
-          <a:lvl1pPr marL="0" algn="l" defTabSz="457200" rtl="0" eaLnBrk="1" latinLnBrk="0" hangingPunct="1">
-            <a:defRPr sz="1800" kern="1200">
-              <a:solidFill>
-                <a:schemeClr val="tx1"/>
-              </a:solidFill>
-              <a:latin typeface="+mn-lt"/>
-              <a:ea typeface="+mn-ea"/>
-              <a:cs typeface="+mn-cs"/>
-            </a:defRPr>
-          </a:lvl1pPr>
-          <a:lvl2pPr marL="457200" algn="l" defTabSz="457200" rtl="0" eaLnBrk="1" latinLnBrk="0" hangingPunct="1">
-            <a:defRPr sz="1800" kern="1200">
-              <a:solidFill>
-                <a:schemeClr val="tx1"/>
-              </a:solidFill>
-              <a:latin typeface="+mn-lt"/>
-              <a:ea typeface="+mn-ea"/>
-              <a:cs typeface="+mn-cs"/>
-            </a:defRPr>
-          </a:lvl2pPr>
-          <a:lvl3pPr marL="914400" algn="l" defTabSz="457200" rtl="0" eaLnBrk="1" latinLnBrk="0" hangingPunct="1">
-            <a:defRPr sz="1800" kern="1200">
-              <a:solidFill>
-                <a:schemeClr val="tx1"/>
-              </a:solidFill>
-              <a:latin typeface="+mn-lt"/>
-              <a:ea typeface="+mn-ea"/>
-              <a:cs typeface="+mn-cs"/>
-            </a:defRPr>
-          </a:lvl3pPr>
-          <a:lvl4pPr marL="1371600" algn="l" defTabSz="457200" rtl="0" eaLnBrk="1" latinLnBrk="0" hangingPunct="1">
-            <a:defRPr sz="1800" kern="1200">
-              <a:solidFill>
-                <a:schemeClr val="tx1"/>
-              </a:solidFill>
-              <a:latin typeface="+mn-lt"/>
-              <a:ea typeface="+mn-ea"/>
-              <a:cs typeface="+mn-cs"/>
-            </a:defRPr>
-          </a:lvl4pPr>
-          <a:lvl5pPr marL="1828800" algn="l" defTabSz="457200" rtl="0" eaLnBrk="1" latinLnBrk="0" hangingPunct="1">
-            <a:defRPr sz="1800" kern="1200">
-              <a:solidFill>
-                <a:schemeClr val="tx1"/>
-              </a:solidFill>
-              <a:latin typeface="+mn-lt"/>
-              <a:ea typeface="+mn-ea"/>
-              <a:cs typeface="+mn-cs"/>
-            </a:defRPr>
-          </a:lvl5pPr>
-          <a:lvl6pPr marL="2286000" algn="l" defTabSz="457200" rtl="0" eaLnBrk="1" latinLnBrk="0" hangingPunct="1">
-            <a:defRPr sz="1800" kern="1200">
-              <a:solidFill>
-                <a:schemeClr val="tx1"/>
-              </a:solidFill>
-              <a:latin typeface="+mn-lt"/>
-              <a:ea typeface="+mn-ea"/>
-              <a:cs typeface="+mn-cs"/>
-            </a:defRPr>
-          </a:lvl6pPr>
-          <a:lvl7pPr marL="2743200" algn="l" defTabSz="457200" rtl="0" eaLnBrk="1" latinLnBrk="0" hangingPunct="1">
-            <a:defRPr sz="1800" kern="1200">
-              <a:solidFill>
-                <a:schemeClr val="tx1"/>
-              </a:solidFill>
-              <a:latin typeface="+mn-lt"/>
-              <a:ea typeface="+mn-ea"/>
-              <a:cs typeface="+mn-cs"/>
-            </a:defRPr>
-          </a:lvl7pPr>
-          <a:lvl8pPr marL="3200400" algn="l" defTabSz="457200" rtl="0" eaLnBrk="1" latinLnBrk="0" hangingPunct="1">
-            <a:defRPr sz="1800" kern="1200">
-              <a:solidFill>
-                <a:schemeClr val="tx1"/>
-              </a:solidFill>
-              <a:latin typeface="+mn-lt"/>
-              <a:ea typeface="+mn-ea"/>
-              <a:cs typeface="+mn-cs"/>
-            </a:defRPr>
-          </a:lvl8pPr>
-          <a:lvl9pPr marL="3657600" algn="l" defTabSz="457200" rtl="0" eaLnBrk="1" latinLnBrk="0" hangingPunct="1">
-            <a:defRPr sz="1800" kern="1200">
-              <a:solidFill>
-                <a:schemeClr val="tx1"/>
-              </a:solidFill>
-              <a:latin typeface="+mn-lt"/>
-              <a:ea typeface="+mn-ea"/>
-              <a:cs typeface="+mn-cs"/>
-            </a:defRPr>
-          </a:lvl9pPr>
-        </a:lstStyle>
-        <a:p xmlns:a="http://schemas.openxmlformats.org/drawingml/2006/main">
-          <a:pPr algn="ctr"/>
-          <a:r>
-            <a:rPr lang="en-US" sz="2400" dirty="0" smtClean="0">
-              <a:solidFill>
-                <a:srgbClr val="0000FF"/>
-              </a:solidFill>
-            </a:rPr>
-            <a:t>Single Crate</a:t>
-          </a:r>
-          <a:endParaRPr lang="en-US" sz="2400" dirty="0">
-            <a:solidFill>
-              <a:srgbClr val="0000FF"/>
-            </a:solidFill>
-          </a:endParaRPr>
-        </a:p>
-      </cdr:txBody>
-    </cdr:sp>
-  </cdr:relSizeAnchor>
-  <cdr:relSizeAnchor xmlns:cdr="http://schemas.openxmlformats.org/drawingml/2006/chartDrawing">
-    <cdr:from>
-      <cdr:x>0.67639</cdr:x>
-      <cdr:y>0.53828</cdr:y>
-    </cdr:from>
-    <cdr:to>
-      <cdr:x>0.84026</cdr:x>
-      <cdr:y>0.63153</cdr:y>
-    </cdr:to>
-    <cdr:sp macro="" textlink="">
-      <cdr:nvSpPr>
-        <cdr:cNvPr id="5" name="TextBox 5"/>
-        <cdr:cNvSpPr txBox="1"/>
-      </cdr:nvSpPr>
-      <cdr:spPr>
-        <a:xfrm xmlns:a="http://schemas.openxmlformats.org/drawingml/2006/main">
-          <a:off x="5176325" y="2665101"/>
-          <a:ext cx="1254034" cy="461665"/>
-        </a:xfrm>
-        <a:prstGeom xmlns:a="http://schemas.openxmlformats.org/drawingml/2006/main" prst="rect">
-          <a:avLst/>
-        </a:prstGeom>
-        <a:noFill xmlns:a="http://schemas.openxmlformats.org/drawingml/2006/main"/>
-      </cdr:spPr>
-      <cdr:txBody>
-        <a:bodyPr xmlns:a="http://schemas.openxmlformats.org/drawingml/2006/main" wrap="square" rtlCol="0">
-          <a:spAutoFit/>
-        </a:bodyPr>
-        <a:lstStyle xmlns:a="http://schemas.openxmlformats.org/drawingml/2006/main">
-          <a:defPPr>
-            <a:defRPr lang="en-US"/>
-          </a:defPPr>
-          <a:lvl1pPr marL="0" algn="l" defTabSz="457200" rtl="0" eaLnBrk="1" latinLnBrk="0" hangingPunct="1">
-            <a:defRPr sz="1800" kern="1200">
-              <a:solidFill>
-                <a:schemeClr val="tx1"/>
-              </a:solidFill>
-              <a:latin typeface="+mn-lt"/>
-              <a:ea typeface="+mn-ea"/>
-              <a:cs typeface="+mn-cs"/>
-            </a:defRPr>
-          </a:lvl1pPr>
-          <a:lvl2pPr marL="457200" algn="l" defTabSz="457200" rtl="0" eaLnBrk="1" latinLnBrk="0" hangingPunct="1">
-            <a:defRPr sz="1800" kern="1200">
-              <a:solidFill>
-                <a:schemeClr val="tx1"/>
-              </a:solidFill>
-              <a:latin typeface="+mn-lt"/>
-              <a:ea typeface="+mn-ea"/>
-              <a:cs typeface="+mn-cs"/>
-            </a:defRPr>
-          </a:lvl2pPr>
-          <a:lvl3pPr marL="914400" algn="l" defTabSz="457200" rtl="0" eaLnBrk="1" latinLnBrk="0" hangingPunct="1">
-            <a:defRPr sz="1800" kern="1200">
-              <a:solidFill>
-                <a:schemeClr val="tx1"/>
-              </a:solidFill>
-              <a:latin typeface="+mn-lt"/>
-              <a:ea typeface="+mn-ea"/>
-              <a:cs typeface="+mn-cs"/>
-            </a:defRPr>
-          </a:lvl3pPr>
-          <a:lvl4pPr marL="1371600" algn="l" defTabSz="457200" rtl="0" eaLnBrk="1" latinLnBrk="0" hangingPunct="1">
-            <a:defRPr sz="1800" kern="1200">
-              <a:solidFill>
-                <a:schemeClr val="tx1"/>
-              </a:solidFill>
-              <a:latin typeface="+mn-lt"/>
-              <a:ea typeface="+mn-ea"/>
-              <a:cs typeface="+mn-cs"/>
-            </a:defRPr>
-          </a:lvl4pPr>
-          <a:lvl5pPr marL="1828800" algn="l" defTabSz="457200" rtl="0" eaLnBrk="1" latinLnBrk="0" hangingPunct="1">
-            <a:defRPr sz="1800" kern="1200">
-              <a:solidFill>
-                <a:schemeClr val="tx1"/>
-              </a:solidFill>
-              <a:latin typeface="+mn-lt"/>
-              <a:ea typeface="+mn-ea"/>
-              <a:cs typeface="+mn-cs"/>
-            </a:defRPr>
-          </a:lvl5pPr>
-          <a:lvl6pPr marL="2286000" algn="l" defTabSz="457200" rtl="0" eaLnBrk="1" latinLnBrk="0" hangingPunct="1">
-            <a:defRPr sz="1800" kern="1200">
-              <a:solidFill>
-                <a:schemeClr val="tx1"/>
-              </a:solidFill>
-              <a:latin typeface="+mn-lt"/>
-              <a:ea typeface="+mn-ea"/>
-              <a:cs typeface="+mn-cs"/>
-            </a:defRPr>
-          </a:lvl6pPr>
-          <a:lvl7pPr marL="2743200" algn="l" defTabSz="457200" rtl="0" eaLnBrk="1" latinLnBrk="0" hangingPunct="1">
-            <a:defRPr sz="1800" kern="1200">
-              <a:solidFill>
-                <a:schemeClr val="tx1"/>
-              </a:solidFill>
-              <a:latin typeface="+mn-lt"/>
-              <a:ea typeface="+mn-ea"/>
-              <a:cs typeface="+mn-cs"/>
-            </a:defRPr>
-          </a:lvl7pPr>
-          <a:lvl8pPr marL="3200400" algn="l" defTabSz="457200" rtl="0" eaLnBrk="1" latinLnBrk="0" hangingPunct="1">
-            <a:defRPr sz="1800" kern="1200">
-              <a:solidFill>
-                <a:schemeClr val="tx1"/>
-              </a:solidFill>
-              <a:latin typeface="+mn-lt"/>
-              <a:ea typeface="+mn-ea"/>
-              <a:cs typeface="+mn-cs"/>
-            </a:defRPr>
-          </a:lvl8pPr>
-          <a:lvl9pPr marL="3657600" algn="l" defTabSz="457200" rtl="0" eaLnBrk="1" latinLnBrk="0" hangingPunct="1">
-            <a:defRPr sz="1800" kern="1200">
-              <a:solidFill>
-                <a:schemeClr val="tx1"/>
-              </a:solidFill>
-              <a:latin typeface="+mn-lt"/>
-              <a:ea typeface="+mn-ea"/>
-              <a:cs typeface="+mn-cs"/>
-            </a:defRPr>
-          </a:lvl9pPr>
-        </a:lstStyle>
-        <a:p xmlns:a="http://schemas.openxmlformats.org/drawingml/2006/main">
-          <a:r>
-            <a:rPr lang="en-US" sz="2400" dirty="0" smtClean="0">
-              <a:solidFill>
-                <a:srgbClr val="FF0000"/>
-              </a:solidFill>
-            </a:rPr>
-            <a:t>3 Crates</a:t>
-          </a:r>
-          <a:endParaRPr lang="en-US" sz="2400" dirty="0">
-            <a:solidFill>
-              <a:srgbClr val="FF0000"/>
-            </a:solidFill>
-          </a:endParaRPr>
-        </a:p>
-      </cdr:txBody>
-    </cdr:sp>
-  </cdr:relSizeAnchor>
-</c:userShapes>
 </file>
 
 <file path=ppt/slideLayouts/slideLayout1.xml><?xml version="1.0" encoding="utf-8"?>
@@ -1014,7 +322,7 @@
           <a:p>
             <a:fld id="{B41FAE2C-98F2-4AEB-9028-7681F5825C1E}" type="datetimeFigureOut">
               <a:rPr lang="en-US" smtClean="0"/>
-              <a:t>11/10/2015</a:t>
+              <a:t>11/11/2015</a:t>
             </a:fld>
             <a:endParaRPr lang="en-US"/>
           </a:p>
@@ -1187,7 +495,7 @@
           <a:p>
             <a:fld id="{B41FAE2C-98F2-4AEB-9028-7681F5825C1E}" type="datetimeFigureOut">
               <a:rPr lang="en-US" smtClean="0"/>
-              <a:t>11/10/2015</a:t>
+              <a:t>11/11/2015</a:t>
             </a:fld>
             <a:endParaRPr lang="en-US"/>
           </a:p>
@@ -1377,7 +685,7 @@
           <a:p>
             <a:fld id="{B41FAE2C-98F2-4AEB-9028-7681F5825C1E}" type="datetimeFigureOut">
               <a:rPr lang="en-US" smtClean="0"/>
-              <a:t>11/10/2015</a:t>
+              <a:t>11/11/2015</a:t>
             </a:fld>
             <a:endParaRPr lang="en-US"/>
           </a:p>
@@ -1634,7 +942,7 @@
                 </a:solidFill>
               </a:rPr>
               <a:pPr/>
-              <a:t>11/10/2015</a:t>
+              <a:t>11/11/2015</a:t>
             </a:fld>
             <a:endParaRPr lang="en-US">
               <a:solidFill>
@@ -1842,7 +1150,7 @@
                 </a:solidFill>
               </a:rPr>
               <a:pPr/>
-              <a:t>11/10/2015</a:t>
+              <a:t>11/11/2015</a:t>
             </a:fld>
             <a:endParaRPr lang="en-US">
               <a:solidFill>
@@ -2126,7 +1434,7 @@
                 </a:solidFill>
               </a:rPr>
               <a:pPr/>
-              <a:t>11/10/2015</a:t>
+              <a:t>11/11/2015</a:t>
             </a:fld>
             <a:endParaRPr lang="en-US">
               <a:solidFill>
@@ -2452,7 +1760,7 @@
                 </a:solidFill>
               </a:rPr>
               <a:pPr/>
-              <a:t>11/10/2015</a:t>
+              <a:t>11/11/2015</a:t>
             </a:fld>
             <a:endParaRPr lang="en-US">
               <a:solidFill>
@@ -2912,7 +2220,7 @@
                 </a:solidFill>
               </a:rPr>
               <a:pPr/>
-              <a:t>11/10/2015</a:t>
+              <a:t>11/11/2015</a:t>
             </a:fld>
             <a:endParaRPr lang="en-US">
               <a:solidFill>
@@ -3068,7 +2376,7 @@
                 </a:solidFill>
               </a:rPr>
               <a:pPr/>
-              <a:t>11/10/2015</a:t>
+              <a:t>11/11/2015</a:t>
             </a:fld>
             <a:endParaRPr lang="en-US">
               <a:solidFill>
@@ -3201,7 +2509,7 @@
                 </a:solidFill>
               </a:rPr>
               <a:pPr/>
-              <a:t>11/10/2015</a:t>
+              <a:t>11/11/2015</a:t>
             </a:fld>
             <a:endParaRPr lang="en-US">
               <a:solidFill>
@@ -3516,7 +2824,7 @@
                 </a:solidFill>
               </a:rPr>
               <a:pPr/>
-              <a:t>11/10/2015</a:t>
+              <a:t>11/11/2015</a:t>
             </a:fld>
             <a:endParaRPr lang="en-US">
               <a:solidFill>
@@ -3719,7 +3027,7 @@
           <a:p>
             <a:fld id="{B41FAE2C-98F2-4AEB-9028-7681F5825C1E}" type="datetimeFigureOut">
               <a:rPr lang="en-US" smtClean="0"/>
-              <a:t>11/10/2015</a:t>
+              <a:t>11/11/2015</a:t>
             </a:fld>
             <a:endParaRPr lang="en-US"/>
           </a:p>
@@ -3984,7 +3292,7 @@
                 </a:solidFill>
               </a:rPr>
               <a:pPr/>
-              <a:t>11/10/2015</a:t>
+              <a:t>11/11/2015</a:t>
             </a:fld>
             <a:endParaRPr lang="en-US">
               <a:solidFill>
@@ -4192,7 +3500,7 @@
                 </a:solidFill>
               </a:rPr>
               <a:pPr/>
-              <a:t>11/10/2015</a:t>
+              <a:t>11/11/2015</a:t>
             </a:fld>
             <a:endParaRPr lang="en-US">
               <a:solidFill>
@@ -4410,7 +3718,7 @@
                 </a:solidFill>
               </a:rPr>
               <a:pPr/>
-              <a:t>11/10/2015</a:t>
+              <a:t>11/11/2015</a:t>
             </a:fld>
             <a:endParaRPr lang="en-US">
               <a:solidFill>
@@ -4689,7 +3997,7 @@
           <a:p>
             <a:fld id="{B41FAE2C-98F2-4AEB-9028-7681F5825C1E}" type="datetimeFigureOut">
               <a:rPr lang="en-US" smtClean="0"/>
-              <a:t>11/10/2015</a:t>
+              <a:t>11/11/2015</a:t>
             </a:fld>
             <a:endParaRPr lang="en-US"/>
           </a:p>
@@ -4980,7 +4288,7 @@
           <a:p>
             <a:fld id="{B41FAE2C-98F2-4AEB-9028-7681F5825C1E}" type="datetimeFigureOut">
               <a:rPr lang="en-US" smtClean="0"/>
-              <a:t>11/10/2015</a:t>
+              <a:t>11/11/2015</a:t>
             </a:fld>
             <a:endParaRPr lang="en-US"/>
           </a:p>
@@ -5405,7 +4713,7 @@
           <a:p>
             <a:fld id="{B41FAE2C-98F2-4AEB-9028-7681F5825C1E}" type="datetimeFigureOut">
               <a:rPr lang="en-US" smtClean="0"/>
-              <a:t>11/10/2015</a:t>
+              <a:t>11/11/2015</a:t>
             </a:fld>
             <a:endParaRPr lang="en-US"/>
           </a:p>
@@ -5533,7 +4841,7 @@
           <a:p>
             <a:fld id="{B41FAE2C-98F2-4AEB-9028-7681F5825C1E}" type="datetimeFigureOut">
               <a:rPr lang="en-US" smtClean="0"/>
-              <a:t>11/10/2015</a:t>
+              <a:t>11/11/2015</a:t>
             </a:fld>
             <a:endParaRPr lang="en-US"/>
           </a:p>
@@ -5638,7 +4946,7 @@
           <a:p>
             <a:fld id="{B41FAE2C-98F2-4AEB-9028-7681F5825C1E}" type="datetimeFigureOut">
               <a:rPr lang="en-US" smtClean="0"/>
-              <a:t>11/10/2015</a:t>
+              <a:t>11/11/2015</a:t>
             </a:fld>
             <a:endParaRPr lang="en-US"/>
           </a:p>
@@ -5925,7 +5233,7 @@
           <a:p>
             <a:fld id="{B41FAE2C-98F2-4AEB-9028-7681F5825C1E}" type="datetimeFigureOut">
               <a:rPr lang="en-US" smtClean="0"/>
-              <a:t>11/10/2015</a:t>
+              <a:t>11/11/2015</a:t>
             </a:fld>
             <a:endParaRPr lang="en-US"/>
           </a:p>
@@ -6192,7 +5500,7 @@
           <a:p>
             <a:fld id="{B41FAE2C-98F2-4AEB-9028-7681F5825C1E}" type="datetimeFigureOut">
               <a:rPr lang="en-US" smtClean="0"/>
-              <a:t>11/10/2015</a:t>
+              <a:t>11/11/2015</a:t>
             </a:fld>
             <a:endParaRPr lang="en-US"/>
           </a:p>
@@ -6420,7 +5728,7 @@
           <a:p>
             <a:fld id="{B41FAE2C-98F2-4AEB-9028-7681F5825C1E}" type="datetimeFigureOut">
               <a:rPr lang="en-US" smtClean="0"/>
-              <a:t>11/10/2015</a:t>
+              <a:t>11/11/2015</a:t>
             </a:fld>
             <a:endParaRPr lang="en-US"/>
           </a:p>
@@ -6898,7 +6206,7 @@
                 </a:solidFill>
               </a:rPr>
               <a:pPr defTabSz="457200"/>
-              <a:t>11/10/2015</a:t>
+              <a:t>11/11/2015</a:t>
             </a:fld>
             <a:endParaRPr lang="en-US" dirty="0">
               <a:solidFill>
@@ -7573,7 +6881,7 @@
           <a:p>
             <a:fld id="{B41FAE2C-98F2-4AEB-9028-7681F5825C1E}" type="datetimeFigureOut">
               <a:rPr lang="en-US" smtClean="0"/>
-              <a:t>11/10/2015</a:t>
+              <a:t>11/11/2015</a:t>
             </a:fld>
             <a:endParaRPr lang="en-US"/>
           </a:p>
@@ -8173,7 +7481,7 @@
           <a:p>
             <a:fld id="{B41FAE2C-98F2-4AEB-9028-7681F5825C1E}" type="datetimeFigureOut">
               <a:rPr lang="en-US" smtClean="0"/>
-              <a:t>11/10/2015</a:t>
+              <a:t>11/11/2015</a:t>
             </a:fld>
             <a:endParaRPr lang="en-US"/>
           </a:p>
@@ -8362,7 +7670,7 @@
           <a:p>
             <a:fld id="{B41FAE2C-98F2-4AEB-9028-7681F5825C1E}" type="datetimeFigureOut">
               <a:rPr lang="en-US" smtClean="0"/>
-              <a:t>11/10/2015</a:t>
+              <a:t>11/11/2015</a:t>
             </a:fld>
             <a:endParaRPr lang="en-US"/>
           </a:p>
@@ -8589,7 +7897,7 @@
           <a:p>
             <a:fld id="{B41FAE2C-98F2-4AEB-9028-7681F5825C1E}" type="datetimeFigureOut">
               <a:rPr lang="en-US" smtClean="0"/>
-              <a:t>11/10/2015</a:t>
+              <a:t>11/11/2015</a:t>
             </a:fld>
             <a:endParaRPr lang="en-US"/>
           </a:p>
@@ -8729,7 +8037,7 @@
           <a:p>
             <a:fld id="{B41FAE2C-98F2-4AEB-9028-7681F5825C1E}" type="datetimeFigureOut">
               <a:rPr lang="en-US" smtClean="0"/>
-              <a:t>11/10/2015</a:t>
+              <a:t>11/11/2015</a:t>
             </a:fld>
             <a:endParaRPr lang="en-US"/>
           </a:p>
@@ -9063,7 +8371,7 @@
           <a:p>
             <a:fld id="{B41FAE2C-98F2-4AEB-9028-7681F5825C1E}" type="datetimeFigureOut">
               <a:rPr lang="en-US" smtClean="0"/>
-              <a:t>11/10/2015</a:t>
+              <a:t>11/11/2015</a:t>
             </a:fld>
             <a:endParaRPr lang="en-US"/>
           </a:p>
@@ -9163,28 +8471,28 @@
                 <a:gridCol w="2286000">
                   <a:extLst>
                     <a:ext uri="{9D8B030D-6E8A-4147-A177-3AD203B41FA5}">
-                      <a16:colId xmlns:a16="http://schemas.microsoft.com/office/drawing/2014/main" xmlns="" val="2383147881"/>
+                      <a16:colId xmlns="" xmlns:a16="http://schemas.microsoft.com/office/drawing/2014/main" val="2383147881"/>
                     </a:ext>
                   </a:extLst>
                 </a:gridCol>
                 <a:gridCol w="2209800">
                   <a:extLst>
                     <a:ext uri="{9D8B030D-6E8A-4147-A177-3AD203B41FA5}">
-                      <a16:colId xmlns:a16="http://schemas.microsoft.com/office/drawing/2014/main" xmlns="" val="3539225061"/>
+                      <a16:colId xmlns="" xmlns:a16="http://schemas.microsoft.com/office/drawing/2014/main" val="3539225061"/>
                     </a:ext>
                   </a:extLst>
                 </a:gridCol>
                 <a:gridCol w="2209800">
                   <a:extLst>
                     <a:ext uri="{9D8B030D-6E8A-4147-A177-3AD203B41FA5}">
-                      <a16:colId xmlns:a16="http://schemas.microsoft.com/office/drawing/2014/main" xmlns="" val="449586720"/>
+                      <a16:colId xmlns="" xmlns:a16="http://schemas.microsoft.com/office/drawing/2014/main" val="449586720"/>
                     </a:ext>
                   </a:extLst>
                 </a:gridCol>
                 <a:gridCol w="2057400">
                   <a:extLst>
                     <a:ext uri="{9D8B030D-6E8A-4147-A177-3AD203B41FA5}">
-                      <a16:colId xmlns:a16="http://schemas.microsoft.com/office/drawing/2014/main" xmlns="" val="3861353694"/>
+                      <a16:colId xmlns="" xmlns:a16="http://schemas.microsoft.com/office/drawing/2014/main" val="3861353694"/>
                     </a:ext>
                   </a:extLst>
                 </a:gridCol>
@@ -9296,7 +8604,7 @@
                 </a:tc>
                 <a:extLst>
                   <a:ext uri="{0D108BD9-81ED-4DB2-BD59-A6C34878D82A}">
-                    <a16:rowId xmlns:a16="http://schemas.microsoft.com/office/drawing/2014/main" xmlns="" val="660863743"/>
+                    <a16:rowId xmlns="" xmlns:a16="http://schemas.microsoft.com/office/drawing/2014/main" val="660863743"/>
                   </a:ext>
                 </a:extLst>
               </a:tr>
@@ -9453,15 +8761,7 @@
                       </a:pPr>
                       <a:r>
                         <a:rPr lang="en-US" sz="1600" dirty="0" smtClean="0"/>
-                        <a:t>Test MPD optical </a:t>
-                      </a:r>
-                      <a:r>
-                        <a:rPr lang="en-US" sz="1600" dirty="0" smtClean="0"/>
-                        <a:t>readout (SSP)</a:t>
-                      </a:r>
-                      <a:r>
-                        <a:rPr lang="en-US" sz="1600" dirty="0" smtClean="0"/>
-                        <a:t/>
+                        <a:t>Test MPD optical readout (SSP)</a:t>
                       </a:r>
                       <a:br>
                         <a:rPr lang="en-US" sz="1600" dirty="0" smtClean="0"/>
@@ -9703,11 +9003,7 @@
                       </a:r>
                       <a:r>
                         <a:rPr lang="en-US" dirty="0" smtClean="0"/>
-                        <a:t> </a:t>
-                      </a:r>
-                      <a:r>
-                        <a:rPr lang="en-US" dirty="0" smtClean="0"/>
-                        <a:t>and FADC setup</a:t>
+                        <a:t> and FADC setup</a:t>
                       </a:r>
                     </a:p>
                     <a:p>
@@ -9731,11 +9027,7 @@
                       </a:pPr>
                       <a:r>
                         <a:rPr lang="en-US" dirty="0" smtClean="0"/>
-                        <a:t>Tritium </a:t>
-                      </a:r>
-                      <a:r>
-                        <a:rPr lang="en-US" dirty="0" smtClean="0"/>
-                        <a:t>experiment</a:t>
+                        <a:t>Tritium experiment</a:t>
                       </a:r>
                     </a:p>
                     <a:p>
@@ -9757,11 +9049,7 @@
                       </a:r>
                       <a:r>
                         <a:rPr lang="en-US" dirty="0" smtClean="0"/>
-                        <a:t> </a:t>
-                      </a:r>
-                      <a:r>
-                        <a:rPr lang="en-US" dirty="0" smtClean="0"/>
-                        <a:t>and FADC setup</a:t>
+                        <a:t> and FADC setup</a:t>
                       </a:r>
                     </a:p>
                     <a:p>
@@ -9776,7 +9064,7 @@
                 </a:tc>
                 <a:extLst>
                   <a:ext uri="{0D108BD9-81ED-4DB2-BD59-A6C34878D82A}">
-                    <a16:rowId xmlns:a16="http://schemas.microsoft.com/office/drawing/2014/main" xmlns="" val="85563496"/>
+                    <a16:rowId xmlns="" xmlns:a16="http://schemas.microsoft.com/office/drawing/2014/main" val="85563496"/>
                   </a:ext>
                 </a:extLst>
               </a:tr>
@@ -9829,7 +9117,7 @@
           <a:p>
             <a:fld id="{B41FAE2C-98F2-4AEB-9028-7681F5825C1E}" type="datetimeFigureOut">
               <a:rPr lang="en-US" smtClean="0"/>
-              <a:t>11/10/2015</a:t>
+              <a:t>11/11/2015</a:t>
             </a:fld>
             <a:endParaRPr lang="en-US"/>
           </a:p>
@@ -10159,7 +9447,7 @@
           <a:p>
             <a:fld id="{B41FAE2C-98F2-4AEB-9028-7681F5825C1E}" type="datetimeFigureOut">
               <a:rPr lang="en-US" smtClean="0"/>
-              <a:t>11/10/2015</a:t>
+              <a:t>11/11/2015</a:t>
             </a:fld>
             <a:endParaRPr lang="en-US"/>
           </a:p>
@@ -10384,7 +9672,7 @@
           <a:p>
             <a:fld id="{B41FAE2C-98F2-4AEB-9028-7681F5825C1E}" type="datetimeFigureOut">
               <a:rPr lang="en-US" smtClean="0"/>
-              <a:t>11/10/2015</a:t>
+              <a:t>11/11/2015</a:t>
             </a:fld>
             <a:endParaRPr lang="en-US"/>
           </a:p>
@@ -10560,7 +9848,7 @@
           <a:p>
             <a:fld id="{B41FAE2C-98F2-4AEB-9028-7681F5825C1E}" type="datetimeFigureOut">
               <a:rPr lang="en-US" smtClean="0"/>
-              <a:t>11/10/2015</a:t>
+              <a:t>11/11/2015</a:t>
             </a:fld>
             <a:endParaRPr lang="en-US"/>
           </a:p>
@@ -10654,8 +9942,8 @@
           </a:p>
         </p:txBody>
       </p:sp>
-      <mc:AlternateContent xmlns:mc="http://schemas.openxmlformats.org/markup-compatibility/2006">
-        <mc:Choice xmlns:a14="http://schemas.microsoft.com/office/drawing/2010/main" Requires="a14">
+      <mc:AlternateContent xmlns:mc="http://schemas.openxmlformats.org/markup-compatibility/2006" xmlns:a14="http://schemas.microsoft.com/office/drawing/2010/main">
+        <mc:Choice Requires="a14">
           <p:sp>
             <p:nvSpPr>
               <p:cNvPr id="3" name="Content Placeholder 2"/>
@@ -10882,17 +10170,12 @@
                   <a:rPr lang="en-US" dirty="0" smtClean="0"/>
                   <a:t>VME</a:t>
                 </a:r>
-                <a:endParaRPr lang="en-US" dirty="0" smtClean="0"/>
               </a:p>
               <a:p>
                 <a:pPr lvl="1"/>
                 <a:r>
                   <a:rPr lang="en-US" dirty="0" smtClean="0"/>
-                  <a:t>HCAL as neutron detector using FADC and high resolution </a:t>
-                </a:r>
-                <a:r>
-                  <a:rPr lang="en-US" dirty="0" smtClean="0"/>
-                  <a:t>TDC</a:t>
+                  <a:t>HCAL as neutron detector using FADC and high resolution TDC</a:t>
                 </a:r>
               </a:p>
               <a:p>
@@ -10905,7 +10188,7 @@
             </p:txBody>
           </p:sp>
         </mc:Choice>
-        <mc:Fallback>
+        <mc:Fallback xmlns="">
           <p:sp>
             <p:nvSpPr>
               <p:cNvPr id="3" name="Content Placeholder 2"/>
@@ -10965,7 +10248,7 @@
           <a:p>
             <a:fld id="{B41FAE2C-98F2-4AEB-9028-7681F5825C1E}" type="datetimeFigureOut">
               <a:rPr lang="en-US" smtClean="0"/>
-              <a:t>11/10/2015</a:t>
+              <a:t>11/11/2015</a:t>
             </a:fld>
             <a:endParaRPr lang="en-US"/>
           </a:p>
@@ -11177,7 +10460,7 @@
           <a:p>
             <a:fld id="{B41FAE2C-98F2-4AEB-9028-7681F5825C1E}" type="datetimeFigureOut">
               <a:rPr lang="en-US" smtClean="0"/>
-              <a:t>11/10/2015</a:t>
+              <a:t>11/11/2015</a:t>
             </a:fld>
             <a:endParaRPr lang="en-US"/>
           </a:p>
@@ -11941,7 +11224,7 @@
           <a:p>
             <a:fld id="{B41FAE2C-98F2-4AEB-9028-7681F5825C1E}" type="datetimeFigureOut">
               <a:rPr lang="en-US" smtClean="0"/>
-              <a:t>11/10/2015</a:t>
+              <a:t>11/11/2015</a:t>
             </a:fld>
             <a:endParaRPr lang="en-US"/>
           </a:p>
@@ -12566,7 +11849,7 @@
           <a:p>
             <a:fld id="{B41FAE2C-98F2-4AEB-9028-7681F5825C1E}" type="datetimeFigureOut">
               <a:rPr lang="en-US" smtClean="0"/>
-              <a:t>11/10/2015</a:t>
+              <a:t>11/11/2015</a:t>
             </a:fld>
             <a:endParaRPr lang="en-US" dirty="0"/>
           </a:p>
@@ -17046,7 +16329,7 @@
           <a:p>
             <a:fld id="{B41FAE2C-98F2-4AEB-9028-7681F5825C1E}" type="datetimeFigureOut">
               <a:rPr lang="en-US" smtClean="0"/>
-              <a:t>11/10/2015</a:t>
+              <a:t>11/11/2015</a:t>
             </a:fld>
             <a:endParaRPr lang="en-US" dirty="0"/>
           </a:p>
@@ -17374,179 +16657,52 @@
           <a:p>
             <a:r>
               <a:rPr lang="en-US" dirty="0" smtClean="0"/>
-              <a:t>Trigger Switching</a:t>
+              <a:t>Single Crate vs. Trigger Switching</a:t>
             </a:r>
             <a:endParaRPr lang="en-US" dirty="0"/>
           </a:p>
         </p:txBody>
       </p:sp>
-      <p:cxnSp>
-        <p:nvCxnSpPr>
-          <p:cNvPr id="11" name="Elbow Connector 10"/>
-          <p:cNvCxnSpPr/>
+      <p:pic>
+        <p:nvPicPr>
+          <p:cNvPr id="4" name="Picture 3" descr="Switching_FixedReadout_v2_nomodel.pdf"/>
+          <p:cNvPicPr>
+            <a:picLocks noChangeAspect="1"/>
+          </p:cNvPicPr>
           <p:nvPr/>
-        </p:nvCxnSpPr>
-        <p:spPr>
-          <a:xfrm rot="5400000" flipH="1" flipV="1">
-            <a:off x="3027158" y="5607076"/>
-            <a:ext cx="420127" cy="200566"/>
-          </a:xfrm>
-          <a:prstGeom prst="bentConnector3">
-            <a:avLst>
-              <a:gd name="adj1" fmla="val 2223"/>
-            </a:avLst>
-          </a:prstGeom>
-          <a:ln>
-            <a:solidFill>
-              <a:srgbClr val="800000"/>
-            </a:solidFill>
-            <a:tailEnd type="arrow"/>
-          </a:ln>
-          <a:effectLst/>
-        </p:spPr>
-        <p:style>
-          <a:lnRef idx="2">
-            <a:schemeClr val="accent1"/>
-          </a:lnRef>
-          <a:fillRef idx="0">
-            <a:schemeClr val="accent1"/>
-          </a:fillRef>
-          <a:effectRef idx="1">
-            <a:schemeClr val="accent1"/>
-          </a:effectRef>
-          <a:fontRef idx="minor">
-            <a:schemeClr val="tx1"/>
-          </a:fontRef>
-        </p:style>
-      </p:cxnSp>
-      <p:sp>
-        <p:nvSpPr>
-          <p:cNvPr id="12" name="TextBox 11"/>
-          <p:cNvSpPr txBox="1"/>
+        </p:nvPicPr>
+        <p:blipFill>
+          <a:blip r:embed="rId2">
+            <a:extLst>
+              <a:ext uri="{28A0092B-C50C-407E-A947-70E740481C1C}">
+                <a14:useLocalDpi xmlns:a14="http://schemas.microsoft.com/office/drawing/2010/main" val="0"/>
+              </a:ext>
+            </a:extLst>
+          </a:blip>
+          <a:stretch>
+            <a:fillRect/>
+          </a:stretch>
+        </p:blipFill>
+        <p:spPr>
+          <a:xfrm>
+            <a:off x="888366" y="1643884"/>
+            <a:ext cx="7195429" cy="4388572"/>
+          </a:xfrm>
+          <a:prstGeom prst="rect">
+            <a:avLst/>
+          </a:prstGeom>
+        </p:spPr>
+      </p:pic>
+      <p:sp>
+        <p:nvSpPr>
+          <p:cNvPr id="5" name="Rectangle 4"/>
+          <p:cNvSpPr/>
           <p:nvPr/>
         </p:nvSpPr>
         <p:spPr>
           <a:xfrm>
-            <a:off x="1155738" y="5707359"/>
-            <a:ext cx="2273262" cy="369332"/>
-          </a:xfrm>
-          <a:prstGeom prst="rect">
-            <a:avLst/>
-          </a:prstGeom>
-          <a:noFill/>
-        </p:spPr>
-        <p:txBody>
-          <a:bodyPr wrap="square" rtlCol="0">
-            <a:spAutoFit/>
-          </a:bodyPr>
-          <a:lstStyle/>
-          <a:p>
-            <a:r>
-              <a:rPr lang="en-US" dirty="0" smtClean="0">
-                <a:solidFill>
-                  <a:srgbClr val="800000"/>
-                </a:solidFill>
-              </a:rPr>
-              <a:t>Expected ~ 5000 Hz</a:t>
-            </a:r>
-            <a:endParaRPr lang="en-US" dirty="0">
-              <a:solidFill>
-                <a:srgbClr val="800000"/>
-              </a:solidFill>
-            </a:endParaRPr>
-          </a:p>
-        </p:txBody>
-      </p:sp>
-      <p:sp>
-        <p:nvSpPr>
-          <p:cNvPr id="15" name="Date Placeholder 6"/>
-          <p:cNvSpPr>
-            <a:spLocks noGrp="1"/>
-          </p:cNvSpPr>
-          <p:nvPr>
-            <p:ph type="dt" sz="half" idx="10"/>
-          </p:nvPr>
-        </p:nvSpPr>
-        <p:spPr>
-          <a:xfrm>
-            <a:off x="3505200" y="6394375"/>
-            <a:ext cx="2133600" cy="365125"/>
-          </a:xfrm>
-        </p:spPr>
-        <p:txBody>
-          <a:bodyPr/>
-          <a:lstStyle/>
-          <a:p>
-            <a:fld id="{B41FAE2C-98F2-4AEB-9028-7681F5825C1E}" type="datetimeFigureOut">
-              <a:rPr lang="en-US" smtClean="0"/>
-              <a:t>11/10/2015</a:t>
-            </a:fld>
-            <a:endParaRPr lang="en-US"/>
-          </a:p>
-        </p:txBody>
-      </p:sp>
-      <p:sp>
-        <p:nvSpPr>
-          <p:cNvPr id="17" name="Slide Number Placeholder 8"/>
-          <p:cNvSpPr>
-            <a:spLocks noGrp="1"/>
-          </p:cNvSpPr>
-          <p:nvPr>
-            <p:ph type="sldNum" sz="quarter" idx="12"/>
-          </p:nvPr>
-        </p:nvSpPr>
-        <p:spPr>
-          <a:xfrm>
-            <a:off x="3505200" y="6645425"/>
-            <a:ext cx="2133600" cy="190125"/>
-          </a:xfrm>
-        </p:spPr>
-        <p:txBody>
-          <a:bodyPr/>
-          <a:lstStyle/>
-          <a:p>
-            <a:fld id="{123908D8-EB8A-4839-B5DA-E27DEBBAC624}" type="slidenum">
-              <a:rPr lang="en-US" smtClean="0"/>
-              <a:t>8</a:t>
-            </a:fld>
-            <a:endParaRPr lang="en-US"/>
-          </a:p>
-        </p:txBody>
-      </p:sp>
-      <p:graphicFrame>
-        <p:nvGraphicFramePr>
-          <p:cNvPr id="16" name="Chart 15"/>
-          <p:cNvGraphicFramePr>
-            <a:graphicFrameLocks/>
-          </p:cNvGraphicFramePr>
-          <p:nvPr>
-            <p:extLst>
-              <p:ext uri="{D42A27DB-BD31-4B8C-83A1-F6EECF244321}">
-                <p14:modId xmlns:p14="http://schemas.microsoft.com/office/powerpoint/2010/main" val="3926317630"/>
-              </p:ext>
-            </p:extLst>
-          </p:nvPr>
-        </p:nvGraphicFramePr>
-        <p:xfrm>
-          <a:off x="500575" y="1297299"/>
-          <a:ext cx="7652825" cy="4951101"/>
-        </p:xfrm>
-        <a:graphic>
-          <a:graphicData uri="http://schemas.openxmlformats.org/drawingml/2006/chart">
-            <c:chart xmlns:c="http://schemas.openxmlformats.org/drawingml/2006/chart" xmlns:r="http://schemas.openxmlformats.org/officeDocument/2006/relationships" r:id="rId2"/>
-          </a:graphicData>
-        </a:graphic>
-      </p:graphicFrame>
-      <p:sp>
-        <p:nvSpPr>
-          <p:cNvPr id="13" name="TextBox 12"/>
-          <p:cNvSpPr txBox="1"/>
-          <p:nvPr/>
-        </p:nvSpPr>
-        <p:spPr>
-          <a:xfrm>
-            <a:off x="1676400" y="1524000"/>
-            <a:ext cx="2304618" cy="923330"/>
+            <a:off x="758703" y="990600"/>
+            <a:ext cx="7626595" cy="923330"/>
           </a:xfrm>
           <a:prstGeom prst="rect">
             <a:avLst/>
@@ -17556,240 +16712,55 @@
           </a:solidFill>
         </p:spPr>
         <p:txBody>
-          <a:bodyPr wrap="square" rtlCol="0">
+          <a:bodyPr wrap="square">
             <a:spAutoFit/>
           </a:bodyPr>
           <a:lstStyle/>
           <a:p>
+            <a:pPr algn="ctr"/>
             <a:r>
               <a:rPr lang="en-US" dirty="0" smtClean="0"/>
-              <a:t>Dead time at</a:t>
-            </a:r>
-          </a:p>
-          <a:p>
+              <a:t>Readout trigger rate ~ 5 kHz</a:t>
+            </a:r>
+          </a:p>
+          <a:p>
+            <a:pPr algn="ctr"/>
             <a:r>
               <a:rPr lang="en-US" dirty="0" smtClean="0"/>
-              <a:t>Readout ~5kHz</a:t>
-            </a:r>
-          </a:p>
-          <a:p>
+              <a:t>Buffer </a:t>
+            </a:r>
+            <a:r>
+              <a:rPr lang="en-US" dirty="0"/>
+              <a:t>Level = </a:t>
+            </a:r>
             <a:r>
               <a:rPr lang="en-US" dirty="0" smtClean="0"/>
-              <a:t>D</a:t>
-            </a:r>
-            <a:r>
-              <a:rPr lang="en-US" baseline="-25000" dirty="0"/>
-              <a:t>3</a:t>
-            </a:r>
+              <a:t>4</a:t>
+            </a:r>
+          </a:p>
+          <a:p>
+            <a:pPr algn="ctr"/>
             <a:r>
               <a:rPr lang="en-US" dirty="0" smtClean="0"/>
-              <a:t> ~6%</a:t>
-            </a:r>
-            <a:endParaRPr lang="en-US" dirty="0"/>
-          </a:p>
-        </p:txBody>
-      </p:sp>
-      <p:grpSp>
-        <p:nvGrpSpPr>
-          <p:cNvPr id="8" name="Group 7"/>
-          <p:cNvGrpSpPr/>
-          <p:nvPr/>
-        </p:nvGrpSpPr>
-        <p:grpSpPr>
-          <a:xfrm>
-            <a:off x="3429000" y="1676400"/>
-            <a:ext cx="1592560" cy="595836"/>
-            <a:chOff x="3962400" y="1524000"/>
-            <a:chExt cx="1592560" cy="595836"/>
-          </a:xfrm>
-        </p:grpSpPr>
-        <p:sp>
-          <p:nvSpPr>
-            <p:cNvPr id="4" name="Rounded Rectangle 3"/>
-            <p:cNvSpPr/>
-            <p:nvPr/>
-          </p:nvSpPr>
-          <p:spPr>
-            <a:xfrm>
-              <a:off x="3962400" y="1524000"/>
-              <a:ext cx="1592560" cy="595836"/>
-            </a:xfrm>
-            <a:prstGeom prst="roundRect">
-              <a:avLst/>
-            </a:prstGeom>
-            <a:solidFill>
-              <a:schemeClr val="bg1"/>
-            </a:solidFill>
-            <a:ln w="38100" cmpd="sng">
-              <a:solidFill>
-                <a:srgbClr val="800000"/>
-              </a:solidFill>
-            </a:ln>
-            <a:effectLst/>
-          </p:spPr>
-          <p:style>
-            <a:lnRef idx="1">
-              <a:schemeClr val="accent1"/>
-            </a:lnRef>
-            <a:fillRef idx="3">
-              <a:schemeClr val="accent1"/>
-            </a:fillRef>
-            <a:effectRef idx="2">
-              <a:schemeClr val="accent1"/>
-            </a:effectRef>
-            <a:fontRef idx="minor">
-              <a:schemeClr val="lt1"/>
-            </a:fontRef>
-          </p:style>
-          <p:txBody>
-            <a:bodyPr rtlCol="0" anchor="ctr"/>
-            <a:lstStyle/>
-            <a:p>
-              <a:pPr algn="ctr"/>
-              <a:endParaRPr lang="en-US"/>
-            </a:p>
-          </p:txBody>
-        </p:sp>
-        <p:sp>
-          <p:nvSpPr>
-            <p:cNvPr id="14" name="TextBox 13"/>
-            <p:cNvSpPr txBox="1"/>
-            <p:nvPr/>
-          </p:nvSpPr>
-          <p:spPr>
-            <a:xfrm>
-              <a:off x="4051729" y="1595735"/>
-              <a:ext cx="1429182" cy="461665"/>
-            </a:xfrm>
-            <a:prstGeom prst="rect">
-              <a:avLst/>
-            </a:prstGeom>
-            <a:solidFill>
-              <a:schemeClr val="bg1"/>
-            </a:solidFill>
-          </p:spPr>
-          <p:txBody>
-            <a:bodyPr wrap="square" rtlCol="0">
-              <a:spAutoFit/>
-            </a:bodyPr>
-            <a:lstStyle/>
-            <a:p>
-              <a:pPr algn="ctr"/>
-              <a:r>
-                <a:rPr lang="en-US" sz="2400" dirty="0" smtClean="0"/>
-                <a:t>D</a:t>
-              </a:r>
-              <a:r>
-                <a:rPr lang="en-US" sz="2400" baseline="-25000" dirty="0" smtClean="0"/>
-                <a:t>3 </a:t>
-              </a:r>
-              <a:r>
-                <a:rPr lang="en-US" sz="2400" dirty="0" smtClean="0"/>
-                <a:t> ~ (D</a:t>
-              </a:r>
-              <a:r>
-                <a:rPr lang="en-US" sz="2400" baseline="-25000" dirty="0"/>
-                <a:t>1</a:t>
-              </a:r>
-              <a:r>
-                <a:rPr lang="en-US" sz="2400" dirty="0" smtClean="0"/>
-                <a:t>)</a:t>
-              </a:r>
-              <a:r>
-                <a:rPr lang="en-US" sz="2400" baseline="30000" dirty="0" smtClean="0"/>
-                <a:t>3</a:t>
-              </a:r>
-              <a:r>
-                <a:rPr lang="en-US" sz="2400" dirty="0" smtClean="0"/>
-                <a:t> </a:t>
-              </a:r>
-              <a:endParaRPr lang="en-US" sz="2400" dirty="0"/>
-            </a:p>
-          </p:txBody>
-        </p:sp>
-      </p:grpSp>
-      <p:sp>
-        <p:nvSpPr>
-          <p:cNvPr id="22" name="Rectangle 21"/>
-          <p:cNvSpPr/>
-          <p:nvPr/>
-        </p:nvSpPr>
-        <p:spPr>
-          <a:xfrm>
-            <a:off x="791230" y="989929"/>
-            <a:ext cx="3243837" cy="369332"/>
-          </a:xfrm>
-          <a:prstGeom prst="rect">
-            <a:avLst/>
-          </a:prstGeom>
-        </p:spPr>
-        <p:txBody>
-          <a:bodyPr wrap="none">
-            <a:spAutoFit/>
-          </a:bodyPr>
-          <a:lstStyle/>
-          <a:p>
-            <a:r>
-              <a:rPr lang="en-US" b="1" dirty="0"/>
-              <a:t>No pedestal suppression (8ADC)</a:t>
-            </a:r>
-          </a:p>
-        </p:txBody>
-      </p:sp>
-      <p:sp>
-        <p:nvSpPr>
-          <p:cNvPr id="23" name="Rectangle 22"/>
-          <p:cNvSpPr/>
-          <p:nvPr/>
-        </p:nvSpPr>
-        <p:spPr>
-          <a:xfrm>
-            <a:off x="5715000" y="1005984"/>
-            <a:ext cx="2710294" cy="369332"/>
-          </a:xfrm>
-          <a:prstGeom prst="rect">
-            <a:avLst/>
-          </a:prstGeom>
-        </p:spPr>
-        <p:txBody>
-          <a:bodyPr wrap="none">
-            <a:spAutoFit/>
-          </a:bodyPr>
-          <a:lstStyle/>
-          <a:p>
-            <a:r>
-              <a:rPr lang="en-US" b="1" dirty="0" smtClean="0"/>
-              <a:t>Local </a:t>
-            </a:r>
-            <a:r>
-              <a:rPr lang="en-US" b="1" dirty="0"/>
-              <a:t>trigger rate ~ </a:t>
-            </a:r>
-            <a:r>
-              <a:rPr lang="en-US" b="1" dirty="0" smtClean="0"/>
-              <a:t>100kHz</a:t>
-            </a:r>
-            <a:endParaRPr lang="en-US" b="1" dirty="0"/>
+              <a:t>8ADC - (</a:t>
+            </a:r>
+            <a:r>
+              <a:rPr lang="en-US" dirty="0"/>
+              <a:t>reading pedestals on 6 channels in each ADC)</a:t>
+            </a:r>
           </a:p>
         </p:txBody>
       </p:sp>
     </p:spTree>
     <p:extLst>
       <p:ext uri="{BB962C8B-B14F-4D97-AF65-F5344CB8AC3E}">
-        <p14:creationId xmlns:p14="http://schemas.microsoft.com/office/powerpoint/2010/main" val="86548187"/>
+        <p14:creationId xmlns:p14="http://schemas.microsoft.com/office/powerpoint/2010/main" val="2770918126"/>
       </p:ext>
     </p:extLst>
   </p:cSld>
   <p:clrMapOvr>
     <a:masterClrMapping/>
   </p:clrMapOvr>
-  <p:timing>
-    <p:tnLst>
-      <p:par>
-        <p:cTn id="1" dur="indefinite" restart="never" nodeType="tmRoot"/>
-      </p:par>
-    </p:tnLst>
-  </p:timing>
 </p:sld>
 </file>
 
@@ -17918,7 +16889,7 @@
           <a:p>
             <a:fld id="{B41FAE2C-98F2-4AEB-9028-7681F5825C1E}" type="datetimeFigureOut">
               <a:rPr lang="en-US" smtClean="0"/>
-              <a:t>11/10/2015</a:t>
+              <a:t>11/11/2015</a:t>
             </a:fld>
             <a:endParaRPr lang="en-US"/>
           </a:p>
